--- a/Assignment n.4/presentazione.pptx
+++ b/Assignment n.4/presentazione.pptx
@@ -13,17 +13,18 @@
     <p:sldId id="261" r:id="rId7"/>
     <p:sldId id="262" r:id="rId8"/>
     <p:sldId id="263" r:id="rId9"/>
-    <p:sldId id="264" r:id="rId10"/>
-    <p:sldId id="265" r:id="rId11"/>
+    <p:sldId id="275" r:id="rId10"/>
+    <p:sldId id="276" r:id="rId11"/>
     <p:sldId id="266" r:id="rId12"/>
-    <p:sldId id="267" r:id="rId13"/>
-    <p:sldId id="268" r:id="rId14"/>
-    <p:sldId id="269" r:id="rId15"/>
-    <p:sldId id="270" r:id="rId16"/>
-    <p:sldId id="271" r:id="rId17"/>
-    <p:sldId id="272" r:id="rId18"/>
-    <p:sldId id="273" r:id="rId19"/>
-    <p:sldId id="274" r:id="rId20"/>
+    <p:sldId id="277" r:id="rId13"/>
+    <p:sldId id="267" r:id="rId14"/>
+    <p:sldId id="268" r:id="rId15"/>
+    <p:sldId id="269" r:id="rId16"/>
+    <p:sldId id="270" r:id="rId17"/>
+    <p:sldId id="271" r:id="rId18"/>
+    <p:sldId id="272" r:id="rId19"/>
+    <p:sldId id="273" r:id="rId20"/>
+    <p:sldId id="274" r:id="rId21"/>
   </p:sldIdLst>
   <p:sldSz cx="9144000" cy="6858000" type="screen4x3"/>
   <p:notesSz cx="6858000" cy="9144000"/>
@@ -122,6 +123,22 @@
       </a:defRPr>
     </a:lvl9pPr>
   </p:defaultTextStyle>
+  <p:extLst>
+    <p:ext uri="{EFAFB233-063F-42B5-8137-9DF3F51BA10A}">
+      <p15:sldGuideLst xmlns:p15="http://schemas.microsoft.com/office/powerpoint/2012/main">
+        <p15:guide id="1" orient="horz" pos="2160">
+          <p15:clr>
+            <a:srgbClr val="A4A3A4"/>
+          </p15:clr>
+        </p15:guide>
+        <p15:guide id="2" pos="2880">
+          <p15:clr>
+            <a:srgbClr val="A4A3A4"/>
+          </p15:clr>
+        </p15:guide>
+      </p15:sldGuideLst>
+    </p:ext>
+  </p:extLst>
 </p:presentation>
 </file>
 
@@ -213,7 +230,7 @@
           <a:lstStyle/>
           <a:p>
             <a:r>
-              <a:rPr kumimoji="0" lang="it-IT" smtClean="0"/>
+              <a:rPr kumimoji="0" lang="it-IT"/>
               <a:t>Fare clic per modificare lo stile del titolo</a:t>
             </a:r>
             <a:endParaRPr kumimoji="0" lang="en-US"/>
@@ -276,7 +293,7 @@
           </a:lstStyle>
           <a:p>
             <a:r>
-              <a:rPr kumimoji="0" lang="it-IT" smtClean="0"/>
+              <a:rPr kumimoji="0" lang="it-IT"/>
               <a:t>Fare clic per modificare lo stile del sottotitolo dello schema</a:t>
             </a:r>
             <a:endParaRPr kumimoji="0" lang="en-US"/>
@@ -300,7 +317,7 @@
           <a:p>
             <a:fld id="{545163B1-4F0D-47B9-95E1-C3B778F3609B}" type="datetimeFigureOut">
               <a:rPr lang="it-IT" smtClean="0"/>
-              <a:t>30/01/2019</a:t>
+              <a:t>05/02/2019</a:t>
             </a:fld>
             <a:endParaRPr lang="it-IT" dirty="0"/>
           </a:p>
@@ -394,7 +411,7 @@
           <a:lstStyle/>
           <a:p>
             <a:r>
-              <a:rPr kumimoji="0" lang="it-IT" smtClean="0"/>
+              <a:rPr kumimoji="0" lang="it-IT"/>
               <a:t>Fare clic per modificare lo stile del titolo</a:t>
             </a:r>
             <a:endParaRPr kumimoji="0" lang="en-US"/>
@@ -418,35 +435,35 @@
           <a:p>
             <a:pPr lvl="0" eaLnBrk="1" latinLnBrk="0" hangingPunct="1"/>
             <a:r>
-              <a:rPr lang="it-IT" smtClean="0"/>
+              <a:rPr lang="it-IT"/>
               <a:t>Fare clic per modificare stili del testo dello schema</a:t>
             </a:r>
           </a:p>
           <a:p>
             <a:pPr lvl="1" eaLnBrk="1" latinLnBrk="0" hangingPunct="1"/>
             <a:r>
-              <a:rPr lang="it-IT" smtClean="0"/>
+              <a:rPr lang="it-IT"/>
               <a:t>Secondo livello</a:t>
             </a:r>
           </a:p>
           <a:p>
             <a:pPr lvl="2" eaLnBrk="1" latinLnBrk="0" hangingPunct="1"/>
             <a:r>
-              <a:rPr lang="it-IT" smtClean="0"/>
+              <a:rPr lang="it-IT"/>
               <a:t>Terzo livello</a:t>
             </a:r>
           </a:p>
           <a:p>
             <a:pPr lvl="3" eaLnBrk="1" latinLnBrk="0" hangingPunct="1"/>
             <a:r>
-              <a:rPr lang="it-IT" smtClean="0"/>
+              <a:rPr lang="it-IT"/>
               <a:t>Quarto livello</a:t>
             </a:r>
           </a:p>
           <a:p>
             <a:pPr lvl="4" eaLnBrk="1" latinLnBrk="0" hangingPunct="1"/>
             <a:r>
-              <a:rPr lang="it-IT" smtClean="0"/>
+              <a:rPr lang="it-IT"/>
               <a:t>Quinto livello</a:t>
             </a:r>
             <a:endParaRPr kumimoji="0" lang="en-US"/>
@@ -470,7 +487,7 @@
           <a:p>
             <a:fld id="{545163B1-4F0D-47B9-95E1-C3B778F3609B}" type="datetimeFigureOut">
               <a:rPr lang="it-IT" smtClean="0"/>
-              <a:t>30/01/2019</a:t>
+              <a:t>05/02/2019</a:t>
             </a:fld>
             <a:endParaRPr lang="it-IT" dirty="0"/>
           </a:p>
@@ -564,7 +581,7 @@
           <a:lstStyle/>
           <a:p>
             <a:r>
-              <a:rPr kumimoji="0" lang="it-IT" smtClean="0"/>
+              <a:rPr kumimoji="0" lang="it-IT"/>
               <a:t>Fare clic per modificare lo stile del titolo</a:t>
             </a:r>
             <a:endParaRPr kumimoji="0" lang="en-US"/>
@@ -593,35 +610,35 @@
           <a:p>
             <a:pPr lvl="0" eaLnBrk="1" latinLnBrk="0" hangingPunct="1"/>
             <a:r>
-              <a:rPr lang="it-IT" smtClean="0"/>
+              <a:rPr lang="it-IT"/>
               <a:t>Fare clic per modificare stili del testo dello schema</a:t>
             </a:r>
           </a:p>
           <a:p>
             <a:pPr lvl="1" eaLnBrk="1" latinLnBrk="0" hangingPunct="1"/>
             <a:r>
-              <a:rPr lang="it-IT" smtClean="0"/>
+              <a:rPr lang="it-IT"/>
               <a:t>Secondo livello</a:t>
             </a:r>
           </a:p>
           <a:p>
             <a:pPr lvl="2" eaLnBrk="1" latinLnBrk="0" hangingPunct="1"/>
             <a:r>
-              <a:rPr lang="it-IT" smtClean="0"/>
+              <a:rPr lang="it-IT"/>
               <a:t>Terzo livello</a:t>
             </a:r>
           </a:p>
           <a:p>
             <a:pPr lvl="3" eaLnBrk="1" latinLnBrk="0" hangingPunct="1"/>
             <a:r>
-              <a:rPr lang="it-IT" smtClean="0"/>
+              <a:rPr lang="it-IT"/>
               <a:t>Quarto livello</a:t>
             </a:r>
           </a:p>
           <a:p>
             <a:pPr lvl="4" eaLnBrk="1" latinLnBrk="0" hangingPunct="1"/>
             <a:r>
-              <a:rPr lang="it-IT" smtClean="0"/>
+              <a:rPr lang="it-IT"/>
               <a:t>Quinto livello</a:t>
             </a:r>
             <a:endParaRPr kumimoji="0" lang="en-US"/>
@@ -645,7 +662,7 @@
           <a:p>
             <a:fld id="{545163B1-4F0D-47B9-95E1-C3B778F3609B}" type="datetimeFigureOut">
               <a:rPr lang="it-IT" smtClean="0"/>
-              <a:t>30/01/2019</a:t>
+              <a:t>05/02/2019</a:t>
             </a:fld>
             <a:endParaRPr lang="it-IT" dirty="0"/>
           </a:p>
@@ -734,7 +751,7 @@
           <a:lstStyle/>
           <a:p>
             <a:r>
-              <a:rPr kumimoji="0" lang="it-IT" smtClean="0"/>
+              <a:rPr kumimoji="0" lang="it-IT"/>
               <a:t>Fare clic per modificare lo stile del titolo</a:t>
             </a:r>
             <a:endParaRPr kumimoji="0" lang="en-US"/>
@@ -758,35 +775,35 @@
           <a:p>
             <a:pPr lvl="0" eaLnBrk="1" latinLnBrk="0" hangingPunct="1"/>
             <a:r>
-              <a:rPr lang="it-IT" smtClean="0"/>
+              <a:rPr lang="it-IT"/>
               <a:t>Fare clic per modificare stili del testo dello schema</a:t>
             </a:r>
           </a:p>
           <a:p>
             <a:pPr lvl="1" eaLnBrk="1" latinLnBrk="0" hangingPunct="1"/>
             <a:r>
-              <a:rPr lang="it-IT" smtClean="0"/>
+              <a:rPr lang="it-IT"/>
               <a:t>Secondo livello</a:t>
             </a:r>
           </a:p>
           <a:p>
             <a:pPr lvl="2" eaLnBrk="1" latinLnBrk="0" hangingPunct="1"/>
             <a:r>
-              <a:rPr lang="it-IT" smtClean="0"/>
+              <a:rPr lang="it-IT"/>
               <a:t>Terzo livello</a:t>
             </a:r>
           </a:p>
           <a:p>
             <a:pPr lvl="3" eaLnBrk="1" latinLnBrk="0" hangingPunct="1"/>
             <a:r>
-              <a:rPr lang="it-IT" smtClean="0"/>
+              <a:rPr lang="it-IT"/>
               <a:t>Quarto livello</a:t>
             </a:r>
           </a:p>
           <a:p>
             <a:pPr lvl="4" eaLnBrk="1" latinLnBrk="0" hangingPunct="1"/>
             <a:r>
-              <a:rPr lang="it-IT" smtClean="0"/>
+              <a:rPr lang="it-IT"/>
               <a:t>Quinto livello</a:t>
             </a:r>
             <a:endParaRPr kumimoji="0" lang="en-US"/>
@@ -810,7 +827,7 @@
           <a:p>
             <a:fld id="{545163B1-4F0D-47B9-95E1-C3B778F3609B}" type="datetimeFigureOut">
               <a:rPr lang="it-IT" smtClean="0"/>
-              <a:t>30/01/2019</a:t>
+              <a:t>05/02/2019</a:t>
             </a:fld>
             <a:endParaRPr lang="it-IT" dirty="0"/>
           </a:p>
@@ -1016,7 +1033,7 @@
           <a:p>
             <a:pPr lvl="0" eaLnBrk="1" latinLnBrk="0" hangingPunct="1"/>
             <a:r>
-              <a:rPr kumimoji="0" lang="it-IT" smtClean="0"/>
+              <a:rPr kumimoji="0" lang="it-IT"/>
               <a:t>Fare clic per modificare stili del testo dello schema</a:t>
             </a:r>
           </a:p>
@@ -1039,7 +1056,7 @@
           <a:p>
             <a:fld id="{545163B1-4F0D-47B9-95E1-C3B778F3609B}" type="datetimeFigureOut">
               <a:rPr lang="it-IT" smtClean="0"/>
-              <a:t>30/01/2019</a:t>
+              <a:t>05/02/2019</a:t>
             </a:fld>
             <a:endParaRPr lang="it-IT" dirty="0"/>
           </a:p>
@@ -1112,7 +1129,7 @@
           </a:lstStyle>
           <a:p>
             <a:r>
-              <a:rPr kumimoji="0" lang="it-IT" smtClean="0"/>
+              <a:rPr kumimoji="0" lang="it-IT"/>
               <a:t>Fare clic per modificare lo stile del titolo</a:t>
             </a:r>
             <a:endParaRPr kumimoji="0" lang="en-US"/>
@@ -1165,7 +1182,7 @@
           <a:lstStyle/>
           <a:p>
             <a:r>
-              <a:rPr kumimoji="0" lang="it-IT" smtClean="0"/>
+              <a:rPr kumimoji="0" lang="it-IT"/>
               <a:t>Fare clic per modificare lo stile del titolo</a:t>
             </a:r>
             <a:endParaRPr kumimoji="0" lang="en-US"/>
@@ -1210,35 +1227,35 @@
           <a:p>
             <a:pPr lvl="0" eaLnBrk="1" latinLnBrk="0" hangingPunct="1"/>
             <a:r>
-              <a:rPr lang="it-IT" smtClean="0"/>
+              <a:rPr lang="it-IT"/>
               <a:t>Fare clic per modificare stili del testo dello schema</a:t>
             </a:r>
           </a:p>
           <a:p>
             <a:pPr lvl="1" eaLnBrk="1" latinLnBrk="0" hangingPunct="1"/>
             <a:r>
-              <a:rPr lang="it-IT" smtClean="0"/>
+              <a:rPr lang="it-IT"/>
               <a:t>Secondo livello</a:t>
             </a:r>
           </a:p>
           <a:p>
             <a:pPr lvl="2" eaLnBrk="1" latinLnBrk="0" hangingPunct="1"/>
             <a:r>
-              <a:rPr lang="it-IT" smtClean="0"/>
+              <a:rPr lang="it-IT"/>
               <a:t>Terzo livello</a:t>
             </a:r>
           </a:p>
           <a:p>
             <a:pPr lvl="3" eaLnBrk="1" latinLnBrk="0" hangingPunct="1"/>
             <a:r>
-              <a:rPr lang="it-IT" smtClean="0"/>
+              <a:rPr lang="it-IT"/>
               <a:t>Quarto livello</a:t>
             </a:r>
           </a:p>
           <a:p>
             <a:pPr lvl="4" eaLnBrk="1" latinLnBrk="0" hangingPunct="1"/>
             <a:r>
-              <a:rPr lang="it-IT" smtClean="0"/>
+              <a:rPr lang="it-IT"/>
               <a:t>Quinto livello</a:t>
             </a:r>
             <a:endParaRPr kumimoji="0" lang="en-US"/>
@@ -1283,35 +1300,35 @@
           <a:p>
             <a:pPr lvl="0" eaLnBrk="1" latinLnBrk="0" hangingPunct="1"/>
             <a:r>
-              <a:rPr lang="it-IT" smtClean="0"/>
+              <a:rPr lang="it-IT"/>
               <a:t>Fare clic per modificare stili del testo dello schema</a:t>
             </a:r>
           </a:p>
           <a:p>
             <a:pPr lvl="1" eaLnBrk="1" latinLnBrk="0" hangingPunct="1"/>
             <a:r>
-              <a:rPr lang="it-IT" smtClean="0"/>
+              <a:rPr lang="it-IT"/>
               <a:t>Secondo livello</a:t>
             </a:r>
           </a:p>
           <a:p>
             <a:pPr lvl="2" eaLnBrk="1" latinLnBrk="0" hangingPunct="1"/>
             <a:r>
-              <a:rPr lang="it-IT" smtClean="0"/>
+              <a:rPr lang="it-IT"/>
               <a:t>Terzo livello</a:t>
             </a:r>
           </a:p>
           <a:p>
             <a:pPr lvl="3" eaLnBrk="1" latinLnBrk="0" hangingPunct="1"/>
             <a:r>
-              <a:rPr lang="it-IT" smtClean="0"/>
+              <a:rPr lang="it-IT"/>
               <a:t>Quarto livello</a:t>
             </a:r>
           </a:p>
           <a:p>
             <a:pPr lvl="4" eaLnBrk="1" latinLnBrk="0" hangingPunct="1"/>
             <a:r>
-              <a:rPr lang="it-IT" smtClean="0"/>
+              <a:rPr lang="it-IT"/>
               <a:t>Quinto livello</a:t>
             </a:r>
             <a:endParaRPr kumimoji="0" lang="en-US"/>
@@ -1335,7 +1352,7 @@
           <a:p>
             <a:fld id="{545163B1-4F0D-47B9-95E1-C3B778F3609B}" type="datetimeFigureOut">
               <a:rPr lang="it-IT" smtClean="0"/>
-              <a:t>30/01/2019</a:t>
+              <a:t>05/02/2019</a:t>
             </a:fld>
             <a:endParaRPr lang="it-IT" dirty="0"/>
           </a:p>
@@ -1433,7 +1450,7 @@
           </a:lstStyle>
           <a:p>
             <a:r>
-              <a:rPr kumimoji="0" lang="it-IT" smtClean="0"/>
+              <a:rPr kumimoji="0" lang="it-IT"/>
               <a:t>Fare clic per modificare lo stile del titolo</a:t>
             </a:r>
             <a:endParaRPr kumimoji="0" lang="en-US"/>
@@ -1492,7 +1509,7 @@
           <a:p>
             <a:pPr lvl="0" eaLnBrk="1" latinLnBrk="0" hangingPunct="1"/>
             <a:r>
-              <a:rPr kumimoji="0" lang="it-IT" smtClean="0"/>
+              <a:rPr kumimoji="0" lang="it-IT"/>
               <a:t>Fare clic per modificare stili del testo dello schema</a:t>
             </a:r>
           </a:p>
@@ -1550,7 +1567,7 @@
           <a:p>
             <a:pPr lvl="0" eaLnBrk="1" latinLnBrk="0" hangingPunct="1"/>
             <a:r>
-              <a:rPr kumimoji="0" lang="it-IT" smtClean="0"/>
+              <a:rPr kumimoji="0" lang="it-IT"/>
               <a:t>Fare clic per modificare stili del testo dello schema</a:t>
             </a:r>
           </a:p>
@@ -1594,35 +1611,35 @@
           <a:p>
             <a:pPr lvl="0" eaLnBrk="1" latinLnBrk="0" hangingPunct="1"/>
             <a:r>
-              <a:rPr lang="it-IT" smtClean="0"/>
+              <a:rPr lang="it-IT"/>
               <a:t>Fare clic per modificare stili del testo dello schema</a:t>
             </a:r>
           </a:p>
           <a:p>
             <a:pPr lvl="1" eaLnBrk="1" latinLnBrk="0" hangingPunct="1"/>
             <a:r>
-              <a:rPr lang="it-IT" smtClean="0"/>
+              <a:rPr lang="it-IT"/>
               <a:t>Secondo livello</a:t>
             </a:r>
           </a:p>
           <a:p>
             <a:pPr lvl="2" eaLnBrk="1" latinLnBrk="0" hangingPunct="1"/>
             <a:r>
-              <a:rPr lang="it-IT" smtClean="0"/>
+              <a:rPr lang="it-IT"/>
               <a:t>Terzo livello</a:t>
             </a:r>
           </a:p>
           <a:p>
             <a:pPr lvl="3" eaLnBrk="1" latinLnBrk="0" hangingPunct="1"/>
             <a:r>
-              <a:rPr lang="it-IT" smtClean="0"/>
+              <a:rPr lang="it-IT"/>
               <a:t>Quarto livello</a:t>
             </a:r>
           </a:p>
           <a:p>
             <a:pPr lvl="4" eaLnBrk="1" latinLnBrk="0" hangingPunct="1"/>
             <a:r>
-              <a:rPr lang="it-IT" smtClean="0"/>
+              <a:rPr lang="it-IT"/>
               <a:t>Quinto livello</a:t>
             </a:r>
             <a:endParaRPr kumimoji="0" lang="en-US"/>
@@ -1667,35 +1684,35 @@
           <a:p>
             <a:pPr lvl="0" eaLnBrk="1" latinLnBrk="0" hangingPunct="1"/>
             <a:r>
-              <a:rPr lang="it-IT" smtClean="0"/>
+              <a:rPr lang="it-IT"/>
               <a:t>Fare clic per modificare stili del testo dello schema</a:t>
             </a:r>
           </a:p>
           <a:p>
             <a:pPr lvl="1" eaLnBrk="1" latinLnBrk="0" hangingPunct="1"/>
             <a:r>
-              <a:rPr lang="it-IT" smtClean="0"/>
+              <a:rPr lang="it-IT"/>
               <a:t>Secondo livello</a:t>
             </a:r>
           </a:p>
           <a:p>
             <a:pPr lvl="2" eaLnBrk="1" latinLnBrk="0" hangingPunct="1"/>
             <a:r>
-              <a:rPr lang="it-IT" smtClean="0"/>
+              <a:rPr lang="it-IT"/>
               <a:t>Terzo livello</a:t>
             </a:r>
           </a:p>
           <a:p>
             <a:pPr lvl="3" eaLnBrk="1" latinLnBrk="0" hangingPunct="1"/>
             <a:r>
-              <a:rPr lang="it-IT" smtClean="0"/>
+              <a:rPr lang="it-IT"/>
               <a:t>Quarto livello</a:t>
             </a:r>
           </a:p>
           <a:p>
             <a:pPr lvl="4" eaLnBrk="1" latinLnBrk="0" hangingPunct="1"/>
             <a:r>
-              <a:rPr lang="it-IT" smtClean="0"/>
+              <a:rPr lang="it-IT"/>
               <a:t>Quinto livello</a:t>
             </a:r>
             <a:endParaRPr kumimoji="0" lang="en-US"/>
@@ -1719,7 +1736,7 @@
           <a:p>
             <a:fld id="{545163B1-4F0D-47B9-95E1-C3B778F3609B}" type="datetimeFigureOut">
               <a:rPr lang="it-IT" smtClean="0"/>
-              <a:t>30/01/2019</a:t>
+              <a:t>05/02/2019</a:t>
             </a:fld>
             <a:endParaRPr lang="it-IT" dirty="0"/>
           </a:p>
@@ -1868,7 +1885,7 @@
           <a:lstStyle/>
           <a:p>
             <a:r>
-              <a:rPr kumimoji="0" lang="it-IT" smtClean="0"/>
+              <a:rPr kumimoji="0" lang="it-IT"/>
               <a:t>Fare clic per modificare lo stile del titolo</a:t>
             </a:r>
             <a:endParaRPr kumimoji="0" lang="en-US"/>
@@ -1892,7 +1909,7 @@
           <a:p>
             <a:fld id="{545163B1-4F0D-47B9-95E1-C3B778F3609B}" type="datetimeFigureOut">
               <a:rPr lang="it-IT" smtClean="0"/>
-              <a:t>30/01/2019</a:t>
+              <a:t>05/02/2019</a:t>
             </a:fld>
             <a:endParaRPr lang="it-IT" dirty="0"/>
           </a:p>
@@ -1982,7 +1999,7 @@
           <a:p>
             <a:fld id="{545163B1-4F0D-47B9-95E1-C3B778F3609B}" type="datetimeFigureOut">
               <a:rPr lang="it-IT" smtClean="0"/>
-              <a:t>30/01/2019</a:t>
+              <a:t>05/02/2019</a:t>
             </a:fld>
             <a:endParaRPr lang="it-IT" dirty="0"/>
           </a:p>
@@ -2131,7 +2148,7 @@
           </a:lstStyle>
           <a:p>
             <a:r>
-              <a:rPr kumimoji="0" lang="it-IT" smtClean="0"/>
+              <a:rPr kumimoji="0" lang="it-IT"/>
               <a:t>Fare clic per modificare lo stile del titolo</a:t>
             </a:r>
             <a:endParaRPr kumimoji="0" lang="en-US"/>
@@ -2181,7 +2198,7 @@
           <a:p>
             <a:pPr lvl="0" eaLnBrk="1" latinLnBrk="0" hangingPunct="1"/>
             <a:r>
-              <a:rPr kumimoji="0" lang="it-IT" smtClean="0"/>
+              <a:rPr kumimoji="0" lang="it-IT"/>
               <a:t>Fare clic per modificare stili del testo dello schema</a:t>
             </a:r>
           </a:p>
@@ -2225,35 +2242,35 @@
           <a:p>
             <a:pPr lvl="0" eaLnBrk="1" latinLnBrk="0" hangingPunct="1"/>
             <a:r>
-              <a:rPr lang="it-IT" smtClean="0"/>
+              <a:rPr lang="it-IT"/>
               <a:t>Fare clic per modificare stili del testo dello schema</a:t>
             </a:r>
           </a:p>
           <a:p>
             <a:pPr lvl="1" eaLnBrk="1" latinLnBrk="0" hangingPunct="1"/>
             <a:r>
-              <a:rPr lang="it-IT" smtClean="0"/>
+              <a:rPr lang="it-IT"/>
               <a:t>Secondo livello</a:t>
             </a:r>
           </a:p>
           <a:p>
             <a:pPr lvl="2" eaLnBrk="1" latinLnBrk="0" hangingPunct="1"/>
             <a:r>
-              <a:rPr lang="it-IT" smtClean="0"/>
+              <a:rPr lang="it-IT"/>
               <a:t>Terzo livello</a:t>
             </a:r>
           </a:p>
           <a:p>
             <a:pPr lvl="3" eaLnBrk="1" latinLnBrk="0" hangingPunct="1"/>
             <a:r>
-              <a:rPr lang="it-IT" smtClean="0"/>
+              <a:rPr lang="it-IT"/>
               <a:t>Quarto livello</a:t>
             </a:r>
           </a:p>
           <a:p>
             <a:pPr lvl="4" eaLnBrk="1" latinLnBrk="0" hangingPunct="1"/>
             <a:r>
-              <a:rPr lang="it-IT" smtClean="0"/>
+              <a:rPr lang="it-IT"/>
               <a:t>Quinto livello</a:t>
             </a:r>
             <a:endParaRPr kumimoji="0" lang="en-US"/>
@@ -2277,7 +2294,7 @@
           <a:p>
             <a:fld id="{545163B1-4F0D-47B9-95E1-C3B778F3609B}" type="datetimeFigureOut">
               <a:rPr lang="it-IT" smtClean="0"/>
-              <a:t>30/01/2019</a:t>
+              <a:t>05/02/2019</a:t>
             </a:fld>
             <a:endParaRPr lang="it-IT" dirty="0"/>
           </a:p>
@@ -2387,7 +2404,7 @@
           </a:lstStyle>
           <a:p>
             <a:r>
-              <a:rPr kumimoji="0" lang="it-IT" dirty="0" smtClean="0"/>
+              <a:rPr kumimoji="0" lang="it-IT" dirty="0"/>
               <a:t>Fare clic sull'icona per inserire un'immagine</a:t>
             </a:r>
             <a:endParaRPr kumimoji="0" lang="en-US" dirty="0"/>
@@ -2411,7 +2428,7 @@
           <a:p>
             <a:fld id="{545163B1-4F0D-47B9-95E1-C3B778F3609B}" type="datetimeFigureOut">
               <a:rPr lang="it-IT" smtClean="0"/>
-              <a:t>30/01/2019</a:t>
+              <a:t>05/02/2019</a:t>
             </a:fld>
             <a:endParaRPr lang="it-IT" dirty="0"/>
           </a:p>
@@ -2485,7 +2502,7 @@
           </a:lstStyle>
           <a:p>
             <a:r>
-              <a:rPr kumimoji="0" lang="it-IT" smtClean="0"/>
+              <a:rPr kumimoji="0" lang="it-IT"/>
               <a:t>Fare clic per modificare lo stile del titolo</a:t>
             </a:r>
             <a:endParaRPr kumimoji="0" lang="en-US"/>
@@ -2531,7 +2548,7 @@
           <a:p>
             <a:pPr lvl="0" eaLnBrk="1" latinLnBrk="0" hangingPunct="1"/>
             <a:r>
-              <a:rPr kumimoji="0" lang="it-IT" smtClean="0"/>
+              <a:rPr kumimoji="0" lang="it-IT"/>
               <a:t>Fare clic per modificare stili del testo dello schema</a:t>
             </a:r>
           </a:p>
@@ -2644,35 +2661,35 @@
           <a:p>
             <a:pPr lvl="0" eaLnBrk="1" latinLnBrk="0" hangingPunct="1"/>
             <a:r>
-              <a:rPr kumimoji="0" lang="it-IT" smtClean="0"/>
+              <a:rPr kumimoji="0" lang="it-IT"/>
               <a:t>Fare clic per modificare stili del testo dello schema</a:t>
             </a:r>
           </a:p>
           <a:p>
             <a:pPr lvl="1" eaLnBrk="1" latinLnBrk="0" hangingPunct="1"/>
             <a:r>
-              <a:rPr kumimoji="0" lang="it-IT" smtClean="0"/>
+              <a:rPr kumimoji="0" lang="it-IT"/>
               <a:t>Secondo livello</a:t>
             </a:r>
           </a:p>
           <a:p>
             <a:pPr lvl="2" eaLnBrk="1" latinLnBrk="0" hangingPunct="1"/>
             <a:r>
-              <a:rPr kumimoji="0" lang="it-IT" smtClean="0"/>
+              <a:rPr kumimoji="0" lang="it-IT"/>
               <a:t>Terzo livello</a:t>
             </a:r>
           </a:p>
           <a:p>
             <a:pPr lvl="3" eaLnBrk="1" latinLnBrk="0" hangingPunct="1"/>
             <a:r>
-              <a:rPr kumimoji="0" lang="it-IT" smtClean="0"/>
+              <a:rPr kumimoji="0" lang="it-IT"/>
               <a:t>Quarto livello</a:t>
             </a:r>
           </a:p>
           <a:p>
             <a:pPr lvl="4" eaLnBrk="1" latinLnBrk="0" hangingPunct="1"/>
             <a:r>
-              <a:rPr kumimoji="0" lang="it-IT" smtClean="0"/>
+              <a:rPr kumimoji="0" lang="it-IT"/>
               <a:t>Quinto livello</a:t>
             </a:r>
             <a:endParaRPr kumimoji="0" lang="en-US"/>
@@ -2714,7 +2731,7 @@
           <a:p>
             <a:fld id="{545163B1-4F0D-47B9-95E1-C3B778F3609B}" type="datetimeFigureOut">
               <a:rPr lang="it-IT" smtClean="0"/>
-              <a:t>30/01/2019</a:t>
+              <a:t>05/02/2019</a:t>
             </a:fld>
             <a:endParaRPr lang="it-IT" dirty="0"/>
           </a:p>
@@ -2824,7 +2841,7 @@
           <a:lstStyle/>
           <a:p>
             <a:r>
-              <a:rPr kumimoji="0" lang="it-IT" smtClean="0"/>
+              <a:rPr kumimoji="0" lang="it-IT"/>
               <a:t>Fare clic per modificare lo stile del titolo</a:t>
             </a:r>
             <a:endParaRPr kumimoji="0" lang="en-US"/>
@@ -3333,7 +3350,7 @@
               </a:lnSpc>
             </a:pPr>
             <a:r>
-              <a:rPr lang="it-IT" sz="2500" dirty="0" smtClean="0">
+              <a:rPr lang="it-IT" sz="2500" dirty="0">
                 <a:ln w="0"/>
                 <a:solidFill>
                   <a:schemeClr val="accent1"/>
@@ -3350,7 +3367,7 @@
               <a:t>Santoro Mario </a:t>
             </a:r>
             <a:r>
-              <a:rPr lang="it-IT" sz="2800" dirty="0" smtClean="0">
+              <a:rPr lang="it-IT" sz="2800" dirty="0">
                 <a:ln w="0"/>
                 <a:effectLst>
                   <a:outerShdw blurRad="38100" dist="19050" dir="2700000" algn="tl" rotWithShape="0">
@@ -3364,7 +3381,7 @@
               <a:t>– </a:t>
             </a:r>
             <a:r>
-              <a:rPr lang="it-IT" sz="2400" dirty="0" smtClean="0">
+              <a:rPr lang="it-IT" sz="2400" dirty="0">
                 <a:ln w="0"/>
                 <a:effectLst>
                   <a:outerShdw blurRad="38100" dist="19050" dir="2700000" algn="tl" rotWithShape="0">
@@ -3399,10 +3416,31 @@
                 </a:effectLst>
                 <a:cs typeface="Calibri" pitchFamily="34" charset="0"/>
               </a:rPr>
-              <a:t>Fortunato </a:t>
-            </a:r>
-            <a:r>
-              <a:rPr lang="it-IT" sz="2500" dirty="0" smtClean="0">
+              <a:t>Fortunato  Angelo </a:t>
+            </a:r>
+            <a:r>
+              <a:rPr lang="it-IT" sz="2400" dirty="0">
+                <a:ln w="0"/>
+                <a:effectLst>
+                  <a:outerShdw blurRad="38100" dist="19050" dir="2700000" algn="tl" rotWithShape="0">
+                    <a:schemeClr val="dk1">
+                      <a:alpha val="40000"/>
+                    </a:schemeClr>
+                  </a:outerShdw>
+                </a:effectLst>
+                <a:cs typeface="Calibri" pitchFamily="34" charset="0"/>
+              </a:rPr>
+              <a:t>– Manager della valutazione</a:t>
+            </a:r>
+          </a:p>
+          <a:p>
+            <a:pPr algn="just">
+              <a:lnSpc>
+                <a:spcPct val="150000"/>
+              </a:lnSpc>
+            </a:pPr>
+            <a:r>
+              <a:rPr lang="it-IT" sz="2500" dirty="0">
                 <a:ln w="0"/>
                 <a:solidFill>
                   <a:schemeClr val="accent1"/>
@@ -3416,10 +3454,10 @@
                 </a:effectLst>
                 <a:cs typeface="Calibri" pitchFamily="34" charset="0"/>
               </a:rPr>
-              <a:t> Angelo </a:t>
-            </a:r>
-            <a:r>
-              <a:rPr lang="it-IT" sz="2400" dirty="0" smtClean="0">
+              <a:t>Marino Raffaele </a:t>
+            </a:r>
+            <a:r>
+              <a:rPr lang="it-IT" sz="2400" dirty="0">
                 <a:ln w="0"/>
                 <a:effectLst>
                   <a:outerShdw blurRad="38100" dist="19050" dir="2700000" algn="tl" rotWithShape="0">
@@ -3430,17 +3468,23 @@
                 </a:effectLst>
                 <a:cs typeface="Calibri" pitchFamily="34" charset="0"/>
               </a:rPr>
-              <a:t>– Manager della valutazione</a:t>
-            </a:r>
-          </a:p>
-          <a:p>
-            <a:pPr algn="just">
-              <a:lnSpc>
-                <a:spcPct val="150000"/>
-              </a:lnSpc>
-            </a:pPr>
-            <a:r>
-              <a:rPr lang="it-IT" sz="2500" dirty="0" smtClean="0">
+              <a:t>– Manager della documentazione</a:t>
+            </a:r>
+            <a:br>
+              <a:rPr lang="it-IT" sz="2400" dirty="0">
+                <a:ln w="0"/>
+                <a:effectLst>
+                  <a:outerShdw blurRad="38100" dist="19050" dir="2700000" algn="tl" rotWithShape="0">
+                    <a:schemeClr val="dk1">
+                      <a:alpha val="40000"/>
+                    </a:schemeClr>
+                  </a:outerShdw>
+                </a:effectLst>
+                <a:cs typeface="Calibri" pitchFamily="34" charset="0"/>
+              </a:rPr>
+            </a:br>
+            <a:r>
+              <a:rPr lang="it-IT" sz="2500" dirty="0">
                 <a:ln w="0"/>
                 <a:solidFill>
                   <a:schemeClr val="accent1"/>
@@ -3454,10 +3498,10 @@
                 </a:effectLst>
                 <a:cs typeface="Calibri" pitchFamily="34" charset="0"/>
               </a:rPr>
-              <a:t>Marino Raffaele </a:t>
-            </a:r>
-            <a:r>
-              <a:rPr lang="it-IT" sz="2400" dirty="0" smtClean="0">
+              <a:t>corso silvio e pastore Matteo </a:t>
+            </a:r>
+            <a:r>
+              <a:rPr lang="it-IT" sz="2400" dirty="0">
                 <a:ln w="0"/>
                 <a:effectLst>
                   <a:outerShdw blurRad="38100" dist="19050" dir="2700000" algn="tl" rotWithShape="0">
@@ -3468,77 +3512,8 @@
                 </a:effectLst>
                 <a:cs typeface="Calibri" pitchFamily="34" charset="0"/>
               </a:rPr>
-              <a:t>– Manager della documentazione</a:t>
-            </a:r>
-            <a:br>
-              <a:rPr lang="it-IT" sz="2400" dirty="0" smtClean="0">
-                <a:ln w="0"/>
-                <a:effectLst>
-                  <a:outerShdw blurRad="38100" dist="19050" dir="2700000" algn="tl" rotWithShape="0">
-                    <a:schemeClr val="dk1">
-                      <a:alpha val="40000"/>
-                    </a:schemeClr>
-                  </a:outerShdw>
-                </a:effectLst>
-                <a:cs typeface="Calibri" pitchFamily="34" charset="0"/>
-              </a:rPr>
-            </a:br>
-            <a:r>
-              <a:rPr lang="it-IT" sz="2500" dirty="0" smtClean="0">
-                <a:ln w="0"/>
-                <a:solidFill>
-                  <a:schemeClr val="accent1"/>
-                </a:solidFill>
-                <a:effectLst>
-                  <a:outerShdw blurRad="38100" dist="25400" dir="5400000" algn="ctr" rotWithShape="0">
-                    <a:srgbClr val="6E747A">
-                      <a:alpha val="43000"/>
-                    </a:srgbClr>
-                  </a:outerShdw>
-                </a:effectLst>
-                <a:cs typeface="Calibri" pitchFamily="34" charset="0"/>
-              </a:rPr>
-              <a:t>corso silvio e pastore Matteo </a:t>
-            </a:r>
-            <a:r>
-              <a:rPr lang="it-IT" sz="2400" dirty="0">
-                <a:ln w="0"/>
-                <a:effectLst>
-                  <a:outerShdw blurRad="38100" dist="19050" dir="2700000" algn="tl" rotWithShape="0">
-                    <a:schemeClr val="dk1">
-                      <a:alpha val="40000"/>
-                    </a:schemeClr>
-                  </a:outerShdw>
-                </a:effectLst>
-                <a:cs typeface="Calibri" pitchFamily="34" charset="0"/>
-              </a:rPr>
-              <a:t>– Manager </a:t>
-            </a:r>
-            <a:r>
-              <a:rPr lang="it-IT" sz="2400" dirty="0" smtClean="0">
-                <a:ln w="0"/>
-                <a:effectLst>
-                  <a:outerShdw blurRad="38100" dist="19050" dir="2700000" algn="tl" rotWithShape="0">
-                    <a:schemeClr val="dk1">
-                      <a:alpha val="40000"/>
-                    </a:schemeClr>
-                  </a:outerShdw>
-                </a:effectLst>
-                <a:cs typeface="Calibri" pitchFamily="34" charset="0"/>
-              </a:rPr>
-              <a:t>di progetto</a:t>
-            </a:r>
-            <a:endParaRPr lang="it-IT" sz="2400" dirty="0">
-              <a:ln w="0"/>
-              <a:effectLst>
-                <a:outerShdw blurRad="38100" dist="19050" dir="2700000" algn="tl" rotWithShape="0">
-                  <a:schemeClr val="dk1">
-                    <a:alpha val="40000"/>
-                  </a:schemeClr>
-                </a:outerShdw>
-              </a:effectLst>
-              <a:cs typeface="Calibri" pitchFamily="34" charset="0"/>
-            </a:endParaRPr>
+              <a:t>– Manager di progetto</a:t>
+            </a:r>
           </a:p>
         </p:txBody>
       </p:sp>
@@ -3668,12 +3643,7 @@
             <p:ph type="title"/>
           </p:nvPr>
         </p:nvSpPr>
-        <p:spPr>
-          <a:xfrm>
-            <a:off x="304800" y="457200"/>
-            <a:ext cx="8686800" cy="838200"/>
-          </a:xfrm>
-        </p:spPr>
+        <p:spPr/>
         <p:txBody>
           <a:bodyPr>
             <a:normAutofit/>
@@ -3681,7 +3651,7 @@
           <a:lstStyle/>
           <a:p>
             <a:r>
-              <a:rPr lang="it-IT" kern="1200" cap="all" baseline="0" dirty="0" smtClean="0">
+              <a:rPr lang="it-IT" kern="1200" cap="all" baseline="0" dirty="0">
                 <a:solidFill>
                   <a:schemeClr val="tx2"/>
                 </a:solidFill>
@@ -3691,7 +3661,7 @@
                 <a:latin typeface="Calibri" panose="020F0502020204030204" pitchFamily="34" charset="0"/>
                 <a:cs typeface="Calibri" panose="020F0502020204030204" pitchFamily="34" charset="0"/>
               </a:rPr>
-              <a:t>Scenari</a:t>
+              <a:t>Descrizione dei task</a:t>
             </a:r>
             <a:endParaRPr lang="it-IT" dirty="0">
               <a:latin typeface="Calibri" panose="020F0502020204030204" pitchFamily="34" charset="0"/>
@@ -3700,283 +3670,457 @@
           </a:p>
         </p:txBody>
       </p:sp>
-      <p:sp>
-        <p:nvSpPr>
-          <p:cNvPr id="6" name="Rettangolo 5"/>
-          <p:cNvSpPr/>
-          <p:nvPr/>
-        </p:nvSpPr>
-        <p:spPr>
-          <a:xfrm>
-            <a:off x="467544" y="1443841"/>
-            <a:ext cx="7920880" cy="2308324"/>
-          </a:xfrm>
-          <a:prstGeom prst="rect">
-            <a:avLst/>
-          </a:prstGeom>
-        </p:spPr>
-        <p:txBody>
-          <a:bodyPr wrap="square">
-            <a:spAutoFit/>
-          </a:bodyPr>
-          <a:lstStyle/>
-          <a:p>
-            <a:pPr fontAlgn="base"/>
-            <a:r>
-              <a:rPr lang="it-IT" dirty="0">
-                <a:effectLst>
-                  <a:outerShdw blurRad="38100" dist="38100" dir="2700000" algn="tl">
-                    <a:srgbClr val="000000">
-                      <a:alpha val="43137"/>
-                    </a:srgbClr>
-                  </a:outerShdw>
-                </a:effectLst>
-              </a:rPr>
-              <a:t>Lucia è vittima di </a:t>
-            </a:r>
-            <a:r>
-              <a:rPr lang="it-IT" dirty="0">
-                <a:effectLst>
-                  <a:outerShdw blurRad="38100" dist="38100" dir="2700000" algn="tl">
-                    <a:srgbClr val="000000">
-                      <a:alpha val="43137"/>
-                    </a:srgbClr>
-                  </a:outerShdw>
-                </a:effectLst>
-              </a:rPr>
-              <a:t>cyberbullismo</a:t>
-            </a:r>
-            <a:r>
-              <a:rPr lang="it-IT" dirty="0">
-                <a:effectLst>
-                  <a:outerShdw blurRad="38100" dist="38100" dir="2700000" algn="tl">
-                    <a:srgbClr val="000000">
-                      <a:alpha val="43137"/>
-                    </a:srgbClr>
-                  </a:outerShdw>
-                </a:effectLst>
-              </a:rPr>
-              <a:t>, decide di chiedere aiuto tramite il sito </a:t>
-            </a:r>
-            <a:r>
-              <a:rPr lang="it-IT" dirty="0">
-                <a:effectLst>
-                  <a:outerShdw blurRad="38100" dist="38100" dir="2700000" algn="tl">
-                    <a:srgbClr val="000000">
-                      <a:alpha val="43137"/>
-                    </a:srgbClr>
-                  </a:outerShdw>
-                </a:effectLst>
-              </a:rPr>
-              <a:t>BullyingLess</a:t>
-            </a:r>
-            <a:r>
-              <a:rPr lang="it-IT" dirty="0">
-                <a:effectLst>
-                  <a:outerShdw blurRad="38100" dist="38100" dir="2700000" algn="tl">
-                    <a:srgbClr val="000000">
-                      <a:alpha val="43137"/>
-                    </a:srgbClr>
-                  </a:outerShdw>
-                </a:effectLst>
-              </a:rPr>
-              <a:t>, dall’apposito menù preme sulla sezione riguardante il </a:t>
-            </a:r>
-            <a:r>
-              <a:rPr lang="it-IT" dirty="0">
-                <a:effectLst>
-                  <a:outerShdw blurRad="38100" dist="38100" dir="2700000" algn="tl">
-                    <a:srgbClr val="000000">
-                      <a:alpha val="43137"/>
-                    </a:srgbClr>
-                  </a:outerShdw>
-                </a:effectLst>
-              </a:rPr>
-              <a:t>cyberbullismo</a:t>
-            </a:r>
-            <a:r>
-              <a:rPr lang="it-IT" dirty="0">
-                <a:effectLst>
-                  <a:outerShdw blurRad="38100" dist="38100" dir="2700000" algn="tl">
-                    <a:srgbClr val="000000">
-                      <a:alpha val="43137"/>
-                    </a:srgbClr>
-                  </a:outerShdw>
-                </a:effectLst>
-              </a:rPr>
-              <a:t>.</a:t>
-            </a:r>
-          </a:p>
-          <a:p>
-            <a:pPr fontAlgn="base"/>
-            <a:r>
-              <a:rPr lang="it-IT" dirty="0">
-                <a:effectLst>
-                  <a:outerShdw blurRad="38100" dist="38100" dir="2700000" algn="tl">
-                    <a:srgbClr val="000000">
-                      <a:alpha val="43137"/>
-                    </a:srgbClr>
-                  </a:outerShdw>
-                </a:effectLst>
-              </a:rPr>
-              <a:t>Il sistema fornisce tutte le informazioni inerenti ed offre la possibilità di leggere delle storie attinenti di altre vittime di </a:t>
-            </a:r>
-            <a:r>
-              <a:rPr lang="it-IT" dirty="0">
-                <a:effectLst>
-                  <a:outerShdw blurRad="38100" dist="38100" dir="2700000" algn="tl">
-                    <a:srgbClr val="000000">
-                      <a:alpha val="43137"/>
-                    </a:srgbClr>
-                  </a:outerShdw>
-                </a:effectLst>
-              </a:rPr>
-              <a:t>cyberbullismo</a:t>
-            </a:r>
-            <a:r>
-              <a:rPr lang="it-IT" dirty="0">
-                <a:effectLst>
-                  <a:outerShdw blurRad="38100" dist="38100" dir="2700000" algn="tl">
-                    <a:srgbClr val="000000">
-                      <a:alpha val="43137"/>
-                    </a:srgbClr>
-                  </a:outerShdw>
-                </a:effectLst>
-              </a:rPr>
-              <a:t>, Lucia interessata a risolvere il problema va nella sezione “Ricevi Aiuto Adesso”.</a:t>
-            </a:r>
-          </a:p>
-          <a:p>
-            <a:pPr fontAlgn="base"/>
-            <a:r>
-              <a:rPr lang="it-IT" dirty="0">
-                <a:effectLst>
-                  <a:outerShdw blurRad="38100" dist="38100" dir="2700000" algn="tl">
-                    <a:srgbClr val="000000">
-                      <a:alpha val="43137"/>
-                    </a:srgbClr>
-                  </a:outerShdw>
-                </a:effectLst>
-              </a:rPr>
-              <a:t>In questa pagina sono presenti una serie di problemi legati al </a:t>
-            </a:r>
-            <a:r>
-              <a:rPr lang="it-IT" dirty="0">
-                <a:effectLst>
-                  <a:outerShdw blurRad="38100" dist="38100" dir="2700000" algn="tl">
-                    <a:srgbClr val="000000">
-                      <a:alpha val="43137"/>
-                    </a:srgbClr>
-                  </a:outerShdw>
-                </a:effectLst>
-              </a:rPr>
-              <a:t>cyberbullismo</a:t>
-            </a:r>
-            <a:r>
-              <a:rPr lang="it-IT" dirty="0">
-                <a:effectLst>
-                  <a:outerShdw blurRad="38100" dist="38100" dir="2700000" algn="tl">
-                    <a:srgbClr val="000000">
-                      <a:alpha val="43137"/>
-                    </a:srgbClr>
-                  </a:outerShdw>
-                </a:effectLst>
-              </a:rPr>
-              <a:t> con le conseguenti azioni da fare o i contatti per le persone a cui rivolgersi.</a:t>
-            </a:r>
-          </a:p>
-        </p:txBody>
-      </p:sp>
-      <p:sp>
-        <p:nvSpPr>
-          <p:cNvPr id="8" name="Rectangle 2"/>
-          <p:cNvSpPr txBox="1">
-            <a:spLocks/>
-          </p:cNvSpPr>
-          <p:nvPr/>
-        </p:nvSpPr>
-        <p:spPr>
-          <a:xfrm>
-            <a:off x="209359" y="1446808"/>
-            <a:ext cx="368424" cy="418511"/>
-          </a:xfrm>
-          <a:prstGeom prst="rect">
-            <a:avLst/>
-          </a:prstGeom>
-        </p:spPr>
-        <p:txBody>
-          <a:bodyPr vert="horz" anchor="ctr">
-            <a:normAutofit fontScale="40000" lnSpcReduction="20000"/>
-          </a:bodyPr>
-          <a:lstStyle>
-            <a:lvl1pPr algn="l" rtl="0" eaLnBrk="1" latinLnBrk="0" hangingPunct="1">
-              <a:spcBef>
-                <a:spcPct val="0"/>
-              </a:spcBef>
-              <a:buNone/>
-              <a:defRPr kumimoji="0" sz="3600" kern="1200" cap="all" baseline="0">
-                <a:solidFill>
-                  <a:schemeClr val="tx2"/>
-                </a:solidFill>
-                <a:effectLst>
-                  <a:reflection blurRad="12700" stA="48000" endA="300" endPos="55000" dir="5400000" sy="-90000" algn="bl" rotWithShape="0"/>
-                </a:effectLst>
-                <a:latin typeface="+mj-lt"/>
-                <a:ea typeface="+mj-ea"/>
-                <a:cs typeface="+mj-cs"/>
-              </a:defRPr>
-            </a:lvl1pPr>
-          </a:lstStyle>
-          <a:p>
-            <a:r>
-              <a:rPr lang="it-IT" sz="4500" dirty="0">
-                <a:effectLst>
-                  <a:outerShdw blurRad="38100" dist="38100" dir="2700000" algn="tl">
-                    <a:srgbClr val="000000">
-                      <a:alpha val="43137"/>
-                    </a:srgbClr>
-                  </a:outerShdw>
-                  <a:reflection blurRad="12700" stA="48000" endA="300" endPos="55000" dir="5400000" sy="-90000" algn="bl" rotWithShape="0"/>
-                </a:effectLst>
-                <a:latin typeface="+mn-lt"/>
-                <a:cs typeface="Calibri" panose="020F0502020204030204" pitchFamily="34" charset="0"/>
-              </a:rPr>
-              <a:t>3</a:t>
-            </a:r>
-            <a:r>
-              <a:rPr lang="it-IT" dirty="0" smtClean="0">
-                <a:effectLst>
-                  <a:outerShdw blurRad="38100" dist="38100" dir="2700000" algn="tl">
-                    <a:srgbClr val="000000">
-                      <a:alpha val="43137"/>
-                    </a:srgbClr>
-                  </a:outerShdw>
-                  <a:reflection blurRad="12700" stA="48000" endA="300" endPos="55000" dir="5400000" sy="-90000" algn="bl" rotWithShape="0"/>
-                </a:effectLst>
-                <a:latin typeface="+mn-lt"/>
-                <a:cs typeface="Calibri" panose="020F0502020204030204" pitchFamily="34" charset="0"/>
-              </a:rPr>
-              <a:t>.</a:t>
-            </a:r>
-            <a:endParaRPr lang="it-IT" dirty="0">
-              <a:effectLst>
-                <a:outerShdw blurRad="38100" dist="38100" dir="2700000" algn="tl">
-                  <a:srgbClr val="000000">
-                    <a:alpha val="43137"/>
-                  </a:srgbClr>
-                </a:outerShdw>
-                <a:reflection blurRad="12700" stA="48000" endA="300" endPos="55000" dir="5400000" sy="-90000" algn="bl" rotWithShape="0"/>
-              </a:effectLst>
-              <a:latin typeface="+mn-lt"/>
-              <a:cs typeface="Calibri" panose="020F0502020204030204" pitchFamily="34" charset="0"/>
-            </a:endParaRPr>
-          </a:p>
-        </p:txBody>
-      </p:sp>
+      <p:graphicFrame>
+        <p:nvGraphicFramePr>
+          <p:cNvPr id="6" name="Tabella 5"/>
+          <p:cNvGraphicFramePr>
+            <a:graphicFrameLocks noGrp="1"/>
+          </p:cNvGraphicFramePr>
+          <p:nvPr>
+            <p:extLst>
+              <p:ext uri="{D42A27DB-BD31-4B8C-83A1-F6EECF244321}">
+                <p14:modId xmlns:p14="http://schemas.microsoft.com/office/powerpoint/2010/main" val="3705774099"/>
+              </p:ext>
+            </p:extLst>
+          </p:nvPr>
+        </p:nvGraphicFramePr>
+        <p:xfrm>
+          <a:off x="1367796" y="1271262"/>
+          <a:ext cx="6408408" cy="5057896"/>
+        </p:xfrm>
+        <a:graphic>
+          <a:graphicData uri="http://schemas.openxmlformats.org/drawingml/2006/table">
+            <a:tbl>
+              <a:tblPr firstRow="1" bandRow="1">
+                <a:tableStyleId>{93296810-A885-4BE3-A3E7-6D5BEEA58F35}</a:tableStyleId>
+              </a:tblPr>
+              <a:tblGrid>
+                <a:gridCol w="2136136">
+                  <a:extLst>
+                    <a:ext uri="{9D8B030D-6E8A-4147-A177-3AD203B41FA5}">
+                      <a16:colId xmlns:a16="http://schemas.microsoft.com/office/drawing/2014/main" val="20000"/>
+                    </a:ext>
+                  </a:extLst>
+                </a:gridCol>
+                <a:gridCol w="2534398">
+                  <a:extLst>
+                    <a:ext uri="{9D8B030D-6E8A-4147-A177-3AD203B41FA5}">
+                      <a16:colId xmlns:a16="http://schemas.microsoft.com/office/drawing/2014/main" val="20001"/>
+                    </a:ext>
+                  </a:extLst>
+                </a:gridCol>
+                <a:gridCol w="1737874">
+                  <a:extLst>
+                    <a:ext uri="{9D8B030D-6E8A-4147-A177-3AD203B41FA5}">
+                      <a16:colId xmlns:a16="http://schemas.microsoft.com/office/drawing/2014/main" val="20002"/>
+                    </a:ext>
+                  </a:extLst>
+                </a:gridCol>
+              </a:tblGrid>
+              <a:tr h="341091">
+                <a:tc gridSpan="3">
+                  <a:txBody>
+                    <a:bodyPr/>
+                    <a:lstStyle/>
+                    <a:p>
+                      <a:r>
+                        <a:rPr lang="it-IT" dirty="0"/>
+                        <a:t>Annamaria</a:t>
+                      </a:r>
+                    </a:p>
+                  </a:txBody>
+                  <a:tcPr/>
+                </a:tc>
+                <a:tc hMerge="1">
+                  <a:txBody>
+                    <a:bodyPr/>
+                    <a:lstStyle/>
+                    <a:p>
+                      <a:endParaRPr lang="it-IT"/>
+                    </a:p>
+                  </a:txBody>
+                  <a:tcPr/>
+                </a:tc>
+                <a:tc hMerge="1">
+                  <a:txBody>
+                    <a:bodyPr/>
+                    <a:lstStyle/>
+                    <a:p>
+                      <a:endParaRPr lang="it-IT" dirty="0"/>
+                    </a:p>
+                  </a:txBody>
+                  <a:tcPr/>
+                </a:tc>
+                <a:extLst>
+                  <a:ext uri="{0D108BD9-81ED-4DB2-BD59-A6C34878D82A}">
+                    <a16:rowId xmlns:a16="http://schemas.microsoft.com/office/drawing/2014/main" val="10000"/>
+                  </a:ext>
+                </a:extLst>
+              </a:tr>
+              <a:tr h="596909">
+                <a:tc>
+                  <a:txBody>
+                    <a:bodyPr/>
+                    <a:lstStyle/>
+                    <a:p>
+                      <a:pPr algn="ctr"/>
+                      <a:r>
+                        <a:rPr lang="it-IT" dirty="0">
+                          <a:solidFill>
+                            <a:schemeClr val="accent6">
+                              <a:lumMod val="75000"/>
+                            </a:schemeClr>
+                          </a:solidFill>
+                        </a:rPr>
+                        <a:t>Task</a:t>
+                      </a:r>
+                    </a:p>
+                  </a:txBody>
+                  <a:tcPr/>
+                </a:tc>
+                <a:tc>
+                  <a:txBody>
+                    <a:bodyPr/>
+                    <a:lstStyle/>
+                    <a:p>
+                      <a:pPr algn="ctr"/>
+                      <a:r>
+                        <a:rPr lang="it-IT" dirty="0">
+                          <a:solidFill>
+                            <a:schemeClr val="accent6">
+                              <a:lumMod val="75000"/>
+                            </a:schemeClr>
+                          </a:solidFill>
+                        </a:rPr>
+                        <a:t>Frequenza </a:t>
+                      </a:r>
+                    </a:p>
+                  </a:txBody>
+                  <a:tcPr/>
+                </a:tc>
+                <a:tc>
+                  <a:txBody>
+                    <a:bodyPr/>
+                    <a:lstStyle/>
+                    <a:p>
+                      <a:pPr algn="ctr"/>
+                      <a:r>
+                        <a:rPr lang="it-IT" dirty="0">
+                          <a:solidFill>
+                            <a:schemeClr val="accent6">
+                              <a:lumMod val="75000"/>
+                            </a:schemeClr>
+                          </a:solidFill>
+                        </a:rPr>
+                        <a:t>Importanza</a:t>
+                      </a:r>
+                    </a:p>
+                  </a:txBody>
+                  <a:tcPr/>
+                </a:tc>
+                <a:extLst>
+                  <a:ext uri="{0D108BD9-81ED-4DB2-BD59-A6C34878D82A}">
+                    <a16:rowId xmlns:a16="http://schemas.microsoft.com/office/drawing/2014/main" val="10001"/>
+                  </a:ext>
+                </a:extLst>
+              </a:tr>
+              <a:tr h="767454">
+                <a:tc>
+                  <a:txBody>
+                    <a:bodyPr/>
+                    <a:lstStyle/>
+                    <a:p>
+                      <a:r>
+                        <a:rPr lang="it-IT" sz="1600" dirty="0"/>
+                        <a:t>Consultare informazioni sul bullismo</a:t>
+                      </a:r>
+                    </a:p>
+                  </a:txBody>
+                  <a:tcPr/>
+                </a:tc>
+                <a:tc>
+                  <a:txBody>
+                    <a:bodyPr/>
+                    <a:lstStyle/>
+                    <a:p>
+                      <a:r>
+                        <a:rPr lang="it-IT" sz="1600" dirty="0"/>
+                        <a:t>1 volta ogni 6 mesi</a:t>
+                      </a:r>
+                    </a:p>
+                  </a:txBody>
+                  <a:tcPr/>
+                </a:tc>
+                <a:tc>
+                  <a:txBody>
+                    <a:bodyPr/>
+                    <a:lstStyle/>
+                    <a:p>
+                      <a:r>
+                        <a:rPr lang="it-IT" sz="1600" dirty="0"/>
+                        <a:t>media</a:t>
+                      </a:r>
+                    </a:p>
+                  </a:txBody>
+                  <a:tcPr/>
+                </a:tc>
+                <a:extLst>
+                  <a:ext uri="{0D108BD9-81ED-4DB2-BD59-A6C34878D82A}">
+                    <a16:rowId xmlns:a16="http://schemas.microsoft.com/office/drawing/2014/main" val="10002"/>
+                  </a:ext>
+                </a:extLst>
+              </a:tr>
+              <a:tr h="994847">
+                <a:tc>
+                  <a:txBody>
+                    <a:bodyPr/>
+                    <a:lstStyle/>
+                    <a:p>
+                      <a:r>
+                        <a:rPr lang="it-IT" sz="1600" dirty="0"/>
+                        <a:t>Consultare informazioni sul cyberbullismo</a:t>
+                      </a:r>
+                    </a:p>
+                  </a:txBody>
+                  <a:tcPr/>
+                </a:tc>
+                <a:tc>
+                  <a:txBody>
+                    <a:bodyPr/>
+                    <a:lstStyle/>
+                    <a:p>
+                      <a:r>
+                        <a:rPr lang="it-IT" sz="1600" dirty="0"/>
+                        <a:t>1 volta ogni 6 mesi</a:t>
+                      </a:r>
+                    </a:p>
+                  </a:txBody>
+                  <a:tcPr/>
+                </a:tc>
+                <a:tc>
+                  <a:txBody>
+                    <a:bodyPr/>
+                    <a:lstStyle/>
+                    <a:p>
+                      <a:r>
+                        <a:rPr lang="it-IT" sz="1600" dirty="0"/>
+                        <a:t>media</a:t>
+                      </a:r>
+                    </a:p>
+                  </a:txBody>
+                  <a:tcPr/>
+                </a:tc>
+                <a:extLst>
+                  <a:ext uri="{0D108BD9-81ED-4DB2-BD59-A6C34878D82A}">
+                    <a16:rowId xmlns:a16="http://schemas.microsoft.com/office/drawing/2014/main" val="10003"/>
+                  </a:ext>
+                </a:extLst>
+              </a:tr>
+              <a:tr h="540060">
+                <a:tc>
+                  <a:txBody>
+                    <a:bodyPr/>
+                    <a:lstStyle/>
+                    <a:p>
+                      <a:r>
+                        <a:rPr kumimoji="0" lang="it-IT" sz="1600" b="0" i="0" kern="1200" dirty="0">
+                          <a:solidFill>
+                            <a:schemeClr val="dk1"/>
+                          </a:solidFill>
+                          <a:effectLst/>
+                          <a:latin typeface="+mn-lt"/>
+                          <a:ea typeface="+mn-ea"/>
+                          <a:cs typeface="+mn-cs"/>
+                        </a:rPr>
+                        <a:t>Richiedere aiuto</a:t>
+                      </a:r>
+                      <a:endParaRPr lang="it-IT" sz="1600" b="0" i="0" dirty="0"/>
+                    </a:p>
+                  </a:txBody>
+                  <a:tcPr/>
+                </a:tc>
+                <a:tc>
+                  <a:txBody>
+                    <a:bodyPr/>
+                    <a:lstStyle/>
+                    <a:p>
+                      <a:r>
+                        <a:rPr lang="it-IT" sz="1600" dirty="0"/>
+                        <a:t>1 volta al giorno</a:t>
+                      </a:r>
+                    </a:p>
+                  </a:txBody>
+                  <a:tcPr/>
+                </a:tc>
+                <a:tc>
+                  <a:txBody>
+                    <a:bodyPr/>
+                    <a:lstStyle/>
+                    <a:p>
+                      <a:pPr algn="l"/>
+                      <a:r>
+                        <a:rPr lang="it-IT" sz="1600" dirty="0"/>
+                        <a:t>alta</a:t>
+                      </a:r>
+                    </a:p>
+                  </a:txBody>
+                  <a:tcPr/>
+                </a:tc>
+                <a:extLst>
+                  <a:ext uri="{0D108BD9-81ED-4DB2-BD59-A6C34878D82A}">
+                    <a16:rowId xmlns:a16="http://schemas.microsoft.com/office/drawing/2014/main" val="10004"/>
+                  </a:ext>
+                </a:extLst>
+              </a:tr>
+              <a:tr h="540060">
+                <a:tc>
+                  <a:txBody>
+                    <a:bodyPr/>
+                    <a:lstStyle/>
+                    <a:p>
+                      <a:r>
+                        <a:rPr lang="it-IT" sz="1600" b="0" i="0" dirty="0"/>
+                        <a:t>Condividere la propria esperienza</a:t>
+                      </a:r>
+                    </a:p>
+                  </a:txBody>
+                  <a:tcPr/>
+                </a:tc>
+                <a:tc>
+                  <a:txBody>
+                    <a:bodyPr/>
+                    <a:lstStyle/>
+                    <a:p>
+                      <a:r>
+                        <a:rPr lang="it-IT" sz="1600" dirty="0"/>
+                        <a:t>1 volta a settimana</a:t>
+                      </a:r>
+                    </a:p>
+                  </a:txBody>
+                  <a:tcPr/>
+                </a:tc>
+                <a:tc>
+                  <a:txBody>
+                    <a:bodyPr/>
+                    <a:lstStyle/>
+                    <a:p>
+                      <a:pPr algn="l"/>
+                      <a:r>
+                        <a:rPr lang="it-IT" sz="1600" dirty="0"/>
+                        <a:t>alta</a:t>
+                      </a:r>
+                    </a:p>
+                  </a:txBody>
+                  <a:tcPr/>
+                </a:tc>
+                <a:extLst>
+                  <a:ext uri="{0D108BD9-81ED-4DB2-BD59-A6C34878D82A}">
+                    <a16:rowId xmlns:a16="http://schemas.microsoft.com/office/drawing/2014/main" val="1014700042"/>
+                  </a:ext>
+                </a:extLst>
+              </a:tr>
+              <a:tr h="540060">
+                <a:tc>
+                  <a:txBody>
+                    <a:bodyPr/>
+                    <a:lstStyle/>
+                    <a:p>
+                      <a:r>
+                        <a:rPr lang="it-IT" sz="1600" b="0" i="0" dirty="0"/>
+                        <a:t>Imparare metodi di prevenzione</a:t>
+                      </a:r>
+                    </a:p>
+                  </a:txBody>
+                  <a:tcPr/>
+                </a:tc>
+                <a:tc>
+                  <a:txBody>
+                    <a:bodyPr/>
+                    <a:lstStyle/>
+                    <a:p>
+                      <a:r>
+                        <a:rPr lang="it-IT" sz="1600" dirty="0"/>
+                        <a:t>1 volta al giorno</a:t>
+                      </a:r>
+                    </a:p>
+                  </a:txBody>
+                  <a:tcPr/>
+                </a:tc>
+                <a:tc>
+                  <a:txBody>
+                    <a:bodyPr/>
+                    <a:lstStyle/>
+                    <a:p>
+                      <a:pPr algn="l"/>
+                      <a:r>
+                        <a:rPr lang="it-IT" sz="1600" dirty="0"/>
+                        <a:t>alta</a:t>
+                      </a:r>
+                    </a:p>
+                  </a:txBody>
+                  <a:tcPr/>
+                </a:tc>
+                <a:extLst>
+                  <a:ext uri="{0D108BD9-81ED-4DB2-BD59-A6C34878D82A}">
+                    <a16:rowId xmlns:a16="http://schemas.microsoft.com/office/drawing/2014/main" val="2008388912"/>
+                  </a:ext>
+                </a:extLst>
+              </a:tr>
+              <a:tr h="540060">
+                <a:tc>
+                  <a:txBody>
+                    <a:bodyPr/>
+                    <a:lstStyle/>
+                    <a:p>
+                      <a:r>
+                        <a:rPr lang="it-IT" sz="1600" b="0" i="0" dirty="0"/>
+                        <a:t>Valutare situazione dei propri figli</a:t>
+                      </a:r>
+                    </a:p>
+                  </a:txBody>
+                  <a:tcPr/>
+                </a:tc>
+                <a:tc>
+                  <a:txBody>
+                    <a:bodyPr/>
+                    <a:lstStyle/>
+                    <a:p>
+                      <a:r>
+                        <a:rPr lang="it-IT" sz="1600" dirty="0"/>
+                        <a:t>1 volta all’anno</a:t>
+                      </a:r>
+                    </a:p>
+                  </a:txBody>
+                  <a:tcPr/>
+                </a:tc>
+                <a:tc>
+                  <a:txBody>
+                    <a:bodyPr/>
+                    <a:lstStyle/>
+                    <a:p>
+                      <a:pPr algn="l"/>
+                      <a:r>
+                        <a:rPr lang="it-IT" sz="1600" dirty="0"/>
+                        <a:t>alta</a:t>
+                      </a:r>
+                    </a:p>
+                  </a:txBody>
+                  <a:tcPr/>
+                </a:tc>
+                <a:extLst>
+                  <a:ext uri="{0D108BD9-81ED-4DB2-BD59-A6C34878D82A}">
+                    <a16:rowId xmlns:a16="http://schemas.microsoft.com/office/drawing/2014/main" val="3286170515"/>
+                  </a:ext>
+                </a:extLst>
+              </a:tr>
+            </a:tbl>
+          </a:graphicData>
+        </a:graphic>
+      </p:graphicFrame>
     </p:spTree>
     <p:extLst>
       <p:ext uri="{BB962C8B-B14F-4D97-AF65-F5344CB8AC3E}">
-        <p14:creationId xmlns:p14="http://schemas.microsoft.com/office/powerpoint/2010/main" val="1154671612"/>
+        <p14:creationId xmlns:p14="http://schemas.microsoft.com/office/powerpoint/2010/main" val="990461847"/>
       </p:ext>
     </p:extLst>
   </p:cSld>
@@ -4026,7 +4170,7 @@
           <a:lstStyle/>
           <a:p>
             <a:r>
-              <a:rPr lang="it-IT" kern="1200" cap="all" baseline="0" dirty="0" smtClean="0">
+              <a:rPr lang="it-IT" kern="1200" cap="all" baseline="0" dirty="0">
                 <a:solidFill>
                   <a:schemeClr val="tx2"/>
                 </a:solidFill>
@@ -4085,7 +4229,7 @@
         <p:spPr>
           <a:xfrm>
             <a:off x="5220072" y="1484785"/>
-            <a:ext cx="4104456" cy="2862322"/>
+            <a:ext cx="4104456" cy="2031325"/>
           </a:xfrm>
           <a:prstGeom prst="rect">
             <a:avLst/>
@@ -4107,212 +4251,7 @@
                   </a:outerShdw>
                 </a:effectLst>
               </a:rPr>
-              <a:t>Il sito raggruppa le informazioni in base all’utente che le richiede, ad esempio un docente visualizzerà informazioni in parte diverse sul “</a:t>
-            </a:r>
-            <a:r>
-              <a:rPr lang="it-IT" dirty="0">
-                <a:effectLst>
-                  <a:outerShdw blurRad="38100" dist="38100" dir="2700000" algn="tl">
-                    <a:srgbClr val="000000">
-                      <a:alpha val="43137"/>
-                    </a:srgbClr>
-                  </a:outerShdw>
-                </a:effectLst>
-              </a:rPr>
-              <a:t>cyberbullismo</a:t>
-            </a:r>
-            <a:r>
-              <a:rPr lang="it-IT" dirty="0">
-                <a:effectLst>
-                  <a:outerShdw blurRad="38100" dist="38100" dir="2700000" algn="tl">
-                    <a:srgbClr val="000000">
-                      <a:alpha val="43137"/>
-                    </a:srgbClr>
-                  </a:outerShdw>
-                </a:effectLst>
-              </a:rPr>
-              <a:t>” in quanto gli </a:t>
-            </a:r>
-            <a:endParaRPr lang="it-IT" dirty="0" smtClean="0">
-              <a:effectLst>
-                <a:outerShdw blurRad="38100" dist="38100" dir="2700000" algn="tl">
-                  <a:srgbClr val="000000">
-                    <a:alpha val="43137"/>
-                  </a:srgbClr>
-                </a:outerShdw>
-              </a:effectLst>
-            </a:endParaRPr>
-          </a:p>
-          <a:p>
-            <a:r>
-              <a:rPr lang="it-IT" dirty="0" smtClean="0">
-                <a:effectLst>
-                  <a:outerShdw blurRad="38100" dist="38100" dir="2700000" algn="tl">
-                    <a:srgbClr val="000000">
-                      <a:alpha val="43137"/>
-                    </a:srgbClr>
-                  </a:outerShdw>
-                </a:effectLst>
-              </a:rPr>
-              <a:t>interessa </a:t>
-            </a:r>
-            <a:r>
-              <a:rPr lang="it-IT" dirty="0">
-                <a:effectLst>
-                  <a:outerShdw blurRad="38100" dist="38100" dir="2700000" algn="tl">
-                    <a:srgbClr val="000000">
-                      <a:alpha val="43137"/>
-                    </a:srgbClr>
-                  </a:outerShdw>
-                </a:effectLst>
-              </a:rPr>
-              <a:t>come aiutare gli alunni a combattere questo </a:t>
-            </a:r>
-            <a:r>
-              <a:rPr lang="it-IT" dirty="0" smtClean="0">
-                <a:effectLst>
-                  <a:outerShdw blurRad="38100" dist="38100" dir="2700000" algn="tl">
-                    <a:srgbClr val="000000">
-                      <a:alpha val="43137"/>
-                    </a:srgbClr>
-                  </a:outerShdw>
-                </a:effectLst>
-              </a:rPr>
-              <a:t>fenomeno, </a:t>
-            </a:r>
-            <a:r>
-              <a:rPr lang="it-IT" dirty="0">
-                <a:effectLst>
-                  <a:outerShdw blurRad="38100" dist="38100" dir="2700000" algn="tl">
-                    <a:srgbClr val="000000">
-                      <a:alpha val="43137"/>
-                    </a:srgbClr>
-                  </a:outerShdw>
-                </a:effectLst>
-              </a:rPr>
-              <a:t>mentre un alunno visualizzerà </a:t>
-            </a:r>
-            <a:r>
-              <a:rPr lang="it-IT" dirty="0" smtClean="0">
-                <a:effectLst>
-                  <a:outerShdw blurRad="38100" dist="38100" dir="2700000" algn="tl">
-                    <a:srgbClr val="000000">
-                      <a:alpha val="43137"/>
-                    </a:srgbClr>
-                  </a:outerShdw>
-                </a:effectLst>
-              </a:rPr>
-              <a:t>informazioni</a:t>
-            </a:r>
-          </a:p>
-          <a:p>
-            <a:r>
-              <a:rPr lang="it-IT" dirty="0" smtClean="0">
-                <a:effectLst>
-                  <a:outerShdw blurRad="38100" dist="38100" dir="2700000" algn="tl">
-                    <a:srgbClr val="000000">
-                      <a:alpha val="43137"/>
-                    </a:srgbClr>
-                  </a:outerShdw>
-                </a:effectLst>
-              </a:rPr>
-              <a:t>su </a:t>
-            </a:r>
-            <a:r>
-              <a:rPr lang="it-IT" dirty="0">
-                <a:effectLst>
-                  <a:outerShdw blurRad="38100" dist="38100" dir="2700000" algn="tl">
-                    <a:srgbClr val="000000">
-                      <a:alpha val="43137"/>
-                    </a:srgbClr>
-                  </a:outerShdw>
-                </a:effectLst>
-              </a:rPr>
-              <a:t>come combatterlo e come prevenirlo. </a:t>
-            </a:r>
-          </a:p>
-        </p:txBody>
-      </p:sp>
-      <p:sp>
-        <p:nvSpPr>
-          <p:cNvPr id="7" name="Rettangolo 6"/>
-          <p:cNvSpPr/>
-          <p:nvPr/>
-        </p:nvSpPr>
-        <p:spPr>
-          <a:xfrm>
-            <a:off x="356708" y="4368560"/>
-            <a:ext cx="8621813" cy="923330"/>
-          </a:xfrm>
-          <a:prstGeom prst="rect">
-            <a:avLst/>
-          </a:prstGeom>
-        </p:spPr>
-        <p:txBody>
-          <a:bodyPr wrap="square">
-            <a:spAutoFit/>
-          </a:bodyPr>
-          <a:lstStyle/>
-          <a:p>
-            <a:r>
-              <a:rPr lang="it-IT" dirty="0">
-                <a:effectLst>
-                  <a:outerShdw blurRad="38100" dist="38100" dir="2700000" algn="tl">
-                    <a:srgbClr val="000000">
-                      <a:alpha val="43137"/>
-                    </a:srgbClr>
-                  </a:outerShdw>
-                </a:effectLst>
-              </a:rPr>
-              <a:t>P</a:t>
-            </a:r>
-            <a:r>
-              <a:rPr lang="it-IT" dirty="0" smtClean="0">
-                <a:effectLst>
-                  <a:outerShdw blurRad="38100" dist="38100" dir="2700000" algn="tl">
-                    <a:srgbClr val="000000">
-                      <a:alpha val="43137"/>
-                    </a:srgbClr>
-                  </a:outerShdw>
-                </a:effectLst>
-              </a:rPr>
-              <a:t>renderemo </a:t>
-            </a:r>
-            <a:r>
-              <a:rPr lang="it-IT" dirty="0">
-                <a:effectLst>
-                  <a:outerShdw blurRad="38100" dist="38100" dir="2700000" algn="tl">
-                    <a:srgbClr val="000000">
-                      <a:alpha val="43137"/>
-                    </a:srgbClr>
-                  </a:outerShdw>
-                </a:effectLst>
-              </a:rPr>
-              <a:t>spunto da questa suddivisione </a:t>
-            </a:r>
-            <a:r>
-              <a:rPr lang="it-IT" dirty="0" smtClean="0">
-                <a:effectLst>
-                  <a:outerShdw blurRad="38100" dist="38100" dir="2700000" algn="tl">
-                    <a:srgbClr val="000000">
-                      <a:alpha val="43137"/>
-                    </a:srgbClr>
-                  </a:outerShdw>
-                </a:effectLst>
-              </a:rPr>
-              <a:t>in </a:t>
-            </a:r>
-            <a:r>
-              <a:rPr lang="it-IT" dirty="0">
-                <a:effectLst>
-                  <a:outerShdw blurRad="38100" dist="38100" dir="2700000" algn="tl">
-                    <a:srgbClr val="000000">
-                      <a:alpha val="43137"/>
-                    </a:srgbClr>
-                  </a:outerShdw>
-                </a:effectLst>
-              </a:rPr>
-              <a:t>modo tale da fornire agli utenti unicamente le informazioni di cui hanno bisogno senza dover cercarle a lungo all’interno del sito.</a:t>
+              <a:t>Il sito indicato supporta due lingue (inglese e spagnolo) il che può essere utile per coinvolgere un maggior numero di utenti, nel nostro caso utilizzeremo l’italiano come lingua principale ed in un secondo momento potremmo aggiungere la lingua inglese.</a:t>
             </a:r>
           </a:p>
         </p:txBody>
@@ -4325,7 +4264,7 @@
         </p:nvSpPr>
         <p:spPr>
           <a:xfrm>
-            <a:off x="323528" y="5291890"/>
+            <a:off x="287524" y="4354034"/>
             <a:ext cx="8568952" cy="1477328"/>
           </a:xfrm>
           <a:prstGeom prst="rect">
@@ -4348,29 +4287,8 @@
                   </a:outerShdw>
                 </a:effectLst>
               </a:rPr>
-              <a:t>Il sito ha una sezione “blog” dove sono presenti gli articoli pubblicati unicamente dall’autore della pagina, useremo anche noi questa sezione ma la amplieremo pubblicando articoli scritti </a:t>
-            </a:r>
-            <a:r>
-              <a:rPr lang="it-IT" dirty="0" smtClean="0">
-                <a:effectLst>
-                  <a:outerShdw blurRad="38100" dist="38100" dir="2700000" algn="tl">
-                    <a:srgbClr val="000000">
-                      <a:alpha val="43137"/>
-                    </a:srgbClr>
-                  </a:outerShdw>
-                </a:effectLst>
-              </a:rPr>
-              <a:t>dalle vittime, genitori delle vittime o qualsiasi persona che vuole raccontare una storia inerente il bullismo, registrandosi tramite un email e un nickname.</a:t>
-            </a:r>
-            <a:endParaRPr lang="it-IT" dirty="0">
-              <a:effectLst>
-                <a:outerShdw blurRad="38100" dist="38100" dir="2700000" algn="tl">
-                  <a:srgbClr val="000000">
-                    <a:alpha val="43137"/>
-                  </a:srgbClr>
-                </a:outerShdw>
-              </a:effectLst>
-            </a:endParaRPr>
+              <a:t>Il sito ha una sezione “blog” dove sono presenti gli articoli pubblicati unicamente dall’autore della pagina, useremo anche noi questa sezione ma la amplieremo pubblicando articoli scritti dalle vittime, genitori delle vittime o qualsiasi persona che vuole raccontare una storia inerente il bullismo, registrandosi tramite un email e un nickname.</a:t>
+            </a:r>
           </a:p>
         </p:txBody>
       </p:sp>
@@ -4406,7 +4324,13 @@
       </p:grpSpPr>
       <p:sp>
         <p:nvSpPr>
-          <p:cNvPr id="6" name="Rectangle 2"/>
+          <p:cNvPr id="2" name="Titolo 1">
+            <a:extLst>
+              <a:ext uri="{FF2B5EF4-FFF2-40B4-BE49-F238E27FC236}">
+                <a16:creationId xmlns:a16="http://schemas.microsoft.com/office/drawing/2014/main" id="{68B96A78-96D6-4088-B0D6-159A7B045ED9}"/>
+              </a:ext>
+            </a:extLst>
+          </p:cNvPr>
           <p:cNvSpPr>
             <a:spLocks noGrp="1"/>
           </p:cNvSpPr>
@@ -4414,12 +4338,7 @@
             <p:ph type="title"/>
           </p:nvPr>
         </p:nvSpPr>
-        <p:spPr>
-          <a:xfrm>
-            <a:off x="304800" y="457200"/>
-            <a:ext cx="8686800" cy="838200"/>
-          </a:xfrm>
-        </p:spPr>
+        <p:spPr/>
         <p:txBody>
           <a:bodyPr>
             <a:normAutofit/>
@@ -4427,79 +4346,71 @@
           <a:lstStyle/>
           <a:p>
             <a:r>
-              <a:rPr lang="it-IT" kern="1200" cap="all" baseline="0" dirty="0" smtClean="0">
-                <a:solidFill>
-                  <a:schemeClr val="tx2"/>
-                </a:solidFill>
-                <a:effectLst>
-                  <a:reflection blurRad="12700" stA="48000" endA="300" endPos="55000" dir="5400000" sy="-90000" algn="bl" rotWithShape="0"/>
-                </a:effectLst>
-                <a:latin typeface="Calibri" panose="020F0502020204030204" pitchFamily="34" charset="0"/>
-                <a:cs typeface="Calibri" panose="020F0502020204030204" pitchFamily="34" charset="0"/>
-              </a:rPr>
-              <a:t>paper</a:t>
-            </a:r>
-            <a:r>
-              <a:rPr lang="it-IT" kern="1200" cap="all" baseline="0" dirty="0" smtClean="0">
-                <a:solidFill>
-                  <a:schemeClr val="tx2"/>
-                </a:solidFill>
-                <a:effectLst>
-                  <a:reflection blurRad="12700" stA="48000" endA="300" endPos="55000" dir="5400000" sy="-90000" algn="bl" rotWithShape="0"/>
-                </a:effectLst>
-                <a:latin typeface="Calibri" panose="020F0502020204030204" pitchFamily="34" charset="0"/>
-                <a:cs typeface="Calibri" panose="020F0502020204030204" pitchFamily="34" charset="0"/>
-              </a:rPr>
-              <a:t> </a:t>
-            </a:r>
-            <a:r>
-              <a:rPr lang="it-IT" kern="1200" cap="all" baseline="0" dirty="0" smtClean="0">
-                <a:solidFill>
-                  <a:schemeClr val="tx2"/>
-                </a:solidFill>
-                <a:effectLst>
-                  <a:reflection blurRad="12700" stA="48000" endA="300" endPos="55000" dir="5400000" sy="-90000" algn="bl" rotWithShape="0"/>
-                </a:effectLst>
-                <a:latin typeface="Calibri" panose="020F0502020204030204" pitchFamily="34" charset="0"/>
-                <a:cs typeface="Calibri" panose="020F0502020204030204" pitchFamily="34" charset="0"/>
-              </a:rPr>
-              <a:t>sketches</a:t>
-            </a:r>
-            <a:r>
-              <a:rPr lang="it-IT" kern="1200" cap="all" dirty="0" smtClean="0">
-                <a:solidFill>
-                  <a:schemeClr val="tx2"/>
-                </a:solidFill>
-                <a:effectLst>
-                  <a:reflection blurRad="12700" stA="48000" endA="300" endPos="55000" dir="5400000" sy="-90000" algn="bl" rotWithShape="0"/>
-                </a:effectLst>
-                <a:latin typeface="Calibri" panose="020F0502020204030204" pitchFamily="34" charset="0"/>
-                <a:cs typeface="Calibri" panose="020F0502020204030204" pitchFamily="34" charset="0"/>
-              </a:rPr>
-              <a:t> e prototipi</a:t>
-            </a:r>
-            <a:endParaRPr lang="it-IT" dirty="0">
-              <a:latin typeface="Calibri" panose="020F0502020204030204" pitchFamily="34" charset="0"/>
-              <a:cs typeface="Calibri" panose="020F0502020204030204" pitchFamily="34" charset="0"/>
-            </a:endParaRPr>
-          </a:p>
-        </p:txBody>
-      </p:sp>
-      <p:sp>
-        <p:nvSpPr>
-          <p:cNvPr id="7" name="Rettangolo 6"/>
-          <p:cNvSpPr/>
-          <p:nvPr/>
-        </p:nvSpPr>
+              <a:rPr lang="it-IT" sz="3200" dirty="0"/>
+              <a:t>ANALISI COMPARATIVA</a:t>
+            </a:r>
+          </a:p>
+        </p:txBody>
+      </p:sp>
+      <p:pic>
+        <p:nvPicPr>
+          <p:cNvPr id="4" name="Segnaposto contenuto 3">
+            <a:extLst>
+              <a:ext uri="{FF2B5EF4-FFF2-40B4-BE49-F238E27FC236}">
+                <a16:creationId xmlns:a16="http://schemas.microsoft.com/office/drawing/2014/main" id="{DB5AB712-AB58-4F64-90E0-021CABF2ED7B}"/>
+              </a:ext>
+            </a:extLst>
+          </p:cNvPr>
+          <p:cNvPicPr>
+            <a:picLocks noGrp="1"/>
+          </p:cNvPicPr>
+          <p:nvPr>
+            <p:ph idx="1"/>
+          </p:nvPr>
+        </p:nvPicPr>
+        <p:blipFill>
+          <a:blip r:embed="rId2" cstate="print">
+            <a:extLst>
+              <a:ext uri="{28A0092B-C50C-407E-A947-70E740481C1C}">
+                <a14:useLocalDpi xmlns:a14="http://schemas.microsoft.com/office/drawing/2010/main" val="0"/>
+              </a:ext>
+            </a:extLst>
+          </a:blip>
+          <a:stretch>
+            <a:fillRect/>
+          </a:stretch>
+        </p:blipFill>
         <p:spPr>
           <a:xfrm>
-            <a:off x="539552" y="1628800"/>
-            <a:ext cx="6030416" cy="830997"/>
+            <a:off x="304800" y="1324000"/>
+            <a:ext cx="4771256" cy="3113112"/>
           </a:xfrm>
           <a:prstGeom prst="rect">
             <a:avLst/>
           </a:prstGeom>
         </p:spPr>
+      </p:pic>
+      <p:sp>
+        <p:nvSpPr>
+          <p:cNvPr id="6" name="Rettangolo 5">
+            <a:extLst>
+              <a:ext uri="{FF2B5EF4-FFF2-40B4-BE49-F238E27FC236}">
+                <a16:creationId xmlns:a16="http://schemas.microsoft.com/office/drawing/2014/main" id="{BF5EDEDA-9F8B-4B45-8802-32CCA6EF33DF}"/>
+              </a:ext>
+            </a:extLst>
+          </p:cNvPr>
+          <p:cNvSpPr/>
+          <p:nvPr/>
+        </p:nvSpPr>
+        <p:spPr>
+          <a:xfrm>
+            <a:off x="5220072" y="1484785"/>
+            <a:ext cx="4104456" cy="2862322"/>
+          </a:xfrm>
+          <a:prstGeom prst="rect">
+            <a:avLst/>
+          </a:prstGeom>
+        </p:spPr>
         <p:txBody>
           <a:bodyPr wrap="square">
             <a:spAutoFit/>
@@ -4507,10 +4418,7 @@
           <a:lstStyle/>
           <a:p>
             <a:r>
-              <a:rPr lang="it-IT" sz="2400" dirty="0" smtClean="0">
-                <a:solidFill>
-                  <a:srgbClr val="00B0F0"/>
-                </a:solidFill>
+              <a:rPr lang="it-IT" dirty="0">
                 <a:effectLst>
                   <a:outerShdw blurRad="38100" dist="38100" dir="2700000" algn="tl">
                     <a:srgbClr val="000000">
@@ -4518,16 +4426,13 @@
                     </a:srgbClr>
                   </a:outerShdw>
                 </a:effectLst>
-                <a:latin typeface="Calibri"/>
-                <a:cs typeface="Calibri"/>
-              </a:rPr>
-              <a:t>• </a:t>
-            </a:r>
-            <a:r>
-              <a:rPr lang="it-IT" sz="2400" u="sng" dirty="0" smtClean="0">
-                <a:solidFill>
-                  <a:srgbClr val="00B0F0"/>
-                </a:solidFill>
+              </a:rPr>
+              <a:t>Il sito raggruppa le informazioni in base all’utente che le richiede, ad esempio un docente visualizzerà informazioni in parte diverse sul “cyberbullismo” in quanto gli </a:t>
+            </a:r>
+          </a:p>
+          <a:p>
+            <a:r>
+              <a:rPr lang="it-IT" dirty="0">
                 <a:effectLst>
                   <a:outerShdw blurRad="38100" dist="38100" dir="2700000" algn="tl">
                     <a:srgbClr val="000000">
@@ -4536,13 +4441,12 @@
                   </a:outerShdw>
                 </a:effectLst>
               </a:rPr>
-              <a:t>Paper</a:t>
-            </a:r>
-            <a:r>
-              <a:rPr lang="it-IT" sz="2400" u="sng" dirty="0" smtClean="0">
-                <a:solidFill>
-                  <a:srgbClr val="00B0F0"/>
-                </a:solidFill>
+              <a:t>interessa come aiutare gli alunni a combattere questo fenomeno, mentre un alunno visualizzerà informazioni</a:t>
+            </a:r>
+          </a:p>
+          <a:p>
+            <a:r>
+              <a:rPr lang="it-IT" dirty="0">
                 <a:effectLst>
                   <a:outerShdw blurRad="38100" dist="38100" dir="2700000" algn="tl">
                     <a:srgbClr val="000000">
@@ -4551,13 +4455,40 @@
                   </a:outerShdw>
                 </a:effectLst>
               </a:rPr>
-              <a:t> </a:t>
-            </a:r>
-            <a:r>
-              <a:rPr lang="it-IT" sz="2400" u="sng" dirty="0">
-                <a:solidFill>
-                  <a:srgbClr val="00B0F0"/>
-                </a:solidFill>
+              <a:t>su come combatterlo e come prevenirlo. </a:t>
+            </a:r>
+          </a:p>
+        </p:txBody>
+      </p:sp>
+      <p:sp>
+        <p:nvSpPr>
+          <p:cNvPr id="7" name="Rettangolo 6">
+            <a:extLst>
+              <a:ext uri="{FF2B5EF4-FFF2-40B4-BE49-F238E27FC236}">
+                <a16:creationId xmlns:a16="http://schemas.microsoft.com/office/drawing/2014/main" id="{BDFE2C83-CB2E-4C1A-9E1B-907597C28C0A}"/>
+              </a:ext>
+            </a:extLst>
+          </p:cNvPr>
+          <p:cNvSpPr/>
+          <p:nvPr/>
+        </p:nvSpPr>
+        <p:spPr>
+          <a:xfrm>
+            <a:off x="287524" y="4354034"/>
+            <a:ext cx="8568952" cy="646331"/>
+          </a:xfrm>
+          <a:prstGeom prst="rect">
+            <a:avLst/>
+          </a:prstGeom>
+        </p:spPr>
+        <p:txBody>
+          <a:bodyPr wrap="square">
+            <a:spAutoFit/>
+          </a:bodyPr>
+          <a:lstStyle/>
+          <a:p>
+            <a:r>
+              <a:rPr lang="it-IT" dirty="0">
                 <a:effectLst>
                   <a:outerShdw blurRad="38100" dist="38100" dir="2700000" algn="tl">
                     <a:srgbClr val="000000">
@@ -4566,56 +4497,7 @@
                   </a:outerShdw>
                 </a:effectLst>
               </a:rPr>
-              <a:t>sketch realizzato con Denim</a:t>
-            </a:r>
-          </a:p>
-          <a:p>
-            <a:r>
-              <a:rPr lang="it-IT" sz="2400" dirty="0">
-                <a:solidFill>
-                  <a:srgbClr val="00B0F0"/>
-                </a:solidFill>
-                <a:effectLst>
-                  <a:outerShdw blurRad="38100" dist="38100" dir="2700000" algn="tl">
-                    <a:srgbClr val="000000">
-                      <a:alpha val="43137"/>
-                    </a:srgbClr>
-                  </a:outerShdw>
-                </a:effectLst>
-                <a:latin typeface="Calibri"/>
-                <a:cs typeface="Calibri"/>
-              </a:rPr>
-              <a:t>• </a:t>
-            </a:r>
-            <a:r>
-              <a:rPr lang="it-IT" sz="2400" u="sng" dirty="0" smtClean="0">
-                <a:solidFill>
-                  <a:srgbClr val="00B0F0"/>
-                </a:solidFill>
-                <a:effectLst>
-                  <a:outerShdw blurRad="38100" dist="38100" dir="2700000" algn="tl">
-                    <a:srgbClr val="000000">
-                      <a:alpha val="43137"/>
-                    </a:srgbClr>
-                  </a:outerShdw>
-                </a:effectLst>
-              </a:rPr>
-              <a:t>Prototipo Hi-Fi </a:t>
-            </a:r>
-            <a:r>
-              <a:rPr lang="it-IT" sz="2400" u="sng" dirty="0">
-                <a:solidFill>
-                  <a:srgbClr val="00B0F0"/>
-                </a:solidFill>
-                <a:effectLst>
-                  <a:outerShdw blurRad="38100" dist="38100" dir="2700000" algn="tl">
-                    <a:srgbClr val="000000">
-                      <a:alpha val="43137"/>
-                    </a:srgbClr>
-                  </a:outerShdw>
-                </a:effectLst>
-              </a:rPr>
-              <a:t>realizzato con PowerPoint</a:t>
+              <a:t>Anche noi prenderemo spunto da questa suddivisione in categorie per offrire un aiuto mirato unicamente agli utenti interessati.</a:t>
             </a:r>
           </a:p>
         </p:txBody>
@@ -4623,7 +4505,7 @@
     </p:spTree>
     <p:extLst>
       <p:ext uri="{BB962C8B-B14F-4D97-AF65-F5344CB8AC3E}">
-        <p14:creationId xmlns:p14="http://schemas.microsoft.com/office/powerpoint/2010/main" val="2081505186"/>
+        <p14:creationId xmlns:p14="http://schemas.microsoft.com/office/powerpoint/2010/main" val="2326085664"/>
       </p:ext>
     </p:extLst>
   </p:cSld>
@@ -4652,6 +4534,235 @@
       </p:grpSpPr>
       <p:sp>
         <p:nvSpPr>
+          <p:cNvPr id="6" name="Rectangle 2"/>
+          <p:cNvSpPr>
+            <a:spLocks noGrp="1"/>
+          </p:cNvSpPr>
+          <p:nvPr>
+            <p:ph type="title"/>
+          </p:nvPr>
+        </p:nvSpPr>
+        <p:spPr>
+          <a:xfrm>
+            <a:off x="304800" y="457200"/>
+            <a:ext cx="8686800" cy="838200"/>
+          </a:xfrm>
+        </p:spPr>
+        <p:txBody>
+          <a:bodyPr>
+            <a:normAutofit/>
+          </a:bodyPr>
+          <a:lstStyle/>
+          <a:p>
+            <a:r>
+              <a:rPr lang="it-IT" kern="1200" cap="all" baseline="0" dirty="0">
+                <a:solidFill>
+                  <a:schemeClr val="tx2"/>
+                </a:solidFill>
+                <a:effectLst>
+                  <a:reflection blurRad="12700" stA="48000" endA="300" endPos="55000" dir="5400000" sy="-90000" algn="bl" rotWithShape="0"/>
+                </a:effectLst>
+                <a:latin typeface="Calibri" panose="020F0502020204030204" pitchFamily="34" charset="0"/>
+                <a:cs typeface="Calibri" panose="020F0502020204030204" pitchFamily="34" charset="0"/>
+              </a:rPr>
+              <a:t>paper sketches</a:t>
+            </a:r>
+            <a:r>
+              <a:rPr lang="it-IT" kern="1200" cap="all" dirty="0">
+                <a:solidFill>
+                  <a:schemeClr val="tx2"/>
+                </a:solidFill>
+                <a:effectLst>
+                  <a:reflection blurRad="12700" stA="48000" endA="300" endPos="55000" dir="5400000" sy="-90000" algn="bl" rotWithShape="0"/>
+                </a:effectLst>
+                <a:latin typeface="Calibri" panose="020F0502020204030204" pitchFamily="34" charset="0"/>
+                <a:cs typeface="Calibri" panose="020F0502020204030204" pitchFamily="34" charset="0"/>
+              </a:rPr>
+              <a:t> e prototipi</a:t>
+            </a:r>
+            <a:endParaRPr lang="it-IT" dirty="0">
+              <a:latin typeface="Calibri" panose="020F0502020204030204" pitchFamily="34" charset="0"/>
+              <a:cs typeface="Calibri" panose="020F0502020204030204" pitchFamily="34" charset="0"/>
+            </a:endParaRPr>
+          </a:p>
+        </p:txBody>
+      </p:sp>
+      <p:sp>
+        <p:nvSpPr>
+          <p:cNvPr id="7" name="Rettangolo 6"/>
+          <p:cNvSpPr/>
+          <p:nvPr/>
+        </p:nvSpPr>
+        <p:spPr>
+          <a:xfrm>
+            <a:off x="539552" y="1628800"/>
+            <a:ext cx="6030416" cy="830997"/>
+          </a:xfrm>
+          <a:prstGeom prst="rect">
+            <a:avLst/>
+          </a:prstGeom>
+        </p:spPr>
+        <p:txBody>
+          <a:bodyPr wrap="square">
+            <a:spAutoFit/>
+          </a:bodyPr>
+          <a:lstStyle/>
+          <a:p>
+            <a:r>
+              <a:rPr lang="it-IT" sz="2400" dirty="0">
+                <a:solidFill>
+                  <a:srgbClr val="00B0F0"/>
+                </a:solidFill>
+                <a:effectLst>
+                  <a:outerShdw blurRad="38100" dist="38100" dir="2700000" algn="tl">
+                    <a:srgbClr val="000000">
+                      <a:alpha val="43137"/>
+                    </a:srgbClr>
+                  </a:outerShdw>
+                </a:effectLst>
+                <a:latin typeface="Calibri"/>
+                <a:cs typeface="Calibri"/>
+              </a:rPr>
+              <a:t>• </a:t>
+            </a:r>
+            <a:r>
+              <a:rPr lang="it-IT" sz="2400" u="sng" dirty="0">
+                <a:solidFill>
+                  <a:srgbClr val="00B0F0"/>
+                </a:solidFill>
+                <a:effectLst>
+                  <a:outerShdw blurRad="38100" dist="38100" dir="2700000" algn="tl">
+                    <a:srgbClr val="000000">
+                      <a:alpha val="43137"/>
+                    </a:srgbClr>
+                  </a:outerShdw>
+                </a:effectLst>
+              </a:rPr>
+              <a:t>Paper sketch realizzato con </a:t>
+            </a:r>
+            <a:r>
+              <a:rPr lang="it-IT" sz="2400" u="sng" dirty="0" err="1">
+                <a:solidFill>
+                  <a:srgbClr val="00B0F0"/>
+                </a:solidFill>
+                <a:effectLst>
+                  <a:outerShdw blurRad="38100" dist="38100" dir="2700000" algn="tl">
+                    <a:srgbClr val="000000">
+                      <a:alpha val="43137"/>
+                    </a:srgbClr>
+                  </a:outerShdw>
+                </a:effectLst>
+              </a:rPr>
+              <a:t>Balsamiq</a:t>
+            </a:r>
+            <a:endParaRPr lang="it-IT" sz="2400" u="sng" dirty="0">
+              <a:solidFill>
+                <a:srgbClr val="00B0F0"/>
+              </a:solidFill>
+              <a:effectLst>
+                <a:outerShdw blurRad="38100" dist="38100" dir="2700000" algn="tl">
+                  <a:srgbClr val="000000">
+                    <a:alpha val="43137"/>
+                  </a:srgbClr>
+                </a:outerShdw>
+              </a:effectLst>
+            </a:endParaRPr>
+          </a:p>
+          <a:p>
+            <a:r>
+              <a:rPr lang="it-IT" sz="2400" dirty="0">
+                <a:solidFill>
+                  <a:srgbClr val="00B0F0"/>
+                </a:solidFill>
+                <a:effectLst>
+                  <a:outerShdw blurRad="38100" dist="38100" dir="2700000" algn="tl">
+                    <a:srgbClr val="000000">
+                      <a:alpha val="43137"/>
+                    </a:srgbClr>
+                  </a:outerShdw>
+                </a:effectLst>
+                <a:latin typeface="Calibri"/>
+                <a:cs typeface="Calibri"/>
+              </a:rPr>
+              <a:t>• </a:t>
+            </a:r>
+            <a:r>
+              <a:rPr lang="it-IT" sz="2400" u="sng" dirty="0">
+                <a:solidFill>
+                  <a:srgbClr val="00B0F0"/>
+                </a:solidFill>
+                <a:effectLst>
+                  <a:outerShdw blurRad="38100" dist="38100" dir="2700000" algn="tl">
+                    <a:srgbClr val="000000">
+                      <a:alpha val="43137"/>
+                    </a:srgbClr>
+                  </a:outerShdw>
+                </a:effectLst>
+              </a:rPr>
+              <a:t>Prototipo Hi-Fi realizzato con </a:t>
+            </a:r>
+            <a:r>
+              <a:rPr lang="it-IT" sz="2400" u="sng" dirty="0" err="1">
+                <a:solidFill>
+                  <a:srgbClr val="00B0F0"/>
+                </a:solidFill>
+                <a:effectLst>
+                  <a:outerShdw blurRad="38100" dist="38100" dir="2700000" algn="tl">
+                    <a:srgbClr val="000000">
+                      <a:alpha val="43137"/>
+                    </a:srgbClr>
+                  </a:outerShdw>
+                </a:effectLst>
+              </a:rPr>
+              <a:t>Balsamiq</a:t>
+            </a:r>
+            <a:endParaRPr lang="it-IT" sz="2400" u="sng" dirty="0">
+              <a:solidFill>
+                <a:srgbClr val="00B0F0"/>
+              </a:solidFill>
+              <a:effectLst>
+                <a:outerShdw blurRad="38100" dist="38100" dir="2700000" algn="tl">
+                  <a:srgbClr val="000000">
+                    <a:alpha val="43137"/>
+                  </a:srgbClr>
+                </a:outerShdw>
+              </a:effectLst>
+            </a:endParaRPr>
+          </a:p>
+        </p:txBody>
+      </p:sp>
+    </p:spTree>
+    <p:extLst>
+      <p:ext uri="{BB962C8B-B14F-4D97-AF65-F5344CB8AC3E}">
+        <p14:creationId xmlns:p14="http://schemas.microsoft.com/office/powerpoint/2010/main" val="2081505186"/>
+      </p:ext>
+    </p:extLst>
+  </p:cSld>
+  <p:clrMapOvr>
+    <a:masterClrMapping/>
+  </p:clrMapOvr>
+</p:sld>
+</file>
+
+<file path=ppt/slides/slide14.xml><?xml version="1.0" encoding="utf-8"?>
+<p:sld xmlns:a="http://schemas.openxmlformats.org/drawingml/2006/main" xmlns:r="http://schemas.openxmlformats.org/officeDocument/2006/relationships" xmlns:p="http://schemas.openxmlformats.org/presentationml/2006/main">
+  <p:cSld>
+    <p:spTree>
+      <p:nvGrpSpPr>
+        <p:cNvPr id="1" name=""/>
+        <p:cNvGrpSpPr/>
+        <p:nvPr/>
+      </p:nvGrpSpPr>
+      <p:grpSpPr>
+        <a:xfrm>
+          <a:off x="0" y="0"/>
+          <a:ext cx="0" cy="0"/>
+          <a:chOff x="0" y="0"/>
+          <a:chExt cx="0" cy="0"/>
+        </a:xfrm>
+      </p:grpSpPr>
+      <p:sp>
+        <p:nvSpPr>
           <p:cNvPr id="4" name="Rectangle 2"/>
           <p:cNvSpPr>
             <a:spLocks noGrp="1"/>
@@ -4668,7 +4779,7 @@
           <a:lstStyle/>
           <a:p>
             <a:r>
-              <a:rPr lang="it-IT" kern="1200" cap="all" baseline="0" dirty="0" smtClean="0">
+              <a:rPr lang="it-IT" kern="1200" cap="all" baseline="0" dirty="0">
                 <a:solidFill>
                   <a:schemeClr val="tx2"/>
                 </a:solidFill>
@@ -4681,7 +4792,7 @@
               <a:t>Valutazione</a:t>
             </a:r>
             <a:r>
-              <a:rPr lang="it-IT" kern="1200" cap="all" dirty="0" smtClean="0">
+              <a:rPr lang="it-IT" kern="1200" cap="all" dirty="0">
                 <a:solidFill>
                   <a:schemeClr val="tx2"/>
                 </a:solidFill>
@@ -4763,11 +4874,7 @@
             </a:pPr>
             <a:r>
               <a:rPr lang="it-IT" b="1" dirty="0"/>
-              <a:t>Apprendibilità (learnability</a:t>
-            </a:r>
-            <a:r>
-              <a:rPr lang="it-IT" b="1" dirty="0" smtClean="0"/>
-              <a:t>)</a:t>
+              <a:t>Apprendibilità (learnability)</a:t>
             </a:r>
           </a:p>
           <a:p>
@@ -4783,7 +4890,7 @@
               <a:buChar char="•"/>
             </a:pPr>
             <a:r>
-              <a:rPr lang="it-IT" b="1" dirty="0" smtClean="0">
+              <a:rPr lang="it-IT" b="1" dirty="0">
                 <a:solidFill>
                   <a:schemeClr val="accent1">
                     <a:lumMod val="50000"/>
@@ -4809,7 +4916,7 @@
               <a:buChar char="•"/>
             </a:pPr>
             <a:r>
-              <a:rPr lang="it-IT" b="1" dirty="0" smtClean="0">
+              <a:rPr lang="it-IT" b="1" dirty="0">
                 <a:solidFill>
                   <a:schemeClr val="accent1">
                     <a:lumMod val="50000"/>
@@ -4835,7 +4942,7 @@
               <a:buChar char="•"/>
             </a:pPr>
             <a:r>
-              <a:rPr lang="it-IT" b="1" dirty="0" smtClean="0">
+              <a:rPr lang="it-IT" b="1" dirty="0">
                 <a:solidFill>
                   <a:schemeClr val="accent1">
                     <a:lumMod val="50000"/>
@@ -4861,7 +4968,7 @@
               <a:buChar char="•"/>
             </a:pPr>
             <a:r>
-              <a:rPr lang="it-IT" b="1" dirty="0" smtClean="0">
+              <a:rPr lang="it-IT" b="1" dirty="0">
                 <a:solidFill>
                   <a:schemeClr val="accent1">
                     <a:lumMod val="50000"/>
@@ -4884,7 +4991,7 @@
               <a:buChar char="Ø"/>
             </a:pPr>
             <a:r>
-              <a:rPr lang="it-IT" b="1" dirty="0" smtClean="0"/>
+              <a:rPr lang="it-IT" b="1" dirty="0"/>
               <a:t>Flessibilità</a:t>
             </a:r>
           </a:p>
@@ -4901,7 +5008,7 @@
               <a:buChar char="•"/>
             </a:pPr>
             <a:r>
-              <a:rPr lang="it-IT" b="1" dirty="0" smtClean="0">
+              <a:rPr lang="it-IT" b="1" dirty="0">
                 <a:solidFill>
                   <a:schemeClr val="accent1">
                     <a:lumMod val="50000"/>
@@ -4920,7 +5027,7 @@
               <a:buChar char="•"/>
             </a:pPr>
             <a:r>
-              <a:rPr lang="it-IT" b="1" dirty="0" smtClean="0">
+              <a:rPr lang="it-IT" b="1" dirty="0">
                 <a:solidFill>
                   <a:schemeClr val="accent1">
                     <a:lumMod val="50000"/>
@@ -4939,16 +5046,6 @@
               <a:buChar char="•"/>
             </a:pPr>
             <a:r>
-              <a:rPr lang="it-IT" b="1" dirty="0" smtClean="0">
-                <a:solidFill>
-                  <a:schemeClr val="accent1">
-                    <a:lumMod val="50000"/>
-                  </a:schemeClr>
-                </a:solidFill>
-              </a:rPr>
-              <a:t>Migrabilità </a:t>
-            </a:r>
-            <a:r>
               <a:rPr lang="it-IT" b="1" dirty="0">
                 <a:solidFill>
                   <a:schemeClr val="accent1">
@@ -4956,17 +5053,7 @@
                   </a:schemeClr>
                 </a:solidFill>
               </a:rPr>
-              <a:t>di un </a:t>
-            </a:r>
-            <a:r>
-              <a:rPr lang="it-IT" b="1" dirty="0" smtClean="0">
-                <a:solidFill>
-                  <a:schemeClr val="accent1">
-                    <a:lumMod val="50000"/>
-                  </a:schemeClr>
-                </a:solidFill>
-              </a:rPr>
-              <a:t>task</a:t>
+              <a:t>Migrabilità di un task</a:t>
             </a:r>
             <a:endParaRPr lang="it-IT" dirty="0">
               <a:solidFill>
@@ -5107,17 +5194,7 @@
                   </a:schemeClr>
                 </a:solidFill>
               </a:rPr>
-              <a:t>Conformità dei </a:t>
-            </a:r>
-            <a:r>
-              <a:rPr lang="it-IT" b="1" dirty="0" smtClean="0">
-                <a:solidFill>
-                  <a:schemeClr val="accent1">
-                    <a:lumMod val="50000"/>
-                  </a:schemeClr>
-                </a:solidFill>
-              </a:rPr>
-              <a:t>task</a:t>
+              <a:t>Conformità dei task</a:t>
             </a:r>
             <a:endParaRPr lang="it-IT" dirty="0">
               <a:solidFill>
@@ -5172,7 +5249,7 @@
 </p:sld>
 </file>
 
-<file path=ppt/slides/slide14.xml><?xml version="1.0" encoding="utf-8"?>
+<file path=ppt/slides/slide15.xml><?xml version="1.0" encoding="utf-8"?>
 <p:sld xmlns:a="http://schemas.openxmlformats.org/drawingml/2006/main" xmlns:r="http://schemas.openxmlformats.org/officeDocument/2006/relationships" xmlns:p="http://schemas.openxmlformats.org/presentationml/2006/main">
   <p:cSld>
     <p:spTree>
@@ -5218,23 +5295,15 @@
             </a:r>
             <a:r>
               <a:rPr lang="it-IT" b="1" dirty="0"/>
-              <a:t>Cognitive Walkthrough </a:t>
-            </a:r>
-            <a:r>
-              <a:rPr lang="it-IT" dirty="0" smtClean="0"/>
-              <a:t>(Sondaggio </a:t>
+              <a:t>Cognitive </a:t>
+            </a:r>
+            <a:r>
+              <a:rPr lang="it-IT" b="1" dirty="0" err="1"/>
+              <a:t>Walkthrough</a:t>
             </a:r>
             <a:r>
               <a:rPr lang="it-IT" dirty="0"/>
-              <a:t>cognitivo</a:t>
-            </a:r>
-            <a:r>
-              <a:rPr lang="it-IT" dirty="0" smtClean="0"/>
-              <a:t>), che </a:t>
-            </a:r>
-            <a:r>
-              <a:rPr lang="it-IT" dirty="0"/>
-              <a:t>è un metodo basato sulla teoria dell'apprendimento esplorativo e non richiede la presenza dell’utente, ma di un team di esperti. </a:t>
+              <a:t>, che è un metodo basato sulla teoria dell'apprendimento esplorativo e non richiede la presenza dell’utente, ma di un team di esperti. </a:t>
             </a:r>
           </a:p>
           <a:p>
@@ -5249,15 +5318,7 @@
             <a:pPr algn="just"/>
             <a:r>
               <a:rPr lang="it-IT" dirty="0"/>
-              <a:t>Lo scopo dell’interfaccia è quello di guidare l’utente passo </a:t>
-            </a:r>
-            <a:r>
-              <a:rPr lang="it-IT" dirty="0" smtClean="0"/>
-              <a:t>passo, </a:t>
-            </a:r>
-            <a:r>
-              <a:rPr lang="it-IT" dirty="0"/>
-              <a:t>in modo da stimolare l'esplorazione e il relativo utilizzo del sistema.</a:t>
+              <a:t>Lo scopo dell’interfaccia è quello di guidare l’utente passo passo, in modo da stimolare l'esplorazione e il relativo utilizzo del sistema.</a:t>
             </a:r>
           </a:p>
           <a:p>
@@ -5356,7 +5417,7 @@
           <a:lstStyle/>
           <a:p>
             <a:r>
-              <a:rPr lang="it-IT" kern="1200" cap="all" baseline="0" dirty="0" smtClean="0">
+              <a:rPr lang="it-IT" kern="1200" cap="all" baseline="0" dirty="0">
                 <a:solidFill>
                   <a:schemeClr val="tx2"/>
                 </a:solidFill>
@@ -5369,7 +5430,7 @@
               <a:t>Valutazione</a:t>
             </a:r>
             <a:r>
-              <a:rPr lang="it-IT" kern="1200" cap="all" dirty="0" smtClean="0">
+              <a:rPr lang="it-IT" kern="1200" cap="all" dirty="0">
                 <a:solidFill>
                   <a:schemeClr val="tx2"/>
                 </a:solidFill>
@@ -5401,7 +5462,7 @@
 </p:sld>
 </file>
 
-<file path=ppt/slides/slide15.xml><?xml version="1.0" encoding="utf-8"?>
+<file path=ppt/slides/slide16.xml><?xml version="1.0" encoding="utf-8"?>
 <p:sld xmlns:a="http://schemas.openxmlformats.org/drawingml/2006/main" xmlns:r="http://schemas.openxmlformats.org/officeDocument/2006/relationships" xmlns:p="http://schemas.openxmlformats.org/presentationml/2006/main">
   <p:cSld>
     <p:spTree>
@@ -5441,7 +5502,7 @@
           <a:lstStyle/>
           <a:p>
             <a:r>
-              <a:rPr lang="it-IT" kern="1200" cap="all" baseline="0" dirty="0" smtClean="0">
+              <a:rPr lang="it-IT" kern="1200" cap="all" baseline="0" dirty="0">
                 <a:solidFill>
                   <a:schemeClr val="tx2"/>
                 </a:solidFill>
@@ -5454,7 +5515,7 @@
               <a:t>Valutazione</a:t>
             </a:r>
             <a:r>
-              <a:rPr lang="it-IT" kern="1200" cap="all" dirty="0" smtClean="0">
+              <a:rPr lang="it-IT" kern="1200" cap="all" dirty="0">
                 <a:solidFill>
                   <a:schemeClr val="tx2"/>
                 </a:solidFill>
@@ -5510,31 +5571,7 @@
                   </a:outerShdw>
                 </a:effectLst>
               </a:rPr>
-              <a:t>P</a:t>
-            </a:r>
-            <a:r>
-              <a:rPr lang="it-IT" dirty="0" smtClean="0">
-                <a:effectLst>
-                  <a:outerShdw blurRad="38100" dist="38100" dir="2700000" algn="tl">
-                    <a:srgbClr val="000000">
-                      <a:alpha val="43137"/>
-                    </a:srgbClr>
-                  </a:outerShdw>
-                </a:effectLst>
-              </a:rPr>
-              <a:t>er </a:t>
-            </a:r>
-            <a:r>
-              <a:rPr lang="it-IT" dirty="0">
-                <a:effectLst>
-                  <a:outerShdw blurRad="38100" dist="38100" dir="2700000" algn="tl">
-                    <a:srgbClr val="000000">
-                      <a:alpha val="43137"/>
-                    </a:srgbClr>
-                  </a:outerShdw>
-                </a:effectLst>
-              </a:rPr>
-              <a:t>una miglior resa della valutazione, per ogni task, verrà richiesto di rispondere alle seguenti domande:</a:t>
+              <a:t>Per una miglior resa della valutazione, per ogni task, verrà richiesto di rispondere alle seguenti domande:</a:t>
             </a:r>
           </a:p>
           <a:p>
@@ -5546,7 +5583,7 @@
               <a:buAutoNum type="arabicPeriod"/>
             </a:pPr>
             <a:r>
-              <a:rPr lang="it-IT" dirty="0" smtClean="0">
+              <a:rPr lang="it-IT" dirty="0">
                 <a:effectLst>
                   <a:outerShdw blurRad="38100" dist="38100" dir="2700000" algn="tl">
                     <a:srgbClr val="000000">
@@ -5557,15 +5594,6 @@
               </a:rPr>
               <a:t>L’effetto dell’azione è lo stesso dell’obiettivo dell’utente a questo punto?</a:t>
             </a:r>
-            <a:endParaRPr lang="it-IT" dirty="0">
-              <a:effectLst>
-                <a:outerShdw blurRad="38100" dist="38100" dir="2700000" algn="tl">
-                  <a:srgbClr val="000000">
-                    <a:alpha val="43137"/>
-                  </a:srgbClr>
-                </a:outerShdw>
-              </a:effectLst>
-            </a:endParaRPr>
           </a:p>
           <a:p>
             <a:pPr marL="342900" lvl="0" indent="-342900" algn="just">
@@ -5627,29 +5655,8 @@
                   </a:outerShdw>
                 </a:effectLst>
               </a:rPr>
-              <a:t>Una volta eseguita l’azione, l’utente comprenderà il feedback che ottiene? Assocerà il risultato dell’azione con il conseguimento dell’obiettivo</a:t>
-            </a:r>
-            <a:r>
-              <a:rPr lang="it-IT" dirty="0" smtClean="0">
-                <a:effectLst>
-                  <a:outerShdw blurRad="38100" dist="38100" dir="2700000" algn="tl">
-                    <a:srgbClr val="000000">
-                      <a:alpha val="43137"/>
-                    </a:srgbClr>
-                  </a:outerShdw>
-                </a:effectLst>
-              </a:rPr>
-              <a:t>?</a:t>
-            </a:r>
-            <a:endParaRPr lang="it-IT" dirty="0">
-              <a:effectLst>
-                <a:outerShdw blurRad="38100" dist="38100" dir="2700000" algn="tl">
-                  <a:srgbClr val="000000">
-                    <a:alpha val="43137"/>
-                  </a:srgbClr>
-                </a:outerShdw>
-              </a:effectLst>
-            </a:endParaRPr>
+              <a:t>Una volta eseguita l’azione, l’utente comprenderà il feedback che ottiene? Assocerà il risultato dell’azione con il conseguimento dell’obiettivo?</a:t>
+            </a:r>
           </a:p>
         </p:txBody>
       </p:sp>
@@ -5696,731 +5703,6 @@
 </p:sld>
 </file>
 
-<file path=ppt/slides/slide16.xml><?xml version="1.0" encoding="utf-8"?>
-<p:sld xmlns:a="http://schemas.openxmlformats.org/drawingml/2006/main" xmlns:r="http://schemas.openxmlformats.org/officeDocument/2006/relationships" xmlns:p="http://schemas.openxmlformats.org/presentationml/2006/main">
-  <p:cSld>
-    <p:spTree>
-      <p:nvGrpSpPr>
-        <p:cNvPr id="1" name=""/>
-        <p:cNvGrpSpPr/>
-        <p:nvPr/>
-      </p:nvGrpSpPr>
-      <p:grpSpPr>
-        <a:xfrm>
-          <a:off x="0" y="0"/>
-          <a:ext cx="0" cy="0"/>
-          <a:chOff x="0" y="0"/>
-          <a:chExt cx="0" cy="0"/>
-        </a:xfrm>
-      </p:grpSpPr>
-      <p:sp>
-        <p:nvSpPr>
-          <p:cNvPr id="4" name="Rectangle 2"/>
-          <p:cNvSpPr>
-            <a:spLocks noGrp="1"/>
-          </p:cNvSpPr>
-          <p:nvPr>
-            <p:ph type="title"/>
-          </p:nvPr>
-        </p:nvSpPr>
-        <p:spPr>
-          <a:xfrm>
-            <a:off x="304800" y="457200"/>
-            <a:ext cx="8686800" cy="838200"/>
-          </a:xfrm>
-        </p:spPr>
-        <p:txBody>
-          <a:bodyPr>
-            <a:normAutofit/>
-          </a:bodyPr>
-          <a:lstStyle/>
-          <a:p>
-            <a:r>
-              <a:rPr lang="it-IT" kern="1200" cap="all" baseline="0" dirty="0" smtClean="0">
-                <a:solidFill>
-                  <a:schemeClr val="tx2"/>
-                </a:solidFill>
-                <a:effectLst>
-                  <a:reflection blurRad="12700" stA="48000" endA="300" endPos="55000" dir="5400000" sy="-90000" algn="bl" rotWithShape="0"/>
-                </a:effectLst>
-                <a:latin typeface="Calibri" panose="020F0502020204030204" pitchFamily="34" charset="0"/>
-                <a:cs typeface="Calibri" panose="020F0502020204030204" pitchFamily="34" charset="0"/>
-              </a:rPr>
-              <a:t>Design pattern</a:t>
-            </a:r>
-            <a:endParaRPr lang="it-IT" dirty="0">
-              <a:latin typeface="Calibri" panose="020F0502020204030204" pitchFamily="34" charset="0"/>
-              <a:cs typeface="Calibri" panose="020F0502020204030204" pitchFamily="34" charset="0"/>
-            </a:endParaRPr>
-          </a:p>
-        </p:txBody>
-      </p:sp>
-      <p:sp>
-        <p:nvSpPr>
-          <p:cNvPr id="5" name="CasellaDiTesto 4"/>
-          <p:cNvSpPr txBox="1"/>
-          <p:nvPr/>
-        </p:nvSpPr>
-        <p:spPr>
-          <a:xfrm>
-            <a:off x="300251" y="1556792"/>
-            <a:ext cx="8691349" cy="3139321"/>
-          </a:xfrm>
-          <a:prstGeom prst="rect">
-            <a:avLst/>
-          </a:prstGeom>
-          <a:noFill/>
-        </p:spPr>
-        <p:txBody>
-          <a:bodyPr wrap="square" rtlCol="0">
-            <a:spAutoFit/>
-          </a:bodyPr>
-          <a:lstStyle/>
-          <a:p>
-            <a:pPr algn="just"/>
-            <a:r>
-              <a:rPr lang="it-IT" dirty="0">
-                <a:effectLst>
-                  <a:outerShdw blurRad="38100" dist="38100" dir="2700000" algn="tl">
-                    <a:srgbClr val="000000">
-                      <a:alpha val="43137"/>
-                    </a:srgbClr>
-                  </a:outerShdw>
-                </a:effectLst>
-              </a:rPr>
-              <a:t>A</a:t>
-            </a:r>
-            <a:r>
-              <a:rPr lang="it-IT" dirty="0" smtClean="0">
-                <a:effectLst>
-                  <a:outerShdw blurRad="38100" dist="38100" dir="2700000" algn="tl">
-                    <a:srgbClr val="000000">
-                      <a:alpha val="43137"/>
-                    </a:srgbClr>
-                  </a:outerShdw>
-                </a:effectLst>
-              </a:rPr>
-              <a:t>bbiamo </a:t>
-            </a:r>
-            <a:r>
-              <a:rPr lang="it-IT" dirty="0">
-                <a:effectLst>
-                  <a:outerShdw blurRad="38100" dist="38100" dir="2700000" algn="tl">
-                    <a:srgbClr val="000000">
-                      <a:alpha val="43137"/>
-                    </a:srgbClr>
-                  </a:outerShdw>
-                </a:effectLst>
-              </a:rPr>
-              <a:t>considerato diversi design pattern che potenzialmente useremo per il nostro </a:t>
-            </a:r>
-            <a:r>
-              <a:rPr lang="it-IT" dirty="0" smtClean="0">
-                <a:effectLst>
-                  <a:outerShdw blurRad="38100" dist="38100" dir="2700000" algn="tl">
-                    <a:srgbClr val="000000">
-                      <a:alpha val="43137"/>
-                    </a:srgbClr>
-                  </a:outerShdw>
-                </a:effectLst>
-              </a:rPr>
-              <a:t>sistema:</a:t>
-            </a:r>
-          </a:p>
-          <a:p>
-            <a:pPr algn="just"/>
-            <a:endParaRPr lang="it-IT" dirty="0" smtClean="0">
-              <a:effectLst>
-                <a:outerShdw blurRad="38100" dist="38100" dir="2700000" algn="tl">
-                  <a:srgbClr val="000000">
-                    <a:alpha val="43137"/>
-                  </a:srgbClr>
-                </a:outerShdw>
-              </a:effectLst>
-            </a:endParaRPr>
-          </a:p>
-          <a:p>
-            <a:pPr marL="342900" indent="-342900">
-              <a:buFont typeface="Wingdings" panose="05000000000000000000" pitchFamily="2" charset="2"/>
-              <a:buChar char="ü"/>
-            </a:pPr>
-            <a:r>
-              <a:rPr lang="it-IT" sz="2400" dirty="0" smtClean="0">
-                <a:solidFill>
-                  <a:schemeClr val="accent6">
-                    <a:lumMod val="50000"/>
-                  </a:schemeClr>
-                </a:solidFill>
-                <a:effectLst>
-                  <a:outerShdw blurRad="38100" dist="38100" dir="2700000" algn="tl">
-                    <a:srgbClr val="000000">
-                      <a:alpha val="43137"/>
-                    </a:srgbClr>
-                  </a:outerShdw>
-                </a:effectLst>
-              </a:rPr>
-              <a:t>Articles</a:t>
-            </a:r>
-            <a:r>
-              <a:rPr lang="it-IT" sz="2400" dirty="0" smtClean="0">
-                <a:solidFill>
-                  <a:schemeClr val="accent6">
-                    <a:lumMod val="50000"/>
-                  </a:schemeClr>
-                </a:solidFill>
-                <a:effectLst>
-                  <a:outerShdw blurRad="38100" dist="38100" dir="2700000" algn="tl">
-                    <a:srgbClr val="000000">
-                      <a:alpha val="43137"/>
-                    </a:srgbClr>
-                  </a:outerShdw>
-                </a:effectLst>
-              </a:rPr>
-              <a:t> </a:t>
-            </a:r>
-            <a:r>
-              <a:rPr lang="it-IT" sz="2400" dirty="0" smtClean="0">
-                <a:solidFill>
-                  <a:schemeClr val="accent6">
-                    <a:lumMod val="50000"/>
-                  </a:schemeClr>
-                </a:solidFill>
-                <a:effectLst>
-                  <a:outerShdw blurRad="38100" dist="38100" dir="2700000" algn="tl">
-                    <a:srgbClr val="000000">
-                      <a:alpha val="43137"/>
-                    </a:srgbClr>
-                  </a:outerShdw>
-                </a:effectLst>
-              </a:rPr>
-              <a:t>view</a:t>
-            </a:r>
-            <a:endParaRPr lang="it-IT" sz="2400" dirty="0" smtClean="0">
-              <a:solidFill>
-                <a:schemeClr val="accent6">
-                  <a:lumMod val="50000"/>
-                </a:schemeClr>
-              </a:solidFill>
-              <a:effectLst>
-                <a:outerShdw blurRad="38100" dist="38100" dir="2700000" algn="tl">
-                  <a:srgbClr val="000000">
-                    <a:alpha val="43137"/>
-                  </a:srgbClr>
-                </a:outerShdw>
-              </a:effectLst>
-            </a:endParaRPr>
-          </a:p>
-          <a:p>
-            <a:pPr marL="342900" indent="-342900">
-              <a:buFont typeface="Wingdings" panose="05000000000000000000" pitchFamily="2" charset="2"/>
-              <a:buChar char="ü"/>
-            </a:pPr>
-            <a:r>
-              <a:rPr lang="it-IT" sz="2400" dirty="0" smtClean="0">
-                <a:solidFill>
-                  <a:schemeClr val="accent6">
-                    <a:lumMod val="50000"/>
-                  </a:schemeClr>
-                </a:solidFill>
-                <a:effectLst>
-                  <a:outerShdw blurRad="38100" dist="38100" dir="2700000" algn="tl">
-                    <a:srgbClr val="000000">
-                      <a:alpha val="43137"/>
-                    </a:srgbClr>
-                  </a:outerShdw>
-                </a:effectLst>
-              </a:rPr>
-              <a:t>User page</a:t>
-            </a:r>
-            <a:endParaRPr lang="it-IT" sz="2400" dirty="0">
-              <a:solidFill>
-                <a:schemeClr val="accent6">
-                  <a:lumMod val="50000"/>
-                </a:schemeClr>
-              </a:solidFill>
-              <a:effectLst>
-                <a:outerShdw blurRad="38100" dist="38100" dir="2700000" algn="tl">
-                  <a:srgbClr val="000000">
-                    <a:alpha val="43137"/>
-                  </a:srgbClr>
-                </a:outerShdw>
-              </a:effectLst>
-            </a:endParaRPr>
-          </a:p>
-          <a:p>
-            <a:pPr marL="342900" indent="-342900">
-              <a:buFont typeface="Wingdings" panose="05000000000000000000" pitchFamily="2" charset="2"/>
-              <a:buChar char="ü"/>
-            </a:pPr>
-            <a:r>
-              <a:rPr lang="it-IT" sz="2400" dirty="0" smtClean="0">
-                <a:solidFill>
-                  <a:schemeClr val="accent6">
-                    <a:lumMod val="50000"/>
-                  </a:schemeClr>
-                </a:solidFill>
-                <a:effectLst>
-                  <a:outerShdw blurRad="38100" dist="38100" dir="2700000" algn="tl">
-                    <a:srgbClr val="000000">
-                      <a:alpha val="43137"/>
-                    </a:srgbClr>
-                  </a:outerShdw>
-                </a:effectLst>
-              </a:rPr>
-              <a:t>Article</a:t>
-            </a:r>
-            <a:r>
-              <a:rPr lang="it-IT" sz="2400" dirty="0" smtClean="0">
-                <a:solidFill>
-                  <a:schemeClr val="accent6">
-                    <a:lumMod val="50000"/>
-                  </a:schemeClr>
-                </a:solidFill>
-                <a:effectLst>
-                  <a:outerShdw blurRad="38100" dist="38100" dir="2700000" algn="tl">
-                    <a:srgbClr val="000000">
-                      <a:alpha val="43137"/>
-                    </a:srgbClr>
-                  </a:outerShdw>
-                </a:effectLst>
-              </a:rPr>
-              <a:t> page</a:t>
-            </a:r>
-            <a:endParaRPr lang="it-IT" sz="2400" dirty="0">
-              <a:solidFill>
-                <a:schemeClr val="accent6">
-                  <a:lumMod val="50000"/>
-                </a:schemeClr>
-              </a:solidFill>
-              <a:effectLst>
-                <a:outerShdw blurRad="38100" dist="38100" dir="2700000" algn="tl">
-                  <a:srgbClr val="000000">
-                    <a:alpha val="43137"/>
-                  </a:srgbClr>
-                </a:outerShdw>
-              </a:effectLst>
-            </a:endParaRPr>
-          </a:p>
-          <a:p>
-            <a:pPr marL="342900" indent="-342900">
-              <a:buFont typeface="Wingdings" panose="05000000000000000000" pitchFamily="2" charset="2"/>
-              <a:buChar char="ü"/>
-            </a:pPr>
-            <a:r>
-              <a:rPr lang="it-IT" sz="2400" dirty="0" smtClean="0">
-                <a:solidFill>
-                  <a:schemeClr val="accent6">
-                    <a:lumMod val="50000"/>
-                  </a:schemeClr>
-                </a:solidFill>
-                <a:effectLst>
-                  <a:outerShdw blurRad="38100" dist="38100" dir="2700000" algn="tl">
-                    <a:srgbClr val="000000">
-                      <a:alpha val="43137"/>
-                    </a:srgbClr>
-                  </a:outerShdw>
-                </a:effectLst>
-              </a:rPr>
-              <a:t>Forum </a:t>
-            </a:r>
-            <a:r>
-              <a:rPr lang="it-IT" sz="2400" dirty="0" smtClean="0">
-                <a:solidFill>
-                  <a:schemeClr val="accent6">
-                    <a:lumMod val="50000"/>
-                  </a:schemeClr>
-                </a:solidFill>
-                <a:effectLst>
-                  <a:outerShdw blurRad="38100" dist="38100" dir="2700000" algn="tl">
-                    <a:srgbClr val="000000">
-                      <a:alpha val="43137"/>
-                    </a:srgbClr>
-                  </a:outerShdw>
-                </a:effectLst>
-              </a:rPr>
-              <a:t>section</a:t>
-            </a:r>
-            <a:endParaRPr lang="it-IT" sz="2400" dirty="0">
-              <a:solidFill>
-                <a:schemeClr val="accent6">
-                  <a:lumMod val="50000"/>
-                </a:schemeClr>
-              </a:solidFill>
-              <a:effectLst>
-                <a:outerShdw blurRad="38100" dist="38100" dir="2700000" algn="tl">
-                  <a:srgbClr val="000000">
-                    <a:alpha val="43137"/>
-                  </a:srgbClr>
-                </a:outerShdw>
-              </a:effectLst>
-            </a:endParaRPr>
-          </a:p>
-          <a:p>
-            <a:pPr marL="342900" indent="-342900">
-              <a:buFont typeface="Wingdings" panose="05000000000000000000" pitchFamily="2" charset="2"/>
-              <a:buChar char="ü"/>
-            </a:pPr>
-            <a:r>
-              <a:rPr lang="it-IT" sz="2400" dirty="0">
-                <a:solidFill>
-                  <a:schemeClr val="accent6">
-                    <a:lumMod val="50000"/>
-                  </a:schemeClr>
-                </a:solidFill>
-                <a:effectLst>
-                  <a:outerShdw blurRad="38100" dist="38100" dir="2700000" algn="tl">
-                    <a:srgbClr val="000000">
-                      <a:alpha val="43137"/>
-                    </a:srgbClr>
-                  </a:outerShdw>
-                </a:effectLst>
-              </a:rPr>
-              <a:t>Error pages</a:t>
-            </a:r>
-          </a:p>
-          <a:p>
-            <a:pPr marL="342900" indent="-342900">
-              <a:buFont typeface="Wingdings" panose="05000000000000000000" pitchFamily="2" charset="2"/>
-              <a:buChar char="ü"/>
-            </a:pPr>
-            <a:r>
-              <a:rPr lang="it-IT" sz="2400" dirty="0" smtClean="0">
-                <a:solidFill>
-                  <a:schemeClr val="accent6">
-                    <a:lumMod val="50000"/>
-                  </a:schemeClr>
-                </a:solidFill>
-                <a:effectLst>
-                  <a:outerShdw blurRad="38100" dist="38100" dir="2700000" algn="tl">
-                    <a:srgbClr val="000000">
-                      <a:alpha val="43137"/>
-                    </a:srgbClr>
-                  </a:outerShdw>
-                </a:effectLst>
-              </a:rPr>
-              <a:t>Search</a:t>
-            </a:r>
-            <a:r>
-              <a:rPr lang="it-IT" sz="2400" dirty="0" smtClean="0">
-                <a:solidFill>
-                  <a:schemeClr val="accent6">
-                    <a:lumMod val="50000"/>
-                  </a:schemeClr>
-                </a:solidFill>
-                <a:effectLst>
-                  <a:outerShdw blurRad="38100" dist="38100" dir="2700000" algn="tl">
-                    <a:srgbClr val="000000">
-                      <a:alpha val="43137"/>
-                    </a:srgbClr>
-                  </a:outerShdw>
-                </a:effectLst>
-              </a:rPr>
-              <a:t> </a:t>
-            </a:r>
-            <a:r>
-              <a:rPr lang="it-IT" sz="2400" dirty="0" smtClean="0">
-                <a:solidFill>
-                  <a:schemeClr val="accent6">
-                    <a:lumMod val="50000"/>
-                  </a:schemeClr>
-                </a:solidFill>
-                <a:effectLst>
-                  <a:outerShdw blurRad="38100" dist="38100" dir="2700000" algn="tl">
-                    <a:srgbClr val="000000">
-                      <a:alpha val="43137"/>
-                    </a:srgbClr>
-                  </a:outerShdw>
-                </a:effectLst>
-              </a:rPr>
-              <a:t>form</a:t>
-            </a:r>
-            <a:endParaRPr lang="it-IT" sz="2400" dirty="0" smtClean="0">
-              <a:solidFill>
-                <a:schemeClr val="accent6">
-                  <a:lumMod val="50000"/>
-                </a:schemeClr>
-              </a:solidFill>
-              <a:effectLst>
-                <a:outerShdw blurRad="38100" dist="38100" dir="2700000" algn="tl">
-                  <a:srgbClr val="000000">
-                    <a:alpha val="43137"/>
-                  </a:srgbClr>
-                </a:outerShdw>
-              </a:effectLst>
-            </a:endParaRPr>
-          </a:p>
-        </p:txBody>
-      </p:sp>
-      <p:sp>
-        <p:nvSpPr>
-          <p:cNvPr id="6" name="CasellaDiTesto 5"/>
-          <p:cNvSpPr txBox="1"/>
-          <p:nvPr/>
-        </p:nvSpPr>
-        <p:spPr>
-          <a:xfrm>
-            <a:off x="4645925" y="2387789"/>
-            <a:ext cx="2898553" cy="2308324"/>
-          </a:xfrm>
-          <a:prstGeom prst="rect">
-            <a:avLst/>
-          </a:prstGeom>
-          <a:noFill/>
-        </p:spPr>
-        <p:txBody>
-          <a:bodyPr wrap="square" rtlCol="0">
-            <a:spAutoFit/>
-          </a:bodyPr>
-          <a:lstStyle/>
-          <a:p>
-            <a:pPr marL="342900" indent="-342900">
-              <a:buFont typeface="Wingdings" panose="05000000000000000000" pitchFamily="2" charset="2"/>
-              <a:buChar char="ü"/>
-            </a:pPr>
-            <a:r>
-              <a:rPr lang="it-IT" sz="2400" dirty="0">
-                <a:solidFill>
-                  <a:schemeClr val="accent6">
-                    <a:lumMod val="50000"/>
-                  </a:schemeClr>
-                </a:solidFill>
-                <a:effectLst>
-                  <a:outerShdw blurRad="38100" dist="38100" dir="2700000" algn="tl">
-                    <a:srgbClr val="000000">
-                      <a:alpha val="43137"/>
-                    </a:srgbClr>
-                  </a:outerShdw>
-                </a:effectLst>
-              </a:rPr>
-              <a:t>Inline Hints</a:t>
-            </a:r>
-          </a:p>
-          <a:p>
-            <a:pPr marL="342900" indent="-342900">
-              <a:buFont typeface="Wingdings" panose="05000000000000000000" pitchFamily="2" charset="2"/>
-              <a:buChar char="ü"/>
-            </a:pPr>
-            <a:r>
-              <a:rPr lang="it-IT" sz="2400" dirty="0" smtClean="0">
-                <a:solidFill>
-                  <a:schemeClr val="accent6">
-                    <a:lumMod val="50000"/>
-                  </a:schemeClr>
-                </a:solidFill>
-                <a:effectLst>
-                  <a:outerShdw blurRad="38100" dist="38100" dir="2700000" algn="tl">
-                    <a:srgbClr val="000000">
-                      <a:alpha val="43137"/>
-                    </a:srgbClr>
-                  </a:outerShdw>
-                </a:effectLst>
-              </a:rPr>
-              <a:t>Navigation</a:t>
-            </a:r>
-            <a:r>
-              <a:rPr lang="it-IT" sz="2400" dirty="0" smtClean="0">
-                <a:solidFill>
-                  <a:schemeClr val="accent6">
-                    <a:lumMod val="50000"/>
-                  </a:schemeClr>
-                </a:solidFill>
-                <a:effectLst>
-                  <a:outerShdw blurRad="38100" dist="38100" dir="2700000" algn="tl">
-                    <a:srgbClr val="000000">
-                      <a:alpha val="43137"/>
-                    </a:srgbClr>
-                  </a:outerShdw>
-                </a:effectLst>
-              </a:rPr>
-              <a:t> </a:t>
-            </a:r>
-            <a:r>
-              <a:rPr lang="it-IT" sz="2400" dirty="0" smtClean="0">
-                <a:solidFill>
-                  <a:schemeClr val="accent6">
-                    <a:lumMod val="50000"/>
-                  </a:schemeClr>
-                </a:solidFill>
-                <a:effectLst>
-                  <a:outerShdw blurRad="38100" dist="38100" dir="2700000" algn="tl">
-                    <a:srgbClr val="000000">
-                      <a:alpha val="43137"/>
-                    </a:srgbClr>
-                  </a:outerShdw>
-                </a:effectLst>
-              </a:rPr>
-              <a:t>Tabs</a:t>
-            </a:r>
-            <a:endParaRPr lang="it-IT" sz="2400" dirty="0">
-              <a:solidFill>
-                <a:schemeClr val="accent6">
-                  <a:lumMod val="50000"/>
-                </a:schemeClr>
-              </a:solidFill>
-              <a:effectLst>
-                <a:outerShdw blurRad="38100" dist="38100" dir="2700000" algn="tl">
-                  <a:srgbClr val="000000">
-                    <a:alpha val="43137"/>
-                  </a:srgbClr>
-                </a:outerShdw>
-              </a:effectLst>
-            </a:endParaRPr>
-          </a:p>
-          <a:p>
-            <a:pPr marL="342900" indent="-342900">
-              <a:buFont typeface="Wingdings" panose="05000000000000000000" pitchFamily="2" charset="2"/>
-              <a:buChar char="ü"/>
-            </a:pPr>
-            <a:r>
-              <a:rPr lang="it-IT" sz="2400" dirty="0" smtClean="0">
-                <a:solidFill>
-                  <a:schemeClr val="accent6">
-                    <a:lumMod val="50000"/>
-                  </a:schemeClr>
-                </a:solidFill>
-                <a:effectLst>
-                  <a:outerShdw blurRad="38100" dist="38100" dir="2700000" algn="tl">
-                    <a:srgbClr val="000000">
-                      <a:alpha val="43137"/>
-                    </a:srgbClr>
-                  </a:outerShdw>
-                </a:effectLst>
-              </a:rPr>
-              <a:t>Home </a:t>
-            </a:r>
-            <a:r>
-              <a:rPr lang="it-IT" sz="2400" dirty="0">
-                <a:solidFill>
-                  <a:schemeClr val="accent6">
-                    <a:lumMod val="50000"/>
-                  </a:schemeClr>
-                </a:solidFill>
-                <a:effectLst>
-                  <a:outerShdw blurRad="38100" dist="38100" dir="2700000" algn="tl">
-                    <a:srgbClr val="000000">
-                      <a:alpha val="43137"/>
-                    </a:srgbClr>
-                  </a:outerShdw>
-                </a:effectLst>
-              </a:rPr>
-              <a:t>Link</a:t>
-            </a:r>
-          </a:p>
-          <a:p>
-            <a:pPr marL="342900" indent="-342900">
-              <a:buFont typeface="Wingdings" panose="05000000000000000000" pitchFamily="2" charset="2"/>
-              <a:buChar char="ü"/>
-            </a:pPr>
-            <a:r>
-              <a:rPr lang="it-IT" sz="2400" dirty="0">
-                <a:solidFill>
-                  <a:schemeClr val="accent6">
-                    <a:lumMod val="50000"/>
-                  </a:schemeClr>
-                </a:solidFill>
-                <a:effectLst>
-                  <a:outerShdw blurRad="38100" dist="38100" dir="2700000" algn="tl">
-                    <a:srgbClr val="000000">
-                      <a:alpha val="43137"/>
-                    </a:srgbClr>
-                  </a:outerShdw>
-                </a:effectLst>
-              </a:rPr>
-              <a:t>Categorization</a:t>
-            </a:r>
-          </a:p>
-          <a:p>
-            <a:pPr marL="342900" indent="-342900">
-              <a:buFont typeface="Wingdings" panose="05000000000000000000" pitchFamily="2" charset="2"/>
-              <a:buChar char="ü"/>
-            </a:pPr>
-            <a:r>
-              <a:rPr lang="it-IT" sz="2400" dirty="0">
-                <a:solidFill>
-                  <a:schemeClr val="accent6">
-                    <a:lumMod val="50000"/>
-                  </a:schemeClr>
-                </a:solidFill>
-                <a:effectLst>
-                  <a:outerShdw blurRad="38100" dist="38100" dir="2700000" algn="tl">
-                    <a:srgbClr val="000000">
-                      <a:alpha val="43137"/>
-                    </a:srgbClr>
-                  </a:outerShdw>
-                </a:effectLst>
-              </a:rPr>
-              <a:t>Slideshow</a:t>
-            </a:r>
-          </a:p>
-          <a:p>
-            <a:pPr marL="342900" indent="-342900">
-              <a:buFont typeface="Wingdings" panose="05000000000000000000" pitchFamily="2" charset="2"/>
-              <a:buChar char="ü"/>
-            </a:pPr>
-            <a:r>
-              <a:rPr lang="it-IT" sz="2400" dirty="0">
-                <a:solidFill>
-                  <a:schemeClr val="accent6">
-                    <a:lumMod val="50000"/>
-                  </a:schemeClr>
-                </a:solidFill>
-                <a:effectLst>
-                  <a:outerShdw blurRad="38100" dist="38100" dir="2700000" algn="tl">
-                    <a:srgbClr val="000000">
-                      <a:alpha val="43137"/>
-                    </a:srgbClr>
-                  </a:outerShdw>
-                </a:effectLst>
-              </a:rPr>
-              <a:t>Social </a:t>
-            </a:r>
-            <a:r>
-              <a:rPr lang="it-IT" sz="2400" dirty="0" smtClean="0">
-                <a:solidFill>
-                  <a:schemeClr val="accent6">
-                    <a:lumMod val="50000"/>
-                  </a:schemeClr>
-                </a:solidFill>
-                <a:effectLst>
-                  <a:outerShdw blurRad="38100" dist="38100" dir="2700000" algn="tl">
-                    <a:srgbClr val="000000">
-                      <a:alpha val="43137"/>
-                    </a:srgbClr>
-                  </a:outerShdw>
-                </a:effectLst>
-              </a:rPr>
-              <a:t>Prof</a:t>
-            </a:r>
-            <a:endParaRPr lang="it-IT" sz="2400" dirty="0">
-              <a:solidFill>
-                <a:schemeClr val="accent6">
-                  <a:lumMod val="50000"/>
-                </a:schemeClr>
-              </a:solidFill>
-              <a:effectLst>
-                <a:outerShdw blurRad="38100" dist="38100" dir="2700000" algn="tl">
-                  <a:srgbClr val="000000">
-                    <a:alpha val="43137"/>
-                  </a:srgbClr>
-                </a:outerShdw>
-              </a:effectLst>
-            </a:endParaRPr>
-          </a:p>
-        </p:txBody>
-      </p:sp>
-    </p:spTree>
-    <p:extLst>
-      <p:ext uri="{BB962C8B-B14F-4D97-AF65-F5344CB8AC3E}">
-        <p14:creationId xmlns:p14="http://schemas.microsoft.com/office/powerpoint/2010/main" val="2370506962"/>
-      </p:ext>
-    </p:extLst>
-  </p:cSld>
-  <p:clrMapOvr>
-    <a:masterClrMapping/>
-  </p:clrMapOvr>
-</p:sld>
-</file>
-
 <file path=ppt/slides/slide17.xml><?xml version="1.0" encoding="utf-8"?>
 <p:sld xmlns:a="http://schemas.openxmlformats.org/drawingml/2006/main" xmlns:r="http://schemas.openxmlformats.org/officeDocument/2006/relationships" xmlns:p="http://schemas.openxmlformats.org/presentationml/2006/main">
   <p:cSld>
@@ -6461,7 +5743,7 @@
           <a:lstStyle/>
           <a:p>
             <a:r>
-              <a:rPr lang="it-IT" kern="1200" cap="all" baseline="0" dirty="0" smtClean="0">
+              <a:rPr lang="it-IT" kern="1200" cap="all" baseline="0" dirty="0">
                 <a:solidFill>
                   <a:schemeClr val="tx2"/>
                 </a:solidFill>
@@ -6471,10 +5753,456 @@
                 <a:latin typeface="Calibri" panose="020F0502020204030204" pitchFamily="34" charset="0"/>
                 <a:cs typeface="Calibri" panose="020F0502020204030204" pitchFamily="34" charset="0"/>
               </a:rPr>
+              <a:t>Design pattern</a:t>
+            </a:r>
+            <a:endParaRPr lang="it-IT" dirty="0">
+              <a:latin typeface="Calibri" panose="020F0502020204030204" pitchFamily="34" charset="0"/>
+              <a:cs typeface="Calibri" panose="020F0502020204030204" pitchFamily="34" charset="0"/>
+            </a:endParaRPr>
+          </a:p>
+        </p:txBody>
+      </p:sp>
+      <p:sp>
+        <p:nvSpPr>
+          <p:cNvPr id="5" name="CasellaDiTesto 4"/>
+          <p:cNvSpPr txBox="1"/>
+          <p:nvPr/>
+        </p:nvSpPr>
+        <p:spPr>
+          <a:xfrm>
+            <a:off x="300251" y="1556792"/>
+            <a:ext cx="8691349" cy="2769989"/>
+          </a:xfrm>
+          <a:prstGeom prst="rect">
+            <a:avLst/>
+          </a:prstGeom>
+          <a:noFill/>
+        </p:spPr>
+        <p:txBody>
+          <a:bodyPr wrap="square" rtlCol="0">
+            <a:spAutoFit/>
+          </a:bodyPr>
+          <a:lstStyle/>
+          <a:p>
+            <a:pPr algn="just"/>
+            <a:r>
+              <a:rPr lang="it-IT" dirty="0">
+                <a:effectLst>
+                  <a:outerShdw blurRad="38100" dist="38100" dir="2700000" algn="tl">
+                    <a:srgbClr val="000000">
+                      <a:alpha val="43137"/>
+                    </a:srgbClr>
+                  </a:outerShdw>
+                </a:effectLst>
+              </a:rPr>
+              <a:t>Abbiamo considerato diversi design pattern che potenzialmente useremo per il nostro sistema:</a:t>
+            </a:r>
+          </a:p>
+          <a:p>
+            <a:pPr algn="just"/>
+            <a:endParaRPr lang="it-IT" dirty="0">
+              <a:effectLst>
+                <a:outerShdw blurRad="38100" dist="38100" dir="2700000" algn="tl">
+                  <a:srgbClr val="000000">
+                    <a:alpha val="43137"/>
+                  </a:srgbClr>
+                </a:outerShdw>
+              </a:effectLst>
+            </a:endParaRPr>
+          </a:p>
+          <a:p>
+            <a:pPr marL="342900" indent="-342900">
+              <a:buFont typeface="Wingdings" panose="05000000000000000000" pitchFamily="2" charset="2"/>
+              <a:buChar char="ü"/>
+            </a:pPr>
+            <a:r>
+              <a:rPr lang="it-IT" sz="2400" dirty="0">
+                <a:solidFill>
+                  <a:schemeClr val="accent6">
+                    <a:lumMod val="50000"/>
+                  </a:schemeClr>
+                </a:solidFill>
+                <a:effectLst>
+                  <a:outerShdw blurRad="38100" dist="38100" dir="2700000" algn="tl">
+                    <a:srgbClr val="000000">
+                      <a:alpha val="43137"/>
+                    </a:srgbClr>
+                  </a:outerShdw>
+                </a:effectLst>
+              </a:rPr>
+              <a:t>Articles view</a:t>
+            </a:r>
+          </a:p>
+          <a:p>
+            <a:pPr marL="342900" indent="-342900">
+              <a:buFont typeface="Wingdings" panose="05000000000000000000" pitchFamily="2" charset="2"/>
+              <a:buChar char="ü"/>
+            </a:pPr>
+            <a:r>
+              <a:rPr lang="it-IT" sz="2400" dirty="0" err="1">
+                <a:solidFill>
+                  <a:schemeClr val="accent6">
+                    <a:lumMod val="50000"/>
+                  </a:schemeClr>
+                </a:solidFill>
+                <a:effectLst>
+                  <a:outerShdw blurRad="38100" dist="38100" dir="2700000" algn="tl">
+                    <a:srgbClr val="000000">
+                      <a:alpha val="43137"/>
+                    </a:srgbClr>
+                  </a:outerShdw>
+                </a:effectLst>
+              </a:rPr>
+              <a:t>Article</a:t>
+            </a:r>
+            <a:r>
+              <a:rPr lang="it-IT" sz="2400" dirty="0">
+                <a:solidFill>
+                  <a:schemeClr val="accent6">
+                    <a:lumMod val="50000"/>
+                  </a:schemeClr>
+                </a:solidFill>
+                <a:effectLst>
+                  <a:outerShdw blurRad="38100" dist="38100" dir="2700000" algn="tl">
+                    <a:srgbClr val="000000">
+                      <a:alpha val="43137"/>
+                    </a:srgbClr>
+                  </a:outerShdw>
+                </a:effectLst>
+              </a:rPr>
+              <a:t> </a:t>
+            </a:r>
+            <a:r>
+              <a:rPr lang="it-IT" sz="2400" dirty="0" err="1">
+                <a:solidFill>
+                  <a:schemeClr val="accent6">
+                    <a:lumMod val="50000"/>
+                  </a:schemeClr>
+                </a:solidFill>
+                <a:effectLst>
+                  <a:outerShdw blurRad="38100" dist="38100" dir="2700000" algn="tl">
+                    <a:srgbClr val="000000">
+                      <a:alpha val="43137"/>
+                    </a:srgbClr>
+                  </a:outerShdw>
+                </a:effectLst>
+              </a:rPr>
+              <a:t>edit</a:t>
+            </a:r>
+            <a:endParaRPr lang="it-IT" sz="2400" dirty="0">
+              <a:solidFill>
+                <a:schemeClr val="accent6">
+                  <a:lumMod val="50000"/>
+                </a:schemeClr>
+              </a:solidFill>
+              <a:effectLst>
+                <a:outerShdw blurRad="38100" dist="38100" dir="2700000" algn="tl">
+                  <a:srgbClr val="000000">
+                    <a:alpha val="43137"/>
+                  </a:srgbClr>
+                </a:outerShdw>
+              </a:effectLst>
+            </a:endParaRPr>
+          </a:p>
+          <a:p>
+            <a:pPr marL="342900" indent="-342900">
+              <a:buFont typeface="Wingdings" panose="05000000000000000000" pitchFamily="2" charset="2"/>
+              <a:buChar char="ü"/>
+            </a:pPr>
+            <a:r>
+              <a:rPr lang="it-IT" sz="2400" dirty="0">
+                <a:solidFill>
+                  <a:schemeClr val="accent6">
+                    <a:lumMod val="50000"/>
+                  </a:schemeClr>
+                </a:solidFill>
+                <a:effectLst>
+                  <a:outerShdw blurRad="38100" dist="38100" dir="2700000" algn="tl">
+                    <a:srgbClr val="000000">
+                      <a:alpha val="43137"/>
+                    </a:srgbClr>
+                  </a:outerShdw>
+                </a:effectLst>
+              </a:rPr>
+              <a:t>Forum section</a:t>
+            </a:r>
+          </a:p>
+          <a:p>
+            <a:pPr marL="342900" indent="-342900">
+              <a:buFont typeface="Wingdings" panose="05000000000000000000" pitchFamily="2" charset="2"/>
+              <a:buChar char="ü"/>
+            </a:pPr>
+            <a:r>
+              <a:rPr lang="it-IT" sz="2400" dirty="0">
+                <a:solidFill>
+                  <a:schemeClr val="accent6">
+                    <a:lumMod val="50000"/>
+                  </a:schemeClr>
+                </a:solidFill>
+                <a:effectLst>
+                  <a:outerShdw blurRad="38100" dist="38100" dir="2700000" algn="tl">
+                    <a:srgbClr val="000000">
+                      <a:alpha val="43137"/>
+                    </a:srgbClr>
+                  </a:outerShdw>
+                </a:effectLst>
+              </a:rPr>
+              <a:t>Error pages</a:t>
+            </a:r>
+          </a:p>
+          <a:p>
+            <a:pPr marL="342900" indent="-342900">
+              <a:buFont typeface="Wingdings" panose="05000000000000000000" pitchFamily="2" charset="2"/>
+              <a:buChar char="ü"/>
+            </a:pPr>
+            <a:r>
+              <a:rPr lang="it-IT" sz="2400" dirty="0">
+                <a:solidFill>
+                  <a:schemeClr val="accent6">
+                    <a:lumMod val="50000"/>
+                  </a:schemeClr>
+                </a:solidFill>
+                <a:effectLst>
+                  <a:outerShdw blurRad="38100" dist="38100" dir="2700000" algn="tl">
+                    <a:srgbClr val="000000">
+                      <a:alpha val="43137"/>
+                    </a:srgbClr>
+                  </a:outerShdw>
+                </a:effectLst>
+              </a:rPr>
+              <a:t>Search form</a:t>
+            </a:r>
+          </a:p>
+        </p:txBody>
+      </p:sp>
+      <p:sp>
+        <p:nvSpPr>
+          <p:cNvPr id="6" name="CasellaDiTesto 5"/>
+          <p:cNvSpPr txBox="1"/>
+          <p:nvPr/>
+        </p:nvSpPr>
+        <p:spPr>
+          <a:xfrm>
+            <a:off x="4645925" y="2387789"/>
+            <a:ext cx="2898553" cy="2308324"/>
+          </a:xfrm>
+          <a:prstGeom prst="rect">
+            <a:avLst/>
+          </a:prstGeom>
+          <a:noFill/>
+        </p:spPr>
+        <p:txBody>
+          <a:bodyPr wrap="square" rtlCol="0">
+            <a:spAutoFit/>
+          </a:bodyPr>
+          <a:lstStyle/>
+          <a:p>
+            <a:pPr marL="342900" indent="-342900">
+              <a:buFont typeface="Wingdings" panose="05000000000000000000" pitchFamily="2" charset="2"/>
+              <a:buChar char="ü"/>
+            </a:pPr>
+            <a:r>
+              <a:rPr lang="it-IT" sz="2400" dirty="0">
+                <a:solidFill>
+                  <a:schemeClr val="accent6">
+                    <a:lumMod val="50000"/>
+                  </a:schemeClr>
+                </a:solidFill>
+                <a:effectLst>
+                  <a:outerShdw blurRad="38100" dist="38100" dir="2700000" algn="tl">
+                    <a:srgbClr val="000000">
+                      <a:alpha val="43137"/>
+                    </a:srgbClr>
+                  </a:outerShdw>
+                </a:effectLst>
+              </a:rPr>
+              <a:t>Inline Hints</a:t>
+            </a:r>
+          </a:p>
+          <a:p>
+            <a:pPr marL="342900" indent="-342900">
+              <a:buFont typeface="Wingdings" panose="05000000000000000000" pitchFamily="2" charset="2"/>
+              <a:buChar char="ü"/>
+            </a:pPr>
+            <a:r>
+              <a:rPr lang="it-IT" sz="2400" dirty="0">
+                <a:solidFill>
+                  <a:schemeClr val="accent6">
+                    <a:lumMod val="50000"/>
+                  </a:schemeClr>
+                </a:solidFill>
+                <a:effectLst>
+                  <a:outerShdw blurRad="38100" dist="38100" dir="2700000" algn="tl">
+                    <a:srgbClr val="000000">
+                      <a:alpha val="43137"/>
+                    </a:srgbClr>
+                  </a:outerShdw>
+                </a:effectLst>
+              </a:rPr>
+              <a:t>Navigation Tabs</a:t>
+            </a:r>
+          </a:p>
+          <a:p>
+            <a:pPr marL="342900" indent="-342900">
+              <a:buFont typeface="Wingdings" panose="05000000000000000000" pitchFamily="2" charset="2"/>
+              <a:buChar char="ü"/>
+            </a:pPr>
+            <a:r>
+              <a:rPr lang="it-IT" sz="2400" dirty="0">
+                <a:solidFill>
+                  <a:schemeClr val="accent6">
+                    <a:lumMod val="50000"/>
+                  </a:schemeClr>
+                </a:solidFill>
+                <a:effectLst>
+                  <a:outerShdw blurRad="38100" dist="38100" dir="2700000" algn="tl">
+                    <a:srgbClr val="000000">
+                      <a:alpha val="43137"/>
+                    </a:srgbClr>
+                  </a:outerShdw>
+                </a:effectLst>
+              </a:rPr>
+              <a:t>Home Link</a:t>
+            </a:r>
+          </a:p>
+          <a:p>
+            <a:pPr marL="342900" indent="-342900">
+              <a:buFont typeface="Wingdings" panose="05000000000000000000" pitchFamily="2" charset="2"/>
+              <a:buChar char="ü"/>
+            </a:pPr>
+            <a:r>
+              <a:rPr lang="it-IT" sz="2400" dirty="0">
+                <a:solidFill>
+                  <a:schemeClr val="accent6">
+                    <a:lumMod val="50000"/>
+                  </a:schemeClr>
+                </a:solidFill>
+                <a:effectLst>
+                  <a:outerShdw blurRad="38100" dist="38100" dir="2700000" algn="tl">
+                    <a:srgbClr val="000000">
+                      <a:alpha val="43137"/>
+                    </a:srgbClr>
+                  </a:outerShdw>
+                </a:effectLst>
+              </a:rPr>
+              <a:t>Categorization</a:t>
+            </a:r>
+          </a:p>
+          <a:p>
+            <a:pPr marL="342900" indent="-342900">
+              <a:buFont typeface="Wingdings" panose="05000000000000000000" pitchFamily="2" charset="2"/>
+              <a:buChar char="ü"/>
+            </a:pPr>
+            <a:r>
+              <a:rPr lang="it-IT" sz="2400" dirty="0">
+                <a:solidFill>
+                  <a:schemeClr val="accent6">
+                    <a:lumMod val="50000"/>
+                  </a:schemeClr>
+                </a:solidFill>
+                <a:effectLst>
+                  <a:outerShdw blurRad="38100" dist="38100" dir="2700000" algn="tl">
+                    <a:srgbClr val="000000">
+                      <a:alpha val="43137"/>
+                    </a:srgbClr>
+                  </a:outerShdw>
+                </a:effectLst>
+              </a:rPr>
+              <a:t>Slideshow</a:t>
+            </a:r>
+          </a:p>
+          <a:p>
+            <a:pPr marL="342900" indent="-342900">
+              <a:buFont typeface="Wingdings" panose="05000000000000000000" pitchFamily="2" charset="2"/>
+              <a:buChar char="ü"/>
+            </a:pPr>
+            <a:r>
+              <a:rPr lang="it-IT" sz="2400" dirty="0">
+                <a:solidFill>
+                  <a:schemeClr val="accent6">
+                    <a:lumMod val="50000"/>
+                  </a:schemeClr>
+                </a:solidFill>
+                <a:effectLst>
+                  <a:outerShdw blurRad="38100" dist="38100" dir="2700000" algn="tl">
+                    <a:srgbClr val="000000">
+                      <a:alpha val="43137"/>
+                    </a:srgbClr>
+                  </a:outerShdw>
+                </a:effectLst>
+              </a:rPr>
+              <a:t>Social Prof</a:t>
+            </a:r>
+          </a:p>
+        </p:txBody>
+      </p:sp>
+    </p:spTree>
+    <p:extLst>
+      <p:ext uri="{BB962C8B-B14F-4D97-AF65-F5344CB8AC3E}">
+        <p14:creationId xmlns:p14="http://schemas.microsoft.com/office/powerpoint/2010/main" val="2370506962"/>
+      </p:ext>
+    </p:extLst>
+  </p:cSld>
+  <p:clrMapOvr>
+    <a:masterClrMapping/>
+  </p:clrMapOvr>
+</p:sld>
+</file>
+
+<file path=ppt/slides/slide18.xml><?xml version="1.0" encoding="utf-8"?>
+<p:sld xmlns:a="http://schemas.openxmlformats.org/drawingml/2006/main" xmlns:r="http://schemas.openxmlformats.org/officeDocument/2006/relationships" xmlns:p="http://schemas.openxmlformats.org/presentationml/2006/main">
+  <p:cSld>
+    <p:spTree>
+      <p:nvGrpSpPr>
+        <p:cNvPr id="1" name=""/>
+        <p:cNvGrpSpPr/>
+        <p:nvPr/>
+      </p:nvGrpSpPr>
+      <p:grpSpPr>
+        <a:xfrm>
+          <a:off x="0" y="0"/>
+          <a:ext cx="0" cy="0"/>
+          <a:chOff x="0" y="0"/>
+          <a:chExt cx="0" cy="0"/>
+        </a:xfrm>
+      </p:grpSpPr>
+      <p:sp>
+        <p:nvSpPr>
+          <p:cNvPr id="4" name="Rectangle 2"/>
+          <p:cNvSpPr>
+            <a:spLocks noGrp="1"/>
+          </p:cNvSpPr>
+          <p:nvPr>
+            <p:ph type="title"/>
+          </p:nvPr>
+        </p:nvSpPr>
+        <p:spPr>
+          <a:xfrm>
+            <a:off x="304800" y="457200"/>
+            <a:ext cx="8686800" cy="838200"/>
+          </a:xfrm>
+        </p:spPr>
+        <p:txBody>
+          <a:bodyPr>
+            <a:normAutofit/>
+          </a:bodyPr>
+          <a:lstStyle/>
+          <a:p>
+            <a:r>
+              <a:rPr lang="it-IT" kern="1200" cap="all" baseline="0" dirty="0">
+                <a:solidFill>
+                  <a:schemeClr val="tx2"/>
+                </a:solidFill>
+                <a:effectLst>
+                  <a:reflection blurRad="12700" stA="48000" endA="300" endPos="55000" dir="5400000" sy="-90000" algn="bl" rotWithShape="0"/>
+                </a:effectLst>
+                <a:latin typeface="Calibri" panose="020F0502020204030204" pitchFamily="34" charset="0"/>
+                <a:cs typeface="Calibri" panose="020F0502020204030204" pitchFamily="34" charset="0"/>
+              </a:rPr>
               <a:t>Valutazione</a:t>
             </a:r>
             <a:r>
-              <a:rPr lang="it-IT" kern="1200" cap="all" dirty="0" smtClean="0">
+              <a:rPr lang="it-IT" kern="1200" cap="all" dirty="0">
                 <a:solidFill>
                   <a:schemeClr val="tx2"/>
                 </a:solidFill>
@@ -6526,19 +6254,7 @@
                   </a:outerShdw>
                 </a:effectLst>
               </a:rPr>
-              <a:t>La valutazione euristica è stata condotta in base alle 10 regole euristiche di </a:t>
-            </a:r>
-            <a:r>
-              <a:rPr lang="it-IT" dirty="0" smtClean="0">
-                <a:effectLst>
-                  <a:outerShdw blurRad="38100" dist="38100" dir="2700000" algn="tl">
-                    <a:srgbClr val="000000">
-                      <a:alpha val="43137"/>
-                    </a:srgbClr>
-                  </a:outerShdw>
-                </a:effectLst>
-              </a:rPr>
-              <a:t>Nielsen:</a:t>
+              <a:t>La valutazione euristica è stata condotta in base alle 10 regole euristiche di Nielsen:</a:t>
             </a:r>
           </a:p>
           <a:p>
@@ -6748,29 +6464,8 @@
                   </a:outerShdw>
                 </a:effectLst>
               </a:rPr>
-              <a:t>Aiuto e </a:t>
-            </a:r>
-            <a:r>
-              <a:rPr lang="it-IT" dirty="0" smtClean="0">
-                <a:effectLst>
-                  <a:outerShdw blurRad="38100" dist="38100" dir="2700000" algn="tl">
-                    <a:srgbClr val="000000">
-                      <a:alpha val="43137"/>
-                    </a:srgbClr>
-                  </a:outerShdw>
-                </a:effectLst>
-              </a:rPr>
-              <a:t>documentazione</a:t>
-            </a:r>
-            <a:endParaRPr lang="it-IT" dirty="0">
-              <a:effectLst>
-                <a:outerShdw blurRad="38100" dist="38100" dir="2700000" algn="tl">
-                  <a:srgbClr val="000000">
-                    <a:alpha val="43137"/>
-                  </a:srgbClr>
-                </a:outerShdw>
-              </a:effectLst>
-            </a:endParaRPr>
+              <a:t>Aiuto e documentazione</a:t>
+            </a:r>
           </a:p>
         </p:txBody>
       </p:sp>
@@ -6817,7 +6512,7 @@
 </p:sld>
 </file>
 
-<file path=ppt/slides/slide18.xml><?xml version="1.0" encoding="utf-8"?>
+<file path=ppt/slides/slide19.xml><?xml version="1.0" encoding="utf-8"?>
 <p:sld xmlns:a="http://schemas.openxmlformats.org/drawingml/2006/main" xmlns:r="http://schemas.openxmlformats.org/officeDocument/2006/relationships" xmlns:p="http://schemas.openxmlformats.org/presentationml/2006/main">
   <p:cSld>
     <p:spTree>
@@ -6857,7 +6552,7 @@
           <a:lstStyle/>
           <a:p>
             <a:r>
-              <a:rPr lang="it-IT" kern="1200" cap="all" baseline="0" dirty="0" smtClean="0">
+              <a:rPr lang="it-IT" kern="1200" cap="all" baseline="0" dirty="0">
                 <a:solidFill>
                   <a:schemeClr val="tx2"/>
                 </a:solidFill>
@@ -6870,7 +6565,7 @@
               <a:t>Modifiche da</a:t>
             </a:r>
             <a:r>
-              <a:rPr lang="it-IT" kern="1200" cap="all" dirty="0" smtClean="0">
+              <a:rPr lang="it-IT" kern="1200" cap="all" dirty="0">
                 <a:solidFill>
                   <a:schemeClr val="tx2"/>
                 </a:solidFill>
@@ -6898,7 +6593,7 @@
         <p:spPr>
           <a:xfrm>
             <a:off x="304800" y="1484784"/>
-            <a:ext cx="8596064" cy="4154984"/>
+            <a:ext cx="8596064" cy="3970318"/>
           </a:xfrm>
           <a:prstGeom prst="rect">
             <a:avLst/>
@@ -6913,7 +6608,7 @@
           <a:p>
             <a:pPr algn="just"/>
             <a:r>
-              <a:rPr lang="it-IT" dirty="0" smtClean="0">
+              <a:rPr lang="it-IT" dirty="0">
                 <a:effectLst>
                   <a:outerShdw blurRad="38100" dist="38100" dir="2700000" algn="tl">
                     <a:srgbClr val="000000">
@@ -6924,81 +6619,6 @@
               </a:rPr>
               <a:t>In seguito al testing con gli utenti abbiamo riscontrato delle difficoltà da parte degli utenti su determinate azioni o possibili azioni sul sistema, quindi abbiamo apportato le seguenti modifiche:</a:t>
             </a:r>
-          </a:p>
-          <a:p>
-            <a:pPr algn="just"/>
-            <a:endParaRPr lang="it-IT" dirty="0" smtClean="0">
-              <a:effectLst>
-                <a:outerShdw blurRad="38100" dist="38100" dir="2700000" algn="tl">
-                  <a:srgbClr val="000000">
-                    <a:alpha val="43137"/>
-                  </a:srgbClr>
-                </a:outerShdw>
-              </a:effectLst>
-            </a:endParaRPr>
-          </a:p>
-          <a:p>
-            <a:pPr marL="285750" indent="-285750" algn="just">
-              <a:buFont typeface="Arial" panose="020B0604020202020204" pitchFamily="34" charset="0"/>
-              <a:buChar char="•"/>
-            </a:pPr>
-            <a:r>
-              <a:rPr lang="it-IT" sz="1600" dirty="0" smtClean="0">
-                <a:effectLst>
-                  <a:outerShdw blurRad="38100" dist="38100" dir="2700000" algn="tl">
-                    <a:srgbClr val="000000">
-                      <a:alpha val="43137"/>
-                    </a:srgbClr>
-                  </a:outerShdw>
-                </a:effectLst>
-              </a:rPr>
-              <a:t>Alcuni </a:t>
-            </a:r>
-            <a:r>
-              <a:rPr lang="it-IT" sz="1600" dirty="0">
-                <a:effectLst>
-                  <a:outerShdw blurRad="38100" dist="38100" dir="2700000" algn="tl">
-                    <a:srgbClr val="000000">
-                      <a:alpha val="43137"/>
-                    </a:srgbClr>
-                  </a:outerShdw>
-                </a:effectLst>
-              </a:rPr>
-              <a:t>utenti </a:t>
-            </a:r>
-            <a:r>
-              <a:rPr lang="it-IT" sz="1600" dirty="0" smtClean="0">
-                <a:effectLst>
-                  <a:outerShdw blurRad="38100" dist="38100" dir="2700000" algn="tl">
-                    <a:srgbClr val="000000">
-                      <a:alpha val="43137"/>
-                    </a:srgbClr>
-                  </a:outerShdw>
-                </a:effectLst>
-              </a:rPr>
-              <a:t>usano </a:t>
-            </a:r>
-            <a:r>
-              <a:rPr lang="it-IT" sz="1600" dirty="0">
-                <a:effectLst>
-                  <a:outerShdw blurRad="38100" dist="38100" dir="2700000" algn="tl">
-                    <a:srgbClr val="000000">
-                      <a:alpha val="43137"/>
-                    </a:srgbClr>
-                  </a:outerShdw>
-                </a:effectLst>
-              </a:rPr>
-              <a:t>motori di ricerca poco noti, quindi abbiamo deciso di ovviare a questo problema sistemando il codice in modo che su tutti i motori di ricerca il sistema rimane invariato e facilmente accessibile dall’utente. </a:t>
-            </a:r>
-            <a:endParaRPr lang="it-IT" sz="1600" dirty="0" smtClean="0">
-              <a:effectLst>
-                <a:outerShdw blurRad="38100" dist="38100" dir="2700000" algn="tl">
-                  <a:srgbClr val="000000">
-                    <a:alpha val="43137"/>
-                  </a:srgbClr>
-                </a:outerShdw>
-              </a:effectLst>
-            </a:endParaRPr>
           </a:p>
           <a:p>
             <a:pPr algn="just"/>
@@ -7027,10 +6647,31 @@
                   </a:outerShdw>
                 </a:effectLst>
               </a:rPr>
-              <a:t>Alcuni utenti ci hanno fatto presente che potrebbero accedere al sistema con il loro smartphone, di conseguenza abbiamo deciso di sviluppare il nostro sistema in modalità responsive garantendo una velocità di risposta ottimale anche per chi visita il sistema da dispositivi mobile</a:t>
-            </a:r>
-            <a:r>
-              <a:rPr lang="it-IT" sz="1600" dirty="0" smtClean="0">
+              <a:t>Nella sezione “Prevenzione” aggiungeremo ulteriori sottosezioni: “Ragazzi”, “Professori”, “Genitori” basate quindi sull’utente che si sta interfacciando con il sito per fornirgli unicamente informazioni di suo interesse.</a:t>
+            </a:r>
+          </a:p>
+          <a:p>
+            <a:pPr marL="285750" indent="-285750" algn="just">
+              <a:buFont typeface="Arial" panose="020B0604020202020204" pitchFamily="34" charset="0"/>
+              <a:buChar char="•"/>
+            </a:pPr>
+            <a:endParaRPr lang="it-IT" sz="1600" dirty="0">
+              <a:effectLst>
+                <a:outerShdw blurRad="38100" dist="38100" dir="2700000" algn="tl">
+                  <a:srgbClr val="000000">
+                    <a:alpha val="43137"/>
+                  </a:srgbClr>
+                </a:outerShdw>
+              </a:effectLst>
+            </a:endParaRPr>
+          </a:p>
+          <a:p>
+            <a:pPr marL="285750" indent="-285750" algn="just">
+              <a:buFont typeface="Arial" panose="020B0604020202020204" pitchFamily="34" charset="0"/>
+              <a:buChar char="•"/>
+            </a:pPr>
+            <a:r>
+              <a:rPr lang="it-IT" sz="1600" dirty="0">
                 <a:effectLst>
                   <a:outerShdw blurRad="38100" dist="38100" dir="2700000" algn="tl">
                     <a:srgbClr val="000000">
@@ -7039,7 +6680,7 @@
                   </a:outerShdw>
                 </a:effectLst>
               </a:rPr>
-              <a:t>.</a:t>
+              <a:t>Aggiungeremo un manuale utente che guidi gli utenti all’utilizzo appropriato del sito.</a:t>
             </a:r>
           </a:p>
           <a:p>
@@ -7055,7 +6696,7 @@
             </a:endParaRPr>
           </a:p>
           <a:p>
-            <a:pPr marL="285750" indent="-285750" algn="just">
+            <a:pPr marL="285750" indent="-285750">
               <a:buFont typeface="Arial" panose="020B0604020202020204" pitchFamily="34" charset="0"/>
               <a:buChar char="•"/>
             </a:pPr>
@@ -7069,10 +6710,10 @@
                   </a:outerShdw>
                 </a:effectLst>
               </a:rPr>
-              <a:t>Aggiungeremo le sezioni “Chi siamo” e “Contatti” più dettagliate in modo che gli utenti possano conoscere i fondatori di questo sistema, gli obiettivi che si pongono e interagire con essi</a:t>
-            </a:r>
-            <a:r>
-              <a:rPr lang="it-IT" sz="1600" dirty="0" smtClean="0">
+              <a:t>Aggiungeremo </a:t>
+            </a:r>
+            <a:r>
+              <a:rPr lang="it-IT" sz="1600" b="1" dirty="0">
                 <a:effectLst>
                   <a:outerShdw blurRad="38100" dist="38100" dir="2700000" algn="tl">
                     <a:srgbClr val="000000">
@@ -7081,8 +6722,22 @@
                   </a:outerShdw>
                 </a:effectLst>
               </a:rPr>
-              <a:t>.</a:t>
-            </a:r>
+              <a:t>collegamenti ipertestuali </a:t>
+            </a:r>
+            <a:r>
+              <a:rPr lang="it-IT" sz="1600" dirty="0">
+                <a:effectLst>
+                  <a:outerShdw blurRad="38100" dist="38100" dir="2700000" algn="tl">
+                    <a:srgbClr val="000000">
+                      <a:alpha val="43137"/>
+                    </a:srgbClr>
+                  </a:outerShdw>
+                </a:effectLst>
+              </a:rPr>
+              <a:t>nella sezione “Questionario genitori” che portino a pagine web di organizzazioni onlus interessate ad aiutare i ragazzi con problemi di bullismo.</a:t>
+            </a:r>
+          </a:p>
+          <a:p>
             <a:endParaRPr lang="it-IT" sz="1600" dirty="0">
               <a:effectLst>
                 <a:outerShdw blurRad="38100" dist="38100" dir="2700000" algn="tl">
@@ -7092,6 +6747,24 @@
                 </a:outerShdw>
               </a:effectLst>
             </a:endParaRPr>
+          </a:p>
+          <a:p>
+            <a:pPr marL="285750" indent="-285750" algn="just">
+              <a:buFont typeface="Arial" panose="020B0604020202020204" pitchFamily="34" charset="0"/>
+              <a:buChar char="•"/>
+            </a:pPr>
+            <a:r>
+              <a:rPr lang="it-IT" sz="1600" dirty="0">
+                <a:effectLst>
+                  <a:outerShdw blurRad="38100" dist="38100" dir="2700000" algn="tl">
+                    <a:srgbClr val="000000">
+                      <a:alpha val="43137"/>
+                    </a:srgbClr>
+                  </a:outerShdw>
+                </a:effectLst>
+              </a:rPr>
+              <a:t>Aggiungeremo le sezioni “Chi siamo” e “Contatti” più dettagliate in modo che gli utenti possano conoscere i fondatori di questo sistema, gli obiettivi che si pongono e interagire con essi.</a:t>
+            </a:r>
           </a:p>
         </p:txBody>
       </p:sp>
@@ -7133,7 +6806,7 @@
         </p:nvSpPr>
         <p:spPr>
           <a:xfrm>
-            <a:off x="4726213" y="3200578"/>
+            <a:off x="7956376" y="3645024"/>
             <a:ext cx="216024" cy="144016"/>
           </a:xfrm>
           <a:prstGeom prst="rect">
@@ -7181,7 +6854,7 @@
         </p:nvSpPr>
         <p:spPr>
           <a:xfrm>
-            <a:off x="2339752" y="4365104"/>
+            <a:off x="8557018" y="4365104"/>
             <a:ext cx="216024" cy="144016"/>
           </a:xfrm>
           <a:prstGeom prst="rect">
@@ -7223,13 +6896,19 @@
       </p:sp>
       <p:sp>
         <p:nvSpPr>
-          <p:cNvPr id="9" name="Rettangolo 8"/>
+          <p:cNvPr id="10" name="Rettangolo 9">
+            <a:extLst>
+              <a:ext uri="{FF2B5EF4-FFF2-40B4-BE49-F238E27FC236}">
+                <a16:creationId xmlns:a16="http://schemas.microsoft.com/office/drawing/2014/main" id="{A23D2597-3C7F-4BB6-96D8-88A88DF35BC1}"/>
+              </a:ext>
+            </a:extLst>
+          </p:cNvPr>
           <p:cNvSpPr/>
           <p:nvPr/>
         </p:nvSpPr>
         <p:spPr>
           <a:xfrm>
-            <a:off x="1547664" y="5385482"/>
+            <a:off x="8384536" y="5177691"/>
             <a:ext cx="216024" cy="168548"/>
           </a:xfrm>
           <a:prstGeom prst="rect">
@@ -7269,6 +6948,60 @@
           </a:p>
         </p:txBody>
       </p:sp>
+      <p:sp>
+        <p:nvSpPr>
+          <p:cNvPr id="11" name="Rettangolo 10">
+            <a:extLst>
+              <a:ext uri="{FF2B5EF4-FFF2-40B4-BE49-F238E27FC236}">
+                <a16:creationId xmlns:a16="http://schemas.microsoft.com/office/drawing/2014/main" id="{5BA0B64B-8333-4055-B898-163FE3710A2F}"/>
+              </a:ext>
+            </a:extLst>
+          </p:cNvPr>
+          <p:cNvSpPr/>
+          <p:nvPr/>
+        </p:nvSpPr>
+        <p:spPr>
+          <a:xfrm>
+            <a:off x="3275856" y="3212976"/>
+            <a:ext cx="216024" cy="144016"/>
+          </a:xfrm>
+          <a:prstGeom prst="rect">
+            <a:avLst/>
+          </a:prstGeom>
+          <a:solidFill>
+            <a:srgbClr val="FFFF00"/>
+          </a:solidFill>
+          <a:ln>
+            <a:solidFill>
+              <a:srgbClr val="FFFF00"/>
+            </a:solidFill>
+          </a:ln>
+        </p:spPr>
+        <p:style>
+          <a:lnRef idx="2">
+            <a:schemeClr val="accent1">
+              <a:shade val="50000"/>
+            </a:schemeClr>
+          </a:lnRef>
+          <a:fillRef idx="1">
+            <a:schemeClr val="accent1"/>
+          </a:fillRef>
+          <a:effectRef idx="0">
+            <a:schemeClr val="accent1"/>
+          </a:effectRef>
+          <a:fontRef idx="minor">
+            <a:schemeClr val="lt1"/>
+          </a:fontRef>
+        </p:style>
+        <p:txBody>
+          <a:bodyPr rtlCol="0" anchor="ctr"/>
+          <a:lstStyle/>
+          <a:p>
+            <a:pPr algn="ctr"/>
+            <a:endParaRPr lang="it-IT" dirty="0"/>
+          </a:p>
+        </p:txBody>
+      </p:sp>
     </p:spTree>
     <p:extLst>
       <p:ext uri="{BB962C8B-B14F-4D97-AF65-F5344CB8AC3E}">
@@ -7282,7 +7015,163 @@
 </p:sld>
 </file>
 
-<file path=ppt/slides/slide19.xml><?xml version="1.0" encoding="utf-8"?>
+<file path=ppt/slides/slide2.xml><?xml version="1.0" encoding="utf-8"?>
+<p:sld xmlns:a="http://schemas.openxmlformats.org/drawingml/2006/main" xmlns:r="http://schemas.openxmlformats.org/officeDocument/2006/relationships" xmlns:p="http://schemas.openxmlformats.org/presentationml/2006/main">
+  <p:cSld>
+    <p:spTree>
+      <p:nvGrpSpPr>
+        <p:cNvPr id="1" name=""/>
+        <p:cNvGrpSpPr/>
+        <p:nvPr/>
+      </p:nvGrpSpPr>
+      <p:grpSpPr>
+        <a:xfrm>
+          <a:off x="0" y="0"/>
+          <a:ext cx="0" cy="0"/>
+          <a:chOff x="0" y="0"/>
+          <a:chExt cx="0" cy="0"/>
+        </a:xfrm>
+      </p:grpSpPr>
+      <p:pic>
+        <p:nvPicPr>
+          <p:cNvPr id="4" name="Immagine 3"/>
+          <p:cNvPicPr>
+            <a:picLocks noChangeAspect="1"/>
+          </p:cNvPicPr>
+          <p:nvPr/>
+        </p:nvPicPr>
+        <p:blipFill>
+          <a:blip r:embed="rId2" cstate="print">
+            <a:extLst>
+              <a:ext uri="{28A0092B-C50C-407E-A947-70E740481C1C}">
+                <a14:useLocalDpi xmlns:a14="http://schemas.microsoft.com/office/drawing/2010/main" val="0"/>
+              </a:ext>
+            </a:extLst>
+          </a:blip>
+          <a:stretch>
+            <a:fillRect/>
+          </a:stretch>
+        </p:blipFill>
+        <p:spPr>
+          <a:xfrm>
+            <a:off x="6543600" y="4437112"/>
+            <a:ext cx="2276872" cy="2276872"/>
+          </a:xfrm>
+          <a:prstGeom prst="rect">
+            <a:avLst/>
+          </a:prstGeom>
+        </p:spPr>
+      </p:pic>
+      <p:sp>
+        <p:nvSpPr>
+          <p:cNvPr id="5" name="Rectangle 2"/>
+          <p:cNvSpPr>
+            <a:spLocks noGrp="1"/>
+          </p:cNvSpPr>
+          <p:nvPr>
+            <p:ph type="title"/>
+          </p:nvPr>
+        </p:nvSpPr>
+        <p:spPr>
+          <a:xfrm>
+            <a:off x="304800" y="457200"/>
+            <a:ext cx="8686800" cy="838200"/>
+          </a:xfrm>
+        </p:spPr>
+        <p:txBody>
+          <a:bodyPr>
+            <a:normAutofit/>
+          </a:bodyPr>
+          <a:lstStyle/>
+          <a:p>
+            <a:r>
+              <a:rPr lang="it-IT" kern="1200" cap="all" baseline="0" dirty="0">
+                <a:solidFill>
+                  <a:schemeClr val="tx2"/>
+                </a:solidFill>
+                <a:effectLst>
+                  <a:reflection blurRad="12700" stA="48000" endA="300" endPos="55000" dir="5400000" sy="-90000" algn="bl" rotWithShape="0"/>
+                </a:effectLst>
+                <a:latin typeface="Calibri" panose="020F0502020204030204" pitchFamily="34" charset="0"/>
+                <a:cs typeface="Calibri" panose="020F0502020204030204" pitchFamily="34" charset="0"/>
+              </a:rPr>
+              <a:t>Descrizione del problema</a:t>
+            </a:r>
+            <a:endParaRPr lang="it-IT" dirty="0">
+              <a:latin typeface="Calibri" panose="020F0502020204030204" pitchFamily="34" charset="0"/>
+              <a:cs typeface="Calibri" panose="020F0502020204030204" pitchFamily="34" charset="0"/>
+            </a:endParaRPr>
+          </a:p>
+        </p:txBody>
+      </p:sp>
+      <p:sp>
+        <p:nvSpPr>
+          <p:cNvPr id="6" name="CasellaDiTesto 5"/>
+          <p:cNvSpPr txBox="1"/>
+          <p:nvPr/>
+        </p:nvSpPr>
+        <p:spPr>
+          <a:xfrm>
+            <a:off x="304800" y="1700808"/>
+            <a:ext cx="8515672" cy="2031325"/>
+          </a:xfrm>
+          <a:prstGeom prst="rect">
+            <a:avLst/>
+          </a:prstGeom>
+          <a:noFill/>
+        </p:spPr>
+        <p:txBody>
+          <a:bodyPr wrap="square" rtlCol="0">
+            <a:spAutoFit/>
+          </a:bodyPr>
+          <a:lstStyle/>
+          <a:p>
+            <a:pPr algn="just"/>
+            <a:r>
+              <a:rPr lang="it-IT" dirty="0">
+                <a:effectLst>
+                  <a:outerShdw blurRad="38100" dist="38100" dir="2700000" algn="tl">
+                    <a:srgbClr val="000000">
+                      <a:alpha val="43137"/>
+                    </a:srgbClr>
+                  </a:outerShdw>
+                </a:effectLst>
+              </a:rPr>
+              <a:t>Il bullismo, una serie di azioni violente e prepotenti ai danni di una vittima indifesa e più debole. Si tratta di una realtà attuale e urgente, anche per i risvolti educativi e penali, in pericoloso aumento e con importanti derivazioni. Una su tutte il Cyber bullismo, una forma di prevaricazione che utilizza lo strumento elettronico per attaccare la vittima.</a:t>
+            </a:r>
+          </a:p>
+          <a:p>
+            <a:pPr algn="just"/>
+            <a:r>
+              <a:rPr lang="it-IT" dirty="0">
+                <a:ln w="0"/>
+                <a:effectLst>
+                  <a:outerShdw blurRad="38100" dist="38100" dir="2700000" algn="tl">
+                    <a:srgbClr val="000000">
+                      <a:alpha val="43137"/>
+                    </a:srgbClr>
+                  </a:outerShdw>
+                </a:effectLst>
+              </a:rPr>
+              <a:t>Il nostro sistema abbraccia ogni aspetto del bullismo e cerca di ridurre le difficoltà degli utenti, vittime o potenziali vittime, a trovare una soluzione al loro problema.</a:t>
+            </a:r>
+          </a:p>
+        </p:txBody>
+      </p:sp>
+    </p:spTree>
+    <p:extLst>
+      <p:ext uri="{BB962C8B-B14F-4D97-AF65-F5344CB8AC3E}">
+        <p14:creationId xmlns:p14="http://schemas.microsoft.com/office/powerpoint/2010/main" val="2651558743"/>
+      </p:ext>
+    </p:extLst>
+  </p:cSld>
+  <p:clrMapOvr>
+    <a:masterClrMapping/>
+  </p:clrMapOvr>
+</p:sld>
+</file>
+
+<file path=ppt/slides/slide20.xml><?xml version="1.0" encoding="utf-8"?>
 <p:sld xmlns:a="http://schemas.openxmlformats.org/drawingml/2006/main" xmlns:r="http://schemas.openxmlformats.org/officeDocument/2006/relationships" xmlns:p="http://schemas.openxmlformats.org/presentationml/2006/main" showMasterSp="0">
   <p:cSld>
     <p:spTree>
@@ -7364,7 +7253,7 @@
           <a:p>
             <a:pPr algn="ctr"/>
             <a:r>
-              <a:rPr lang="it-IT" sz="5400" b="1" cap="none" spc="0" dirty="0" smtClean="0">
+              <a:rPr lang="it-IT" sz="5400" b="1" cap="none" spc="0" dirty="0">
                 <a:ln w="12700">
                   <a:solidFill>
                     <a:schemeClr val="tx2">
@@ -7386,26 +7275,6 @@
               </a:rPr>
               <a:t>Grazie per l’attenzione!</a:t>
             </a:r>
-            <a:endParaRPr lang="it-IT" sz="5400" b="1" cap="none" spc="0" dirty="0">
-              <a:ln w="12700">
-                <a:solidFill>
-                  <a:schemeClr val="tx2">
-                    <a:satMod val="155000"/>
-                  </a:schemeClr>
-                </a:solidFill>
-                <a:prstDash val="solid"/>
-              </a:ln>
-              <a:solidFill>
-                <a:srgbClr val="00B0F0"/>
-              </a:solidFill>
-              <a:effectLst>
-                <a:outerShdw blurRad="41275" dist="20320" dir="1800000" algn="tl" rotWithShape="0">
-                  <a:srgbClr val="000000">
-                    <a:alpha val="40000"/>
-                  </a:srgbClr>
-                </a:outerShdw>
-              </a:effectLst>
-            </a:endParaRPr>
           </a:p>
         </p:txBody>
       </p:sp>
@@ -7593,241 +7462,6 @@
 </p:sld>
 </file>
 
-<file path=ppt/slides/slide2.xml><?xml version="1.0" encoding="utf-8"?>
-<p:sld xmlns:a="http://schemas.openxmlformats.org/drawingml/2006/main" xmlns:r="http://schemas.openxmlformats.org/officeDocument/2006/relationships" xmlns:p="http://schemas.openxmlformats.org/presentationml/2006/main">
-  <p:cSld>
-    <p:spTree>
-      <p:nvGrpSpPr>
-        <p:cNvPr id="1" name=""/>
-        <p:cNvGrpSpPr/>
-        <p:nvPr/>
-      </p:nvGrpSpPr>
-      <p:grpSpPr>
-        <a:xfrm>
-          <a:off x="0" y="0"/>
-          <a:ext cx="0" cy="0"/>
-          <a:chOff x="0" y="0"/>
-          <a:chExt cx="0" cy="0"/>
-        </a:xfrm>
-      </p:grpSpPr>
-      <p:pic>
-        <p:nvPicPr>
-          <p:cNvPr id="4" name="Immagine 3"/>
-          <p:cNvPicPr>
-            <a:picLocks noChangeAspect="1"/>
-          </p:cNvPicPr>
-          <p:nvPr/>
-        </p:nvPicPr>
-        <p:blipFill>
-          <a:blip r:embed="rId2" cstate="print">
-            <a:extLst>
-              <a:ext uri="{28A0092B-C50C-407E-A947-70E740481C1C}">
-                <a14:useLocalDpi xmlns:a14="http://schemas.microsoft.com/office/drawing/2010/main" val="0"/>
-              </a:ext>
-            </a:extLst>
-          </a:blip>
-          <a:stretch>
-            <a:fillRect/>
-          </a:stretch>
-        </p:blipFill>
-        <p:spPr>
-          <a:xfrm>
-            <a:off x="6543600" y="4437112"/>
-            <a:ext cx="2276872" cy="2276872"/>
-          </a:xfrm>
-          <a:prstGeom prst="rect">
-            <a:avLst/>
-          </a:prstGeom>
-        </p:spPr>
-      </p:pic>
-      <p:sp>
-        <p:nvSpPr>
-          <p:cNvPr id="5" name="Rectangle 2"/>
-          <p:cNvSpPr>
-            <a:spLocks noGrp="1"/>
-          </p:cNvSpPr>
-          <p:nvPr>
-            <p:ph type="title"/>
-          </p:nvPr>
-        </p:nvSpPr>
-        <p:spPr>
-          <a:xfrm>
-            <a:off x="304800" y="457200"/>
-            <a:ext cx="8686800" cy="838200"/>
-          </a:xfrm>
-        </p:spPr>
-        <p:txBody>
-          <a:bodyPr>
-            <a:normAutofit/>
-          </a:bodyPr>
-          <a:lstStyle/>
-          <a:p>
-            <a:r>
-              <a:rPr lang="it-IT" kern="1200" cap="all" baseline="0" dirty="0" smtClean="0">
-                <a:solidFill>
-                  <a:schemeClr val="tx2"/>
-                </a:solidFill>
-                <a:effectLst>
-                  <a:reflection blurRad="12700" stA="48000" endA="300" endPos="55000" dir="5400000" sy="-90000" algn="bl" rotWithShape="0"/>
-                </a:effectLst>
-                <a:latin typeface="Calibri" panose="020F0502020204030204" pitchFamily="34" charset="0"/>
-                <a:cs typeface="Calibri" panose="020F0502020204030204" pitchFamily="34" charset="0"/>
-              </a:rPr>
-              <a:t>Descrizione del problema</a:t>
-            </a:r>
-            <a:endParaRPr lang="it-IT" dirty="0">
-              <a:latin typeface="Calibri" panose="020F0502020204030204" pitchFamily="34" charset="0"/>
-              <a:cs typeface="Calibri" panose="020F0502020204030204" pitchFamily="34" charset="0"/>
-            </a:endParaRPr>
-          </a:p>
-        </p:txBody>
-      </p:sp>
-      <p:sp>
-        <p:nvSpPr>
-          <p:cNvPr id="6" name="CasellaDiTesto 5"/>
-          <p:cNvSpPr txBox="1"/>
-          <p:nvPr/>
-        </p:nvSpPr>
-        <p:spPr>
-          <a:xfrm>
-            <a:off x="304800" y="1700808"/>
-            <a:ext cx="8515672" cy="2031325"/>
-          </a:xfrm>
-          <a:prstGeom prst="rect">
-            <a:avLst/>
-          </a:prstGeom>
-          <a:noFill/>
-        </p:spPr>
-        <p:txBody>
-          <a:bodyPr wrap="square" rtlCol="0">
-            <a:spAutoFit/>
-          </a:bodyPr>
-          <a:lstStyle/>
-          <a:p>
-            <a:pPr algn="just"/>
-            <a:r>
-              <a:rPr lang="it-IT" dirty="0" smtClean="0">
-                <a:effectLst>
-                  <a:outerShdw blurRad="38100" dist="38100" dir="2700000" algn="tl">
-                    <a:srgbClr val="000000">
-                      <a:alpha val="43137"/>
-                    </a:srgbClr>
-                  </a:outerShdw>
-                </a:effectLst>
-              </a:rPr>
-              <a:t>Il bullismo, una </a:t>
-            </a:r>
-            <a:r>
-              <a:rPr lang="it-IT" dirty="0">
-                <a:effectLst>
-                  <a:outerShdw blurRad="38100" dist="38100" dir="2700000" algn="tl">
-                    <a:srgbClr val="000000">
-                      <a:alpha val="43137"/>
-                    </a:srgbClr>
-                  </a:outerShdw>
-                </a:effectLst>
-              </a:rPr>
-              <a:t>serie di azioni violente e prepotenti ai danni di una vittima indifesa e più </a:t>
-            </a:r>
-            <a:r>
-              <a:rPr lang="it-IT" dirty="0" smtClean="0">
-                <a:effectLst>
-                  <a:outerShdw blurRad="38100" dist="38100" dir="2700000" algn="tl">
-                    <a:srgbClr val="000000">
-                      <a:alpha val="43137"/>
-                    </a:srgbClr>
-                  </a:outerShdw>
-                </a:effectLst>
-              </a:rPr>
-              <a:t>debole.</a:t>
-            </a:r>
-            <a:r>
-              <a:rPr lang="it-IT" dirty="0">
-                <a:effectLst>
-                  <a:outerShdw blurRad="38100" dist="38100" dir="2700000" algn="tl">
-                    <a:srgbClr val="000000">
-                      <a:alpha val="43137"/>
-                    </a:srgbClr>
-                  </a:outerShdw>
-                </a:effectLst>
-              </a:rPr>
-              <a:t> Si tratta di una realtà attuale e urgente, anche per i risvolti educativi e penali, in pericoloso aumento e con importanti derivazioni. Una su tutte il </a:t>
-            </a:r>
-            <a:r>
-              <a:rPr lang="it-IT" dirty="0" smtClean="0">
-                <a:effectLst>
-                  <a:outerShdw blurRad="38100" dist="38100" dir="2700000" algn="tl">
-                    <a:srgbClr val="000000">
-                      <a:alpha val="43137"/>
-                    </a:srgbClr>
-                  </a:outerShdw>
-                </a:effectLst>
-              </a:rPr>
-              <a:t>Cyber bullismo, una </a:t>
-            </a:r>
-            <a:r>
-              <a:rPr lang="it-IT" dirty="0">
-                <a:effectLst>
-                  <a:outerShdw blurRad="38100" dist="38100" dir="2700000" algn="tl">
-                    <a:srgbClr val="000000">
-                      <a:alpha val="43137"/>
-                    </a:srgbClr>
-                  </a:outerShdw>
-                </a:effectLst>
-              </a:rPr>
-              <a:t>forma di prevaricazione che utilizza lo strumento elettronico per attaccare la </a:t>
-            </a:r>
-            <a:r>
-              <a:rPr lang="it-IT" dirty="0" smtClean="0">
-                <a:effectLst>
-                  <a:outerShdw blurRad="38100" dist="38100" dir="2700000" algn="tl">
-                    <a:srgbClr val="000000">
-                      <a:alpha val="43137"/>
-                    </a:srgbClr>
-                  </a:outerShdw>
-                </a:effectLst>
-              </a:rPr>
-              <a:t>vittima.</a:t>
-            </a:r>
-          </a:p>
-          <a:p>
-            <a:pPr algn="just"/>
-            <a:r>
-              <a:rPr lang="it-IT" dirty="0" smtClean="0">
-                <a:ln w="0"/>
-                <a:effectLst>
-                  <a:outerShdw blurRad="38100" dist="38100" dir="2700000" algn="tl">
-                    <a:srgbClr val="000000">
-                      <a:alpha val="43137"/>
-                    </a:srgbClr>
-                  </a:outerShdw>
-                </a:effectLst>
-              </a:rPr>
-              <a:t>Il nostro sistema abbraccia ogni aspetto del bullismo e cerca di ridurre le difficoltà degli utenti, vittime o potenziali vittime, a trovare una soluzione al loro problema.</a:t>
-            </a:r>
-          </a:p>
-        </p:txBody>
-      </p:sp>
-    </p:spTree>
-    <p:extLst>
-      <p:ext uri="{BB962C8B-B14F-4D97-AF65-F5344CB8AC3E}">
-        <p14:creationId xmlns:p14="http://schemas.microsoft.com/office/powerpoint/2010/main" val="2651558743"/>
-      </p:ext>
-    </p:extLst>
-  </p:cSld>
-  <p:clrMapOvr>
-    <a:masterClrMapping/>
-  </p:clrMapOvr>
-  <p:timing>
-    <p:tnLst>
-      <p:par>
-        <p:cTn id="1" dur="indefinite" restart="never" nodeType="tmRoot"/>
-      </p:par>
-    </p:tnLst>
-  </p:timing>
-</p:sld>
-</file>
-
 <file path=ppt/slides/slide3.xml><?xml version="1.0" encoding="utf-8"?>
 <p:sld xmlns:a="http://schemas.openxmlformats.org/drawingml/2006/main" xmlns:r="http://schemas.openxmlformats.org/officeDocument/2006/relationships" xmlns:p="http://schemas.openxmlformats.org/presentationml/2006/main">
   <p:cSld>
@@ -7863,7 +7497,7 @@
           <a:lstStyle/>
           <a:p>
             <a:r>
-              <a:rPr lang="it-IT" kern="1200" cap="all" baseline="0" dirty="0" smtClean="0">
+              <a:rPr lang="it-IT" kern="1200" cap="all" baseline="0" dirty="0">
                 <a:solidFill>
                   <a:schemeClr val="tx2"/>
                 </a:solidFill>
@@ -7906,7 +7540,7 @@
           <a:p>
             <a:pPr algn="just"/>
             <a:r>
-              <a:rPr lang="it-IT" dirty="0" smtClean="0">
+              <a:rPr lang="it-IT" dirty="0">
                 <a:ln w="0"/>
                 <a:effectLst>
                   <a:outerShdw blurRad="38100" dist="19050" dir="2700000" algn="tl" rotWithShape="0">
@@ -7921,7 +7555,7 @@
           </a:p>
           <a:p>
             <a:pPr algn="just"/>
-            <a:endParaRPr lang="it-IT" dirty="0" smtClean="0">
+            <a:endParaRPr lang="it-IT" dirty="0">
               <a:ln w="0"/>
               <a:effectLst>
                 <a:outerShdw blurRad="38100" dist="19050" dir="2700000" algn="tl" rotWithShape="0">
@@ -7938,7 +7572,7 @@
               <a:buChar char="ü"/>
             </a:pPr>
             <a:r>
-              <a:rPr lang="it-IT" sz="1900" dirty="0" smtClean="0">
+              <a:rPr lang="it-IT" sz="1900" dirty="0">
                 <a:ln w="0"/>
                 <a:solidFill>
                   <a:schemeClr val="accent6">
@@ -7962,7 +7596,7 @@
               <a:buChar char="ü"/>
             </a:pPr>
             <a:r>
-              <a:rPr lang="it-IT" sz="1900" dirty="0" smtClean="0">
+              <a:rPr lang="it-IT" sz="1900" dirty="0">
                 <a:ln w="0"/>
                 <a:solidFill>
                   <a:schemeClr val="accent6">
@@ -7986,7 +7620,7 @@
               <a:buChar char="ü"/>
             </a:pPr>
             <a:r>
-              <a:rPr lang="it-IT" sz="1900" dirty="0" smtClean="0">
+              <a:rPr lang="it-IT" sz="1900" dirty="0">
                 <a:ln w="0"/>
                 <a:solidFill>
                   <a:schemeClr val="accent6">
@@ -8010,7 +7644,7 @@
               <a:buChar char="ü"/>
             </a:pPr>
             <a:r>
-              <a:rPr lang="it-IT" sz="1900" dirty="0" smtClean="0">
+              <a:rPr lang="it-IT" sz="1900" dirty="0">
                 <a:ln w="0"/>
                 <a:solidFill>
                   <a:schemeClr val="accent6">
@@ -8034,7 +7668,7 @@
               <a:buChar char="ü"/>
             </a:pPr>
             <a:r>
-              <a:rPr lang="it-IT" sz="1900" dirty="0" smtClean="0">
+              <a:rPr lang="it-IT" sz="1900" dirty="0">
                 <a:ln w="0"/>
                 <a:solidFill>
                   <a:schemeClr val="accent6">
@@ -8071,7 +7705,7 @@
           <a:p>
             <a:pPr algn="just"/>
             <a:r>
-              <a:rPr lang="it-IT" u="sng" dirty="0" smtClean="0">
+              <a:rPr lang="it-IT" u="sng" dirty="0">
                 <a:ln w="0"/>
                 <a:effectLst>
                   <a:outerShdw blurRad="38100" dist="19050" dir="2700000" algn="tl" rotWithShape="0">
@@ -8083,16 +7717,6 @@
               </a:rPr>
               <a:t>Il sito dispone anche di una parte volta alla sensibilizzazione pubblica su cui è possibile accrescere l’informazione.</a:t>
             </a:r>
-            <a:endParaRPr lang="it-IT" u="sng" dirty="0">
-              <a:ln w="0"/>
-              <a:effectLst>
-                <a:outerShdw blurRad="38100" dist="19050" dir="2700000" algn="tl" rotWithShape="0">
-                  <a:schemeClr val="dk1">
-                    <a:alpha val="40000"/>
-                  </a:schemeClr>
-                </a:outerShdw>
-              </a:effectLst>
-            </a:endParaRPr>
           </a:p>
         </p:txBody>
       </p:sp>
@@ -8135,13 +7759,6 @@
   <p:clrMapOvr>
     <a:masterClrMapping/>
   </p:clrMapOvr>
-  <p:timing>
-    <p:tnLst>
-      <p:par>
-        <p:cTn id="1" dur="indefinite" restart="never" nodeType="tmRoot"/>
-      </p:par>
-    </p:tnLst>
-  </p:timing>
 </p:sld>
 </file>
 
@@ -8180,7 +7797,7 @@
           <a:lstStyle/>
           <a:p>
             <a:r>
-              <a:rPr lang="it-IT" kern="1200" cap="all" baseline="0" dirty="0" smtClean="0">
+              <a:rPr lang="it-IT" kern="1200" cap="all" baseline="0" dirty="0">
                 <a:solidFill>
                   <a:schemeClr val="tx2"/>
                 </a:solidFill>
@@ -8264,10 +7881,13 @@
                   </a:outerShdw>
                 </a:effectLst>
               </a:rPr>
-              <a:t>A seguito di interviste con persone che potrebbero essere potenziali utenti del nostro sistema </a:t>
-            </a:r>
-            <a:r>
-              <a:rPr lang="it-IT" sz="2000" dirty="0" smtClean="0">
+              <a:t>A seguito di interviste con persone che potrebbero essere potenziali utenti del nostro sistema abbiamo estratto delle informazioni su come dovrebbe essere il sistema. Agli intervistati sono state poste domande come:</a:t>
+            </a:r>
+          </a:p>
+          <a:p>
+            <a:pPr algn="just"/>
+            <a:r>
+              <a:rPr lang="it-IT" sz="2000" dirty="0">
                 <a:effectLst>
                   <a:outerShdw blurRad="38100" dist="38100" dir="2700000" algn="tl">
                     <a:srgbClr val="000000">
@@ -8276,8 +7896,13 @@
                   </a:outerShdw>
                 </a:effectLst>
               </a:rPr>
-              <a:t>abbiamo estratto delle informazioni su come dovrebbe essere il sistema. Agli </a:t>
-            </a:r>
+              <a:t>Vittima:</a:t>
+            </a:r>
+          </a:p>
+          <a:p>
+            <a:pPr marL="457200" lvl="0" indent="-457200">
+              <a:buAutoNum type="arabicPeriod"/>
+            </a:pPr>
             <a:r>
               <a:rPr lang="it-IT" sz="2000" dirty="0">
                 <a:effectLst>
@@ -8288,10 +7913,16 @@
                   </a:outerShdw>
                 </a:effectLst>
               </a:rPr>
-              <a:t>intervistati sono state poste domande come</a:t>
-            </a:r>
-            <a:r>
-              <a:rPr lang="it-IT" sz="2000" dirty="0" smtClean="0">
+              <a:t>Qualcuno della tua stessa età ti intimorisce?</a:t>
+            </a:r>
+          </a:p>
+          <a:p>
+            <a:pPr marL="457200" indent="-457200">
+              <a:buFontTx/>
+              <a:buAutoNum type="arabicPeriod"/>
+            </a:pPr>
+            <a:r>
+              <a:rPr lang="it-IT" sz="2000" dirty="0">
                 <a:effectLst>
                   <a:outerShdw blurRad="38100" dist="38100" dir="2700000" algn="tl">
                     <a:srgbClr val="000000">
@@ -8300,13 +7931,16 @@
                   </a:outerShdw>
                 </a:effectLst>
               </a:rPr>
-              <a:t>:</a:t>
-            </a:r>
-          </a:p>
-          <a:p>
-            <a:pPr algn="just"/>
-            <a:r>
-              <a:rPr lang="it-IT" sz="2000" dirty="0" smtClean="0">
+              <a:t>Le minacce avvengono nei social network e/o all’interno delle mura scolastiche? </a:t>
+            </a:r>
+          </a:p>
+          <a:p>
+            <a:pPr marL="457200" indent="-457200">
+              <a:buFontTx/>
+              <a:buAutoNum type="arabicPeriod"/>
+            </a:pPr>
+            <a:r>
+              <a:rPr lang="it-IT" sz="2000" dirty="0">
                 <a:effectLst>
                   <a:outerShdw blurRad="38100" dist="38100" dir="2700000" algn="tl">
                     <a:srgbClr val="000000">
@@ -8315,15 +7949,12 @@
                   </a:outerShdw>
                 </a:effectLst>
               </a:rPr>
-              <a:t>Vittima:</a:t>
-            </a:r>
-          </a:p>
-          <a:p>
-            <a:pPr marL="457200" lvl="0" indent="-457200">
-              <a:buAutoNum type="arabicPeriod"/>
-            </a:pPr>
-            <a:r>
-              <a:rPr lang="it-IT" sz="2000" dirty="0" smtClean="0">
+              <a:t>Hai mai provato a reagire?</a:t>
+            </a:r>
+          </a:p>
+          <a:p>
+            <a:r>
+              <a:rPr lang="it-IT" sz="2000" dirty="0">
                 <a:effectLst>
                   <a:outerShdw blurRad="38100" dist="38100" dir="2700000" algn="tl">
                     <a:srgbClr val="000000">
@@ -8332,8 +7963,14 @@
                   </a:outerShdw>
                 </a:effectLst>
               </a:rPr>
-              <a:t>Qualcuno </a:t>
-            </a:r>
+              <a:t>Genitore della potenziale vittima:</a:t>
+            </a:r>
+          </a:p>
+          <a:p>
+            <a:pPr marL="457200" indent="-457200">
+              <a:buFontTx/>
+              <a:buAutoNum type="arabicPeriod"/>
+            </a:pPr>
             <a:r>
               <a:rPr lang="it-IT" sz="2000" dirty="0">
                 <a:effectLst>
@@ -8344,10 +7981,16 @@
                   </a:outerShdw>
                 </a:effectLst>
               </a:rPr>
-              <a:t>della tua stessa età ti intimorisce</a:t>
-            </a:r>
-            <a:r>
-              <a:rPr lang="it-IT" sz="2000" dirty="0" smtClean="0">
+              <a:t>Pensi che tuo figlio abbia qualcosa che non va?</a:t>
+            </a:r>
+          </a:p>
+          <a:p>
+            <a:pPr marL="457200" lvl="0" indent="-457200">
+              <a:buFontTx/>
+              <a:buAutoNum type="arabicPeriod"/>
+            </a:pPr>
+            <a:r>
+              <a:rPr lang="it-IT" sz="2000" dirty="0">
                 <a:effectLst>
                   <a:outerShdw blurRad="38100" dist="38100" dir="2700000" algn="tl">
                     <a:srgbClr val="000000">
@@ -8356,99 +7999,7 @@
                   </a:outerShdw>
                 </a:effectLst>
               </a:rPr>
-              <a:t>?</a:t>
-            </a:r>
-          </a:p>
-          <a:p>
-            <a:pPr marL="457200" indent="-457200">
-              <a:buFontTx/>
-              <a:buAutoNum type="arabicPeriod"/>
-            </a:pPr>
-            <a:r>
-              <a:rPr lang="it-IT" sz="2000" dirty="0" smtClean="0">
-                <a:effectLst>
-                  <a:outerShdw blurRad="38100" dist="38100" dir="2700000" algn="tl">
-                    <a:srgbClr val="000000">
-                      <a:alpha val="43137"/>
-                    </a:srgbClr>
-                  </a:outerShdw>
-                </a:effectLst>
-              </a:rPr>
-              <a:t>Le minacce avvengono nei social network e/o all’interno delle mura scolastiche? </a:t>
-            </a:r>
-          </a:p>
-          <a:p>
-            <a:pPr marL="457200" indent="-457200">
-              <a:buFontTx/>
-              <a:buAutoNum type="arabicPeriod"/>
-            </a:pPr>
-            <a:r>
-              <a:rPr lang="it-IT" sz="2000" dirty="0" smtClean="0">
-                <a:effectLst>
-                  <a:outerShdw blurRad="38100" dist="38100" dir="2700000" algn="tl">
-                    <a:srgbClr val="000000">
-                      <a:alpha val="43137"/>
-                    </a:srgbClr>
-                  </a:outerShdw>
-                </a:effectLst>
-              </a:rPr>
-              <a:t>Hai mai provato a reagire?</a:t>
-            </a:r>
-          </a:p>
-          <a:p>
-            <a:r>
-              <a:rPr lang="it-IT" sz="2000" dirty="0" smtClean="0">
-                <a:effectLst>
-                  <a:outerShdw blurRad="38100" dist="38100" dir="2700000" algn="tl">
-                    <a:srgbClr val="000000">
-                      <a:alpha val="43137"/>
-                    </a:srgbClr>
-                  </a:outerShdw>
-                </a:effectLst>
-              </a:rPr>
-              <a:t>Genitore della potenziale vittima:</a:t>
-            </a:r>
-          </a:p>
-          <a:p>
-            <a:pPr marL="457200" indent="-457200">
-              <a:buFontTx/>
-              <a:buAutoNum type="arabicPeriod"/>
-            </a:pPr>
-            <a:r>
-              <a:rPr lang="it-IT" sz="2000" dirty="0" smtClean="0">
-                <a:effectLst>
-                  <a:outerShdw blurRad="38100" dist="38100" dir="2700000" algn="tl">
-                    <a:srgbClr val="000000">
-                      <a:alpha val="43137"/>
-                    </a:srgbClr>
-                  </a:outerShdw>
-                </a:effectLst>
-              </a:rPr>
-              <a:t>Pensi </a:t>
-            </a:r>
-            <a:r>
-              <a:rPr lang="it-IT" sz="2000" dirty="0">
-                <a:effectLst>
-                  <a:outerShdw blurRad="38100" dist="38100" dir="2700000" algn="tl">
-                    <a:srgbClr val="000000">
-                      <a:alpha val="43137"/>
-                    </a:srgbClr>
-                  </a:outerShdw>
-                </a:effectLst>
-              </a:rPr>
-              <a:t>che tuo figlio abbia qualcosa che non va</a:t>
-            </a:r>
-            <a:r>
-              <a:rPr lang="it-IT" sz="2000" dirty="0" smtClean="0">
-                <a:effectLst>
-                  <a:outerShdw blurRad="38100" dist="38100" dir="2700000" algn="tl">
-                    <a:srgbClr val="000000">
-                      <a:alpha val="43137"/>
-                    </a:srgbClr>
-                  </a:outerShdw>
-                </a:effectLst>
-              </a:rPr>
-              <a:t>?</a:t>
+              <a:t>Hai provato a parlargliene?</a:t>
             </a:r>
           </a:p>
           <a:p>
@@ -8457,25 +8008,7 @@
               <a:buAutoNum type="arabicPeriod"/>
             </a:pPr>
             <a:r>
-              <a:rPr lang="it-IT" sz="2000" dirty="0" smtClean="0">
-                <a:effectLst>
-                  <a:outerShdw blurRad="38100" dist="38100" dir="2700000" algn="tl">
-                    <a:srgbClr val="000000">
-                      <a:alpha val="43137"/>
-                    </a:srgbClr>
-                  </a:outerShdw>
-                </a:effectLst>
-              </a:rPr>
-              <a:t>Hai provato a parlargliene?</a:t>
-            </a:r>
-          </a:p>
-          <a:p>
-            <a:pPr marL="457200" lvl="0" indent="-457200">
-              <a:buFontTx/>
-              <a:buAutoNum type="arabicPeriod"/>
-            </a:pPr>
-            <a:r>
-              <a:rPr lang="it-IT" sz="2000" dirty="0" smtClean="0">
+              <a:rPr lang="it-IT" sz="2000" dirty="0">
                 <a:effectLst>
                   <a:outerShdw blurRad="38100" dist="38100" dir="2700000" algn="tl">
                     <a:srgbClr val="000000">
@@ -8600,13 +8133,6 @@
   <p:clrMapOvr>
     <a:masterClrMapping/>
   </p:clrMapOvr>
-  <p:timing>
-    <p:tnLst>
-      <p:par>
-        <p:cTn id="1" dur="indefinite" restart="never" nodeType="tmRoot"/>
-      </p:par>
-    </p:tnLst>
-  </p:timing>
 </p:sld>
 </file>
 
@@ -8645,7 +8171,7 @@
           <a:lstStyle/>
           <a:p>
             <a:r>
-              <a:rPr lang="it-IT" kern="1200" cap="all" baseline="0" dirty="0" smtClean="0">
+              <a:rPr lang="it-IT" kern="1200" cap="all" baseline="0" dirty="0">
                 <a:solidFill>
                   <a:schemeClr val="tx2"/>
                 </a:solidFill>
@@ -8662,19 +8188,8 @@
                 <a:latin typeface="Calibri" panose="020F0502020204030204" pitchFamily="34" charset="0"/>
                 <a:cs typeface="Calibri" panose="020F0502020204030204" pitchFamily="34" charset="0"/>
               </a:rPr>
-              <a:t> </a:t>
-            </a:r>
-            <a:r>
-              <a:rPr lang="it-IT" dirty="0" smtClean="0">
-                <a:latin typeface="Calibri" panose="020F0502020204030204" pitchFamily="34" charset="0"/>
-                <a:cs typeface="Calibri" panose="020F0502020204030204" pitchFamily="34" charset="0"/>
-              </a:rPr>
-              <a:t>utente</a:t>
-            </a:r>
-            <a:endParaRPr lang="it-IT" dirty="0">
-              <a:latin typeface="Calibri" panose="020F0502020204030204" pitchFamily="34" charset="0"/>
-              <a:cs typeface="Calibri" panose="020F0502020204030204" pitchFamily="34" charset="0"/>
-            </a:endParaRPr>
+              <a:t> utente</a:t>
+            </a:r>
           </a:p>
         </p:txBody>
       </p:sp>
@@ -8710,8 +8225,10 @@
                   </a:outerShdw>
                 </a:effectLst>
               </a:rPr>
-              <a:t>Gianpiero è un ragazzo di 12 anni di Salerno, e frequenta la Scuola Secondaria di 1° grado “</a:t>
-            </a:r>
+              <a:t>Gianpiero è un ragazzo di 12 anni di Salerno, e frequenta la Scuola Secondaria di 1° grado “Monterisi”, essendo un po’ in carne si ritrova spesso vittima di comportamenti scorretti da parte di studenti della sua classe, tra continui insulti e atteggiamenti violenti.</a:t>
+            </a:r>
+          </a:p>
+          <a:p>
             <a:r>
               <a:rPr lang="it-IT" dirty="0">
                 <a:effectLst>
@@ -8722,8 +8239,10 @@
                   </a:outerShdw>
                 </a:effectLst>
               </a:rPr>
-              <a:t>Monterisi</a:t>
-            </a:r>
+              <a:t>Gianpiero vuole intervenire in qualche modo ma non trova la forza di reagire visto che tra i suoi coetanei non c’è nessuno che voglia schierarsi dalla sua parte, mentre teme che chiedere aiuto a professori o genitori potrebbe peggiorare la situazione.</a:t>
+            </a:r>
+          </a:p>
+          <a:p>
             <a:r>
               <a:rPr lang="it-IT" dirty="0">
                 <a:effectLst>
@@ -8734,7 +8253,7 @@
                   </a:outerShdw>
                 </a:effectLst>
               </a:rPr>
-              <a:t>”, essendo un po’ in carne si ritrova spesso vittima di comportamenti scorretti da parte di studenti della sua classe, tra continui insulti e atteggiamenti violenti.</a:t>
+              <a:t>Gianpiero usa il computer e ha esperienza nella navigazione web dove potrebbe trovare</a:t>
             </a:r>
           </a:p>
           <a:p>
@@ -8748,42 +8267,10 @@
                   </a:outerShdw>
                 </a:effectLst>
               </a:rPr>
-              <a:t>Gianpiero vuole intervenire in qualche modo ma non trova la forza di reagire visto che tra i suoi coetanei non c’è nessuno che voglia schierarsi dalla sua parte, mentre teme che chiedere aiuto a professori o genitori potrebbe peggiorare la situazione.</a:t>
-            </a:r>
-          </a:p>
-          <a:p>
-            <a:r>
-              <a:rPr lang="it-IT" dirty="0">
-                <a:effectLst>
-                  <a:outerShdw blurRad="38100" dist="38100" dir="2700000" algn="tl">
-                    <a:srgbClr val="000000">
-                      <a:alpha val="43137"/>
-                    </a:srgbClr>
-                  </a:outerShdw>
-                </a:effectLst>
-              </a:rPr>
-              <a:t>Gianpiero usa il computer e ha esperienza nella navigazione web dove potrebbe trovare</a:t>
-            </a:r>
-          </a:p>
-          <a:p>
-            <a:r>
-              <a:rPr lang="it-IT" dirty="0">
-                <a:effectLst>
-                  <a:outerShdw blurRad="38100" dist="38100" dir="2700000" algn="tl">
-                    <a:srgbClr val="000000">
-                      <a:alpha val="43137"/>
-                    </a:srgbClr>
-                  </a:outerShdw>
-                </a:effectLst>
-              </a:rPr>
               <a:t>gran giovamento dall’uso di un sito web specificamente concepito per trovare conforto e consigli atti a migliorare la sua situazione.</a:t>
             </a:r>
           </a:p>
           <a:p>
-            <a:r>
-              <a:rPr lang="it-IT" dirty="0"/>
-              <a:t/>
-            </a:r>
             <a:br>
               <a:rPr lang="it-IT" dirty="0"/>
             </a:br>
@@ -8845,13 +8332,6 @@
   <p:clrMapOvr>
     <a:masterClrMapping/>
   </p:clrMapOvr>
-  <p:timing>
-    <p:tnLst>
-      <p:par>
-        <p:cTn id="1" dur="indefinite" restart="never" nodeType="tmRoot"/>
-      </p:par>
-    </p:tnLst>
-  </p:timing>
 </p:sld>
 </file>
 
@@ -8890,7 +8370,7 @@
           <a:lstStyle/>
           <a:p>
             <a:r>
-              <a:rPr lang="it-IT" kern="1200" cap="all" baseline="0" dirty="0" smtClean="0">
+              <a:rPr lang="it-IT" kern="1200" cap="all" baseline="0" dirty="0">
                 <a:solidFill>
                   <a:schemeClr val="tx2"/>
                 </a:solidFill>
@@ -8907,19 +8387,8 @@
                 <a:latin typeface="Calibri" panose="020F0502020204030204" pitchFamily="34" charset="0"/>
                 <a:cs typeface="Calibri" panose="020F0502020204030204" pitchFamily="34" charset="0"/>
               </a:rPr>
-              <a:t> </a:t>
-            </a:r>
-            <a:r>
-              <a:rPr lang="it-IT" dirty="0" smtClean="0">
-                <a:latin typeface="Calibri" panose="020F0502020204030204" pitchFamily="34" charset="0"/>
-                <a:cs typeface="Calibri" panose="020F0502020204030204" pitchFamily="34" charset="0"/>
-              </a:rPr>
-              <a:t>utente</a:t>
-            </a:r>
-            <a:endParaRPr lang="it-IT" dirty="0">
-              <a:latin typeface="Calibri" panose="020F0502020204030204" pitchFamily="34" charset="0"/>
-              <a:cs typeface="Calibri" panose="020F0502020204030204" pitchFamily="34" charset="0"/>
-            </a:endParaRPr>
+              <a:t> utente</a:t>
+            </a:r>
           </a:p>
         </p:txBody>
       </p:sp>
@@ -8959,10 +8428,6 @@
             </a:r>
           </a:p>
           <a:p>
-            <a:r>
-              <a:rPr lang="it-IT" dirty="0"/>
-              <a:t/>
-            </a:r>
             <a:br>
               <a:rPr lang="it-IT" dirty="0"/>
             </a:br>
@@ -9032,13 +8497,6 @@
   <p:clrMapOvr>
     <a:masterClrMapping/>
   </p:clrMapOvr>
-  <p:timing>
-    <p:tnLst>
-      <p:par>
-        <p:cTn id="1" dur="indefinite" restart="never" nodeType="tmRoot"/>
-      </p:par>
-    </p:tnLst>
-  </p:timing>
 </p:sld>
 </file>
 
@@ -9077,7 +8535,7 @@
           <a:lstStyle/>
           <a:p>
             <a:r>
-              <a:rPr lang="it-IT" kern="1200" cap="all" baseline="0" dirty="0" smtClean="0">
+              <a:rPr lang="it-IT" kern="1200" cap="all" baseline="0" dirty="0">
                 <a:solidFill>
                   <a:schemeClr val="tx2"/>
                 </a:solidFill>
@@ -9094,19 +8552,8 @@
                 <a:latin typeface="Calibri" panose="020F0502020204030204" pitchFamily="34" charset="0"/>
                 <a:cs typeface="Calibri" panose="020F0502020204030204" pitchFamily="34" charset="0"/>
               </a:rPr>
-              <a:t> </a:t>
-            </a:r>
-            <a:r>
-              <a:rPr lang="it-IT" dirty="0" smtClean="0">
-                <a:latin typeface="Calibri" panose="020F0502020204030204" pitchFamily="34" charset="0"/>
-                <a:cs typeface="Calibri" panose="020F0502020204030204" pitchFamily="34" charset="0"/>
-              </a:rPr>
-              <a:t>utente</a:t>
-            </a:r>
-            <a:endParaRPr lang="it-IT" dirty="0">
-              <a:latin typeface="Calibri" panose="020F0502020204030204" pitchFamily="34" charset="0"/>
-              <a:cs typeface="Calibri" panose="020F0502020204030204" pitchFamily="34" charset="0"/>
-            </a:endParaRPr>
+              <a:t> utente</a:t>
+            </a:r>
           </a:p>
         </p:txBody>
       </p:sp>
@@ -9156,45 +8603,13 @@
                   </a:outerShdw>
                 </a:effectLst>
               </a:rPr>
-              <a:t>Lucia si sente in trappola e non sa a chi rivolgersi, spesso i genitori sono impreparati su questo tipo più recente di bullismo o per diversi fattori può non essere facile parlare con i propri genitori come nel caso di Lucia. Così usa il suo </a:t>
-            </a:r>
-            <a:r>
-              <a:rPr lang="it-IT" dirty="0">
-                <a:effectLst>
-                  <a:outerShdw blurRad="38100" dist="38100" dir="2700000" algn="tl">
-                    <a:srgbClr val="000000">
-                      <a:alpha val="43137"/>
-                    </a:srgbClr>
-                  </a:outerShdw>
-                </a:effectLst>
-              </a:rPr>
-              <a:t>smartphone</a:t>
-            </a:r>
-            <a:r>
-              <a:rPr lang="it-IT" dirty="0">
-                <a:effectLst>
-                  <a:outerShdw blurRad="38100" dist="38100" dir="2700000" algn="tl">
-                    <a:srgbClr val="000000">
-                      <a:alpha val="43137"/>
-                    </a:srgbClr>
-                  </a:outerShdw>
-                </a:effectLst>
-              </a:rPr>
-              <a:t> per cercare aiuto su qualche sito web dedicato.</a:t>
-            </a:r>
-          </a:p>
-          <a:p>
-            <a:r>
-              <a:rPr lang="it-IT" dirty="0"/>
-              <a:t/>
-            </a:r>
+              <a:t>Lucia si sente in trappola e non sa a chi rivolgersi, spesso i genitori sono impreparati su questo tipo più recente di bullismo o per diversi fattori può non essere facile parlare con i propri genitori come nel caso di Lucia. Così usa il suo smartphone per cercare aiuto su qualche sito web dedicato.</a:t>
+            </a:r>
+          </a:p>
+          <a:p>
             <a:br>
               <a:rPr lang="it-IT" dirty="0"/>
             </a:br>
-            <a:r>
-              <a:rPr lang="it-IT" dirty="0"/>
-              <a:t/>
-            </a:r>
             <a:br>
               <a:rPr lang="it-IT" dirty="0"/>
             </a:br>
@@ -9256,13 +8671,6 @@
   <p:clrMapOvr>
     <a:masterClrMapping/>
   </p:clrMapOvr>
-  <p:timing>
-    <p:tnLst>
-      <p:par>
-        <p:cTn id="1" dur="indefinite" restart="never" nodeType="tmRoot"/>
-      </p:par>
-    </p:tnLst>
-  </p:timing>
 </p:sld>
 </file>
 
@@ -9301,7 +8709,7 @@
           <a:lstStyle/>
           <a:p>
             <a:r>
-              <a:rPr lang="it-IT" kern="1200" cap="all" baseline="0" dirty="0" smtClean="0">
+              <a:rPr lang="it-IT" kern="1200" cap="all" baseline="0" dirty="0">
                 <a:solidFill>
                   <a:schemeClr val="tx2"/>
                 </a:solidFill>
@@ -9329,14 +8737,14 @@
           <p:nvPr>
             <p:extLst>
               <p:ext uri="{D42A27DB-BD31-4B8C-83A1-F6EECF244321}">
-                <p14:modId xmlns:p14="http://schemas.microsoft.com/office/powerpoint/2010/main" val="2563164728"/>
+                <p14:modId xmlns:p14="http://schemas.microsoft.com/office/powerpoint/2010/main" val="2947185386"/>
               </p:ext>
             </p:extLst>
           </p:nvPr>
         </p:nvGraphicFramePr>
         <p:xfrm>
-          <a:off x="107504" y="1340768"/>
-          <a:ext cx="4464495" cy="2468880"/>
+          <a:off x="1367796" y="1271262"/>
+          <a:ext cx="6408408" cy="5057896"/>
         </p:xfrm>
         <a:graphic>
           <a:graphicData uri="http://schemas.openxmlformats.org/drawingml/2006/table">
@@ -9345,21 +8753,38 @@
                 <a:tableStyleId>{93296810-A885-4BE3-A3E7-6D5BEEA58F35}</a:tableStyleId>
               </a:tblPr>
               <a:tblGrid>
-                <a:gridCol w="1488165"/>
-                <a:gridCol w="1488165"/>
-                <a:gridCol w="1488165"/>
+                <a:gridCol w="2136136">
+                  <a:extLst>
+                    <a:ext uri="{9D8B030D-6E8A-4147-A177-3AD203B41FA5}">
+                      <a16:colId xmlns:a16="http://schemas.microsoft.com/office/drawing/2014/main" val="20000"/>
+                    </a:ext>
+                  </a:extLst>
+                </a:gridCol>
+                <a:gridCol w="2534398">
+                  <a:extLst>
+                    <a:ext uri="{9D8B030D-6E8A-4147-A177-3AD203B41FA5}">
+                      <a16:colId xmlns:a16="http://schemas.microsoft.com/office/drawing/2014/main" val="20001"/>
+                    </a:ext>
+                  </a:extLst>
+                </a:gridCol>
+                <a:gridCol w="1737874">
+                  <a:extLst>
+                    <a:ext uri="{9D8B030D-6E8A-4147-A177-3AD203B41FA5}">
+                      <a16:colId xmlns:a16="http://schemas.microsoft.com/office/drawing/2014/main" val="20002"/>
+                    </a:ext>
+                  </a:extLst>
+                </a:gridCol>
               </a:tblGrid>
-              <a:tr h="0">
+              <a:tr h="341091">
                 <a:tc gridSpan="3">
                   <a:txBody>
                     <a:bodyPr/>
                     <a:lstStyle/>
                     <a:p>
                       <a:r>
-                        <a:rPr lang="it-IT" dirty="0" smtClean="0"/>
+                        <a:rPr lang="it-IT" dirty="0"/>
                         <a:t>Gianpiero</a:t>
                       </a:r>
-                      <a:endParaRPr lang="it-IT" dirty="0"/>
                     </a:p>
                   </a:txBody>
                   <a:tcPr/>
@@ -9384,8 +8809,13 @@
                   </a:txBody>
                   <a:tcPr/>
                 </a:tc>
+                <a:extLst>
+                  <a:ext uri="{0D108BD9-81ED-4DB2-BD59-A6C34878D82A}">
+                    <a16:rowId xmlns:a16="http://schemas.microsoft.com/office/drawing/2014/main" val="10000"/>
+                  </a:ext>
+                </a:extLst>
               </a:tr>
-              <a:tr h="302675">
+              <a:tr h="596909">
                 <a:tc>
                   <a:txBody>
                     <a:bodyPr/>
@@ -9393,7 +8823,7 @@
                     <a:p>
                       <a:pPr algn="ctr"/>
                       <a:r>
-                        <a:rPr lang="it-IT" dirty="0" smtClean="0">
+                        <a:rPr lang="it-IT" dirty="0">
                           <a:solidFill>
                             <a:schemeClr val="accent6">
                               <a:lumMod val="75000"/>
@@ -9402,13 +8832,6 @@
                         </a:rPr>
                         <a:t>Task</a:t>
                       </a:r>
-                      <a:endParaRPr lang="it-IT" dirty="0">
-                        <a:solidFill>
-                          <a:schemeClr val="accent6">
-                            <a:lumMod val="75000"/>
-                          </a:schemeClr>
-                        </a:solidFill>
-                      </a:endParaRPr>
                     </a:p>
                   </a:txBody>
                   <a:tcPr/>
@@ -9420,7 +8843,7 @@
                     <a:p>
                       <a:pPr algn="ctr"/>
                       <a:r>
-                        <a:rPr lang="it-IT" dirty="0" smtClean="0">
+                        <a:rPr lang="it-IT" dirty="0">
                           <a:solidFill>
                             <a:schemeClr val="accent6">
                               <a:lumMod val="75000"/>
@@ -9429,13 +8852,6 @@
                         </a:rPr>
                         <a:t>Frequenza </a:t>
                       </a:r>
-                      <a:endParaRPr lang="it-IT" dirty="0">
-                        <a:solidFill>
-                          <a:schemeClr val="accent6">
-                            <a:lumMod val="75000"/>
-                          </a:schemeClr>
-                        </a:solidFill>
-                      </a:endParaRPr>
                     </a:p>
                   </a:txBody>
                   <a:tcPr/>
@@ -9447,7 +8863,7 @@
                     <a:p>
                       <a:pPr algn="ctr"/>
                       <a:r>
-                        <a:rPr lang="it-IT" dirty="0" smtClean="0">
+                        <a:rPr lang="it-IT" dirty="0">
                           <a:solidFill>
                             <a:schemeClr val="accent6">
                               <a:lumMod val="75000"/>
@@ -9456,29 +8872,26 @@
                         </a:rPr>
                         <a:t>Importanza</a:t>
                       </a:r>
-                      <a:endParaRPr lang="it-IT" dirty="0">
-                        <a:solidFill>
-                          <a:schemeClr val="accent6">
-                            <a:lumMod val="75000"/>
-                          </a:schemeClr>
-                        </a:solidFill>
-                      </a:endParaRPr>
                     </a:p>
                   </a:txBody>
                   <a:tcPr/>
                 </a:tc>
+                <a:extLst>
+                  <a:ext uri="{0D108BD9-81ED-4DB2-BD59-A6C34878D82A}">
+                    <a16:rowId xmlns:a16="http://schemas.microsoft.com/office/drawing/2014/main" val="10001"/>
+                  </a:ext>
+                </a:extLst>
               </a:tr>
-              <a:tr h="479236">
+              <a:tr h="767454">
                 <a:tc>
                   <a:txBody>
                     <a:bodyPr/>
                     <a:lstStyle/>
                     <a:p>
                       <a:r>
-                        <a:rPr lang="it-IT" sz="1600" dirty="0" smtClean="0"/>
-                        <a:t>Dialogare con gli amici</a:t>
+                        <a:rPr lang="it-IT" sz="1600" dirty="0"/>
+                        <a:t>Consultare informazioni sul bullismo</a:t>
                       </a:r>
-                      <a:endParaRPr lang="it-IT" sz="1600" dirty="0"/>
                     </a:p>
                   </a:txBody>
                   <a:tcPr/>
@@ -9489,10 +8902,9 @@
                     <a:lstStyle/>
                     <a:p>
                       <a:r>
-                        <a:rPr lang="it-IT" sz="1600" dirty="0" smtClean="0"/>
-                        <a:t>1 volta al mese</a:t>
+                        <a:rPr lang="it-IT" sz="1600" dirty="0"/>
+                        <a:t>1 volta ogni 6 mesi</a:t>
                       </a:r>
-                      <a:endParaRPr lang="it-IT" sz="1600" dirty="0"/>
                     </a:p>
                   </a:txBody>
                   <a:tcPr/>
@@ -9503,26 +8915,29 @@
                     <a:lstStyle/>
                     <a:p>
                       <a:r>
-                        <a:rPr lang="it-IT" sz="1600" dirty="0" smtClean="0"/>
-                        <a:t>alta</a:t>
+                        <a:rPr lang="it-IT" sz="1600" dirty="0"/>
+                        <a:t>media</a:t>
                       </a:r>
-                      <a:endParaRPr lang="it-IT" sz="1600" dirty="0"/>
                     </a:p>
                   </a:txBody>
                   <a:tcPr/>
                 </a:tc>
+                <a:extLst>
+                  <a:ext uri="{0D108BD9-81ED-4DB2-BD59-A6C34878D82A}">
+                    <a16:rowId xmlns:a16="http://schemas.microsoft.com/office/drawing/2014/main" val="10002"/>
+                  </a:ext>
+                </a:extLst>
               </a:tr>
-              <a:tr h="479236">
+              <a:tr h="994847">
                 <a:tc>
                   <a:txBody>
                     <a:bodyPr/>
                     <a:lstStyle/>
                     <a:p>
                       <a:r>
-                        <a:rPr lang="it-IT" sz="1600" dirty="0" smtClean="0"/>
-                        <a:t>Dialogare con i docenti</a:t>
+                        <a:rPr lang="it-IT" sz="1600" dirty="0"/>
+                        <a:t>Consultare informazioni sul cyberbullismo</a:t>
                       </a:r>
-                      <a:endParaRPr lang="it-IT" sz="1600" dirty="0"/>
                     </a:p>
                   </a:txBody>
                   <a:tcPr/>
@@ -9533,10 +8948,9 @@
                     <a:lstStyle/>
                     <a:p>
                       <a:r>
-                        <a:rPr lang="it-IT" sz="1600" dirty="0" smtClean="0"/>
-                        <a:t>1 volta al mese</a:t>
+                        <a:rPr lang="it-IT" sz="1600" dirty="0"/>
+                        <a:t>1 volta ogni 6 mesi</a:t>
                       </a:r>
-                      <a:endParaRPr lang="it-IT" sz="1600" dirty="0"/>
                     </a:p>
                   </a:txBody>
                   <a:tcPr/>
@@ -9547,23 +8961,27 @@
                     <a:lstStyle/>
                     <a:p>
                       <a:r>
-                        <a:rPr lang="it-IT" sz="1600" dirty="0" smtClean="0"/>
-                        <a:t>alta</a:t>
+                        <a:rPr lang="it-IT" sz="1600" dirty="0"/>
+                        <a:t>bassa</a:t>
                       </a:r>
-                      <a:endParaRPr lang="it-IT" sz="1600" dirty="0"/>
                     </a:p>
                   </a:txBody>
                   <a:tcPr/>
                 </a:tc>
+                <a:extLst>
+                  <a:ext uri="{0D108BD9-81ED-4DB2-BD59-A6C34878D82A}">
+                    <a16:rowId xmlns:a16="http://schemas.microsoft.com/office/drawing/2014/main" val="10003"/>
+                  </a:ext>
+                </a:extLst>
               </a:tr>
-              <a:tr h="278121">
+              <a:tr h="540060">
                 <a:tc>
                   <a:txBody>
                     <a:bodyPr/>
                     <a:lstStyle/>
                     <a:p>
                       <a:r>
-                        <a:rPr kumimoji="0" lang="it-IT" sz="1600" b="0" i="0" kern="1200" dirty="0" smtClean="0">
+                        <a:rPr kumimoji="0" lang="it-IT" sz="1600" b="0" i="0" kern="1200" dirty="0">
                           <a:solidFill>
                             <a:schemeClr val="dk1"/>
                           </a:solidFill>
@@ -9572,7 +8990,7 @@
                           <a:ea typeface="+mn-ea"/>
                           <a:cs typeface="+mn-cs"/>
                         </a:rPr>
-                        <a:t>Utilizzare internet</a:t>
+                        <a:t>Richiedere aiuto</a:t>
                       </a:r>
                       <a:endParaRPr lang="it-IT" sz="1600" b="0" i="0" dirty="0"/>
                     </a:p>
@@ -9585,10 +9003,9 @@
                     <a:lstStyle/>
                     <a:p>
                       <a:r>
-                        <a:rPr lang="it-IT" sz="1600" dirty="0" smtClean="0"/>
-                        <a:t>2 volte al giorno</a:t>
+                        <a:rPr lang="it-IT" sz="1600" dirty="0"/>
+                        <a:t>1 volta al giorno</a:t>
                       </a:r>
-                      <a:endParaRPr lang="it-IT" sz="1600" dirty="0"/>
                     </a:p>
                   </a:txBody>
                   <a:tcPr/>
@@ -9600,36 +9017,248 @@
                     <a:p>
                       <a:pPr algn="l"/>
                       <a:r>
-                        <a:rPr lang="it-IT" sz="1600" dirty="0" smtClean="0"/>
+                        <a:rPr lang="it-IT" sz="1600" dirty="0"/>
                         <a:t>alta</a:t>
                       </a:r>
-                      <a:endParaRPr lang="it-IT" sz="1600" dirty="0"/>
                     </a:p>
                   </a:txBody>
                   <a:tcPr/>
                 </a:tc>
+                <a:extLst>
+                  <a:ext uri="{0D108BD9-81ED-4DB2-BD59-A6C34878D82A}">
+                    <a16:rowId xmlns:a16="http://schemas.microsoft.com/office/drawing/2014/main" val="10004"/>
+                  </a:ext>
+                </a:extLst>
+              </a:tr>
+              <a:tr h="540060">
+                <a:tc>
+                  <a:txBody>
+                    <a:bodyPr/>
+                    <a:lstStyle/>
+                    <a:p>
+                      <a:r>
+                        <a:rPr lang="it-IT" sz="1600" b="0" i="0" dirty="0"/>
+                        <a:t>Condividere la propria esperienza</a:t>
+                      </a:r>
+                    </a:p>
+                  </a:txBody>
+                  <a:tcPr/>
+                </a:tc>
+                <a:tc>
+                  <a:txBody>
+                    <a:bodyPr/>
+                    <a:lstStyle/>
+                    <a:p>
+                      <a:r>
+                        <a:rPr lang="it-IT" sz="1600" dirty="0"/>
+                        <a:t>1 volta al giorno</a:t>
+                      </a:r>
+                    </a:p>
+                  </a:txBody>
+                  <a:tcPr/>
+                </a:tc>
+                <a:tc>
+                  <a:txBody>
+                    <a:bodyPr/>
+                    <a:lstStyle/>
+                    <a:p>
+                      <a:pPr algn="l"/>
+                      <a:r>
+                        <a:rPr lang="it-IT" sz="1600" dirty="0"/>
+                        <a:t>alta</a:t>
+                      </a:r>
+                    </a:p>
+                  </a:txBody>
+                  <a:tcPr/>
+                </a:tc>
+                <a:extLst>
+                  <a:ext uri="{0D108BD9-81ED-4DB2-BD59-A6C34878D82A}">
+                    <a16:rowId xmlns:a16="http://schemas.microsoft.com/office/drawing/2014/main" val="1014700042"/>
+                  </a:ext>
+                </a:extLst>
+              </a:tr>
+              <a:tr h="540060">
+                <a:tc>
+                  <a:txBody>
+                    <a:bodyPr/>
+                    <a:lstStyle/>
+                    <a:p>
+                      <a:r>
+                        <a:rPr lang="it-IT" sz="1600" b="0" i="0" dirty="0"/>
+                        <a:t>Imparare metodi di prevenzione</a:t>
+                      </a:r>
+                    </a:p>
+                  </a:txBody>
+                  <a:tcPr/>
+                </a:tc>
+                <a:tc>
+                  <a:txBody>
+                    <a:bodyPr/>
+                    <a:lstStyle/>
+                    <a:p>
+                      <a:r>
+                        <a:rPr lang="it-IT" sz="1600" dirty="0"/>
+                        <a:t>1 volta al giorno</a:t>
+                      </a:r>
+                    </a:p>
+                  </a:txBody>
+                  <a:tcPr/>
+                </a:tc>
+                <a:tc>
+                  <a:txBody>
+                    <a:bodyPr/>
+                    <a:lstStyle/>
+                    <a:p>
+                      <a:pPr algn="l"/>
+                      <a:r>
+                        <a:rPr lang="it-IT" sz="1600" dirty="0"/>
+                        <a:t>alta</a:t>
+                      </a:r>
+                    </a:p>
+                  </a:txBody>
+                  <a:tcPr/>
+                </a:tc>
+                <a:extLst>
+                  <a:ext uri="{0D108BD9-81ED-4DB2-BD59-A6C34878D82A}">
+                    <a16:rowId xmlns:a16="http://schemas.microsoft.com/office/drawing/2014/main" val="2008388912"/>
+                  </a:ext>
+                </a:extLst>
+              </a:tr>
+              <a:tr h="540060">
+                <a:tc>
+                  <a:txBody>
+                    <a:bodyPr/>
+                    <a:lstStyle/>
+                    <a:p>
+                      <a:r>
+                        <a:rPr lang="it-IT" sz="1600" b="0" i="0" dirty="0"/>
+                        <a:t>Valutare situazione dei propri figli</a:t>
+                      </a:r>
+                    </a:p>
+                  </a:txBody>
+                  <a:tcPr/>
+                </a:tc>
+                <a:tc>
+                  <a:txBody>
+                    <a:bodyPr/>
+                    <a:lstStyle/>
+                    <a:p>
+                      <a:r>
+                        <a:rPr lang="it-IT" sz="1600" dirty="0"/>
+                        <a:t>0 volte</a:t>
+                      </a:r>
+                    </a:p>
+                  </a:txBody>
+                  <a:tcPr/>
+                </a:tc>
+                <a:tc>
+                  <a:txBody>
+                    <a:bodyPr/>
+                    <a:lstStyle/>
+                    <a:p>
+                      <a:pPr algn="l"/>
+                      <a:r>
+                        <a:rPr lang="it-IT" sz="1600" dirty="0"/>
+                        <a:t>bassa</a:t>
+                      </a:r>
+                    </a:p>
+                  </a:txBody>
+                  <a:tcPr/>
+                </a:tc>
+                <a:extLst>
+                  <a:ext uri="{0D108BD9-81ED-4DB2-BD59-A6C34878D82A}">
+                    <a16:rowId xmlns:a16="http://schemas.microsoft.com/office/drawing/2014/main" val="3286170515"/>
+                  </a:ext>
+                </a:extLst>
               </a:tr>
             </a:tbl>
           </a:graphicData>
         </a:graphic>
       </p:graphicFrame>
+    </p:spTree>
+    <p:extLst>
+      <p:ext uri="{BB962C8B-B14F-4D97-AF65-F5344CB8AC3E}">
+        <p14:creationId xmlns:p14="http://schemas.microsoft.com/office/powerpoint/2010/main" val="813295003"/>
+      </p:ext>
+    </p:extLst>
+  </p:cSld>
+  <p:clrMapOvr>
+    <a:masterClrMapping/>
+  </p:clrMapOvr>
+</p:sld>
+</file>
+
+<file path=ppt/slides/slide9.xml><?xml version="1.0" encoding="utf-8"?>
+<p:sld xmlns:a="http://schemas.openxmlformats.org/drawingml/2006/main" xmlns:r="http://schemas.openxmlformats.org/officeDocument/2006/relationships" xmlns:p="http://schemas.openxmlformats.org/presentationml/2006/main">
+  <p:cSld>
+    <p:spTree>
+      <p:nvGrpSpPr>
+        <p:cNvPr id="1" name=""/>
+        <p:cNvGrpSpPr/>
+        <p:nvPr/>
+      </p:nvGrpSpPr>
+      <p:grpSpPr>
+        <a:xfrm>
+          <a:off x="0" y="0"/>
+          <a:ext cx="0" cy="0"/>
+          <a:chOff x="0" y="0"/>
+          <a:chExt cx="0" cy="0"/>
+        </a:xfrm>
+      </p:grpSpPr>
+      <p:sp>
+        <p:nvSpPr>
+          <p:cNvPr id="4" name="Rectangle 2"/>
+          <p:cNvSpPr>
+            <a:spLocks noGrp="1"/>
+          </p:cNvSpPr>
+          <p:nvPr>
+            <p:ph type="title"/>
+          </p:nvPr>
+        </p:nvSpPr>
+        <p:spPr/>
+        <p:txBody>
+          <a:bodyPr>
+            <a:normAutofit/>
+          </a:bodyPr>
+          <a:lstStyle/>
+          <a:p>
+            <a:r>
+              <a:rPr lang="it-IT" kern="1200" cap="all" baseline="0" dirty="0">
+                <a:solidFill>
+                  <a:schemeClr val="tx2"/>
+                </a:solidFill>
+                <a:effectLst>
+                  <a:reflection blurRad="12700" stA="48000" endA="300" endPos="55000" dir="5400000" sy="-90000" algn="bl" rotWithShape="0"/>
+                </a:effectLst>
+                <a:latin typeface="Calibri" panose="020F0502020204030204" pitchFamily="34" charset="0"/>
+                <a:cs typeface="Calibri" panose="020F0502020204030204" pitchFamily="34" charset="0"/>
+              </a:rPr>
+              <a:t>Descrizione dei task</a:t>
+            </a:r>
+            <a:endParaRPr lang="it-IT" dirty="0">
+              <a:latin typeface="Calibri" panose="020F0502020204030204" pitchFamily="34" charset="0"/>
+              <a:cs typeface="Calibri" panose="020F0502020204030204" pitchFamily="34" charset="0"/>
+            </a:endParaRPr>
+          </a:p>
+        </p:txBody>
+      </p:sp>
       <p:graphicFrame>
         <p:nvGraphicFramePr>
-          <p:cNvPr id="9" name="Tabella 8"/>
+          <p:cNvPr id="6" name="Tabella 5"/>
           <p:cNvGraphicFramePr>
             <a:graphicFrameLocks noGrp="1"/>
           </p:cNvGraphicFramePr>
           <p:nvPr>
             <p:extLst>
               <p:ext uri="{D42A27DB-BD31-4B8C-83A1-F6EECF244321}">
-                <p14:modId xmlns:p14="http://schemas.microsoft.com/office/powerpoint/2010/main" val="2794842817"/>
+                <p14:modId xmlns:p14="http://schemas.microsoft.com/office/powerpoint/2010/main" val="1492578524"/>
               </p:ext>
             </p:extLst>
           </p:nvPr>
         </p:nvGraphicFramePr>
         <p:xfrm>
-          <a:off x="4572000" y="1340768"/>
-          <a:ext cx="4536504" cy="2529448"/>
+          <a:off x="1367796" y="1271262"/>
+          <a:ext cx="6408408" cy="5057896"/>
         </p:xfrm>
         <a:graphic>
           <a:graphicData uri="http://schemas.openxmlformats.org/drawingml/2006/table">
@@ -9638,21 +9267,38 @@
                 <a:tableStyleId>{93296810-A885-4BE3-A3E7-6D5BEEA58F35}</a:tableStyleId>
               </a:tblPr>
               <a:tblGrid>
-                <a:gridCol w="1584176"/>
-                <a:gridCol w="1584176"/>
-                <a:gridCol w="1368152"/>
+                <a:gridCol w="2136136">
+                  <a:extLst>
+                    <a:ext uri="{9D8B030D-6E8A-4147-A177-3AD203B41FA5}">
+                      <a16:colId xmlns:a16="http://schemas.microsoft.com/office/drawing/2014/main" val="20000"/>
+                    </a:ext>
+                  </a:extLst>
+                </a:gridCol>
+                <a:gridCol w="2534398">
+                  <a:extLst>
+                    <a:ext uri="{9D8B030D-6E8A-4147-A177-3AD203B41FA5}">
+                      <a16:colId xmlns:a16="http://schemas.microsoft.com/office/drawing/2014/main" val="20001"/>
+                    </a:ext>
+                  </a:extLst>
+                </a:gridCol>
+                <a:gridCol w="1737874">
+                  <a:extLst>
+                    <a:ext uri="{9D8B030D-6E8A-4147-A177-3AD203B41FA5}">
+                      <a16:colId xmlns:a16="http://schemas.microsoft.com/office/drawing/2014/main" val="20002"/>
+                    </a:ext>
+                  </a:extLst>
+                </a:gridCol>
               </a:tblGrid>
-              <a:tr h="149736">
+              <a:tr h="341091">
                 <a:tc gridSpan="3">
                   <a:txBody>
                     <a:bodyPr/>
                     <a:lstStyle/>
                     <a:p>
                       <a:r>
-                        <a:rPr lang="it-IT" dirty="0" smtClean="0"/>
+                        <a:rPr lang="it-IT" dirty="0"/>
                         <a:t>Lucia</a:t>
                       </a:r>
-                      <a:endParaRPr lang="it-IT" dirty="0"/>
                     </a:p>
                   </a:txBody>
                   <a:tcPr/>
@@ -9677,8 +9323,13 @@
                   </a:txBody>
                   <a:tcPr/>
                 </a:tc>
+                <a:extLst>
+                  <a:ext uri="{0D108BD9-81ED-4DB2-BD59-A6C34878D82A}">
+                    <a16:rowId xmlns:a16="http://schemas.microsoft.com/office/drawing/2014/main" val="10000"/>
+                  </a:ext>
+                </a:extLst>
               </a:tr>
-              <a:tr h="426328">
+              <a:tr h="596909">
                 <a:tc>
                   <a:txBody>
                     <a:bodyPr/>
@@ -9686,7 +9337,7 @@
                     <a:p>
                       <a:pPr algn="ctr"/>
                       <a:r>
-                        <a:rPr lang="it-IT" dirty="0" smtClean="0">
+                        <a:rPr lang="it-IT" dirty="0">
                           <a:solidFill>
                             <a:schemeClr val="accent6">
                               <a:lumMod val="75000"/>
@@ -9695,13 +9346,6 @@
                         </a:rPr>
                         <a:t>Task</a:t>
                       </a:r>
-                      <a:endParaRPr lang="it-IT" dirty="0">
-                        <a:solidFill>
-                          <a:schemeClr val="accent6">
-                            <a:lumMod val="75000"/>
-                          </a:schemeClr>
-                        </a:solidFill>
-                      </a:endParaRPr>
                     </a:p>
                   </a:txBody>
                   <a:tcPr/>
@@ -9713,7 +9357,7 @@
                     <a:p>
                       <a:pPr algn="ctr"/>
                       <a:r>
-                        <a:rPr lang="it-IT" dirty="0" smtClean="0">
+                        <a:rPr lang="it-IT" dirty="0">
                           <a:solidFill>
                             <a:schemeClr val="accent6">
                               <a:lumMod val="75000"/>
@@ -9722,13 +9366,6 @@
                         </a:rPr>
                         <a:t>Frequenza </a:t>
                       </a:r>
-                      <a:endParaRPr lang="it-IT" dirty="0">
-                        <a:solidFill>
-                          <a:schemeClr val="accent6">
-                            <a:lumMod val="75000"/>
-                          </a:schemeClr>
-                        </a:solidFill>
-                      </a:endParaRPr>
                     </a:p>
                   </a:txBody>
                   <a:tcPr/>
@@ -9740,7 +9377,7 @@
                     <a:p>
                       <a:pPr algn="ctr"/>
                       <a:r>
-                        <a:rPr lang="it-IT" dirty="0" smtClean="0">
+                        <a:rPr lang="it-IT" dirty="0">
                           <a:solidFill>
                             <a:schemeClr val="accent6">
                               <a:lumMod val="75000"/>
@@ -9749,29 +9386,26 @@
                         </a:rPr>
                         <a:t>Importanza</a:t>
                       </a:r>
-                      <a:endParaRPr lang="it-IT" dirty="0">
-                        <a:solidFill>
-                          <a:schemeClr val="accent6">
-                            <a:lumMod val="75000"/>
-                          </a:schemeClr>
-                        </a:solidFill>
-                      </a:endParaRPr>
                     </a:p>
                   </a:txBody>
                   <a:tcPr/>
                 </a:tc>
+                <a:extLst>
+                  <a:ext uri="{0D108BD9-81ED-4DB2-BD59-A6C34878D82A}">
+                    <a16:rowId xmlns:a16="http://schemas.microsoft.com/office/drawing/2014/main" val="10001"/>
+                  </a:ext>
+                </a:extLst>
               </a:tr>
-              <a:tr h="563918">
+              <a:tr h="767454">
                 <a:tc>
                   <a:txBody>
                     <a:bodyPr/>
                     <a:lstStyle/>
                     <a:p>
                       <a:r>
-                        <a:rPr lang="it-IT" sz="1600" dirty="0" smtClean="0"/>
-                        <a:t>Dialogare con gli amici</a:t>
+                        <a:rPr lang="it-IT" sz="1600" dirty="0"/>
+                        <a:t>Consultare informazioni sul bullismo</a:t>
                       </a:r>
-                      <a:endParaRPr lang="it-IT" sz="1600" dirty="0"/>
                     </a:p>
                   </a:txBody>
                   <a:tcPr/>
@@ -9782,22 +9416,9 @@
                     <a:lstStyle/>
                     <a:p>
                       <a:r>
-                        <a:rPr lang="it-IT" sz="1600" dirty="0" smtClean="0"/>
-                        <a:t>10 volte</a:t>
+                        <a:rPr lang="it-IT" sz="1600" dirty="0"/>
+                        <a:t>1 volta ogni 6 mesi</a:t>
                       </a:r>
-                      <a:r>
-                        <a:rPr lang="it-IT" sz="1600" baseline="0" dirty="0" smtClean="0"/>
-                        <a:t> </a:t>
-                      </a:r>
-                      <a:r>
-                        <a:rPr lang="it-IT" sz="1600" dirty="0" smtClean="0"/>
-                        <a:t>al</a:t>
-                      </a:r>
-                      <a:r>
-                        <a:rPr lang="it-IT" sz="1600" baseline="0" dirty="0" smtClean="0"/>
-                        <a:t> giorno</a:t>
-                      </a:r>
-                      <a:endParaRPr lang="it-IT" sz="1600" dirty="0"/>
                     </a:p>
                   </a:txBody>
                   <a:tcPr/>
@@ -9808,26 +9429,29 @@
                     <a:lstStyle/>
                     <a:p>
                       <a:r>
-                        <a:rPr lang="it-IT" sz="1600" dirty="0" smtClean="0"/>
-                        <a:t>media</a:t>
+                        <a:rPr lang="it-IT" sz="1600" dirty="0"/>
+                        <a:t>bassa</a:t>
                       </a:r>
-                      <a:endParaRPr lang="it-IT" sz="1600" dirty="0"/>
                     </a:p>
                   </a:txBody>
                   <a:tcPr/>
                 </a:tc>
+                <a:extLst>
+                  <a:ext uri="{0D108BD9-81ED-4DB2-BD59-A6C34878D82A}">
+                    <a16:rowId xmlns:a16="http://schemas.microsoft.com/office/drawing/2014/main" val="10002"/>
+                  </a:ext>
+                </a:extLst>
               </a:tr>
-              <a:tr h="563918">
+              <a:tr h="994847">
                 <a:tc>
                   <a:txBody>
                     <a:bodyPr/>
                     <a:lstStyle/>
                     <a:p>
                       <a:r>
-                        <a:rPr lang="it-IT" sz="1600" dirty="0" smtClean="0"/>
-                        <a:t>Dialogare con i docenti</a:t>
+                        <a:rPr lang="it-IT" sz="1600" dirty="0"/>
+                        <a:t>Consultare informazioni sul cyberbullismo</a:t>
                       </a:r>
-                      <a:endParaRPr lang="it-IT" sz="1600" dirty="0"/>
                     </a:p>
                   </a:txBody>
                   <a:tcPr/>
@@ -9838,14 +9462,9 @@
                     <a:lstStyle/>
                     <a:p>
                       <a:r>
-                        <a:rPr lang="it-IT" sz="1600" dirty="0" smtClean="0"/>
-                        <a:t>1 volta al</a:t>
+                        <a:rPr lang="it-IT" sz="1600" dirty="0"/>
+                        <a:t>1 volta ogni 6 mesi</a:t>
                       </a:r>
-                      <a:r>
-                        <a:rPr lang="it-IT" sz="1600" baseline="0" dirty="0" smtClean="0"/>
-                        <a:t> giorno</a:t>
-                      </a:r>
-                      <a:endParaRPr lang="it-IT" sz="1600" dirty="0"/>
                     </a:p>
                   </a:txBody>
                   <a:tcPr/>
@@ -9856,23 +9475,27 @@
                     <a:lstStyle/>
                     <a:p>
                       <a:r>
-                        <a:rPr lang="it-IT" sz="1600" dirty="0" smtClean="0"/>
-                        <a:t>bassa</a:t>
+                        <a:rPr lang="it-IT" sz="1600" dirty="0"/>
+                        <a:t>media</a:t>
                       </a:r>
-                      <a:endParaRPr lang="it-IT" sz="1600" dirty="0"/>
                     </a:p>
                   </a:txBody>
                   <a:tcPr/>
                 </a:tc>
+                <a:extLst>
+                  <a:ext uri="{0D108BD9-81ED-4DB2-BD59-A6C34878D82A}">
+                    <a16:rowId xmlns:a16="http://schemas.microsoft.com/office/drawing/2014/main" val="10003"/>
+                  </a:ext>
+                </a:extLst>
               </a:tr>
-              <a:tr h="563918">
+              <a:tr h="540060">
                 <a:tc>
                   <a:txBody>
                     <a:bodyPr/>
                     <a:lstStyle/>
                     <a:p>
                       <a:r>
-                        <a:rPr kumimoji="0" lang="it-IT" sz="1600" b="0" i="0" kern="1200" dirty="0" smtClean="0">
+                        <a:rPr kumimoji="0" lang="it-IT" sz="1600" b="0" i="0" kern="1200" dirty="0">
                           <a:solidFill>
                             <a:schemeClr val="dk1"/>
                           </a:solidFill>
@@ -9881,7 +9504,7 @@
                           <a:ea typeface="+mn-ea"/>
                           <a:cs typeface="+mn-cs"/>
                         </a:rPr>
-                        <a:t>Utilizzare internet</a:t>
+                        <a:t>Richiedere aiuto</a:t>
                       </a:r>
                       <a:endParaRPr lang="it-IT" sz="1600" b="0" i="0" dirty="0"/>
                     </a:p>
@@ -9894,302 +9517,9 @@
                     <a:lstStyle/>
                     <a:p>
                       <a:r>
-                        <a:rPr lang="it-IT" sz="1600" dirty="0" smtClean="0"/>
-                        <a:t>10 volte al giorno</a:t>
+                        <a:rPr lang="it-IT" sz="1600" dirty="0"/>
+                        <a:t>1 volta al giorno</a:t>
                       </a:r>
-                      <a:endParaRPr lang="it-IT" sz="1600" dirty="0"/>
-                    </a:p>
-                  </a:txBody>
-                  <a:tcPr/>
-                </a:tc>
-                <a:tc>
-                  <a:txBody>
-                    <a:bodyPr/>
-                    <a:lstStyle/>
-                    <a:p>
-                      <a:r>
-                        <a:rPr lang="it-IT" sz="1600" dirty="0" smtClean="0"/>
-                        <a:t>alta</a:t>
-                      </a:r>
-                      <a:endParaRPr lang="it-IT" sz="1600" dirty="0"/>
-                    </a:p>
-                  </a:txBody>
-                  <a:tcPr/>
-                </a:tc>
-              </a:tr>
-            </a:tbl>
-          </a:graphicData>
-        </a:graphic>
-      </p:graphicFrame>
-      <p:graphicFrame>
-        <p:nvGraphicFramePr>
-          <p:cNvPr id="11" name="Tabella 10"/>
-          <p:cNvGraphicFramePr>
-            <a:graphicFrameLocks noGrp="1"/>
-          </p:cNvGraphicFramePr>
-          <p:nvPr>
-            <p:extLst>
-              <p:ext uri="{D42A27DB-BD31-4B8C-83A1-F6EECF244321}">
-                <p14:modId xmlns:p14="http://schemas.microsoft.com/office/powerpoint/2010/main" val="2193338264"/>
-              </p:ext>
-            </p:extLst>
-          </p:nvPr>
-        </p:nvGraphicFramePr>
-        <p:xfrm>
-          <a:off x="1043608" y="3933056"/>
-          <a:ext cx="5976664" cy="2468880"/>
-        </p:xfrm>
-        <a:graphic>
-          <a:graphicData uri="http://schemas.openxmlformats.org/drawingml/2006/table">
-            <a:tbl>
-              <a:tblPr firstRow="1" bandRow="1">
-                <a:tableStyleId>{93296810-A885-4BE3-A3E7-6D5BEEA58F35}</a:tableStyleId>
-              </a:tblPr>
-              <a:tblGrid>
-                <a:gridCol w="2232248"/>
-                <a:gridCol w="1728192"/>
-                <a:gridCol w="2016224"/>
-              </a:tblGrid>
-              <a:tr h="365760">
-                <a:tc gridSpan="3">
-                  <a:txBody>
-                    <a:bodyPr/>
-                    <a:lstStyle/>
-                    <a:p>
-                      <a:r>
-                        <a:rPr lang="it-IT" dirty="0" smtClean="0"/>
-                        <a:t>Annamaria</a:t>
-                      </a:r>
-                      <a:endParaRPr lang="it-IT" dirty="0"/>
-                    </a:p>
-                  </a:txBody>
-                  <a:tcPr/>
-                </a:tc>
-                <a:tc hMerge="1">
-                  <a:txBody>
-                    <a:bodyPr/>
-                    <a:lstStyle/>
-                    <a:p>
-                      <a:endParaRPr lang="it-IT"/>
-                    </a:p>
-                  </a:txBody>
-                  <a:tcPr/>
-                </a:tc>
-                <a:tc hMerge="1">
-                  <a:txBody>
-                    <a:bodyPr/>
-                    <a:lstStyle/>
-                    <a:p>
-                      <a:endParaRPr lang="it-IT" dirty="0"/>
-                    </a:p>
-                  </a:txBody>
-                  <a:tcPr/>
-                </a:tc>
-              </a:tr>
-              <a:tr h="302675">
-                <a:tc>
-                  <a:txBody>
-                    <a:bodyPr/>
-                    <a:lstStyle/>
-                    <a:p>
-                      <a:pPr algn="ctr"/>
-                      <a:r>
-                        <a:rPr lang="it-IT" dirty="0" smtClean="0">
-                          <a:solidFill>
-                            <a:schemeClr val="accent6">
-                              <a:lumMod val="75000"/>
-                            </a:schemeClr>
-                          </a:solidFill>
-                        </a:rPr>
-                        <a:t>Task</a:t>
-                      </a:r>
-                      <a:endParaRPr lang="it-IT" dirty="0">
-                        <a:solidFill>
-                          <a:schemeClr val="accent6">
-                            <a:lumMod val="75000"/>
-                          </a:schemeClr>
-                        </a:solidFill>
-                      </a:endParaRPr>
-                    </a:p>
-                  </a:txBody>
-                  <a:tcPr/>
-                </a:tc>
-                <a:tc>
-                  <a:txBody>
-                    <a:bodyPr/>
-                    <a:lstStyle/>
-                    <a:p>
-                      <a:pPr algn="ctr"/>
-                      <a:r>
-                        <a:rPr lang="it-IT" dirty="0" smtClean="0">
-                          <a:solidFill>
-                            <a:schemeClr val="accent6">
-                              <a:lumMod val="75000"/>
-                            </a:schemeClr>
-                          </a:solidFill>
-                        </a:rPr>
-                        <a:t>Frequenza </a:t>
-                      </a:r>
-                      <a:endParaRPr lang="it-IT" dirty="0">
-                        <a:solidFill>
-                          <a:schemeClr val="accent6">
-                            <a:lumMod val="75000"/>
-                          </a:schemeClr>
-                        </a:solidFill>
-                      </a:endParaRPr>
-                    </a:p>
-                  </a:txBody>
-                  <a:tcPr/>
-                </a:tc>
-                <a:tc>
-                  <a:txBody>
-                    <a:bodyPr/>
-                    <a:lstStyle/>
-                    <a:p>
-                      <a:pPr algn="ctr"/>
-                      <a:r>
-                        <a:rPr lang="it-IT" dirty="0" smtClean="0">
-                          <a:solidFill>
-                            <a:schemeClr val="accent6">
-                              <a:lumMod val="75000"/>
-                            </a:schemeClr>
-                          </a:solidFill>
-                        </a:rPr>
-                        <a:t>Importanza</a:t>
-                      </a:r>
-                      <a:endParaRPr lang="it-IT" dirty="0">
-                        <a:solidFill>
-                          <a:schemeClr val="accent6">
-                            <a:lumMod val="75000"/>
-                          </a:schemeClr>
-                        </a:solidFill>
-                      </a:endParaRPr>
-                    </a:p>
-                  </a:txBody>
-                  <a:tcPr/>
-                </a:tc>
-              </a:tr>
-              <a:tr h="479236">
-                <a:tc>
-                  <a:txBody>
-                    <a:bodyPr/>
-                    <a:lstStyle/>
-                    <a:p>
-                      <a:r>
-                        <a:rPr lang="it-IT" sz="1600" dirty="0" smtClean="0"/>
-                        <a:t>Partecipazione vita extra-scolastica figlio</a:t>
-                      </a:r>
-                      <a:endParaRPr lang="it-IT" sz="1600" dirty="0"/>
-                    </a:p>
-                  </a:txBody>
-                  <a:tcPr/>
-                </a:tc>
-                <a:tc>
-                  <a:txBody>
-                    <a:bodyPr/>
-                    <a:lstStyle/>
-                    <a:p>
-                      <a:r>
-                        <a:rPr lang="it-IT" sz="1600" dirty="0" smtClean="0"/>
-                        <a:t>1 volta a settimana</a:t>
-                      </a:r>
-                      <a:endParaRPr lang="it-IT" sz="1600" dirty="0"/>
-                    </a:p>
-                  </a:txBody>
-                  <a:tcPr/>
-                </a:tc>
-                <a:tc>
-                  <a:txBody>
-                    <a:bodyPr/>
-                    <a:lstStyle/>
-                    <a:p>
-                      <a:r>
-                        <a:rPr lang="it-IT" sz="1600" dirty="0" smtClean="0"/>
-                        <a:t>alta</a:t>
-                      </a:r>
-                      <a:endParaRPr lang="it-IT" sz="1600" dirty="0"/>
-                    </a:p>
-                  </a:txBody>
-                  <a:tcPr/>
-                </a:tc>
-              </a:tr>
-              <a:tr h="479236">
-                <a:tc>
-                  <a:txBody>
-                    <a:bodyPr/>
-                    <a:lstStyle/>
-                    <a:p>
-                      <a:r>
-                        <a:rPr lang="it-IT" sz="1600" dirty="0" smtClean="0"/>
-                        <a:t>Partecipazione vita scolastica figlio</a:t>
-                      </a:r>
-                      <a:endParaRPr lang="it-IT" sz="1600" dirty="0"/>
-                    </a:p>
-                  </a:txBody>
-                  <a:tcPr/>
-                </a:tc>
-                <a:tc>
-                  <a:txBody>
-                    <a:bodyPr/>
-                    <a:lstStyle/>
-                    <a:p>
-                      <a:r>
-                        <a:rPr lang="it-IT" sz="1600" dirty="0" smtClean="0"/>
-                        <a:t>1 volta a settimana</a:t>
-                      </a:r>
-                      <a:endParaRPr lang="it-IT" sz="1600" dirty="0"/>
-                    </a:p>
-                  </a:txBody>
-                  <a:tcPr/>
-                </a:tc>
-                <a:tc>
-                  <a:txBody>
-                    <a:bodyPr/>
-                    <a:lstStyle/>
-                    <a:p>
-                      <a:r>
-                        <a:rPr lang="it-IT" sz="1600" dirty="0" smtClean="0"/>
-                        <a:t>alta</a:t>
-                      </a:r>
-                      <a:endParaRPr lang="it-IT" sz="1600" dirty="0"/>
-                    </a:p>
-                  </a:txBody>
-                  <a:tcPr/>
-                </a:tc>
-              </a:tr>
-              <a:tr h="278121">
-                <a:tc>
-                  <a:txBody>
-                    <a:bodyPr/>
-                    <a:lstStyle/>
-                    <a:p>
-                      <a:r>
-                        <a:rPr kumimoji="0" lang="it-IT" sz="1600" b="0" i="0" kern="1200" dirty="0" smtClean="0">
-                          <a:solidFill>
-                            <a:schemeClr val="dk1"/>
-                          </a:solidFill>
-                          <a:effectLst/>
-                          <a:latin typeface="+mn-lt"/>
-                          <a:ea typeface="+mn-ea"/>
-                          <a:cs typeface="+mn-cs"/>
-                        </a:rPr>
-                        <a:t>Utilizzare internet</a:t>
-                      </a:r>
-                      <a:endParaRPr lang="it-IT" sz="1600" b="0" i="0" dirty="0"/>
-                    </a:p>
-                  </a:txBody>
-                  <a:tcPr/>
-                </a:tc>
-                <a:tc>
-                  <a:txBody>
-                    <a:bodyPr/>
-                    <a:lstStyle/>
-                    <a:p>
-                      <a:r>
-                        <a:rPr lang="it-IT" sz="1600" dirty="0" smtClean="0"/>
-                        <a:t>1 volta a settimana</a:t>
-                      </a:r>
-                      <a:endParaRPr lang="it-IT" sz="1600" dirty="0"/>
                     </a:p>
                   </a:txBody>
                   <a:tcPr/>
@@ -10201,14 +9531,159 @@
                     <a:p>
                       <a:pPr algn="l"/>
                       <a:r>
-                        <a:rPr lang="it-IT" sz="1600" dirty="0" smtClean="0"/>
+                        <a:rPr lang="it-IT" sz="1600" dirty="0"/>
                         <a:t>alta</a:t>
                       </a:r>
-                      <a:endParaRPr lang="it-IT" sz="1600" dirty="0"/>
                     </a:p>
                   </a:txBody>
                   <a:tcPr/>
                 </a:tc>
+                <a:extLst>
+                  <a:ext uri="{0D108BD9-81ED-4DB2-BD59-A6C34878D82A}">
+                    <a16:rowId xmlns:a16="http://schemas.microsoft.com/office/drawing/2014/main" val="10004"/>
+                  </a:ext>
+                </a:extLst>
+              </a:tr>
+              <a:tr h="540060">
+                <a:tc>
+                  <a:txBody>
+                    <a:bodyPr/>
+                    <a:lstStyle/>
+                    <a:p>
+                      <a:r>
+                        <a:rPr lang="it-IT" sz="1600" b="0" i="0" dirty="0"/>
+                        <a:t>Condividere la propria esperienza</a:t>
+                      </a:r>
+                    </a:p>
+                  </a:txBody>
+                  <a:tcPr/>
+                </a:tc>
+                <a:tc>
+                  <a:txBody>
+                    <a:bodyPr/>
+                    <a:lstStyle/>
+                    <a:p>
+                      <a:r>
+                        <a:rPr lang="it-IT" sz="1600" dirty="0"/>
+                        <a:t>1 volta al giorno</a:t>
+                      </a:r>
+                    </a:p>
+                  </a:txBody>
+                  <a:tcPr/>
+                </a:tc>
+                <a:tc>
+                  <a:txBody>
+                    <a:bodyPr/>
+                    <a:lstStyle/>
+                    <a:p>
+                      <a:pPr algn="l"/>
+                      <a:r>
+                        <a:rPr lang="it-IT" sz="1600" dirty="0"/>
+                        <a:t>alta</a:t>
+                      </a:r>
+                    </a:p>
+                  </a:txBody>
+                  <a:tcPr/>
+                </a:tc>
+                <a:extLst>
+                  <a:ext uri="{0D108BD9-81ED-4DB2-BD59-A6C34878D82A}">
+                    <a16:rowId xmlns:a16="http://schemas.microsoft.com/office/drawing/2014/main" val="1014700042"/>
+                  </a:ext>
+                </a:extLst>
+              </a:tr>
+              <a:tr h="540060">
+                <a:tc>
+                  <a:txBody>
+                    <a:bodyPr/>
+                    <a:lstStyle/>
+                    <a:p>
+                      <a:r>
+                        <a:rPr lang="it-IT" sz="1600" b="0" i="0" dirty="0"/>
+                        <a:t>Imparare metodi di prevenzione</a:t>
+                      </a:r>
+                    </a:p>
+                  </a:txBody>
+                  <a:tcPr/>
+                </a:tc>
+                <a:tc>
+                  <a:txBody>
+                    <a:bodyPr/>
+                    <a:lstStyle/>
+                    <a:p>
+                      <a:r>
+                        <a:rPr lang="it-IT" sz="1600" dirty="0"/>
+                        <a:t>1 volta al giorno</a:t>
+                      </a:r>
+                    </a:p>
+                  </a:txBody>
+                  <a:tcPr/>
+                </a:tc>
+                <a:tc>
+                  <a:txBody>
+                    <a:bodyPr/>
+                    <a:lstStyle/>
+                    <a:p>
+                      <a:pPr algn="l"/>
+                      <a:r>
+                        <a:rPr lang="it-IT" sz="1600" dirty="0"/>
+                        <a:t>alta</a:t>
+                      </a:r>
+                    </a:p>
+                  </a:txBody>
+                  <a:tcPr/>
+                </a:tc>
+                <a:extLst>
+                  <a:ext uri="{0D108BD9-81ED-4DB2-BD59-A6C34878D82A}">
+                    <a16:rowId xmlns:a16="http://schemas.microsoft.com/office/drawing/2014/main" val="2008388912"/>
+                  </a:ext>
+                </a:extLst>
+              </a:tr>
+              <a:tr h="540060">
+                <a:tc>
+                  <a:txBody>
+                    <a:bodyPr/>
+                    <a:lstStyle/>
+                    <a:p>
+                      <a:r>
+                        <a:rPr lang="it-IT" sz="1600" b="0" i="0" dirty="0"/>
+                        <a:t>Valutare situazione dei propri figli</a:t>
+                      </a:r>
+                    </a:p>
+                  </a:txBody>
+                  <a:tcPr/>
+                </a:tc>
+                <a:tc>
+                  <a:txBody>
+                    <a:bodyPr/>
+                    <a:lstStyle/>
+                    <a:p>
+                      <a:r>
+                        <a:rPr lang="it-IT" sz="1600" dirty="0"/>
+                        <a:t>0 volte</a:t>
+                      </a:r>
+                    </a:p>
+                  </a:txBody>
+                  <a:tcPr/>
+                </a:tc>
+                <a:tc>
+                  <a:txBody>
+                    <a:bodyPr/>
+                    <a:lstStyle/>
+                    <a:p>
+                      <a:pPr algn="l"/>
+                      <a:r>
+                        <a:rPr lang="it-IT" sz="1600" dirty="0"/>
+                        <a:t>bassa</a:t>
+                      </a:r>
+                    </a:p>
+                  </a:txBody>
+                  <a:tcPr/>
+                </a:tc>
+                <a:extLst>
+                  <a:ext uri="{0D108BD9-81ED-4DB2-BD59-A6C34878D82A}">
+                    <a16:rowId xmlns:a16="http://schemas.microsoft.com/office/drawing/2014/main" val="3286170515"/>
+                  </a:ext>
+                </a:extLst>
               </a:tr>
             </a:tbl>
           </a:graphicData>
@@ -10217,467 +9692,7 @@
     </p:spTree>
     <p:extLst>
       <p:ext uri="{BB962C8B-B14F-4D97-AF65-F5344CB8AC3E}">
-        <p14:creationId xmlns:p14="http://schemas.microsoft.com/office/powerpoint/2010/main" val="813295003"/>
-      </p:ext>
-    </p:extLst>
-  </p:cSld>
-  <p:clrMapOvr>
-    <a:masterClrMapping/>
-  </p:clrMapOvr>
-  <p:timing>
-    <p:tnLst>
-      <p:par>
-        <p:cTn id="1" dur="indefinite" restart="never" nodeType="tmRoot"/>
-      </p:par>
-    </p:tnLst>
-  </p:timing>
-</p:sld>
-</file>
-
-<file path=ppt/slides/slide9.xml><?xml version="1.0" encoding="utf-8"?>
-<p:sld xmlns:a="http://schemas.openxmlformats.org/drawingml/2006/main" xmlns:r="http://schemas.openxmlformats.org/officeDocument/2006/relationships" xmlns:p="http://schemas.openxmlformats.org/presentationml/2006/main">
-  <p:cSld>
-    <p:spTree>
-      <p:nvGrpSpPr>
-        <p:cNvPr id="1" name=""/>
-        <p:cNvGrpSpPr/>
-        <p:nvPr/>
-      </p:nvGrpSpPr>
-      <p:grpSpPr>
-        <a:xfrm>
-          <a:off x="0" y="0"/>
-          <a:ext cx="0" cy="0"/>
-          <a:chOff x="0" y="0"/>
-          <a:chExt cx="0" cy="0"/>
-        </a:xfrm>
-      </p:grpSpPr>
-      <p:sp>
-        <p:nvSpPr>
-          <p:cNvPr id="4" name="Rectangle 2"/>
-          <p:cNvSpPr>
-            <a:spLocks noGrp="1"/>
-          </p:cNvSpPr>
-          <p:nvPr>
-            <p:ph type="title"/>
-          </p:nvPr>
-        </p:nvSpPr>
-        <p:spPr>
-          <a:xfrm>
-            <a:off x="304800" y="457200"/>
-            <a:ext cx="8686800" cy="838200"/>
-          </a:xfrm>
-        </p:spPr>
-        <p:txBody>
-          <a:bodyPr>
-            <a:normAutofit/>
-          </a:bodyPr>
-          <a:lstStyle/>
-          <a:p>
-            <a:r>
-              <a:rPr lang="it-IT" kern="1200" cap="all" baseline="0" dirty="0" smtClean="0">
-                <a:solidFill>
-                  <a:schemeClr val="tx2"/>
-                </a:solidFill>
-                <a:effectLst>
-                  <a:reflection blurRad="12700" stA="48000" endA="300" endPos="55000" dir="5400000" sy="-90000" algn="bl" rotWithShape="0"/>
-                </a:effectLst>
-                <a:latin typeface="Calibri" panose="020F0502020204030204" pitchFamily="34" charset="0"/>
-                <a:cs typeface="Calibri" panose="020F0502020204030204" pitchFamily="34" charset="0"/>
-              </a:rPr>
-              <a:t>Scenari</a:t>
-            </a:r>
-            <a:endParaRPr lang="it-IT" dirty="0">
-              <a:latin typeface="Calibri" panose="020F0502020204030204" pitchFamily="34" charset="0"/>
-              <a:cs typeface="Calibri" panose="020F0502020204030204" pitchFamily="34" charset="0"/>
-            </a:endParaRPr>
-          </a:p>
-        </p:txBody>
-      </p:sp>
-      <p:sp>
-        <p:nvSpPr>
-          <p:cNvPr id="6" name="Rettangolo 5"/>
-          <p:cNvSpPr/>
-          <p:nvPr/>
-        </p:nvSpPr>
-        <p:spPr>
-          <a:xfrm>
-            <a:off x="467544" y="1443841"/>
-            <a:ext cx="7920880" cy="2308324"/>
-          </a:xfrm>
-          <a:prstGeom prst="rect">
-            <a:avLst/>
-          </a:prstGeom>
-        </p:spPr>
-        <p:txBody>
-          <a:bodyPr wrap="square">
-            <a:spAutoFit/>
-          </a:bodyPr>
-          <a:lstStyle/>
-          <a:p>
-            <a:pPr fontAlgn="base"/>
-            <a:r>
-              <a:rPr lang="it-IT" dirty="0" smtClean="0">
-                <a:effectLst>
-                  <a:outerShdw blurRad="38100" dist="38100" dir="2700000" algn="tl">
-                    <a:srgbClr val="000000">
-                      <a:alpha val="43137"/>
-                    </a:srgbClr>
-                  </a:outerShdw>
-                </a:effectLst>
-              </a:rPr>
-              <a:t>Gianpiero </a:t>
-            </a:r>
-            <a:r>
-              <a:rPr lang="it-IT" dirty="0">
-                <a:effectLst>
-                  <a:outerShdw blurRad="38100" dist="38100" dir="2700000" algn="tl">
-                    <a:srgbClr val="000000">
-                      <a:alpha val="43137"/>
-                    </a:srgbClr>
-                  </a:outerShdw>
-                </a:effectLst>
-              </a:rPr>
-              <a:t>è vittima di bullismo, decide di chiedere aiuto tramite il sito </a:t>
-            </a:r>
-            <a:r>
-              <a:rPr lang="it-IT" dirty="0" smtClean="0">
-                <a:effectLst>
-                  <a:outerShdw blurRad="38100" dist="38100" dir="2700000" algn="tl">
-                    <a:srgbClr val="000000">
-                      <a:alpha val="43137"/>
-                    </a:srgbClr>
-                  </a:outerShdw>
-                </a:effectLst>
-              </a:rPr>
-              <a:t>BullyingLess</a:t>
-            </a:r>
-            <a:r>
-              <a:rPr lang="it-IT" dirty="0" smtClean="0">
-                <a:effectLst>
-                  <a:outerShdw blurRad="38100" dist="38100" dir="2700000" algn="tl">
-                    <a:srgbClr val="000000">
-                      <a:alpha val="43137"/>
-                    </a:srgbClr>
-                  </a:outerShdw>
-                </a:effectLst>
-              </a:rPr>
-              <a:t>, dall’apposito menù preme sulla sezione riguardante il bullismo. Il sistema fornisce tutte le informazioni inerenti ed offre la possibilità di leggere delle storie attinenti di altre vittime di bullismo, Gianpiero interessato a risolvere il problema va nella sezione “Ricevi Aiuto Adesso”. In questa pagina sono presenti una serie di problemi legati al bullismo con le conseguenti azioni da fare o i contatti per le persone a cui rivolgersi.</a:t>
-            </a:r>
-            <a:endParaRPr lang="it-IT" dirty="0">
-              <a:effectLst>
-                <a:outerShdw blurRad="38100" dist="38100" dir="2700000" algn="tl">
-                  <a:srgbClr val="000000">
-                    <a:alpha val="43137"/>
-                  </a:srgbClr>
-                </a:outerShdw>
-              </a:effectLst>
-            </a:endParaRPr>
-          </a:p>
-        </p:txBody>
-      </p:sp>
-      <p:sp>
-        <p:nvSpPr>
-          <p:cNvPr id="7" name="Rettangolo 6"/>
-          <p:cNvSpPr/>
-          <p:nvPr/>
-        </p:nvSpPr>
-        <p:spPr>
-          <a:xfrm>
-            <a:off x="475928" y="4077072"/>
-            <a:ext cx="7915766" cy="2585323"/>
-          </a:xfrm>
-          <a:prstGeom prst="rect">
-            <a:avLst/>
-          </a:prstGeom>
-        </p:spPr>
-        <p:txBody>
-          <a:bodyPr wrap="square">
-            <a:spAutoFit/>
-          </a:bodyPr>
-          <a:lstStyle/>
-          <a:p>
-            <a:pPr fontAlgn="base"/>
-            <a:r>
-              <a:rPr lang="it-IT" dirty="0" smtClean="0">
-                <a:effectLst>
-                  <a:outerShdw blurRad="38100" dist="38100" dir="2700000" algn="tl">
-                    <a:srgbClr val="000000">
-                      <a:alpha val="43137"/>
-                    </a:srgbClr>
-                  </a:outerShdw>
-                </a:effectLst>
-              </a:rPr>
-              <a:t>Annamaria </a:t>
-            </a:r>
-            <a:r>
-              <a:rPr lang="it-IT" dirty="0">
-                <a:effectLst>
-                  <a:outerShdw blurRad="38100" dist="38100" dir="2700000" algn="tl">
-                    <a:srgbClr val="000000">
-                      <a:alpha val="43137"/>
-                    </a:srgbClr>
-                  </a:outerShdw>
-                </a:effectLst>
-              </a:rPr>
-              <a:t>sospetta che suo figlio sia vittima di bullismo, non sapendo come agire decide di andare sul sito </a:t>
-            </a:r>
-            <a:r>
-              <a:rPr lang="it-IT" dirty="0">
-                <a:effectLst>
-                  <a:outerShdw blurRad="38100" dist="38100" dir="2700000" algn="tl">
-                    <a:srgbClr val="000000">
-                      <a:alpha val="43137"/>
-                    </a:srgbClr>
-                  </a:outerShdw>
-                </a:effectLst>
-              </a:rPr>
-              <a:t>BullyingLess</a:t>
-            </a:r>
-            <a:r>
-              <a:rPr lang="it-IT" dirty="0">
-                <a:effectLst>
-                  <a:outerShdw blurRad="38100" dist="38100" dir="2700000" algn="tl">
-                    <a:srgbClr val="000000">
-                      <a:alpha val="43137"/>
-                    </a:srgbClr>
-                  </a:outerShdw>
-                </a:effectLst>
-              </a:rPr>
-              <a:t>, per trovare assistenza.</a:t>
-            </a:r>
-          </a:p>
-          <a:p>
-            <a:pPr fontAlgn="base"/>
-            <a:r>
-              <a:rPr lang="it-IT" dirty="0">
-                <a:effectLst>
-                  <a:outerShdw blurRad="38100" dist="38100" dir="2700000" algn="tl">
-                    <a:srgbClr val="000000">
-                      <a:alpha val="43137"/>
-                    </a:srgbClr>
-                  </a:outerShdw>
-                </a:effectLst>
-              </a:rPr>
-              <a:t>Nella pagina trova una sezione con un questionario per capire se suo figlio/a è vittima di bullismo/</a:t>
-            </a:r>
-            <a:r>
-              <a:rPr lang="it-IT" dirty="0">
-                <a:effectLst>
-                  <a:outerShdw blurRad="38100" dist="38100" dir="2700000" algn="tl">
-                    <a:srgbClr val="000000">
-                      <a:alpha val="43137"/>
-                    </a:srgbClr>
-                  </a:outerShdw>
-                </a:effectLst>
-              </a:rPr>
-              <a:t>cyberbullismo</a:t>
-            </a:r>
-            <a:r>
-              <a:rPr lang="it-IT" dirty="0">
-                <a:effectLst>
-                  <a:outerShdw blurRad="38100" dist="38100" dir="2700000" algn="tl">
-                    <a:srgbClr val="000000">
-                      <a:alpha val="43137"/>
-                    </a:srgbClr>
-                  </a:outerShdw>
-                </a:effectLst>
-              </a:rPr>
-              <a:t>.</a:t>
-            </a:r>
-          </a:p>
-          <a:p>
-            <a:pPr fontAlgn="base"/>
-            <a:r>
-              <a:rPr lang="it-IT" dirty="0">
-                <a:effectLst>
-                  <a:outerShdw blurRad="38100" dist="38100" dir="2700000" algn="tl">
-                    <a:srgbClr val="000000">
-                      <a:alpha val="43137"/>
-                    </a:srgbClr>
-                  </a:outerShdw>
-                </a:effectLst>
-              </a:rPr>
-              <a:t>Al termine del questionario Annamaria è consapevole che suo figlio può effettivamente essere vittima di un bullo, allarmata cerca nel sito una soluzione da applicare , clicca su “Cosa Fare”.</a:t>
-            </a:r>
-          </a:p>
-          <a:p>
-            <a:pPr fontAlgn="base"/>
-            <a:r>
-              <a:rPr lang="it-IT" dirty="0">
-                <a:effectLst>
-                  <a:outerShdw blurRad="38100" dist="38100" dir="2700000" algn="tl">
-                    <a:srgbClr val="000000">
-                      <a:alpha val="43137"/>
-                    </a:srgbClr>
-                  </a:outerShdw>
-                </a:effectLst>
-              </a:rPr>
-              <a:t>In questa pagina il genitore trova le azioni da fare per soccorrere il proprio figlio. </a:t>
-            </a:r>
-          </a:p>
-        </p:txBody>
-      </p:sp>
-      <p:sp>
-        <p:nvSpPr>
-          <p:cNvPr id="8" name="Rectangle 2"/>
-          <p:cNvSpPr txBox="1">
-            <a:spLocks/>
-          </p:cNvSpPr>
-          <p:nvPr/>
-        </p:nvSpPr>
-        <p:spPr>
-          <a:xfrm>
-            <a:off x="209359" y="1446808"/>
-            <a:ext cx="368424" cy="418511"/>
-          </a:xfrm>
-          <a:prstGeom prst="rect">
-            <a:avLst/>
-          </a:prstGeom>
-        </p:spPr>
-        <p:txBody>
-          <a:bodyPr vert="horz" anchor="ctr">
-            <a:normAutofit fontScale="40000" lnSpcReduction="20000"/>
-          </a:bodyPr>
-          <a:lstStyle>
-            <a:lvl1pPr algn="l" rtl="0" eaLnBrk="1" latinLnBrk="0" hangingPunct="1">
-              <a:spcBef>
-                <a:spcPct val="0"/>
-              </a:spcBef>
-              <a:buNone/>
-              <a:defRPr kumimoji="0" sz="3600" kern="1200" cap="all" baseline="0">
-                <a:solidFill>
-                  <a:schemeClr val="tx2"/>
-                </a:solidFill>
-                <a:effectLst>
-                  <a:reflection blurRad="12700" stA="48000" endA="300" endPos="55000" dir="5400000" sy="-90000" algn="bl" rotWithShape="0"/>
-                </a:effectLst>
-                <a:latin typeface="+mj-lt"/>
-                <a:ea typeface="+mj-ea"/>
-                <a:cs typeface="+mj-cs"/>
-              </a:defRPr>
-            </a:lvl1pPr>
-          </a:lstStyle>
-          <a:p>
-            <a:r>
-              <a:rPr lang="it-IT" sz="4500" dirty="0" smtClean="0">
-                <a:effectLst>
-                  <a:outerShdw blurRad="38100" dist="38100" dir="2700000" algn="tl">
-                    <a:srgbClr val="000000">
-                      <a:alpha val="43137"/>
-                    </a:srgbClr>
-                  </a:outerShdw>
-                  <a:reflection blurRad="12700" stA="48000" endA="300" endPos="55000" dir="5400000" sy="-90000" algn="bl" rotWithShape="0"/>
-                </a:effectLst>
-                <a:latin typeface="+mn-lt"/>
-                <a:cs typeface="Calibri" panose="020F0502020204030204" pitchFamily="34" charset="0"/>
-              </a:rPr>
-              <a:t>1</a:t>
-            </a:r>
-            <a:r>
-              <a:rPr lang="it-IT" dirty="0" smtClean="0">
-                <a:effectLst>
-                  <a:outerShdw blurRad="38100" dist="38100" dir="2700000" algn="tl">
-                    <a:srgbClr val="000000">
-                      <a:alpha val="43137"/>
-                    </a:srgbClr>
-                  </a:outerShdw>
-                  <a:reflection blurRad="12700" stA="48000" endA="300" endPos="55000" dir="5400000" sy="-90000" algn="bl" rotWithShape="0"/>
-                </a:effectLst>
-                <a:latin typeface="+mn-lt"/>
-                <a:cs typeface="Calibri" panose="020F0502020204030204" pitchFamily="34" charset="0"/>
-              </a:rPr>
-              <a:t>.</a:t>
-            </a:r>
-            <a:endParaRPr lang="it-IT" dirty="0">
-              <a:effectLst>
-                <a:outerShdw blurRad="38100" dist="38100" dir="2700000" algn="tl">
-                  <a:srgbClr val="000000">
-                    <a:alpha val="43137"/>
-                  </a:srgbClr>
-                </a:outerShdw>
-                <a:reflection blurRad="12700" stA="48000" endA="300" endPos="55000" dir="5400000" sy="-90000" algn="bl" rotWithShape="0"/>
-              </a:effectLst>
-              <a:latin typeface="+mn-lt"/>
-              <a:cs typeface="Calibri" panose="020F0502020204030204" pitchFamily="34" charset="0"/>
-            </a:endParaRPr>
-          </a:p>
-        </p:txBody>
-      </p:sp>
-      <p:sp>
-        <p:nvSpPr>
-          <p:cNvPr id="9" name="Rectangle 2"/>
-          <p:cNvSpPr txBox="1">
-            <a:spLocks/>
-          </p:cNvSpPr>
-          <p:nvPr/>
-        </p:nvSpPr>
-        <p:spPr>
-          <a:xfrm>
-            <a:off x="173439" y="4067051"/>
-            <a:ext cx="393571" cy="418511"/>
-          </a:xfrm>
-          <a:prstGeom prst="rect">
-            <a:avLst/>
-          </a:prstGeom>
-        </p:spPr>
-        <p:txBody>
-          <a:bodyPr vert="horz" anchor="ctr">
-            <a:noAutofit/>
-          </a:bodyPr>
-          <a:lstStyle>
-            <a:lvl1pPr algn="l" rtl="0" eaLnBrk="1" latinLnBrk="0" hangingPunct="1">
-              <a:spcBef>
-                <a:spcPct val="0"/>
-              </a:spcBef>
-              <a:buNone/>
-              <a:defRPr kumimoji="0" sz="3600" kern="1200" cap="all" baseline="0">
-                <a:solidFill>
-                  <a:schemeClr val="tx2"/>
-                </a:solidFill>
-                <a:effectLst>
-                  <a:reflection blurRad="12700" stA="48000" endA="300" endPos="55000" dir="5400000" sy="-90000" algn="bl" rotWithShape="0"/>
-                </a:effectLst>
-                <a:latin typeface="+mj-lt"/>
-                <a:ea typeface="+mj-ea"/>
-                <a:cs typeface="+mj-cs"/>
-              </a:defRPr>
-            </a:lvl1pPr>
-          </a:lstStyle>
-          <a:p>
-            <a:r>
-              <a:rPr lang="it-IT" sz="1800" dirty="0" smtClean="0">
-                <a:effectLst>
-                  <a:outerShdw blurRad="38100" dist="38100" dir="2700000" algn="tl">
-                    <a:srgbClr val="000000">
-                      <a:alpha val="43137"/>
-                    </a:srgbClr>
-                  </a:outerShdw>
-                  <a:reflection blurRad="12700" stA="48000" endA="300" endPos="55000" dir="5400000" sy="-90000" algn="bl" rotWithShape="0"/>
-                </a:effectLst>
-                <a:latin typeface="+mn-lt"/>
-                <a:cs typeface="Calibri" panose="020F0502020204030204" pitchFamily="34" charset="0"/>
-              </a:rPr>
-              <a:t>2.</a:t>
-            </a:r>
-            <a:endParaRPr lang="it-IT" sz="1800" dirty="0">
-              <a:effectLst>
-                <a:outerShdw blurRad="38100" dist="38100" dir="2700000" algn="tl">
-                  <a:srgbClr val="000000">
-                    <a:alpha val="43137"/>
-                  </a:srgbClr>
-                </a:outerShdw>
-                <a:reflection blurRad="12700" stA="48000" endA="300" endPos="55000" dir="5400000" sy="-90000" algn="bl" rotWithShape="0"/>
-              </a:effectLst>
-              <a:latin typeface="+mn-lt"/>
-              <a:cs typeface="Calibri" panose="020F0502020204030204" pitchFamily="34" charset="0"/>
-            </a:endParaRPr>
-          </a:p>
-        </p:txBody>
-      </p:sp>
-    </p:spTree>
-    <p:extLst>
-      <p:ext uri="{BB962C8B-B14F-4D97-AF65-F5344CB8AC3E}">
-        <p14:creationId xmlns:p14="http://schemas.microsoft.com/office/powerpoint/2010/main" val="1830391285"/>
+        <p14:creationId xmlns:p14="http://schemas.microsoft.com/office/powerpoint/2010/main" val="2874036095"/>
       </p:ext>
     </p:extLst>
   </p:cSld>

--- a/Assignment n.4/presentazione.pptx
+++ b/Assignment n.4/presentazione.pptx
@@ -15,16 +15,17 @@
     <p:sldId id="263" r:id="rId9"/>
     <p:sldId id="275" r:id="rId10"/>
     <p:sldId id="276" r:id="rId11"/>
-    <p:sldId id="266" r:id="rId12"/>
-    <p:sldId id="277" r:id="rId13"/>
-    <p:sldId id="267" r:id="rId14"/>
-    <p:sldId id="268" r:id="rId15"/>
-    <p:sldId id="269" r:id="rId16"/>
-    <p:sldId id="270" r:id="rId17"/>
-    <p:sldId id="271" r:id="rId18"/>
-    <p:sldId id="272" r:id="rId19"/>
-    <p:sldId id="273" r:id="rId20"/>
-    <p:sldId id="274" r:id="rId21"/>
+    <p:sldId id="278" r:id="rId12"/>
+    <p:sldId id="266" r:id="rId13"/>
+    <p:sldId id="277" r:id="rId14"/>
+    <p:sldId id="267" r:id="rId15"/>
+    <p:sldId id="268" r:id="rId16"/>
+    <p:sldId id="269" r:id="rId17"/>
+    <p:sldId id="270" r:id="rId18"/>
+    <p:sldId id="271" r:id="rId19"/>
+    <p:sldId id="272" r:id="rId20"/>
+    <p:sldId id="273" r:id="rId21"/>
+    <p:sldId id="274" r:id="rId22"/>
   </p:sldIdLst>
   <p:sldSz cx="9144000" cy="6858000" type="screen4x3"/>
   <p:notesSz cx="6858000" cy="9144000"/>
@@ -125,7 +126,7 @@
   </p:defaultTextStyle>
   <p:extLst>
     <p:ext uri="{EFAFB233-063F-42B5-8137-9DF3F51BA10A}">
-      <p15:sldGuideLst xmlns:p15="http://schemas.microsoft.com/office/powerpoint/2012/main">
+      <p15:sldGuideLst xmlns:p15="http://schemas.microsoft.com/office/powerpoint/2012/main" xmlns="">
         <p15:guide id="1" orient="horz" pos="2160">
           <p15:clr>
             <a:srgbClr val="A4A3A4"/>
@@ -317,7 +318,7 @@
           <a:p>
             <a:fld id="{545163B1-4F0D-47B9-95E1-C3B778F3609B}" type="datetimeFigureOut">
               <a:rPr lang="it-IT" smtClean="0"/>
-              <a:t>05/02/2019</a:t>
+              <a:t>08/02/2019</a:t>
             </a:fld>
             <a:endParaRPr lang="it-IT" dirty="0"/>
           </a:p>
@@ -487,7 +488,7 @@
           <a:p>
             <a:fld id="{545163B1-4F0D-47B9-95E1-C3B778F3609B}" type="datetimeFigureOut">
               <a:rPr lang="it-IT" smtClean="0"/>
-              <a:t>05/02/2019</a:t>
+              <a:t>08/02/2019</a:t>
             </a:fld>
             <a:endParaRPr lang="it-IT" dirty="0"/>
           </a:p>
@@ -662,7 +663,7 @@
           <a:p>
             <a:fld id="{545163B1-4F0D-47B9-95E1-C3B778F3609B}" type="datetimeFigureOut">
               <a:rPr lang="it-IT" smtClean="0"/>
-              <a:t>05/02/2019</a:t>
+              <a:t>08/02/2019</a:t>
             </a:fld>
             <a:endParaRPr lang="it-IT" dirty="0"/>
           </a:p>
@@ -827,7 +828,7 @@
           <a:p>
             <a:fld id="{545163B1-4F0D-47B9-95E1-C3B778F3609B}" type="datetimeFigureOut">
               <a:rPr lang="it-IT" smtClean="0"/>
-              <a:t>05/02/2019</a:t>
+              <a:t>08/02/2019</a:t>
             </a:fld>
             <a:endParaRPr lang="it-IT" dirty="0"/>
           </a:p>
@@ -1056,7 +1057,7 @@
           <a:p>
             <a:fld id="{545163B1-4F0D-47B9-95E1-C3B778F3609B}" type="datetimeFigureOut">
               <a:rPr lang="it-IT" smtClean="0"/>
-              <a:t>05/02/2019</a:t>
+              <a:t>08/02/2019</a:t>
             </a:fld>
             <a:endParaRPr lang="it-IT" dirty="0"/>
           </a:p>
@@ -1352,7 +1353,7 @@
           <a:p>
             <a:fld id="{545163B1-4F0D-47B9-95E1-C3B778F3609B}" type="datetimeFigureOut">
               <a:rPr lang="it-IT" smtClean="0"/>
-              <a:t>05/02/2019</a:t>
+              <a:t>08/02/2019</a:t>
             </a:fld>
             <a:endParaRPr lang="it-IT" dirty="0"/>
           </a:p>
@@ -1736,7 +1737,7 @@
           <a:p>
             <a:fld id="{545163B1-4F0D-47B9-95E1-C3B778F3609B}" type="datetimeFigureOut">
               <a:rPr lang="it-IT" smtClean="0"/>
-              <a:t>05/02/2019</a:t>
+              <a:t>08/02/2019</a:t>
             </a:fld>
             <a:endParaRPr lang="it-IT" dirty="0"/>
           </a:p>
@@ -1909,7 +1910,7 @@
           <a:p>
             <a:fld id="{545163B1-4F0D-47B9-95E1-C3B778F3609B}" type="datetimeFigureOut">
               <a:rPr lang="it-IT" smtClean="0"/>
-              <a:t>05/02/2019</a:t>
+              <a:t>08/02/2019</a:t>
             </a:fld>
             <a:endParaRPr lang="it-IT" dirty="0"/>
           </a:p>
@@ -1999,7 +2000,7 @@
           <a:p>
             <a:fld id="{545163B1-4F0D-47B9-95E1-C3B778F3609B}" type="datetimeFigureOut">
               <a:rPr lang="it-IT" smtClean="0"/>
-              <a:t>05/02/2019</a:t>
+              <a:t>08/02/2019</a:t>
             </a:fld>
             <a:endParaRPr lang="it-IT" dirty="0"/>
           </a:p>
@@ -2294,7 +2295,7 @@
           <a:p>
             <a:fld id="{545163B1-4F0D-47B9-95E1-C3B778F3609B}" type="datetimeFigureOut">
               <a:rPr lang="it-IT" smtClean="0"/>
-              <a:t>05/02/2019</a:t>
+              <a:t>08/02/2019</a:t>
             </a:fld>
             <a:endParaRPr lang="it-IT" dirty="0"/>
           </a:p>
@@ -2428,7 +2429,7 @@
           <a:p>
             <a:fld id="{545163B1-4F0D-47B9-95E1-C3B778F3609B}" type="datetimeFigureOut">
               <a:rPr lang="it-IT" smtClean="0"/>
-              <a:t>05/02/2019</a:t>
+              <a:t>08/02/2019</a:t>
             </a:fld>
             <a:endParaRPr lang="it-IT" dirty="0"/>
           </a:p>
@@ -2731,7 +2732,7 @@
           <a:p>
             <a:fld id="{545163B1-4F0D-47B9-95E1-C3B778F3609B}" type="datetimeFigureOut">
               <a:rPr lang="it-IT" smtClean="0"/>
-              <a:t>05/02/2019</a:t>
+              <a:t>08/02/2019</a:t>
             </a:fld>
             <a:endParaRPr lang="it-IT" dirty="0"/>
           </a:p>
@@ -3698,21 +3699,21 @@
                 <a:gridCol w="2136136">
                   <a:extLst>
                     <a:ext uri="{9D8B030D-6E8A-4147-A177-3AD203B41FA5}">
-                      <a16:colId xmlns:a16="http://schemas.microsoft.com/office/drawing/2014/main" val="20000"/>
+                      <a16:colId xmlns:a16="http://schemas.microsoft.com/office/drawing/2014/main" xmlns="" val="20000"/>
                     </a:ext>
                   </a:extLst>
                 </a:gridCol>
                 <a:gridCol w="2534398">
                   <a:extLst>
                     <a:ext uri="{9D8B030D-6E8A-4147-A177-3AD203B41FA5}">
-                      <a16:colId xmlns:a16="http://schemas.microsoft.com/office/drawing/2014/main" val="20001"/>
+                      <a16:colId xmlns:a16="http://schemas.microsoft.com/office/drawing/2014/main" xmlns="" val="20001"/>
                     </a:ext>
                   </a:extLst>
                 </a:gridCol>
                 <a:gridCol w="1737874">
                   <a:extLst>
                     <a:ext uri="{9D8B030D-6E8A-4147-A177-3AD203B41FA5}">
-                      <a16:colId xmlns:a16="http://schemas.microsoft.com/office/drawing/2014/main" val="20002"/>
+                      <a16:colId xmlns:a16="http://schemas.microsoft.com/office/drawing/2014/main" xmlns="" val="20002"/>
                     </a:ext>
                   </a:extLst>
                 </a:gridCol>
@@ -3753,7 +3754,7 @@
                 </a:tc>
                 <a:extLst>
                   <a:ext uri="{0D108BD9-81ED-4DB2-BD59-A6C34878D82A}">
-                    <a16:rowId xmlns:a16="http://schemas.microsoft.com/office/drawing/2014/main" val="10000"/>
+                    <a16:rowId xmlns:a16="http://schemas.microsoft.com/office/drawing/2014/main" xmlns="" val="10000"/>
                   </a:ext>
                 </a:extLst>
               </a:tr>
@@ -3820,7 +3821,7 @@
                 </a:tc>
                 <a:extLst>
                   <a:ext uri="{0D108BD9-81ED-4DB2-BD59-A6C34878D82A}">
-                    <a16:rowId xmlns:a16="http://schemas.microsoft.com/office/drawing/2014/main" val="10001"/>
+                    <a16:rowId xmlns:a16="http://schemas.microsoft.com/office/drawing/2014/main" xmlns="" val="10001"/>
                   </a:ext>
                 </a:extLst>
               </a:tr>
@@ -3866,7 +3867,7 @@
                 </a:tc>
                 <a:extLst>
                   <a:ext uri="{0D108BD9-81ED-4DB2-BD59-A6C34878D82A}">
-                    <a16:rowId xmlns:a16="http://schemas.microsoft.com/office/drawing/2014/main" val="10002"/>
+                    <a16:rowId xmlns:a16="http://schemas.microsoft.com/office/drawing/2014/main" xmlns="" val="10002"/>
                   </a:ext>
                 </a:extLst>
               </a:tr>
@@ -3912,7 +3913,7 @@
                 </a:tc>
                 <a:extLst>
                   <a:ext uri="{0D108BD9-81ED-4DB2-BD59-A6C34878D82A}">
-                    <a16:rowId xmlns:a16="http://schemas.microsoft.com/office/drawing/2014/main" val="10003"/>
+                    <a16:rowId xmlns:a16="http://schemas.microsoft.com/office/drawing/2014/main" xmlns="" val="10003"/>
                   </a:ext>
                 </a:extLst>
               </a:tr>
@@ -3968,7 +3969,7 @@
                 </a:tc>
                 <a:extLst>
                   <a:ext uri="{0D108BD9-81ED-4DB2-BD59-A6C34878D82A}">
-                    <a16:rowId xmlns:a16="http://schemas.microsoft.com/office/drawing/2014/main" val="10004"/>
+                    <a16:rowId xmlns:a16="http://schemas.microsoft.com/office/drawing/2014/main" xmlns="" val="10004"/>
                   </a:ext>
                 </a:extLst>
               </a:tr>
@@ -4015,7 +4016,7 @@
                 </a:tc>
                 <a:extLst>
                   <a:ext uri="{0D108BD9-81ED-4DB2-BD59-A6C34878D82A}">
-                    <a16:rowId xmlns:a16="http://schemas.microsoft.com/office/drawing/2014/main" val="1014700042"/>
+                    <a16:rowId xmlns:a16="http://schemas.microsoft.com/office/drawing/2014/main" xmlns="" val="1014700042"/>
                   </a:ext>
                 </a:extLst>
               </a:tr>
@@ -4062,7 +4063,7 @@
                 </a:tc>
                 <a:extLst>
                   <a:ext uri="{0D108BD9-81ED-4DB2-BD59-A6C34878D82A}">
-                    <a16:rowId xmlns:a16="http://schemas.microsoft.com/office/drawing/2014/main" val="2008388912"/>
+                    <a16:rowId xmlns:a16="http://schemas.microsoft.com/office/drawing/2014/main" xmlns="" val="2008388912"/>
                   </a:ext>
                 </a:extLst>
               </a:tr>
@@ -4109,7 +4110,7 @@
                 </a:tc>
                 <a:extLst>
                   <a:ext uri="{0D108BD9-81ED-4DB2-BD59-A6C34878D82A}">
-                    <a16:rowId xmlns:a16="http://schemas.microsoft.com/office/drawing/2014/main" val="3286170515"/>
+                    <a16:rowId xmlns:a16="http://schemas.microsoft.com/office/drawing/2014/main" xmlns="" val="3286170515"/>
                   </a:ext>
                 </a:extLst>
               </a:tr>
@@ -4149,6 +4150,268 @@
       </p:grpSpPr>
       <p:sp>
         <p:nvSpPr>
+          <p:cNvPr id="2" name="Titolo 1"/>
+          <p:cNvSpPr>
+            <a:spLocks noGrp="1"/>
+          </p:cNvSpPr>
+          <p:nvPr>
+            <p:ph type="title"/>
+          </p:nvPr>
+        </p:nvSpPr>
+        <p:spPr/>
+        <p:txBody>
+          <a:bodyPr/>
+          <a:lstStyle/>
+          <a:p>
+            <a:r>
+              <a:rPr lang="it-IT" dirty="0" smtClean="0"/>
+              <a:t>scenario</a:t>
+            </a:r>
+            <a:endParaRPr lang="it-IT" dirty="0"/>
+          </a:p>
+        </p:txBody>
+      </p:sp>
+      <p:sp>
+        <p:nvSpPr>
+          <p:cNvPr id="3" name="Segnaposto contenuto 2"/>
+          <p:cNvSpPr>
+            <a:spLocks noGrp="1"/>
+          </p:cNvSpPr>
+          <p:nvPr>
+            <p:ph idx="1"/>
+          </p:nvPr>
+        </p:nvSpPr>
+        <p:spPr>
+          <a:xfrm>
+            <a:off x="395536" y="1556792"/>
+            <a:ext cx="8596064" cy="4523333"/>
+          </a:xfrm>
+        </p:spPr>
+        <p:txBody>
+          <a:bodyPr>
+            <a:normAutofit fontScale="92500" lnSpcReduction="10000"/>
+          </a:bodyPr>
+          <a:lstStyle/>
+          <a:p>
+            <a:pPr marL="0" indent="0">
+              <a:buNone/>
+            </a:pPr>
+            <a:r>
+              <a:rPr lang="it-IT" dirty="0">
+                <a:effectLst>
+                  <a:outerShdw blurRad="38100" dist="38100" dir="2700000" algn="tl">
+                    <a:srgbClr val="000000">
+                      <a:alpha val="43137"/>
+                    </a:srgbClr>
+                  </a:outerShdw>
+                </a:effectLst>
+              </a:rPr>
+              <a:t>Lucia è vittima di </a:t>
+            </a:r>
+            <a:r>
+              <a:rPr lang="it-IT" dirty="0" err="1">
+                <a:effectLst>
+                  <a:outerShdw blurRad="38100" dist="38100" dir="2700000" algn="tl">
+                    <a:srgbClr val="000000">
+                      <a:alpha val="43137"/>
+                    </a:srgbClr>
+                  </a:outerShdw>
+                </a:effectLst>
+              </a:rPr>
+              <a:t>cyberbullismo</a:t>
+            </a:r>
+            <a:r>
+              <a:rPr lang="it-IT" dirty="0">
+                <a:effectLst>
+                  <a:outerShdw blurRad="38100" dist="38100" dir="2700000" algn="tl">
+                    <a:srgbClr val="000000">
+                      <a:alpha val="43137"/>
+                    </a:srgbClr>
+                  </a:outerShdw>
+                </a:effectLst>
+              </a:rPr>
+              <a:t>, decide di condividere la propria storia e per fare ciò va sul sito </a:t>
+            </a:r>
+            <a:r>
+              <a:rPr lang="it-IT" dirty="0" err="1">
+                <a:effectLst>
+                  <a:outerShdw blurRad="38100" dist="38100" dir="2700000" algn="tl">
+                    <a:srgbClr val="000000">
+                      <a:alpha val="43137"/>
+                    </a:srgbClr>
+                  </a:outerShdw>
+                </a:effectLst>
+              </a:rPr>
+              <a:t>Bullyingless</a:t>
+            </a:r>
+            <a:r>
+              <a:rPr lang="it-IT" dirty="0">
+                <a:effectLst>
+                  <a:outerShdw blurRad="38100" dist="38100" dir="2700000" algn="tl">
+                    <a:srgbClr val="000000">
+                      <a:alpha val="43137"/>
+                    </a:srgbClr>
+                  </a:outerShdw>
+                </a:effectLst>
+              </a:rPr>
+              <a:t> </a:t>
+            </a:r>
+            <a:r>
+              <a:rPr lang="it-IT" dirty="0" smtClean="0">
+                <a:effectLst>
+                  <a:outerShdw blurRad="38100" dist="38100" dir="2700000" algn="tl">
+                    <a:srgbClr val="000000">
+                      <a:alpha val="43137"/>
+                    </a:srgbClr>
+                  </a:outerShdw>
+                </a:effectLst>
+              </a:rPr>
+              <a:t>e , dopo aver effettuato l’accesso, </a:t>
+            </a:r>
+            <a:r>
+              <a:rPr lang="it-IT" dirty="0">
+                <a:effectLst>
+                  <a:outerShdw blurRad="38100" dist="38100" dir="2700000" algn="tl">
+                    <a:srgbClr val="000000">
+                      <a:alpha val="43137"/>
+                    </a:srgbClr>
+                  </a:outerShdw>
+                </a:effectLst>
+              </a:rPr>
+              <a:t>clicca sul bottone “Aggiungi storia” presente </a:t>
+            </a:r>
+            <a:r>
+              <a:rPr lang="it-IT" dirty="0" smtClean="0">
+                <a:effectLst>
+                  <a:outerShdw blurRad="38100" dist="38100" dir="2700000" algn="tl">
+                    <a:srgbClr val="000000">
+                      <a:alpha val="43137"/>
+                    </a:srgbClr>
+                  </a:outerShdw>
+                </a:effectLst>
+              </a:rPr>
+              <a:t>nella sezione forum del sito.</a:t>
+            </a:r>
+            <a:endParaRPr lang="it-IT" sz="2400" dirty="0">
+              <a:effectLst>
+                <a:outerShdw blurRad="38100" dist="38100" dir="2700000" algn="tl">
+                  <a:srgbClr val="000000">
+                    <a:alpha val="43137"/>
+                  </a:srgbClr>
+                </a:outerShdw>
+              </a:effectLst>
+            </a:endParaRPr>
+          </a:p>
+          <a:p>
+            <a:pPr marL="0" indent="0">
+              <a:buNone/>
+            </a:pPr>
+            <a:r>
+              <a:rPr lang="it-IT" dirty="0" smtClean="0">
+                <a:effectLst>
+                  <a:outerShdw blurRad="38100" dist="38100" dir="2700000" algn="tl">
+                    <a:srgbClr val="000000">
+                      <a:alpha val="43137"/>
+                    </a:srgbClr>
+                  </a:outerShdw>
+                </a:effectLst>
+              </a:rPr>
+              <a:t>Lucia visualizzerà un’area di testo dove scrivere la sua storia.</a:t>
+            </a:r>
+            <a:endParaRPr lang="it-IT" sz="2400" dirty="0">
+              <a:effectLst>
+                <a:outerShdw blurRad="38100" dist="38100" dir="2700000" algn="tl">
+                  <a:srgbClr val="000000">
+                    <a:alpha val="43137"/>
+                  </a:srgbClr>
+                </a:outerShdw>
+              </a:effectLst>
+            </a:endParaRPr>
+          </a:p>
+          <a:p>
+            <a:pPr marL="0" indent="0">
+              <a:buNone/>
+            </a:pPr>
+            <a:r>
+              <a:rPr lang="it-IT" dirty="0" smtClean="0">
+                <a:effectLst>
+                  <a:outerShdw blurRad="38100" dist="38100" dir="2700000" algn="tl">
+                    <a:srgbClr val="000000">
+                      <a:alpha val="43137"/>
+                    </a:srgbClr>
+                  </a:outerShdw>
+                </a:effectLst>
+              </a:rPr>
+              <a:t>Confermando quanto fatto Lucia verrà reindirizzata alla </a:t>
+            </a:r>
+            <a:r>
+              <a:rPr lang="it-IT" dirty="0">
+                <a:effectLst>
+                  <a:outerShdw blurRad="38100" dist="38100" dir="2700000" algn="tl">
+                    <a:srgbClr val="000000">
+                      <a:alpha val="43137"/>
+                    </a:srgbClr>
+                  </a:outerShdw>
+                </a:effectLst>
+              </a:rPr>
+              <a:t>pagina delle storie con la nuova storia </a:t>
+            </a:r>
+            <a:r>
+              <a:rPr lang="it-IT" dirty="0" smtClean="0">
+                <a:effectLst>
+                  <a:outerShdw blurRad="38100" dist="38100" dir="2700000" algn="tl">
+                    <a:srgbClr val="000000">
+                      <a:alpha val="43137"/>
+                    </a:srgbClr>
+                  </a:outerShdw>
+                </a:effectLst>
+              </a:rPr>
+              <a:t>aggiunta.</a:t>
+            </a:r>
+            <a:endParaRPr lang="it-IT" sz="2400" dirty="0">
+              <a:effectLst>
+                <a:outerShdw blurRad="38100" dist="38100" dir="2700000" algn="tl">
+                  <a:srgbClr val="000000">
+                    <a:alpha val="43137"/>
+                  </a:srgbClr>
+                </a:outerShdw>
+              </a:effectLst>
+            </a:endParaRPr>
+          </a:p>
+        </p:txBody>
+      </p:sp>
+    </p:spTree>
+    <p:extLst>
+      <p:ext uri="{BB962C8B-B14F-4D97-AF65-F5344CB8AC3E}">
+        <p14:creationId xmlns:p14="http://schemas.microsoft.com/office/powerpoint/2010/main" val="584659750"/>
+      </p:ext>
+    </p:extLst>
+  </p:cSld>
+  <p:clrMapOvr>
+    <a:masterClrMapping/>
+  </p:clrMapOvr>
+</p:sld>
+</file>
+
+<file path=ppt/slides/slide12.xml><?xml version="1.0" encoding="utf-8"?>
+<p:sld xmlns:a="http://schemas.openxmlformats.org/drawingml/2006/main" xmlns:r="http://schemas.openxmlformats.org/officeDocument/2006/relationships" xmlns:p="http://schemas.openxmlformats.org/presentationml/2006/main">
+  <p:cSld>
+    <p:spTree>
+      <p:nvGrpSpPr>
+        <p:cNvPr id="1" name=""/>
+        <p:cNvGrpSpPr/>
+        <p:nvPr/>
+      </p:nvGrpSpPr>
+      <p:grpSpPr>
+        <a:xfrm>
+          <a:off x="0" y="0"/>
+          <a:ext cx="0" cy="0"/>
+          <a:chOff x="0" y="0"/>
+          <a:chExt cx="0" cy="0"/>
+        </a:xfrm>
+      </p:grpSpPr>
+      <p:sp>
+        <p:nvSpPr>
           <p:cNvPr id="4" name="Rectangle 2"/>
           <p:cNvSpPr>
             <a:spLocks noGrp="1"/>
@@ -4222,42 +4485,6 @@
       </p:pic>
       <p:sp>
         <p:nvSpPr>
-          <p:cNvPr id="6" name="Rettangolo 5"/>
-          <p:cNvSpPr/>
-          <p:nvPr/>
-        </p:nvSpPr>
-        <p:spPr>
-          <a:xfrm>
-            <a:off x="5220072" y="1484785"/>
-            <a:ext cx="4104456" cy="2031325"/>
-          </a:xfrm>
-          <a:prstGeom prst="rect">
-            <a:avLst/>
-          </a:prstGeom>
-        </p:spPr>
-        <p:txBody>
-          <a:bodyPr wrap="square">
-            <a:spAutoFit/>
-          </a:bodyPr>
-          <a:lstStyle/>
-          <a:p>
-            <a:r>
-              <a:rPr lang="it-IT" dirty="0">
-                <a:effectLst>
-                  <a:outerShdw blurRad="38100" dist="38100" dir="2700000" algn="tl">
-                    <a:srgbClr val="000000">
-                      <a:alpha val="43137"/>
-                    </a:srgbClr>
-                  </a:outerShdw>
-                </a:effectLst>
-              </a:rPr>
-              <a:t>Il sito indicato supporta due lingue (inglese e spagnolo) il che può essere utile per coinvolgere un maggior numero di utenti, nel nostro caso utilizzeremo l’italiano come lingua principale ed in un secondo momento potremmo aggiungere la lingua inglese.</a:t>
-            </a:r>
-          </a:p>
-        </p:txBody>
-      </p:sp>
-      <p:sp>
-        <p:nvSpPr>
           <p:cNvPr id="8" name="Rettangolo 7"/>
           <p:cNvSpPr/>
           <p:nvPr/>
@@ -4287,8 +4514,407 @@
                   </a:outerShdw>
                 </a:effectLst>
               </a:rPr>
-              <a:t>Il sito ha una sezione “blog” dove sono presenti gli articoli pubblicati unicamente dall’autore della pagina, useremo anche noi questa sezione ma la amplieremo pubblicando articoli scritti dalle vittime, genitori delle vittime o qualsiasi persona che vuole raccontare una storia inerente il bullismo, registrandosi tramite un email e un nickname.</a:t>
-            </a:r>
+              <a:t>Il sito ha una sezione “blog” dove sono presenti gli articoli pubblicati unicamente dall’autore della pagina, useremo anche noi questa sezione ma la amplieremo pubblicando articoli scritti dalle vittime, genitori delle vittime o qualsiasi persona che vuole raccontare una storia inerente il bullismo, registrandosi tramite un email e un nickname</a:t>
+            </a:r>
+            <a:r>
+              <a:rPr lang="it-IT" dirty="0" smtClean="0">
+                <a:effectLst>
+                  <a:outerShdw blurRad="38100" dist="38100" dir="2700000" algn="tl">
+                    <a:srgbClr val="000000">
+                      <a:alpha val="43137"/>
+                    </a:srgbClr>
+                  </a:outerShdw>
+                </a:effectLst>
+              </a:rPr>
+              <a:t>.</a:t>
+            </a:r>
+            <a:r>
+              <a:rPr lang="it-IT" dirty="0"/>
+              <a:t> </a:t>
+            </a:r>
+            <a:endParaRPr lang="it-IT" dirty="0">
+              <a:effectLst>
+                <a:outerShdw blurRad="38100" dist="38100" dir="2700000" algn="tl">
+                  <a:srgbClr val="000000">
+                    <a:alpha val="43137"/>
+                  </a:srgbClr>
+                </a:outerShdw>
+              </a:effectLst>
+            </a:endParaRPr>
+          </a:p>
+        </p:txBody>
+      </p:sp>
+      <p:sp>
+        <p:nvSpPr>
+          <p:cNvPr id="2" name="Rettangolo 1"/>
+          <p:cNvSpPr/>
+          <p:nvPr/>
+        </p:nvSpPr>
+        <p:spPr>
+          <a:xfrm>
+            <a:off x="5364088" y="1416221"/>
+            <a:ext cx="3672408" cy="1754326"/>
+          </a:xfrm>
+          <a:prstGeom prst="rect">
+            <a:avLst/>
+          </a:prstGeom>
+        </p:spPr>
+        <p:txBody>
+          <a:bodyPr wrap="square">
+            <a:spAutoFit/>
+          </a:bodyPr>
+          <a:lstStyle/>
+          <a:p>
+            <a:r>
+              <a:rPr lang="it-IT" dirty="0">
+                <a:solidFill>
+                  <a:srgbClr val="00B050"/>
+                </a:solidFill>
+                <a:effectLst>
+                  <a:outerShdw blurRad="38100" dist="38100" dir="2700000" algn="tl">
+                    <a:srgbClr val="000000">
+                      <a:alpha val="43137"/>
+                    </a:srgbClr>
+                  </a:outerShdw>
+                </a:effectLst>
+              </a:rPr>
+              <a:t>Pro:</a:t>
+            </a:r>
+          </a:p>
+          <a:p>
+            <a:pPr lvl="0"/>
+            <a:r>
+              <a:rPr lang="it-IT" dirty="0">
+                <a:latin typeface="Calibri"/>
+                <a:cs typeface="Calibri"/>
+              </a:rPr>
+              <a:t>• </a:t>
+            </a:r>
+            <a:r>
+              <a:rPr lang="it-IT" dirty="0" smtClean="0">
+                <a:effectLst>
+                  <a:outerShdw blurRad="38100" dist="38100" dir="2700000" algn="tl">
+                    <a:srgbClr val="000000">
+                      <a:alpha val="43137"/>
+                    </a:srgbClr>
+                  </a:outerShdw>
+                </a:effectLst>
+              </a:rPr>
+              <a:t>Utilizzo </a:t>
+            </a:r>
+            <a:r>
+              <a:rPr lang="it-IT" dirty="0">
+                <a:effectLst>
+                  <a:outerShdw blurRad="38100" dist="38100" dir="2700000" algn="tl">
+                    <a:srgbClr val="000000">
+                      <a:alpha val="43137"/>
+                    </a:srgbClr>
+                  </a:outerShdw>
+                </a:effectLst>
+              </a:rPr>
+              <a:t>di </a:t>
+            </a:r>
+            <a:r>
+              <a:rPr lang="it-IT" dirty="0" err="1" smtClean="0">
+                <a:effectLst>
+                  <a:outerShdw blurRad="38100" dist="38100" dir="2700000" algn="tl">
+                    <a:srgbClr val="000000">
+                      <a:alpha val="43137"/>
+                    </a:srgbClr>
+                  </a:outerShdw>
+                </a:effectLst>
+              </a:rPr>
+              <a:t>tag</a:t>
+            </a:r>
+            <a:r>
+              <a:rPr lang="it-IT" dirty="0" smtClean="0">
+                <a:effectLst>
+                  <a:outerShdw blurRad="38100" dist="38100" dir="2700000" algn="tl">
+                    <a:srgbClr val="000000">
+                      <a:alpha val="43137"/>
+                    </a:srgbClr>
+                  </a:outerShdw>
+                </a:effectLst>
+              </a:rPr>
+              <a:t>;</a:t>
+            </a:r>
+            <a:endParaRPr lang="it-IT" dirty="0">
+              <a:effectLst>
+                <a:outerShdw blurRad="38100" dist="38100" dir="2700000" algn="tl">
+                  <a:srgbClr val="000000">
+                    <a:alpha val="43137"/>
+                  </a:srgbClr>
+                </a:outerShdw>
+              </a:effectLst>
+            </a:endParaRPr>
+          </a:p>
+          <a:p>
+            <a:pPr lvl="0"/>
+            <a:r>
+              <a:rPr lang="it-IT" dirty="0">
+                <a:latin typeface="Calibri"/>
+                <a:cs typeface="Calibri"/>
+              </a:rPr>
+              <a:t>• </a:t>
+            </a:r>
+            <a:r>
+              <a:rPr lang="it-IT" dirty="0" smtClean="0">
+                <a:effectLst>
+                  <a:outerShdw blurRad="38100" dist="38100" dir="2700000" algn="tl">
+                    <a:srgbClr val="000000">
+                      <a:alpha val="43137"/>
+                    </a:srgbClr>
+                  </a:outerShdw>
+                </a:effectLst>
+              </a:rPr>
+              <a:t>Articoli </a:t>
+            </a:r>
+            <a:r>
+              <a:rPr lang="it-IT" dirty="0">
+                <a:effectLst>
+                  <a:outerShdw blurRad="38100" dist="38100" dir="2700000" algn="tl">
+                    <a:srgbClr val="000000">
+                      <a:alpha val="43137"/>
+                    </a:srgbClr>
+                  </a:outerShdw>
+                </a:effectLst>
+              </a:rPr>
+              <a:t>di </a:t>
+            </a:r>
+            <a:r>
+              <a:rPr lang="it-IT" dirty="0" smtClean="0">
+                <a:effectLst>
+                  <a:outerShdw blurRad="38100" dist="38100" dir="2700000" algn="tl">
+                    <a:srgbClr val="000000">
+                      <a:alpha val="43137"/>
+                    </a:srgbClr>
+                  </a:outerShdw>
+                </a:effectLst>
+              </a:rPr>
+              <a:t>informazione;</a:t>
+            </a:r>
+            <a:endParaRPr lang="it-IT" dirty="0">
+              <a:effectLst>
+                <a:outerShdw blurRad="38100" dist="38100" dir="2700000" algn="tl">
+                  <a:srgbClr val="000000">
+                    <a:alpha val="43137"/>
+                  </a:srgbClr>
+                </a:outerShdw>
+              </a:effectLst>
+            </a:endParaRPr>
+          </a:p>
+          <a:p>
+            <a:pPr lvl="0"/>
+            <a:r>
+              <a:rPr lang="it-IT" dirty="0">
+                <a:latin typeface="Calibri"/>
+                <a:cs typeface="Calibri"/>
+              </a:rPr>
+              <a:t>• </a:t>
+            </a:r>
+            <a:r>
+              <a:rPr lang="it-IT" dirty="0" smtClean="0">
+                <a:effectLst>
+                  <a:outerShdw blurRad="38100" dist="38100" dir="2700000" algn="tl">
+                    <a:srgbClr val="000000">
+                      <a:alpha val="43137"/>
+                    </a:srgbClr>
+                  </a:outerShdw>
+                </a:effectLst>
+              </a:rPr>
+              <a:t>Facile </a:t>
+            </a:r>
+            <a:r>
+              <a:rPr lang="it-IT" dirty="0">
+                <a:effectLst>
+                  <a:outerShdw blurRad="38100" dist="38100" dir="2700000" algn="tl">
+                    <a:srgbClr val="000000">
+                      <a:alpha val="43137"/>
+                    </a:srgbClr>
+                  </a:outerShdw>
+                </a:effectLst>
+              </a:rPr>
+              <a:t>ed </a:t>
+            </a:r>
+            <a:r>
+              <a:rPr lang="it-IT" dirty="0" smtClean="0">
+                <a:effectLst>
+                  <a:outerShdw blurRad="38100" dist="38100" dir="2700000" algn="tl">
+                    <a:srgbClr val="000000">
+                      <a:alpha val="43137"/>
+                    </a:srgbClr>
+                  </a:outerShdw>
+                </a:effectLst>
+              </a:rPr>
+              <a:t>intuitivo;</a:t>
+            </a:r>
+            <a:endParaRPr lang="it-IT" dirty="0">
+              <a:effectLst>
+                <a:outerShdw blurRad="38100" dist="38100" dir="2700000" algn="tl">
+                  <a:srgbClr val="000000">
+                    <a:alpha val="43137"/>
+                  </a:srgbClr>
+                </a:outerShdw>
+              </a:effectLst>
+            </a:endParaRPr>
+          </a:p>
+          <a:p>
+            <a:pPr lvl="0"/>
+            <a:r>
+              <a:rPr lang="it-IT" dirty="0">
+                <a:latin typeface="Calibri"/>
+                <a:cs typeface="Calibri"/>
+              </a:rPr>
+              <a:t>• </a:t>
+            </a:r>
+            <a:r>
+              <a:rPr lang="it-IT" dirty="0" smtClean="0">
+                <a:effectLst>
+                  <a:outerShdw blurRad="38100" dist="38100" dir="2700000" algn="tl">
+                    <a:srgbClr val="000000">
+                      <a:alpha val="43137"/>
+                    </a:srgbClr>
+                  </a:outerShdw>
+                </a:effectLst>
+              </a:rPr>
+              <a:t>Sito </a:t>
+            </a:r>
+            <a:r>
+              <a:rPr lang="it-IT" dirty="0">
+                <a:effectLst>
+                  <a:outerShdw blurRad="38100" dist="38100" dir="2700000" algn="tl">
+                    <a:srgbClr val="000000">
+                      <a:alpha val="43137"/>
+                    </a:srgbClr>
+                  </a:outerShdw>
+                </a:effectLst>
+              </a:rPr>
+              <a:t>disponibile in più </a:t>
+            </a:r>
+            <a:r>
+              <a:rPr lang="it-IT" dirty="0" smtClean="0">
+                <a:effectLst>
+                  <a:outerShdw blurRad="38100" dist="38100" dir="2700000" algn="tl">
+                    <a:srgbClr val="000000">
+                      <a:alpha val="43137"/>
+                    </a:srgbClr>
+                  </a:outerShdw>
+                </a:effectLst>
+              </a:rPr>
+              <a:t>lingue.</a:t>
+            </a:r>
+            <a:endParaRPr lang="it-IT" dirty="0">
+              <a:effectLst>
+                <a:outerShdw blurRad="38100" dist="38100" dir="2700000" algn="tl">
+                  <a:srgbClr val="000000">
+                    <a:alpha val="43137"/>
+                  </a:srgbClr>
+                </a:outerShdw>
+              </a:effectLst>
+            </a:endParaRPr>
+          </a:p>
+          <a:p>
+            <a:endParaRPr lang="it-IT" dirty="0">
+              <a:effectLst>
+                <a:outerShdw blurRad="38100" dist="38100" dir="2700000" algn="tl">
+                  <a:srgbClr val="000000">
+                    <a:alpha val="43137"/>
+                  </a:srgbClr>
+                </a:outerShdw>
+              </a:effectLst>
+            </a:endParaRPr>
+          </a:p>
+        </p:txBody>
+      </p:sp>
+      <p:sp>
+        <p:nvSpPr>
+          <p:cNvPr id="3" name="Rettangolo 2"/>
+          <p:cNvSpPr/>
+          <p:nvPr/>
+        </p:nvSpPr>
+        <p:spPr>
+          <a:xfrm>
+            <a:off x="5353111" y="2831182"/>
+            <a:ext cx="3877105" cy="1477328"/>
+          </a:xfrm>
+          <a:prstGeom prst="rect">
+            <a:avLst/>
+          </a:prstGeom>
+        </p:spPr>
+        <p:txBody>
+          <a:bodyPr wrap="square">
+            <a:spAutoFit/>
+          </a:bodyPr>
+          <a:lstStyle/>
+          <a:p>
+            <a:r>
+              <a:rPr lang="it-IT" dirty="0">
+                <a:solidFill>
+                  <a:srgbClr val="FF0000"/>
+                </a:solidFill>
+                <a:effectLst>
+                  <a:outerShdw blurRad="38100" dist="38100" dir="2700000" algn="tl">
+                    <a:srgbClr val="000000">
+                      <a:alpha val="43137"/>
+                    </a:srgbClr>
+                  </a:outerShdw>
+                </a:effectLst>
+              </a:rPr>
+              <a:t>Contro:</a:t>
+            </a:r>
+          </a:p>
+          <a:p>
+            <a:pPr lvl="0"/>
+            <a:r>
+              <a:rPr lang="it-IT" dirty="0">
+                <a:latin typeface="Calibri"/>
+                <a:cs typeface="Calibri"/>
+              </a:rPr>
+              <a:t>• </a:t>
+            </a:r>
+            <a:r>
+              <a:rPr lang="it-IT" dirty="0">
+                <a:effectLst>
+                  <a:outerShdw blurRad="38100" dist="38100" dir="2700000" algn="tl">
+                    <a:srgbClr val="000000">
+                      <a:alpha val="43137"/>
+                    </a:srgbClr>
+                  </a:outerShdw>
+                </a:effectLst>
+              </a:rPr>
+              <a:t>Non è possibile condividere la propria storia;</a:t>
+            </a:r>
+          </a:p>
+          <a:p>
+            <a:pPr lvl="0"/>
+            <a:r>
+              <a:rPr lang="it-IT" dirty="0">
+                <a:latin typeface="Calibri"/>
+                <a:cs typeface="Calibri"/>
+              </a:rPr>
+              <a:t>• </a:t>
+            </a:r>
+            <a:r>
+              <a:rPr lang="it-IT" dirty="0">
+                <a:effectLst>
+                  <a:outerShdw blurRad="38100" dist="38100" dir="2700000" algn="tl">
+                    <a:srgbClr val="000000">
+                      <a:alpha val="43137"/>
+                    </a:srgbClr>
+                  </a:outerShdw>
+                </a:effectLst>
+              </a:rPr>
+              <a:t>Pochi collegamenti ai social con scarsa visibilità.</a:t>
+            </a:r>
+            <a:endParaRPr lang="it-IT" dirty="0">
+              <a:effectLst>
+                <a:outerShdw blurRad="38100" dist="38100" dir="2700000" algn="tl">
+                  <a:srgbClr val="000000">
+                    <a:alpha val="43137"/>
+                  </a:srgbClr>
+                </a:outerShdw>
+              </a:effectLst>
+            </a:endParaRPr>
           </a:p>
         </p:txBody>
       </p:sp>
@@ -4305,7 +4931,7 @@
 </p:sld>
 </file>
 
-<file path=ppt/slides/slide12.xml><?xml version="1.0" encoding="utf-8"?>
+<file path=ppt/slides/slide13.xml><?xml version="1.0" encoding="utf-8"?>
 <p:sld xmlns:a="http://schemas.openxmlformats.org/drawingml/2006/main" xmlns:r="http://schemas.openxmlformats.org/officeDocument/2006/relationships" xmlns:p="http://schemas.openxmlformats.org/presentationml/2006/main">
   <p:cSld>
     <p:spTree>
@@ -4327,7 +4953,7 @@
           <p:cNvPr id="2" name="Titolo 1">
             <a:extLst>
               <a:ext uri="{FF2B5EF4-FFF2-40B4-BE49-F238E27FC236}">
-                <a16:creationId xmlns:a16="http://schemas.microsoft.com/office/drawing/2014/main" id="{68B96A78-96D6-4088-B0D6-159A7B045ED9}"/>
+                <a16:creationId xmlns:a16="http://schemas.microsoft.com/office/drawing/2014/main" xmlns="" id="{68B96A78-96D6-4088-B0D6-159A7B045ED9}"/>
               </a:ext>
             </a:extLst>
           </p:cNvPr>
@@ -4357,7 +4983,7 @@
           <p:cNvPr id="4" name="Segnaposto contenuto 3">
             <a:extLst>
               <a:ext uri="{FF2B5EF4-FFF2-40B4-BE49-F238E27FC236}">
-                <a16:creationId xmlns:a16="http://schemas.microsoft.com/office/drawing/2014/main" id="{DB5AB712-AB58-4F64-90E0-021CABF2ED7B}"/>
+                <a16:creationId xmlns:a16="http://schemas.microsoft.com/office/drawing/2014/main" xmlns="" id="{DB5AB712-AB58-4F64-90E0-021CABF2ED7B}"/>
               </a:ext>
             </a:extLst>
           </p:cNvPr>
@@ -4395,7 +5021,7 @@
           <p:cNvPr id="6" name="Rettangolo 5">
             <a:extLst>
               <a:ext uri="{FF2B5EF4-FFF2-40B4-BE49-F238E27FC236}">
-                <a16:creationId xmlns:a16="http://schemas.microsoft.com/office/drawing/2014/main" id="{BF5EDEDA-9F8B-4B45-8802-32CCA6EF33DF}"/>
+                <a16:creationId xmlns:a16="http://schemas.microsoft.com/office/drawing/2014/main" xmlns="" id="{BF5EDEDA-9F8B-4B45-8802-32CCA6EF33DF}"/>
               </a:ext>
             </a:extLst>
           </p:cNvPr>
@@ -4465,7 +5091,7 @@
           <p:cNvPr id="7" name="Rettangolo 6">
             <a:extLst>
               <a:ext uri="{FF2B5EF4-FFF2-40B4-BE49-F238E27FC236}">
-                <a16:creationId xmlns:a16="http://schemas.microsoft.com/office/drawing/2014/main" id="{BDFE2C83-CB2E-4C1A-9E1B-907597C28C0A}"/>
+                <a16:creationId xmlns:a16="http://schemas.microsoft.com/office/drawing/2014/main" xmlns="" id="{BDFE2C83-CB2E-4C1A-9E1B-907597C28C0A}"/>
               </a:ext>
             </a:extLst>
           </p:cNvPr>
@@ -4499,6 +5125,211 @@
               </a:rPr>
               <a:t>Anche noi prenderemo spunto da questa suddivisione in categorie per offrire un aiuto mirato unicamente agli utenti interessati.</a:t>
             </a:r>
+          </a:p>
+        </p:txBody>
+      </p:sp>
+      <p:sp>
+        <p:nvSpPr>
+          <p:cNvPr id="3" name="Rettangolo 2"/>
+          <p:cNvSpPr/>
+          <p:nvPr/>
+        </p:nvSpPr>
+        <p:spPr>
+          <a:xfrm>
+            <a:off x="323528" y="5000365"/>
+            <a:ext cx="4248472" cy="1477328"/>
+          </a:xfrm>
+          <a:prstGeom prst="rect">
+            <a:avLst/>
+          </a:prstGeom>
+          <a:ln>
+            <a:solidFill>
+              <a:srgbClr val="00B050"/>
+            </a:solidFill>
+          </a:ln>
+        </p:spPr>
+        <p:txBody>
+          <a:bodyPr wrap="square">
+            <a:spAutoFit/>
+          </a:bodyPr>
+          <a:lstStyle/>
+          <a:p>
+            <a:r>
+              <a:rPr lang="it-IT" dirty="0">
+                <a:solidFill>
+                  <a:srgbClr val="00B050"/>
+                </a:solidFill>
+              </a:rPr>
+              <a:t>Pro</a:t>
+            </a:r>
+            <a:r>
+              <a:rPr lang="it-IT" dirty="0"/>
+              <a:t>:</a:t>
+            </a:r>
+          </a:p>
+          <a:p>
+            <a:pPr lvl="0"/>
+            <a:r>
+              <a:rPr lang="it-IT" dirty="0" smtClean="0">
+                <a:latin typeface="Calibri"/>
+                <a:cs typeface="Calibri"/>
+              </a:rPr>
+              <a:t>• </a:t>
+            </a:r>
+            <a:r>
+              <a:rPr lang="it-IT" dirty="0" smtClean="0"/>
+              <a:t>Ricca informazione; </a:t>
+            </a:r>
+            <a:endParaRPr lang="it-IT" dirty="0"/>
+          </a:p>
+          <a:p>
+            <a:pPr lvl="0"/>
+            <a:r>
+              <a:rPr lang="it-IT" dirty="0">
+                <a:latin typeface="Calibri"/>
+                <a:cs typeface="Calibri"/>
+              </a:rPr>
+              <a:t>• </a:t>
+            </a:r>
+            <a:r>
+              <a:rPr lang="it-IT" dirty="0" smtClean="0"/>
+              <a:t>Sezione </a:t>
+            </a:r>
+            <a:r>
+              <a:rPr lang="it-IT" dirty="0"/>
+              <a:t>dedicata ad ogni </a:t>
+            </a:r>
+            <a:r>
+              <a:rPr lang="it-IT" dirty="0" smtClean="0"/>
+              <a:t>utente;</a:t>
+            </a:r>
+            <a:endParaRPr lang="it-IT" dirty="0"/>
+          </a:p>
+          <a:p>
+            <a:pPr lvl="0"/>
+            <a:r>
+              <a:rPr lang="it-IT" dirty="0">
+                <a:latin typeface="Calibri"/>
+                <a:cs typeface="Calibri"/>
+              </a:rPr>
+              <a:t>• </a:t>
+            </a:r>
+            <a:r>
+              <a:rPr lang="it-IT" dirty="0" smtClean="0"/>
+              <a:t>Utilizzo </a:t>
+            </a:r>
+            <a:r>
+              <a:rPr lang="it-IT" dirty="0"/>
+              <a:t>di </a:t>
+            </a:r>
+            <a:r>
+              <a:rPr lang="it-IT" dirty="0" smtClean="0"/>
+              <a:t>antropomorfismo;</a:t>
+            </a:r>
+            <a:endParaRPr lang="it-IT" dirty="0"/>
+          </a:p>
+          <a:p>
+            <a:pPr lvl="0"/>
+            <a:r>
+              <a:rPr lang="it-IT" dirty="0">
+                <a:latin typeface="Calibri"/>
+                <a:cs typeface="Calibri"/>
+              </a:rPr>
+              <a:t>• </a:t>
+            </a:r>
+            <a:r>
+              <a:rPr lang="it-IT" dirty="0" smtClean="0"/>
+              <a:t>Possibilità </a:t>
+            </a:r>
+            <a:r>
+              <a:rPr lang="it-IT" dirty="0"/>
+              <a:t>di segnalazione </a:t>
+            </a:r>
+            <a:r>
+              <a:rPr lang="it-IT" dirty="0" smtClean="0"/>
+              <a:t>immediata.</a:t>
+            </a:r>
+            <a:endParaRPr lang="it-IT" dirty="0"/>
+          </a:p>
+        </p:txBody>
+      </p:sp>
+      <p:sp>
+        <p:nvSpPr>
+          <p:cNvPr id="5" name="Rettangolo 4"/>
+          <p:cNvSpPr/>
+          <p:nvPr/>
+        </p:nvSpPr>
+        <p:spPr>
+          <a:xfrm>
+            <a:off x="4771084" y="5000365"/>
+            <a:ext cx="4193404" cy="923330"/>
+          </a:xfrm>
+          <a:prstGeom prst="rect">
+            <a:avLst/>
+          </a:prstGeom>
+          <a:noFill/>
+          <a:ln>
+            <a:solidFill>
+              <a:srgbClr val="FF0000"/>
+            </a:solidFill>
+          </a:ln>
+        </p:spPr>
+        <p:txBody>
+          <a:bodyPr wrap="square">
+            <a:spAutoFit/>
+          </a:bodyPr>
+          <a:lstStyle/>
+          <a:p>
+            <a:r>
+              <a:rPr lang="it-IT" dirty="0">
+                <a:solidFill>
+                  <a:srgbClr val="FF0000"/>
+                </a:solidFill>
+              </a:rPr>
+              <a:t>Contro</a:t>
+            </a:r>
+            <a:r>
+              <a:rPr lang="it-IT" dirty="0"/>
+              <a:t>:</a:t>
+            </a:r>
+          </a:p>
+          <a:p>
+            <a:pPr lvl="0"/>
+            <a:r>
+              <a:rPr lang="it-IT" dirty="0">
+                <a:latin typeface="Calibri"/>
+                <a:cs typeface="Calibri"/>
+              </a:rPr>
+              <a:t>• </a:t>
+            </a:r>
+            <a:r>
+              <a:rPr lang="it-IT" dirty="0" smtClean="0"/>
+              <a:t>Home dispersiva;</a:t>
+            </a:r>
+            <a:endParaRPr lang="it-IT" dirty="0"/>
+          </a:p>
+          <a:p>
+            <a:pPr lvl="0"/>
+            <a:r>
+              <a:rPr lang="it-IT" dirty="0">
+                <a:latin typeface="Calibri"/>
+                <a:cs typeface="Calibri"/>
+              </a:rPr>
+              <a:t>• </a:t>
+            </a:r>
+            <a:r>
+              <a:rPr lang="it-IT" dirty="0" smtClean="0"/>
+              <a:t>Categorizzazione </a:t>
+            </a:r>
+            <a:r>
+              <a:rPr lang="it-IT" dirty="0"/>
+              <a:t>non del tutto </a:t>
+            </a:r>
+            <a:r>
+              <a:rPr lang="it-IT" dirty="0" smtClean="0"/>
+              <a:t>chiara.</a:t>
+            </a:r>
+            <a:endParaRPr lang="it-IT" dirty="0"/>
           </a:p>
         </p:txBody>
       </p:sp>
@@ -4515,7 +5346,7 @@
 </p:sld>
 </file>
 
-<file path=ppt/slides/slide13.xml><?xml version="1.0" encoding="utf-8"?>
+<file path=ppt/slides/slide14.xml><?xml version="1.0" encoding="utf-8"?>
 <p:sld xmlns:a="http://schemas.openxmlformats.org/drawingml/2006/main" xmlns:r="http://schemas.openxmlformats.org/officeDocument/2006/relationships" xmlns:p="http://schemas.openxmlformats.org/presentationml/2006/main">
   <p:cSld>
     <p:spTree>
@@ -4744,7 +5575,7 @@
 </p:sld>
 </file>
 
-<file path=ppt/slides/slide14.xml><?xml version="1.0" encoding="utf-8"?>
+<file path=ppt/slides/slide15.xml><?xml version="1.0" encoding="utf-8"?>
 <p:sld xmlns:a="http://schemas.openxmlformats.org/drawingml/2006/main" xmlns:r="http://schemas.openxmlformats.org/officeDocument/2006/relationships" xmlns:p="http://schemas.openxmlformats.org/presentationml/2006/main">
   <p:cSld>
     <p:spTree>
@@ -5249,7 +6080,7 @@
 </p:sld>
 </file>
 
-<file path=ppt/slides/slide15.xml><?xml version="1.0" encoding="utf-8"?>
+<file path=ppt/slides/slide16.xml><?xml version="1.0" encoding="utf-8"?>
 <p:sld xmlns:a="http://schemas.openxmlformats.org/drawingml/2006/main" xmlns:r="http://schemas.openxmlformats.org/officeDocument/2006/relationships" xmlns:p="http://schemas.openxmlformats.org/presentationml/2006/main">
   <p:cSld>
     <p:spTree>
@@ -5462,7 +6293,7 @@
 </p:sld>
 </file>
 
-<file path=ppt/slides/slide16.xml><?xml version="1.0" encoding="utf-8"?>
+<file path=ppt/slides/slide17.xml><?xml version="1.0" encoding="utf-8"?>
 <p:sld xmlns:a="http://schemas.openxmlformats.org/drawingml/2006/main" xmlns:r="http://schemas.openxmlformats.org/officeDocument/2006/relationships" xmlns:p="http://schemas.openxmlformats.org/presentationml/2006/main">
   <p:cSld>
     <p:spTree>
@@ -5703,7 +6534,7 @@
 </p:sld>
 </file>
 
-<file path=ppt/slides/slide17.xml><?xml version="1.0" encoding="utf-8"?>
+<file path=ppt/slides/slide18.xml><?xml version="1.0" encoding="utf-8"?>
 <p:sld xmlns:a="http://schemas.openxmlformats.org/drawingml/2006/main" xmlns:r="http://schemas.openxmlformats.org/officeDocument/2006/relationships" xmlns:p="http://schemas.openxmlformats.org/presentationml/2006/main">
   <p:cSld>
     <p:spTree>
@@ -6149,7 +6980,7 @@
 </p:sld>
 </file>
 
-<file path=ppt/slides/slide18.xml><?xml version="1.0" encoding="utf-8"?>
+<file path=ppt/slides/slide19.xml><?xml version="1.0" encoding="utf-8"?>
 <p:sld xmlns:a="http://schemas.openxmlformats.org/drawingml/2006/main" xmlns:r="http://schemas.openxmlformats.org/officeDocument/2006/relationships" xmlns:p="http://schemas.openxmlformats.org/presentationml/2006/main">
   <p:cSld>
     <p:spTree>
@@ -6503,509 +7334,6 @@
     <p:extLst>
       <p:ext uri="{BB962C8B-B14F-4D97-AF65-F5344CB8AC3E}">
         <p14:creationId xmlns:p14="http://schemas.microsoft.com/office/powerpoint/2010/main" val="824047135"/>
-      </p:ext>
-    </p:extLst>
-  </p:cSld>
-  <p:clrMapOvr>
-    <a:masterClrMapping/>
-  </p:clrMapOvr>
-</p:sld>
-</file>
-
-<file path=ppt/slides/slide19.xml><?xml version="1.0" encoding="utf-8"?>
-<p:sld xmlns:a="http://schemas.openxmlformats.org/drawingml/2006/main" xmlns:r="http://schemas.openxmlformats.org/officeDocument/2006/relationships" xmlns:p="http://schemas.openxmlformats.org/presentationml/2006/main">
-  <p:cSld>
-    <p:spTree>
-      <p:nvGrpSpPr>
-        <p:cNvPr id="1" name=""/>
-        <p:cNvGrpSpPr/>
-        <p:nvPr/>
-      </p:nvGrpSpPr>
-      <p:grpSpPr>
-        <a:xfrm>
-          <a:off x="0" y="0"/>
-          <a:ext cx="0" cy="0"/>
-          <a:chOff x="0" y="0"/>
-          <a:chExt cx="0" cy="0"/>
-        </a:xfrm>
-      </p:grpSpPr>
-      <p:sp>
-        <p:nvSpPr>
-          <p:cNvPr id="4" name="Rectangle 2"/>
-          <p:cNvSpPr>
-            <a:spLocks noGrp="1"/>
-          </p:cNvSpPr>
-          <p:nvPr>
-            <p:ph type="title"/>
-          </p:nvPr>
-        </p:nvSpPr>
-        <p:spPr>
-          <a:xfrm>
-            <a:off x="304800" y="457200"/>
-            <a:ext cx="8686800" cy="838200"/>
-          </a:xfrm>
-        </p:spPr>
-        <p:txBody>
-          <a:bodyPr>
-            <a:normAutofit/>
-          </a:bodyPr>
-          <a:lstStyle/>
-          <a:p>
-            <a:r>
-              <a:rPr lang="it-IT" kern="1200" cap="all" baseline="0" dirty="0">
-                <a:solidFill>
-                  <a:schemeClr val="tx2"/>
-                </a:solidFill>
-                <a:effectLst>
-                  <a:reflection blurRad="12700" stA="48000" endA="300" endPos="55000" dir="5400000" sy="-90000" algn="bl" rotWithShape="0"/>
-                </a:effectLst>
-                <a:latin typeface="Calibri" panose="020F0502020204030204" pitchFamily="34" charset="0"/>
-                <a:cs typeface="Calibri" panose="020F0502020204030204" pitchFamily="34" charset="0"/>
-              </a:rPr>
-              <a:t>Modifiche da</a:t>
-            </a:r>
-            <a:r>
-              <a:rPr lang="it-IT" kern="1200" cap="all" dirty="0">
-                <a:solidFill>
-                  <a:schemeClr val="tx2"/>
-                </a:solidFill>
-                <a:effectLst>
-                  <a:reflection blurRad="12700" stA="48000" endA="300" endPos="55000" dir="5400000" sy="-90000" algn="bl" rotWithShape="0"/>
-                </a:effectLst>
-                <a:latin typeface="Calibri" panose="020F0502020204030204" pitchFamily="34" charset="0"/>
-                <a:cs typeface="Calibri" panose="020F0502020204030204" pitchFamily="34" charset="0"/>
-              </a:rPr>
-              <a:t> effettuare</a:t>
-            </a:r>
-            <a:endParaRPr lang="it-IT" dirty="0">
-              <a:latin typeface="Calibri" panose="020F0502020204030204" pitchFamily="34" charset="0"/>
-              <a:cs typeface="Calibri" panose="020F0502020204030204" pitchFamily="34" charset="0"/>
-            </a:endParaRPr>
-          </a:p>
-        </p:txBody>
-      </p:sp>
-      <p:sp>
-        <p:nvSpPr>
-          <p:cNvPr id="5" name="CasellaDiTesto 4"/>
-          <p:cNvSpPr txBox="1"/>
-          <p:nvPr/>
-        </p:nvSpPr>
-        <p:spPr>
-          <a:xfrm>
-            <a:off x="304800" y="1484784"/>
-            <a:ext cx="8596064" cy="3970318"/>
-          </a:xfrm>
-          <a:prstGeom prst="rect">
-            <a:avLst/>
-          </a:prstGeom>
-          <a:noFill/>
-        </p:spPr>
-        <p:txBody>
-          <a:bodyPr wrap="square" rtlCol="0">
-            <a:spAutoFit/>
-          </a:bodyPr>
-          <a:lstStyle/>
-          <a:p>
-            <a:pPr algn="just"/>
-            <a:r>
-              <a:rPr lang="it-IT" dirty="0">
-                <a:effectLst>
-                  <a:outerShdw blurRad="38100" dist="38100" dir="2700000" algn="tl">
-                    <a:srgbClr val="000000">
-                      <a:alpha val="43137"/>
-                    </a:srgbClr>
-                  </a:outerShdw>
-                </a:effectLst>
-              </a:rPr>
-              <a:t>In seguito al testing con gli utenti abbiamo riscontrato delle difficoltà da parte degli utenti su determinate azioni o possibili azioni sul sistema, quindi abbiamo apportato le seguenti modifiche:</a:t>
-            </a:r>
-          </a:p>
-          <a:p>
-            <a:pPr algn="just"/>
-            <a:endParaRPr lang="it-IT" sz="1600" dirty="0">
-              <a:effectLst>
-                <a:outerShdw blurRad="38100" dist="38100" dir="2700000" algn="tl">
-                  <a:srgbClr val="000000">
-                    <a:alpha val="43137"/>
-                  </a:srgbClr>
-                </a:outerShdw>
-              </a:effectLst>
-            </a:endParaRPr>
-          </a:p>
-          <a:p>
-            <a:pPr marL="285750" indent="-285750" algn="just">
-              <a:buFont typeface="Arial" panose="020B0604020202020204" pitchFamily="34" charset="0"/>
-              <a:buChar char="•"/>
-            </a:pPr>
-            <a:r>
-              <a:rPr lang="it-IT" sz="1600" dirty="0">
-                <a:effectLst>
-                  <a:outerShdw blurRad="38100" dist="38100" dir="2700000" algn="tl">
-                    <a:srgbClr val="000000">
-                      <a:alpha val="43137"/>
-                    </a:srgbClr>
-                  </a:outerShdw>
-                </a:effectLst>
-              </a:rPr>
-              <a:t>Nella sezione “Prevenzione” aggiungeremo ulteriori sottosezioni: “Ragazzi”, “Professori”, “Genitori” basate quindi sull’utente che si sta interfacciando con il sito per fornirgli unicamente informazioni di suo interesse.</a:t>
-            </a:r>
-          </a:p>
-          <a:p>
-            <a:pPr marL="285750" indent="-285750" algn="just">
-              <a:buFont typeface="Arial" panose="020B0604020202020204" pitchFamily="34" charset="0"/>
-              <a:buChar char="•"/>
-            </a:pPr>
-            <a:endParaRPr lang="it-IT" sz="1600" dirty="0">
-              <a:effectLst>
-                <a:outerShdw blurRad="38100" dist="38100" dir="2700000" algn="tl">
-                  <a:srgbClr val="000000">
-                    <a:alpha val="43137"/>
-                  </a:srgbClr>
-                </a:outerShdw>
-              </a:effectLst>
-            </a:endParaRPr>
-          </a:p>
-          <a:p>
-            <a:pPr marL="285750" indent="-285750" algn="just">
-              <a:buFont typeface="Arial" panose="020B0604020202020204" pitchFamily="34" charset="0"/>
-              <a:buChar char="•"/>
-            </a:pPr>
-            <a:r>
-              <a:rPr lang="it-IT" sz="1600" dirty="0">
-                <a:effectLst>
-                  <a:outerShdw blurRad="38100" dist="38100" dir="2700000" algn="tl">
-                    <a:srgbClr val="000000">
-                      <a:alpha val="43137"/>
-                    </a:srgbClr>
-                  </a:outerShdw>
-                </a:effectLst>
-              </a:rPr>
-              <a:t>Aggiungeremo un manuale utente che guidi gli utenti all’utilizzo appropriato del sito.</a:t>
-            </a:r>
-          </a:p>
-          <a:p>
-            <a:pPr algn="just"/>
-            <a:endParaRPr lang="it-IT" sz="1600" dirty="0">
-              <a:effectLst>
-                <a:outerShdw blurRad="38100" dist="38100" dir="2700000" algn="tl">
-                  <a:srgbClr val="000000">
-                    <a:alpha val="43137"/>
-                  </a:srgbClr>
-                </a:outerShdw>
-              </a:effectLst>
-            </a:endParaRPr>
-          </a:p>
-          <a:p>
-            <a:pPr marL="285750" indent="-285750">
-              <a:buFont typeface="Arial" panose="020B0604020202020204" pitchFamily="34" charset="0"/>
-              <a:buChar char="•"/>
-            </a:pPr>
-            <a:r>
-              <a:rPr lang="it-IT" sz="1600" dirty="0">
-                <a:effectLst>
-                  <a:outerShdw blurRad="38100" dist="38100" dir="2700000" algn="tl">
-                    <a:srgbClr val="000000">
-                      <a:alpha val="43137"/>
-                    </a:srgbClr>
-                  </a:outerShdw>
-                </a:effectLst>
-              </a:rPr>
-              <a:t>Aggiungeremo </a:t>
-            </a:r>
-            <a:r>
-              <a:rPr lang="it-IT" sz="1600" b="1" dirty="0">
-                <a:effectLst>
-                  <a:outerShdw blurRad="38100" dist="38100" dir="2700000" algn="tl">
-                    <a:srgbClr val="000000">
-                      <a:alpha val="43137"/>
-                    </a:srgbClr>
-                  </a:outerShdw>
-                </a:effectLst>
-              </a:rPr>
-              <a:t>collegamenti ipertestuali </a:t>
-            </a:r>
-            <a:r>
-              <a:rPr lang="it-IT" sz="1600" dirty="0">
-                <a:effectLst>
-                  <a:outerShdw blurRad="38100" dist="38100" dir="2700000" algn="tl">
-                    <a:srgbClr val="000000">
-                      <a:alpha val="43137"/>
-                    </a:srgbClr>
-                  </a:outerShdw>
-                </a:effectLst>
-              </a:rPr>
-              <a:t>nella sezione “Questionario genitori” che portino a pagine web di organizzazioni onlus interessate ad aiutare i ragazzi con problemi di bullismo.</a:t>
-            </a:r>
-          </a:p>
-          <a:p>
-            <a:endParaRPr lang="it-IT" sz="1600" dirty="0">
-              <a:effectLst>
-                <a:outerShdw blurRad="38100" dist="38100" dir="2700000" algn="tl">
-                  <a:srgbClr val="000000">
-                    <a:alpha val="43137"/>
-                  </a:srgbClr>
-                </a:outerShdw>
-              </a:effectLst>
-            </a:endParaRPr>
-          </a:p>
-          <a:p>
-            <a:pPr marL="285750" indent="-285750" algn="just">
-              <a:buFont typeface="Arial" panose="020B0604020202020204" pitchFamily="34" charset="0"/>
-              <a:buChar char="•"/>
-            </a:pPr>
-            <a:r>
-              <a:rPr lang="it-IT" sz="1600" dirty="0">
-                <a:effectLst>
-                  <a:outerShdw blurRad="38100" dist="38100" dir="2700000" algn="tl">
-                    <a:srgbClr val="000000">
-                      <a:alpha val="43137"/>
-                    </a:srgbClr>
-                  </a:outerShdw>
-                </a:effectLst>
-              </a:rPr>
-              <a:t>Aggiungeremo le sezioni “Chi siamo” e “Contatti” più dettagliate in modo che gli utenti possano conoscere i fondatori di questo sistema, gli obiettivi che si pongono e interagire con essi.</a:t>
-            </a:r>
-          </a:p>
-        </p:txBody>
-      </p:sp>
-      <p:pic>
-        <p:nvPicPr>
-          <p:cNvPr id="6" name="Immagine 5"/>
-          <p:cNvPicPr>
-            <a:picLocks noChangeAspect="1"/>
-          </p:cNvPicPr>
-          <p:nvPr/>
-        </p:nvPicPr>
-        <p:blipFill>
-          <a:blip r:embed="rId2" cstate="print">
-            <a:extLst>
-              <a:ext uri="{28A0092B-C50C-407E-A947-70E740481C1C}">
-                <a14:useLocalDpi xmlns:a14="http://schemas.microsoft.com/office/drawing/2010/main" val="0"/>
-              </a:ext>
-            </a:extLst>
-          </a:blip>
-          <a:stretch>
-            <a:fillRect/>
-          </a:stretch>
-        </p:blipFill>
-        <p:spPr>
-          <a:xfrm>
-            <a:off x="5724128" y="517669"/>
-            <a:ext cx="717262" cy="717262"/>
-          </a:xfrm>
-          <a:prstGeom prst="rect">
-            <a:avLst/>
-          </a:prstGeom>
-        </p:spPr>
-      </p:pic>
-      <p:sp>
-        <p:nvSpPr>
-          <p:cNvPr id="7" name="Rettangolo 6"/>
-          <p:cNvSpPr/>
-          <p:nvPr/>
-        </p:nvSpPr>
-        <p:spPr>
-          <a:xfrm>
-            <a:off x="7956376" y="3645024"/>
-            <a:ext cx="216024" cy="144016"/>
-          </a:xfrm>
-          <a:prstGeom prst="rect">
-            <a:avLst/>
-          </a:prstGeom>
-          <a:solidFill>
-            <a:srgbClr val="FF0000"/>
-          </a:solidFill>
-          <a:ln>
-            <a:solidFill>
-              <a:srgbClr val="FF0000"/>
-            </a:solidFill>
-          </a:ln>
-        </p:spPr>
-        <p:style>
-          <a:lnRef idx="2">
-            <a:schemeClr val="accent1">
-              <a:shade val="50000"/>
-            </a:schemeClr>
-          </a:lnRef>
-          <a:fillRef idx="1">
-            <a:schemeClr val="accent1"/>
-          </a:fillRef>
-          <a:effectRef idx="0">
-            <a:schemeClr val="accent1"/>
-          </a:effectRef>
-          <a:fontRef idx="minor">
-            <a:schemeClr val="lt1"/>
-          </a:fontRef>
-        </p:style>
-        <p:txBody>
-          <a:bodyPr rtlCol="0" anchor="ctr"/>
-          <a:lstStyle/>
-          <a:p>
-            <a:pPr algn="ctr"/>
-            <a:endParaRPr lang="it-IT" dirty="0"/>
-          </a:p>
-        </p:txBody>
-      </p:sp>
-      <p:sp>
-        <p:nvSpPr>
-          <p:cNvPr id="8" name="Rettangolo 7"/>
-          <p:cNvSpPr/>
-          <p:nvPr/>
-        </p:nvSpPr>
-        <p:spPr>
-          <a:xfrm>
-            <a:off x="8557018" y="4365104"/>
-            <a:ext cx="216024" cy="144016"/>
-          </a:xfrm>
-          <a:prstGeom prst="rect">
-            <a:avLst/>
-          </a:prstGeom>
-          <a:solidFill>
-            <a:srgbClr val="FF0000"/>
-          </a:solidFill>
-          <a:ln>
-            <a:solidFill>
-              <a:srgbClr val="FF0000"/>
-            </a:solidFill>
-          </a:ln>
-        </p:spPr>
-        <p:style>
-          <a:lnRef idx="2">
-            <a:schemeClr val="accent1">
-              <a:shade val="50000"/>
-            </a:schemeClr>
-          </a:lnRef>
-          <a:fillRef idx="1">
-            <a:schemeClr val="accent1"/>
-          </a:fillRef>
-          <a:effectRef idx="0">
-            <a:schemeClr val="accent1"/>
-          </a:effectRef>
-          <a:fontRef idx="minor">
-            <a:schemeClr val="lt1"/>
-          </a:fontRef>
-        </p:style>
-        <p:txBody>
-          <a:bodyPr rtlCol="0" anchor="ctr"/>
-          <a:lstStyle/>
-          <a:p>
-            <a:pPr algn="ctr"/>
-            <a:endParaRPr lang="it-IT" dirty="0"/>
-          </a:p>
-        </p:txBody>
-      </p:sp>
-      <p:sp>
-        <p:nvSpPr>
-          <p:cNvPr id="10" name="Rettangolo 9">
-            <a:extLst>
-              <a:ext uri="{FF2B5EF4-FFF2-40B4-BE49-F238E27FC236}">
-                <a16:creationId xmlns:a16="http://schemas.microsoft.com/office/drawing/2014/main" id="{A23D2597-3C7F-4BB6-96D8-88A88DF35BC1}"/>
-              </a:ext>
-            </a:extLst>
-          </p:cNvPr>
-          <p:cNvSpPr/>
-          <p:nvPr/>
-        </p:nvSpPr>
-        <p:spPr>
-          <a:xfrm>
-            <a:off x="8384536" y="5177691"/>
-            <a:ext cx="216024" cy="168548"/>
-          </a:xfrm>
-          <a:prstGeom prst="rect">
-            <a:avLst/>
-          </a:prstGeom>
-          <a:solidFill>
-            <a:srgbClr val="00B050"/>
-          </a:solidFill>
-          <a:ln>
-            <a:solidFill>
-              <a:srgbClr val="00B050"/>
-            </a:solidFill>
-          </a:ln>
-        </p:spPr>
-        <p:style>
-          <a:lnRef idx="2">
-            <a:schemeClr val="accent1">
-              <a:shade val="50000"/>
-            </a:schemeClr>
-          </a:lnRef>
-          <a:fillRef idx="1">
-            <a:schemeClr val="accent1"/>
-          </a:fillRef>
-          <a:effectRef idx="0">
-            <a:schemeClr val="accent1"/>
-          </a:effectRef>
-          <a:fontRef idx="minor">
-            <a:schemeClr val="lt1"/>
-          </a:fontRef>
-        </p:style>
-        <p:txBody>
-          <a:bodyPr rtlCol="0" anchor="ctr"/>
-          <a:lstStyle/>
-          <a:p>
-            <a:pPr algn="ctr"/>
-            <a:endParaRPr lang="it-IT" dirty="0"/>
-          </a:p>
-        </p:txBody>
-      </p:sp>
-      <p:sp>
-        <p:nvSpPr>
-          <p:cNvPr id="11" name="Rettangolo 10">
-            <a:extLst>
-              <a:ext uri="{FF2B5EF4-FFF2-40B4-BE49-F238E27FC236}">
-                <a16:creationId xmlns:a16="http://schemas.microsoft.com/office/drawing/2014/main" id="{5BA0B64B-8333-4055-B898-163FE3710A2F}"/>
-              </a:ext>
-            </a:extLst>
-          </p:cNvPr>
-          <p:cNvSpPr/>
-          <p:nvPr/>
-        </p:nvSpPr>
-        <p:spPr>
-          <a:xfrm>
-            <a:off x="3275856" y="3212976"/>
-            <a:ext cx="216024" cy="144016"/>
-          </a:xfrm>
-          <a:prstGeom prst="rect">
-            <a:avLst/>
-          </a:prstGeom>
-          <a:solidFill>
-            <a:srgbClr val="FFFF00"/>
-          </a:solidFill>
-          <a:ln>
-            <a:solidFill>
-              <a:srgbClr val="FFFF00"/>
-            </a:solidFill>
-          </a:ln>
-        </p:spPr>
-        <p:style>
-          <a:lnRef idx="2">
-            <a:schemeClr val="accent1">
-              <a:shade val="50000"/>
-            </a:schemeClr>
-          </a:lnRef>
-          <a:fillRef idx="1">
-            <a:schemeClr val="accent1"/>
-          </a:fillRef>
-          <a:effectRef idx="0">
-            <a:schemeClr val="accent1"/>
-          </a:effectRef>
-          <a:fontRef idx="minor">
-            <a:schemeClr val="lt1"/>
-          </a:fontRef>
-        </p:style>
-        <p:txBody>
-          <a:bodyPr rtlCol="0" anchor="ctr"/>
-          <a:lstStyle/>
-          <a:p>
-            <a:pPr algn="ctr"/>
-            <a:endParaRPr lang="it-IT" dirty="0"/>
-          </a:p>
-        </p:txBody>
-      </p:sp>
-    </p:spTree>
-    <p:extLst>
-      <p:ext uri="{BB962C8B-B14F-4D97-AF65-F5344CB8AC3E}">
-        <p14:creationId xmlns:p14="http://schemas.microsoft.com/office/powerpoint/2010/main" val="3517827831"/>
       </p:ext>
     </p:extLst>
   </p:cSld>
@@ -7172,6 +7500,635 @@
 </file>
 
 <file path=ppt/slides/slide20.xml><?xml version="1.0" encoding="utf-8"?>
+<p:sld xmlns:a="http://schemas.openxmlformats.org/drawingml/2006/main" xmlns:r="http://schemas.openxmlformats.org/officeDocument/2006/relationships" xmlns:p="http://schemas.openxmlformats.org/presentationml/2006/main">
+  <p:cSld>
+    <p:spTree>
+      <p:nvGrpSpPr>
+        <p:cNvPr id="1" name=""/>
+        <p:cNvGrpSpPr/>
+        <p:nvPr/>
+      </p:nvGrpSpPr>
+      <p:grpSpPr>
+        <a:xfrm>
+          <a:off x="0" y="0"/>
+          <a:ext cx="0" cy="0"/>
+          <a:chOff x="0" y="0"/>
+          <a:chExt cx="0" cy="0"/>
+        </a:xfrm>
+      </p:grpSpPr>
+      <p:sp>
+        <p:nvSpPr>
+          <p:cNvPr id="4" name="Rectangle 2"/>
+          <p:cNvSpPr>
+            <a:spLocks noGrp="1"/>
+          </p:cNvSpPr>
+          <p:nvPr>
+            <p:ph type="title"/>
+          </p:nvPr>
+        </p:nvSpPr>
+        <p:spPr>
+          <a:xfrm>
+            <a:off x="304800" y="457200"/>
+            <a:ext cx="8686800" cy="838200"/>
+          </a:xfrm>
+        </p:spPr>
+        <p:txBody>
+          <a:bodyPr>
+            <a:normAutofit/>
+          </a:bodyPr>
+          <a:lstStyle/>
+          <a:p>
+            <a:r>
+              <a:rPr lang="it-IT" kern="1200" cap="all" baseline="0" dirty="0">
+                <a:solidFill>
+                  <a:schemeClr val="tx2"/>
+                </a:solidFill>
+                <a:effectLst>
+                  <a:reflection blurRad="12700" stA="48000" endA="300" endPos="55000" dir="5400000" sy="-90000" algn="bl" rotWithShape="0"/>
+                </a:effectLst>
+                <a:latin typeface="Calibri" panose="020F0502020204030204" pitchFamily="34" charset="0"/>
+                <a:cs typeface="Calibri" panose="020F0502020204030204" pitchFamily="34" charset="0"/>
+              </a:rPr>
+              <a:t>Modifiche da</a:t>
+            </a:r>
+            <a:r>
+              <a:rPr lang="it-IT" kern="1200" cap="all" dirty="0">
+                <a:solidFill>
+                  <a:schemeClr val="tx2"/>
+                </a:solidFill>
+                <a:effectLst>
+                  <a:reflection blurRad="12700" stA="48000" endA="300" endPos="55000" dir="5400000" sy="-90000" algn="bl" rotWithShape="0"/>
+                </a:effectLst>
+                <a:latin typeface="Calibri" panose="020F0502020204030204" pitchFamily="34" charset="0"/>
+                <a:cs typeface="Calibri" panose="020F0502020204030204" pitchFamily="34" charset="0"/>
+              </a:rPr>
+              <a:t> effettuare</a:t>
+            </a:r>
+            <a:endParaRPr lang="it-IT" dirty="0">
+              <a:latin typeface="Calibri" panose="020F0502020204030204" pitchFamily="34" charset="0"/>
+              <a:cs typeface="Calibri" panose="020F0502020204030204" pitchFamily="34" charset="0"/>
+            </a:endParaRPr>
+          </a:p>
+        </p:txBody>
+      </p:sp>
+      <p:sp>
+        <p:nvSpPr>
+          <p:cNvPr id="5" name="CasellaDiTesto 4"/>
+          <p:cNvSpPr txBox="1"/>
+          <p:nvPr/>
+        </p:nvSpPr>
+        <p:spPr>
+          <a:xfrm>
+            <a:off x="304800" y="1484784"/>
+            <a:ext cx="8596064" cy="4862870"/>
+          </a:xfrm>
+          <a:prstGeom prst="rect">
+            <a:avLst/>
+          </a:prstGeom>
+          <a:noFill/>
+        </p:spPr>
+        <p:txBody>
+          <a:bodyPr wrap="square" rtlCol="0">
+            <a:spAutoFit/>
+          </a:bodyPr>
+          <a:lstStyle/>
+          <a:p>
+            <a:pPr algn="just"/>
+            <a:r>
+              <a:rPr lang="it-IT" dirty="0">
+                <a:effectLst>
+                  <a:outerShdw blurRad="38100" dist="38100" dir="2700000" algn="tl">
+                    <a:srgbClr val="000000">
+                      <a:alpha val="43137"/>
+                    </a:srgbClr>
+                  </a:outerShdw>
+                </a:effectLst>
+              </a:rPr>
+              <a:t>In seguito al testing con gli utenti abbiamo riscontrato delle difficoltà da parte degli utenti su determinate azioni o possibili azioni sul sistema, quindi abbiamo apportato le seguenti modifiche:</a:t>
+            </a:r>
+          </a:p>
+          <a:p>
+            <a:pPr algn="just"/>
+            <a:endParaRPr lang="it-IT" sz="1600" dirty="0">
+              <a:effectLst>
+                <a:outerShdw blurRad="38100" dist="38100" dir="2700000" algn="tl">
+                  <a:srgbClr val="000000">
+                    <a:alpha val="43137"/>
+                  </a:srgbClr>
+                </a:outerShdw>
+              </a:effectLst>
+            </a:endParaRPr>
+          </a:p>
+          <a:p>
+            <a:pPr marL="285750" indent="-285750" algn="just">
+              <a:buFont typeface="Arial" panose="020B0604020202020204" pitchFamily="34" charset="0"/>
+              <a:buChar char="•"/>
+            </a:pPr>
+            <a:r>
+              <a:rPr lang="it-IT" sz="1600" dirty="0">
+                <a:effectLst>
+                  <a:outerShdw blurRad="38100" dist="38100" dir="2700000" algn="tl">
+                    <a:srgbClr val="000000">
+                      <a:alpha val="43137"/>
+                    </a:srgbClr>
+                  </a:outerShdw>
+                </a:effectLst>
+              </a:rPr>
+              <a:t>Nella sezione “Prevenzione” aggiungeremo ulteriori sottosezioni: “Ragazzi”, “Professori”, “Genitori” basate quindi sull’utente che si sta interfacciando con il sito per fornirgli unicamente informazioni di suo interesse.</a:t>
+            </a:r>
+          </a:p>
+          <a:p>
+            <a:pPr marL="285750" indent="-285750" algn="just">
+              <a:buFont typeface="Arial" panose="020B0604020202020204" pitchFamily="34" charset="0"/>
+              <a:buChar char="•"/>
+            </a:pPr>
+            <a:endParaRPr lang="it-IT" sz="1600" dirty="0">
+              <a:effectLst>
+                <a:outerShdw blurRad="38100" dist="38100" dir="2700000" algn="tl">
+                  <a:srgbClr val="000000">
+                    <a:alpha val="43137"/>
+                  </a:srgbClr>
+                </a:outerShdw>
+              </a:effectLst>
+            </a:endParaRPr>
+          </a:p>
+          <a:p>
+            <a:pPr marL="285750" indent="-285750" algn="just">
+              <a:buFont typeface="Arial" panose="020B0604020202020204" pitchFamily="34" charset="0"/>
+              <a:buChar char="•"/>
+            </a:pPr>
+            <a:r>
+              <a:rPr lang="it-IT" sz="1600" dirty="0">
+                <a:effectLst>
+                  <a:outerShdw blurRad="38100" dist="38100" dir="2700000" algn="tl">
+                    <a:srgbClr val="000000">
+                      <a:alpha val="43137"/>
+                    </a:srgbClr>
+                  </a:outerShdw>
+                </a:effectLst>
+              </a:rPr>
+              <a:t>Aggiungeremo un manuale utente che guidi gli utenti all’utilizzo appropriato del sito.</a:t>
+            </a:r>
+          </a:p>
+          <a:p>
+            <a:pPr algn="just"/>
+            <a:endParaRPr lang="it-IT" sz="1600" dirty="0">
+              <a:effectLst>
+                <a:outerShdw blurRad="38100" dist="38100" dir="2700000" algn="tl">
+                  <a:srgbClr val="000000">
+                    <a:alpha val="43137"/>
+                  </a:srgbClr>
+                </a:outerShdw>
+              </a:effectLst>
+            </a:endParaRPr>
+          </a:p>
+          <a:p>
+            <a:pPr marL="285750" indent="-285750">
+              <a:buFont typeface="Arial" panose="020B0604020202020204" pitchFamily="34" charset="0"/>
+              <a:buChar char="•"/>
+            </a:pPr>
+            <a:r>
+              <a:rPr lang="it-IT" sz="1600" dirty="0">
+                <a:effectLst>
+                  <a:outerShdw blurRad="38100" dist="38100" dir="2700000" algn="tl">
+                    <a:srgbClr val="000000">
+                      <a:alpha val="43137"/>
+                    </a:srgbClr>
+                  </a:outerShdw>
+                </a:effectLst>
+              </a:rPr>
+              <a:t>Aggiungeremo </a:t>
+            </a:r>
+            <a:r>
+              <a:rPr lang="it-IT" sz="1600" b="1" dirty="0">
+                <a:effectLst>
+                  <a:outerShdw blurRad="38100" dist="38100" dir="2700000" algn="tl">
+                    <a:srgbClr val="000000">
+                      <a:alpha val="43137"/>
+                    </a:srgbClr>
+                  </a:outerShdw>
+                </a:effectLst>
+              </a:rPr>
+              <a:t>collegamenti ipertestuali </a:t>
+            </a:r>
+            <a:r>
+              <a:rPr lang="it-IT" sz="1600" dirty="0">
+                <a:effectLst>
+                  <a:outerShdw blurRad="38100" dist="38100" dir="2700000" algn="tl">
+                    <a:srgbClr val="000000">
+                      <a:alpha val="43137"/>
+                    </a:srgbClr>
+                  </a:outerShdw>
+                </a:effectLst>
+              </a:rPr>
+              <a:t>nella sezione “Questionario genitori” che portino a pagine web di organizzazioni onlus interessate ad aiutare i ragazzi con problemi di bullismo</a:t>
+            </a:r>
+            <a:r>
+              <a:rPr lang="it-IT" sz="1600" dirty="0" smtClean="0">
+                <a:effectLst>
+                  <a:outerShdw blurRad="38100" dist="38100" dir="2700000" algn="tl">
+                    <a:srgbClr val="000000">
+                      <a:alpha val="43137"/>
+                    </a:srgbClr>
+                  </a:outerShdw>
+                </a:effectLst>
+              </a:rPr>
+              <a:t>.</a:t>
+            </a:r>
+          </a:p>
+          <a:p>
+            <a:pPr marL="285750" indent="-285750">
+              <a:buFont typeface="Arial" panose="020B0604020202020204" pitchFamily="34" charset="0"/>
+              <a:buChar char="•"/>
+            </a:pPr>
+            <a:endParaRPr lang="it-IT" sz="1600" dirty="0" smtClean="0">
+              <a:effectLst>
+                <a:outerShdw blurRad="38100" dist="38100" dir="2700000" algn="tl">
+                  <a:srgbClr val="000000">
+                    <a:alpha val="43137"/>
+                  </a:srgbClr>
+                </a:outerShdw>
+              </a:effectLst>
+            </a:endParaRPr>
+          </a:p>
+          <a:p>
+            <a:pPr marL="285750" indent="-285750">
+              <a:buFont typeface="Arial" panose="020B0604020202020204" pitchFamily="34" charset="0"/>
+              <a:buChar char="•"/>
+            </a:pPr>
+            <a:r>
+              <a:rPr lang="it-IT" sz="1600" dirty="0">
+                <a:effectLst>
+                  <a:outerShdw blurRad="38100" dist="38100" dir="2700000" algn="tl">
+                    <a:srgbClr val="000000">
+                      <a:alpha val="43137"/>
+                    </a:srgbClr>
+                  </a:outerShdw>
+                </a:effectLst>
+              </a:rPr>
+              <a:t>Aggiungeremo un icona visibile per il </a:t>
+            </a:r>
+            <a:r>
+              <a:rPr lang="it-IT" sz="1600" dirty="0" err="1">
+                <a:effectLst>
+                  <a:outerShdw blurRad="38100" dist="38100" dir="2700000" algn="tl">
+                    <a:srgbClr val="000000">
+                      <a:alpha val="43137"/>
+                    </a:srgbClr>
+                  </a:outerShdw>
+                </a:effectLst>
+              </a:rPr>
+              <a:t>logout</a:t>
+            </a:r>
+            <a:r>
+              <a:rPr lang="it-IT" sz="1600" dirty="0" smtClean="0">
+                <a:effectLst>
+                  <a:outerShdw blurRad="38100" dist="38100" dir="2700000" algn="tl">
+                    <a:srgbClr val="000000">
+                      <a:alpha val="43137"/>
+                    </a:srgbClr>
+                  </a:outerShdw>
+                </a:effectLst>
+              </a:rPr>
+              <a:t>.</a:t>
+            </a:r>
+            <a:endParaRPr lang="it-IT" sz="1600" dirty="0">
+              <a:effectLst>
+                <a:outerShdw blurRad="38100" dist="38100" dir="2700000" algn="tl">
+                  <a:srgbClr val="000000">
+                    <a:alpha val="43137"/>
+                  </a:srgbClr>
+                </a:outerShdw>
+              </a:effectLst>
+            </a:endParaRPr>
+          </a:p>
+          <a:p>
+            <a:endParaRPr lang="it-IT" sz="1600" dirty="0">
+              <a:effectLst>
+                <a:outerShdw blurRad="38100" dist="38100" dir="2700000" algn="tl">
+                  <a:srgbClr val="000000">
+                    <a:alpha val="43137"/>
+                  </a:srgbClr>
+                </a:outerShdw>
+              </a:effectLst>
+            </a:endParaRPr>
+          </a:p>
+          <a:p>
+            <a:pPr marL="285750" indent="-285750" algn="just">
+              <a:buFont typeface="Arial" panose="020B0604020202020204" pitchFamily="34" charset="0"/>
+              <a:buChar char="•"/>
+            </a:pPr>
+            <a:r>
+              <a:rPr lang="it-IT" sz="1600" dirty="0">
+                <a:effectLst>
+                  <a:outerShdw blurRad="38100" dist="38100" dir="2700000" algn="tl">
+                    <a:srgbClr val="000000">
+                      <a:alpha val="43137"/>
+                    </a:srgbClr>
+                  </a:outerShdw>
+                </a:effectLst>
+              </a:rPr>
+              <a:t>Aggiungeremo le sezioni “Chi siamo” e “Contatti” più dettagliate in modo che gli utenti possano conoscere i fondatori di questo sistema, gli obiettivi che si pongono e interagire con essi.</a:t>
+            </a:r>
+          </a:p>
+        </p:txBody>
+      </p:sp>
+      <p:pic>
+        <p:nvPicPr>
+          <p:cNvPr id="6" name="Immagine 5"/>
+          <p:cNvPicPr>
+            <a:picLocks noChangeAspect="1"/>
+          </p:cNvPicPr>
+          <p:nvPr/>
+        </p:nvPicPr>
+        <p:blipFill>
+          <a:blip r:embed="rId2" cstate="print">
+            <a:extLst>
+              <a:ext uri="{28A0092B-C50C-407E-A947-70E740481C1C}">
+                <a14:useLocalDpi xmlns:a14="http://schemas.microsoft.com/office/drawing/2010/main" val="0"/>
+              </a:ext>
+            </a:extLst>
+          </a:blip>
+          <a:stretch>
+            <a:fillRect/>
+          </a:stretch>
+        </p:blipFill>
+        <p:spPr>
+          <a:xfrm>
+            <a:off x="5724128" y="517669"/>
+            <a:ext cx="717262" cy="717262"/>
+          </a:xfrm>
+          <a:prstGeom prst="rect">
+            <a:avLst/>
+          </a:prstGeom>
+        </p:spPr>
+      </p:pic>
+      <p:sp>
+        <p:nvSpPr>
+          <p:cNvPr id="7" name="Rettangolo 6"/>
+          <p:cNvSpPr/>
+          <p:nvPr/>
+        </p:nvSpPr>
+        <p:spPr>
+          <a:xfrm>
+            <a:off x="8276524" y="3645024"/>
+            <a:ext cx="216024" cy="144016"/>
+          </a:xfrm>
+          <a:prstGeom prst="rect">
+            <a:avLst/>
+          </a:prstGeom>
+          <a:solidFill>
+            <a:srgbClr val="FF0000"/>
+          </a:solidFill>
+          <a:ln>
+            <a:solidFill>
+              <a:srgbClr val="FF0000"/>
+            </a:solidFill>
+          </a:ln>
+        </p:spPr>
+        <p:style>
+          <a:lnRef idx="2">
+            <a:schemeClr val="accent1">
+              <a:shade val="50000"/>
+            </a:schemeClr>
+          </a:lnRef>
+          <a:fillRef idx="1">
+            <a:schemeClr val="accent1"/>
+          </a:fillRef>
+          <a:effectRef idx="0">
+            <a:schemeClr val="accent1"/>
+          </a:effectRef>
+          <a:fontRef idx="minor">
+            <a:schemeClr val="lt1"/>
+          </a:fontRef>
+        </p:style>
+        <p:txBody>
+          <a:bodyPr rtlCol="0" anchor="ctr"/>
+          <a:lstStyle/>
+          <a:p>
+            <a:pPr algn="ctr"/>
+            <a:endParaRPr lang="it-IT" dirty="0"/>
+          </a:p>
+        </p:txBody>
+      </p:sp>
+      <p:sp>
+        <p:nvSpPr>
+          <p:cNvPr id="8" name="Rettangolo 7"/>
+          <p:cNvSpPr/>
+          <p:nvPr/>
+        </p:nvSpPr>
+        <p:spPr>
+          <a:xfrm>
+            <a:off x="1691680" y="4581128"/>
+            <a:ext cx="216024" cy="144016"/>
+          </a:xfrm>
+          <a:prstGeom prst="rect">
+            <a:avLst/>
+          </a:prstGeom>
+          <a:solidFill>
+            <a:srgbClr val="FF0000"/>
+          </a:solidFill>
+          <a:ln>
+            <a:solidFill>
+              <a:srgbClr val="FF0000"/>
+            </a:solidFill>
+          </a:ln>
+        </p:spPr>
+        <p:style>
+          <a:lnRef idx="2">
+            <a:schemeClr val="accent1">
+              <a:shade val="50000"/>
+            </a:schemeClr>
+          </a:lnRef>
+          <a:fillRef idx="1">
+            <a:schemeClr val="accent1"/>
+          </a:fillRef>
+          <a:effectRef idx="0">
+            <a:schemeClr val="accent1"/>
+          </a:effectRef>
+          <a:fontRef idx="minor">
+            <a:schemeClr val="lt1"/>
+          </a:fontRef>
+        </p:style>
+        <p:txBody>
+          <a:bodyPr rtlCol="0" anchor="ctr"/>
+          <a:lstStyle/>
+          <a:p>
+            <a:pPr algn="ctr"/>
+            <a:endParaRPr lang="it-IT" dirty="0"/>
+          </a:p>
+        </p:txBody>
+      </p:sp>
+      <p:sp>
+        <p:nvSpPr>
+          <p:cNvPr id="10" name="Rettangolo 9">
+            <a:extLst>
+              <a:ext uri="{FF2B5EF4-FFF2-40B4-BE49-F238E27FC236}">
+                <a16:creationId xmlns:a16="http://schemas.microsoft.com/office/drawing/2014/main" xmlns="" id="{A23D2597-3C7F-4BB6-96D8-88A88DF35BC1}"/>
+              </a:ext>
+            </a:extLst>
+          </p:cNvPr>
+          <p:cNvSpPr/>
+          <p:nvPr/>
+        </p:nvSpPr>
+        <p:spPr>
+          <a:xfrm>
+            <a:off x="1552046" y="6021288"/>
+            <a:ext cx="216024" cy="168548"/>
+          </a:xfrm>
+          <a:prstGeom prst="rect">
+            <a:avLst/>
+          </a:prstGeom>
+          <a:solidFill>
+            <a:srgbClr val="00B050"/>
+          </a:solidFill>
+          <a:ln>
+            <a:solidFill>
+              <a:srgbClr val="00B050"/>
+            </a:solidFill>
+          </a:ln>
+        </p:spPr>
+        <p:style>
+          <a:lnRef idx="2">
+            <a:schemeClr val="accent1">
+              <a:shade val="50000"/>
+            </a:schemeClr>
+          </a:lnRef>
+          <a:fillRef idx="1">
+            <a:schemeClr val="accent1"/>
+          </a:fillRef>
+          <a:effectRef idx="0">
+            <a:schemeClr val="accent1"/>
+          </a:effectRef>
+          <a:fontRef idx="minor">
+            <a:schemeClr val="lt1"/>
+          </a:fontRef>
+        </p:style>
+        <p:txBody>
+          <a:bodyPr rtlCol="0" anchor="ctr"/>
+          <a:lstStyle/>
+          <a:p>
+            <a:pPr algn="ctr"/>
+            <a:endParaRPr lang="it-IT" dirty="0"/>
+          </a:p>
+        </p:txBody>
+      </p:sp>
+      <p:sp>
+        <p:nvSpPr>
+          <p:cNvPr id="11" name="Rettangolo 10">
+            <a:extLst>
+              <a:ext uri="{FF2B5EF4-FFF2-40B4-BE49-F238E27FC236}">
+                <a16:creationId xmlns:a16="http://schemas.microsoft.com/office/drawing/2014/main" xmlns="" id="{5BA0B64B-8333-4055-B898-163FE3710A2F}"/>
+              </a:ext>
+            </a:extLst>
+          </p:cNvPr>
+          <p:cNvSpPr/>
+          <p:nvPr/>
+        </p:nvSpPr>
+        <p:spPr>
+          <a:xfrm>
+            <a:off x="4494820" y="3140968"/>
+            <a:ext cx="216024" cy="144016"/>
+          </a:xfrm>
+          <a:prstGeom prst="rect">
+            <a:avLst/>
+          </a:prstGeom>
+          <a:solidFill>
+            <a:srgbClr val="FFFF00"/>
+          </a:solidFill>
+          <a:ln>
+            <a:solidFill>
+              <a:srgbClr val="FFFF00"/>
+            </a:solidFill>
+          </a:ln>
+        </p:spPr>
+        <p:style>
+          <a:lnRef idx="2">
+            <a:schemeClr val="accent1">
+              <a:shade val="50000"/>
+            </a:schemeClr>
+          </a:lnRef>
+          <a:fillRef idx="1">
+            <a:schemeClr val="accent1"/>
+          </a:fillRef>
+          <a:effectRef idx="0">
+            <a:schemeClr val="accent1"/>
+          </a:effectRef>
+          <a:fontRef idx="minor">
+            <a:schemeClr val="lt1"/>
+          </a:fontRef>
+        </p:style>
+        <p:txBody>
+          <a:bodyPr rtlCol="0" anchor="ctr"/>
+          <a:lstStyle/>
+          <a:p>
+            <a:pPr algn="ctr"/>
+            <a:endParaRPr lang="it-IT" dirty="0"/>
+          </a:p>
+        </p:txBody>
+      </p:sp>
+      <p:sp>
+        <p:nvSpPr>
+          <p:cNvPr id="9" name="Rettangolo 8"/>
+          <p:cNvSpPr/>
+          <p:nvPr/>
+        </p:nvSpPr>
+        <p:spPr>
+          <a:xfrm>
+            <a:off x="4683824" y="5085184"/>
+            <a:ext cx="216024" cy="144016"/>
+          </a:xfrm>
+          <a:prstGeom prst="rect">
+            <a:avLst/>
+          </a:prstGeom>
+          <a:solidFill>
+            <a:srgbClr val="FF0000"/>
+          </a:solidFill>
+          <a:ln>
+            <a:solidFill>
+              <a:srgbClr val="FF0000"/>
+            </a:solidFill>
+          </a:ln>
+        </p:spPr>
+        <p:style>
+          <a:lnRef idx="2">
+            <a:schemeClr val="accent1">
+              <a:shade val="50000"/>
+            </a:schemeClr>
+          </a:lnRef>
+          <a:fillRef idx="1">
+            <a:schemeClr val="accent1"/>
+          </a:fillRef>
+          <a:effectRef idx="0">
+            <a:schemeClr val="accent1"/>
+          </a:effectRef>
+          <a:fontRef idx="minor">
+            <a:schemeClr val="lt1"/>
+          </a:fontRef>
+        </p:style>
+        <p:txBody>
+          <a:bodyPr rtlCol="0" anchor="ctr"/>
+          <a:lstStyle/>
+          <a:p>
+            <a:pPr algn="ctr"/>
+            <a:endParaRPr lang="it-IT" dirty="0"/>
+          </a:p>
+        </p:txBody>
+      </p:sp>
+    </p:spTree>
+    <p:extLst>
+      <p:ext uri="{BB962C8B-B14F-4D97-AF65-F5344CB8AC3E}">
+        <p14:creationId xmlns:p14="http://schemas.microsoft.com/office/powerpoint/2010/main" val="3517827831"/>
+      </p:ext>
+    </p:extLst>
+  </p:cSld>
+  <p:clrMapOvr>
+    <a:masterClrMapping/>
+  </p:clrMapOvr>
+</p:sld>
+</file>
+
+<file path=ppt/slides/slide21.xml><?xml version="1.0" encoding="utf-8"?>
 <p:sld xmlns:a="http://schemas.openxmlformats.org/drawingml/2006/main" xmlns:r="http://schemas.openxmlformats.org/officeDocument/2006/relationships" xmlns:p="http://schemas.openxmlformats.org/presentationml/2006/main" showMasterSp="0">
   <p:cSld>
     <p:spTree>
@@ -8271,6 +9228,10 @@
             </a:r>
           </a:p>
           <a:p>
+            <a:r>
+              <a:rPr lang="it-IT" dirty="0"/>
+              <a:t/>
+            </a:r>
             <a:br>
               <a:rPr lang="it-IT" dirty="0"/>
             </a:br>
@@ -8428,6 +9389,10 @@
             </a:r>
           </a:p>
           <a:p>
+            <a:r>
+              <a:rPr lang="it-IT" dirty="0"/>
+              <a:t/>
+            </a:r>
             <a:br>
               <a:rPr lang="it-IT" dirty="0"/>
             </a:br>
@@ -8607,9 +9572,17 @@
             </a:r>
           </a:p>
           <a:p>
+            <a:r>
+              <a:rPr lang="it-IT" dirty="0"/>
+              <a:t/>
+            </a:r>
             <a:br>
               <a:rPr lang="it-IT" dirty="0"/>
             </a:br>
+            <a:r>
+              <a:rPr lang="it-IT" dirty="0"/>
+              <a:t/>
+            </a:r>
             <a:br>
               <a:rPr lang="it-IT" dirty="0"/>
             </a:br>
@@ -8756,21 +9729,21 @@
                 <a:gridCol w="2136136">
                   <a:extLst>
                     <a:ext uri="{9D8B030D-6E8A-4147-A177-3AD203B41FA5}">
-                      <a16:colId xmlns:a16="http://schemas.microsoft.com/office/drawing/2014/main" val="20000"/>
+                      <a16:colId xmlns:a16="http://schemas.microsoft.com/office/drawing/2014/main" xmlns="" val="20000"/>
                     </a:ext>
                   </a:extLst>
                 </a:gridCol>
                 <a:gridCol w="2534398">
                   <a:extLst>
                     <a:ext uri="{9D8B030D-6E8A-4147-A177-3AD203B41FA5}">
-                      <a16:colId xmlns:a16="http://schemas.microsoft.com/office/drawing/2014/main" val="20001"/>
+                      <a16:colId xmlns:a16="http://schemas.microsoft.com/office/drawing/2014/main" xmlns="" val="20001"/>
                     </a:ext>
                   </a:extLst>
                 </a:gridCol>
                 <a:gridCol w="1737874">
                   <a:extLst>
                     <a:ext uri="{9D8B030D-6E8A-4147-A177-3AD203B41FA5}">
-                      <a16:colId xmlns:a16="http://schemas.microsoft.com/office/drawing/2014/main" val="20002"/>
+                      <a16:colId xmlns:a16="http://schemas.microsoft.com/office/drawing/2014/main" xmlns="" val="20002"/>
                     </a:ext>
                   </a:extLst>
                 </a:gridCol>
@@ -8811,7 +9784,7 @@
                 </a:tc>
                 <a:extLst>
                   <a:ext uri="{0D108BD9-81ED-4DB2-BD59-A6C34878D82A}">
-                    <a16:rowId xmlns:a16="http://schemas.microsoft.com/office/drawing/2014/main" val="10000"/>
+                    <a16:rowId xmlns:a16="http://schemas.microsoft.com/office/drawing/2014/main" xmlns="" val="10000"/>
                   </a:ext>
                 </a:extLst>
               </a:tr>
@@ -8878,7 +9851,7 @@
                 </a:tc>
                 <a:extLst>
                   <a:ext uri="{0D108BD9-81ED-4DB2-BD59-A6C34878D82A}">
-                    <a16:rowId xmlns:a16="http://schemas.microsoft.com/office/drawing/2014/main" val="10001"/>
+                    <a16:rowId xmlns:a16="http://schemas.microsoft.com/office/drawing/2014/main" xmlns="" val="10001"/>
                   </a:ext>
                 </a:extLst>
               </a:tr>
@@ -8924,7 +9897,7 @@
                 </a:tc>
                 <a:extLst>
                   <a:ext uri="{0D108BD9-81ED-4DB2-BD59-A6C34878D82A}">
-                    <a16:rowId xmlns:a16="http://schemas.microsoft.com/office/drawing/2014/main" val="10002"/>
+                    <a16:rowId xmlns:a16="http://schemas.microsoft.com/office/drawing/2014/main" xmlns="" val="10002"/>
                   </a:ext>
                 </a:extLst>
               </a:tr>
@@ -8970,7 +9943,7 @@
                 </a:tc>
                 <a:extLst>
                   <a:ext uri="{0D108BD9-81ED-4DB2-BD59-A6C34878D82A}">
-                    <a16:rowId xmlns:a16="http://schemas.microsoft.com/office/drawing/2014/main" val="10003"/>
+                    <a16:rowId xmlns:a16="http://schemas.microsoft.com/office/drawing/2014/main" xmlns="" val="10003"/>
                   </a:ext>
                 </a:extLst>
               </a:tr>
@@ -9026,7 +9999,7 @@
                 </a:tc>
                 <a:extLst>
                   <a:ext uri="{0D108BD9-81ED-4DB2-BD59-A6C34878D82A}">
-                    <a16:rowId xmlns:a16="http://schemas.microsoft.com/office/drawing/2014/main" val="10004"/>
+                    <a16:rowId xmlns:a16="http://schemas.microsoft.com/office/drawing/2014/main" xmlns="" val="10004"/>
                   </a:ext>
                 </a:extLst>
               </a:tr>
@@ -9073,7 +10046,7 @@
                 </a:tc>
                 <a:extLst>
                   <a:ext uri="{0D108BD9-81ED-4DB2-BD59-A6C34878D82A}">
-                    <a16:rowId xmlns:a16="http://schemas.microsoft.com/office/drawing/2014/main" val="1014700042"/>
+                    <a16:rowId xmlns:a16="http://schemas.microsoft.com/office/drawing/2014/main" xmlns="" val="1014700042"/>
                   </a:ext>
                 </a:extLst>
               </a:tr>
@@ -9120,7 +10093,7 @@
                 </a:tc>
                 <a:extLst>
                   <a:ext uri="{0D108BD9-81ED-4DB2-BD59-A6C34878D82A}">
-                    <a16:rowId xmlns:a16="http://schemas.microsoft.com/office/drawing/2014/main" val="2008388912"/>
+                    <a16:rowId xmlns:a16="http://schemas.microsoft.com/office/drawing/2014/main" xmlns="" val="2008388912"/>
                   </a:ext>
                 </a:extLst>
               </a:tr>
@@ -9167,7 +10140,7 @@
                 </a:tc>
                 <a:extLst>
                   <a:ext uri="{0D108BD9-81ED-4DB2-BD59-A6C34878D82A}">
-                    <a16:rowId xmlns:a16="http://schemas.microsoft.com/office/drawing/2014/main" val="3286170515"/>
+                    <a16:rowId xmlns:a16="http://schemas.microsoft.com/office/drawing/2014/main" xmlns="" val="3286170515"/>
                   </a:ext>
                 </a:extLst>
               </a:tr>
@@ -9270,21 +10243,21 @@
                 <a:gridCol w="2136136">
                   <a:extLst>
                     <a:ext uri="{9D8B030D-6E8A-4147-A177-3AD203B41FA5}">
-                      <a16:colId xmlns:a16="http://schemas.microsoft.com/office/drawing/2014/main" val="20000"/>
+                      <a16:colId xmlns:a16="http://schemas.microsoft.com/office/drawing/2014/main" xmlns="" val="20000"/>
                     </a:ext>
                   </a:extLst>
                 </a:gridCol>
                 <a:gridCol w="2534398">
                   <a:extLst>
                     <a:ext uri="{9D8B030D-6E8A-4147-A177-3AD203B41FA5}">
-                      <a16:colId xmlns:a16="http://schemas.microsoft.com/office/drawing/2014/main" val="20001"/>
+                      <a16:colId xmlns:a16="http://schemas.microsoft.com/office/drawing/2014/main" xmlns="" val="20001"/>
                     </a:ext>
                   </a:extLst>
                 </a:gridCol>
                 <a:gridCol w="1737874">
                   <a:extLst>
                     <a:ext uri="{9D8B030D-6E8A-4147-A177-3AD203B41FA5}">
-                      <a16:colId xmlns:a16="http://schemas.microsoft.com/office/drawing/2014/main" val="20002"/>
+                      <a16:colId xmlns:a16="http://schemas.microsoft.com/office/drawing/2014/main" xmlns="" val="20002"/>
                     </a:ext>
                   </a:extLst>
                 </a:gridCol>
@@ -9325,7 +10298,7 @@
                 </a:tc>
                 <a:extLst>
                   <a:ext uri="{0D108BD9-81ED-4DB2-BD59-A6C34878D82A}">
-                    <a16:rowId xmlns:a16="http://schemas.microsoft.com/office/drawing/2014/main" val="10000"/>
+                    <a16:rowId xmlns:a16="http://schemas.microsoft.com/office/drawing/2014/main" xmlns="" val="10000"/>
                   </a:ext>
                 </a:extLst>
               </a:tr>
@@ -9392,7 +10365,7 @@
                 </a:tc>
                 <a:extLst>
                   <a:ext uri="{0D108BD9-81ED-4DB2-BD59-A6C34878D82A}">
-                    <a16:rowId xmlns:a16="http://schemas.microsoft.com/office/drawing/2014/main" val="10001"/>
+                    <a16:rowId xmlns:a16="http://schemas.microsoft.com/office/drawing/2014/main" xmlns="" val="10001"/>
                   </a:ext>
                 </a:extLst>
               </a:tr>
@@ -9438,7 +10411,7 @@
                 </a:tc>
                 <a:extLst>
                   <a:ext uri="{0D108BD9-81ED-4DB2-BD59-A6C34878D82A}">
-                    <a16:rowId xmlns:a16="http://schemas.microsoft.com/office/drawing/2014/main" val="10002"/>
+                    <a16:rowId xmlns:a16="http://schemas.microsoft.com/office/drawing/2014/main" xmlns="" val="10002"/>
                   </a:ext>
                 </a:extLst>
               </a:tr>
@@ -9484,7 +10457,7 @@
                 </a:tc>
                 <a:extLst>
                   <a:ext uri="{0D108BD9-81ED-4DB2-BD59-A6C34878D82A}">
-                    <a16:rowId xmlns:a16="http://schemas.microsoft.com/office/drawing/2014/main" val="10003"/>
+                    <a16:rowId xmlns:a16="http://schemas.microsoft.com/office/drawing/2014/main" xmlns="" val="10003"/>
                   </a:ext>
                 </a:extLst>
               </a:tr>
@@ -9540,7 +10513,7 @@
                 </a:tc>
                 <a:extLst>
                   <a:ext uri="{0D108BD9-81ED-4DB2-BD59-A6C34878D82A}">
-                    <a16:rowId xmlns:a16="http://schemas.microsoft.com/office/drawing/2014/main" val="10004"/>
+                    <a16:rowId xmlns:a16="http://schemas.microsoft.com/office/drawing/2014/main" xmlns="" val="10004"/>
                   </a:ext>
                 </a:extLst>
               </a:tr>
@@ -9587,7 +10560,7 @@
                 </a:tc>
                 <a:extLst>
                   <a:ext uri="{0D108BD9-81ED-4DB2-BD59-A6C34878D82A}">
-                    <a16:rowId xmlns:a16="http://schemas.microsoft.com/office/drawing/2014/main" val="1014700042"/>
+                    <a16:rowId xmlns:a16="http://schemas.microsoft.com/office/drawing/2014/main" xmlns="" val="1014700042"/>
                   </a:ext>
                 </a:extLst>
               </a:tr>
@@ -9634,7 +10607,7 @@
                 </a:tc>
                 <a:extLst>
                   <a:ext uri="{0D108BD9-81ED-4DB2-BD59-A6C34878D82A}">
-                    <a16:rowId xmlns:a16="http://schemas.microsoft.com/office/drawing/2014/main" val="2008388912"/>
+                    <a16:rowId xmlns:a16="http://schemas.microsoft.com/office/drawing/2014/main" xmlns="" val="2008388912"/>
                   </a:ext>
                 </a:extLst>
               </a:tr>
@@ -9681,7 +10654,7 @@
                 </a:tc>
                 <a:extLst>
                   <a:ext uri="{0D108BD9-81ED-4DB2-BD59-A6C34878D82A}">
-                    <a16:rowId xmlns:a16="http://schemas.microsoft.com/office/drawing/2014/main" val="3286170515"/>
+                    <a16:rowId xmlns:a16="http://schemas.microsoft.com/office/drawing/2014/main" xmlns="" val="3286170515"/>
                   </a:ext>
                 </a:extLst>
               </a:tr>

--- a/Assignment n.4/presentazione.pptx
+++ b/Assignment n.4/presentazione.pptx
@@ -4,6 +4,9 @@
   <p:sldMasterIdLst>
     <p:sldMasterId id="2147483696" r:id="rId1"/>
   </p:sldMasterIdLst>
+  <p:notesMasterIdLst>
+    <p:notesMasterId r:id="rId23"/>
+  </p:notesMasterIdLst>
   <p:sldIdLst>
     <p:sldId id="256" r:id="rId2"/>
     <p:sldId id="257" r:id="rId3"/>
@@ -126,7 +129,7 @@
   </p:defaultTextStyle>
   <p:extLst>
     <p:ext uri="{EFAFB233-063F-42B5-8137-9DF3F51BA10A}">
-      <p15:sldGuideLst xmlns:p15="http://schemas.microsoft.com/office/powerpoint/2012/main" xmlns="">
+      <p15:sldGuideLst xmlns="" xmlns:p15="http://schemas.microsoft.com/office/powerpoint/2012/main">
         <p15:guide id="1" orient="horz" pos="2160">
           <p15:clr>
             <a:srgbClr val="A4A3A4"/>
@@ -141,6 +144,440 @@
     </p:ext>
   </p:extLst>
 </p:presentation>
+</file>
+
+<file path=ppt/notesMasters/notesMaster1.xml><?xml version="1.0" encoding="utf-8"?>
+<p:notesMaster xmlns:a="http://schemas.openxmlformats.org/drawingml/2006/main" xmlns:r="http://schemas.openxmlformats.org/officeDocument/2006/relationships" xmlns:p="http://schemas.openxmlformats.org/presentationml/2006/main">
+  <p:cSld>
+    <p:bg>
+      <p:bgRef idx="1001">
+        <a:schemeClr val="bg1"/>
+      </p:bgRef>
+    </p:bg>
+    <p:spTree>
+      <p:nvGrpSpPr>
+        <p:cNvPr id="1" name=""/>
+        <p:cNvGrpSpPr/>
+        <p:nvPr/>
+      </p:nvGrpSpPr>
+      <p:grpSpPr>
+        <a:xfrm>
+          <a:off x="0" y="0"/>
+          <a:ext cx="0" cy="0"/>
+          <a:chOff x="0" y="0"/>
+          <a:chExt cx="0" cy="0"/>
+        </a:xfrm>
+      </p:grpSpPr>
+      <p:sp>
+        <p:nvSpPr>
+          <p:cNvPr id="2" name="Segnaposto intestazione 1"/>
+          <p:cNvSpPr>
+            <a:spLocks noGrp="1"/>
+          </p:cNvSpPr>
+          <p:nvPr>
+            <p:ph type="hdr" sz="quarter"/>
+          </p:nvPr>
+        </p:nvSpPr>
+        <p:spPr>
+          <a:xfrm>
+            <a:off x="0" y="0"/>
+            <a:ext cx="2971800" cy="457200"/>
+          </a:xfrm>
+          <a:prstGeom prst="rect">
+            <a:avLst/>
+          </a:prstGeom>
+        </p:spPr>
+        <p:txBody>
+          <a:bodyPr vert="horz" lIns="91440" tIns="45720" rIns="91440" bIns="45720" rtlCol="0"/>
+          <a:lstStyle>
+            <a:lvl1pPr algn="l">
+              <a:defRPr sz="1200"/>
+            </a:lvl1pPr>
+          </a:lstStyle>
+          <a:p>
+            <a:endParaRPr lang="it-IT"/>
+          </a:p>
+        </p:txBody>
+      </p:sp>
+      <p:sp>
+        <p:nvSpPr>
+          <p:cNvPr id="3" name="Segnaposto data 2"/>
+          <p:cNvSpPr>
+            <a:spLocks noGrp="1"/>
+          </p:cNvSpPr>
+          <p:nvPr>
+            <p:ph type="dt" idx="1"/>
+          </p:nvPr>
+        </p:nvSpPr>
+        <p:spPr>
+          <a:xfrm>
+            <a:off x="3884613" y="0"/>
+            <a:ext cx="2971800" cy="457200"/>
+          </a:xfrm>
+          <a:prstGeom prst="rect">
+            <a:avLst/>
+          </a:prstGeom>
+        </p:spPr>
+        <p:txBody>
+          <a:bodyPr vert="horz" lIns="91440" tIns="45720" rIns="91440" bIns="45720" rtlCol="0"/>
+          <a:lstStyle>
+            <a:lvl1pPr algn="r">
+              <a:defRPr sz="1200"/>
+            </a:lvl1pPr>
+          </a:lstStyle>
+          <a:p>
+            <a:fld id="{B52BECB8-EFD5-4212-B7D2-6C5171F53DEF}" type="datetimeFigureOut">
+              <a:rPr lang="it-IT" smtClean="0"/>
+              <a:t>13/02/2019</a:t>
+            </a:fld>
+            <a:endParaRPr lang="it-IT"/>
+          </a:p>
+        </p:txBody>
+      </p:sp>
+      <p:sp>
+        <p:nvSpPr>
+          <p:cNvPr id="4" name="Segnaposto immagine diapositiva 3"/>
+          <p:cNvSpPr>
+            <a:spLocks noGrp="1" noRot="1" noChangeAspect="1"/>
+          </p:cNvSpPr>
+          <p:nvPr>
+            <p:ph type="sldImg" idx="2"/>
+          </p:nvPr>
+        </p:nvSpPr>
+        <p:spPr>
+          <a:xfrm>
+            <a:off x="1143000" y="685800"/>
+            <a:ext cx="4572000" cy="3429000"/>
+          </a:xfrm>
+          <a:prstGeom prst="rect">
+            <a:avLst/>
+          </a:prstGeom>
+          <a:noFill/>
+          <a:ln w="12700">
+            <a:solidFill>
+              <a:prstClr val="black"/>
+            </a:solidFill>
+          </a:ln>
+        </p:spPr>
+        <p:txBody>
+          <a:bodyPr vert="horz" lIns="91440" tIns="45720" rIns="91440" bIns="45720" rtlCol="0" anchor="ctr"/>
+          <a:lstStyle/>
+          <a:p>
+            <a:endParaRPr lang="it-IT"/>
+          </a:p>
+        </p:txBody>
+      </p:sp>
+      <p:sp>
+        <p:nvSpPr>
+          <p:cNvPr id="5" name="Segnaposto note 4"/>
+          <p:cNvSpPr>
+            <a:spLocks noGrp="1"/>
+          </p:cNvSpPr>
+          <p:nvPr>
+            <p:ph type="body" sz="quarter" idx="3"/>
+          </p:nvPr>
+        </p:nvSpPr>
+        <p:spPr>
+          <a:xfrm>
+            <a:off x="685800" y="4343400"/>
+            <a:ext cx="5486400" cy="4114800"/>
+          </a:xfrm>
+          <a:prstGeom prst="rect">
+            <a:avLst/>
+          </a:prstGeom>
+        </p:spPr>
+        <p:txBody>
+          <a:bodyPr vert="horz" lIns="91440" tIns="45720" rIns="91440" bIns="45720" rtlCol="0"/>
+          <a:lstStyle/>
+          <a:p>
+            <a:pPr lvl="0"/>
+            <a:r>
+              <a:rPr lang="it-IT" smtClean="0"/>
+              <a:t>Fare clic per modificare stili del testo dello schema</a:t>
+            </a:r>
+          </a:p>
+          <a:p>
+            <a:pPr lvl="1"/>
+            <a:r>
+              <a:rPr lang="it-IT" smtClean="0"/>
+              <a:t>Secondo livello</a:t>
+            </a:r>
+          </a:p>
+          <a:p>
+            <a:pPr lvl="2"/>
+            <a:r>
+              <a:rPr lang="it-IT" smtClean="0"/>
+              <a:t>Terzo livello</a:t>
+            </a:r>
+          </a:p>
+          <a:p>
+            <a:pPr lvl="3"/>
+            <a:r>
+              <a:rPr lang="it-IT" smtClean="0"/>
+              <a:t>Quarto livello</a:t>
+            </a:r>
+          </a:p>
+          <a:p>
+            <a:pPr lvl="4"/>
+            <a:r>
+              <a:rPr lang="it-IT" smtClean="0"/>
+              <a:t>Quinto livello</a:t>
+            </a:r>
+            <a:endParaRPr lang="it-IT"/>
+          </a:p>
+        </p:txBody>
+      </p:sp>
+      <p:sp>
+        <p:nvSpPr>
+          <p:cNvPr id="6" name="Segnaposto piè di pagina 5"/>
+          <p:cNvSpPr>
+            <a:spLocks noGrp="1"/>
+          </p:cNvSpPr>
+          <p:nvPr>
+            <p:ph type="ftr" sz="quarter" idx="4"/>
+          </p:nvPr>
+        </p:nvSpPr>
+        <p:spPr>
+          <a:xfrm>
+            <a:off x="0" y="8685213"/>
+            <a:ext cx="2971800" cy="457200"/>
+          </a:xfrm>
+          <a:prstGeom prst="rect">
+            <a:avLst/>
+          </a:prstGeom>
+        </p:spPr>
+        <p:txBody>
+          <a:bodyPr vert="horz" lIns="91440" tIns="45720" rIns="91440" bIns="45720" rtlCol="0" anchor="b"/>
+          <a:lstStyle>
+            <a:lvl1pPr algn="l">
+              <a:defRPr sz="1200"/>
+            </a:lvl1pPr>
+          </a:lstStyle>
+          <a:p>
+            <a:endParaRPr lang="it-IT"/>
+          </a:p>
+        </p:txBody>
+      </p:sp>
+      <p:sp>
+        <p:nvSpPr>
+          <p:cNvPr id="7" name="Segnaposto numero diapositiva 6"/>
+          <p:cNvSpPr>
+            <a:spLocks noGrp="1"/>
+          </p:cNvSpPr>
+          <p:nvPr>
+            <p:ph type="sldNum" sz="quarter" idx="5"/>
+          </p:nvPr>
+        </p:nvSpPr>
+        <p:spPr>
+          <a:xfrm>
+            <a:off x="3884613" y="8685213"/>
+            <a:ext cx="2971800" cy="457200"/>
+          </a:xfrm>
+          <a:prstGeom prst="rect">
+            <a:avLst/>
+          </a:prstGeom>
+        </p:spPr>
+        <p:txBody>
+          <a:bodyPr vert="horz" lIns="91440" tIns="45720" rIns="91440" bIns="45720" rtlCol="0" anchor="b"/>
+          <a:lstStyle>
+            <a:lvl1pPr algn="r">
+              <a:defRPr sz="1200"/>
+            </a:lvl1pPr>
+          </a:lstStyle>
+          <a:p>
+            <a:fld id="{ABFCBA1F-36EB-4173-94E4-C3C217C36A79}" type="slidenum">
+              <a:rPr lang="it-IT" smtClean="0"/>
+              <a:t>‹N›</a:t>
+            </a:fld>
+            <a:endParaRPr lang="it-IT"/>
+          </a:p>
+        </p:txBody>
+      </p:sp>
+    </p:spTree>
+    <p:extLst>
+      <p:ext uri="{BB962C8B-B14F-4D97-AF65-F5344CB8AC3E}">
+        <p14:creationId xmlns:p14="http://schemas.microsoft.com/office/powerpoint/2010/main" val="3383898047"/>
+      </p:ext>
+    </p:extLst>
+  </p:cSld>
+  <p:clrMap bg1="lt1" tx1="dk1" bg2="lt2" tx2="dk2" accent1="accent1" accent2="accent2" accent3="accent3" accent4="accent4" accent5="accent5" accent6="accent6" hlink="hlink" folHlink="folHlink"/>
+  <p:notesStyle>
+    <a:lvl1pPr marL="0" algn="l" defTabSz="914400" rtl="0" eaLnBrk="1" latinLnBrk="0" hangingPunct="1">
+      <a:defRPr sz="1200" kern="1200">
+        <a:solidFill>
+          <a:schemeClr val="tx1"/>
+        </a:solidFill>
+        <a:latin typeface="+mn-lt"/>
+        <a:ea typeface="+mn-ea"/>
+        <a:cs typeface="+mn-cs"/>
+      </a:defRPr>
+    </a:lvl1pPr>
+    <a:lvl2pPr marL="457200" algn="l" defTabSz="914400" rtl="0" eaLnBrk="1" latinLnBrk="0" hangingPunct="1">
+      <a:defRPr sz="1200" kern="1200">
+        <a:solidFill>
+          <a:schemeClr val="tx1"/>
+        </a:solidFill>
+        <a:latin typeface="+mn-lt"/>
+        <a:ea typeface="+mn-ea"/>
+        <a:cs typeface="+mn-cs"/>
+      </a:defRPr>
+    </a:lvl2pPr>
+    <a:lvl3pPr marL="914400" algn="l" defTabSz="914400" rtl="0" eaLnBrk="1" latinLnBrk="0" hangingPunct="1">
+      <a:defRPr sz="1200" kern="1200">
+        <a:solidFill>
+          <a:schemeClr val="tx1"/>
+        </a:solidFill>
+        <a:latin typeface="+mn-lt"/>
+        <a:ea typeface="+mn-ea"/>
+        <a:cs typeface="+mn-cs"/>
+      </a:defRPr>
+    </a:lvl3pPr>
+    <a:lvl4pPr marL="1371600" algn="l" defTabSz="914400" rtl="0" eaLnBrk="1" latinLnBrk="0" hangingPunct="1">
+      <a:defRPr sz="1200" kern="1200">
+        <a:solidFill>
+          <a:schemeClr val="tx1"/>
+        </a:solidFill>
+        <a:latin typeface="+mn-lt"/>
+        <a:ea typeface="+mn-ea"/>
+        <a:cs typeface="+mn-cs"/>
+      </a:defRPr>
+    </a:lvl4pPr>
+    <a:lvl5pPr marL="1828800" algn="l" defTabSz="914400" rtl="0" eaLnBrk="1" latinLnBrk="0" hangingPunct="1">
+      <a:defRPr sz="1200" kern="1200">
+        <a:solidFill>
+          <a:schemeClr val="tx1"/>
+        </a:solidFill>
+        <a:latin typeface="+mn-lt"/>
+        <a:ea typeface="+mn-ea"/>
+        <a:cs typeface="+mn-cs"/>
+      </a:defRPr>
+    </a:lvl5pPr>
+    <a:lvl6pPr marL="2286000" algn="l" defTabSz="914400" rtl="0" eaLnBrk="1" latinLnBrk="0" hangingPunct="1">
+      <a:defRPr sz="1200" kern="1200">
+        <a:solidFill>
+          <a:schemeClr val="tx1"/>
+        </a:solidFill>
+        <a:latin typeface="+mn-lt"/>
+        <a:ea typeface="+mn-ea"/>
+        <a:cs typeface="+mn-cs"/>
+      </a:defRPr>
+    </a:lvl6pPr>
+    <a:lvl7pPr marL="2743200" algn="l" defTabSz="914400" rtl="0" eaLnBrk="1" latinLnBrk="0" hangingPunct="1">
+      <a:defRPr sz="1200" kern="1200">
+        <a:solidFill>
+          <a:schemeClr val="tx1"/>
+        </a:solidFill>
+        <a:latin typeface="+mn-lt"/>
+        <a:ea typeface="+mn-ea"/>
+        <a:cs typeface="+mn-cs"/>
+      </a:defRPr>
+    </a:lvl7pPr>
+    <a:lvl8pPr marL="3200400" algn="l" defTabSz="914400" rtl="0" eaLnBrk="1" latinLnBrk="0" hangingPunct="1">
+      <a:defRPr sz="1200" kern="1200">
+        <a:solidFill>
+          <a:schemeClr val="tx1"/>
+        </a:solidFill>
+        <a:latin typeface="+mn-lt"/>
+        <a:ea typeface="+mn-ea"/>
+        <a:cs typeface="+mn-cs"/>
+      </a:defRPr>
+    </a:lvl8pPr>
+    <a:lvl9pPr marL="3657600" algn="l" defTabSz="914400" rtl="0" eaLnBrk="1" latinLnBrk="0" hangingPunct="1">
+      <a:defRPr sz="1200" kern="1200">
+        <a:solidFill>
+          <a:schemeClr val="tx1"/>
+        </a:solidFill>
+        <a:latin typeface="+mn-lt"/>
+        <a:ea typeface="+mn-ea"/>
+        <a:cs typeface="+mn-cs"/>
+      </a:defRPr>
+    </a:lvl9pPr>
+  </p:notesStyle>
+</p:notesMaster>
+</file>
+
+<file path=ppt/notesSlides/notesSlide1.xml><?xml version="1.0" encoding="utf-8"?>
+<p:notes xmlns:a="http://schemas.openxmlformats.org/drawingml/2006/main" xmlns:r="http://schemas.openxmlformats.org/officeDocument/2006/relationships" xmlns:p="http://schemas.openxmlformats.org/presentationml/2006/main">
+  <p:cSld>
+    <p:spTree>
+      <p:nvGrpSpPr>
+        <p:cNvPr id="1" name=""/>
+        <p:cNvGrpSpPr/>
+        <p:nvPr/>
+      </p:nvGrpSpPr>
+      <p:grpSpPr>
+        <a:xfrm>
+          <a:off x="0" y="0"/>
+          <a:ext cx="0" cy="0"/>
+          <a:chOff x="0" y="0"/>
+          <a:chExt cx="0" cy="0"/>
+        </a:xfrm>
+      </p:grpSpPr>
+      <p:sp>
+        <p:nvSpPr>
+          <p:cNvPr id="2" name="Segnaposto immagine diapositiva 1"/>
+          <p:cNvSpPr>
+            <a:spLocks noGrp="1" noRot="1" noChangeAspect="1"/>
+          </p:cNvSpPr>
+          <p:nvPr>
+            <p:ph type="sldImg"/>
+          </p:nvPr>
+        </p:nvSpPr>
+        <p:spPr/>
+      </p:sp>
+      <p:sp>
+        <p:nvSpPr>
+          <p:cNvPr id="3" name="Segnaposto note 2"/>
+          <p:cNvSpPr>
+            <a:spLocks noGrp="1"/>
+          </p:cNvSpPr>
+          <p:nvPr>
+            <p:ph type="body" idx="1"/>
+          </p:nvPr>
+        </p:nvSpPr>
+        <p:spPr/>
+        <p:txBody>
+          <a:bodyPr/>
+          <a:lstStyle/>
+          <a:p>
+            <a:endParaRPr lang="it-IT" dirty="0"/>
+          </a:p>
+        </p:txBody>
+      </p:sp>
+      <p:sp>
+        <p:nvSpPr>
+          <p:cNvPr id="4" name="Segnaposto numero diapositiva 3"/>
+          <p:cNvSpPr>
+            <a:spLocks noGrp="1"/>
+          </p:cNvSpPr>
+          <p:nvPr>
+            <p:ph type="sldNum" sz="quarter" idx="10"/>
+          </p:nvPr>
+        </p:nvSpPr>
+        <p:spPr/>
+        <p:txBody>
+          <a:bodyPr/>
+          <a:lstStyle/>
+          <a:p>
+            <a:fld id="{ABFCBA1F-36EB-4173-94E4-C3C217C36A79}" type="slidenum">
+              <a:rPr lang="it-IT" smtClean="0"/>
+              <a:t>19</a:t>
+            </a:fld>
+            <a:endParaRPr lang="it-IT"/>
+          </a:p>
+        </p:txBody>
+      </p:sp>
+    </p:spTree>
+    <p:extLst>
+      <p:ext uri="{BB962C8B-B14F-4D97-AF65-F5344CB8AC3E}">
+        <p14:creationId xmlns:p14="http://schemas.microsoft.com/office/powerpoint/2010/main" val="1910655256"/>
+      </p:ext>
+    </p:extLst>
+  </p:cSld>
+  <p:clrMapOvr>
+    <a:masterClrMapping/>
+  </p:clrMapOvr>
+</p:notes>
 </file>
 
 <file path=ppt/slideLayouts/slideLayout1.xml><?xml version="1.0" encoding="utf-8"?>
@@ -3793,21 +4230,21 @@
                 <a:gridCol w="2136136">
                   <a:extLst>
                     <a:ext uri="{9D8B030D-6E8A-4147-A177-3AD203B41FA5}">
-                      <a16:colId xmlns:a16="http://schemas.microsoft.com/office/drawing/2014/main" xmlns="" val="20000"/>
+                      <a16:colId xmlns="" xmlns:a16="http://schemas.microsoft.com/office/drawing/2014/main" val="20000"/>
                     </a:ext>
                   </a:extLst>
                 </a:gridCol>
                 <a:gridCol w="2534398">
                   <a:extLst>
                     <a:ext uri="{9D8B030D-6E8A-4147-A177-3AD203B41FA5}">
-                      <a16:colId xmlns:a16="http://schemas.microsoft.com/office/drawing/2014/main" xmlns="" val="20001"/>
+                      <a16:colId xmlns="" xmlns:a16="http://schemas.microsoft.com/office/drawing/2014/main" val="20001"/>
                     </a:ext>
                   </a:extLst>
                 </a:gridCol>
                 <a:gridCol w="1737874">
                   <a:extLst>
                     <a:ext uri="{9D8B030D-6E8A-4147-A177-3AD203B41FA5}">
-                      <a16:colId xmlns:a16="http://schemas.microsoft.com/office/drawing/2014/main" xmlns="" val="20002"/>
+                      <a16:colId xmlns="" xmlns:a16="http://schemas.microsoft.com/office/drawing/2014/main" val="20002"/>
                     </a:ext>
                   </a:extLst>
                 </a:gridCol>
@@ -3848,7 +4285,7 @@
                 </a:tc>
                 <a:extLst>
                   <a:ext uri="{0D108BD9-81ED-4DB2-BD59-A6C34878D82A}">
-                    <a16:rowId xmlns:a16="http://schemas.microsoft.com/office/drawing/2014/main" xmlns="" val="10000"/>
+                    <a16:rowId xmlns="" xmlns:a16="http://schemas.microsoft.com/office/drawing/2014/main" val="10000"/>
                   </a:ext>
                 </a:extLst>
               </a:tr>
@@ -3915,7 +4352,7 @@
                 </a:tc>
                 <a:extLst>
                   <a:ext uri="{0D108BD9-81ED-4DB2-BD59-A6C34878D82A}">
-                    <a16:rowId xmlns:a16="http://schemas.microsoft.com/office/drawing/2014/main" xmlns="" val="10001"/>
+                    <a16:rowId xmlns="" xmlns:a16="http://schemas.microsoft.com/office/drawing/2014/main" val="10001"/>
                   </a:ext>
                 </a:extLst>
               </a:tr>
@@ -3961,7 +4398,7 @@
                 </a:tc>
                 <a:extLst>
                   <a:ext uri="{0D108BD9-81ED-4DB2-BD59-A6C34878D82A}">
-                    <a16:rowId xmlns:a16="http://schemas.microsoft.com/office/drawing/2014/main" xmlns="" val="10002"/>
+                    <a16:rowId xmlns="" xmlns:a16="http://schemas.microsoft.com/office/drawing/2014/main" val="10002"/>
                   </a:ext>
                 </a:extLst>
               </a:tr>
@@ -4007,7 +4444,7 @@
                 </a:tc>
                 <a:extLst>
                   <a:ext uri="{0D108BD9-81ED-4DB2-BD59-A6C34878D82A}">
-                    <a16:rowId xmlns:a16="http://schemas.microsoft.com/office/drawing/2014/main" xmlns="" val="10003"/>
+                    <a16:rowId xmlns="" xmlns:a16="http://schemas.microsoft.com/office/drawing/2014/main" val="10003"/>
                   </a:ext>
                 </a:extLst>
               </a:tr>
@@ -4063,7 +4500,7 @@
                 </a:tc>
                 <a:extLst>
                   <a:ext uri="{0D108BD9-81ED-4DB2-BD59-A6C34878D82A}">
-                    <a16:rowId xmlns:a16="http://schemas.microsoft.com/office/drawing/2014/main" xmlns="" val="10004"/>
+                    <a16:rowId xmlns="" xmlns:a16="http://schemas.microsoft.com/office/drawing/2014/main" val="10004"/>
                   </a:ext>
                 </a:extLst>
               </a:tr>
@@ -4110,7 +4547,7 @@
                 </a:tc>
                 <a:extLst>
                   <a:ext uri="{0D108BD9-81ED-4DB2-BD59-A6C34878D82A}">
-                    <a16:rowId xmlns:a16="http://schemas.microsoft.com/office/drawing/2014/main" xmlns="" val="1014700042"/>
+                    <a16:rowId xmlns="" xmlns:a16="http://schemas.microsoft.com/office/drawing/2014/main" val="1014700042"/>
                   </a:ext>
                 </a:extLst>
               </a:tr>
@@ -4157,7 +4594,7 @@
                 </a:tc>
                 <a:extLst>
                   <a:ext uri="{0D108BD9-81ED-4DB2-BD59-A6C34878D82A}">
-                    <a16:rowId xmlns:a16="http://schemas.microsoft.com/office/drawing/2014/main" xmlns="" val="2008388912"/>
+                    <a16:rowId xmlns="" xmlns:a16="http://schemas.microsoft.com/office/drawing/2014/main" val="2008388912"/>
                   </a:ext>
                 </a:extLst>
               </a:tr>
@@ -4204,7 +4641,7 @@
                 </a:tc>
                 <a:extLst>
                   <a:ext uri="{0D108BD9-81ED-4DB2-BD59-A6C34878D82A}">
-                    <a16:rowId xmlns:a16="http://schemas.microsoft.com/office/drawing/2014/main" xmlns="" val="3286170515"/>
+                    <a16:rowId xmlns="" xmlns:a16="http://schemas.microsoft.com/office/drawing/2014/main" val="3286170515"/>
                   </a:ext>
                 </a:extLst>
               </a:tr>
@@ -5745,7 +6182,7 @@
           <p:cNvPr id="2" name="Titolo 1">
             <a:extLst>
               <a:ext uri="{FF2B5EF4-FFF2-40B4-BE49-F238E27FC236}">
-                <a16:creationId xmlns:a16="http://schemas.microsoft.com/office/drawing/2014/main" xmlns="" id="{68B96A78-96D6-4088-B0D6-159A7B045ED9}"/>
+                <a16:creationId xmlns="" xmlns:a16="http://schemas.microsoft.com/office/drawing/2014/main" id="{68B96A78-96D6-4088-B0D6-159A7B045ED9}"/>
               </a:ext>
             </a:extLst>
           </p:cNvPr>
@@ -5775,7 +6212,7 @@
           <p:cNvPr id="4" name="Segnaposto contenuto 3">
             <a:extLst>
               <a:ext uri="{FF2B5EF4-FFF2-40B4-BE49-F238E27FC236}">
-                <a16:creationId xmlns:a16="http://schemas.microsoft.com/office/drawing/2014/main" xmlns="" id="{DB5AB712-AB58-4F64-90E0-021CABF2ED7B}"/>
+                <a16:creationId xmlns="" xmlns:a16="http://schemas.microsoft.com/office/drawing/2014/main" id="{DB5AB712-AB58-4F64-90E0-021CABF2ED7B}"/>
               </a:ext>
             </a:extLst>
           </p:cNvPr>
@@ -7479,7 +7916,6 @@
               <a:rPr lang="it-IT" sz="3600" dirty="0"/>
               <a:t>.</a:t>
             </a:r>
-            <a:endParaRPr lang="it-IT" sz="3600" dirty="0"/>
           </a:p>
           <a:p>
             <a:pPr algn="just"/>
@@ -9237,8 +9673,8 @@
         </p:nvSpPr>
         <p:spPr>
           <a:xfrm>
-            <a:off x="304800" y="1484784"/>
-            <a:ext cx="8596064" cy="4862870"/>
+            <a:off x="304800" y="1256467"/>
+            <a:ext cx="8596064" cy="5601533"/>
           </a:xfrm>
           <a:prstGeom prst="rect">
             <a:avLst/>
@@ -9525,8 +9961,72 @@
                   </a:outerShdw>
                 </a:effectLst>
               </a:rPr>
-              <a:t>Nella home verranno spiegate le pagine principali del sistema con bottoni che porteranno alla relativa pagina.</a:t>
-            </a:r>
+              <a:t>Nella home verranno spiegate le pagine principali del sistema con bottoni che porteranno alla relativa pagina</a:t>
+            </a:r>
+            <a:r>
+              <a:rPr lang="it-IT" sz="1600" dirty="0" smtClean="0">
+                <a:effectLst>
+                  <a:outerShdw blurRad="38100" dist="38100" dir="2700000" algn="tl">
+                    <a:srgbClr val="000000">
+                      <a:alpha val="43137"/>
+                    </a:srgbClr>
+                  </a:outerShdw>
+                </a:effectLst>
+              </a:rPr>
+              <a:t>.</a:t>
+            </a:r>
+          </a:p>
+          <a:p>
+            <a:pPr marL="285750" indent="-285750" algn="just">
+              <a:buFont typeface="Arial" panose="020B0604020202020204" pitchFamily="34" charset="0"/>
+              <a:buChar char="•"/>
+            </a:pPr>
+            <a:endParaRPr lang="it-IT" sz="1600" dirty="0"/>
+          </a:p>
+          <a:p>
+            <a:pPr marL="285750" indent="-285750" algn="just">
+              <a:buFont typeface="Arial" panose="020B0604020202020204" pitchFamily="34" charset="0"/>
+              <a:buChar char="•"/>
+            </a:pPr>
+            <a:r>
+              <a:rPr lang="it-IT" sz="1600" dirty="0">
+                <a:effectLst>
+                  <a:outerShdw blurRad="38100" dist="38100" dir="2700000" algn="tl">
+                    <a:srgbClr val="000000">
+                      <a:alpha val="43137"/>
+                    </a:srgbClr>
+                  </a:outerShdw>
+                </a:effectLst>
+              </a:rPr>
+              <a:t>Verranno aggiunti feedback immediati in tutte le interazioni principali tra utente e </a:t>
+            </a:r>
+            <a:r>
+              <a:rPr lang="it-IT" sz="1600" dirty="0" smtClean="0">
+                <a:effectLst>
+                  <a:outerShdw blurRad="38100" dist="38100" dir="2700000" algn="tl">
+                    <a:srgbClr val="000000">
+                      <a:alpha val="43137"/>
+                    </a:srgbClr>
+                  </a:outerShdw>
+                </a:effectLst>
+              </a:rPr>
+              <a:t>sistema.</a:t>
+            </a:r>
+            <a:endParaRPr lang="it-IT" sz="1600" dirty="0">
+              <a:effectLst>
+                <a:outerShdw blurRad="38100" dist="38100" dir="2700000" algn="tl">
+                  <a:srgbClr val="000000">
+                    <a:alpha val="43137"/>
+                  </a:srgbClr>
+                </a:outerShdw>
+              </a:effectLst>
+            </a:endParaRPr>
+          </a:p>
+          <a:p>
+            <a:pPr marL="285750" indent="-285750" algn="just">
+              <a:buFont typeface="Arial" panose="020B0604020202020204" pitchFamily="34" charset="0"/>
+              <a:buChar char="•"/>
+            </a:pPr>
             <a:endParaRPr lang="it-IT" sz="1600" dirty="0">
               <a:effectLst>
                 <a:outerShdw blurRad="38100" dist="38100" dir="2700000" algn="tl">
@@ -9548,7 +10048,7 @@
           <p:nvPr/>
         </p:nvPicPr>
         <p:blipFill>
-          <a:blip r:embed="rId2" cstate="print">
+          <a:blip r:embed="rId3" cstate="print">
             <a:extLst>
               <a:ext uri="{28A0092B-C50C-407E-A947-70E740481C1C}">
                 <a14:useLocalDpi xmlns:a14="http://schemas.microsoft.com/office/drawing/2010/main" val="0"/>
@@ -9577,7 +10077,7 @@
         </p:nvSpPr>
         <p:spPr>
           <a:xfrm>
-            <a:off x="5746520" y="3356992"/>
+            <a:off x="5746520" y="3128675"/>
             <a:ext cx="216024" cy="144016"/>
           </a:xfrm>
           <a:prstGeom prst="rect">
@@ -9625,7 +10125,7 @@
         </p:nvSpPr>
         <p:spPr>
           <a:xfrm>
-            <a:off x="7240885" y="3861048"/>
+            <a:off x="7240885" y="3632731"/>
             <a:ext cx="216024" cy="144016"/>
           </a:xfrm>
           <a:prstGeom prst="rect">
@@ -9670,7 +10170,7 @@
           <p:cNvPr id="10" name="Rettangolo 9">
             <a:extLst>
               <a:ext uri="{FF2B5EF4-FFF2-40B4-BE49-F238E27FC236}">
-                <a16:creationId xmlns:a16="http://schemas.microsoft.com/office/drawing/2014/main" xmlns="" id="{A23D2597-3C7F-4BB6-96D8-88A88DF35BC1}"/>
+                <a16:creationId xmlns="" xmlns:a16="http://schemas.microsoft.com/office/drawing/2014/main" id="{A23D2597-3C7F-4BB6-96D8-88A88DF35BC1}"/>
               </a:ext>
             </a:extLst>
           </p:cNvPr>
@@ -9679,7 +10179,7 @@
         </p:nvSpPr>
         <p:spPr>
           <a:xfrm>
-            <a:off x="1928700" y="4581128"/>
+            <a:off x="1928700" y="4352811"/>
             <a:ext cx="216024" cy="168548"/>
           </a:xfrm>
           <a:prstGeom prst="rect">
@@ -9727,7 +10227,7 @@
         </p:nvSpPr>
         <p:spPr>
           <a:xfrm>
-            <a:off x="5736368" y="2852936"/>
+            <a:off x="5736368" y="2624619"/>
             <a:ext cx="216024" cy="144016"/>
           </a:xfrm>
           <a:prstGeom prst="rect">
@@ -9772,7 +10272,7 @@
           <p:cNvPr id="14" name="Rettangolo 13">
             <a:extLst>
               <a:ext uri="{FF2B5EF4-FFF2-40B4-BE49-F238E27FC236}">
-                <a16:creationId xmlns:a16="http://schemas.microsoft.com/office/drawing/2014/main" xmlns="" id="{A23D2597-3C7F-4BB6-96D8-88A88DF35BC1}"/>
+                <a16:creationId xmlns="" xmlns:a16="http://schemas.microsoft.com/office/drawing/2014/main" id="{A23D2597-3C7F-4BB6-96D8-88A88DF35BC1}"/>
               </a:ext>
             </a:extLst>
           </p:cNvPr>
@@ -9781,7 +10281,7 @@
         </p:nvSpPr>
         <p:spPr>
           <a:xfrm>
-            <a:off x="1475656" y="5301208"/>
+            <a:off x="1475656" y="5072891"/>
             <a:ext cx="216024" cy="168548"/>
           </a:xfrm>
           <a:prstGeom prst="rect">
@@ -9826,7 +10326,7 @@
           <p:cNvPr id="15" name="Rettangolo 14">
             <a:extLst>
               <a:ext uri="{FF2B5EF4-FFF2-40B4-BE49-F238E27FC236}">
-                <a16:creationId xmlns:a16="http://schemas.microsoft.com/office/drawing/2014/main" xmlns="" id="{A23D2597-3C7F-4BB6-96D8-88A88DF35BC1}"/>
+                <a16:creationId xmlns="" xmlns:a16="http://schemas.microsoft.com/office/drawing/2014/main" id="{A23D2597-3C7F-4BB6-96D8-88A88DF35BC1}"/>
               </a:ext>
             </a:extLst>
           </p:cNvPr>
@@ -9835,7 +10335,61 @@
         </p:nvSpPr>
         <p:spPr>
           <a:xfrm>
-            <a:off x="2411760" y="6061365"/>
+            <a:off x="2411760" y="5833048"/>
+            <a:ext cx="216024" cy="168548"/>
+          </a:xfrm>
+          <a:prstGeom prst="rect">
+            <a:avLst/>
+          </a:prstGeom>
+          <a:solidFill>
+            <a:srgbClr val="FFFF00"/>
+          </a:solidFill>
+          <a:ln>
+            <a:solidFill>
+              <a:srgbClr val="FFFF00"/>
+            </a:solidFill>
+          </a:ln>
+        </p:spPr>
+        <p:style>
+          <a:lnRef idx="2">
+            <a:schemeClr val="accent1">
+              <a:shade val="50000"/>
+            </a:schemeClr>
+          </a:lnRef>
+          <a:fillRef idx="1">
+            <a:schemeClr val="accent1"/>
+          </a:fillRef>
+          <a:effectRef idx="0">
+            <a:schemeClr val="accent1"/>
+          </a:effectRef>
+          <a:fontRef idx="minor">
+            <a:schemeClr val="lt1"/>
+          </a:fontRef>
+        </p:style>
+        <p:txBody>
+          <a:bodyPr rtlCol="0" anchor="ctr"/>
+          <a:lstStyle/>
+          <a:p>
+            <a:pPr algn="ctr"/>
+            <a:endParaRPr lang="it-IT" dirty="0"/>
+          </a:p>
+        </p:txBody>
+      </p:sp>
+      <p:sp>
+        <p:nvSpPr>
+          <p:cNvPr id="11" name="Rettangolo 10">
+            <a:extLst>
+              <a:ext uri="{FF2B5EF4-FFF2-40B4-BE49-F238E27FC236}">
+                <a16:creationId xmlns="" xmlns:a16="http://schemas.microsoft.com/office/drawing/2014/main" id="{A23D2597-3C7F-4BB6-96D8-88A88DF35BC1}"/>
+              </a:ext>
+            </a:extLst>
+          </p:cNvPr>
+          <p:cNvSpPr/>
+          <p:nvPr/>
+        </p:nvSpPr>
+        <p:spPr>
+          <a:xfrm>
+            <a:off x="8688968" y="6297027"/>
             <a:ext cx="216024" cy="168548"/>
           </a:xfrm>
           <a:prstGeom prst="rect">
@@ -10188,6 +10742,41 @@
                                   </p:childTnLst>
                                 </p:cTn>
                               </p:par>
+                              <p:par>
+                                <p:cTn id="27" presetID="16" presetClass="entr" presetSubtype="21" fill="hold" grpId="0" nodeType="withEffect">
+                                  <p:stCondLst>
+                                    <p:cond delay="0"/>
+                                  </p:stCondLst>
+                                  <p:childTnLst>
+                                    <p:set>
+                                      <p:cBhvr>
+                                        <p:cTn id="28" dur="1" fill="hold">
+                                          <p:stCondLst>
+                                            <p:cond delay="0"/>
+                                          </p:stCondLst>
+                                        </p:cTn>
+                                        <p:tgtEl>
+                                          <p:spTgt spid="11"/>
+                                        </p:tgtEl>
+                                        <p:attrNameLst>
+                                          <p:attrName>style.visibility</p:attrName>
+                                        </p:attrNameLst>
+                                      </p:cBhvr>
+                                      <p:to>
+                                        <p:strVal val="visible"/>
+                                      </p:to>
+                                    </p:set>
+                                    <p:animEffect transition="in" filter="barn(inVertical)">
+                                      <p:cBhvr>
+                                        <p:cTn id="29" dur="500"/>
+                                        <p:tgtEl>
+                                          <p:spTgt spid="11"/>
+                                        </p:tgtEl>
+                                      </p:cBhvr>
+                                    </p:animEffect>
+                                  </p:childTnLst>
+                                </p:cTn>
+                              </p:par>
                             </p:childTnLst>
                           </p:cTn>
                         </p:par>
@@ -10223,6 +10812,7 @@
       <p:bldP spid="13" grpId="0" animBg="1"/>
       <p:bldP spid="14" grpId="0" animBg="1"/>
       <p:bldP spid="15" grpId="0" animBg="1"/>
+      <p:bldP spid="11" grpId="0" animBg="1"/>
     </p:bldLst>
   </p:timing>
 </p:sld>
@@ -16252,19 +16842,7 @@
                   </a:outerShdw>
                 </a:effectLst>
               </a:rPr>
-              <a:t>Età: </a:t>
-            </a:r>
-            <a:r>
-              <a:rPr lang="it-IT" sz="3600" dirty="0" smtClean="0">
-                <a:effectLst>
-                  <a:outerShdw blurRad="38100" dist="38100" dir="2700000" algn="tl">
-                    <a:srgbClr val="000000">
-                      <a:alpha val="43137"/>
-                    </a:srgbClr>
-                  </a:outerShdw>
-                </a:effectLst>
-              </a:rPr>
-              <a:t>12 anni</a:t>
+              <a:t>Età: 12 anni</a:t>
             </a:r>
           </a:p>
           <a:p>
@@ -18538,21 +19116,21 @@
                 <a:gridCol w="2136136">
                   <a:extLst>
                     <a:ext uri="{9D8B030D-6E8A-4147-A177-3AD203B41FA5}">
-                      <a16:colId xmlns:a16="http://schemas.microsoft.com/office/drawing/2014/main" xmlns="" val="20000"/>
+                      <a16:colId xmlns="" xmlns:a16="http://schemas.microsoft.com/office/drawing/2014/main" val="20000"/>
                     </a:ext>
                   </a:extLst>
                 </a:gridCol>
                 <a:gridCol w="2534398">
                   <a:extLst>
                     <a:ext uri="{9D8B030D-6E8A-4147-A177-3AD203B41FA5}">
-                      <a16:colId xmlns:a16="http://schemas.microsoft.com/office/drawing/2014/main" xmlns="" val="20001"/>
+                      <a16:colId xmlns="" xmlns:a16="http://schemas.microsoft.com/office/drawing/2014/main" val="20001"/>
                     </a:ext>
                   </a:extLst>
                 </a:gridCol>
                 <a:gridCol w="1737874">
                   <a:extLst>
                     <a:ext uri="{9D8B030D-6E8A-4147-A177-3AD203B41FA5}">
-                      <a16:colId xmlns:a16="http://schemas.microsoft.com/office/drawing/2014/main" xmlns="" val="20002"/>
+                      <a16:colId xmlns="" xmlns:a16="http://schemas.microsoft.com/office/drawing/2014/main" val="20002"/>
                     </a:ext>
                   </a:extLst>
                 </a:gridCol>
@@ -18593,7 +19171,7 @@
                 </a:tc>
                 <a:extLst>
                   <a:ext uri="{0D108BD9-81ED-4DB2-BD59-A6C34878D82A}">
-                    <a16:rowId xmlns:a16="http://schemas.microsoft.com/office/drawing/2014/main" xmlns="" val="10000"/>
+                    <a16:rowId xmlns="" xmlns:a16="http://schemas.microsoft.com/office/drawing/2014/main" val="10000"/>
                   </a:ext>
                 </a:extLst>
               </a:tr>
@@ -18660,7 +19238,7 @@
                 </a:tc>
                 <a:extLst>
                   <a:ext uri="{0D108BD9-81ED-4DB2-BD59-A6C34878D82A}">
-                    <a16:rowId xmlns:a16="http://schemas.microsoft.com/office/drawing/2014/main" xmlns="" val="10001"/>
+                    <a16:rowId xmlns="" xmlns:a16="http://schemas.microsoft.com/office/drawing/2014/main" val="10001"/>
                   </a:ext>
                 </a:extLst>
               </a:tr>
@@ -18706,7 +19284,7 @@
                 </a:tc>
                 <a:extLst>
                   <a:ext uri="{0D108BD9-81ED-4DB2-BD59-A6C34878D82A}">
-                    <a16:rowId xmlns:a16="http://schemas.microsoft.com/office/drawing/2014/main" xmlns="" val="10002"/>
+                    <a16:rowId xmlns="" xmlns:a16="http://schemas.microsoft.com/office/drawing/2014/main" val="10002"/>
                   </a:ext>
                 </a:extLst>
               </a:tr>
@@ -18752,7 +19330,7 @@
                 </a:tc>
                 <a:extLst>
                   <a:ext uri="{0D108BD9-81ED-4DB2-BD59-A6C34878D82A}">
-                    <a16:rowId xmlns:a16="http://schemas.microsoft.com/office/drawing/2014/main" xmlns="" val="10003"/>
+                    <a16:rowId xmlns="" xmlns:a16="http://schemas.microsoft.com/office/drawing/2014/main" val="10003"/>
                   </a:ext>
                 </a:extLst>
               </a:tr>
@@ -18808,7 +19386,7 @@
                 </a:tc>
                 <a:extLst>
                   <a:ext uri="{0D108BD9-81ED-4DB2-BD59-A6C34878D82A}">
-                    <a16:rowId xmlns:a16="http://schemas.microsoft.com/office/drawing/2014/main" xmlns="" val="10004"/>
+                    <a16:rowId xmlns="" xmlns:a16="http://schemas.microsoft.com/office/drawing/2014/main" val="10004"/>
                   </a:ext>
                 </a:extLst>
               </a:tr>
@@ -18855,7 +19433,7 @@
                 </a:tc>
                 <a:extLst>
                   <a:ext uri="{0D108BD9-81ED-4DB2-BD59-A6C34878D82A}">
-                    <a16:rowId xmlns:a16="http://schemas.microsoft.com/office/drawing/2014/main" xmlns="" val="1014700042"/>
+                    <a16:rowId xmlns="" xmlns:a16="http://schemas.microsoft.com/office/drawing/2014/main" val="1014700042"/>
                   </a:ext>
                 </a:extLst>
               </a:tr>
@@ -18902,7 +19480,7 @@
                 </a:tc>
                 <a:extLst>
                   <a:ext uri="{0D108BD9-81ED-4DB2-BD59-A6C34878D82A}">
-                    <a16:rowId xmlns:a16="http://schemas.microsoft.com/office/drawing/2014/main" xmlns="" val="2008388912"/>
+                    <a16:rowId xmlns="" xmlns:a16="http://schemas.microsoft.com/office/drawing/2014/main" val="2008388912"/>
                   </a:ext>
                 </a:extLst>
               </a:tr>
@@ -18949,7 +19527,7 @@
                 </a:tc>
                 <a:extLst>
                   <a:ext uri="{0D108BD9-81ED-4DB2-BD59-A6C34878D82A}">
-                    <a16:rowId xmlns:a16="http://schemas.microsoft.com/office/drawing/2014/main" xmlns="" val="3286170515"/>
+                    <a16:rowId xmlns="" xmlns:a16="http://schemas.microsoft.com/office/drawing/2014/main" val="3286170515"/>
                   </a:ext>
                 </a:extLst>
               </a:tr>
@@ -19173,21 +19751,21 @@
                 <a:gridCol w="2136136">
                   <a:extLst>
                     <a:ext uri="{9D8B030D-6E8A-4147-A177-3AD203B41FA5}">
-                      <a16:colId xmlns:a16="http://schemas.microsoft.com/office/drawing/2014/main" xmlns="" val="20000"/>
+                      <a16:colId xmlns="" xmlns:a16="http://schemas.microsoft.com/office/drawing/2014/main" val="20000"/>
                     </a:ext>
                   </a:extLst>
                 </a:gridCol>
                 <a:gridCol w="2534398">
                   <a:extLst>
                     <a:ext uri="{9D8B030D-6E8A-4147-A177-3AD203B41FA5}">
-                      <a16:colId xmlns:a16="http://schemas.microsoft.com/office/drawing/2014/main" xmlns="" val="20001"/>
+                      <a16:colId xmlns="" xmlns:a16="http://schemas.microsoft.com/office/drawing/2014/main" val="20001"/>
                     </a:ext>
                   </a:extLst>
                 </a:gridCol>
                 <a:gridCol w="1737874">
                   <a:extLst>
                     <a:ext uri="{9D8B030D-6E8A-4147-A177-3AD203B41FA5}">
-                      <a16:colId xmlns:a16="http://schemas.microsoft.com/office/drawing/2014/main" xmlns="" val="20002"/>
+                      <a16:colId xmlns="" xmlns:a16="http://schemas.microsoft.com/office/drawing/2014/main" val="20002"/>
                     </a:ext>
                   </a:extLst>
                 </a:gridCol>
@@ -19228,7 +19806,7 @@
                 </a:tc>
                 <a:extLst>
                   <a:ext uri="{0D108BD9-81ED-4DB2-BD59-A6C34878D82A}">
-                    <a16:rowId xmlns:a16="http://schemas.microsoft.com/office/drawing/2014/main" xmlns="" val="10000"/>
+                    <a16:rowId xmlns="" xmlns:a16="http://schemas.microsoft.com/office/drawing/2014/main" val="10000"/>
                   </a:ext>
                 </a:extLst>
               </a:tr>
@@ -19295,7 +19873,7 @@
                 </a:tc>
                 <a:extLst>
                   <a:ext uri="{0D108BD9-81ED-4DB2-BD59-A6C34878D82A}">
-                    <a16:rowId xmlns:a16="http://schemas.microsoft.com/office/drawing/2014/main" xmlns="" val="10001"/>
+                    <a16:rowId xmlns="" xmlns:a16="http://schemas.microsoft.com/office/drawing/2014/main" val="10001"/>
                   </a:ext>
                 </a:extLst>
               </a:tr>
@@ -19341,7 +19919,7 @@
                 </a:tc>
                 <a:extLst>
                   <a:ext uri="{0D108BD9-81ED-4DB2-BD59-A6C34878D82A}">
-                    <a16:rowId xmlns:a16="http://schemas.microsoft.com/office/drawing/2014/main" xmlns="" val="10002"/>
+                    <a16:rowId xmlns="" xmlns:a16="http://schemas.microsoft.com/office/drawing/2014/main" val="10002"/>
                   </a:ext>
                 </a:extLst>
               </a:tr>
@@ -19387,7 +19965,7 @@
                 </a:tc>
                 <a:extLst>
                   <a:ext uri="{0D108BD9-81ED-4DB2-BD59-A6C34878D82A}">
-                    <a16:rowId xmlns:a16="http://schemas.microsoft.com/office/drawing/2014/main" xmlns="" val="10003"/>
+                    <a16:rowId xmlns="" xmlns:a16="http://schemas.microsoft.com/office/drawing/2014/main" val="10003"/>
                   </a:ext>
                 </a:extLst>
               </a:tr>
@@ -19443,7 +20021,7 @@
                 </a:tc>
                 <a:extLst>
                   <a:ext uri="{0D108BD9-81ED-4DB2-BD59-A6C34878D82A}">
-                    <a16:rowId xmlns:a16="http://schemas.microsoft.com/office/drawing/2014/main" xmlns="" val="10004"/>
+                    <a16:rowId xmlns="" xmlns:a16="http://schemas.microsoft.com/office/drawing/2014/main" val="10004"/>
                   </a:ext>
                 </a:extLst>
               </a:tr>
@@ -19490,7 +20068,7 @@
                 </a:tc>
                 <a:extLst>
                   <a:ext uri="{0D108BD9-81ED-4DB2-BD59-A6C34878D82A}">
-                    <a16:rowId xmlns:a16="http://schemas.microsoft.com/office/drawing/2014/main" xmlns="" val="1014700042"/>
+                    <a16:rowId xmlns="" xmlns:a16="http://schemas.microsoft.com/office/drawing/2014/main" val="1014700042"/>
                   </a:ext>
                 </a:extLst>
               </a:tr>
@@ -19537,7 +20115,7 @@
                 </a:tc>
                 <a:extLst>
                   <a:ext uri="{0D108BD9-81ED-4DB2-BD59-A6C34878D82A}">
-                    <a16:rowId xmlns:a16="http://schemas.microsoft.com/office/drawing/2014/main" xmlns="" val="2008388912"/>
+                    <a16:rowId xmlns="" xmlns:a16="http://schemas.microsoft.com/office/drawing/2014/main" val="2008388912"/>
                   </a:ext>
                 </a:extLst>
               </a:tr>
@@ -19584,7 +20162,7 @@
                 </a:tc>
                 <a:extLst>
                   <a:ext uri="{0D108BD9-81ED-4DB2-BD59-A6C34878D82A}">
-                    <a16:rowId xmlns:a16="http://schemas.microsoft.com/office/drawing/2014/main" xmlns="" val="3286170515"/>
+                    <a16:rowId xmlns="" xmlns:a16="http://schemas.microsoft.com/office/drawing/2014/main" val="3286170515"/>
                   </a:ext>
                 </a:extLst>
               </a:tr>
@@ -20034,4 +20612,289 @@
   <a:objectDefaults/>
   <a:extraClrSchemeLst/>
 </a:theme>
+</file>
+
+<file path=ppt/theme/theme2.xml><?xml version="1.0" encoding="utf-8"?>
+<a:theme xmlns:a="http://schemas.openxmlformats.org/drawingml/2006/main" name="Tema di Office">
+  <a:themeElements>
+    <a:clrScheme name="Office">
+      <a:dk1>
+        <a:sysClr val="windowText" lastClr="000000"/>
+      </a:dk1>
+      <a:lt1>
+        <a:sysClr val="window" lastClr="FFFFFF"/>
+      </a:lt1>
+      <a:dk2>
+        <a:srgbClr val="1F497D"/>
+      </a:dk2>
+      <a:lt2>
+        <a:srgbClr val="EEECE1"/>
+      </a:lt2>
+      <a:accent1>
+        <a:srgbClr val="4F81BD"/>
+      </a:accent1>
+      <a:accent2>
+        <a:srgbClr val="C0504D"/>
+      </a:accent2>
+      <a:accent3>
+        <a:srgbClr val="9BBB59"/>
+      </a:accent3>
+      <a:accent4>
+        <a:srgbClr val="8064A2"/>
+      </a:accent4>
+      <a:accent5>
+        <a:srgbClr val="4BACC6"/>
+      </a:accent5>
+      <a:accent6>
+        <a:srgbClr val="F79646"/>
+      </a:accent6>
+      <a:hlink>
+        <a:srgbClr val="0000FF"/>
+      </a:hlink>
+      <a:folHlink>
+        <a:srgbClr val="800080"/>
+      </a:folHlink>
+    </a:clrScheme>
+    <a:fontScheme name="Office">
+      <a:majorFont>
+        <a:latin typeface="Calibri"/>
+        <a:ea typeface=""/>
+        <a:cs typeface=""/>
+        <a:font script="Jpan" typeface="ＭＳ Ｐゴシック"/>
+        <a:font script="Hang" typeface="맑은 고딕"/>
+        <a:font script="Hans" typeface="宋体"/>
+        <a:font script="Hant" typeface="新細明體"/>
+        <a:font script="Arab" typeface="Times New Roman"/>
+        <a:font script="Hebr" typeface="Times New Roman"/>
+        <a:font script="Thai" typeface="Angsana New"/>
+        <a:font script="Ethi" typeface="Nyala"/>
+        <a:font script="Beng" typeface="Vrinda"/>
+        <a:font script="Gujr" typeface="Shruti"/>
+        <a:font script="Khmr" typeface="MoolBoran"/>
+        <a:font script="Knda" typeface="Tunga"/>
+        <a:font script="Guru" typeface="Raavi"/>
+        <a:font script="Cans" typeface="Euphemia"/>
+        <a:font script="Cher" typeface="Plantagenet Cherokee"/>
+        <a:font script="Yiii" typeface="Microsoft Yi Baiti"/>
+        <a:font script="Tibt" typeface="Microsoft Himalaya"/>
+        <a:font script="Thaa" typeface="MV Boli"/>
+        <a:font script="Deva" typeface="Mangal"/>
+        <a:font script="Telu" typeface="Gautami"/>
+        <a:font script="Taml" typeface="Latha"/>
+        <a:font script="Syrc" typeface="Estrangelo Edessa"/>
+        <a:font script="Orya" typeface="Kalinga"/>
+        <a:font script="Mlym" typeface="Kartika"/>
+        <a:font script="Laoo" typeface="DokChampa"/>
+        <a:font script="Sinh" typeface="Iskoola Pota"/>
+        <a:font script="Mong" typeface="Mongolian Baiti"/>
+        <a:font script="Viet" typeface="Times New Roman"/>
+        <a:font script="Uigh" typeface="Microsoft Uighur"/>
+        <a:font script="Geor" typeface="Sylfaen"/>
+      </a:majorFont>
+      <a:minorFont>
+        <a:latin typeface="Calibri"/>
+        <a:ea typeface=""/>
+        <a:cs typeface=""/>
+        <a:font script="Jpan" typeface="ＭＳ Ｐゴシック"/>
+        <a:font script="Hang" typeface="맑은 고딕"/>
+        <a:font script="Hans" typeface="宋体"/>
+        <a:font script="Hant" typeface="新細明體"/>
+        <a:font script="Arab" typeface="Arial"/>
+        <a:font script="Hebr" typeface="Arial"/>
+        <a:font script="Thai" typeface="Cordia New"/>
+        <a:font script="Ethi" typeface="Nyala"/>
+        <a:font script="Beng" typeface="Vrinda"/>
+        <a:font script="Gujr" typeface="Shruti"/>
+        <a:font script="Khmr" typeface="DaunPenh"/>
+        <a:font script="Knda" typeface="Tunga"/>
+        <a:font script="Guru" typeface="Raavi"/>
+        <a:font script="Cans" typeface="Euphemia"/>
+        <a:font script="Cher" typeface="Plantagenet Cherokee"/>
+        <a:font script="Yiii" typeface="Microsoft Yi Baiti"/>
+        <a:font script="Tibt" typeface="Microsoft Himalaya"/>
+        <a:font script="Thaa" typeface="MV Boli"/>
+        <a:font script="Deva" typeface="Mangal"/>
+        <a:font script="Telu" typeface="Gautami"/>
+        <a:font script="Taml" typeface="Latha"/>
+        <a:font script="Syrc" typeface="Estrangelo Edessa"/>
+        <a:font script="Orya" typeface="Kalinga"/>
+        <a:font script="Mlym" typeface="Kartika"/>
+        <a:font script="Laoo" typeface="DokChampa"/>
+        <a:font script="Sinh" typeface="Iskoola Pota"/>
+        <a:font script="Mong" typeface="Mongolian Baiti"/>
+        <a:font script="Viet" typeface="Arial"/>
+        <a:font script="Uigh" typeface="Microsoft Uighur"/>
+        <a:font script="Geor" typeface="Sylfaen"/>
+      </a:minorFont>
+    </a:fontScheme>
+    <a:fmtScheme name="Office">
+      <a:fillStyleLst>
+        <a:solidFill>
+          <a:schemeClr val="phClr"/>
+        </a:solidFill>
+        <a:gradFill rotWithShape="1">
+          <a:gsLst>
+            <a:gs pos="0">
+              <a:schemeClr val="phClr">
+                <a:tint val="50000"/>
+                <a:satMod val="300000"/>
+              </a:schemeClr>
+            </a:gs>
+            <a:gs pos="35000">
+              <a:schemeClr val="phClr">
+                <a:tint val="37000"/>
+                <a:satMod val="300000"/>
+              </a:schemeClr>
+            </a:gs>
+            <a:gs pos="100000">
+              <a:schemeClr val="phClr">
+                <a:tint val="15000"/>
+                <a:satMod val="350000"/>
+              </a:schemeClr>
+            </a:gs>
+          </a:gsLst>
+          <a:lin ang="16200000" scaled="1"/>
+        </a:gradFill>
+        <a:gradFill rotWithShape="1">
+          <a:gsLst>
+            <a:gs pos="0">
+              <a:schemeClr val="phClr">
+                <a:shade val="51000"/>
+                <a:satMod val="130000"/>
+              </a:schemeClr>
+            </a:gs>
+            <a:gs pos="80000">
+              <a:schemeClr val="phClr">
+                <a:shade val="93000"/>
+                <a:satMod val="130000"/>
+              </a:schemeClr>
+            </a:gs>
+            <a:gs pos="100000">
+              <a:schemeClr val="phClr">
+                <a:shade val="94000"/>
+                <a:satMod val="135000"/>
+              </a:schemeClr>
+            </a:gs>
+          </a:gsLst>
+          <a:lin ang="16200000" scaled="0"/>
+        </a:gradFill>
+      </a:fillStyleLst>
+      <a:lnStyleLst>
+        <a:ln w="9525" cap="flat" cmpd="sng" algn="ctr">
+          <a:solidFill>
+            <a:schemeClr val="phClr">
+              <a:shade val="95000"/>
+              <a:satMod val="105000"/>
+            </a:schemeClr>
+          </a:solidFill>
+          <a:prstDash val="solid"/>
+        </a:ln>
+        <a:ln w="25400" cap="flat" cmpd="sng" algn="ctr">
+          <a:solidFill>
+            <a:schemeClr val="phClr"/>
+          </a:solidFill>
+          <a:prstDash val="solid"/>
+        </a:ln>
+        <a:ln w="38100" cap="flat" cmpd="sng" algn="ctr">
+          <a:solidFill>
+            <a:schemeClr val="phClr"/>
+          </a:solidFill>
+          <a:prstDash val="solid"/>
+        </a:ln>
+      </a:lnStyleLst>
+      <a:effectStyleLst>
+        <a:effectStyle>
+          <a:effectLst>
+            <a:outerShdw blurRad="40000" dist="20000" dir="5400000" rotWithShape="0">
+              <a:srgbClr val="000000">
+                <a:alpha val="38000"/>
+              </a:srgbClr>
+            </a:outerShdw>
+          </a:effectLst>
+        </a:effectStyle>
+        <a:effectStyle>
+          <a:effectLst>
+            <a:outerShdw blurRad="40000" dist="23000" dir="5400000" rotWithShape="0">
+              <a:srgbClr val="000000">
+                <a:alpha val="35000"/>
+              </a:srgbClr>
+            </a:outerShdw>
+          </a:effectLst>
+        </a:effectStyle>
+        <a:effectStyle>
+          <a:effectLst>
+            <a:outerShdw blurRad="40000" dist="23000" dir="5400000" rotWithShape="0">
+              <a:srgbClr val="000000">
+                <a:alpha val="35000"/>
+              </a:srgbClr>
+            </a:outerShdw>
+          </a:effectLst>
+          <a:scene3d>
+            <a:camera prst="orthographicFront">
+              <a:rot lat="0" lon="0" rev="0"/>
+            </a:camera>
+            <a:lightRig rig="threePt" dir="t">
+              <a:rot lat="0" lon="0" rev="1200000"/>
+            </a:lightRig>
+          </a:scene3d>
+          <a:sp3d>
+            <a:bevelT w="63500" h="25400"/>
+          </a:sp3d>
+        </a:effectStyle>
+      </a:effectStyleLst>
+      <a:bgFillStyleLst>
+        <a:solidFill>
+          <a:schemeClr val="phClr"/>
+        </a:solidFill>
+        <a:gradFill rotWithShape="1">
+          <a:gsLst>
+            <a:gs pos="0">
+              <a:schemeClr val="phClr">
+                <a:tint val="40000"/>
+                <a:satMod val="350000"/>
+              </a:schemeClr>
+            </a:gs>
+            <a:gs pos="40000">
+              <a:schemeClr val="phClr">
+                <a:tint val="45000"/>
+                <a:shade val="99000"/>
+                <a:satMod val="350000"/>
+              </a:schemeClr>
+            </a:gs>
+            <a:gs pos="100000">
+              <a:schemeClr val="phClr">
+                <a:shade val="20000"/>
+                <a:satMod val="255000"/>
+              </a:schemeClr>
+            </a:gs>
+          </a:gsLst>
+          <a:path path="circle">
+            <a:fillToRect l="50000" t="-80000" r="50000" b="180000"/>
+          </a:path>
+        </a:gradFill>
+        <a:gradFill rotWithShape="1">
+          <a:gsLst>
+            <a:gs pos="0">
+              <a:schemeClr val="phClr">
+                <a:tint val="80000"/>
+                <a:satMod val="300000"/>
+              </a:schemeClr>
+            </a:gs>
+            <a:gs pos="100000">
+              <a:schemeClr val="phClr">
+                <a:shade val="30000"/>
+                <a:satMod val="200000"/>
+              </a:schemeClr>
+            </a:gs>
+          </a:gsLst>
+          <a:path path="circle">
+            <a:fillToRect l="50000" t="50000" r="50000" b="50000"/>
+          </a:path>
+        </a:gradFill>
+      </a:bgFillStyleLst>
+    </a:fmtScheme>
+  </a:themeElements>
+  <a:objectDefaults/>
+  <a:extraClrSchemeLst/>
+</a:theme>
 </file>
--- a/Assignment n.4/presentazione.pptx
+++ b/Assignment n.4/presentazione.pptx
@@ -14,17 +14,17 @@
     <p:sldId id="259" r:id="rId5"/>
     <p:sldId id="260" r:id="rId6"/>
     <p:sldId id="261" r:id="rId7"/>
-    <p:sldId id="262" r:id="rId8"/>
-    <p:sldId id="263" r:id="rId9"/>
-    <p:sldId id="276" r:id="rId10"/>
-    <p:sldId id="275" r:id="rId11"/>
-    <p:sldId id="278" r:id="rId12"/>
-    <p:sldId id="266" r:id="rId13"/>
-    <p:sldId id="277" r:id="rId14"/>
+    <p:sldId id="263" r:id="rId8"/>
+    <p:sldId id="282" r:id="rId9"/>
+    <p:sldId id="278" r:id="rId10"/>
+    <p:sldId id="266" r:id="rId11"/>
+    <p:sldId id="277" r:id="rId12"/>
+    <p:sldId id="280" r:id="rId13"/>
+    <p:sldId id="271" r:id="rId14"/>
     <p:sldId id="267" r:id="rId15"/>
     <p:sldId id="268" r:id="rId16"/>
     <p:sldId id="269" r:id="rId17"/>
-    <p:sldId id="271" r:id="rId18"/>
+    <p:sldId id="281" r:id="rId18"/>
     <p:sldId id="272" r:id="rId19"/>
     <p:sldId id="273" r:id="rId20"/>
     <p:sldId id="279" r:id="rId21"/>
@@ -129,7 +129,7 @@
   </p:defaultTextStyle>
   <p:extLst>
     <p:ext uri="{EFAFB233-063F-42B5-8137-9DF3F51BA10A}">
-      <p15:sldGuideLst xmlns="" xmlns:p15="http://schemas.microsoft.com/office/powerpoint/2012/main">
+      <p15:sldGuideLst xmlns:p15="http://schemas.microsoft.com/office/powerpoint/2012/main">
         <p15:guide id="1" orient="horz" pos="2160">
           <p15:clr>
             <a:srgbClr val="A4A3A4"/>
@@ -228,7 +228,7 @@
           <a:p>
             <a:fld id="{B52BECB8-EFD5-4212-B7D2-6C5171F53DEF}" type="datetimeFigureOut">
               <a:rPr lang="it-IT" smtClean="0"/>
-              <a:t>13/02/2019</a:t>
+              <a:t>16/02/2019</a:t>
             </a:fld>
             <a:endParaRPr lang="it-IT"/>
           </a:p>
@@ -755,7 +755,7 @@
           <a:p>
             <a:fld id="{545163B1-4F0D-47B9-95E1-C3B778F3609B}" type="datetimeFigureOut">
               <a:rPr lang="it-IT" smtClean="0"/>
-              <a:t>13/02/2019</a:t>
+              <a:t>16/02/2019</a:t>
             </a:fld>
             <a:endParaRPr lang="it-IT" dirty="0"/>
           </a:p>
@@ -925,7 +925,7 @@
           <a:p>
             <a:fld id="{545163B1-4F0D-47B9-95E1-C3B778F3609B}" type="datetimeFigureOut">
               <a:rPr lang="it-IT" smtClean="0"/>
-              <a:t>13/02/2019</a:t>
+              <a:t>16/02/2019</a:t>
             </a:fld>
             <a:endParaRPr lang="it-IT" dirty="0"/>
           </a:p>
@@ -1100,7 +1100,7 @@
           <a:p>
             <a:fld id="{545163B1-4F0D-47B9-95E1-C3B778F3609B}" type="datetimeFigureOut">
               <a:rPr lang="it-IT" smtClean="0"/>
-              <a:t>13/02/2019</a:t>
+              <a:t>16/02/2019</a:t>
             </a:fld>
             <a:endParaRPr lang="it-IT" dirty="0"/>
           </a:p>
@@ -1265,7 +1265,7 @@
           <a:p>
             <a:fld id="{545163B1-4F0D-47B9-95E1-C3B778F3609B}" type="datetimeFigureOut">
               <a:rPr lang="it-IT" smtClean="0"/>
-              <a:t>13/02/2019</a:t>
+              <a:t>16/02/2019</a:t>
             </a:fld>
             <a:endParaRPr lang="it-IT" dirty="0"/>
           </a:p>
@@ -1494,7 +1494,7 @@
           <a:p>
             <a:fld id="{545163B1-4F0D-47B9-95E1-C3B778F3609B}" type="datetimeFigureOut">
               <a:rPr lang="it-IT" smtClean="0"/>
-              <a:t>13/02/2019</a:t>
+              <a:t>16/02/2019</a:t>
             </a:fld>
             <a:endParaRPr lang="it-IT" dirty="0"/>
           </a:p>
@@ -1790,7 +1790,7 @@
           <a:p>
             <a:fld id="{545163B1-4F0D-47B9-95E1-C3B778F3609B}" type="datetimeFigureOut">
               <a:rPr lang="it-IT" smtClean="0"/>
-              <a:t>13/02/2019</a:t>
+              <a:t>16/02/2019</a:t>
             </a:fld>
             <a:endParaRPr lang="it-IT" dirty="0"/>
           </a:p>
@@ -2174,7 +2174,7 @@
           <a:p>
             <a:fld id="{545163B1-4F0D-47B9-95E1-C3B778F3609B}" type="datetimeFigureOut">
               <a:rPr lang="it-IT" smtClean="0"/>
-              <a:t>13/02/2019</a:t>
+              <a:t>16/02/2019</a:t>
             </a:fld>
             <a:endParaRPr lang="it-IT" dirty="0"/>
           </a:p>
@@ -2347,7 +2347,7 @@
           <a:p>
             <a:fld id="{545163B1-4F0D-47B9-95E1-C3B778F3609B}" type="datetimeFigureOut">
               <a:rPr lang="it-IT" smtClean="0"/>
-              <a:t>13/02/2019</a:t>
+              <a:t>16/02/2019</a:t>
             </a:fld>
             <a:endParaRPr lang="it-IT" dirty="0"/>
           </a:p>
@@ -2437,7 +2437,7 @@
           <a:p>
             <a:fld id="{545163B1-4F0D-47B9-95E1-C3B778F3609B}" type="datetimeFigureOut">
               <a:rPr lang="it-IT" smtClean="0"/>
-              <a:t>13/02/2019</a:t>
+              <a:t>16/02/2019</a:t>
             </a:fld>
             <a:endParaRPr lang="it-IT" dirty="0"/>
           </a:p>
@@ -2732,7 +2732,7 @@
           <a:p>
             <a:fld id="{545163B1-4F0D-47B9-95E1-C3B778F3609B}" type="datetimeFigureOut">
               <a:rPr lang="it-IT" smtClean="0"/>
-              <a:t>13/02/2019</a:t>
+              <a:t>16/02/2019</a:t>
             </a:fld>
             <a:endParaRPr lang="it-IT" dirty="0"/>
           </a:p>
@@ -2866,7 +2866,7 @@
           <a:p>
             <a:fld id="{545163B1-4F0D-47B9-95E1-C3B778F3609B}" type="datetimeFigureOut">
               <a:rPr lang="it-IT" smtClean="0"/>
-              <a:t>13/02/2019</a:t>
+              <a:t>16/02/2019</a:t>
             </a:fld>
             <a:endParaRPr lang="it-IT" dirty="0"/>
           </a:p>
@@ -3169,7 +3169,7 @@
           <a:p>
             <a:fld id="{545163B1-4F0D-47B9-95E1-C3B778F3609B}" type="datetimeFigureOut">
               <a:rPr lang="it-IT" smtClean="0"/>
-              <a:t>13/02/2019</a:t>
+              <a:t>16/02/2019</a:t>
             </a:fld>
             <a:endParaRPr lang="it-IT" dirty="0"/>
           </a:p>
@@ -4175,1224 +4175,6 @@
             <p:ph type="title"/>
           </p:nvPr>
         </p:nvSpPr>
-        <p:spPr/>
-        <p:txBody>
-          <a:bodyPr>
-            <a:normAutofit/>
-          </a:bodyPr>
-          <a:lstStyle/>
-          <a:p>
-            <a:r>
-              <a:rPr lang="it-IT" kern="1200" cap="all" baseline="0" dirty="0">
-                <a:solidFill>
-                  <a:schemeClr val="tx2"/>
-                </a:solidFill>
-                <a:effectLst>
-                  <a:reflection blurRad="12700" stA="48000" endA="300" endPos="55000" dir="5400000" sy="-90000" algn="bl" rotWithShape="0"/>
-                </a:effectLst>
-                <a:latin typeface="Calibri" panose="020F0502020204030204" pitchFamily="34" charset="0"/>
-                <a:cs typeface="Calibri" panose="020F0502020204030204" pitchFamily="34" charset="0"/>
-              </a:rPr>
-              <a:t>Descrizione dei task</a:t>
-            </a:r>
-            <a:endParaRPr lang="it-IT" dirty="0">
-              <a:latin typeface="Calibri" panose="020F0502020204030204" pitchFamily="34" charset="0"/>
-              <a:cs typeface="Calibri" panose="020F0502020204030204" pitchFamily="34" charset="0"/>
-            </a:endParaRPr>
-          </a:p>
-        </p:txBody>
-      </p:sp>
-      <p:graphicFrame>
-        <p:nvGraphicFramePr>
-          <p:cNvPr id="6" name="Tabella 5"/>
-          <p:cNvGraphicFramePr>
-            <a:graphicFrameLocks noGrp="1"/>
-          </p:cNvGraphicFramePr>
-          <p:nvPr>
-            <p:extLst>
-              <p:ext uri="{D42A27DB-BD31-4B8C-83A1-F6EECF244321}">
-                <p14:modId xmlns:p14="http://schemas.microsoft.com/office/powerpoint/2010/main" val="1492578524"/>
-              </p:ext>
-            </p:extLst>
-          </p:nvPr>
-        </p:nvGraphicFramePr>
-        <p:xfrm>
-          <a:off x="1367796" y="1271262"/>
-          <a:ext cx="6408408" cy="5057896"/>
-        </p:xfrm>
-        <a:graphic>
-          <a:graphicData uri="http://schemas.openxmlformats.org/drawingml/2006/table">
-            <a:tbl>
-              <a:tblPr firstRow="1" bandRow="1">
-                <a:tableStyleId>{93296810-A885-4BE3-A3E7-6D5BEEA58F35}</a:tableStyleId>
-              </a:tblPr>
-              <a:tblGrid>
-                <a:gridCol w="2136136">
-                  <a:extLst>
-                    <a:ext uri="{9D8B030D-6E8A-4147-A177-3AD203B41FA5}">
-                      <a16:colId xmlns="" xmlns:a16="http://schemas.microsoft.com/office/drawing/2014/main" val="20000"/>
-                    </a:ext>
-                  </a:extLst>
-                </a:gridCol>
-                <a:gridCol w="2534398">
-                  <a:extLst>
-                    <a:ext uri="{9D8B030D-6E8A-4147-A177-3AD203B41FA5}">
-                      <a16:colId xmlns="" xmlns:a16="http://schemas.microsoft.com/office/drawing/2014/main" val="20001"/>
-                    </a:ext>
-                  </a:extLst>
-                </a:gridCol>
-                <a:gridCol w="1737874">
-                  <a:extLst>
-                    <a:ext uri="{9D8B030D-6E8A-4147-A177-3AD203B41FA5}">
-                      <a16:colId xmlns="" xmlns:a16="http://schemas.microsoft.com/office/drawing/2014/main" val="20002"/>
-                    </a:ext>
-                  </a:extLst>
-                </a:gridCol>
-              </a:tblGrid>
-              <a:tr h="341091">
-                <a:tc gridSpan="3">
-                  <a:txBody>
-                    <a:bodyPr/>
-                    <a:lstStyle/>
-                    <a:p>
-                      <a:r>
-                        <a:rPr lang="it-IT" dirty="0"/>
-                        <a:t>Lucia</a:t>
-                      </a:r>
-                    </a:p>
-                  </a:txBody>
-                  <a:tcPr/>
-                </a:tc>
-                <a:tc hMerge="1">
-                  <a:txBody>
-                    <a:bodyPr/>
-                    <a:lstStyle/>
-                    <a:p>
-                      <a:endParaRPr lang="it-IT"/>
-                    </a:p>
-                  </a:txBody>
-                  <a:tcPr/>
-                </a:tc>
-                <a:tc hMerge="1">
-                  <a:txBody>
-                    <a:bodyPr/>
-                    <a:lstStyle/>
-                    <a:p>
-                      <a:endParaRPr lang="it-IT" dirty="0"/>
-                    </a:p>
-                  </a:txBody>
-                  <a:tcPr/>
-                </a:tc>
-                <a:extLst>
-                  <a:ext uri="{0D108BD9-81ED-4DB2-BD59-A6C34878D82A}">
-                    <a16:rowId xmlns="" xmlns:a16="http://schemas.microsoft.com/office/drawing/2014/main" val="10000"/>
-                  </a:ext>
-                </a:extLst>
-              </a:tr>
-              <a:tr h="596909">
-                <a:tc>
-                  <a:txBody>
-                    <a:bodyPr/>
-                    <a:lstStyle/>
-                    <a:p>
-                      <a:pPr algn="ctr"/>
-                      <a:r>
-                        <a:rPr lang="it-IT" dirty="0">
-                          <a:solidFill>
-                            <a:schemeClr val="accent6">
-                              <a:lumMod val="75000"/>
-                            </a:schemeClr>
-                          </a:solidFill>
-                        </a:rPr>
-                        <a:t>Task</a:t>
-                      </a:r>
-                    </a:p>
-                  </a:txBody>
-                  <a:tcPr/>
-                </a:tc>
-                <a:tc>
-                  <a:txBody>
-                    <a:bodyPr/>
-                    <a:lstStyle/>
-                    <a:p>
-                      <a:pPr algn="ctr"/>
-                      <a:r>
-                        <a:rPr lang="it-IT" dirty="0">
-                          <a:solidFill>
-                            <a:schemeClr val="accent6">
-                              <a:lumMod val="75000"/>
-                            </a:schemeClr>
-                          </a:solidFill>
-                        </a:rPr>
-                        <a:t>Frequenza </a:t>
-                      </a:r>
-                    </a:p>
-                  </a:txBody>
-                  <a:tcPr/>
-                </a:tc>
-                <a:tc>
-                  <a:txBody>
-                    <a:bodyPr/>
-                    <a:lstStyle/>
-                    <a:p>
-                      <a:pPr algn="ctr"/>
-                      <a:r>
-                        <a:rPr lang="it-IT" dirty="0">
-                          <a:solidFill>
-                            <a:schemeClr val="accent6">
-                              <a:lumMod val="75000"/>
-                            </a:schemeClr>
-                          </a:solidFill>
-                        </a:rPr>
-                        <a:t>Importanza</a:t>
-                      </a:r>
-                    </a:p>
-                  </a:txBody>
-                  <a:tcPr/>
-                </a:tc>
-                <a:extLst>
-                  <a:ext uri="{0D108BD9-81ED-4DB2-BD59-A6C34878D82A}">
-                    <a16:rowId xmlns="" xmlns:a16="http://schemas.microsoft.com/office/drawing/2014/main" val="10001"/>
-                  </a:ext>
-                </a:extLst>
-              </a:tr>
-              <a:tr h="767454">
-                <a:tc>
-                  <a:txBody>
-                    <a:bodyPr/>
-                    <a:lstStyle/>
-                    <a:p>
-                      <a:r>
-                        <a:rPr lang="it-IT" sz="1600" dirty="0"/>
-                        <a:t>Consultare informazioni sul bullismo</a:t>
-                      </a:r>
-                    </a:p>
-                  </a:txBody>
-                  <a:tcPr/>
-                </a:tc>
-                <a:tc>
-                  <a:txBody>
-                    <a:bodyPr/>
-                    <a:lstStyle/>
-                    <a:p>
-                      <a:r>
-                        <a:rPr lang="it-IT" sz="1600" dirty="0"/>
-                        <a:t>1 volta ogni 6 mesi</a:t>
-                      </a:r>
-                    </a:p>
-                  </a:txBody>
-                  <a:tcPr/>
-                </a:tc>
-                <a:tc>
-                  <a:txBody>
-                    <a:bodyPr/>
-                    <a:lstStyle/>
-                    <a:p>
-                      <a:r>
-                        <a:rPr lang="it-IT" sz="1600" dirty="0"/>
-                        <a:t>bassa</a:t>
-                      </a:r>
-                    </a:p>
-                  </a:txBody>
-                  <a:tcPr/>
-                </a:tc>
-                <a:extLst>
-                  <a:ext uri="{0D108BD9-81ED-4DB2-BD59-A6C34878D82A}">
-                    <a16:rowId xmlns="" xmlns:a16="http://schemas.microsoft.com/office/drawing/2014/main" val="10002"/>
-                  </a:ext>
-                </a:extLst>
-              </a:tr>
-              <a:tr h="994847">
-                <a:tc>
-                  <a:txBody>
-                    <a:bodyPr/>
-                    <a:lstStyle/>
-                    <a:p>
-                      <a:r>
-                        <a:rPr lang="it-IT" sz="1600" dirty="0"/>
-                        <a:t>Consultare informazioni sul cyberbullismo</a:t>
-                      </a:r>
-                    </a:p>
-                  </a:txBody>
-                  <a:tcPr/>
-                </a:tc>
-                <a:tc>
-                  <a:txBody>
-                    <a:bodyPr/>
-                    <a:lstStyle/>
-                    <a:p>
-                      <a:r>
-                        <a:rPr lang="it-IT" sz="1600" dirty="0"/>
-                        <a:t>1 volta ogni 6 mesi</a:t>
-                      </a:r>
-                    </a:p>
-                  </a:txBody>
-                  <a:tcPr/>
-                </a:tc>
-                <a:tc>
-                  <a:txBody>
-                    <a:bodyPr/>
-                    <a:lstStyle/>
-                    <a:p>
-                      <a:r>
-                        <a:rPr lang="it-IT" sz="1600" dirty="0"/>
-                        <a:t>media</a:t>
-                      </a:r>
-                    </a:p>
-                  </a:txBody>
-                  <a:tcPr/>
-                </a:tc>
-                <a:extLst>
-                  <a:ext uri="{0D108BD9-81ED-4DB2-BD59-A6C34878D82A}">
-                    <a16:rowId xmlns="" xmlns:a16="http://schemas.microsoft.com/office/drawing/2014/main" val="10003"/>
-                  </a:ext>
-                </a:extLst>
-              </a:tr>
-              <a:tr h="540060">
-                <a:tc>
-                  <a:txBody>
-                    <a:bodyPr/>
-                    <a:lstStyle/>
-                    <a:p>
-                      <a:r>
-                        <a:rPr kumimoji="0" lang="it-IT" sz="1600" b="0" i="0" kern="1200" dirty="0">
-                          <a:solidFill>
-                            <a:schemeClr val="dk1"/>
-                          </a:solidFill>
-                          <a:effectLst/>
-                          <a:latin typeface="+mn-lt"/>
-                          <a:ea typeface="+mn-ea"/>
-                          <a:cs typeface="+mn-cs"/>
-                        </a:rPr>
-                        <a:t>Richiedere aiuto</a:t>
-                      </a:r>
-                      <a:endParaRPr lang="it-IT" sz="1600" b="0" i="0" dirty="0"/>
-                    </a:p>
-                  </a:txBody>
-                  <a:tcPr/>
-                </a:tc>
-                <a:tc>
-                  <a:txBody>
-                    <a:bodyPr/>
-                    <a:lstStyle/>
-                    <a:p>
-                      <a:r>
-                        <a:rPr lang="it-IT" sz="1600" dirty="0"/>
-                        <a:t>1 volta al giorno</a:t>
-                      </a:r>
-                    </a:p>
-                  </a:txBody>
-                  <a:tcPr/>
-                </a:tc>
-                <a:tc>
-                  <a:txBody>
-                    <a:bodyPr/>
-                    <a:lstStyle/>
-                    <a:p>
-                      <a:pPr algn="l"/>
-                      <a:r>
-                        <a:rPr lang="it-IT" sz="1600" dirty="0"/>
-                        <a:t>alta</a:t>
-                      </a:r>
-                    </a:p>
-                  </a:txBody>
-                  <a:tcPr/>
-                </a:tc>
-                <a:extLst>
-                  <a:ext uri="{0D108BD9-81ED-4DB2-BD59-A6C34878D82A}">
-                    <a16:rowId xmlns="" xmlns:a16="http://schemas.microsoft.com/office/drawing/2014/main" val="10004"/>
-                  </a:ext>
-                </a:extLst>
-              </a:tr>
-              <a:tr h="540060">
-                <a:tc>
-                  <a:txBody>
-                    <a:bodyPr/>
-                    <a:lstStyle/>
-                    <a:p>
-                      <a:r>
-                        <a:rPr lang="it-IT" sz="1600" b="0" i="0" dirty="0"/>
-                        <a:t>Condividere la propria esperienza</a:t>
-                      </a:r>
-                    </a:p>
-                  </a:txBody>
-                  <a:tcPr/>
-                </a:tc>
-                <a:tc>
-                  <a:txBody>
-                    <a:bodyPr/>
-                    <a:lstStyle/>
-                    <a:p>
-                      <a:r>
-                        <a:rPr lang="it-IT" sz="1600" dirty="0"/>
-                        <a:t>1 volta al giorno</a:t>
-                      </a:r>
-                    </a:p>
-                  </a:txBody>
-                  <a:tcPr/>
-                </a:tc>
-                <a:tc>
-                  <a:txBody>
-                    <a:bodyPr/>
-                    <a:lstStyle/>
-                    <a:p>
-                      <a:pPr algn="l"/>
-                      <a:r>
-                        <a:rPr lang="it-IT" sz="1600" dirty="0"/>
-                        <a:t>alta</a:t>
-                      </a:r>
-                    </a:p>
-                  </a:txBody>
-                  <a:tcPr/>
-                </a:tc>
-                <a:extLst>
-                  <a:ext uri="{0D108BD9-81ED-4DB2-BD59-A6C34878D82A}">
-                    <a16:rowId xmlns="" xmlns:a16="http://schemas.microsoft.com/office/drawing/2014/main" val="1014700042"/>
-                  </a:ext>
-                </a:extLst>
-              </a:tr>
-              <a:tr h="540060">
-                <a:tc>
-                  <a:txBody>
-                    <a:bodyPr/>
-                    <a:lstStyle/>
-                    <a:p>
-                      <a:r>
-                        <a:rPr lang="it-IT" sz="1600" b="0" i="0" dirty="0"/>
-                        <a:t>Imparare metodi di prevenzione</a:t>
-                      </a:r>
-                    </a:p>
-                  </a:txBody>
-                  <a:tcPr/>
-                </a:tc>
-                <a:tc>
-                  <a:txBody>
-                    <a:bodyPr/>
-                    <a:lstStyle/>
-                    <a:p>
-                      <a:r>
-                        <a:rPr lang="it-IT" sz="1600" dirty="0"/>
-                        <a:t>1 volta al giorno</a:t>
-                      </a:r>
-                    </a:p>
-                  </a:txBody>
-                  <a:tcPr/>
-                </a:tc>
-                <a:tc>
-                  <a:txBody>
-                    <a:bodyPr/>
-                    <a:lstStyle/>
-                    <a:p>
-                      <a:pPr algn="l"/>
-                      <a:r>
-                        <a:rPr lang="it-IT" sz="1600" dirty="0"/>
-                        <a:t>alta</a:t>
-                      </a:r>
-                    </a:p>
-                  </a:txBody>
-                  <a:tcPr/>
-                </a:tc>
-                <a:extLst>
-                  <a:ext uri="{0D108BD9-81ED-4DB2-BD59-A6C34878D82A}">
-                    <a16:rowId xmlns="" xmlns:a16="http://schemas.microsoft.com/office/drawing/2014/main" val="2008388912"/>
-                  </a:ext>
-                </a:extLst>
-              </a:tr>
-              <a:tr h="540060">
-                <a:tc>
-                  <a:txBody>
-                    <a:bodyPr/>
-                    <a:lstStyle/>
-                    <a:p>
-                      <a:r>
-                        <a:rPr lang="it-IT" sz="1600" b="0" i="0" dirty="0"/>
-                        <a:t>Valutare situazione dei propri figli</a:t>
-                      </a:r>
-                    </a:p>
-                  </a:txBody>
-                  <a:tcPr/>
-                </a:tc>
-                <a:tc>
-                  <a:txBody>
-                    <a:bodyPr/>
-                    <a:lstStyle/>
-                    <a:p>
-                      <a:r>
-                        <a:rPr lang="it-IT" sz="1600" dirty="0"/>
-                        <a:t>0 volte</a:t>
-                      </a:r>
-                    </a:p>
-                  </a:txBody>
-                  <a:tcPr/>
-                </a:tc>
-                <a:tc>
-                  <a:txBody>
-                    <a:bodyPr/>
-                    <a:lstStyle/>
-                    <a:p>
-                      <a:pPr algn="l"/>
-                      <a:r>
-                        <a:rPr lang="it-IT" sz="1600" dirty="0"/>
-                        <a:t>bassa</a:t>
-                      </a:r>
-                    </a:p>
-                  </a:txBody>
-                  <a:tcPr/>
-                </a:tc>
-                <a:extLst>
-                  <a:ext uri="{0D108BD9-81ED-4DB2-BD59-A6C34878D82A}">
-                    <a16:rowId xmlns="" xmlns:a16="http://schemas.microsoft.com/office/drawing/2014/main" val="3286170515"/>
-                  </a:ext>
-                </a:extLst>
-              </a:tr>
-            </a:tbl>
-          </a:graphicData>
-        </a:graphic>
-      </p:graphicFrame>
-    </p:spTree>
-    <p:extLst>
-      <p:ext uri="{BB962C8B-B14F-4D97-AF65-F5344CB8AC3E}">
-        <p14:creationId xmlns:p14="http://schemas.microsoft.com/office/powerpoint/2010/main" val="2874036095"/>
-      </p:ext>
-    </p:extLst>
-  </p:cSld>
-  <p:clrMapOvr>
-    <a:masterClrMapping/>
-  </p:clrMapOvr>
-  <p:timing>
-    <p:tnLst>
-      <p:par>
-        <p:cTn id="1" dur="indefinite" restart="never" nodeType="tmRoot">
-          <p:childTnLst>
-            <p:seq concurrent="1" nextAc="seek">
-              <p:cTn id="2" dur="indefinite" nodeType="mainSeq">
-                <p:childTnLst>
-                  <p:par>
-                    <p:cTn id="3" fill="hold">
-                      <p:stCondLst>
-                        <p:cond delay="indefinite"/>
-                      </p:stCondLst>
-                      <p:childTnLst>
-                        <p:par>
-                          <p:cTn id="4" fill="hold">
-                            <p:stCondLst>
-                              <p:cond delay="0"/>
-                            </p:stCondLst>
-                            <p:childTnLst>
-                              <p:par>
-                                <p:cTn id="5" presetID="2" presetClass="entr" presetSubtype="4" fill="hold" nodeType="clickEffect">
-                                  <p:stCondLst>
-                                    <p:cond delay="0"/>
-                                  </p:stCondLst>
-                                  <p:childTnLst>
-                                    <p:set>
-                                      <p:cBhvr>
-                                        <p:cTn id="6" dur="1" fill="hold">
-                                          <p:stCondLst>
-                                            <p:cond delay="0"/>
-                                          </p:stCondLst>
-                                        </p:cTn>
-                                        <p:tgtEl>
-                                          <p:spTgt spid="6"/>
-                                        </p:tgtEl>
-                                        <p:attrNameLst>
-                                          <p:attrName>style.visibility</p:attrName>
-                                        </p:attrNameLst>
-                                      </p:cBhvr>
-                                      <p:to>
-                                        <p:strVal val="visible"/>
-                                      </p:to>
-                                    </p:set>
-                                    <p:anim calcmode="lin" valueType="num">
-                                      <p:cBhvr additive="base">
-                                        <p:cTn id="7" dur="500" fill="hold"/>
-                                        <p:tgtEl>
-                                          <p:spTgt spid="6"/>
-                                        </p:tgtEl>
-                                        <p:attrNameLst>
-                                          <p:attrName>ppt_x</p:attrName>
-                                        </p:attrNameLst>
-                                      </p:cBhvr>
-                                      <p:tavLst>
-                                        <p:tav tm="0">
-                                          <p:val>
-                                            <p:strVal val="#ppt_x"/>
-                                          </p:val>
-                                        </p:tav>
-                                        <p:tav tm="100000">
-                                          <p:val>
-                                            <p:strVal val="#ppt_x"/>
-                                          </p:val>
-                                        </p:tav>
-                                      </p:tavLst>
-                                    </p:anim>
-                                    <p:anim calcmode="lin" valueType="num">
-                                      <p:cBhvr additive="base">
-                                        <p:cTn id="8" dur="500" fill="hold"/>
-                                        <p:tgtEl>
-                                          <p:spTgt spid="6"/>
-                                        </p:tgtEl>
-                                        <p:attrNameLst>
-                                          <p:attrName>ppt_y</p:attrName>
-                                        </p:attrNameLst>
-                                      </p:cBhvr>
-                                      <p:tavLst>
-                                        <p:tav tm="0">
-                                          <p:val>
-                                            <p:strVal val="1+#ppt_h/2"/>
-                                          </p:val>
-                                        </p:tav>
-                                        <p:tav tm="100000">
-                                          <p:val>
-                                            <p:strVal val="#ppt_y"/>
-                                          </p:val>
-                                        </p:tav>
-                                      </p:tavLst>
-                                    </p:anim>
-                                  </p:childTnLst>
-                                </p:cTn>
-                              </p:par>
-                            </p:childTnLst>
-                          </p:cTn>
-                        </p:par>
-                      </p:childTnLst>
-                    </p:cTn>
-                  </p:par>
-                </p:childTnLst>
-              </p:cTn>
-              <p:prevCondLst>
-                <p:cond evt="onPrev" delay="0">
-                  <p:tgtEl>
-                    <p:sldTgt/>
-                  </p:tgtEl>
-                </p:cond>
-              </p:prevCondLst>
-              <p:nextCondLst>
-                <p:cond evt="onNext" delay="0">
-                  <p:tgtEl>
-                    <p:sldTgt/>
-                  </p:tgtEl>
-                </p:cond>
-              </p:nextCondLst>
-            </p:seq>
-          </p:childTnLst>
-        </p:cTn>
-      </p:par>
-    </p:tnLst>
-  </p:timing>
-</p:sld>
-</file>
-
-<file path=ppt/slides/slide11.xml><?xml version="1.0" encoding="utf-8"?>
-<p:sld xmlns:a="http://schemas.openxmlformats.org/drawingml/2006/main" xmlns:r="http://schemas.openxmlformats.org/officeDocument/2006/relationships" xmlns:p="http://schemas.openxmlformats.org/presentationml/2006/main">
-  <p:cSld>
-    <p:spTree>
-      <p:nvGrpSpPr>
-        <p:cNvPr id="1" name=""/>
-        <p:cNvGrpSpPr/>
-        <p:nvPr/>
-      </p:nvGrpSpPr>
-      <p:grpSpPr>
-        <a:xfrm>
-          <a:off x="0" y="0"/>
-          <a:ext cx="0" cy="0"/>
-          <a:chOff x="0" y="0"/>
-          <a:chExt cx="0" cy="0"/>
-        </a:xfrm>
-      </p:grpSpPr>
-      <p:sp>
-        <p:nvSpPr>
-          <p:cNvPr id="2" name="Titolo 1"/>
-          <p:cNvSpPr>
-            <a:spLocks noGrp="1"/>
-          </p:cNvSpPr>
-          <p:nvPr>
-            <p:ph type="title"/>
-          </p:nvPr>
-        </p:nvSpPr>
-        <p:spPr/>
-        <p:txBody>
-          <a:bodyPr/>
-          <a:lstStyle/>
-          <a:p>
-            <a:r>
-              <a:rPr lang="it-IT" dirty="0" smtClean="0"/>
-              <a:t>scenario</a:t>
-            </a:r>
-            <a:endParaRPr lang="it-IT" dirty="0"/>
-          </a:p>
-        </p:txBody>
-      </p:sp>
-      <p:sp>
-        <p:nvSpPr>
-          <p:cNvPr id="3" name="Segnaposto contenuto 2"/>
-          <p:cNvSpPr>
-            <a:spLocks noGrp="1"/>
-          </p:cNvSpPr>
-          <p:nvPr>
-            <p:ph idx="1"/>
-          </p:nvPr>
-        </p:nvSpPr>
-        <p:spPr>
-          <a:xfrm>
-            <a:off x="395536" y="1556792"/>
-            <a:ext cx="8596064" cy="4523333"/>
-          </a:xfrm>
-        </p:spPr>
-        <p:txBody>
-          <a:bodyPr>
-            <a:normAutofit/>
-          </a:bodyPr>
-          <a:lstStyle/>
-          <a:p>
-            <a:pPr marL="514350" indent="-514350">
-              <a:buAutoNum type="arabicPeriod"/>
-            </a:pPr>
-            <a:r>
-              <a:rPr lang="it-IT" dirty="0" smtClean="0">
-                <a:effectLst>
-                  <a:outerShdw blurRad="38100" dist="38100" dir="2700000" algn="tl">
-                    <a:srgbClr val="000000">
-                      <a:alpha val="43137"/>
-                    </a:srgbClr>
-                  </a:outerShdw>
-                </a:effectLst>
-              </a:rPr>
-              <a:t>Visualizza Storie</a:t>
-            </a:r>
-          </a:p>
-          <a:p>
-            <a:pPr marL="514350" indent="-514350">
-              <a:buAutoNum type="arabicPeriod"/>
-            </a:pPr>
-            <a:endParaRPr lang="it-IT" dirty="0" smtClean="0">
-              <a:effectLst>
-                <a:outerShdw blurRad="38100" dist="38100" dir="2700000" algn="tl">
-                  <a:srgbClr val="000000">
-                    <a:alpha val="43137"/>
-                  </a:srgbClr>
-                </a:outerShdw>
-              </a:effectLst>
-            </a:endParaRPr>
-          </a:p>
-          <a:p>
-            <a:pPr marL="457200" indent="-457200">
-              <a:buAutoNum type="arabicPeriod"/>
-            </a:pPr>
-            <a:r>
-              <a:rPr lang="it-IT" dirty="0" smtClean="0">
-                <a:effectLst>
-                  <a:outerShdw blurRad="38100" dist="38100" dir="2700000" algn="tl">
-                    <a:srgbClr val="000000">
-                      <a:alpha val="43137"/>
-                    </a:srgbClr>
-                  </a:outerShdw>
-                </a:effectLst>
-              </a:rPr>
-              <a:t>Ricevi aiuto</a:t>
-            </a:r>
-          </a:p>
-          <a:p>
-            <a:pPr marL="457200" indent="-457200">
-              <a:buAutoNum type="arabicPeriod"/>
-            </a:pPr>
-            <a:endParaRPr lang="it-IT" dirty="0" smtClean="0">
-              <a:effectLst>
-                <a:outerShdw blurRad="38100" dist="38100" dir="2700000" algn="tl">
-                  <a:srgbClr val="000000">
-                    <a:alpha val="43137"/>
-                  </a:srgbClr>
-                </a:outerShdw>
-              </a:effectLst>
-            </a:endParaRPr>
-          </a:p>
-          <a:p>
-            <a:pPr marL="457200" indent="-457200">
-              <a:buAutoNum type="arabicPeriod"/>
-            </a:pPr>
-            <a:r>
-              <a:rPr lang="it-IT" dirty="0" smtClean="0">
-                <a:effectLst>
-                  <a:outerShdw blurRad="38100" dist="38100" dir="2700000" algn="tl">
-                    <a:srgbClr val="000000">
-                      <a:alpha val="43137"/>
-                    </a:srgbClr>
-                  </a:outerShdw>
-                </a:effectLst>
-              </a:rPr>
-              <a:t>Come far agire i genitori</a:t>
-            </a:r>
-          </a:p>
-          <a:p>
-            <a:pPr marL="457200" indent="-457200">
-              <a:buAutoNum type="arabicPeriod"/>
-            </a:pPr>
-            <a:endParaRPr lang="it-IT" dirty="0" smtClean="0">
-              <a:effectLst>
-                <a:outerShdw blurRad="38100" dist="38100" dir="2700000" algn="tl">
-                  <a:srgbClr val="000000">
-                    <a:alpha val="43137"/>
-                  </a:srgbClr>
-                </a:outerShdw>
-              </a:effectLst>
-            </a:endParaRPr>
-          </a:p>
-          <a:p>
-            <a:pPr marL="457200" indent="-457200">
-              <a:buAutoNum type="arabicPeriod"/>
-            </a:pPr>
-            <a:r>
-              <a:rPr lang="it-IT" dirty="0" smtClean="0">
-                <a:effectLst>
-                  <a:outerShdw blurRad="38100" dist="38100" dir="2700000" algn="tl">
-                    <a:srgbClr val="000000">
-                      <a:alpha val="43137"/>
-                    </a:srgbClr>
-                  </a:outerShdw>
-                </a:effectLst>
-              </a:rPr>
-              <a:t>Scrivi storia</a:t>
-            </a:r>
-            <a:endParaRPr lang="it-IT" dirty="0">
-              <a:effectLst>
-                <a:outerShdw blurRad="38100" dist="38100" dir="2700000" algn="tl">
-                  <a:srgbClr val="000000">
-                    <a:alpha val="43137"/>
-                  </a:srgbClr>
-                </a:outerShdw>
-              </a:effectLst>
-            </a:endParaRPr>
-          </a:p>
-        </p:txBody>
-      </p:sp>
-    </p:spTree>
-    <p:extLst>
-      <p:ext uri="{BB962C8B-B14F-4D97-AF65-F5344CB8AC3E}">
-        <p14:creationId xmlns:p14="http://schemas.microsoft.com/office/powerpoint/2010/main" val="584659750"/>
-      </p:ext>
-    </p:extLst>
-  </p:cSld>
-  <p:clrMapOvr>
-    <a:masterClrMapping/>
-  </p:clrMapOvr>
-  <p:timing>
-    <p:tnLst>
-      <p:par>
-        <p:cTn id="1" dur="indefinite" restart="never" nodeType="tmRoot">
-          <p:childTnLst>
-            <p:seq concurrent="1" nextAc="seek">
-              <p:cTn id="2" dur="indefinite" nodeType="mainSeq">
-                <p:childTnLst>
-                  <p:par>
-                    <p:cTn id="3" fill="hold">
-                      <p:stCondLst>
-                        <p:cond delay="indefinite"/>
-                      </p:stCondLst>
-                      <p:childTnLst>
-                        <p:par>
-                          <p:cTn id="4" fill="hold">
-                            <p:stCondLst>
-                              <p:cond delay="0"/>
-                            </p:stCondLst>
-                            <p:childTnLst>
-                              <p:par>
-                                <p:cTn id="5" presetID="2" presetClass="entr" presetSubtype="4" fill="hold" nodeType="clickEffect">
-                                  <p:stCondLst>
-                                    <p:cond delay="0"/>
-                                  </p:stCondLst>
-                                  <p:childTnLst>
-                                    <p:set>
-                                      <p:cBhvr>
-                                        <p:cTn id="6" dur="1" fill="hold">
-                                          <p:stCondLst>
-                                            <p:cond delay="0"/>
-                                          </p:stCondLst>
-                                        </p:cTn>
-                                        <p:tgtEl>
-                                          <p:spTgt spid="3">
-                                            <p:txEl>
-                                              <p:pRg st="0" end="0"/>
-                                            </p:txEl>
-                                          </p:spTgt>
-                                        </p:tgtEl>
-                                        <p:attrNameLst>
-                                          <p:attrName>style.visibility</p:attrName>
-                                        </p:attrNameLst>
-                                      </p:cBhvr>
-                                      <p:to>
-                                        <p:strVal val="visible"/>
-                                      </p:to>
-                                    </p:set>
-                                    <p:anim calcmode="lin" valueType="num">
-                                      <p:cBhvr additive="base">
-                                        <p:cTn id="7" dur="500" fill="hold"/>
-                                        <p:tgtEl>
-                                          <p:spTgt spid="3">
-                                            <p:txEl>
-                                              <p:pRg st="0" end="0"/>
-                                            </p:txEl>
-                                          </p:spTgt>
-                                        </p:tgtEl>
-                                        <p:attrNameLst>
-                                          <p:attrName>ppt_x</p:attrName>
-                                        </p:attrNameLst>
-                                      </p:cBhvr>
-                                      <p:tavLst>
-                                        <p:tav tm="0">
-                                          <p:val>
-                                            <p:strVal val="#ppt_x"/>
-                                          </p:val>
-                                        </p:tav>
-                                        <p:tav tm="100000">
-                                          <p:val>
-                                            <p:strVal val="#ppt_x"/>
-                                          </p:val>
-                                        </p:tav>
-                                      </p:tavLst>
-                                    </p:anim>
-                                    <p:anim calcmode="lin" valueType="num">
-                                      <p:cBhvr additive="base">
-                                        <p:cTn id="8" dur="500" fill="hold"/>
-                                        <p:tgtEl>
-                                          <p:spTgt spid="3">
-                                            <p:txEl>
-                                              <p:pRg st="0" end="0"/>
-                                            </p:txEl>
-                                          </p:spTgt>
-                                        </p:tgtEl>
-                                        <p:attrNameLst>
-                                          <p:attrName>ppt_y</p:attrName>
-                                        </p:attrNameLst>
-                                      </p:cBhvr>
-                                      <p:tavLst>
-                                        <p:tav tm="0">
-                                          <p:val>
-                                            <p:strVal val="1+#ppt_h/2"/>
-                                          </p:val>
-                                        </p:tav>
-                                        <p:tav tm="100000">
-                                          <p:val>
-                                            <p:strVal val="#ppt_y"/>
-                                          </p:val>
-                                        </p:tav>
-                                      </p:tavLst>
-                                    </p:anim>
-                                  </p:childTnLst>
-                                </p:cTn>
-                              </p:par>
-                              <p:par>
-                                <p:cTn id="9" presetID="2" presetClass="entr" presetSubtype="4" fill="hold" nodeType="withEffect">
-                                  <p:stCondLst>
-                                    <p:cond delay="0"/>
-                                  </p:stCondLst>
-                                  <p:childTnLst>
-                                    <p:set>
-                                      <p:cBhvr>
-                                        <p:cTn id="10" dur="1" fill="hold">
-                                          <p:stCondLst>
-                                            <p:cond delay="0"/>
-                                          </p:stCondLst>
-                                        </p:cTn>
-                                        <p:tgtEl>
-                                          <p:spTgt spid="3">
-                                            <p:txEl>
-                                              <p:pRg st="2" end="2"/>
-                                            </p:txEl>
-                                          </p:spTgt>
-                                        </p:tgtEl>
-                                        <p:attrNameLst>
-                                          <p:attrName>style.visibility</p:attrName>
-                                        </p:attrNameLst>
-                                      </p:cBhvr>
-                                      <p:to>
-                                        <p:strVal val="visible"/>
-                                      </p:to>
-                                    </p:set>
-                                    <p:anim calcmode="lin" valueType="num">
-                                      <p:cBhvr additive="base">
-                                        <p:cTn id="11" dur="500" fill="hold"/>
-                                        <p:tgtEl>
-                                          <p:spTgt spid="3">
-                                            <p:txEl>
-                                              <p:pRg st="2" end="2"/>
-                                            </p:txEl>
-                                          </p:spTgt>
-                                        </p:tgtEl>
-                                        <p:attrNameLst>
-                                          <p:attrName>ppt_x</p:attrName>
-                                        </p:attrNameLst>
-                                      </p:cBhvr>
-                                      <p:tavLst>
-                                        <p:tav tm="0">
-                                          <p:val>
-                                            <p:strVal val="#ppt_x"/>
-                                          </p:val>
-                                        </p:tav>
-                                        <p:tav tm="100000">
-                                          <p:val>
-                                            <p:strVal val="#ppt_x"/>
-                                          </p:val>
-                                        </p:tav>
-                                      </p:tavLst>
-                                    </p:anim>
-                                    <p:anim calcmode="lin" valueType="num">
-                                      <p:cBhvr additive="base">
-                                        <p:cTn id="12" dur="500" fill="hold"/>
-                                        <p:tgtEl>
-                                          <p:spTgt spid="3">
-                                            <p:txEl>
-                                              <p:pRg st="2" end="2"/>
-                                            </p:txEl>
-                                          </p:spTgt>
-                                        </p:tgtEl>
-                                        <p:attrNameLst>
-                                          <p:attrName>ppt_y</p:attrName>
-                                        </p:attrNameLst>
-                                      </p:cBhvr>
-                                      <p:tavLst>
-                                        <p:tav tm="0">
-                                          <p:val>
-                                            <p:strVal val="1+#ppt_h/2"/>
-                                          </p:val>
-                                        </p:tav>
-                                        <p:tav tm="100000">
-                                          <p:val>
-                                            <p:strVal val="#ppt_y"/>
-                                          </p:val>
-                                        </p:tav>
-                                      </p:tavLst>
-                                    </p:anim>
-                                  </p:childTnLst>
-                                </p:cTn>
-                              </p:par>
-                              <p:par>
-                                <p:cTn id="13" presetID="2" presetClass="entr" presetSubtype="4" fill="hold" nodeType="withEffect">
-                                  <p:stCondLst>
-                                    <p:cond delay="0"/>
-                                  </p:stCondLst>
-                                  <p:childTnLst>
-                                    <p:set>
-                                      <p:cBhvr>
-                                        <p:cTn id="14" dur="1" fill="hold">
-                                          <p:stCondLst>
-                                            <p:cond delay="0"/>
-                                          </p:stCondLst>
-                                        </p:cTn>
-                                        <p:tgtEl>
-                                          <p:spTgt spid="3">
-                                            <p:txEl>
-                                              <p:pRg st="4" end="4"/>
-                                            </p:txEl>
-                                          </p:spTgt>
-                                        </p:tgtEl>
-                                        <p:attrNameLst>
-                                          <p:attrName>style.visibility</p:attrName>
-                                        </p:attrNameLst>
-                                      </p:cBhvr>
-                                      <p:to>
-                                        <p:strVal val="visible"/>
-                                      </p:to>
-                                    </p:set>
-                                    <p:anim calcmode="lin" valueType="num">
-                                      <p:cBhvr additive="base">
-                                        <p:cTn id="15" dur="500" fill="hold"/>
-                                        <p:tgtEl>
-                                          <p:spTgt spid="3">
-                                            <p:txEl>
-                                              <p:pRg st="4" end="4"/>
-                                            </p:txEl>
-                                          </p:spTgt>
-                                        </p:tgtEl>
-                                        <p:attrNameLst>
-                                          <p:attrName>ppt_x</p:attrName>
-                                        </p:attrNameLst>
-                                      </p:cBhvr>
-                                      <p:tavLst>
-                                        <p:tav tm="0">
-                                          <p:val>
-                                            <p:strVal val="#ppt_x"/>
-                                          </p:val>
-                                        </p:tav>
-                                        <p:tav tm="100000">
-                                          <p:val>
-                                            <p:strVal val="#ppt_x"/>
-                                          </p:val>
-                                        </p:tav>
-                                      </p:tavLst>
-                                    </p:anim>
-                                    <p:anim calcmode="lin" valueType="num">
-                                      <p:cBhvr additive="base">
-                                        <p:cTn id="16" dur="500" fill="hold"/>
-                                        <p:tgtEl>
-                                          <p:spTgt spid="3">
-                                            <p:txEl>
-                                              <p:pRg st="4" end="4"/>
-                                            </p:txEl>
-                                          </p:spTgt>
-                                        </p:tgtEl>
-                                        <p:attrNameLst>
-                                          <p:attrName>ppt_y</p:attrName>
-                                        </p:attrNameLst>
-                                      </p:cBhvr>
-                                      <p:tavLst>
-                                        <p:tav tm="0">
-                                          <p:val>
-                                            <p:strVal val="1+#ppt_h/2"/>
-                                          </p:val>
-                                        </p:tav>
-                                        <p:tav tm="100000">
-                                          <p:val>
-                                            <p:strVal val="#ppt_y"/>
-                                          </p:val>
-                                        </p:tav>
-                                      </p:tavLst>
-                                    </p:anim>
-                                  </p:childTnLst>
-                                </p:cTn>
-                              </p:par>
-                              <p:par>
-                                <p:cTn id="17" presetID="2" presetClass="entr" presetSubtype="4" fill="hold" nodeType="withEffect">
-                                  <p:stCondLst>
-                                    <p:cond delay="0"/>
-                                  </p:stCondLst>
-                                  <p:childTnLst>
-                                    <p:set>
-                                      <p:cBhvr>
-                                        <p:cTn id="18" dur="1" fill="hold">
-                                          <p:stCondLst>
-                                            <p:cond delay="0"/>
-                                          </p:stCondLst>
-                                        </p:cTn>
-                                        <p:tgtEl>
-                                          <p:spTgt spid="3">
-                                            <p:txEl>
-                                              <p:pRg st="6" end="6"/>
-                                            </p:txEl>
-                                          </p:spTgt>
-                                        </p:tgtEl>
-                                        <p:attrNameLst>
-                                          <p:attrName>style.visibility</p:attrName>
-                                        </p:attrNameLst>
-                                      </p:cBhvr>
-                                      <p:to>
-                                        <p:strVal val="visible"/>
-                                      </p:to>
-                                    </p:set>
-                                    <p:anim calcmode="lin" valueType="num">
-                                      <p:cBhvr additive="base">
-                                        <p:cTn id="19" dur="500" fill="hold"/>
-                                        <p:tgtEl>
-                                          <p:spTgt spid="3">
-                                            <p:txEl>
-                                              <p:pRg st="6" end="6"/>
-                                            </p:txEl>
-                                          </p:spTgt>
-                                        </p:tgtEl>
-                                        <p:attrNameLst>
-                                          <p:attrName>ppt_x</p:attrName>
-                                        </p:attrNameLst>
-                                      </p:cBhvr>
-                                      <p:tavLst>
-                                        <p:tav tm="0">
-                                          <p:val>
-                                            <p:strVal val="#ppt_x"/>
-                                          </p:val>
-                                        </p:tav>
-                                        <p:tav tm="100000">
-                                          <p:val>
-                                            <p:strVal val="#ppt_x"/>
-                                          </p:val>
-                                        </p:tav>
-                                      </p:tavLst>
-                                    </p:anim>
-                                    <p:anim calcmode="lin" valueType="num">
-                                      <p:cBhvr additive="base">
-                                        <p:cTn id="20" dur="500" fill="hold"/>
-                                        <p:tgtEl>
-                                          <p:spTgt spid="3">
-                                            <p:txEl>
-                                              <p:pRg st="6" end="6"/>
-                                            </p:txEl>
-                                          </p:spTgt>
-                                        </p:tgtEl>
-                                        <p:attrNameLst>
-                                          <p:attrName>ppt_y</p:attrName>
-                                        </p:attrNameLst>
-                                      </p:cBhvr>
-                                      <p:tavLst>
-                                        <p:tav tm="0">
-                                          <p:val>
-                                            <p:strVal val="1+#ppt_h/2"/>
-                                          </p:val>
-                                        </p:tav>
-                                        <p:tav tm="100000">
-                                          <p:val>
-                                            <p:strVal val="#ppt_y"/>
-                                          </p:val>
-                                        </p:tav>
-                                      </p:tavLst>
-                                    </p:anim>
-                                  </p:childTnLst>
-                                </p:cTn>
-                              </p:par>
-                            </p:childTnLst>
-                          </p:cTn>
-                        </p:par>
-                      </p:childTnLst>
-                    </p:cTn>
-                  </p:par>
-                </p:childTnLst>
-              </p:cTn>
-              <p:prevCondLst>
-                <p:cond evt="onPrev" delay="0">
-                  <p:tgtEl>
-                    <p:sldTgt/>
-                  </p:tgtEl>
-                </p:cond>
-              </p:prevCondLst>
-              <p:nextCondLst>
-                <p:cond evt="onNext" delay="0">
-                  <p:tgtEl>
-                    <p:sldTgt/>
-                  </p:tgtEl>
-                </p:cond>
-              </p:nextCondLst>
-            </p:seq>
-          </p:childTnLst>
-        </p:cTn>
-      </p:par>
-    </p:tnLst>
-  </p:timing>
-</p:sld>
-</file>
-
-<file path=ppt/slides/slide12.xml><?xml version="1.0" encoding="utf-8"?>
-<p:sld xmlns:a="http://schemas.openxmlformats.org/drawingml/2006/main" xmlns:r="http://schemas.openxmlformats.org/officeDocument/2006/relationships" xmlns:p="http://schemas.openxmlformats.org/presentationml/2006/main">
-  <p:cSld>
-    <p:spTree>
-      <p:nvGrpSpPr>
-        <p:cNvPr id="1" name=""/>
-        <p:cNvGrpSpPr/>
-        <p:nvPr/>
-      </p:nvGrpSpPr>
-      <p:grpSpPr>
-        <a:xfrm>
-          <a:off x="0" y="0"/>
-          <a:ext cx="0" cy="0"/>
-          <a:chOff x="0" y="0"/>
-          <a:chExt cx="0" cy="0"/>
-        </a:xfrm>
-      </p:grpSpPr>
-      <p:sp>
-        <p:nvSpPr>
-          <p:cNvPr id="4" name="Rectangle 2"/>
-          <p:cNvSpPr>
-            <a:spLocks noGrp="1"/>
-          </p:cNvSpPr>
-          <p:nvPr>
-            <p:ph type="title"/>
-          </p:nvPr>
-        </p:nvSpPr>
         <p:spPr>
           <a:xfrm>
             <a:off x="304800" y="457200"/>
@@ -6160,7 +4942,7 @@
 </p:sld>
 </file>
 
-<file path=ppt/slides/slide13.xml><?xml version="1.0" encoding="utf-8"?>
+<file path=ppt/slides/slide11.xml><?xml version="1.0" encoding="utf-8"?>
 <p:sld xmlns:a="http://schemas.openxmlformats.org/drawingml/2006/main" xmlns:r="http://schemas.openxmlformats.org/officeDocument/2006/relationships" xmlns:p="http://schemas.openxmlformats.org/presentationml/2006/main">
   <p:cSld>
     <p:spTree>
@@ -6182,7 +4964,7 @@
           <p:cNvPr id="2" name="Titolo 1">
             <a:extLst>
               <a:ext uri="{FF2B5EF4-FFF2-40B4-BE49-F238E27FC236}">
-                <a16:creationId xmlns="" xmlns:a16="http://schemas.microsoft.com/office/drawing/2014/main" id="{68B96A78-96D6-4088-B0D6-159A7B045ED9}"/>
+                <a16:creationId xmlns:a16="http://schemas.microsoft.com/office/drawing/2014/main" xmlns="" id="{68B96A78-96D6-4088-B0D6-159A7B045ED9}"/>
               </a:ext>
             </a:extLst>
           </p:cNvPr>
@@ -6212,7 +4994,7 @@
           <p:cNvPr id="4" name="Segnaposto contenuto 3">
             <a:extLst>
               <a:ext uri="{FF2B5EF4-FFF2-40B4-BE49-F238E27FC236}">
-                <a16:creationId xmlns="" xmlns:a16="http://schemas.microsoft.com/office/drawing/2014/main" id="{DB5AB712-AB58-4F64-90E0-021CABF2ED7B}"/>
+                <a16:creationId xmlns:a16="http://schemas.microsoft.com/office/drawing/2014/main" xmlns="" id="{DB5AB712-AB58-4F64-90E0-021CABF2ED7B}"/>
               </a:ext>
             </a:extLst>
           </p:cNvPr>
@@ -6765,6 +5547,1720 @@
     <p:bldLst>
       <p:bldP spid="3" grpId="0" animBg="1"/>
       <p:bldP spid="5" grpId="0" animBg="1"/>
+    </p:bldLst>
+  </p:timing>
+</p:sld>
+</file>
+
+<file path=ppt/slides/slide12.xml><?xml version="1.0" encoding="utf-8"?>
+<p:sld xmlns:a="http://schemas.openxmlformats.org/drawingml/2006/main" xmlns:r="http://schemas.openxmlformats.org/officeDocument/2006/relationships" xmlns:p="http://schemas.openxmlformats.org/presentationml/2006/main">
+  <p:cSld>
+    <p:spTree>
+      <p:nvGrpSpPr>
+        <p:cNvPr id="1" name=""/>
+        <p:cNvGrpSpPr/>
+        <p:nvPr/>
+      </p:nvGrpSpPr>
+      <p:grpSpPr>
+        <a:xfrm>
+          <a:off x="0" y="0"/>
+          <a:ext cx="0" cy="0"/>
+          <a:chOff x="0" y="0"/>
+          <a:chExt cx="0" cy="0"/>
+        </a:xfrm>
+      </p:grpSpPr>
+      <p:sp>
+        <p:nvSpPr>
+          <p:cNvPr id="2" name="Titolo 1"/>
+          <p:cNvSpPr>
+            <a:spLocks noGrp="1"/>
+          </p:cNvSpPr>
+          <p:nvPr>
+            <p:ph type="title"/>
+          </p:nvPr>
+        </p:nvSpPr>
+        <p:spPr/>
+        <p:txBody>
+          <a:bodyPr/>
+          <a:lstStyle/>
+          <a:p>
+            <a:r>
+              <a:rPr lang="it-IT" dirty="0" smtClean="0"/>
+              <a:t>IDEE DI </a:t>
+            </a:r>
+            <a:r>
+              <a:rPr lang="it-IT" dirty="0" err="1" smtClean="0"/>
+              <a:t>PRoGETTO</a:t>
+            </a:r>
+            <a:endParaRPr lang="it-IT" dirty="0"/>
+          </a:p>
+        </p:txBody>
+      </p:sp>
+      <p:sp>
+        <p:nvSpPr>
+          <p:cNvPr id="3" name="Segnaposto contenuto 2"/>
+          <p:cNvSpPr>
+            <a:spLocks noGrp="1"/>
+          </p:cNvSpPr>
+          <p:nvPr>
+            <p:ph idx="1"/>
+          </p:nvPr>
+        </p:nvSpPr>
+        <p:spPr>
+          <a:xfrm>
+            <a:off x="179512" y="1412776"/>
+            <a:ext cx="8640960" cy="5256584"/>
+          </a:xfrm>
+        </p:spPr>
+        <p:txBody>
+          <a:bodyPr>
+            <a:normAutofit/>
+          </a:bodyPr>
+          <a:lstStyle/>
+          <a:p>
+            <a:r>
+              <a:rPr lang="it-IT" sz="2600" dirty="0" smtClean="0"/>
+              <a:t>Idea n°1</a:t>
+            </a:r>
+          </a:p>
+          <a:p>
+            <a:endParaRPr lang="it-IT" sz="2600" dirty="0" smtClean="0"/>
+          </a:p>
+          <a:p>
+            <a:endParaRPr lang="it-IT" sz="2600" dirty="0"/>
+          </a:p>
+          <a:p>
+            <a:pPr marL="0" indent="0">
+              <a:buNone/>
+            </a:pPr>
+            <a:endParaRPr lang="it-IT" sz="2600" dirty="0" smtClean="0"/>
+          </a:p>
+          <a:p>
+            <a:pPr marL="0" indent="0">
+              <a:buNone/>
+            </a:pPr>
+            <a:endParaRPr lang="it-IT" sz="2600" dirty="0" smtClean="0"/>
+          </a:p>
+          <a:p>
+            <a:pPr marL="0" indent="0">
+              <a:buNone/>
+            </a:pPr>
+            <a:endParaRPr lang="it-IT" sz="2600" dirty="0" smtClean="0"/>
+          </a:p>
+          <a:p>
+            <a:r>
+              <a:rPr lang="it-IT" sz="2600" dirty="0" smtClean="0"/>
+              <a:t>Idea n°2</a:t>
+            </a:r>
+            <a:endParaRPr lang="it-IT" sz="2600" dirty="0"/>
+          </a:p>
+        </p:txBody>
+      </p:sp>
+      <p:pic>
+        <p:nvPicPr>
+          <p:cNvPr id="4" name="Immagine 3"/>
+          <p:cNvPicPr>
+            <a:picLocks noChangeAspect="1"/>
+          </p:cNvPicPr>
+          <p:nvPr/>
+        </p:nvPicPr>
+        <p:blipFill rotWithShape="1">
+          <a:blip r:embed="rId2" cstate="print">
+            <a:extLst>
+              <a:ext uri="{28A0092B-C50C-407E-A947-70E740481C1C}">
+                <a14:useLocalDpi xmlns:a14="http://schemas.microsoft.com/office/drawing/2010/main" val="0"/>
+              </a:ext>
+            </a:extLst>
+          </a:blip>
+          <a:srcRect l="17785" t="7103" r="18190" b="5300"/>
+          <a:stretch/>
+        </p:blipFill>
+        <p:spPr>
+          <a:xfrm>
+            <a:off x="6660232" y="1196752"/>
+            <a:ext cx="2592288" cy="2664297"/>
+          </a:xfrm>
+          <a:prstGeom prst="rect">
+            <a:avLst/>
+          </a:prstGeom>
+        </p:spPr>
+      </p:pic>
+      <p:pic>
+        <p:nvPicPr>
+          <p:cNvPr id="1026" name="Picture 2" descr="flochart"/>
+          <p:cNvPicPr>
+            <a:picLocks noChangeAspect="1" noChangeArrowheads="1"/>
+          </p:cNvPicPr>
+          <p:nvPr/>
+        </p:nvPicPr>
+        <p:blipFill>
+          <a:blip r:embed="rId3" cstate="print">
+            <a:extLst>
+              <a:ext uri="{28A0092B-C50C-407E-A947-70E740481C1C}">
+                <a14:useLocalDpi xmlns:a14="http://schemas.microsoft.com/office/drawing/2010/main" val="0"/>
+              </a:ext>
+            </a:extLst>
+          </a:blip>
+          <a:srcRect/>
+          <a:stretch>
+            <a:fillRect/>
+          </a:stretch>
+        </p:blipFill>
+        <p:spPr bwMode="auto">
+          <a:xfrm>
+            <a:off x="683568" y="1916832"/>
+            <a:ext cx="2808312" cy="2401832"/>
+          </a:xfrm>
+          <a:prstGeom prst="rect">
+            <a:avLst/>
+          </a:prstGeom>
+          <a:noFill/>
+          <a:ln>
+            <a:noFill/>
+          </a:ln>
+          <a:extLst>
+            <a:ext uri="{909E8E84-426E-40DD-AFC4-6F175D3DCCD1}">
+              <a14:hiddenFill xmlns:a14="http://schemas.microsoft.com/office/drawing/2010/main">
+                <a:solidFill>
+                  <a:srgbClr val="FFFFFF"/>
+                </a:solidFill>
+              </a14:hiddenFill>
+            </a:ext>
+            <a:ext uri="{91240B29-F687-4F45-9708-019B960494DF}">
+              <a14:hiddenLine xmlns:a14="http://schemas.microsoft.com/office/drawing/2010/main" w="9525">
+                <a:solidFill>
+                  <a:srgbClr val="000000"/>
+                </a:solidFill>
+                <a:miter lim="800000"/>
+                <a:headEnd/>
+                <a:tailEnd/>
+              </a14:hiddenLine>
+            </a:ext>
+          </a:extLst>
+        </p:spPr>
+      </p:pic>
+      <p:pic>
+        <p:nvPicPr>
+          <p:cNvPr id="1027" name="Picture 3" descr="flowevent"/>
+          <p:cNvPicPr>
+            <a:picLocks noChangeAspect="1" noChangeArrowheads="1"/>
+          </p:cNvPicPr>
+          <p:nvPr/>
+        </p:nvPicPr>
+        <p:blipFill>
+          <a:blip r:embed="rId4" cstate="print">
+            <a:extLst>
+              <a:ext uri="{28A0092B-C50C-407E-A947-70E740481C1C}">
+                <a14:useLocalDpi xmlns:a14="http://schemas.microsoft.com/office/drawing/2010/main" val="0"/>
+              </a:ext>
+            </a:extLst>
+          </a:blip>
+          <a:srcRect/>
+          <a:stretch>
+            <a:fillRect/>
+          </a:stretch>
+        </p:blipFill>
+        <p:spPr bwMode="auto">
+          <a:xfrm>
+            <a:off x="611560" y="4725144"/>
+            <a:ext cx="4162521" cy="1899718"/>
+          </a:xfrm>
+          <a:prstGeom prst="rect">
+            <a:avLst/>
+          </a:prstGeom>
+          <a:noFill/>
+          <a:ln>
+            <a:noFill/>
+          </a:ln>
+          <a:extLst>
+            <a:ext uri="{909E8E84-426E-40DD-AFC4-6F175D3DCCD1}">
+              <a14:hiddenFill xmlns:a14="http://schemas.microsoft.com/office/drawing/2010/main">
+                <a:solidFill>
+                  <a:srgbClr val="FFFFFF"/>
+                </a:solidFill>
+              </a14:hiddenFill>
+            </a:ext>
+            <a:ext uri="{91240B29-F687-4F45-9708-019B960494DF}">
+              <a14:hiddenLine xmlns:a14="http://schemas.microsoft.com/office/drawing/2010/main" w="9525">
+                <a:solidFill>
+                  <a:srgbClr val="000000"/>
+                </a:solidFill>
+                <a:miter lim="800000"/>
+                <a:headEnd/>
+                <a:tailEnd/>
+              </a14:hiddenLine>
+            </a:ext>
+          </a:extLst>
+        </p:spPr>
+      </p:pic>
+      <p:sp>
+        <p:nvSpPr>
+          <p:cNvPr id="5" name="CasellaDiTesto 4"/>
+          <p:cNvSpPr txBox="1"/>
+          <p:nvPr/>
+        </p:nvSpPr>
+        <p:spPr>
+          <a:xfrm>
+            <a:off x="3524810" y="1916832"/>
+            <a:ext cx="3399692" cy="923330"/>
+          </a:xfrm>
+          <a:prstGeom prst="rect">
+            <a:avLst/>
+          </a:prstGeom>
+          <a:noFill/>
+        </p:spPr>
+        <p:txBody>
+          <a:bodyPr wrap="square" rtlCol="0">
+            <a:spAutoFit/>
+          </a:bodyPr>
+          <a:lstStyle/>
+          <a:p>
+            <a:r>
+              <a:rPr lang="it-IT" dirty="0" smtClean="0"/>
+              <a:t>Interazione: Barra di navigazione laterale</a:t>
+            </a:r>
+          </a:p>
+          <a:p>
+            <a:r>
+              <a:rPr lang="it-IT" dirty="0" smtClean="0"/>
+              <a:t>Colori: blu, bianco, rosa</a:t>
+            </a:r>
+          </a:p>
+        </p:txBody>
+      </p:sp>
+      <p:sp>
+        <p:nvSpPr>
+          <p:cNvPr id="7" name="CasellaDiTesto 6"/>
+          <p:cNvSpPr txBox="1"/>
+          <p:nvPr/>
+        </p:nvSpPr>
+        <p:spPr>
+          <a:xfrm>
+            <a:off x="4932040" y="4765448"/>
+            <a:ext cx="3744416" cy="1200329"/>
+          </a:xfrm>
+          <a:prstGeom prst="rect">
+            <a:avLst/>
+          </a:prstGeom>
+          <a:noFill/>
+        </p:spPr>
+        <p:txBody>
+          <a:bodyPr wrap="square" rtlCol="0">
+            <a:spAutoFit/>
+          </a:bodyPr>
+          <a:lstStyle/>
+          <a:p>
+            <a:r>
+              <a:rPr lang="it-IT" dirty="0" smtClean="0"/>
+              <a:t>Interazione : Barra di navigazione superiore</a:t>
+            </a:r>
+          </a:p>
+          <a:p>
+            <a:r>
+              <a:rPr lang="it-IT" dirty="0" smtClean="0"/>
+              <a:t>Colori: verde, bianco</a:t>
+            </a:r>
+          </a:p>
+          <a:p>
+            <a:endParaRPr lang="it-IT" dirty="0"/>
+          </a:p>
+        </p:txBody>
+      </p:sp>
+    </p:spTree>
+    <p:extLst>
+      <p:ext uri="{BB962C8B-B14F-4D97-AF65-F5344CB8AC3E}">
+        <p14:creationId xmlns:p14="http://schemas.microsoft.com/office/powerpoint/2010/main" val="803738696"/>
+      </p:ext>
+    </p:extLst>
+  </p:cSld>
+  <p:clrMapOvr>
+    <a:masterClrMapping/>
+  </p:clrMapOvr>
+  <p:timing>
+    <p:tnLst>
+      <p:par>
+        <p:cTn id="1" dur="indefinite" restart="never" nodeType="tmRoot">
+          <p:childTnLst>
+            <p:seq concurrent="1" nextAc="seek">
+              <p:cTn id="2" dur="indefinite" nodeType="mainSeq">
+                <p:childTnLst>
+                  <p:par>
+                    <p:cTn id="3" fill="hold">
+                      <p:stCondLst>
+                        <p:cond delay="indefinite"/>
+                      </p:stCondLst>
+                      <p:childTnLst>
+                        <p:par>
+                          <p:cTn id="4" fill="hold">
+                            <p:stCondLst>
+                              <p:cond delay="0"/>
+                            </p:stCondLst>
+                            <p:childTnLst>
+                              <p:par>
+                                <p:cTn id="5" presetID="2" presetClass="entr" presetSubtype="4" fill="hold" nodeType="clickEffect">
+                                  <p:stCondLst>
+                                    <p:cond delay="0"/>
+                                  </p:stCondLst>
+                                  <p:childTnLst>
+                                    <p:set>
+                                      <p:cBhvr>
+                                        <p:cTn id="6" dur="1" fill="hold">
+                                          <p:stCondLst>
+                                            <p:cond delay="0"/>
+                                          </p:stCondLst>
+                                        </p:cTn>
+                                        <p:tgtEl>
+                                          <p:spTgt spid="4"/>
+                                        </p:tgtEl>
+                                        <p:attrNameLst>
+                                          <p:attrName>style.visibility</p:attrName>
+                                        </p:attrNameLst>
+                                      </p:cBhvr>
+                                      <p:to>
+                                        <p:strVal val="visible"/>
+                                      </p:to>
+                                    </p:set>
+                                    <p:anim calcmode="lin" valueType="num">
+                                      <p:cBhvr additive="base">
+                                        <p:cTn id="7" dur="500" fill="hold"/>
+                                        <p:tgtEl>
+                                          <p:spTgt spid="4"/>
+                                        </p:tgtEl>
+                                        <p:attrNameLst>
+                                          <p:attrName>ppt_x</p:attrName>
+                                        </p:attrNameLst>
+                                      </p:cBhvr>
+                                      <p:tavLst>
+                                        <p:tav tm="0">
+                                          <p:val>
+                                            <p:strVal val="#ppt_x"/>
+                                          </p:val>
+                                        </p:tav>
+                                        <p:tav tm="100000">
+                                          <p:val>
+                                            <p:strVal val="#ppt_x"/>
+                                          </p:val>
+                                        </p:tav>
+                                      </p:tavLst>
+                                    </p:anim>
+                                    <p:anim calcmode="lin" valueType="num">
+                                      <p:cBhvr additive="base">
+                                        <p:cTn id="8" dur="500" fill="hold"/>
+                                        <p:tgtEl>
+                                          <p:spTgt spid="4"/>
+                                        </p:tgtEl>
+                                        <p:attrNameLst>
+                                          <p:attrName>ppt_y</p:attrName>
+                                        </p:attrNameLst>
+                                      </p:cBhvr>
+                                      <p:tavLst>
+                                        <p:tav tm="0">
+                                          <p:val>
+                                            <p:strVal val="1+#ppt_h/2"/>
+                                          </p:val>
+                                        </p:tav>
+                                        <p:tav tm="100000">
+                                          <p:val>
+                                            <p:strVal val="#ppt_y"/>
+                                          </p:val>
+                                        </p:tav>
+                                      </p:tavLst>
+                                    </p:anim>
+                                  </p:childTnLst>
+                                </p:cTn>
+                              </p:par>
+                            </p:childTnLst>
+                          </p:cTn>
+                        </p:par>
+                      </p:childTnLst>
+                    </p:cTn>
+                  </p:par>
+                  <p:par>
+                    <p:cTn id="9" fill="hold">
+                      <p:stCondLst>
+                        <p:cond delay="indefinite"/>
+                      </p:stCondLst>
+                      <p:childTnLst>
+                        <p:par>
+                          <p:cTn id="10" fill="hold">
+                            <p:stCondLst>
+                              <p:cond delay="0"/>
+                            </p:stCondLst>
+                            <p:childTnLst>
+                              <p:par>
+                                <p:cTn id="11" presetID="2" presetClass="entr" presetSubtype="4" fill="hold" grpId="0" nodeType="clickEffect">
+                                  <p:stCondLst>
+                                    <p:cond delay="0"/>
+                                  </p:stCondLst>
+                                  <p:childTnLst>
+                                    <p:set>
+                                      <p:cBhvr>
+                                        <p:cTn id="12" dur="1" fill="hold">
+                                          <p:stCondLst>
+                                            <p:cond delay="0"/>
+                                          </p:stCondLst>
+                                        </p:cTn>
+                                        <p:tgtEl>
+                                          <p:spTgt spid="3">
+                                            <p:txEl>
+                                              <p:pRg st="0" end="0"/>
+                                            </p:txEl>
+                                          </p:spTgt>
+                                        </p:tgtEl>
+                                        <p:attrNameLst>
+                                          <p:attrName>style.visibility</p:attrName>
+                                        </p:attrNameLst>
+                                      </p:cBhvr>
+                                      <p:to>
+                                        <p:strVal val="visible"/>
+                                      </p:to>
+                                    </p:set>
+                                    <p:anim calcmode="lin" valueType="num">
+                                      <p:cBhvr additive="base">
+                                        <p:cTn id="13" dur="500" fill="hold"/>
+                                        <p:tgtEl>
+                                          <p:spTgt spid="3">
+                                            <p:txEl>
+                                              <p:pRg st="0" end="0"/>
+                                            </p:txEl>
+                                          </p:spTgt>
+                                        </p:tgtEl>
+                                        <p:attrNameLst>
+                                          <p:attrName>ppt_x</p:attrName>
+                                        </p:attrNameLst>
+                                      </p:cBhvr>
+                                      <p:tavLst>
+                                        <p:tav tm="0">
+                                          <p:val>
+                                            <p:strVal val="#ppt_x"/>
+                                          </p:val>
+                                        </p:tav>
+                                        <p:tav tm="100000">
+                                          <p:val>
+                                            <p:strVal val="#ppt_x"/>
+                                          </p:val>
+                                        </p:tav>
+                                      </p:tavLst>
+                                    </p:anim>
+                                    <p:anim calcmode="lin" valueType="num">
+                                      <p:cBhvr additive="base">
+                                        <p:cTn id="14" dur="500" fill="hold"/>
+                                        <p:tgtEl>
+                                          <p:spTgt spid="3">
+                                            <p:txEl>
+                                              <p:pRg st="0" end="0"/>
+                                            </p:txEl>
+                                          </p:spTgt>
+                                        </p:tgtEl>
+                                        <p:attrNameLst>
+                                          <p:attrName>ppt_y</p:attrName>
+                                        </p:attrNameLst>
+                                      </p:cBhvr>
+                                      <p:tavLst>
+                                        <p:tav tm="0">
+                                          <p:val>
+                                            <p:strVal val="1+#ppt_h/2"/>
+                                          </p:val>
+                                        </p:tav>
+                                        <p:tav tm="100000">
+                                          <p:val>
+                                            <p:strVal val="#ppt_y"/>
+                                          </p:val>
+                                        </p:tav>
+                                      </p:tavLst>
+                                    </p:anim>
+                                  </p:childTnLst>
+                                </p:cTn>
+                              </p:par>
+                            </p:childTnLst>
+                          </p:cTn>
+                        </p:par>
+                      </p:childTnLst>
+                    </p:cTn>
+                  </p:par>
+                  <p:par>
+                    <p:cTn id="15" fill="hold">
+                      <p:stCondLst>
+                        <p:cond delay="indefinite"/>
+                      </p:stCondLst>
+                      <p:childTnLst>
+                        <p:par>
+                          <p:cTn id="16" fill="hold">
+                            <p:stCondLst>
+                              <p:cond delay="0"/>
+                            </p:stCondLst>
+                            <p:childTnLst>
+                              <p:par>
+                                <p:cTn id="17" presetID="2" presetClass="entr" presetSubtype="4" fill="hold" grpId="0" nodeType="clickEffect">
+                                  <p:stCondLst>
+                                    <p:cond delay="0"/>
+                                  </p:stCondLst>
+                                  <p:childTnLst>
+                                    <p:set>
+                                      <p:cBhvr>
+                                        <p:cTn id="18" dur="1" fill="hold">
+                                          <p:stCondLst>
+                                            <p:cond delay="0"/>
+                                          </p:stCondLst>
+                                        </p:cTn>
+                                        <p:tgtEl>
+                                          <p:spTgt spid="3">
+                                            <p:txEl>
+                                              <p:pRg st="6" end="6"/>
+                                            </p:txEl>
+                                          </p:spTgt>
+                                        </p:tgtEl>
+                                        <p:attrNameLst>
+                                          <p:attrName>style.visibility</p:attrName>
+                                        </p:attrNameLst>
+                                      </p:cBhvr>
+                                      <p:to>
+                                        <p:strVal val="visible"/>
+                                      </p:to>
+                                    </p:set>
+                                    <p:anim calcmode="lin" valueType="num">
+                                      <p:cBhvr additive="base">
+                                        <p:cTn id="19" dur="500" fill="hold"/>
+                                        <p:tgtEl>
+                                          <p:spTgt spid="3">
+                                            <p:txEl>
+                                              <p:pRg st="6" end="6"/>
+                                            </p:txEl>
+                                          </p:spTgt>
+                                        </p:tgtEl>
+                                        <p:attrNameLst>
+                                          <p:attrName>ppt_x</p:attrName>
+                                        </p:attrNameLst>
+                                      </p:cBhvr>
+                                      <p:tavLst>
+                                        <p:tav tm="0">
+                                          <p:val>
+                                            <p:strVal val="#ppt_x"/>
+                                          </p:val>
+                                        </p:tav>
+                                        <p:tav tm="100000">
+                                          <p:val>
+                                            <p:strVal val="#ppt_x"/>
+                                          </p:val>
+                                        </p:tav>
+                                      </p:tavLst>
+                                    </p:anim>
+                                    <p:anim calcmode="lin" valueType="num">
+                                      <p:cBhvr additive="base">
+                                        <p:cTn id="20" dur="500" fill="hold"/>
+                                        <p:tgtEl>
+                                          <p:spTgt spid="3">
+                                            <p:txEl>
+                                              <p:pRg st="6" end="6"/>
+                                            </p:txEl>
+                                          </p:spTgt>
+                                        </p:tgtEl>
+                                        <p:attrNameLst>
+                                          <p:attrName>ppt_y</p:attrName>
+                                        </p:attrNameLst>
+                                      </p:cBhvr>
+                                      <p:tavLst>
+                                        <p:tav tm="0">
+                                          <p:val>
+                                            <p:strVal val="1+#ppt_h/2"/>
+                                          </p:val>
+                                        </p:tav>
+                                        <p:tav tm="100000">
+                                          <p:val>
+                                            <p:strVal val="#ppt_y"/>
+                                          </p:val>
+                                        </p:tav>
+                                      </p:tavLst>
+                                    </p:anim>
+                                  </p:childTnLst>
+                                </p:cTn>
+                              </p:par>
+                            </p:childTnLst>
+                          </p:cTn>
+                        </p:par>
+                      </p:childTnLst>
+                    </p:cTn>
+                  </p:par>
+                  <p:par>
+                    <p:cTn id="21" fill="hold">
+                      <p:stCondLst>
+                        <p:cond delay="indefinite"/>
+                      </p:stCondLst>
+                      <p:childTnLst>
+                        <p:par>
+                          <p:cTn id="22" fill="hold">
+                            <p:stCondLst>
+                              <p:cond delay="0"/>
+                            </p:stCondLst>
+                            <p:childTnLst>
+                              <p:par>
+                                <p:cTn id="23" presetID="2" presetClass="entr" presetSubtype="4" fill="hold" nodeType="clickEffect">
+                                  <p:stCondLst>
+                                    <p:cond delay="0"/>
+                                  </p:stCondLst>
+                                  <p:childTnLst>
+                                    <p:set>
+                                      <p:cBhvr>
+                                        <p:cTn id="24" dur="1" fill="hold">
+                                          <p:stCondLst>
+                                            <p:cond delay="0"/>
+                                          </p:stCondLst>
+                                        </p:cTn>
+                                        <p:tgtEl>
+                                          <p:spTgt spid="1026"/>
+                                        </p:tgtEl>
+                                        <p:attrNameLst>
+                                          <p:attrName>style.visibility</p:attrName>
+                                        </p:attrNameLst>
+                                      </p:cBhvr>
+                                      <p:to>
+                                        <p:strVal val="visible"/>
+                                      </p:to>
+                                    </p:set>
+                                    <p:anim calcmode="lin" valueType="num">
+                                      <p:cBhvr additive="base">
+                                        <p:cTn id="25" dur="500" fill="hold"/>
+                                        <p:tgtEl>
+                                          <p:spTgt spid="1026"/>
+                                        </p:tgtEl>
+                                        <p:attrNameLst>
+                                          <p:attrName>ppt_x</p:attrName>
+                                        </p:attrNameLst>
+                                      </p:cBhvr>
+                                      <p:tavLst>
+                                        <p:tav tm="0">
+                                          <p:val>
+                                            <p:strVal val="#ppt_x"/>
+                                          </p:val>
+                                        </p:tav>
+                                        <p:tav tm="100000">
+                                          <p:val>
+                                            <p:strVal val="#ppt_x"/>
+                                          </p:val>
+                                        </p:tav>
+                                      </p:tavLst>
+                                    </p:anim>
+                                    <p:anim calcmode="lin" valueType="num">
+                                      <p:cBhvr additive="base">
+                                        <p:cTn id="26" dur="500" fill="hold"/>
+                                        <p:tgtEl>
+                                          <p:spTgt spid="1026"/>
+                                        </p:tgtEl>
+                                        <p:attrNameLst>
+                                          <p:attrName>ppt_y</p:attrName>
+                                        </p:attrNameLst>
+                                      </p:cBhvr>
+                                      <p:tavLst>
+                                        <p:tav tm="0">
+                                          <p:val>
+                                            <p:strVal val="1+#ppt_h/2"/>
+                                          </p:val>
+                                        </p:tav>
+                                        <p:tav tm="100000">
+                                          <p:val>
+                                            <p:strVal val="#ppt_y"/>
+                                          </p:val>
+                                        </p:tav>
+                                      </p:tavLst>
+                                    </p:anim>
+                                  </p:childTnLst>
+                                </p:cTn>
+                              </p:par>
+                              <p:par>
+                                <p:cTn id="27" presetID="2" presetClass="entr" presetSubtype="4" fill="hold" nodeType="withEffect">
+                                  <p:stCondLst>
+                                    <p:cond delay="0"/>
+                                  </p:stCondLst>
+                                  <p:childTnLst>
+                                    <p:set>
+                                      <p:cBhvr>
+                                        <p:cTn id="28" dur="1" fill="hold">
+                                          <p:stCondLst>
+                                            <p:cond delay="0"/>
+                                          </p:stCondLst>
+                                        </p:cTn>
+                                        <p:tgtEl>
+                                          <p:spTgt spid="1027"/>
+                                        </p:tgtEl>
+                                        <p:attrNameLst>
+                                          <p:attrName>style.visibility</p:attrName>
+                                        </p:attrNameLst>
+                                      </p:cBhvr>
+                                      <p:to>
+                                        <p:strVal val="visible"/>
+                                      </p:to>
+                                    </p:set>
+                                    <p:anim calcmode="lin" valueType="num">
+                                      <p:cBhvr additive="base">
+                                        <p:cTn id="29" dur="500" fill="hold"/>
+                                        <p:tgtEl>
+                                          <p:spTgt spid="1027"/>
+                                        </p:tgtEl>
+                                        <p:attrNameLst>
+                                          <p:attrName>ppt_x</p:attrName>
+                                        </p:attrNameLst>
+                                      </p:cBhvr>
+                                      <p:tavLst>
+                                        <p:tav tm="0">
+                                          <p:val>
+                                            <p:strVal val="#ppt_x"/>
+                                          </p:val>
+                                        </p:tav>
+                                        <p:tav tm="100000">
+                                          <p:val>
+                                            <p:strVal val="#ppt_x"/>
+                                          </p:val>
+                                        </p:tav>
+                                      </p:tavLst>
+                                    </p:anim>
+                                    <p:anim calcmode="lin" valueType="num">
+                                      <p:cBhvr additive="base">
+                                        <p:cTn id="30" dur="500" fill="hold"/>
+                                        <p:tgtEl>
+                                          <p:spTgt spid="1027"/>
+                                        </p:tgtEl>
+                                        <p:attrNameLst>
+                                          <p:attrName>ppt_y</p:attrName>
+                                        </p:attrNameLst>
+                                      </p:cBhvr>
+                                      <p:tavLst>
+                                        <p:tav tm="0">
+                                          <p:val>
+                                            <p:strVal val="1+#ppt_h/2"/>
+                                          </p:val>
+                                        </p:tav>
+                                        <p:tav tm="100000">
+                                          <p:val>
+                                            <p:strVal val="#ppt_y"/>
+                                          </p:val>
+                                        </p:tav>
+                                      </p:tavLst>
+                                    </p:anim>
+                                  </p:childTnLst>
+                                </p:cTn>
+                              </p:par>
+                              <p:par>
+                                <p:cTn id="31" presetID="2" presetClass="entr" presetSubtype="4" fill="hold" grpId="0" nodeType="withEffect">
+                                  <p:stCondLst>
+                                    <p:cond delay="0"/>
+                                  </p:stCondLst>
+                                  <p:childTnLst>
+                                    <p:set>
+                                      <p:cBhvr>
+                                        <p:cTn id="32" dur="1" fill="hold">
+                                          <p:stCondLst>
+                                            <p:cond delay="0"/>
+                                          </p:stCondLst>
+                                        </p:cTn>
+                                        <p:tgtEl>
+                                          <p:spTgt spid="5"/>
+                                        </p:tgtEl>
+                                        <p:attrNameLst>
+                                          <p:attrName>style.visibility</p:attrName>
+                                        </p:attrNameLst>
+                                      </p:cBhvr>
+                                      <p:to>
+                                        <p:strVal val="visible"/>
+                                      </p:to>
+                                    </p:set>
+                                    <p:anim calcmode="lin" valueType="num">
+                                      <p:cBhvr additive="base">
+                                        <p:cTn id="33" dur="500" fill="hold"/>
+                                        <p:tgtEl>
+                                          <p:spTgt spid="5"/>
+                                        </p:tgtEl>
+                                        <p:attrNameLst>
+                                          <p:attrName>ppt_x</p:attrName>
+                                        </p:attrNameLst>
+                                      </p:cBhvr>
+                                      <p:tavLst>
+                                        <p:tav tm="0">
+                                          <p:val>
+                                            <p:strVal val="#ppt_x"/>
+                                          </p:val>
+                                        </p:tav>
+                                        <p:tav tm="100000">
+                                          <p:val>
+                                            <p:strVal val="#ppt_x"/>
+                                          </p:val>
+                                        </p:tav>
+                                      </p:tavLst>
+                                    </p:anim>
+                                    <p:anim calcmode="lin" valueType="num">
+                                      <p:cBhvr additive="base">
+                                        <p:cTn id="34" dur="500" fill="hold"/>
+                                        <p:tgtEl>
+                                          <p:spTgt spid="5"/>
+                                        </p:tgtEl>
+                                        <p:attrNameLst>
+                                          <p:attrName>ppt_y</p:attrName>
+                                        </p:attrNameLst>
+                                      </p:cBhvr>
+                                      <p:tavLst>
+                                        <p:tav tm="0">
+                                          <p:val>
+                                            <p:strVal val="1+#ppt_h/2"/>
+                                          </p:val>
+                                        </p:tav>
+                                        <p:tav tm="100000">
+                                          <p:val>
+                                            <p:strVal val="#ppt_y"/>
+                                          </p:val>
+                                        </p:tav>
+                                      </p:tavLst>
+                                    </p:anim>
+                                  </p:childTnLst>
+                                </p:cTn>
+                              </p:par>
+                              <p:par>
+                                <p:cTn id="35" presetID="2" presetClass="entr" presetSubtype="4" fill="hold" grpId="0" nodeType="withEffect">
+                                  <p:stCondLst>
+                                    <p:cond delay="0"/>
+                                  </p:stCondLst>
+                                  <p:childTnLst>
+                                    <p:set>
+                                      <p:cBhvr>
+                                        <p:cTn id="36" dur="1" fill="hold">
+                                          <p:stCondLst>
+                                            <p:cond delay="0"/>
+                                          </p:stCondLst>
+                                        </p:cTn>
+                                        <p:tgtEl>
+                                          <p:spTgt spid="7"/>
+                                        </p:tgtEl>
+                                        <p:attrNameLst>
+                                          <p:attrName>style.visibility</p:attrName>
+                                        </p:attrNameLst>
+                                      </p:cBhvr>
+                                      <p:to>
+                                        <p:strVal val="visible"/>
+                                      </p:to>
+                                    </p:set>
+                                    <p:anim calcmode="lin" valueType="num">
+                                      <p:cBhvr additive="base">
+                                        <p:cTn id="37" dur="500" fill="hold"/>
+                                        <p:tgtEl>
+                                          <p:spTgt spid="7"/>
+                                        </p:tgtEl>
+                                        <p:attrNameLst>
+                                          <p:attrName>ppt_x</p:attrName>
+                                        </p:attrNameLst>
+                                      </p:cBhvr>
+                                      <p:tavLst>
+                                        <p:tav tm="0">
+                                          <p:val>
+                                            <p:strVal val="#ppt_x"/>
+                                          </p:val>
+                                        </p:tav>
+                                        <p:tav tm="100000">
+                                          <p:val>
+                                            <p:strVal val="#ppt_x"/>
+                                          </p:val>
+                                        </p:tav>
+                                      </p:tavLst>
+                                    </p:anim>
+                                    <p:anim calcmode="lin" valueType="num">
+                                      <p:cBhvr additive="base">
+                                        <p:cTn id="38" dur="500" fill="hold"/>
+                                        <p:tgtEl>
+                                          <p:spTgt spid="7"/>
+                                        </p:tgtEl>
+                                        <p:attrNameLst>
+                                          <p:attrName>ppt_y</p:attrName>
+                                        </p:attrNameLst>
+                                      </p:cBhvr>
+                                      <p:tavLst>
+                                        <p:tav tm="0">
+                                          <p:val>
+                                            <p:strVal val="1+#ppt_h/2"/>
+                                          </p:val>
+                                        </p:tav>
+                                        <p:tav tm="100000">
+                                          <p:val>
+                                            <p:strVal val="#ppt_y"/>
+                                          </p:val>
+                                        </p:tav>
+                                      </p:tavLst>
+                                    </p:anim>
+                                  </p:childTnLst>
+                                </p:cTn>
+                              </p:par>
+                            </p:childTnLst>
+                          </p:cTn>
+                        </p:par>
+                      </p:childTnLst>
+                    </p:cTn>
+                  </p:par>
+                </p:childTnLst>
+              </p:cTn>
+              <p:prevCondLst>
+                <p:cond evt="onPrev" delay="0">
+                  <p:tgtEl>
+                    <p:sldTgt/>
+                  </p:tgtEl>
+                </p:cond>
+              </p:prevCondLst>
+              <p:nextCondLst>
+                <p:cond evt="onNext" delay="0">
+                  <p:tgtEl>
+                    <p:sldTgt/>
+                  </p:tgtEl>
+                </p:cond>
+              </p:nextCondLst>
+            </p:seq>
+          </p:childTnLst>
+        </p:cTn>
+      </p:par>
+    </p:tnLst>
+    <p:bldLst>
+      <p:bldP spid="3" grpId="0" build="p"/>
+      <p:bldP spid="5" grpId="0"/>
+      <p:bldP spid="7" grpId="0"/>
+    </p:bldLst>
+  </p:timing>
+</p:sld>
+</file>
+
+<file path=ppt/slides/slide13.xml><?xml version="1.0" encoding="utf-8"?>
+<p:sld xmlns:a="http://schemas.openxmlformats.org/drawingml/2006/main" xmlns:r="http://schemas.openxmlformats.org/officeDocument/2006/relationships" xmlns:p="http://schemas.openxmlformats.org/presentationml/2006/main">
+  <p:cSld>
+    <p:spTree>
+      <p:nvGrpSpPr>
+        <p:cNvPr id="1" name=""/>
+        <p:cNvGrpSpPr/>
+        <p:nvPr/>
+      </p:nvGrpSpPr>
+      <p:grpSpPr>
+        <a:xfrm>
+          <a:off x="0" y="0"/>
+          <a:ext cx="0" cy="0"/>
+          <a:chOff x="0" y="0"/>
+          <a:chExt cx="0" cy="0"/>
+        </a:xfrm>
+      </p:grpSpPr>
+      <p:sp>
+        <p:nvSpPr>
+          <p:cNvPr id="4" name="Rectangle 2"/>
+          <p:cNvSpPr>
+            <a:spLocks noGrp="1"/>
+          </p:cNvSpPr>
+          <p:nvPr>
+            <p:ph type="title"/>
+          </p:nvPr>
+        </p:nvSpPr>
+        <p:spPr>
+          <a:xfrm>
+            <a:off x="304800" y="457200"/>
+            <a:ext cx="8686800" cy="838200"/>
+          </a:xfrm>
+        </p:spPr>
+        <p:txBody>
+          <a:bodyPr>
+            <a:normAutofit/>
+          </a:bodyPr>
+          <a:lstStyle/>
+          <a:p>
+            <a:r>
+              <a:rPr lang="it-IT" kern="1200" cap="all" baseline="0" dirty="0">
+                <a:solidFill>
+                  <a:schemeClr val="tx2"/>
+                </a:solidFill>
+                <a:effectLst>
+                  <a:reflection blurRad="12700" stA="48000" endA="300" endPos="55000" dir="5400000" sy="-90000" algn="bl" rotWithShape="0"/>
+                </a:effectLst>
+                <a:latin typeface="Calibri" panose="020F0502020204030204" pitchFamily="34" charset="0"/>
+                <a:cs typeface="Calibri" panose="020F0502020204030204" pitchFamily="34" charset="0"/>
+              </a:rPr>
+              <a:t>Design pattern</a:t>
+            </a:r>
+            <a:endParaRPr lang="it-IT" dirty="0">
+              <a:latin typeface="Calibri" panose="020F0502020204030204" pitchFamily="34" charset="0"/>
+              <a:cs typeface="Calibri" panose="020F0502020204030204" pitchFamily="34" charset="0"/>
+            </a:endParaRPr>
+          </a:p>
+        </p:txBody>
+      </p:sp>
+      <p:sp>
+        <p:nvSpPr>
+          <p:cNvPr id="5" name="CasellaDiTesto 4"/>
+          <p:cNvSpPr txBox="1"/>
+          <p:nvPr/>
+        </p:nvSpPr>
+        <p:spPr>
+          <a:xfrm>
+            <a:off x="300251" y="1556792"/>
+            <a:ext cx="8691349" cy="2862322"/>
+          </a:xfrm>
+          <a:prstGeom prst="rect">
+            <a:avLst/>
+          </a:prstGeom>
+          <a:noFill/>
+        </p:spPr>
+        <p:txBody>
+          <a:bodyPr wrap="square" rtlCol="0">
+            <a:spAutoFit/>
+          </a:bodyPr>
+          <a:lstStyle/>
+          <a:p>
+            <a:pPr algn="just"/>
+            <a:r>
+              <a:rPr lang="it-IT" dirty="0">
+                <a:effectLst>
+                  <a:outerShdw blurRad="38100" dist="38100" dir="2700000" algn="tl">
+                    <a:srgbClr val="000000">
+                      <a:alpha val="43137"/>
+                    </a:srgbClr>
+                  </a:outerShdw>
+                </a:effectLst>
+              </a:rPr>
+              <a:t>D</a:t>
+            </a:r>
+            <a:r>
+              <a:rPr lang="it-IT" dirty="0" smtClean="0">
+                <a:effectLst>
+                  <a:outerShdw blurRad="38100" dist="38100" dir="2700000" algn="tl">
+                    <a:srgbClr val="000000">
+                      <a:alpha val="43137"/>
+                    </a:srgbClr>
+                  </a:outerShdw>
+                </a:effectLst>
+              </a:rPr>
+              <a:t>esign </a:t>
+            </a:r>
+            <a:r>
+              <a:rPr lang="it-IT" dirty="0">
+                <a:effectLst>
+                  <a:outerShdw blurRad="38100" dist="38100" dir="2700000" algn="tl">
+                    <a:srgbClr val="000000">
+                      <a:alpha val="43137"/>
+                    </a:srgbClr>
+                  </a:outerShdw>
+                </a:effectLst>
+              </a:rPr>
+              <a:t>pattern che potenzialmente useremo per il nostro sistema:</a:t>
+            </a:r>
+          </a:p>
+          <a:p>
+            <a:pPr algn="just"/>
+            <a:endParaRPr lang="it-IT" dirty="0">
+              <a:effectLst>
+                <a:outerShdw blurRad="38100" dist="38100" dir="2700000" algn="tl">
+                  <a:srgbClr val="000000">
+                    <a:alpha val="43137"/>
+                  </a:srgbClr>
+                </a:outerShdw>
+              </a:effectLst>
+            </a:endParaRPr>
+          </a:p>
+          <a:p>
+            <a:pPr marL="342900" indent="-342900">
+              <a:buFont typeface="Wingdings" panose="05000000000000000000" pitchFamily="2" charset="2"/>
+              <a:buChar char="ü"/>
+            </a:pPr>
+            <a:r>
+              <a:rPr lang="it-IT" sz="2400" dirty="0">
+                <a:solidFill>
+                  <a:schemeClr val="accent6">
+                    <a:lumMod val="50000"/>
+                  </a:schemeClr>
+                </a:solidFill>
+                <a:effectLst>
+                  <a:outerShdw blurRad="38100" dist="38100" dir="2700000" algn="tl">
+                    <a:srgbClr val="000000">
+                      <a:alpha val="43137"/>
+                    </a:srgbClr>
+                  </a:outerShdw>
+                </a:effectLst>
+              </a:rPr>
+              <a:t>Articles view</a:t>
+            </a:r>
+          </a:p>
+          <a:p>
+            <a:pPr marL="342900" indent="-342900">
+              <a:buFont typeface="Wingdings" panose="05000000000000000000" pitchFamily="2" charset="2"/>
+              <a:buChar char="ü"/>
+            </a:pPr>
+            <a:r>
+              <a:rPr lang="it-IT" sz="2400" dirty="0" err="1">
+                <a:solidFill>
+                  <a:schemeClr val="accent6">
+                    <a:lumMod val="50000"/>
+                  </a:schemeClr>
+                </a:solidFill>
+                <a:effectLst>
+                  <a:outerShdw blurRad="38100" dist="38100" dir="2700000" algn="tl">
+                    <a:srgbClr val="000000">
+                      <a:alpha val="43137"/>
+                    </a:srgbClr>
+                  </a:outerShdw>
+                </a:effectLst>
+              </a:rPr>
+              <a:t>Article</a:t>
+            </a:r>
+            <a:r>
+              <a:rPr lang="it-IT" sz="2400" dirty="0">
+                <a:solidFill>
+                  <a:schemeClr val="accent6">
+                    <a:lumMod val="50000"/>
+                  </a:schemeClr>
+                </a:solidFill>
+                <a:effectLst>
+                  <a:outerShdw blurRad="38100" dist="38100" dir="2700000" algn="tl">
+                    <a:srgbClr val="000000">
+                      <a:alpha val="43137"/>
+                    </a:srgbClr>
+                  </a:outerShdw>
+                </a:effectLst>
+              </a:rPr>
+              <a:t> </a:t>
+            </a:r>
+            <a:r>
+              <a:rPr lang="it-IT" sz="2400" dirty="0" err="1">
+                <a:solidFill>
+                  <a:schemeClr val="accent6">
+                    <a:lumMod val="50000"/>
+                  </a:schemeClr>
+                </a:solidFill>
+                <a:effectLst>
+                  <a:outerShdw blurRad="38100" dist="38100" dir="2700000" algn="tl">
+                    <a:srgbClr val="000000">
+                      <a:alpha val="43137"/>
+                    </a:srgbClr>
+                  </a:outerShdw>
+                </a:effectLst>
+              </a:rPr>
+              <a:t>edit</a:t>
+            </a:r>
+            <a:endParaRPr lang="it-IT" sz="2400" dirty="0">
+              <a:solidFill>
+                <a:schemeClr val="accent6">
+                  <a:lumMod val="50000"/>
+                </a:schemeClr>
+              </a:solidFill>
+              <a:effectLst>
+                <a:outerShdw blurRad="38100" dist="38100" dir="2700000" algn="tl">
+                  <a:srgbClr val="000000">
+                    <a:alpha val="43137"/>
+                  </a:srgbClr>
+                </a:outerShdw>
+              </a:effectLst>
+            </a:endParaRPr>
+          </a:p>
+          <a:p>
+            <a:pPr marL="342900" indent="-342900">
+              <a:buFont typeface="Wingdings" panose="05000000000000000000" pitchFamily="2" charset="2"/>
+              <a:buChar char="ü"/>
+            </a:pPr>
+            <a:r>
+              <a:rPr lang="it-IT" sz="2400" dirty="0">
+                <a:solidFill>
+                  <a:schemeClr val="accent6">
+                    <a:lumMod val="50000"/>
+                  </a:schemeClr>
+                </a:solidFill>
+                <a:effectLst>
+                  <a:outerShdw blurRad="38100" dist="38100" dir="2700000" algn="tl">
+                    <a:srgbClr val="000000">
+                      <a:alpha val="43137"/>
+                    </a:srgbClr>
+                  </a:outerShdw>
+                </a:effectLst>
+              </a:rPr>
+              <a:t>Forum section</a:t>
+            </a:r>
+          </a:p>
+          <a:p>
+            <a:pPr marL="342900" indent="-342900">
+              <a:buFont typeface="Wingdings" panose="05000000000000000000" pitchFamily="2" charset="2"/>
+              <a:buChar char="ü"/>
+            </a:pPr>
+            <a:r>
+              <a:rPr lang="it-IT" sz="2400" dirty="0" err="1">
+                <a:solidFill>
+                  <a:schemeClr val="accent6">
+                    <a:lumMod val="50000"/>
+                  </a:schemeClr>
+                </a:solidFill>
+                <a:effectLst>
+                  <a:outerShdw blurRad="38100" dist="38100" dir="2700000" algn="tl">
+                    <a:srgbClr val="000000">
+                      <a:alpha val="43137"/>
+                    </a:srgbClr>
+                  </a:outerShdw>
+                </a:effectLst>
+              </a:rPr>
+              <a:t>Error</a:t>
+            </a:r>
+            <a:r>
+              <a:rPr lang="it-IT" sz="2400" dirty="0">
+                <a:solidFill>
+                  <a:schemeClr val="accent6">
+                    <a:lumMod val="50000"/>
+                  </a:schemeClr>
+                </a:solidFill>
+                <a:effectLst>
+                  <a:outerShdw blurRad="38100" dist="38100" dir="2700000" algn="tl">
+                    <a:srgbClr val="000000">
+                      <a:alpha val="43137"/>
+                    </a:srgbClr>
+                  </a:outerShdw>
+                </a:effectLst>
+              </a:rPr>
+              <a:t> </a:t>
+            </a:r>
+            <a:r>
+              <a:rPr lang="it-IT" sz="2400" dirty="0" err="1" smtClean="0">
+                <a:solidFill>
+                  <a:schemeClr val="accent6">
+                    <a:lumMod val="50000"/>
+                  </a:schemeClr>
+                </a:solidFill>
+                <a:effectLst>
+                  <a:outerShdw blurRad="38100" dist="38100" dir="2700000" algn="tl">
+                    <a:srgbClr val="000000">
+                      <a:alpha val="43137"/>
+                    </a:srgbClr>
+                  </a:outerShdw>
+                </a:effectLst>
+              </a:rPr>
+              <a:t>pages</a:t>
+            </a:r>
+            <a:endParaRPr lang="it-IT" sz="2400" dirty="0" smtClean="0">
+              <a:solidFill>
+                <a:schemeClr val="accent6">
+                  <a:lumMod val="50000"/>
+                </a:schemeClr>
+              </a:solidFill>
+              <a:effectLst>
+                <a:outerShdw blurRad="38100" dist="38100" dir="2700000" algn="tl">
+                  <a:srgbClr val="000000">
+                    <a:alpha val="43137"/>
+                  </a:srgbClr>
+                </a:outerShdw>
+              </a:effectLst>
+            </a:endParaRPr>
+          </a:p>
+          <a:p>
+            <a:pPr marL="342900" indent="-342900">
+              <a:buFont typeface="Wingdings" panose="05000000000000000000" pitchFamily="2" charset="2"/>
+              <a:buChar char="ü"/>
+            </a:pPr>
+            <a:r>
+              <a:rPr lang="it-IT" sz="2400" dirty="0">
+                <a:solidFill>
+                  <a:schemeClr val="accent6">
+                    <a:lumMod val="50000"/>
+                  </a:schemeClr>
+                </a:solidFill>
+                <a:effectLst>
+                  <a:outerShdw blurRad="38100" dist="38100" dir="2700000" algn="tl">
+                    <a:srgbClr val="000000">
+                      <a:alpha val="43137"/>
+                    </a:srgbClr>
+                  </a:outerShdw>
+                </a:effectLst>
+              </a:rPr>
+              <a:t>Social Prof</a:t>
+            </a:r>
+          </a:p>
+          <a:p>
+            <a:pPr marL="342900" indent="-342900">
+              <a:buFont typeface="Wingdings" panose="05000000000000000000" pitchFamily="2" charset="2"/>
+              <a:buChar char="ü"/>
+            </a:pPr>
+            <a:endParaRPr lang="it-IT" sz="2400" dirty="0">
+              <a:solidFill>
+                <a:schemeClr val="accent6">
+                  <a:lumMod val="50000"/>
+                </a:schemeClr>
+              </a:solidFill>
+              <a:effectLst>
+                <a:outerShdw blurRad="38100" dist="38100" dir="2700000" algn="tl">
+                  <a:srgbClr val="000000">
+                    <a:alpha val="43137"/>
+                  </a:srgbClr>
+                </a:outerShdw>
+              </a:effectLst>
+            </a:endParaRPr>
+          </a:p>
+        </p:txBody>
+      </p:sp>
+      <p:sp>
+        <p:nvSpPr>
+          <p:cNvPr id="6" name="CasellaDiTesto 5"/>
+          <p:cNvSpPr txBox="1"/>
+          <p:nvPr/>
+        </p:nvSpPr>
+        <p:spPr>
+          <a:xfrm>
+            <a:off x="4427984" y="2132856"/>
+            <a:ext cx="2898553" cy="1938992"/>
+          </a:xfrm>
+          <a:prstGeom prst="rect">
+            <a:avLst/>
+          </a:prstGeom>
+          <a:noFill/>
+        </p:spPr>
+        <p:txBody>
+          <a:bodyPr wrap="square" rtlCol="0">
+            <a:spAutoFit/>
+          </a:bodyPr>
+          <a:lstStyle/>
+          <a:p>
+            <a:pPr marL="342900" indent="-342900">
+              <a:buFont typeface="Wingdings" panose="05000000000000000000" pitchFamily="2" charset="2"/>
+              <a:buChar char="ü"/>
+            </a:pPr>
+            <a:r>
+              <a:rPr lang="it-IT" sz="2400" dirty="0">
+                <a:solidFill>
+                  <a:schemeClr val="accent6">
+                    <a:lumMod val="50000"/>
+                  </a:schemeClr>
+                </a:solidFill>
+                <a:effectLst>
+                  <a:outerShdw blurRad="38100" dist="38100" dir="2700000" algn="tl">
+                    <a:srgbClr val="000000">
+                      <a:alpha val="43137"/>
+                    </a:srgbClr>
+                  </a:outerShdw>
+                </a:effectLst>
+              </a:rPr>
+              <a:t>Inline Hints</a:t>
+            </a:r>
+          </a:p>
+          <a:p>
+            <a:pPr marL="342900" indent="-342900">
+              <a:buFont typeface="Wingdings" panose="05000000000000000000" pitchFamily="2" charset="2"/>
+              <a:buChar char="ü"/>
+            </a:pPr>
+            <a:r>
+              <a:rPr lang="it-IT" sz="2400" dirty="0">
+                <a:solidFill>
+                  <a:schemeClr val="accent6">
+                    <a:lumMod val="50000"/>
+                  </a:schemeClr>
+                </a:solidFill>
+                <a:effectLst>
+                  <a:outerShdw blurRad="38100" dist="38100" dir="2700000" algn="tl">
+                    <a:srgbClr val="000000">
+                      <a:alpha val="43137"/>
+                    </a:srgbClr>
+                  </a:outerShdw>
+                </a:effectLst>
+              </a:rPr>
+              <a:t>Navigation Tabs</a:t>
+            </a:r>
+          </a:p>
+          <a:p>
+            <a:pPr marL="342900" indent="-342900">
+              <a:buFont typeface="Wingdings" panose="05000000000000000000" pitchFamily="2" charset="2"/>
+              <a:buChar char="ü"/>
+            </a:pPr>
+            <a:r>
+              <a:rPr lang="it-IT" sz="2400" dirty="0">
+                <a:solidFill>
+                  <a:schemeClr val="accent6">
+                    <a:lumMod val="50000"/>
+                  </a:schemeClr>
+                </a:solidFill>
+                <a:effectLst>
+                  <a:outerShdw blurRad="38100" dist="38100" dir="2700000" algn="tl">
+                    <a:srgbClr val="000000">
+                      <a:alpha val="43137"/>
+                    </a:srgbClr>
+                  </a:outerShdw>
+                </a:effectLst>
+              </a:rPr>
+              <a:t>Home Link</a:t>
+            </a:r>
+          </a:p>
+          <a:p>
+            <a:pPr marL="342900" indent="-342900">
+              <a:buFont typeface="Wingdings" panose="05000000000000000000" pitchFamily="2" charset="2"/>
+              <a:buChar char="ü"/>
+            </a:pPr>
+            <a:r>
+              <a:rPr lang="it-IT" sz="2400" dirty="0">
+                <a:solidFill>
+                  <a:schemeClr val="accent6">
+                    <a:lumMod val="50000"/>
+                  </a:schemeClr>
+                </a:solidFill>
+                <a:effectLst>
+                  <a:outerShdw blurRad="38100" dist="38100" dir="2700000" algn="tl">
+                    <a:srgbClr val="000000">
+                      <a:alpha val="43137"/>
+                    </a:srgbClr>
+                  </a:outerShdw>
+                </a:effectLst>
+              </a:rPr>
+              <a:t>Categorization</a:t>
+            </a:r>
+          </a:p>
+          <a:p>
+            <a:pPr marL="342900" indent="-342900">
+              <a:buFont typeface="Wingdings" panose="05000000000000000000" pitchFamily="2" charset="2"/>
+              <a:buChar char="ü"/>
+            </a:pPr>
+            <a:r>
+              <a:rPr lang="it-IT" sz="2400" dirty="0" err="1" smtClean="0">
+                <a:solidFill>
+                  <a:schemeClr val="accent6">
+                    <a:lumMod val="50000"/>
+                  </a:schemeClr>
+                </a:solidFill>
+                <a:effectLst>
+                  <a:outerShdw blurRad="38100" dist="38100" dir="2700000" algn="tl">
+                    <a:srgbClr val="000000">
+                      <a:alpha val="43137"/>
+                    </a:srgbClr>
+                  </a:outerShdw>
+                </a:effectLst>
+              </a:rPr>
+              <a:t>Slideshow</a:t>
+            </a:r>
+            <a:endParaRPr lang="it-IT" sz="2400" dirty="0">
+              <a:solidFill>
+                <a:schemeClr val="accent6">
+                  <a:lumMod val="50000"/>
+                </a:schemeClr>
+              </a:solidFill>
+              <a:effectLst>
+                <a:outerShdw blurRad="38100" dist="38100" dir="2700000" algn="tl">
+                  <a:srgbClr val="000000">
+                    <a:alpha val="43137"/>
+                  </a:srgbClr>
+                </a:outerShdw>
+              </a:effectLst>
+            </a:endParaRPr>
+          </a:p>
+        </p:txBody>
+      </p:sp>
+    </p:spTree>
+    <p:extLst>
+      <p:ext uri="{BB962C8B-B14F-4D97-AF65-F5344CB8AC3E}">
+        <p14:creationId xmlns:p14="http://schemas.microsoft.com/office/powerpoint/2010/main" val="2370506962"/>
+      </p:ext>
+    </p:extLst>
+  </p:cSld>
+  <p:clrMapOvr>
+    <a:masterClrMapping/>
+  </p:clrMapOvr>
+  <p:timing>
+    <p:tnLst>
+      <p:par>
+        <p:cTn id="1" dur="indefinite" restart="never" nodeType="tmRoot">
+          <p:childTnLst>
+            <p:seq concurrent="1" nextAc="seek">
+              <p:cTn id="2" dur="indefinite" nodeType="mainSeq">
+                <p:childTnLst>
+                  <p:par>
+                    <p:cTn id="3" fill="hold">
+                      <p:stCondLst>
+                        <p:cond delay="indefinite"/>
+                      </p:stCondLst>
+                      <p:childTnLst>
+                        <p:par>
+                          <p:cTn id="4" fill="hold">
+                            <p:stCondLst>
+                              <p:cond delay="0"/>
+                            </p:stCondLst>
+                            <p:childTnLst>
+                              <p:par>
+                                <p:cTn id="5" presetID="2" presetClass="entr" presetSubtype="4" fill="hold" grpId="0" nodeType="clickEffect">
+                                  <p:stCondLst>
+                                    <p:cond delay="0"/>
+                                  </p:stCondLst>
+                                  <p:childTnLst>
+                                    <p:set>
+                                      <p:cBhvr>
+                                        <p:cTn id="6" dur="1" fill="hold">
+                                          <p:stCondLst>
+                                            <p:cond delay="0"/>
+                                          </p:stCondLst>
+                                        </p:cTn>
+                                        <p:tgtEl>
+                                          <p:spTgt spid="6"/>
+                                        </p:tgtEl>
+                                        <p:attrNameLst>
+                                          <p:attrName>style.visibility</p:attrName>
+                                        </p:attrNameLst>
+                                      </p:cBhvr>
+                                      <p:to>
+                                        <p:strVal val="visible"/>
+                                      </p:to>
+                                    </p:set>
+                                    <p:anim calcmode="lin" valueType="num">
+                                      <p:cBhvr additive="base">
+                                        <p:cTn id="7" dur="500" fill="hold"/>
+                                        <p:tgtEl>
+                                          <p:spTgt spid="6"/>
+                                        </p:tgtEl>
+                                        <p:attrNameLst>
+                                          <p:attrName>ppt_x</p:attrName>
+                                        </p:attrNameLst>
+                                      </p:cBhvr>
+                                      <p:tavLst>
+                                        <p:tav tm="0">
+                                          <p:val>
+                                            <p:strVal val="#ppt_x"/>
+                                          </p:val>
+                                        </p:tav>
+                                        <p:tav tm="100000">
+                                          <p:val>
+                                            <p:strVal val="#ppt_x"/>
+                                          </p:val>
+                                        </p:tav>
+                                      </p:tavLst>
+                                    </p:anim>
+                                    <p:anim calcmode="lin" valueType="num">
+                                      <p:cBhvr additive="base">
+                                        <p:cTn id="8" dur="500" fill="hold"/>
+                                        <p:tgtEl>
+                                          <p:spTgt spid="6"/>
+                                        </p:tgtEl>
+                                        <p:attrNameLst>
+                                          <p:attrName>ppt_y</p:attrName>
+                                        </p:attrNameLst>
+                                      </p:cBhvr>
+                                      <p:tavLst>
+                                        <p:tav tm="0">
+                                          <p:val>
+                                            <p:strVal val="1+#ppt_h/2"/>
+                                          </p:val>
+                                        </p:tav>
+                                        <p:tav tm="100000">
+                                          <p:val>
+                                            <p:strVal val="#ppt_y"/>
+                                          </p:val>
+                                        </p:tav>
+                                      </p:tavLst>
+                                    </p:anim>
+                                  </p:childTnLst>
+                                </p:cTn>
+                              </p:par>
+                            </p:childTnLst>
+                          </p:cTn>
+                        </p:par>
+                      </p:childTnLst>
+                    </p:cTn>
+                  </p:par>
+                  <p:par>
+                    <p:cTn id="9" fill="hold">
+                      <p:stCondLst>
+                        <p:cond delay="indefinite"/>
+                      </p:stCondLst>
+                      <p:childTnLst>
+                        <p:par>
+                          <p:cTn id="10" fill="hold">
+                            <p:stCondLst>
+                              <p:cond delay="0"/>
+                            </p:stCondLst>
+                            <p:childTnLst>
+                              <p:par>
+                                <p:cTn id="11" presetID="2" presetClass="entr" presetSubtype="4" fill="hold" grpId="0" nodeType="clickEffect">
+                                  <p:stCondLst>
+                                    <p:cond delay="0"/>
+                                  </p:stCondLst>
+                                  <p:childTnLst>
+                                    <p:set>
+                                      <p:cBhvr>
+                                        <p:cTn id="12" dur="1" fill="hold">
+                                          <p:stCondLst>
+                                            <p:cond delay="0"/>
+                                          </p:stCondLst>
+                                        </p:cTn>
+                                        <p:tgtEl>
+                                          <p:spTgt spid="5"/>
+                                        </p:tgtEl>
+                                        <p:attrNameLst>
+                                          <p:attrName>style.visibility</p:attrName>
+                                        </p:attrNameLst>
+                                      </p:cBhvr>
+                                      <p:to>
+                                        <p:strVal val="visible"/>
+                                      </p:to>
+                                    </p:set>
+                                    <p:anim calcmode="lin" valueType="num">
+                                      <p:cBhvr additive="base">
+                                        <p:cTn id="13" dur="500" fill="hold"/>
+                                        <p:tgtEl>
+                                          <p:spTgt spid="5"/>
+                                        </p:tgtEl>
+                                        <p:attrNameLst>
+                                          <p:attrName>ppt_x</p:attrName>
+                                        </p:attrNameLst>
+                                      </p:cBhvr>
+                                      <p:tavLst>
+                                        <p:tav tm="0">
+                                          <p:val>
+                                            <p:strVal val="#ppt_x"/>
+                                          </p:val>
+                                        </p:tav>
+                                        <p:tav tm="100000">
+                                          <p:val>
+                                            <p:strVal val="#ppt_x"/>
+                                          </p:val>
+                                        </p:tav>
+                                      </p:tavLst>
+                                    </p:anim>
+                                    <p:anim calcmode="lin" valueType="num">
+                                      <p:cBhvr additive="base">
+                                        <p:cTn id="14" dur="500" fill="hold"/>
+                                        <p:tgtEl>
+                                          <p:spTgt spid="5"/>
+                                        </p:tgtEl>
+                                        <p:attrNameLst>
+                                          <p:attrName>ppt_y</p:attrName>
+                                        </p:attrNameLst>
+                                      </p:cBhvr>
+                                      <p:tavLst>
+                                        <p:tav tm="0">
+                                          <p:val>
+                                            <p:strVal val="1+#ppt_h/2"/>
+                                          </p:val>
+                                        </p:tav>
+                                        <p:tav tm="100000">
+                                          <p:val>
+                                            <p:strVal val="#ppt_y"/>
+                                          </p:val>
+                                        </p:tav>
+                                      </p:tavLst>
+                                    </p:anim>
+                                  </p:childTnLst>
+                                </p:cTn>
+                              </p:par>
+                            </p:childTnLst>
+                          </p:cTn>
+                        </p:par>
+                      </p:childTnLst>
+                    </p:cTn>
+                  </p:par>
+                </p:childTnLst>
+              </p:cTn>
+              <p:prevCondLst>
+                <p:cond evt="onPrev" delay="0">
+                  <p:tgtEl>
+                    <p:sldTgt/>
+                  </p:tgtEl>
+                </p:cond>
+              </p:prevCondLst>
+              <p:nextCondLst>
+                <p:cond evt="onNext" delay="0">
+                  <p:tgtEl>
+                    <p:sldTgt/>
+                  </p:tgtEl>
+                </p:cond>
+              </p:nextCondLst>
+            </p:seq>
+          </p:childTnLst>
+        </p:cTn>
+      </p:par>
+    </p:tnLst>
+    <p:bldLst>
+      <p:bldP spid="5" grpId="0"/>
+      <p:bldP spid="6" grpId="0"/>
     </p:bldLst>
   </p:timing>
 </p:sld>
@@ -7378,8 +7874,8 @@
         </p:nvSpPr>
         <p:spPr>
           <a:xfrm>
-            <a:off x="5554247" y="2276870"/>
-            <a:ext cx="3168352" cy="2585323"/>
+            <a:off x="5346500" y="1861284"/>
+            <a:ext cx="3168352" cy="2308324"/>
           </a:xfrm>
           <a:prstGeom prst="rect">
             <a:avLst/>
@@ -7392,24 +7888,17 @@
           </a:bodyPr>
           <a:lstStyle/>
           <a:p>
-            <a:pPr algn="just"/>
-            <a:endParaRPr lang="it-IT" dirty="0"/>
-          </a:p>
-          <a:p>
             <a:pPr marL="285750" lvl="0" indent="-285750" algn="just">
               <a:buFont typeface="Wingdings" panose="05000000000000000000" pitchFamily="2" charset="2"/>
               <a:buChar char="Ø"/>
             </a:pPr>
             <a:r>
-              <a:rPr lang="it-IT" b="1" dirty="0"/>
+              <a:rPr lang="it-IT" b="1" dirty="0" smtClean="0"/>
               <a:t>Robustezza</a:t>
             </a:r>
           </a:p>
           <a:p>
-            <a:pPr marL="285750" lvl="0" indent="-285750" algn="just">
-              <a:buFont typeface="Wingdings" panose="05000000000000000000" pitchFamily="2" charset="2"/>
-              <a:buChar char="Ø"/>
-            </a:pPr>
+            <a:pPr lvl="0" algn="just"/>
             <a:endParaRPr lang="it-IT" dirty="0"/>
           </a:p>
           <a:p>
@@ -7533,7 +8022,7 @@
         </p:blipFill>
         <p:spPr>
           <a:xfrm>
-            <a:off x="5364088" y="4841195"/>
+            <a:off x="5346500" y="4581128"/>
             <a:ext cx="1953334" cy="1966143"/>
           </a:xfrm>
           <a:prstGeom prst="rect">
@@ -8289,7 +8778,7 @@
       </p:grpSpPr>
       <p:sp>
         <p:nvSpPr>
-          <p:cNvPr id="4" name="Rectangle 2"/>
+          <p:cNvPr id="2" name="Titolo 1"/>
           <p:cNvSpPr>
             <a:spLocks noGrp="1"/>
           </p:cNvSpPr>
@@ -8297,12 +8786,34 @@
             <p:ph type="title"/>
           </p:nvPr>
         </p:nvSpPr>
-        <p:spPr>
-          <a:xfrm>
-            <a:off x="304800" y="457200"/>
-            <a:ext cx="8686800" cy="838200"/>
-          </a:xfrm>
-        </p:spPr>
+        <p:spPr/>
+        <p:txBody>
+          <a:bodyPr/>
+          <a:lstStyle/>
+          <a:p>
+            <a:r>
+              <a:rPr lang="it-IT" dirty="0"/>
+              <a:t>cognitive </a:t>
+            </a:r>
+            <a:r>
+              <a:rPr lang="it-IT" dirty="0" err="1"/>
+              <a:t>walkthrough</a:t>
+            </a:r>
+            <a:endParaRPr lang="it-IT" dirty="0"/>
+          </a:p>
+        </p:txBody>
+      </p:sp>
+      <p:sp>
+        <p:nvSpPr>
+          <p:cNvPr id="3" name="Segnaposto contenuto 2"/>
+          <p:cNvSpPr>
+            <a:spLocks noGrp="1"/>
+          </p:cNvSpPr>
+          <p:nvPr>
+            <p:ph idx="1"/>
+          </p:nvPr>
+        </p:nvSpPr>
+        <p:spPr/>
         <p:txBody>
           <a:bodyPr>
             <a:normAutofit/>
@@ -8310,492 +8821,87 @@
           <a:lstStyle/>
           <a:p>
             <a:r>
-              <a:rPr lang="it-IT" kern="1200" cap="all" baseline="0" dirty="0">
-                <a:solidFill>
-                  <a:schemeClr val="tx2"/>
-                </a:solidFill>
-                <a:effectLst>
-                  <a:reflection blurRad="12700" stA="48000" endA="300" endPos="55000" dir="5400000" sy="-90000" algn="bl" rotWithShape="0"/>
-                </a:effectLst>
-                <a:latin typeface="Calibri" panose="020F0502020204030204" pitchFamily="34" charset="0"/>
-                <a:cs typeface="Calibri" panose="020F0502020204030204" pitchFamily="34" charset="0"/>
-              </a:rPr>
-              <a:t>Design pattern</a:t>
-            </a:r>
-            <a:endParaRPr lang="it-IT" dirty="0">
-              <a:latin typeface="Calibri" panose="020F0502020204030204" pitchFamily="34" charset="0"/>
-              <a:cs typeface="Calibri" panose="020F0502020204030204" pitchFamily="34" charset="0"/>
-            </a:endParaRPr>
-          </a:p>
-        </p:txBody>
-      </p:sp>
-      <p:sp>
-        <p:nvSpPr>
-          <p:cNvPr id="5" name="CasellaDiTesto 4"/>
-          <p:cNvSpPr txBox="1"/>
-          <p:nvPr/>
-        </p:nvSpPr>
-        <p:spPr>
-          <a:xfrm>
-            <a:off x="300251" y="1556792"/>
-            <a:ext cx="8691349" cy="2862322"/>
-          </a:xfrm>
-          <a:prstGeom prst="rect">
-            <a:avLst/>
-          </a:prstGeom>
-          <a:noFill/>
-        </p:spPr>
-        <p:txBody>
-          <a:bodyPr wrap="square" rtlCol="0">
-            <a:spAutoFit/>
-          </a:bodyPr>
-          <a:lstStyle/>
-          <a:p>
-            <a:pPr algn="just"/>
-            <a:r>
-              <a:rPr lang="it-IT" dirty="0">
-                <a:effectLst>
-                  <a:outerShdw blurRad="38100" dist="38100" dir="2700000" algn="tl">
-                    <a:srgbClr val="000000">
-                      <a:alpha val="43137"/>
-                    </a:srgbClr>
-                  </a:outerShdw>
-                </a:effectLst>
-              </a:rPr>
-              <a:t>D</a:t>
-            </a:r>
-            <a:r>
-              <a:rPr lang="it-IT" dirty="0" smtClean="0">
-                <a:effectLst>
-                  <a:outerShdw blurRad="38100" dist="38100" dir="2700000" algn="tl">
-                    <a:srgbClr val="000000">
-                      <a:alpha val="43137"/>
-                    </a:srgbClr>
-                  </a:outerShdw>
-                </a:effectLst>
-              </a:rPr>
-              <a:t>esign </a:t>
-            </a:r>
-            <a:r>
-              <a:rPr lang="it-IT" dirty="0">
-                <a:effectLst>
-                  <a:outerShdw blurRad="38100" dist="38100" dir="2700000" algn="tl">
-                    <a:srgbClr val="000000">
-                      <a:alpha val="43137"/>
-                    </a:srgbClr>
-                  </a:outerShdw>
-                </a:effectLst>
-              </a:rPr>
-              <a:t>pattern che potenzialmente useremo per il nostro sistema:</a:t>
-            </a:r>
-          </a:p>
-          <a:p>
-            <a:pPr algn="just"/>
-            <a:endParaRPr lang="it-IT" dirty="0">
-              <a:effectLst>
-                <a:outerShdw blurRad="38100" dist="38100" dir="2700000" algn="tl">
-                  <a:srgbClr val="000000">
-                    <a:alpha val="43137"/>
-                  </a:srgbClr>
-                </a:outerShdw>
-              </a:effectLst>
-            </a:endParaRPr>
-          </a:p>
-          <a:p>
-            <a:pPr marL="342900" indent="-342900">
-              <a:buFont typeface="Wingdings" panose="05000000000000000000" pitchFamily="2" charset="2"/>
-              <a:buChar char="ü"/>
+              <a:rPr lang="it-IT" sz="2800" dirty="0" smtClean="0"/>
+              <a:t>Problemi riscontrati</a:t>
+            </a:r>
+          </a:p>
+          <a:p>
+            <a:pPr marL="0" indent="0">
+              <a:buNone/>
             </a:pPr>
             <a:r>
-              <a:rPr lang="it-IT" sz="2400" dirty="0">
-                <a:solidFill>
-                  <a:schemeClr val="accent6">
-                    <a:lumMod val="50000"/>
-                  </a:schemeClr>
-                </a:solidFill>
-                <a:effectLst>
-                  <a:outerShdw blurRad="38100" dist="38100" dir="2700000" algn="tl">
-                    <a:srgbClr val="000000">
-                      <a:alpha val="43137"/>
-                    </a:srgbClr>
-                  </a:outerShdw>
-                </a:effectLst>
-              </a:rPr>
-              <a:t>Articles view</a:t>
-            </a:r>
-          </a:p>
-          <a:p>
-            <a:pPr marL="342900" indent="-342900">
-              <a:buFont typeface="Wingdings" panose="05000000000000000000" pitchFamily="2" charset="2"/>
-              <a:buChar char="ü"/>
+              <a:rPr lang="it-IT" sz="2400" b="1" dirty="0"/>
+              <a:t>Task: </a:t>
+            </a:r>
+            <a:r>
+              <a:rPr lang="it-IT" sz="2400" dirty="0"/>
+              <a:t>Visualizzare situazione dei propri </a:t>
+            </a:r>
+            <a:r>
+              <a:rPr lang="it-IT" sz="2400" dirty="0" smtClean="0"/>
+              <a:t>figli</a:t>
+            </a:r>
+          </a:p>
+          <a:p>
+            <a:pPr marL="0" indent="0">
+              <a:buNone/>
             </a:pPr>
             <a:r>
-              <a:rPr lang="it-IT" sz="2400" dirty="0" err="1">
-                <a:solidFill>
-                  <a:schemeClr val="accent6">
-                    <a:lumMod val="50000"/>
-                  </a:schemeClr>
-                </a:solidFill>
-                <a:effectLst>
-                  <a:outerShdw blurRad="38100" dist="38100" dir="2700000" algn="tl">
-                    <a:srgbClr val="000000">
-                      <a:alpha val="43137"/>
-                    </a:srgbClr>
-                  </a:outerShdw>
-                </a:effectLst>
-              </a:rPr>
-              <a:t>Article</a:t>
-            </a:r>
-            <a:r>
-              <a:rPr lang="it-IT" sz="2400" dirty="0">
-                <a:solidFill>
-                  <a:schemeClr val="accent6">
-                    <a:lumMod val="50000"/>
-                  </a:schemeClr>
-                </a:solidFill>
-                <a:effectLst>
-                  <a:outerShdw blurRad="38100" dist="38100" dir="2700000" algn="tl">
-                    <a:srgbClr val="000000">
-                      <a:alpha val="43137"/>
-                    </a:srgbClr>
-                  </a:outerShdw>
-                </a:effectLst>
-              </a:rPr>
+              <a:rPr lang="it-IT" sz="2400" dirty="0"/>
               <a:t> </a:t>
             </a:r>
             <a:r>
-              <a:rPr lang="it-IT" sz="2400" dirty="0" err="1">
-                <a:solidFill>
-                  <a:schemeClr val="accent6">
-                    <a:lumMod val="50000"/>
-                  </a:schemeClr>
-                </a:solidFill>
-                <a:effectLst>
-                  <a:outerShdw blurRad="38100" dist="38100" dir="2700000" algn="tl">
-                    <a:srgbClr val="000000">
-                      <a:alpha val="43137"/>
-                    </a:srgbClr>
-                  </a:outerShdw>
-                </a:effectLst>
-              </a:rPr>
-              <a:t>edit</a:t>
-            </a:r>
-            <a:endParaRPr lang="it-IT" sz="2400" dirty="0">
-              <a:solidFill>
-                <a:schemeClr val="accent6">
-                  <a:lumMod val="50000"/>
-                </a:schemeClr>
-              </a:solidFill>
-              <a:effectLst>
-                <a:outerShdw blurRad="38100" dist="38100" dir="2700000" algn="tl">
-                  <a:srgbClr val="000000">
-                    <a:alpha val="43137"/>
-                  </a:srgbClr>
-                </a:outerShdw>
-              </a:effectLst>
-            </a:endParaRPr>
-          </a:p>
-          <a:p>
-            <a:pPr marL="342900" indent="-342900">
-              <a:buFont typeface="Wingdings" panose="05000000000000000000" pitchFamily="2" charset="2"/>
-              <a:buChar char="ü"/>
+              <a:rPr lang="it-IT" sz="2400" dirty="0" smtClean="0"/>
+              <a:t>         L’interfaccia </a:t>
+            </a:r>
+            <a:r>
+              <a:rPr lang="it-IT" sz="2400" dirty="0"/>
+              <a:t>non è chiara </a:t>
+            </a:r>
+            <a:endParaRPr lang="it-IT" sz="2400" dirty="0" smtClean="0"/>
+          </a:p>
+          <a:p>
+            <a:pPr marL="0" indent="0">
+              <a:buNone/>
             </a:pPr>
             <a:r>
-              <a:rPr lang="it-IT" sz="2400" dirty="0">
-                <a:solidFill>
-                  <a:schemeClr val="accent6">
-                    <a:lumMod val="50000"/>
-                  </a:schemeClr>
-                </a:solidFill>
-                <a:effectLst>
-                  <a:outerShdw blurRad="38100" dist="38100" dir="2700000" algn="tl">
-                    <a:srgbClr val="000000">
-                      <a:alpha val="43137"/>
-                    </a:srgbClr>
-                  </a:outerShdw>
-                </a:effectLst>
-              </a:rPr>
-              <a:t>Forum section</a:t>
-            </a:r>
-          </a:p>
-          <a:p>
-            <a:pPr marL="342900" indent="-342900">
-              <a:buFont typeface="Wingdings" panose="05000000000000000000" pitchFamily="2" charset="2"/>
-              <a:buChar char="ü"/>
+              <a:rPr lang="it-IT" sz="2400" dirty="0" smtClean="0"/>
+              <a:t>          Il bottone non rende l’idea</a:t>
+            </a:r>
+            <a:endParaRPr lang="it-IT" sz="2400" dirty="0"/>
+          </a:p>
+          <a:p>
+            <a:pPr marL="0" indent="0">
+              <a:buNone/>
             </a:pPr>
-            <a:r>
-              <a:rPr lang="it-IT" sz="2400" dirty="0" err="1">
-                <a:solidFill>
-                  <a:schemeClr val="accent6">
-                    <a:lumMod val="50000"/>
-                  </a:schemeClr>
-                </a:solidFill>
-                <a:effectLst>
-                  <a:outerShdw blurRad="38100" dist="38100" dir="2700000" algn="tl">
-                    <a:srgbClr val="000000">
-                      <a:alpha val="43137"/>
-                    </a:srgbClr>
-                  </a:outerShdw>
-                </a:effectLst>
-              </a:rPr>
-              <a:t>Error</a:t>
-            </a:r>
-            <a:r>
-              <a:rPr lang="it-IT" sz="2400" dirty="0">
-                <a:solidFill>
-                  <a:schemeClr val="accent6">
-                    <a:lumMod val="50000"/>
-                  </a:schemeClr>
-                </a:solidFill>
-                <a:effectLst>
-                  <a:outerShdw blurRad="38100" dist="38100" dir="2700000" algn="tl">
-                    <a:srgbClr val="000000">
-                      <a:alpha val="43137"/>
-                    </a:srgbClr>
-                  </a:outerShdw>
-                </a:effectLst>
-              </a:rPr>
-              <a:t> </a:t>
-            </a:r>
-            <a:r>
-              <a:rPr lang="it-IT" sz="2400" dirty="0" err="1" smtClean="0">
-                <a:solidFill>
-                  <a:schemeClr val="accent6">
-                    <a:lumMod val="50000"/>
-                  </a:schemeClr>
-                </a:solidFill>
-                <a:effectLst>
-                  <a:outerShdw blurRad="38100" dist="38100" dir="2700000" algn="tl">
-                    <a:srgbClr val="000000">
-                      <a:alpha val="43137"/>
-                    </a:srgbClr>
-                  </a:outerShdw>
-                </a:effectLst>
-              </a:rPr>
-              <a:t>pages</a:t>
-            </a:r>
-            <a:endParaRPr lang="it-IT" sz="2400" dirty="0" smtClean="0">
-              <a:solidFill>
-                <a:schemeClr val="accent6">
-                  <a:lumMod val="50000"/>
-                </a:schemeClr>
-              </a:solidFill>
-              <a:effectLst>
-                <a:outerShdw blurRad="38100" dist="38100" dir="2700000" algn="tl">
-                  <a:srgbClr val="000000">
-                    <a:alpha val="43137"/>
-                  </a:srgbClr>
-                </a:outerShdw>
-              </a:effectLst>
-            </a:endParaRPr>
-          </a:p>
-          <a:p>
-            <a:pPr marL="342900" indent="-342900">
-              <a:buFont typeface="Wingdings" panose="05000000000000000000" pitchFamily="2" charset="2"/>
-              <a:buChar char="ü"/>
+            <a:endParaRPr lang="it-IT" sz="2800" dirty="0" smtClean="0"/>
+          </a:p>
+          <a:p>
+            <a:pPr marL="0" indent="0">
+              <a:buNone/>
             </a:pPr>
-            <a:r>
-              <a:rPr lang="it-IT" sz="2400" dirty="0">
-                <a:solidFill>
-                  <a:schemeClr val="accent6">
-                    <a:lumMod val="50000"/>
-                  </a:schemeClr>
-                </a:solidFill>
-                <a:effectLst>
-                  <a:outerShdw blurRad="38100" dist="38100" dir="2700000" algn="tl">
-                    <a:srgbClr val="000000">
-                      <a:alpha val="43137"/>
-                    </a:srgbClr>
-                  </a:outerShdw>
-                </a:effectLst>
-              </a:rPr>
-              <a:t>Social Prof</a:t>
-            </a:r>
-          </a:p>
-          <a:p>
-            <a:pPr marL="342900" indent="-342900">
-              <a:buFont typeface="Wingdings" panose="05000000000000000000" pitchFamily="2" charset="2"/>
-              <a:buChar char="ü"/>
-            </a:pPr>
-            <a:endParaRPr lang="it-IT" sz="2400" dirty="0">
-              <a:solidFill>
-                <a:schemeClr val="accent6">
-                  <a:lumMod val="50000"/>
-                </a:schemeClr>
-              </a:solidFill>
-              <a:effectLst>
-                <a:outerShdw blurRad="38100" dist="38100" dir="2700000" algn="tl">
-                  <a:srgbClr val="000000">
-                    <a:alpha val="43137"/>
-                  </a:srgbClr>
-                </a:outerShdw>
-              </a:effectLst>
-            </a:endParaRPr>
-          </a:p>
-        </p:txBody>
-      </p:sp>
-      <p:sp>
-        <p:nvSpPr>
-          <p:cNvPr id="6" name="CasellaDiTesto 5"/>
-          <p:cNvSpPr txBox="1"/>
-          <p:nvPr/>
-        </p:nvSpPr>
-        <p:spPr>
-          <a:xfrm>
-            <a:off x="4427984" y="2132856"/>
-            <a:ext cx="2898553" cy="1938992"/>
-          </a:xfrm>
-          <a:prstGeom prst="rect">
-            <a:avLst/>
-          </a:prstGeom>
-          <a:noFill/>
-        </p:spPr>
-        <p:txBody>
-          <a:bodyPr wrap="square" rtlCol="0">
-            <a:spAutoFit/>
-          </a:bodyPr>
-          <a:lstStyle/>
-          <a:p>
-            <a:pPr marL="342900" indent="-342900">
-              <a:buFont typeface="Wingdings" panose="05000000000000000000" pitchFamily="2" charset="2"/>
-              <a:buChar char="ü"/>
-            </a:pPr>
-            <a:r>
-              <a:rPr lang="it-IT" sz="2400" dirty="0">
-                <a:solidFill>
-                  <a:schemeClr val="accent6">
-                    <a:lumMod val="50000"/>
-                  </a:schemeClr>
-                </a:solidFill>
-                <a:effectLst>
-                  <a:outerShdw blurRad="38100" dist="38100" dir="2700000" algn="tl">
-                    <a:srgbClr val="000000">
-                      <a:alpha val="43137"/>
-                    </a:srgbClr>
-                  </a:outerShdw>
-                </a:effectLst>
-              </a:rPr>
-              <a:t>Inline Hints</a:t>
-            </a:r>
-          </a:p>
-          <a:p>
-            <a:pPr marL="342900" indent="-342900">
-              <a:buFont typeface="Wingdings" panose="05000000000000000000" pitchFamily="2" charset="2"/>
-              <a:buChar char="ü"/>
-            </a:pPr>
-            <a:r>
-              <a:rPr lang="it-IT" sz="2400" dirty="0">
-                <a:solidFill>
-                  <a:schemeClr val="accent6">
-                    <a:lumMod val="50000"/>
-                  </a:schemeClr>
-                </a:solidFill>
-                <a:effectLst>
-                  <a:outerShdw blurRad="38100" dist="38100" dir="2700000" algn="tl">
-                    <a:srgbClr val="000000">
-                      <a:alpha val="43137"/>
-                    </a:srgbClr>
-                  </a:outerShdw>
-                </a:effectLst>
-              </a:rPr>
-              <a:t>Navigation Tabs</a:t>
-            </a:r>
-          </a:p>
-          <a:p>
-            <a:pPr marL="342900" indent="-342900">
-              <a:buFont typeface="Wingdings" panose="05000000000000000000" pitchFamily="2" charset="2"/>
-              <a:buChar char="ü"/>
-            </a:pPr>
-            <a:r>
-              <a:rPr lang="it-IT" sz="2400" dirty="0">
-                <a:solidFill>
-                  <a:schemeClr val="accent6">
-                    <a:lumMod val="50000"/>
-                  </a:schemeClr>
-                </a:solidFill>
-                <a:effectLst>
-                  <a:outerShdw blurRad="38100" dist="38100" dir="2700000" algn="tl">
-                    <a:srgbClr val="000000">
-                      <a:alpha val="43137"/>
-                    </a:srgbClr>
-                  </a:outerShdw>
-                </a:effectLst>
-              </a:rPr>
-              <a:t>Home Link</a:t>
-            </a:r>
-          </a:p>
-          <a:p>
-            <a:pPr marL="342900" indent="-342900">
-              <a:buFont typeface="Wingdings" panose="05000000000000000000" pitchFamily="2" charset="2"/>
-              <a:buChar char="ü"/>
-            </a:pPr>
-            <a:r>
-              <a:rPr lang="it-IT" sz="2400" dirty="0">
-                <a:solidFill>
-                  <a:schemeClr val="accent6">
-                    <a:lumMod val="50000"/>
-                  </a:schemeClr>
-                </a:solidFill>
-                <a:effectLst>
-                  <a:outerShdw blurRad="38100" dist="38100" dir="2700000" algn="tl">
-                    <a:srgbClr val="000000">
-                      <a:alpha val="43137"/>
-                    </a:srgbClr>
-                  </a:outerShdw>
-                </a:effectLst>
-              </a:rPr>
-              <a:t>Categorization</a:t>
-            </a:r>
-          </a:p>
-          <a:p>
-            <a:pPr marL="342900" indent="-342900">
-              <a:buFont typeface="Wingdings" panose="05000000000000000000" pitchFamily="2" charset="2"/>
-              <a:buChar char="ü"/>
-            </a:pPr>
-            <a:r>
-              <a:rPr lang="it-IT" sz="2400" dirty="0" err="1" smtClean="0">
-                <a:solidFill>
-                  <a:schemeClr val="accent6">
-                    <a:lumMod val="50000"/>
-                  </a:schemeClr>
-                </a:solidFill>
-                <a:effectLst>
-                  <a:outerShdw blurRad="38100" dist="38100" dir="2700000" algn="tl">
-                    <a:srgbClr val="000000">
-                      <a:alpha val="43137"/>
-                    </a:srgbClr>
-                  </a:outerShdw>
-                </a:effectLst>
-              </a:rPr>
-              <a:t>Slideshow</a:t>
-            </a:r>
-            <a:endParaRPr lang="it-IT" sz="2400" dirty="0">
-              <a:solidFill>
-                <a:schemeClr val="accent6">
-                  <a:lumMod val="50000"/>
-                </a:schemeClr>
-              </a:solidFill>
-              <a:effectLst>
-                <a:outerShdw blurRad="38100" dist="38100" dir="2700000" algn="tl">
-                  <a:srgbClr val="000000">
-                    <a:alpha val="43137"/>
-                  </a:srgbClr>
-                </a:outerShdw>
-              </a:effectLst>
-            </a:endParaRPr>
+            <a:endParaRPr lang="it-IT" sz="1800" dirty="0"/>
           </a:p>
         </p:txBody>
       </p:sp>
     </p:spTree>
     <p:extLst>
       <p:ext uri="{BB962C8B-B14F-4D97-AF65-F5344CB8AC3E}">
-        <p14:creationId xmlns:p14="http://schemas.microsoft.com/office/powerpoint/2010/main" val="2370506962"/>
+        <p14:creationId xmlns:p14="http://schemas.microsoft.com/office/powerpoint/2010/main" val="1302453375"/>
       </p:ext>
     </p:extLst>
   </p:cSld>
   <p:clrMapOvr>
     <a:masterClrMapping/>
   </p:clrMapOvr>
+  <mc:AlternateContent xmlns:mc="http://schemas.openxmlformats.org/markup-compatibility/2006">
+    <mc:Choice xmlns:p14="http://schemas.microsoft.com/office/powerpoint/2010/main" Requires="p14">
+      <p:transition p14:dur="0"/>
+    </mc:Choice>
+    <mc:Fallback>
+      <p:transition/>
+    </mc:Fallback>
+  </mc:AlternateContent>
   <p:timing>
     <p:tnLst>
       <p:par>
@@ -8817,7 +8923,7 @@
                             </p:stCondLst>
                             <p:childTnLst>
                               <p:par>
-                                <p:cTn id="5" presetID="2" presetClass="entr" presetSubtype="4" fill="hold" grpId="0" nodeType="clickEffect">
+                                <p:cTn id="5" presetID="2" presetClass="entr" presetSubtype="4" fill="hold" nodeType="clickEffect">
                                   <p:stCondLst>
                                     <p:cond delay="0"/>
                                   </p:stCondLst>
@@ -8830,7 +8936,11 @@
                                           </p:stCondLst>
                                         </p:cTn>
                                         <p:tgtEl>
-                                          <p:spTgt spid="6"/>
+                                          <p:spTgt spid="3">
+                                            <p:txEl>
+                                              <p:pRg st="0" end="0"/>
+                                            </p:txEl>
+                                          </p:spTgt>
                                         </p:tgtEl>
                                         <p:attrNameLst>
                                           <p:attrName>style.visibility</p:attrName>
@@ -8844,7 +8954,11 @@
                                       <p:cBhvr additive="base">
                                         <p:cTn id="7" dur="500" fill="hold"/>
                                         <p:tgtEl>
-                                          <p:spTgt spid="6"/>
+                                          <p:spTgt spid="3">
+                                            <p:txEl>
+                                              <p:pRg st="0" end="0"/>
+                                            </p:txEl>
+                                          </p:spTgt>
                                         </p:tgtEl>
                                         <p:attrNameLst>
                                           <p:attrName>ppt_x</p:attrName>
@@ -8867,7 +8981,11 @@
                                       <p:cBhvr additive="base">
                                         <p:cTn id="8" dur="500" fill="hold"/>
                                         <p:tgtEl>
-                                          <p:spTgt spid="6"/>
+                                          <p:spTgt spid="3">
+                                            <p:txEl>
+                                              <p:pRg st="0" end="0"/>
+                                            </p:txEl>
+                                          </p:spTgt>
                                         </p:tgtEl>
                                         <p:attrNameLst>
                                           <p:attrName>ppt_y</p:attrName>
@@ -8908,7 +9026,7 @@
                             </p:stCondLst>
                             <p:childTnLst>
                               <p:par>
-                                <p:cTn id="11" presetID="2" presetClass="entr" presetSubtype="4" fill="hold" grpId="0" nodeType="clickEffect">
+                                <p:cTn id="11" presetID="2" presetClass="entr" presetSubtype="4" fill="hold" nodeType="clickEffect">
                                   <p:stCondLst>
                                     <p:cond delay="0"/>
                                   </p:stCondLst>
@@ -8921,7 +9039,11 @@
                                           </p:stCondLst>
                                         </p:cTn>
                                         <p:tgtEl>
-                                          <p:spTgt spid="5"/>
+                                          <p:spTgt spid="3">
+                                            <p:txEl>
+                                              <p:pRg st="1" end="1"/>
+                                            </p:txEl>
+                                          </p:spTgt>
                                         </p:tgtEl>
                                         <p:attrNameLst>
                                           <p:attrName>style.visibility</p:attrName>
@@ -8935,7 +9057,11 @@
                                       <p:cBhvr additive="base">
                                         <p:cTn id="13" dur="500" fill="hold"/>
                                         <p:tgtEl>
-                                          <p:spTgt spid="5"/>
+                                          <p:spTgt spid="3">
+                                            <p:txEl>
+                                              <p:pRg st="1" end="1"/>
+                                            </p:txEl>
+                                          </p:spTgt>
                                         </p:tgtEl>
                                         <p:attrNameLst>
                                           <p:attrName>ppt_x</p:attrName>
@@ -8958,7 +9084,181 @@
                                       <p:cBhvr additive="base">
                                         <p:cTn id="14" dur="500" fill="hold"/>
                                         <p:tgtEl>
-                                          <p:spTgt spid="5"/>
+                                          <p:spTgt spid="3">
+                                            <p:txEl>
+                                              <p:pRg st="1" end="1"/>
+                                            </p:txEl>
+                                          </p:spTgt>
+                                        </p:tgtEl>
+                                        <p:attrNameLst>
+                                          <p:attrName>ppt_y</p:attrName>
+                                        </p:attrNameLst>
+                                      </p:cBhvr>
+                                      <p:tavLst>
+                                        <p:tav tm="0">
+                                          <p:val>
+                                            <p:strVal val="1+#ppt_h/2"/>
+                                          </p:val>
+                                        </p:tav>
+                                        <p:tav tm="100000">
+                                          <p:val>
+                                            <p:strVal val="#ppt_y"/>
+                                          </p:val>
+                                        </p:tav>
+                                      </p:tavLst>
+                                    </p:anim>
+                                  </p:childTnLst>
+                                </p:cTn>
+                              </p:par>
+                              <p:par>
+                                <p:cTn id="15" presetID="2" presetClass="entr" presetSubtype="4" fill="hold" nodeType="withEffect">
+                                  <p:stCondLst>
+                                    <p:cond delay="0"/>
+                                  </p:stCondLst>
+                                  <p:childTnLst>
+                                    <p:set>
+                                      <p:cBhvr>
+                                        <p:cTn id="16" dur="1" fill="hold">
+                                          <p:stCondLst>
+                                            <p:cond delay="0"/>
+                                          </p:stCondLst>
+                                        </p:cTn>
+                                        <p:tgtEl>
+                                          <p:spTgt spid="3">
+                                            <p:txEl>
+                                              <p:pRg st="2" end="2"/>
+                                            </p:txEl>
+                                          </p:spTgt>
+                                        </p:tgtEl>
+                                        <p:attrNameLst>
+                                          <p:attrName>style.visibility</p:attrName>
+                                        </p:attrNameLst>
+                                      </p:cBhvr>
+                                      <p:to>
+                                        <p:strVal val="visible"/>
+                                      </p:to>
+                                    </p:set>
+                                    <p:anim calcmode="lin" valueType="num">
+                                      <p:cBhvr additive="base">
+                                        <p:cTn id="17" dur="500" fill="hold"/>
+                                        <p:tgtEl>
+                                          <p:spTgt spid="3">
+                                            <p:txEl>
+                                              <p:pRg st="2" end="2"/>
+                                            </p:txEl>
+                                          </p:spTgt>
+                                        </p:tgtEl>
+                                        <p:attrNameLst>
+                                          <p:attrName>ppt_x</p:attrName>
+                                        </p:attrNameLst>
+                                      </p:cBhvr>
+                                      <p:tavLst>
+                                        <p:tav tm="0">
+                                          <p:val>
+                                            <p:strVal val="#ppt_x"/>
+                                          </p:val>
+                                        </p:tav>
+                                        <p:tav tm="100000">
+                                          <p:val>
+                                            <p:strVal val="#ppt_x"/>
+                                          </p:val>
+                                        </p:tav>
+                                      </p:tavLst>
+                                    </p:anim>
+                                    <p:anim calcmode="lin" valueType="num">
+                                      <p:cBhvr additive="base">
+                                        <p:cTn id="18" dur="500" fill="hold"/>
+                                        <p:tgtEl>
+                                          <p:spTgt spid="3">
+                                            <p:txEl>
+                                              <p:pRg st="2" end="2"/>
+                                            </p:txEl>
+                                          </p:spTgt>
+                                        </p:tgtEl>
+                                        <p:attrNameLst>
+                                          <p:attrName>ppt_y</p:attrName>
+                                        </p:attrNameLst>
+                                      </p:cBhvr>
+                                      <p:tavLst>
+                                        <p:tav tm="0">
+                                          <p:val>
+                                            <p:strVal val="1+#ppt_h/2"/>
+                                          </p:val>
+                                        </p:tav>
+                                        <p:tav tm="100000">
+                                          <p:val>
+                                            <p:strVal val="#ppt_y"/>
+                                          </p:val>
+                                        </p:tav>
+                                      </p:tavLst>
+                                    </p:anim>
+                                  </p:childTnLst>
+                                </p:cTn>
+                              </p:par>
+                              <p:par>
+                                <p:cTn id="19" presetID="2" presetClass="entr" presetSubtype="4" fill="hold" nodeType="withEffect">
+                                  <p:stCondLst>
+                                    <p:cond delay="0"/>
+                                  </p:stCondLst>
+                                  <p:childTnLst>
+                                    <p:set>
+                                      <p:cBhvr>
+                                        <p:cTn id="20" dur="1" fill="hold">
+                                          <p:stCondLst>
+                                            <p:cond delay="0"/>
+                                          </p:stCondLst>
+                                        </p:cTn>
+                                        <p:tgtEl>
+                                          <p:spTgt spid="3">
+                                            <p:txEl>
+                                              <p:pRg st="3" end="3"/>
+                                            </p:txEl>
+                                          </p:spTgt>
+                                        </p:tgtEl>
+                                        <p:attrNameLst>
+                                          <p:attrName>style.visibility</p:attrName>
+                                        </p:attrNameLst>
+                                      </p:cBhvr>
+                                      <p:to>
+                                        <p:strVal val="visible"/>
+                                      </p:to>
+                                    </p:set>
+                                    <p:anim calcmode="lin" valueType="num">
+                                      <p:cBhvr additive="base">
+                                        <p:cTn id="21" dur="500" fill="hold"/>
+                                        <p:tgtEl>
+                                          <p:spTgt spid="3">
+                                            <p:txEl>
+                                              <p:pRg st="3" end="3"/>
+                                            </p:txEl>
+                                          </p:spTgt>
+                                        </p:tgtEl>
+                                        <p:attrNameLst>
+                                          <p:attrName>ppt_x</p:attrName>
+                                        </p:attrNameLst>
+                                      </p:cBhvr>
+                                      <p:tavLst>
+                                        <p:tav tm="0">
+                                          <p:val>
+                                            <p:strVal val="#ppt_x"/>
+                                          </p:val>
+                                        </p:tav>
+                                        <p:tav tm="100000">
+                                          <p:val>
+                                            <p:strVal val="#ppt_x"/>
+                                          </p:val>
+                                        </p:tav>
+                                      </p:tavLst>
+                                    </p:anim>
+                                    <p:anim calcmode="lin" valueType="num">
+                                      <p:cBhvr additive="base">
+                                        <p:cTn id="22" dur="500" fill="hold"/>
+                                        <p:tgtEl>
+                                          <p:spTgt spid="3">
+                                            <p:txEl>
+                                              <p:pRg st="3" end="3"/>
+                                            </p:txEl>
+                                          </p:spTgt>
                                         </p:tgtEl>
                                         <p:attrNameLst>
                                           <p:attrName>ppt_y</p:attrName>
@@ -9007,10 +9307,6 @@
         </p:cTn>
       </p:par>
     </p:tnLst>
-    <p:bldLst>
-      <p:bldP spid="5" grpId="0"/>
-      <p:bldP spid="6" grpId="0"/>
-    </p:bldLst>
   </p:timing>
 </p:sld>
 </file>
@@ -9674,7 +9970,7 @@
         <p:spPr>
           <a:xfrm>
             <a:off x="304800" y="1256467"/>
-            <a:ext cx="8596064" cy="5601533"/>
+            <a:ext cx="8596064" cy="4616648"/>
           </a:xfrm>
           <a:prstGeom prst="rect">
             <a:avLst/>
@@ -9719,6 +10015,18 @@
               <a:buChar char="•"/>
             </a:pPr>
             <a:r>
+              <a:rPr lang="it-IT" sz="1600" dirty="0" smtClean="0">
+                <a:effectLst>
+                  <a:outerShdw blurRad="38100" dist="38100" dir="2700000" algn="tl">
+                    <a:srgbClr val="000000">
+                      <a:alpha val="43137"/>
+                    </a:srgbClr>
+                  </a:outerShdw>
+                </a:effectLst>
+              </a:rPr>
+              <a:t>Questionario </a:t>
+            </a:r>
+            <a:r>
               <a:rPr lang="it-IT" sz="1600" dirty="0">
                 <a:effectLst>
                   <a:outerShdw blurRad="38100" dist="38100" dir="2700000" algn="tl">
@@ -9728,7 +10036,7 @@
                   </a:outerShdw>
                 </a:effectLst>
               </a:rPr>
-              <a:t>Ci siamo resi conto che era utile un questionario anche per i ragazzi oltre che per i genitori, quindi lo abbiamo aggiunto all'implementazione</a:t>
+              <a:t>anche per i </a:t>
             </a:r>
             <a:r>
               <a:rPr lang="it-IT" sz="1600" dirty="0" smtClean="0">
@@ -9740,8 +10048,17 @@
                   </a:outerShdw>
                 </a:effectLst>
               </a:rPr>
-              <a:t>.</a:t>
-            </a:r>
+              <a:t>ragazzi.</a:t>
+            </a:r>
+            <a:endParaRPr lang="it-IT" sz="1600" dirty="0" smtClean="0">
+              <a:effectLst>
+                <a:outerShdw blurRad="38100" dist="38100" dir="2700000" algn="tl">
+                  <a:srgbClr val="000000">
+                    <a:alpha val="43137"/>
+                  </a:srgbClr>
+                </a:outerShdw>
+              </a:effectLst>
+            </a:endParaRPr>
           </a:p>
           <a:p>
             <a:pPr marL="285750" indent="-285750" algn="just">
@@ -9764,6 +10081,18 @@
               <a:buChar char="•"/>
             </a:pPr>
             <a:r>
+              <a:rPr lang="it-IT" sz="1600" dirty="0" smtClean="0">
+                <a:effectLst>
+                  <a:outerShdw blurRad="38100" dist="38100" dir="2700000" algn="tl">
+                    <a:srgbClr val="000000">
+                      <a:alpha val="43137"/>
+                    </a:srgbClr>
+                  </a:outerShdw>
+                </a:effectLst>
+              </a:rPr>
+              <a:t>Cancellare </a:t>
+            </a:r>
+            <a:r>
               <a:rPr lang="it-IT" sz="1600" dirty="0">
                 <a:effectLst>
                   <a:outerShdw blurRad="38100" dist="38100" dir="2700000" algn="tl">
@@ -9773,7 +10102,7 @@
                   </a:outerShdw>
                 </a:effectLst>
               </a:rPr>
-              <a:t>Aggiungeremo la possibilità di cancellare le storie scritte</a:t>
+              <a:t>le storie scritte</a:t>
             </a:r>
             <a:r>
               <a:rPr lang="it-IT" sz="1600" dirty="0" smtClean="0">
@@ -9809,6 +10138,18 @@
               <a:buChar char="•"/>
             </a:pPr>
             <a:r>
+              <a:rPr lang="it-IT" sz="1600" dirty="0" smtClean="0">
+                <a:effectLst>
+                  <a:outerShdw blurRad="38100" dist="38100" dir="2700000" algn="tl">
+                    <a:srgbClr val="000000">
+                      <a:alpha val="43137"/>
+                    </a:srgbClr>
+                  </a:outerShdw>
+                </a:effectLst>
+              </a:rPr>
+              <a:t>Per </a:t>
+            </a:r>
+            <a:r>
               <a:rPr lang="it-IT" sz="1600" dirty="0">
                 <a:effectLst>
                   <a:outerShdw blurRad="38100" dist="38100" dir="2700000" algn="tl">
@@ -9818,7 +10159,7 @@
                   </a:outerShdw>
                 </a:effectLst>
               </a:rPr>
-              <a:t>Aggiungeremo un’icona per vedere le storie pubblicate dal singolo utente</a:t>
+              <a:t>vedere le storie </a:t>
             </a:r>
             <a:r>
               <a:rPr lang="it-IT" sz="1600" dirty="0" smtClean="0">
@@ -9830,8 +10171,17 @@
                   </a:outerShdw>
                 </a:effectLst>
               </a:rPr>
-              <a:t>.</a:t>
-            </a:r>
+              <a:t>pubblicate.</a:t>
+            </a:r>
+            <a:endParaRPr lang="it-IT" sz="1600" dirty="0" smtClean="0">
+              <a:effectLst>
+                <a:outerShdw blurRad="38100" dist="38100" dir="2700000" algn="tl">
+                  <a:srgbClr val="000000">
+                    <a:alpha val="43137"/>
+                  </a:srgbClr>
+                </a:outerShdw>
+              </a:effectLst>
+            </a:endParaRPr>
           </a:p>
           <a:p>
             <a:endParaRPr lang="it-IT" sz="1600" dirty="0">
@@ -9850,6 +10200,18 @@
               <a:buChar char="•"/>
             </a:pPr>
             <a:r>
+              <a:rPr lang="it-IT" sz="1600" dirty="0" smtClean="0">
+                <a:effectLst>
+                  <a:outerShdw blurRad="38100" dist="38100" dir="2700000" algn="tl">
+                    <a:srgbClr val="000000">
+                      <a:alpha val="43137"/>
+                    </a:srgbClr>
+                  </a:outerShdw>
+                </a:effectLst>
+              </a:rPr>
+              <a:t>Collegamenti </a:t>
+            </a:r>
+            <a:r>
               <a:rPr lang="it-IT" sz="1600" dirty="0">
                 <a:effectLst>
                   <a:outerShdw blurRad="38100" dist="38100" dir="2700000" algn="tl">
@@ -9859,8 +10221,29 @@
                   </a:outerShdw>
                 </a:effectLst>
               </a:rPr>
-              <a:t>Aggiungeremo collegamenti ipertestuali nella sezione “Questionario” che portino a pagine utili agli utenti.</a:t>
-            </a:r>
+              <a:t>ipertestuali nella sezione “Questionario</a:t>
+            </a:r>
+            <a:r>
+              <a:rPr lang="it-IT" sz="1600" dirty="0" smtClean="0">
+                <a:effectLst>
+                  <a:outerShdw blurRad="38100" dist="38100" dir="2700000" algn="tl">
+                    <a:srgbClr val="000000">
+                      <a:alpha val="43137"/>
+                    </a:srgbClr>
+                  </a:outerShdw>
+                </a:effectLst>
+              </a:rPr>
+              <a:t>”.</a:t>
+            </a:r>
+            <a:endParaRPr lang="it-IT" sz="1600" dirty="0">
+              <a:effectLst>
+                <a:outerShdw blurRad="38100" dist="38100" dir="2700000" algn="tl">
+                  <a:srgbClr val="000000">
+                    <a:alpha val="43137"/>
+                  </a:srgbClr>
+                </a:outerShdw>
+              </a:effectLst>
+            </a:endParaRPr>
           </a:p>
           <a:p>
             <a:pPr marL="285750" indent="-285750">
@@ -9883,6 +10266,18 @@
               <a:buChar char="•"/>
             </a:pPr>
             <a:r>
+              <a:rPr lang="it-IT" sz="1600" dirty="0" smtClean="0">
+                <a:effectLst>
+                  <a:outerShdw blurRad="38100" dist="38100" dir="2700000" algn="tl">
+                    <a:srgbClr val="000000">
+                      <a:alpha val="43137"/>
+                    </a:srgbClr>
+                  </a:outerShdw>
+                </a:effectLst>
+              </a:rPr>
+              <a:t>Collegamenti </a:t>
+            </a:r>
+            <a:r>
               <a:rPr lang="it-IT" sz="1600" dirty="0">
                 <a:effectLst>
                   <a:outerShdw blurRad="38100" dist="38100" dir="2700000" algn="tl">
@@ -9892,31 +10287,7 @@
                   </a:outerShdw>
                 </a:effectLst>
               </a:rPr>
-              <a:t>Verranno aggiunti i collegamenti ipertestuali ai social nell’</a:t>
-            </a:r>
-            <a:r>
-              <a:rPr lang="it-IT" sz="1600" dirty="0" err="1">
-                <a:effectLst>
-                  <a:outerShdw blurRad="38100" dist="38100" dir="2700000" algn="tl">
-                    <a:srgbClr val="000000">
-                      <a:alpha val="43137"/>
-                    </a:srgbClr>
-                  </a:outerShdw>
-                </a:effectLst>
-              </a:rPr>
-              <a:t>aside</a:t>
-            </a:r>
-            <a:r>
-              <a:rPr lang="it-IT" sz="1600" dirty="0">
-                <a:effectLst>
-                  <a:outerShdw blurRad="38100" dist="38100" dir="2700000" algn="tl">
-                    <a:srgbClr val="000000">
-                      <a:alpha val="43137"/>
-                    </a:srgbClr>
-                  </a:outerShdw>
-                </a:effectLst>
-              </a:rPr>
-              <a:t> bar per una maggiore visibilità</a:t>
+              <a:t>ipertestuali ai </a:t>
             </a:r>
             <a:r>
               <a:rPr lang="it-IT" sz="1600" dirty="0" smtClean="0">
@@ -9928,8 +10299,17 @@
                   </a:outerShdw>
                 </a:effectLst>
               </a:rPr>
-              <a:t>.</a:t>
-            </a:r>
+              <a:t>social.</a:t>
+            </a:r>
+            <a:endParaRPr lang="it-IT" sz="1600" dirty="0" smtClean="0">
+              <a:effectLst>
+                <a:outerShdw blurRad="38100" dist="38100" dir="2700000" algn="tl">
+                  <a:srgbClr val="000000">
+                    <a:alpha val="43137"/>
+                  </a:srgbClr>
+                </a:outerShdw>
+              </a:effectLst>
+            </a:endParaRPr>
           </a:p>
           <a:p>
             <a:pPr marL="285750" indent="-285750" algn="just">
@@ -9952,6 +10332,18 @@
               <a:buChar char="•"/>
             </a:pPr>
             <a:r>
+              <a:rPr lang="it-IT" sz="1600" dirty="0" smtClean="0">
+                <a:effectLst>
+                  <a:outerShdw blurRad="38100" dist="38100" dir="2700000" algn="tl">
+                    <a:srgbClr val="000000">
+                      <a:alpha val="43137"/>
+                    </a:srgbClr>
+                  </a:outerShdw>
+                </a:effectLst>
+              </a:rPr>
+              <a:t>Spiegate </a:t>
+            </a:r>
+            <a:r>
               <a:rPr lang="it-IT" sz="1600" dirty="0">
                 <a:effectLst>
                   <a:outerShdw blurRad="38100" dist="38100" dir="2700000" algn="tl">
@@ -9961,44 +10353,7 @@
                   </a:outerShdw>
                 </a:effectLst>
               </a:rPr>
-              <a:t>Nella home verranno spiegate le pagine principali del sistema con bottoni che porteranno alla relativa pagina</a:t>
-            </a:r>
-            <a:r>
-              <a:rPr lang="it-IT" sz="1600" dirty="0" smtClean="0">
-                <a:effectLst>
-                  <a:outerShdw blurRad="38100" dist="38100" dir="2700000" algn="tl">
-                    <a:srgbClr val="000000">
-                      <a:alpha val="43137"/>
-                    </a:srgbClr>
-                  </a:outerShdw>
-                </a:effectLst>
-              </a:rPr>
-              <a:t>.</a:t>
-            </a:r>
-          </a:p>
-          <a:p>
-            <a:pPr marL="285750" indent="-285750" algn="just">
-              <a:buFont typeface="Arial" panose="020B0604020202020204" pitchFamily="34" charset="0"/>
-              <a:buChar char="•"/>
-            </a:pPr>
-            <a:endParaRPr lang="it-IT" sz="1600" dirty="0"/>
-          </a:p>
-          <a:p>
-            <a:pPr marL="285750" indent="-285750" algn="just">
-              <a:buFont typeface="Arial" panose="020B0604020202020204" pitchFamily="34" charset="0"/>
-              <a:buChar char="•"/>
-            </a:pPr>
-            <a:r>
-              <a:rPr lang="it-IT" sz="1600" dirty="0">
-                <a:effectLst>
-                  <a:outerShdw blurRad="38100" dist="38100" dir="2700000" algn="tl">
-                    <a:srgbClr val="000000">
-                      <a:alpha val="43137"/>
-                    </a:srgbClr>
-                  </a:outerShdw>
-                </a:effectLst>
-              </a:rPr>
-              <a:t>Verranno aggiunti feedback immediati in tutte le interazioni principali tra utente e </a:t>
+              <a:t>le pagine principali del </a:t>
             </a:r>
             <a:r>
               <a:rPr lang="it-IT" sz="1600" dirty="0" smtClean="0">
@@ -10011,6 +10366,64 @@
                 </a:effectLst>
               </a:rPr>
               <a:t>sistema.</a:t>
+            </a:r>
+            <a:endParaRPr lang="it-IT" sz="1600" dirty="0" smtClean="0">
+              <a:effectLst>
+                <a:outerShdw blurRad="38100" dist="38100" dir="2700000" algn="tl">
+                  <a:srgbClr val="000000">
+                    <a:alpha val="43137"/>
+                  </a:srgbClr>
+                </a:outerShdw>
+              </a:effectLst>
+            </a:endParaRPr>
+          </a:p>
+          <a:p>
+            <a:pPr marL="285750" indent="-285750" algn="just">
+              <a:buFont typeface="Arial" panose="020B0604020202020204" pitchFamily="34" charset="0"/>
+              <a:buChar char="•"/>
+            </a:pPr>
+            <a:endParaRPr lang="it-IT" sz="1600" dirty="0"/>
+          </a:p>
+          <a:p>
+            <a:pPr marL="285750" indent="-285750" algn="just">
+              <a:buFont typeface="Arial" panose="020B0604020202020204" pitchFamily="34" charset="0"/>
+              <a:buChar char="•"/>
+            </a:pPr>
+            <a:r>
+              <a:rPr lang="it-IT" sz="1600" dirty="0" smtClean="0">
+                <a:effectLst>
+                  <a:outerShdw blurRad="38100" dist="38100" dir="2700000" algn="tl">
+                    <a:srgbClr val="000000">
+                      <a:alpha val="43137"/>
+                    </a:srgbClr>
+                  </a:outerShdw>
+                </a:effectLst>
+              </a:rPr>
+              <a:t>Feedback </a:t>
+            </a:r>
+            <a:r>
+              <a:rPr lang="it-IT" sz="1600" dirty="0">
+                <a:effectLst>
+                  <a:outerShdw blurRad="38100" dist="38100" dir="2700000" algn="tl">
+                    <a:srgbClr val="000000">
+                      <a:alpha val="43137"/>
+                    </a:srgbClr>
+                  </a:outerShdw>
+                </a:effectLst>
+              </a:rPr>
+              <a:t>immediati in tutte le </a:t>
+            </a:r>
+            <a:r>
+              <a:rPr lang="it-IT" sz="1600" dirty="0" smtClean="0">
+                <a:effectLst>
+                  <a:outerShdw blurRad="38100" dist="38100" dir="2700000" algn="tl">
+                    <a:srgbClr val="000000">
+                      <a:alpha val="43137"/>
+                    </a:srgbClr>
+                  </a:outerShdw>
+                </a:effectLst>
+              </a:rPr>
+              <a:t>interazioni.</a:t>
             </a:r>
             <a:endParaRPr lang="it-IT" sz="1600" dirty="0">
               <a:effectLst>
@@ -10077,7 +10490,7 @@
         </p:nvSpPr>
         <p:spPr>
           <a:xfrm>
-            <a:off x="5746520" y="3128675"/>
+            <a:off x="2987824" y="2943466"/>
             <a:ext cx="216024" cy="144016"/>
           </a:xfrm>
           <a:prstGeom prst="rect">
@@ -10125,7 +10538,7 @@
         </p:nvSpPr>
         <p:spPr>
           <a:xfrm>
-            <a:off x="7240885" y="3632731"/>
+            <a:off x="3419872" y="3369088"/>
             <a:ext cx="216024" cy="144016"/>
           </a:xfrm>
           <a:prstGeom prst="rect">
@@ -10170,7 +10583,7 @@
           <p:cNvPr id="10" name="Rettangolo 9">
             <a:extLst>
               <a:ext uri="{FF2B5EF4-FFF2-40B4-BE49-F238E27FC236}">
-                <a16:creationId xmlns="" xmlns:a16="http://schemas.microsoft.com/office/drawing/2014/main" id="{A23D2597-3C7F-4BB6-96D8-88A88DF35BC1}"/>
+                <a16:creationId xmlns:a16="http://schemas.microsoft.com/office/drawing/2014/main" xmlns="" id="{A23D2597-3C7F-4BB6-96D8-88A88DF35BC1}"/>
               </a:ext>
             </a:extLst>
           </p:cNvPr>
@@ -10179,7 +10592,7 @@
         </p:nvSpPr>
         <p:spPr>
           <a:xfrm>
-            <a:off x="1928700" y="4352811"/>
+            <a:off x="5364088" y="3861048"/>
             <a:ext cx="216024" cy="168548"/>
           </a:xfrm>
           <a:prstGeom prst="rect">
@@ -10227,7 +10640,7 @@
         </p:nvSpPr>
         <p:spPr>
           <a:xfrm>
-            <a:off x="5736368" y="2624619"/>
+            <a:off x="3635896" y="2425805"/>
             <a:ext cx="216024" cy="144016"/>
           </a:xfrm>
           <a:prstGeom prst="rect">
@@ -10272,7 +10685,7 @@
           <p:cNvPr id="14" name="Rettangolo 13">
             <a:extLst>
               <a:ext uri="{FF2B5EF4-FFF2-40B4-BE49-F238E27FC236}">
-                <a16:creationId xmlns="" xmlns:a16="http://schemas.microsoft.com/office/drawing/2014/main" id="{A23D2597-3C7F-4BB6-96D8-88A88DF35BC1}"/>
+                <a16:creationId xmlns:a16="http://schemas.microsoft.com/office/drawing/2014/main" xmlns="" id="{A23D2597-3C7F-4BB6-96D8-88A88DF35BC1}"/>
               </a:ext>
             </a:extLst>
           </p:cNvPr>
@@ -10281,7 +10694,7 @@
         </p:nvSpPr>
         <p:spPr>
           <a:xfrm>
-            <a:off x="1475656" y="5072891"/>
+            <a:off x="3635896" y="4365104"/>
             <a:ext cx="216024" cy="168548"/>
           </a:xfrm>
           <a:prstGeom prst="rect">
@@ -10326,7 +10739,7 @@
           <p:cNvPr id="15" name="Rettangolo 14">
             <a:extLst>
               <a:ext uri="{FF2B5EF4-FFF2-40B4-BE49-F238E27FC236}">
-                <a16:creationId xmlns="" xmlns:a16="http://schemas.microsoft.com/office/drawing/2014/main" id="{A23D2597-3C7F-4BB6-96D8-88A88DF35BC1}"/>
+                <a16:creationId xmlns:a16="http://schemas.microsoft.com/office/drawing/2014/main" xmlns="" id="{A23D2597-3C7F-4BB6-96D8-88A88DF35BC1}"/>
               </a:ext>
             </a:extLst>
           </p:cNvPr>
@@ -10335,7 +10748,7 @@
         </p:nvSpPr>
         <p:spPr>
           <a:xfrm>
-            <a:off x="2411760" y="5833048"/>
+            <a:off x="4211960" y="4869160"/>
             <a:ext cx="216024" cy="168548"/>
           </a:xfrm>
           <a:prstGeom prst="rect">
@@ -10380,7 +10793,7 @@
           <p:cNvPr id="11" name="Rettangolo 10">
             <a:extLst>
               <a:ext uri="{FF2B5EF4-FFF2-40B4-BE49-F238E27FC236}">
-                <a16:creationId xmlns="" xmlns:a16="http://schemas.microsoft.com/office/drawing/2014/main" id="{A23D2597-3C7F-4BB6-96D8-88A88DF35BC1}"/>
+                <a16:creationId xmlns:a16="http://schemas.microsoft.com/office/drawing/2014/main" xmlns="" id="{A23D2597-3C7F-4BB6-96D8-88A88DF35BC1}"/>
               </a:ext>
             </a:extLst>
           </p:cNvPr>
@@ -10389,7 +10802,7 @@
         </p:nvSpPr>
         <p:spPr>
           <a:xfrm>
-            <a:off x="8688968" y="6297027"/>
+            <a:off x="4319972" y="5371137"/>
             <a:ext cx="216024" cy="168548"/>
           </a:xfrm>
           <a:prstGeom prst="rect">
@@ -11598,861 +12011,6 @@
       </p:sp>
       <p:graphicFrame>
         <p:nvGraphicFramePr>
-          <p:cNvPr id="4" name="Segnaposto contenuto 3"/>
-          <p:cNvGraphicFramePr>
-            <a:graphicFrameLocks noGrp="1"/>
-          </p:cNvGraphicFramePr>
-          <p:nvPr>
-            <p:ph idx="1"/>
-            <p:extLst>
-              <p:ext uri="{D42A27DB-BD31-4B8C-83A1-F6EECF244321}">
-                <p14:modId xmlns:p14="http://schemas.microsoft.com/office/powerpoint/2010/main" val="4199146427"/>
-              </p:ext>
-            </p:extLst>
-          </p:nvPr>
-        </p:nvGraphicFramePr>
-        <p:xfrm>
-          <a:off x="319581" y="2564904"/>
-          <a:ext cx="3331095" cy="3891055"/>
-        </p:xfrm>
-        <a:graphic>
-          <a:graphicData uri="http://schemas.openxmlformats.org/drawingml/2006/table">
-            <a:tbl>
-              <a:tblPr firstRow="1" bandRow="1">
-                <a:tableStyleId>{073A0DAA-6AF3-43AB-8588-CEC1D06C72B9}</a:tableStyleId>
-              </a:tblPr>
-              <a:tblGrid>
-                <a:gridCol w="666219"/>
-                <a:gridCol w="666219"/>
-                <a:gridCol w="666219"/>
-                <a:gridCol w="666219"/>
-                <a:gridCol w="666219"/>
-              </a:tblGrid>
-              <a:tr h="555865">
-                <a:tc>
-                  <a:txBody>
-                    <a:bodyPr/>
-                    <a:lstStyle/>
-                    <a:p>
-                      <a:pPr algn="ctr" rtl="0" fontAlgn="ctr"/>
-                      <a:r>
-                        <a:rPr lang="it-IT" sz="1600" u="none" strike="noStrike" dirty="0">
-                          <a:effectLst/>
-                        </a:rPr>
-                        <a:t>Task</a:t>
-                      </a:r>
-                      <a:endParaRPr lang="it-IT" sz="1600" b="1" i="1" u="none" strike="noStrike" dirty="0">
-                        <a:solidFill>
-                          <a:srgbClr val="000000"/>
-                        </a:solidFill>
-                        <a:effectLst/>
-                        <a:latin typeface="Times New Roman" panose="02020603050405020304" pitchFamily="18" charset="0"/>
-                      </a:endParaRPr>
-                    </a:p>
-                  </a:txBody>
-                  <a:tcPr marL="9525" marR="9525" marT="9525" marB="0" anchor="ctr"/>
-                </a:tc>
-                <a:tc>
-                  <a:txBody>
-                    <a:bodyPr/>
-                    <a:lstStyle/>
-                    <a:p>
-                      <a:pPr algn="ctr" rtl="0" fontAlgn="ctr"/>
-                      <a:r>
-                        <a:rPr lang="it-IT" sz="1600" u="none" strike="noStrike" dirty="0">
-                          <a:effectLst/>
-                        </a:rPr>
-                        <a:t>SE</a:t>
-                      </a:r>
-                      <a:endParaRPr lang="it-IT" sz="1600" b="1" i="1" u="none" strike="noStrike" dirty="0">
-                        <a:solidFill>
-                          <a:srgbClr val="000000"/>
-                        </a:solidFill>
-                        <a:effectLst/>
-                        <a:latin typeface="Times New Roman" panose="02020603050405020304" pitchFamily="18" charset="0"/>
-                      </a:endParaRPr>
-                    </a:p>
-                  </a:txBody>
-                  <a:tcPr marL="9525" marR="9525" marT="9525" marB="0" anchor="ctr"/>
-                </a:tc>
-                <a:tc>
-                  <a:txBody>
-                    <a:bodyPr/>
-                    <a:lstStyle/>
-                    <a:p>
-                      <a:pPr algn="ctr" rtl="0" fontAlgn="ctr"/>
-                      <a:r>
-                        <a:rPr lang="it-IT" sz="1600" u="none" strike="noStrike" dirty="0">
-                          <a:effectLst/>
-                        </a:rPr>
-                        <a:t>KS</a:t>
-                      </a:r>
-                      <a:endParaRPr lang="it-IT" sz="1600" b="1" i="1" u="none" strike="noStrike" dirty="0">
-                        <a:solidFill>
-                          <a:srgbClr val="000000"/>
-                        </a:solidFill>
-                        <a:effectLst/>
-                        <a:latin typeface="Times New Roman" panose="02020603050405020304" pitchFamily="18" charset="0"/>
-                      </a:endParaRPr>
-                    </a:p>
-                  </a:txBody>
-                  <a:tcPr marL="9525" marR="9525" marT="9525" marB="0" anchor="ctr"/>
-                </a:tc>
-                <a:tc>
-                  <a:txBody>
-                    <a:bodyPr/>
-                    <a:lstStyle/>
-                    <a:p>
-                      <a:pPr algn="ctr" rtl="0" fontAlgn="ctr"/>
-                      <a:r>
-                        <a:rPr lang="it-IT" sz="1600" u="none" strike="noStrike" dirty="0">
-                          <a:effectLst/>
-                        </a:rPr>
-                        <a:t>PC</a:t>
-                      </a:r>
-                      <a:endParaRPr lang="it-IT" sz="1600" b="1" i="1" u="none" strike="noStrike" dirty="0">
-                        <a:solidFill>
-                          <a:srgbClr val="000000"/>
-                        </a:solidFill>
-                        <a:effectLst/>
-                        <a:latin typeface="Times New Roman" panose="02020603050405020304" pitchFamily="18" charset="0"/>
-                      </a:endParaRPr>
-                    </a:p>
-                  </a:txBody>
-                  <a:tcPr marL="9525" marR="9525" marT="9525" marB="0" anchor="ctr"/>
-                </a:tc>
-                <a:tc>
-                  <a:txBody>
-                    <a:bodyPr/>
-                    <a:lstStyle/>
-                    <a:p>
-                      <a:pPr algn="ctr" rtl="0" fontAlgn="ctr"/>
-                      <a:r>
-                        <a:rPr lang="it-IT" sz="1600" u="none" strike="noStrike">
-                          <a:effectLst/>
-                        </a:rPr>
-                        <a:t>MOT</a:t>
-                      </a:r>
-                      <a:endParaRPr lang="it-IT" sz="1600" b="1" i="1" u="none" strike="noStrike">
-                        <a:solidFill>
-                          <a:srgbClr val="000000"/>
-                        </a:solidFill>
-                        <a:effectLst/>
-                        <a:latin typeface="Times New Roman" panose="02020603050405020304" pitchFamily="18" charset="0"/>
-                      </a:endParaRPr>
-                    </a:p>
-                  </a:txBody>
-                  <a:tcPr marL="9525" marR="9525" marT="9525" marB="0" anchor="ctr"/>
-                </a:tc>
-              </a:tr>
-              <a:tr h="555865">
-                <a:tc>
-                  <a:txBody>
-                    <a:bodyPr/>
-                    <a:lstStyle/>
-                    <a:p>
-                      <a:pPr algn="l" rtl="0" fontAlgn="ctr"/>
-                      <a:r>
-                        <a:rPr lang="it-IT" sz="1600" u="none" strike="noStrike">
-                          <a:effectLst/>
-                        </a:rPr>
-                        <a:t>T1</a:t>
-                      </a:r>
-                      <a:endParaRPr lang="it-IT" sz="1600" b="0" i="0" u="none" strike="noStrike">
-                        <a:solidFill>
-                          <a:srgbClr val="000000"/>
-                        </a:solidFill>
-                        <a:effectLst/>
-                        <a:latin typeface="Times New Roman" panose="02020603050405020304" pitchFamily="18" charset="0"/>
-                      </a:endParaRPr>
-                    </a:p>
-                  </a:txBody>
-                  <a:tcPr marL="9525" marR="9525" marT="9525" marB="0" anchor="ctr"/>
-                </a:tc>
-                <a:tc>
-                  <a:txBody>
-                    <a:bodyPr/>
-                    <a:lstStyle/>
-                    <a:p>
-                      <a:pPr algn="ctr" rtl="0" fontAlgn="ctr"/>
-                      <a:r>
-                        <a:rPr lang="it-IT" sz="1600" u="none" strike="noStrike">
-                          <a:effectLst/>
-                        </a:rPr>
-                        <a:t>3,0</a:t>
-                      </a:r>
-                      <a:endParaRPr lang="it-IT" sz="1600" b="0" i="0" u="none" strike="noStrike">
-                        <a:solidFill>
-                          <a:srgbClr val="000000"/>
-                        </a:solidFill>
-                        <a:effectLst/>
-                        <a:latin typeface="Georgia" panose="02040502050405020303" pitchFamily="18" charset="0"/>
-                      </a:endParaRPr>
-                    </a:p>
-                  </a:txBody>
-                  <a:tcPr marL="9525" marR="9525" marT="9525" marB="0" anchor="ctr"/>
-                </a:tc>
-                <a:tc>
-                  <a:txBody>
-                    <a:bodyPr/>
-                    <a:lstStyle/>
-                    <a:p>
-                      <a:pPr algn="ctr" fontAlgn="ctr"/>
-                      <a:r>
-                        <a:rPr lang="it-IT" sz="1600" u="none" strike="noStrike">
-                          <a:effectLst/>
-                        </a:rPr>
-                        <a:t> </a:t>
-                      </a:r>
-                      <a:endParaRPr lang="it-IT" sz="1600" b="0" i="0" u="none" strike="noStrike">
-                        <a:solidFill>
-                          <a:srgbClr val="000000"/>
-                        </a:solidFill>
-                        <a:effectLst/>
-                        <a:latin typeface="Georgia" panose="02040502050405020303" pitchFamily="18" charset="0"/>
-                      </a:endParaRPr>
-                    </a:p>
-                  </a:txBody>
-                  <a:tcPr marL="9525" marR="9525" marT="9525" marB="0" anchor="ctr"/>
-                </a:tc>
-                <a:tc>
-                  <a:txBody>
-                    <a:bodyPr/>
-                    <a:lstStyle/>
-                    <a:p>
-                      <a:pPr algn="ctr" rtl="0" fontAlgn="ctr"/>
-                      <a:r>
-                        <a:rPr lang="it-IT" sz="1600" u="none" strike="noStrike">
-                          <a:effectLst/>
-                        </a:rPr>
-                        <a:t> </a:t>
-                      </a:r>
-                      <a:endParaRPr lang="it-IT" sz="1600" b="0" i="0" u="none" strike="noStrike">
-                        <a:solidFill>
-                          <a:srgbClr val="000000"/>
-                        </a:solidFill>
-                        <a:effectLst/>
-                        <a:latin typeface="Georgia" panose="02040502050405020303" pitchFamily="18" charset="0"/>
-                      </a:endParaRPr>
-                    </a:p>
-                  </a:txBody>
-                  <a:tcPr marL="9525" marR="9525" marT="9525" marB="0" anchor="ctr"/>
-                </a:tc>
-                <a:tc>
-                  <a:txBody>
-                    <a:bodyPr/>
-                    <a:lstStyle/>
-                    <a:p>
-                      <a:pPr algn="ctr" rtl="0" fontAlgn="ctr"/>
-                      <a:r>
-                        <a:rPr lang="it-IT" sz="1600" u="none" strike="noStrike">
-                          <a:effectLst/>
-                        </a:rPr>
-                        <a:t>2,3</a:t>
-                      </a:r>
-                      <a:endParaRPr lang="it-IT" sz="1600" b="0" i="0" u="none" strike="noStrike">
-                        <a:solidFill>
-                          <a:srgbClr val="000000"/>
-                        </a:solidFill>
-                        <a:effectLst/>
-                        <a:latin typeface="Georgia" panose="02040502050405020303" pitchFamily="18" charset="0"/>
-                      </a:endParaRPr>
-                    </a:p>
-                  </a:txBody>
-                  <a:tcPr marL="9525" marR="9525" marT="9525" marB="0" anchor="ctr"/>
-                </a:tc>
-              </a:tr>
-              <a:tr h="555865">
-                <a:tc>
-                  <a:txBody>
-                    <a:bodyPr/>
-                    <a:lstStyle/>
-                    <a:p>
-                      <a:pPr algn="l" rtl="0" fontAlgn="ctr"/>
-                      <a:r>
-                        <a:rPr lang="it-IT" sz="1600" u="none" strike="noStrike">
-                          <a:effectLst/>
-                        </a:rPr>
-                        <a:t>T2</a:t>
-                      </a:r>
-                      <a:endParaRPr lang="it-IT" sz="1600" b="0" i="0" u="none" strike="noStrike">
-                        <a:solidFill>
-                          <a:srgbClr val="000000"/>
-                        </a:solidFill>
-                        <a:effectLst/>
-                        <a:latin typeface="Times New Roman" panose="02020603050405020304" pitchFamily="18" charset="0"/>
-                      </a:endParaRPr>
-                    </a:p>
-                  </a:txBody>
-                  <a:tcPr marL="9525" marR="9525" marT="9525" marB="0" anchor="ctr"/>
-                </a:tc>
-                <a:tc>
-                  <a:txBody>
-                    <a:bodyPr/>
-                    <a:lstStyle/>
-                    <a:p>
-                      <a:pPr algn="ctr" rtl="0" fontAlgn="ctr"/>
-                      <a:r>
-                        <a:rPr lang="it-IT" sz="1600" u="none" strike="noStrike">
-                          <a:effectLst/>
-                        </a:rPr>
-                        <a:t>3</a:t>
-                      </a:r>
-                      <a:endParaRPr lang="it-IT" sz="1600" b="0" i="0" u="none" strike="noStrike">
-                        <a:solidFill>
-                          <a:srgbClr val="000000"/>
-                        </a:solidFill>
-                        <a:effectLst/>
-                        <a:latin typeface="Georgia" panose="02040502050405020303" pitchFamily="18" charset="0"/>
-                      </a:endParaRPr>
-                    </a:p>
-                  </a:txBody>
-                  <a:tcPr marL="9525" marR="9525" marT="9525" marB="0" anchor="ctr"/>
-                </a:tc>
-                <a:tc>
-                  <a:txBody>
-                    <a:bodyPr/>
-                    <a:lstStyle/>
-                    <a:p>
-                      <a:pPr algn="ctr" rtl="0" fontAlgn="ctr"/>
-                      <a:r>
-                        <a:rPr lang="it-IT" sz="1600" u="none" strike="noStrike" dirty="0">
-                          <a:effectLst/>
-                        </a:rPr>
-                        <a:t> </a:t>
-                      </a:r>
-                      <a:endParaRPr lang="it-IT" sz="1600" b="0" i="0" u="none" strike="noStrike" dirty="0">
-                        <a:solidFill>
-                          <a:srgbClr val="000000"/>
-                        </a:solidFill>
-                        <a:effectLst/>
-                        <a:latin typeface="Georgia" panose="02040502050405020303" pitchFamily="18" charset="0"/>
-                      </a:endParaRPr>
-                    </a:p>
-                  </a:txBody>
-                  <a:tcPr marL="9525" marR="9525" marT="9525" marB="0" anchor="ctr"/>
-                </a:tc>
-                <a:tc>
-                  <a:txBody>
-                    <a:bodyPr/>
-                    <a:lstStyle/>
-                    <a:p>
-                      <a:pPr algn="ctr" rtl="0" fontAlgn="ctr"/>
-                      <a:r>
-                        <a:rPr lang="it-IT" sz="1600" u="none" strike="noStrike">
-                          <a:effectLst/>
-                        </a:rPr>
-                        <a:t> </a:t>
-                      </a:r>
-                      <a:endParaRPr lang="it-IT" sz="1600" b="0" i="0" u="none" strike="noStrike">
-                        <a:solidFill>
-                          <a:srgbClr val="000000"/>
-                        </a:solidFill>
-                        <a:effectLst/>
-                        <a:latin typeface="Georgia" panose="02040502050405020303" pitchFamily="18" charset="0"/>
-                      </a:endParaRPr>
-                    </a:p>
-                  </a:txBody>
-                  <a:tcPr marL="9525" marR="9525" marT="9525" marB="0" anchor="ctr"/>
-                </a:tc>
-                <a:tc>
-                  <a:txBody>
-                    <a:bodyPr/>
-                    <a:lstStyle/>
-                    <a:p>
-                      <a:pPr algn="ctr" rtl="0" fontAlgn="ctr"/>
-                      <a:r>
-                        <a:rPr lang="it-IT" sz="1600" u="none" strike="noStrike">
-                          <a:effectLst/>
-                        </a:rPr>
-                        <a:t>2,333</a:t>
-                      </a:r>
-                      <a:endParaRPr lang="it-IT" sz="1600" b="0" i="0" u="none" strike="noStrike">
-                        <a:solidFill>
-                          <a:srgbClr val="000000"/>
-                        </a:solidFill>
-                        <a:effectLst/>
-                        <a:latin typeface="Georgia" panose="02040502050405020303" pitchFamily="18" charset="0"/>
-                      </a:endParaRPr>
-                    </a:p>
-                  </a:txBody>
-                  <a:tcPr marL="9525" marR="9525" marT="9525" marB="0" anchor="ctr"/>
-                </a:tc>
-              </a:tr>
-              <a:tr h="555865">
-                <a:tc>
-                  <a:txBody>
-                    <a:bodyPr/>
-                    <a:lstStyle/>
-                    <a:p>
-                      <a:pPr algn="l" rtl="0" fontAlgn="ctr"/>
-                      <a:r>
-                        <a:rPr lang="it-IT" sz="1600" u="none" strike="noStrike">
-                          <a:effectLst/>
-                        </a:rPr>
-                        <a:t>T3</a:t>
-                      </a:r>
-                      <a:endParaRPr lang="it-IT" sz="1600" b="0" i="0" u="none" strike="noStrike">
-                        <a:solidFill>
-                          <a:srgbClr val="000000"/>
-                        </a:solidFill>
-                        <a:effectLst/>
-                        <a:latin typeface="Times New Roman" panose="02020603050405020304" pitchFamily="18" charset="0"/>
-                      </a:endParaRPr>
-                    </a:p>
-                  </a:txBody>
-                  <a:tcPr marL="9525" marR="9525" marT="9525" marB="0" anchor="ctr"/>
-                </a:tc>
-                <a:tc>
-                  <a:txBody>
-                    <a:bodyPr/>
-                    <a:lstStyle/>
-                    <a:p>
-                      <a:pPr algn="ctr" rtl="0" fontAlgn="ctr"/>
-                      <a:r>
-                        <a:rPr lang="it-IT" sz="1600" u="none" strike="noStrike" dirty="0">
-                          <a:effectLst/>
-                        </a:rPr>
-                        <a:t>1,5</a:t>
-                      </a:r>
-                      <a:endParaRPr lang="it-IT" sz="1600" b="0" i="0" u="none" strike="noStrike" dirty="0">
-                        <a:solidFill>
-                          <a:srgbClr val="000000"/>
-                        </a:solidFill>
-                        <a:effectLst/>
-                        <a:latin typeface="Georgia" panose="02040502050405020303" pitchFamily="18" charset="0"/>
-                      </a:endParaRPr>
-                    </a:p>
-                  </a:txBody>
-                  <a:tcPr marL="9525" marR="9525" marT="9525" marB="0" anchor="ctr"/>
-                </a:tc>
-                <a:tc>
-                  <a:txBody>
-                    <a:bodyPr/>
-                    <a:lstStyle/>
-                    <a:p>
-                      <a:pPr algn="ctr" rtl="0" fontAlgn="ctr"/>
-                      <a:r>
-                        <a:rPr lang="it-IT" sz="1600" u="none" strike="noStrike">
-                          <a:effectLst/>
-                        </a:rPr>
-                        <a:t>1,0</a:t>
-                      </a:r>
-                      <a:endParaRPr lang="it-IT" sz="1600" b="0" i="0" u="none" strike="noStrike">
-                        <a:solidFill>
-                          <a:srgbClr val="000000"/>
-                        </a:solidFill>
-                        <a:effectLst/>
-                        <a:latin typeface="Georgia" panose="02040502050405020303" pitchFamily="18" charset="0"/>
-                      </a:endParaRPr>
-                    </a:p>
-                  </a:txBody>
-                  <a:tcPr marL="9525" marR="9525" marT="9525" marB="0" anchor="ctr"/>
-                </a:tc>
-                <a:tc>
-                  <a:txBody>
-                    <a:bodyPr/>
-                    <a:lstStyle/>
-                    <a:p>
-                      <a:pPr algn="ctr" rtl="0" fontAlgn="ctr"/>
-                      <a:r>
-                        <a:rPr lang="it-IT" sz="1600" u="none" strike="noStrike">
-                          <a:effectLst/>
-                        </a:rPr>
-                        <a:t>1,5</a:t>
-                      </a:r>
-                      <a:endParaRPr lang="it-IT" sz="1600" b="0" i="0" u="none" strike="noStrike">
-                        <a:solidFill>
-                          <a:srgbClr val="000000"/>
-                        </a:solidFill>
-                        <a:effectLst/>
-                        <a:latin typeface="Georgia" panose="02040502050405020303" pitchFamily="18" charset="0"/>
-                      </a:endParaRPr>
-                    </a:p>
-                  </a:txBody>
-                  <a:tcPr marL="9525" marR="9525" marT="9525" marB="0" anchor="ctr"/>
-                </a:tc>
-                <a:tc>
-                  <a:txBody>
-                    <a:bodyPr/>
-                    <a:lstStyle/>
-                    <a:p>
-                      <a:pPr algn="ctr" rtl="0" fontAlgn="ctr"/>
-                      <a:r>
-                        <a:rPr lang="it-IT" sz="1600" u="none" strike="noStrike">
-                          <a:effectLst/>
-                        </a:rPr>
-                        <a:t>1,0</a:t>
-                      </a:r>
-                      <a:endParaRPr lang="it-IT" sz="1600" b="0" i="0" u="none" strike="noStrike">
-                        <a:solidFill>
-                          <a:srgbClr val="000000"/>
-                        </a:solidFill>
-                        <a:effectLst/>
-                        <a:latin typeface="Georgia" panose="02040502050405020303" pitchFamily="18" charset="0"/>
-                      </a:endParaRPr>
-                    </a:p>
-                  </a:txBody>
-                  <a:tcPr marL="9525" marR="9525" marT="9525" marB="0" anchor="ctr"/>
-                </a:tc>
-              </a:tr>
-              <a:tr h="555865">
-                <a:tc>
-                  <a:txBody>
-                    <a:bodyPr/>
-                    <a:lstStyle/>
-                    <a:p>
-                      <a:pPr algn="l" rtl="0" fontAlgn="ctr"/>
-                      <a:r>
-                        <a:rPr lang="it-IT" sz="1600" u="none" strike="noStrike">
-                          <a:effectLst/>
-                        </a:rPr>
-                        <a:t>T4</a:t>
-                      </a:r>
-                      <a:endParaRPr lang="it-IT" sz="1600" b="0" i="0" u="none" strike="noStrike">
-                        <a:solidFill>
-                          <a:srgbClr val="000000"/>
-                        </a:solidFill>
-                        <a:effectLst/>
-                        <a:latin typeface="Times New Roman" panose="02020603050405020304" pitchFamily="18" charset="0"/>
-                      </a:endParaRPr>
-                    </a:p>
-                  </a:txBody>
-                  <a:tcPr marL="9525" marR="9525" marT="9525" marB="0" anchor="ctr"/>
-                </a:tc>
-                <a:tc>
-                  <a:txBody>
-                    <a:bodyPr/>
-                    <a:lstStyle/>
-                    <a:p>
-                      <a:pPr algn="ctr" rtl="0" fontAlgn="ctr"/>
-                      <a:r>
-                        <a:rPr lang="it-IT" sz="1600" u="none" strike="noStrike">
-                          <a:effectLst/>
-                        </a:rPr>
-                        <a:t>1,50</a:t>
-                      </a:r>
-                      <a:endParaRPr lang="it-IT" sz="1600" b="0" i="0" u="none" strike="noStrike">
-                        <a:solidFill>
-                          <a:srgbClr val="000000"/>
-                        </a:solidFill>
-                        <a:effectLst/>
-                        <a:latin typeface="Georgia" panose="02040502050405020303" pitchFamily="18" charset="0"/>
-                      </a:endParaRPr>
-                    </a:p>
-                  </a:txBody>
-                  <a:tcPr marL="9525" marR="9525" marT="9525" marB="0" anchor="ctr"/>
-                </a:tc>
-                <a:tc>
-                  <a:txBody>
-                    <a:bodyPr/>
-                    <a:lstStyle/>
-                    <a:p>
-                      <a:pPr algn="ctr" rtl="0" fontAlgn="ctr"/>
-                      <a:r>
-                        <a:rPr lang="it-IT" sz="1600" u="none" strike="noStrike">
-                          <a:effectLst/>
-                        </a:rPr>
-                        <a:t>1,0</a:t>
-                      </a:r>
-                      <a:endParaRPr lang="it-IT" sz="1600" b="0" i="0" u="none" strike="noStrike">
-                        <a:solidFill>
-                          <a:srgbClr val="000000"/>
-                        </a:solidFill>
-                        <a:effectLst/>
-                        <a:latin typeface="Georgia" panose="02040502050405020303" pitchFamily="18" charset="0"/>
-                      </a:endParaRPr>
-                    </a:p>
-                  </a:txBody>
-                  <a:tcPr marL="9525" marR="9525" marT="9525" marB="0" anchor="ctr"/>
-                </a:tc>
-                <a:tc>
-                  <a:txBody>
-                    <a:bodyPr/>
-                    <a:lstStyle/>
-                    <a:p>
-                      <a:pPr algn="ctr" rtl="0" fontAlgn="ctr"/>
-                      <a:r>
-                        <a:rPr lang="it-IT" sz="1600" u="none" strike="noStrike">
-                          <a:effectLst/>
-                        </a:rPr>
-                        <a:t> </a:t>
-                      </a:r>
-                      <a:endParaRPr lang="it-IT" sz="1600" b="0" i="0" u="none" strike="noStrike">
-                        <a:solidFill>
-                          <a:srgbClr val="000000"/>
-                        </a:solidFill>
-                        <a:effectLst/>
-                        <a:latin typeface="Georgia" panose="02040502050405020303" pitchFamily="18" charset="0"/>
-                      </a:endParaRPr>
-                    </a:p>
-                  </a:txBody>
-                  <a:tcPr marL="9525" marR="9525" marT="9525" marB="0" anchor="ctr"/>
-                </a:tc>
-                <a:tc>
-                  <a:txBody>
-                    <a:bodyPr/>
-                    <a:lstStyle/>
-                    <a:p>
-                      <a:pPr algn="ctr" rtl="0" fontAlgn="ctr"/>
-                      <a:r>
-                        <a:rPr lang="it-IT" sz="1600" u="none" strike="noStrike">
-                          <a:effectLst/>
-                        </a:rPr>
-                        <a:t>1</a:t>
-                      </a:r>
-                      <a:endParaRPr lang="it-IT" sz="1600" b="0" i="0" u="none" strike="noStrike">
-                        <a:solidFill>
-                          <a:srgbClr val="000000"/>
-                        </a:solidFill>
-                        <a:effectLst/>
-                        <a:latin typeface="Georgia" panose="02040502050405020303" pitchFamily="18" charset="0"/>
-                      </a:endParaRPr>
-                    </a:p>
-                  </a:txBody>
-                  <a:tcPr marL="9525" marR="9525" marT="9525" marB="0" anchor="ctr"/>
-                </a:tc>
-              </a:tr>
-              <a:tr h="555865">
-                <a:tc>
-                  <a:txBody>
-                    <a:bodyPr/>
-                    <a:lstStyle/>
-                    <a:p>
-                      <a:pPr algn="l" rtl="0" fontAlgn="ctr"/>
-                      <a:r>
-                        <a:rPr lang="it-IT" sz="1600" u="none" strike="noStrike">
-                          <a:effectLst/>
-                        </a:rPr>
-                        <a:t>T5</a:t>
-                      </a:r>
-                      <a:endParaRPr lang="it-IT" sz="1600" b="0" i="0" u="none" strike="noStrike">
-                        <a:solidFill>
-                          <a:srgbClr val="000000"/>
-                        </a:solidFill>
-                        <a:effectLst/>
-                        <a:latin typeface="Times New Roman" panose="02020603050405020304" pitchFamily="18" charset="0"/>
-                      </a:endParaRPr>
-                    </a:p>
-                  </a:txBody>
-                  <a:tcPr marL="9525" marR="9525" marT="9525" marB="0" anchor="ctr"/>
-                </a:tc>
-                <a:tc>
-                  <a:txBody>
-                    <a:bodyPr/>
-                    <a:lstStyle/>
-                    <a:p>
-                      <a:pPr algn="ctr" rtl="0" fontAlgn="ctr"/>
-                      <a:r>
-                        <a:rPr lang="it-IT" sz="1600" u="none" strike="noStrike">
-                          <a:effectLst/>
-                        </a:rPr>
-                        <a:t>1,0</a:t>
-                      </a:r>
-                      <a:endParaRPr lang="it-IT" sz="1600" b="0" i="0" u="none" strike="noStrike">
-                        <a:solidFill>
-                          <a:srgbClr val="000000"/>
-                        </a:solidFill>
-                        <a:effectLst/>
-                        <a:latin typeface="Georgia" panose="02040502050405020303" pitchFamily="18" charset="0"/>
-                      </a:endParaRPr>
-                    </a:p>
-                  </a:txBody>
-                  <a:tcPr marL="9525" marR="9525" marT="9525" marB="0" anchor="ctr"/>
-                </a:tc>
-                <a:tc>
-                  <a:txBody>
-                    <a:bodyPr/>
-                    <a:lstStyle/>
-                    <a:p>
-                      <a:pPr algn="ctr" rtl="0" fontAlgn="ctr"/>
-                      <a:r>
-                        <a:rPr lang="it-IT" sz="1600" u="none" strike="noStrike">
-                          <a:effectLst/>
-                        </a:rPr>
-                        <a:t>2</a:t>
-                      </a:r>
-                      <a:endParaRPr lang="it-IT" sz="1600" b="0" i="0" u="none" strike="noStrike">
-                        <a:solidFill>
-                          <a:srgbClr val="000000"/>
-                        </a:solidFill>
-                        <a:effectLst/>
-                        <a:latin typeface="Georgia" panose="02040502050405020303" pitchFamily="18" charset="0"/>
-                      </a:endParaRPr>
-                    </a:p>
-                  </a:txBody>
-                  <a:tcPr marL="9525" marR="9525" marT="9525" marB="0" anchor="ctr"/>
-                </a:tc>
-                <a:tc>
-                  <a:txBody>
-                    <a:bodyPr/>
-                    <a:lstStyle/>
-                    <a:p>
-                      <a:pPr algn="ctr" rtl="0" fontAlgn="ctr"/>
-                      <a:r>
-                        <a:rPr lang="it-IT" sz="1600" u="none" strike="noStrike">
-                          <a:effectLst/>
-                        </a:rPr>
-                        <a:t>3,0</a:t>
-                      </a:r>
-                      <a:endParaRPr lang="it-IT" sz="1600" b="0" i="0" u="none" strike="noStrike">
-                        <a:solidFill>
-                          <a:srgbClr val="000000"/>
-                        </a:solidFill>
-                        <a:effectLst/>
-                        <a:latin typeface="Georgia" panose="02040502050405020303" pitchFamily="18" charset="0"/>
-                      </a:endParaRPr>
-                    </a:p>
-                  </a:txBody>
-                  <a:tcPr marL="9525" marR="9525" marT="9525" marB="0" anchor="ctr"/>
-                </a:tc>
-                <a:tc>
-                  <a:txBody>
-                    <a:bodyPr/>
-                    <a:lstStyle/>
-                    <a:p>
-                      <a:pPr algn="ctr" rtl="0" fontAlgn="ctr"/>
-                      <a:r>
-                        <a:rPr lang="it-IT" sz="1600" u="none" strike="noStrike">
-                          <a:effectLst/>
-                        </a:rPr>
-                        <a:t>1,0</a:t>
-                      </a:r>
-                      <a:endParaRPr lang="it-IT" sz="1600" b="0" i="0" u="none" strike="noStrike">
-                        <a:solidFill>
-                          <a:srgbClr val="000000"/>
-                        </a:solidFill>
-                        <a:effectLst/>
-                        <a:latin typeface="Georgia" panose="02040502050405020303" pitchFamily="18" charset="0"/>
-                      </a:endParaRPr>
-                    </a:p>
-                  </a:txBody>
-                  <a:tcPr marL="9525" marR="9525" marT="9525" marB="0" anchor="ctr"/>
-                </a:tc>
-              </a:tr>
-              <a:tr h="555865">
-                <a:tc>
-                  <a:txBody>
-                    <a:bodyPr/>
-                    <a:lstStyle/>
-                    <a:p>
-                      <a:pPr algn="l" rtl="0" fontAlgn="ctr"/>
-                      <a:r>
-                        <a:rPr lang="it-IT" sz="1600" u="none" strike="noStrike">
-                          <a:effectLst/>
-                        </a:rPr>
-                        <a:t>T6</a:t>
-                      </a:r>
-                      <a:endParaRPr lang="it-IT" sz="1600" b="0" i="0" u="none" strike="noStrike">
-                        <a:solidFill>
-                          <a:srgbClr val="000000"/>
-                        </a:solidFill>
-                        <a:effectLst/>
-                        <a:latin typeface="Times New Roman" panose="02020603050405020304" pitchFamily="18" charset="0"/>
-                      </a:endParaRPr>
-                    </a:p>
-                  </a:txBody>
-                  <a:tcPr marL="9525" marR="9525" marT="9525" marB="0" anchor="ctr"/>
-                </a:tc>
-                <a:tc>
-                  <a:txBody>
-                    <a:bodyPr/>
-                    <a:lstStyle/>
-                    <a:p>
-                      <a:pPr algn="ctr" fontAlgn="ctr"/>
-                      <a:r>
-                        <a:rPr lang="it-IT" sz="1600" u="none" strike="noStrike">
-                          <a:effectLst/>
-                        </a:rPr>
-                        <a:t>2</a:t>
-                      </a:r>
-                      <a:endParaRPr lang="it-IT" sz="1600" b="0" i="0" u="none" strike="noStrike">
-                        <a:solidFill>
-                          <a:srgbClr val="000000"/>
-                        </a:solidFill>
-                        <a:effectLst/>
-                        <a:latin typeface="Georgia" panose="02040502050405020303" pitchFamily="18" charset="0"/>
-                      </a:endParaRPr>
-                    </a:p>
-                  </a:txBody>
-                  <a:tcPr marL="9525" marR="9525" marT="9525" marB="0" anchor="ctr"/>
-                </a:tc>
-                <a:tc>
-                  <a:txBody>
-                    <a:bodyPr/>
-                    <a:lstStyle/>
-                    <a:p>
-                      <a:pPr algn="ctr" rtl="0" fontAlgn="ctr"/>
-                      <a:r>
-                        <a:rPr lang="it-IT" sz="1600" u="none" strike="noStrike">
-                          <a:effectLst/>
-                        </a:rPr>
-                        <a:t>2,0</a:t>
-                      </a:r>
-                      <a:endParaRPr lang="it-IT" sz="1600" b="0" i="0" u="none" strike="noStrike">
-                        <a:solidFill>
-                          <a:srgbClr val="000000"/>
-                        </a:solidFill>
-                        <a:effectLst/>
-                        <a:latin typeface="Georgia" panose="02040502050405020303" pitchFamily="18" charset="0"/>
-                      </a:endParaRPr>
-                    </a:p>
-                  </a:txBody>
-                  <a:tcPr marL="9525" marR="9525" marT="9525" marB="0" anchor="ctr"/>
-                </a:tc>
-                <a:tc>
-                  <a:txBody>
-                    <a:bodyPr/>
-                    <a:lstStyle/>
-                    <a:p>
-                      <a:pPr algn="ctr" fontAlgn="ctr"/>
-                      <a:r>
-                        <a:rPr lang="it-IT" sz="1600" u="none" strike="noStrike">
-                          <a:effectLst/>
-                        </a:rPr>
-                        <a:t> </a:t>
-                      </a:r>
-                      <a:endParaRPr lang="it-IT" sz="1600" b="0" i="0" u="none" strike="noStrike">
-                        <a:solidFill>
-                          <a:srgbClr val="000000"/>
-                        </a:solidFill>
-                        <a:effectLst/>
-                        <a:latin typeface="Georgia" panose="02040502050405020303" pitchFamily="18" charset="0"/>
-                      </a:endParaRPr>
-                    </a:p>
-                  </a:txBody>
-                  <a:tcPr marL="9525" marR="9525" marT="9525" marB="0" anchor="ctr"/>
-                </a:tc>
-                <a:tc>
-                  <a:txBody>
-                    <a:bodyPr/>
-                    <a:lstStyle/>
-                    <a:p>
-                      <a:pPr algn="ctr" fontAlgn="ctr"/>
-                      <a:r>
-                        <a:rPr lang="it-IT" sz="1600" u="none" strike="noStrike" dirty="0">
-                          <a:effectLst/>
-                        </a:rPr>
-                        <a:t>1,667</a:t>
-                      </a:r>
-                      <a:endParaRPr lang="it-IT" sz="1600" b="0" i="0" u="none" strike="noStrike" dirty="0">
-                        <a:solidFill>
-                          <a:srgbClr val="000000"/>
-                        </a:solidFill>
-                        <a:effectLst/>
-                        <a:latin typeface="Georgia" panose="02040502050405020303" pitchFamily="18" charset="0"/>
-                      </a:endParaRPr>
-                    </a:p>
-                  </a:txBody>
-                  <a:tcPr marL="9525" marR="9525" marT="9525" marB="0" anchor="ctr"/>
-                </a:tc>
-              </a:tr>
-            </a:tbl>
-          </a:graphicData>
-        </a:graphic>
-      </p:graphicFrame>
-      <p:graphicFrame>
-        <p:nvGraphicFramePr>
           <p:cNvPr id="5" name="Tabella 4"/>
           <p:cNvGraphicFramePr>
             <a:graphicFrameLocks noGrp="1"/>
@@ -12460,13 +12018,13 @@
           <p:nvPr>
             <p:extLst>
               <p:ext uri="{D42A27DB-BD31-4B8C-83A1-F6EECF244321}">
-                <p14:modId xmlns:p14="http://schemas.microsoft.com/office/powerpoint/2010/main" val="2335377464"/>
+                <p14:modId xmlns:p14="http://schemas.microsoft.com/office/powerpoint/2010/main" val="261884442"/>
               </p:ext>
             </p:extLst>
           </p:nvPr>
         </p:nvGraphicFramePr>
         <p:xfrm>
-          <a:off x="5508104" y="2564904"/>
+          <a:off x="2915816" y="2276872"/>
           <a:ext cx="3312368" cy="3888437"/>
         </p:xfrm>
         <a:graphic>
@@ -13231,12 +12789,12 @@
                     <a:p>
                       <a:pPr algn="l" rtl="0" fontAlgn="ctr"/>
                       <a:r>
-                        <a:rPr lang="it-IT" sz="1600" u="none" strike="noStrike">
+                        <a:rPr lang="it-IT" sz="1600" u="none" strike="noStrike" dirty="0">
                           <a:effectLst/>
                         </a:rPr>
                         <a:t>T6</a:t>
                       </a:r>
-                      <a:endParaRPr lang="it-IT" sz="1600" b="0" i="0" u="none" strike="noStrike">
+                      <a:endParaRPr lang="it-IT" sz="1600" b="0" i="0" u="none" strike="noStrike" dirty="0">
                         <a:solidFill>
                           <a:srgbClr val="000000"/>
                         </a:solidFill>
@@ -13355,105 +12913,24 @@
       </p:graphicFrame>
       <p:sp>
         <p:nvSpPr>
-          <p:cNvPr id="6" name="Rettangolo 5"/>
-          <p:cNvSpPr/>
-          <p:nvPr/>
+          <p:cNvPr id="3" name="Segnaposto contenuto 2"/>
+          <p:cNvSpPr>
+            <a:spLocks noGrp="1"/>
+          </p:cNvSpPr>
+          <p:nvPr>
+            <p:ph idx="1"/>
+          </p:nvPr>
         </p:nvSpPr>
-        <p:spPr>
-          <a:xfrm>
-            <a:off x="971600" y="1484784"/>
-            <a:ext cx="1888659" cy="923330"/>
-          </a:xfrm>
-          <a:prstGeom prst="rect">
-            <a:avLst/>
-          </a:prstGeom>
-          <a:noFill/>
-        </p:spPr>
+        <p:spPr/>
         <p:txBody>
-          <a:bodyPr wrap="none" lIns="91440" tIns="45720" rIns="91440" bIns="45720">
-            <a:spAutoFit/>
-          </a:bodyPr>
+          <a:bodyPr/>
           <a:lstStyle/>
           <a:p>
-            <a:pPr algn="ctr"/>
-            <a:r>
-              <a:rPr lang="it-IT" sz="5400" dirty="0" smtClean="0">
-                <a:ln w="0"/>
-                <a:effectLst>
-                  <a:outerShdw blurRad="38100" dist="19050" dir="2700000" algn="tl" rotWithShape="0">
-                    <a:schemeClr val="dk1">
-                      <a:alpha val="40000"/>
-                    </a:schemeClr>
-                  </a:outerShdw>
-                </a:effectLst>
-              </a:rPr>
-              <a:t>Prima</a:t>
-            </a:r>
-            <a:endParaRPr lang="it-IT" sz="5400" dirty="0">
-              <a:ln w="0"/>
-              <a:effectLst>
-                <a:outerShdw blurRad="38100" dist="19050" dir="2700000" algn="tl" rotWithShape="0">
-                  <a:schemeClr val="dk1">
-                    <a:alpha val="40000"/>
-                  </a:schemeClr>
-                </a:outerShdw>
-              </a:effectLst>
-            </a:endParaRPr>
-          </a:p>
-        </p:txBody>
-      </p:sp>
-      <p:sp>
-        <p:nvSpPr>
-          <p:cNvPr id="7" name="Rettangolo 6"/>
-          <p:cNvSpPr/>
-          <p:nvPr/>
-        </p:nvSpPr>
-        <p:spPr>
-          <a:xfrm>
-            <a:off x="6156176" y="1483648"/>
-            <a:ext cx="1720343" cy="923330"/>
-          </a:xfrm>
-          <a:prstGeom prst="rect">
-            <a:avLst/>
-          </a:prstGeom>
-          <a:noFill/>
-        </p:spPr>
-        <p:txBody>
-          <a:bodyPr wrap="none" lIns="91440" tIns="45720" rIns="91440" bIns="45720">
-            <a:spAutoFit/>
-          </a:bodyPr>
-          <a:lstStyle/>
-          <a:p>
-            <a:pPr algn="ctr"/>
-            <a:r>
-              <a:rPr lang="it-IT" sz="5400" b="0" cap="none" spc="0" dirty="0" smtClean="0">
-                <a:ln w="0"/>
-                <a:solidFill>
-                  <a:schemeClr val="tx1"/>
-                </a:solidFill>
-                <a:effectLst>
-                  <a:outerShdw blurRad="38100" dist="19050" dir="2700000" algn="tl" rotWithShape="0">
-                    <a:schemeClr val="dk1">
-                      <a:alpha val="40000"/>
-                    </a:schemeClr>
-                  </a:outerShdw>
-                </a:effectLst>
-              </a:rPr>
-              <a:t>Dopo</a:t>
-            </a:r>
-            <a:endParaRPr lang="it-IT" sz="5400" b="0" cap="none" spc="0" dirty="0">
-              <a:ln w="0"/>
-              <a:solidFill>
-                <a:schemeClr val="tx1"/>
-              </a:solidFill>
-              <a:effectLst>
-                <a:outerShdw blurRad="38100" dist="19050" dir="2700000" algn="tl" rotWithShape="0">
-                  <a:schemeClr val="dk1">
-                    <a:alpha val="40000"/>
-                  </a:schemeClr>
-                </a:outerShdw>
-              </a:effectLst>
-            </a:endParaRPr>
+            <a:r>
+              <a:rPr lang="it-IT" dirty="0" smtClean="0"/>
+              <a:t>Medie questionario dopo le modifiche</a:t>
+            </a:r>
+            <a:endParaRPr lang="it-IT" dirty="0"/>
           </a:p>
         </p:txBody>
       </p:sp>
@@ -13488,7 +12965,7 @@
                             </p:stCondLst>
                             <p:childTnLst>
                               <p:par>
-                                <p:cTn id="5" presetID="2" presetClass="entr" presetSubtype="4" fill="hold" grpId="0" nodeType="clickEffect">
+                                <p:cTn id="5" presetID="2" presetClass="entr" presetSubtype="4" fill="hold" nodeType="clickEffect">
                                   <p:stCondLst>
                                     <p:cond delay="0"/>
                                   </p:stCondLst>
@@ -13501,7 +12978,7 @@
                                           </p:stCondLst>
                                         </p:cTn>
                                         <p:tgtEl>
-                                          <p:spTgt spid="6"/>
+                                          <p:spTgt spid="5"/>
                                         </p:tgtEl>
                                         <p:attrNameLst>
                                           <p:attrName>style.visibility</p:attrName>
@@ -13515,7 +12992,7 @@
                                       <p:cBhvr additive="base">
                                         <p:cTn id="7" dur="500" fill="hold"/>
                                         <p:tgtEl>
-                                          <p:spTgt spid="6"/>
+                                          <p:spTgt spid="5"/>
                                         </p:tgtEl>
                                         <p:attrNameLst>
                                           <p:attrName>ppt_x</p:attrName>
@@ -13537,279 +13014,6 @@
                                     <p:anim calcmode="lin" valueType="num">
                                       <p:cBhvr additive="base">
                                         <p:cTn id="8" dur="500" fill="hold"/>
-                                        <p:tgtEl>
-                                          <p:spTgt spid="6"/>
-                                        </p:tgtEl>
-                                        <p:attrNameLst>
-                                          <p:attrName>ppt_y</p:attrName>
-                                        </p:attrNameLst>
-                                      </p:cBhvr>
-                                      <p:tavLst>
-                                        <p:tav tm="0">
-                                          <p:val>
-                                            <p:strVal val="1+#ppt_h/2"/>
-                                          </p:val>
-                                        </p:tav>
-                                        <p:tav tm="100000">
-                                          <p:val>
-                                            <p:strVal val="#ppt_y"/>
-                                          </p:val>
-                                        </p:tav>
-                                      </p:tavLst>
-                                    </p:anim>
-                                  </p:childTnLst>
-                                </p:cTn>
-                              </p:par>
-                            </p:childTnLst>
-                          </p:cTn>
-                        </p:par>
-                      </p:childTnLst>
-                    </p:cTn>
-                  </p:par>
-                  <p:par>
-                    <p:cTn id="9" fill="hold">
-                      <p:stCondLst>
-                        <p:cond delay="indefinite"/>
-                      </p:stCondLst>
-                      <p:childTnLst>
-                        <p:par>
-                          <p:cTn id="10" fill="hold">
-                            <p:stCondLst>
-                              <p:cond delay="0"/>
-                            </p:stCondLst>
-                            <p:childTnLst>
-                              <p:par>
-                                <p:cTn id="11" presetID="2" presetClass="entr" presetSubtype="4" fill="hold" nodeType="clickEffect">
-                                  <p:stCondLst>
-                                    <p:cond delay="0"/>
-                                  </p:stCondLst>
-                                  <p:childTnLst>
-                                    <p:set>
-                                      <p:cBhvr>
-                                        <p:cTn id="12" dur="1" fill="hold">
-                                          <p:stCondLst>
-                                            <p:cond delay="0"/>
-                                          </p:stCondLst>
-                                        </p:cTn>
-                                        <p:tgtEl>
-                                          <p:spTgt spid="4"/>
-                                        </p:tgtEl>
-                                        <p:attrNameLst>
-                                          <p:attrName>style.visibility</p:attrName>
-                                        </p:attrNameLst>
-                                      </p:cBhvr>
-                                      <p:to>
-                                        <p:strVal val="visible"/>
-                                      </p:to>
-                                    </p:set>
-                                    <p:anim calcmode="lin" valueType="num">
-                                      <p:cBhvr additive="base">
-                                        <p:cTn id="13" dur="500" fill="hold"/>
-                                        <p:tgtEl>
-                                          <p:spTgt spid="4"/>
-                                        </p:tgtEl>
-                                        <p:attrNameLst>
-                                          <p:attrName>ppt_x</p:attrName>
-                                        </p:attrNameLst>
-                                      </p:cBhvr>
-                                      <p:tavLst>
-                                        <p:tav tm="0">
-                                          <p:val>
-                                            <p:strVal val="#ppt_x"/>
-                                          </p:val>
-                                        </p:tav>
-                                        <p:tav tm="100000">
-                                          <p:val>
-                                            <p:strVal val="#ppt_x"/>
-                                          </p:val>
-                                        </p:tav>
-                                      </p:tavLst>
-                                    </p:anim>
-                                    <p:anim calcmode="lin" valueType="num">
-                                      <p:cBhvr additive="base">
-                                        <p:cTn id="14" dur="500" fill="hold"/>
-                                        <p:tgtEl>
-                                          <p:spTgt spid="4"/>
-                                        </p:tgtEl>
-                                        <p:attrNameLst>
-                                          <p:attrName>ppt_y</p:attrName>
-                                        </p:attrNameLst>
-                                      </p:cBhvr>
-                                      <p:tavLst>
-                                        <p:tav tm="0">
-                                          <p:val>
-                                            <p:strVal val="1+#ppt_h/2"/>
-                                          </p:val>
-                                        </p:tav>
-                                        <p:tav tm="100000">
-                                          <p:val>
-                                            <p:strVal val="#ppt_y"/>
-                                          </p:val>
-                                        </p:tav>
-                                      </p:tavLst>
-                                    </p:anim>
-                                  </p:childTnLst>
-                                </p:cTn>
-                              </p:par>
-                            </p:childTnLst>
-                          </p:cTn>
-                        </p:par>
-                      </p:childTnLst>
-                    </p:cTn>
-                  </p:par>
-                  <p:par>
-                    <p:cTn id="15" fill="hold">
-                      <p:stCondLst>
-                        <p:cond delay="indefinite"/>
-                      </p:stCondLst>
-                      <p:childTnLst>
-                        <p:par>
-                          <p:cTn id="16" fill="hold">
-                            <p:stCondLst>
-                              <p:cond delay="0"/>
-                            </p:stCondLst>
-                            <p:childTnLst>
-                              <p:par>
-                                <p:cTn id="17" presetID="2" presetClass="entr" presetSubtype="4" fill="hold" grpId="0" nodeType="clickEffect">
-                                  <p:stCondLst>
-                                    <p:cond delay="0"/>
-                                  </p:stCondLst>
-                                  <p:childTnLst>
-                                    <p:set>
-                                      <p:cBhvr>
-                                        <p:cTn id="18" dur="1" fill="hold">
-                                          <p:stCondLst>
-                                            <p:cond delay="0"/>
-                                          </p:stCondLst>
-                                        </p:cTn>
-                                        <p:tgtEl>
-                                          <p:spTgt spid="7"/>
-                                        </p:tgtEl>
-                                        <p:attrNameLst>
-                                          <p:attrName>style.visibility</p:attrName>
-                                        </p:attrNameLst>
-                                      </p:cBhvr>
-                                      <p:to>
-                                        <p:strVal val="visible"/>
-                                      </p:to>
-                                    </p:set>
-                                    <p:anim calcmode="lin" valueType="num">
-                                      <p:cBhvr additive="base">
-                                        <p:cTn id="19" dur="500" fill="hold"/>
-                                        <p:tgtEl>
-                                          <p:spTgt spid="7"/>
-                                        </p:tgtEl>
-                                        <p:attrNameLst>
-                                          <p:attrName>ppt_x</p:attrName>
-                                        </p:attrNameLst>
-                                      </p:cBhvr>
-                                      <p:tavLst>
-                                        <p:tav tm="0">
-                                          <p:val>
-                                            <p:strVal val="#ppt_x"/>
-                                          </p:val>
-                                        </p:tav>
-                                        <p:tav tm="100000">
-                                          <p:val>
-                                            <p:strVal val="#ppt_x"/>
-                                          </p:val>
-                                        </p:tav>
-                                      </p:tavLst>
-                                    </p:anim>
-                                    <p:anim calcmode="lin" valueType="num">
-                                      <p:cBhvr additive="base">
-                                        <p:cTn id="20" dur="500" fill="hold"/>
-                                        <p:tgtEl>
-                                          <p:spTgt spid="7"/>
-                                        </p:tgtEl>
-                                        <p:attrNameLst>
-                                          <p:attrName>ppt_y</p:attrName>
-                                        </p:attrNameLst>
-                                      </p:cBhvr>
-                                      <p:tavLst>
-                                        <p:tav tm="0">
-                                          <p:val>
-                                            <p:strVal val="1+#ppt_h/2"/>
-                                          </p:val>
-                                        </p:tav>
-                                        <p:tav tm="100000">
-                                          <p:val>
-                                            <p:strVal val="#ppt_y"/>
-                                          </p:val>
-                                        </p:tav>
-                                      </p:tavLst>
-                                    </p:anim>
-                                  </p:childTnLst>
-                                </p:cTn>
-                              </p:par>
-                            </p:childTnLst>
-                          </p:cTn>
-                        </p:par>
-                      </p:childTnLst>
-                    </p:cTn>
-                  </p:par>
-                  <p:par>
-                    <p:cTn id="21" fill="hold">
-                      <p:stCondLst>
-                        <p:cond delay="indefinite"/>
-                      </p:stCondLst>
-                      <p:childTnLst>
-                        <p:par>
-                          <p:cTn id="22" fill="hold">
-                            <p:stCondLst>
-                              <p:cond delay="0"/>
-                            </p:stCondLst>
-                            <p:childTnLst>
-                              <p:par>
-                                <p:cTn id="23" presetID="2" presetClass="entr" presetSubtype="4" fill="hold" nodeType="clickEffect">
-                                  <p:stCondLst>
-                                    <p:cond delay="0"/>
-                                  </p:stCondLst>
-                                  <p:childTnLst>
-                                    <p:set>
-                                      <p:cBhvr>
-                                        <p:cTn id="24" dur="1" fill="hold">
-                                          <p:stCondLst>
-                                            <p:cond delay="0"/>
-                                          </p:stCondLst>
-                                        </p:cTn>
-                                        <p:tgtEl>
-                                          <p:spTgt spid="5"/>
-                                        </p:tgtEl>
-                                        <p:attrNameLst>
-                                          <p:attrName>style.visibility</p:attrName>
-                                        </p:attrNameLst>
-                                      </p:cBhvr>
-                                      <p:to>
-                                        <p:strVal val="visible"/>
-                                      </p:to>
-                                    </p:set>
-                                    <p:anim calcmode="lin" valueType="num">
-                                      <p:cBhvr additive="base">
-                                        <p:cTn id="25" dur="500" fill="hold"/>
-                                        <p:tgtEl>
-                                          <p:spTgt spid="5"/>
-                                        </p:tgtEl>
-                                        <p:attrNameLst>
-                                          <p:attrName>ppt_x</p:attrName>
-                                        </p:attrNameLst>
-                                      </p:cBhvr>
-                                      <p:tavLst>
-                                        <p:tav tm="0">
-                                          <p:val>
-                                            <p:strVal val="#ppt_x"/>
-                                          </p:val>
-                                        </p:tav>
-                                        <p:tav tm="100000">
-                                          <p:val>
-                                            <p:strVal val="#ppt_x"/>
-                                          </p:val>
-                                        </p:tav>
-                                      </p:tavLst>
-                                    </p:anim>
-                                    <p:anim calcmode="lin" valueType="num">
-                                      <p:cBhvr additive="base">
-                                        <p:cTn id="26" dur="500" fill="hold"/>
                                         <p:tgtEl>
                                           <p:spTgt spid="5"/>
                                         </p:tgtEl>
@@ -13860,10 +13064,6 @@
         </p:cTn>
       </p:par>
     </p:tnLst>
-    <p:bldLst>
-      <p:bldP spid="6" grpId="0"/>
-      <p:bldP spid="7" grpId="0"/>
-    </p:bldLst>
   </p:timing>
 </p:sld>
 </file>
@@ -18312,186 +17512,399 @@
                 <a:latin typeface="Calibri" panose="020F0502020204030204" pitchFamily="34" charset="0"/>
                 <a:cs typeface="Calibri" panose="020F0502020204030204" pitchFamily="34" charset="0"/>
               </a:rPr>
-              <a:t>Profili</a:t>
-            </a:r>
-            <a:r>
-              <a:rPr lang="it-IT" dirty="0">
-                <a:latin typeface="Calibri" panose="020F0502020204030204" pitchFamily="34" charset="0"/>
-                <a:cs typeface="Calibri" panose="020F0502020204030204" pitchFamily="34" charset="0"/>
-              </a:rPr>
-              <a:t> utente</a:t>
-            </a:r>
+              <a:t>Descrizione dei task</a:t>
+            </a:r>
+            <a:endParaRPr lang="it-IT" dirty="0">
+              <a:latin typeface="Calibri" panose="020F0502020204030204" pitchFamily="34" charset="0"/>
+              <a:cs typeface="Calibri" panose="020F0502020204030204" pitchFamily="34" charset="0"/>
+            </a:endParaRPr>
           </a:p>
         </p:txBody>
       </p:sp>
-      <p:sp>
-        <p:nvSpPr>
-          <p:cNvPr id="6" name="CasellaDiTesto 5"/>
-          <p:cNvSpPr txBox="1"/>
-          <p:nvPr/>
-        </p:nvSpPr>
-        <p:spPr>
-          <a:xfrm>
-            <a:off x="304800" y="1484784"/>
-            <a:ext cx="5275312" cy="4278094"/>
-          </a:xfrm>
-          <a:prstGeom prst="rect">
-            <a:avLst/>
-          </a:prstGeom>
-          <a:noFill/>
-        </p:spPr>
-        <p:txBody>
-          <a:bodyPr wrap="square" rtlCol="0">
-            <a:spAutoFit/>
-          </a:bodyPr>
-          <a:lstStyle/>
-          <a:p>
-            <a:r>
-              <a:rPr lang="it-IT" sz="3600" dirty="0" smtClean="0">
-                <a:effectLst>
-                  <a:outerShdw blurRad="38100" dist="38100" dir="2700000" algn="tl">
-                    <a:srgbClr val="000000">
-                      <a:alpha val="43137"/>
-                    </a:srgbClr>
-                  </a:outerShdw>
-                </a:effectLst>
-              </a:rPr>
-              <a:t>Nome: Lucia </a:t>
-            </a:r>
-          </a:p>
-          <a:p>
-            <a:endParaRPr lang="it-IT" sz="3600" dirty="0" smtClean="0">
-              <a:effectLst>
-                <a:outerShdw blurRad="38100" dist="38100" dir="2700000" algn="tl">
-                  <a:srgbClr val="000000">
-                    <a:alpha val="43137"/>
-                  </a:srgbClr>
-                </a:outerShdw>
-              </a:effectLst>
-            </a:endParaRPr>
-          </a:p>
-          <a:p>
-            <a:r>
-              <a:rPr lang="it-IT" sz="3600" dirty="0" smtClean="0">
-                <a:effectLst>
-                  <a:outerShdw blurRad="38100" dist="38100" dir="2700000" algn="tl">
-                    <a:srgbClr val="000000">
-                      <a:alpha val="43137"/>
-                    </a:srgbClr>
-                  </a:outerShdw>
-                </a:effectLst>
-              </a:rPr>
-              <a:t>Età: 17 anni</a:t>
-            </a:r>
-          </a:p>
-          <a:p>
-            <a:endParaRPr lang="it-IT" sz="3600" dirty="0" smtClean="0">
-              <a:effectLst>
-                <a:outerShdw blurRad="38100" dist="38100" dir="2700000" algn="tl">
-                  <a:srgbClr val="000000">
-                    <a:alpha val="43137"/>
-                  </a:srgbClr>
-                </a:outerShdw>
-              </a:effectLst>
-            </a:endParaRPr>
-          </a:p>
-          <a:p>
-            <a:r>
-              <a:rPr lang="it-IT" sz="3600" dirty="0" smtClean="0">
-                <a:effectLst>
-                  <a:outerShdw blurRad="38100" dist="38100" dir="2700000" algn="tl">
-                    <a:srgbClr val="000000">
-                      <a:alpha val="43137"/>
-                    </a:srgbClr>
-                  </a:outerShdw>
-                </a:effectLst>
-              </a:rPr>
-              <a:t>Occupazione: Studente</a:t>
-            </a:r>
-          </a:p>
-          <a:p>
-            <a:endParaRPr lang="it-IT" sz="3600" dirty="0" smtClean="0">
-              <a:effectLst>
-                <a:outerShdw blurRad="38100" dist="38100" dir="2700000" algn="tl">
-                  <a:srgbClr val="000000">
-                    <a:alpha val="43137"/>
-                  </a:srgbClr>
-                </a:outerShdw>
-              </a:effectLst>
-            </a:endParaRPr>
-          </a:p>
-          <a:p>
-            <a:r>
-              <a:rPr lang="it-IT" sz="3600" dirty="0" smtClean="0">
-                <a:effectLst>
-                  <a:outerShdw blurRad="38100" dist="38100" dir="2700000" algn="tl">
-                    <a:srgbClr val="000000">
-                      <a:alpha val="43137"/>
-                    </a:srgbClr>
-                  </a:outerShdw>
-                </a:effectLst>
-              </a:rPr>
-              <a:t>Vittima di cyber bullismo</a:t>
-            </a:r>
-            <a:r>
-              <a:rPr lang="it-IT" dirty="0"/>
-              <a:t/>
-            </a:r>
-            <a:br>
-              <a:rPr lang="it-IT" dirty="0"/>
-            </a:br>
-            <a:endParaRPr lang="it-IT" sz="2000" dirty="0">
-              <a:effectLst>
-                <a:outerShdw blurRad="38100" dist="38100" dir="2700000" algn="tl">
-                  <a:srgbClr val="000000">
-                    <a:alpha val="43137"/>
-                  </a:srgbClr>
-                </a:outerShdw>
-              </a:effectLst>
-            </a:endParaRPr>
-          </a:p>
-        </p:txBody>
-      </p:sp>
-      <p:pic>
-        <p:nvPicPr>
-          <p:cNvPr id="5" name="Immagine 4" descr="C:\Users\Utente\Desktop\ragazzaascuola.jpg"/>
-          <p:cNvPicPr/>
-          <p:nvPr/>
-        </p:nvPicPr>
-        <p:blipFill>
-          <a:blip r:embed="rId2">
-            <a:extLst>
-              <a:ext uri="{28A0092B-C50C-407E-A947-70E740481C1C}">
-                <a14:useLocalDpi xmlns:a14="http://schemas.microsoft.com/office/drawing/2010/main" val="0"/>
-              </a:ext>
-            </a:extLst>
-          </a:blip>
-          <a:srcRect/>
-          <a:stretch>
-            <a:fillRect/>
-          </a:stretch>
-        </p:blipFill>
-        <p:spPr bwMode="auto">
-          <a:xfrm>
-            <a:off x="5796136" y="1557610"/>
-            <a:ext cx="3096344" cy="2735486"/>
-          </a:xfrm>
-          <a:prstGeom prst="rect">
-            <a:avLst/>
-          </a:prstGeom>
-          <a:noFill/>
-          <a:ln>
-            <a:noFill/>
-          </a:ln>
-          <a:effectLst>
-            <a:softEdge rad="127000"/>
-          </a:effectLst>
-        </p:spPr>
-      </p:pic>
+      <p:graphicFrame>
+        <p:nvGraphicFramePr>
+          <p:cNvPr id="6" name="Tabella 5"/>
+          <p:cNvGraphicFramePr>
+            <a:graphicFrameLocks noGrp="1"/>
+          </p:cNvGraphicFramePr>
+          <p:nvPr>
+            <p:extLst>
+              <p:ext uri="{D42A27DB-BD31-4B8C-83A1-F6EECF244321}">
+                <p14:modId xmlns:p14="http://schemas.microsoft.com/office/powerpoint/2010/main" val="2970983918"/>
+              </p:ext>
+            </p:extLst>
+          </p:nvPr>
+        </p:nvGraphicFramePr>
+        <p:xfrm>
+          <a:off x="1367796" y="1271262"/>
+          <a:ext cx="2136136" cy="5057896"/>
+        </p:xfrm>
+        <a:graphic>
+          <a:graphicData uri="http://schemas.openxmlformats.org/drawingml/2006/table">
+            <a:tbl>
+              <a:tblPr firstRow="1" bandRow="1">
+                <a:tableStyleId>{93296810-A885-4BE3-A3E7-6D5BEEA58F35}</a:tableStyleId>
+              </a:tblPr>
+              <a:tblGrid>
+                <a:gridCol w="2136136">
+                  <a:extLst>
+                    <a:ext uri="{9D8B030D-6E8A-4147-A177-3AD203B41FA5}">
+                      <a16:colId xmlns:a16="http://schemas.microsoft.com/office/drawing/2014/main" xmlns="" val="20000"/>
+                    </a:ext>
+                  </a:extLst>
+                </a:gridCol>
+              </a:tblGrid>
+              <a:tr h="341091">
+                <a:tc>
+                  <a:txBody>
+                    <a:bodyPr/>
+                    <a:lstStyle/>
+                    <a:p>
+                      <a:r>
+                        <a:rPr lang="it-IT" dirty="0"/>
+                        <a:t>Gianpiero</a:t>
+                      </a:r>
+                    </a:p>
+                  </a:txBody>
+                  <a:tcPr/>
+                </a:tc>
+                <a:extLst>
+                  <a:ext uri="{0D108BD9-81ED-4DB2-BD59-A6C34878D82A}">
+                    <a16:rowId xmlns:a16="http://schemas.microsoft.com/office/drawing/2014/main" xmlns="" val="10000"/>
+                  </a:ext>
+                </a:extLst>
+              </a:tr>
+              <a:tr h="596909">
+                <a:tc>
+                  <a:txBody>
+                    <a:bodyPr/>
+                    <a:lstStyle/>
+                    <a:p>
+                      <a:pPr algn="ctr"/>
+                      <a:r>
+                        <a:rPr lang="it-IT" dirty="0">
+                          <a:solidFill>
+                            <a:schemeClr val="accent6">
+                              <a:lumMod val="75000"/>
+                            </a:schemeClr>
+                          </a:solidFill>
+                        </a:rPr>
+                        <a:t>Task</a:t>
+                      </a:r>
+                    </a:p>
+                  </a:txBody>
+                  <a:tcPr/>
+                </a:tc>
+                <a:extLst>
+                  <a:ext uri="{0D108BD9-81ED-4DB2-BD59-A6C34878D82A}">
+                    <a16:rowId xmlns:a16="http://schemas.microsoft.com/office/drawing/2014/main" xmlns="" val="10001"/>
+                  </a:ext>
+                </a:extLst>
+              </a:tr>
+              <a:tr h="767454">
+                <a:tc>
+                  <a:txBody>
+                    <a:bodyPr/>
+                    <a:lstStyle/>
+                    <a:p>
+                      <a:r>
+                        <a:rPr lang="it-IT" sz="1600" dirty="0"/>
+                        <a:t>Consultare informazioni sul bullismo</a:t>
+                      </a:r>
+                    </a:p>
+                  </a:txBody>
+                  <a:tcPr/>
+                </a:tc>
+                <a:extLst>
+                  <a:ext uri="{0D108BD9-81ED-4DB2-BD59-A6C34878D82A}">
+                    <a16:rowId xmlns:a16="http://schemas.microsoft.com/office/drawing/2014/main" xmlns="" val="10002"/>
+                  </a:ext>
+                </a:extLst>
+              </a:tr>
+              <a:tr h="994847">
+                <a:tc>
+                  <a:txBody>
+                    <a:bodyPr/>
+                    <a:lstStyle/>
+                    <a:p>
+                      <a:r>
+                        <a:rPr lang="it-IT" sz="1600" dirty="0"/>
+                        <a:t>Consultare informazioni sul cyberbullismo</a:t>
+                      </a:r>
+                    </a:p>
+                  </a:txBody>
+                  <a:tcPr/>
+                </a:tc>
+                <a:extLst>
+                  <a:ext uri="{0D108BD9-81ED-4DB2-BD59-A6C34878D82A}">
+                    <a16:rowId xmlns:a16="http://schemas.microsoft.com/office/drawing/2014/main" xmlns="" val="10003"/>
+                  </a:ext>
+                </a:extLst>
+              </a:tr>
+              <a:tr h="540060">
+                <a:tc>
+                  <a:txBody>
+                    <a:bodyPr/>
+                    <a:lstStyle/>
+                    <a:p>
+                      <a:r>
+                        <a:rPr kumimoji="0" lang="it-IT" sz="1600" b="0" i="0" kern="1200" dirty="0">
+                          <a:solidFill>
+                            <a:schemeClr val="dk1"/>
+                          </a:solidFill>
+                          <a:effectLst/>
+                          <a:latin typeface="+mn-lt"/>
+                          <a:ea typeface="+mn-ea"/>
+                          <a:cs typeface="+mn-cs"/>
+                        </a:rPr>
+                        <a:t>Richiedere aiuto</a:t>
+                      </a:r>
+                      <a:endParaRPr lang="it-IT" sz="1600" b="0" i="0" dirty="0"/>
+                    </a:p>
+                  </a:txBody>
+                  <a:tcPr/>
+                </a:tc>
+                <a:extLst>
+                  <a:ext uri="{0D108BD9-81ED-4DB2-BD59-A6C34878D82A}">
+                    <a16:rowId xmlns:a16="http://schemas.microsoft.com/office/drawing/2014/main" xmlns="" val="10004"/>
+                  </a:ext>
+                </a:extLst>
+              </a:tr>
+              <a:tr h="540060">
+                <a:tc>
+                  <a:txBody>
+                    <a:bodyPr/>
+                    <a:lstStyle/>
+                    <a:p>
+                      <a:r>
+                        <a:rPr lang="it-IT" sz="1600" b="0" i="0" dirty="0"/>
+                        <a:t>Condividere la propria esperienza</a:t>
+                      </a:r>
+                    </a:p>
+                  </a:txBody>
+                  <a:tcPr/>
+                </a:tc>
+                <a:extLst>
+                  <a:ext uri="{0D108BD9-81ED-4DB2-BD59-A6C34878D82A}">
+                    <a16:rowId xmlns:a16="http://schemas.microsoft.com/office/drawing/2014/main" xmlns="" val="1014700042"/>
+                  </a:ext>
+                </a:extLst>
+              </a:tr>
+              <a:tr h="540060">
+                <a:tc>
+                  <a:txBody>
+                    <a:bodyPr/>
+                    <a:lstStyle/>
+                    <a:p>
+                      <a:r>
+                        <a:rPr lang="it-IT" sz="1600" b="0" i="0" dirty="0"/>
+                        <a:t>Imparare metodi di prevenzione</a:t>
+                      </a:r>
+                    </a:p>
+                  </a:txBody>
+                  <a:tcPr/>
+                </a:tc>
+                <a:extLst>
+                  <a:ext uri="{0D108BD9-81ED-4DB2-BD59-A6C34878D82A}">
+                    <a16:rowId xmlns:a16="http://schemas.microsoft.com/office/drawing/2014/main" xmlns="" val="2008388912"/>
+                  </a:ext>
+                </a:extLst>
+              </a:tr>
+              <a:tr h="540060">
+                <a:tc>
+                  <a:txBody>
+                    <a:bodyPr/>
+                    <a:lstStyle/>
+                    <a:p>
+                      <a:r>
+                        <a:rPr lang="it-IT" sz="1600" b="0" i="0" dirty="0"/>
+                        <a:t>Valutare situazione dei propri figli</a:t>
+                      </a:r>
+                    </a:p>
+                  </a:txBody>
+                  <a:tcPr/>
+                </a:tc>
+                <a:extLst>
+                  <a:ext uri="{0D108BD9-81ED-4DB2-BD59-A6C34878D82A}">
+                    <a16:rowId xmlns:a16="http://schemas.microsoft.com/office/drawing/2014/main" xmlns="" val="3286170515"/>
+                  </a:ext>
+                </a:extLst>
+              </a:tr>
+            </a:tbl>
+          </a:graphicData>
+        </a:graphic>
+      </p:graphicFrame>
+      <p:graphicFrame>
+        <p:nvGraphicFramePr>
+          <p:cNvPr id="2" name="Tabella 1"/>
+          <p:cNvGraphicFramePr>
+            <a:graphicFrameLocks noGrp="1"/>
+          </p:cNvGraphicFramePr>
+          <p:nvPr>
+            <p:extLst>
+              <p:ext uri="{D42A27DB-BD31-4B8C-83A1-F6EECF244321}">
+                <p14:modId xmlns:p14="http://schemas.microsoft.com/office/powerpoint/2010/main" val="2094839515"/>
+              </p:ext>
+            </p:extLst>
+          </p:nvPr>
+        </p:nvGraphicFramePr>
+        <p:xfrm>
+          <a:off x="5148064" y="1295400"/>
+          <a:ext cx="2136136" cy="5057896"/>
+        </p:xfrm>
+        <a:graphic>
+          <a:graphicData uri="http://schemas.openxmlformats.org/drawingml/2006/table">
+            <a:tbl>
+              <a:tblPr firstRow="1" bandRow="1">
+                <a:tableStyleId>{93296810-A885-4BE3-A3E7-6D5BEEA58F35}</a:tableStyleId>
+              </a:tblPr>
+              <a:tblGrid>
+                <a:gridCol w="2136136"/>
+              </a:tblGrid>
+              <a:tr h="341091">
+                <a:tc>
+                  <a:txBody>
+                    <a:bodyPr/>
+                    <a:lstStyle/>
+                    <a:p>
+                      <a:r>
+                        <a:rPr lang="it-IT" dirty="0"/>
+                        <a:t>Annamaria</a:t>
+                      </a:r>
+                    </a:p>
+                  </a:txBody>
+                  <a:tcPr/>
+                </a:tc>
+              </a:tr>
+              <a:tr h="596909">
+                <a:tc>
+                  <a:txBody>
+                    <a:bodyPr/>
+                    <a:lstStyle/>
+                    <a:p>
+                      <a:pPr algn="ctr"/>
+                      <a:r>
+                        <a:rPr lang="it-IT" dirty="0">
+                          <a:solidFill>
+                            <a:schemeClr val="accent6">
+                              <a:lumMod val="75000"/>
+                            </a:schemeClr>
+                          </a:solidFill>
+                        </a:rPr>
+                        <a:t>Task</a:t>
+                      </a:r>
+                    </a:p>
+                  </a:txBody>
+                  <a:tcPr/>
+                </a:tc>
+              </a:tr>
+              <a:tr h="767454">
+                <a:tc>
+                  <a:txBody>
+                    <a:bodyPr/>
+                    <a:lstStyle/>
+                    <a:p>
+                      <a:r>
+                        <a:rPr lang="it-IT" sz="1600" dirty="0"/>
+                        <a:t>Consultare informazioni sul bullismo</a:t>
+                      </a:r>
+                    </a:p>
+                  </a:txBody>
+                  <a:tcPr/>
+                </a:tc>
+              </a:tr>
+              <a:tr h="994847">
+                <a:tc>
+                  <a:txBody>
+                    <a:bodyPr/>
+                    <a:lstStyle/>
+                    <a:p>
+                      <a:r>
+                        <a:rPr lang="it-IT" sz="1600" dirty="0"/>
+                        <a:t>Consultare informazioni sul cyberbullismo</a:t>
+                      </a:r>
+                    </a:p>
+                  </a:txBody>
+                  <a:tcPr/>
+                </a:tc>
+              </a:tr>
+              <a:tr h="540060">
+                <a:tc>
+                  <a:txBody>
+                    <a:bodyPr/>
+                    <a:lstStyle/>
+                    <a:p>
+                      <a:r>
+                        <a:rPr kumimoji="0" lang="it-IT" sz="1600" b="0" i="0" kern="1200" dirty="0">
+                          <a:solidFill>
+                            <a:schemeClr val="dk1"/>
+                          </a:solidFill>
+                          <a:effectLst/>
+                          <a:latin typeface="+mn-lt"/>
+                          <a:ea typeface="+mn-ea"/>
+                          <a:cs typeface="+mn-cs"/>
+                        </a:rPr>
+                        <a:t>Richiedere aiuto</a:t>
+                      </a:r>
+                      <a:endParaRPr lang="it-IT" sz="1600" b="0" i="0" dirty="0"/>
+                    </a:p>
+                  </a:txBody>
+                  <a:tcPr/>
+                </a:tc>
+              </a:tr>
+              <a:tr h="540060">
+                <a:tc>
+                  <a:txBody>
+                    <a:bodyPr/>
+                    <a:lstStyle/>
+                    <a:p>
+                      <a:r>
+                        <a:rPr lang="it-IT" sz="1600" b="0" i="0" dirty="0"/>
+                        <a:t>Condividere la propria esperienza</a:t>
+                      </a:r>
+                    </a:p>
+                  </a:txBody>
+                  <a:tcPr/>
+                </a:tc>
+              </a:tr>
+              <a:tr h="540060">
+                <a:tc>
+                  <a:txBody>
+                    <a:bodyPr/>
+                    <a:lstStyle/>
+                    <a:p>
+                      <a:r>
+                        <a:rPr lang="it-IT" sz="1600" b="0" i="0" dirty="0"/>
+                        <a:t>Imparare metodi di prevenzione</a:t>
+                      </a:r>
+                    </a:p>
+                  </a:txBody>
+                  <a:tcPr/>
+                </a:tc>
+              </a:tr>
+              <a:tr h="540060">
+                <a:tc>
+                  <a:txBody>
+                    <a:bodyPr/>
+                    <a:lstStyle/>
+                    <a:p>
+                      <a:r>
+                        <a:rPr lang="it-IT" sz="1600" b="0" i="0" dirty="0"/>
+                        <a:t>Valutare situazione dei propri figli</a:t>
+                      </a:r>
+                    </a:p>
+                  </a:txBody>
+                  <a:tcPr/>
+                </a:tc>
+              </a:tr>
+            </a:tbl>
+          </a:graphicData>
+        </a:graphic>
+      </p:graphicFrame>
     </p:spTree>
     <p:extLst>
       <p:ext uri="{BB962C8B-B14F-4D97-AF65-F5344CB8AC3E}">
-        <p14:creationId xmlns:p14="http://schemas.microsoft.com/office/powerpoint/2010/main" val="2078390612"/>
+        <p14:creationId xmlns:p14="http://schemas.microsoft.com/office/powerpoint/2010/main" val="813295003"/>
       </p:ext>
     </p:extLst>
   </p:cSld>
@@ -18532,7 +17945,7 @@
                                           </p:stCondLst>
                                         </p:cTn>
                                         <p:tgtEl>
-                                          <p:spTgt spid="5"/>
+                                          <p:spTgt spid="6"/>
                                         </p:tgtEl>
                                         <p:attrNameLst>
                                           <p:attrName>style.visibility</p:attrName>
@@ -18546,7 +17959,7 @@
                                       <p:cBhvr additive="base">
                                         <p:cTn id="7" dur="500" fill="hold"/>
                                         <p:tgtEl>
-                                          <p:spTgt spid="5"/>
+                                          <p:spTgt spid="6"/>
                                         </p:tgtEl>
                                         <p:attrNameLst>
                                           <p:attrName>ppt_x</p:attrName>
@@ -18569,7 +17982,7 @@
                                       <p:cBhvr additive="base">
                                         <p:cTn id="8" dur="500" fill="hold"/>
                                         <p:tgtEl>
-                                          <p:spTgt spid="5"/>
+                                          <p:spTgt spid="6"/>
                                         </p:tgtEl>
                                         <p:attrNameLst>
                                           <p:attrName>ppt_y</p:attrName>
@@ -18591,43 +18004,21 @@
                                   </p:childTnLst>
                                 </p:cTn>
                               </p:par>
-                            </p:childTnLst>
-                          </p:cTn>
-                        </p:par>
-                      </p:childTnLst>
-                    </p:cTn>
-                  </p:par>
-                  <p:par>
-                    <p:cTn id="9" fill="hold">
-                      <p:stCondLst>
-                        <p:cond delay="indefinite"/>
-                      </p:stCondLst>
-                      <p:childTnLst>
-                        <p:par>
-                          <p:cTn id="10" fill="hold">
-                            <p:stCondLst>
-                              <p:cond delay="0"/>
-                            </p:stCondLst>
-                            <p:childTnLst>
                               <p:par>
-                                <p:cTn id="11" presetID="2" presetClass="entr" presetSubtype="4" fill="hold" nodeType="clickEffect">
+                                <p:cTn id="9" presetID="2" presetClass="entr" presetSubtype="4" fill="hold" nodeType="withEffect">
                                   <p:stCondLst>
                                     <p:cond delay="0"/>
                                   </p:stCondLst>
                                   <p:childTnLst>
                                     <p:set>
                                       <p:cBhvr>
-                                        <p:cTn id="12" dur="1" fill="hold">
+                                        <p:cTn id="10" dur="1" fill="hold">
                                           <p:stCondLst>
                                             <p:cond delay="0"/>
                                           </p:stCondLst>
                                         </p:cTn>
                                         <p:tgtEl>
-                                          <p:spTgt spid="6">
-                                            <p:txEl>
-                                              <p:pRg st="0" end="0"/>
-                                            </p:txEl>
-                                          </p:spTgt>
+                                          <p:spTgt spid="2"/>
                                         </p:tgtEl>
                                         <p:attrNameLst>
                                           <p:attrName>style.visibility</p:attrName>
@@ -18639,13 +18030,9 @@
                                     </p:set>
                                     <p:anim calcmode="lin" valueType="num">
                                       <p:cBhvr additive="base">
-                                        <p:cTn id="13" dur="500" fill="hold"/>
-                                        <p:tgtEl>
-                                          <p:spTgt spid="6">
-                                            <p:txEl>
-                                              <p:pRg st="0" end="0"/>
-                                            </p:txEl>
-                                          </p:spTgt>
+                                        <p:cTn id="11" dur="500" fill="hold"/>
+                                        <p:tgtEl>
+                                          <p:spTgt spid="2"/>
                                         </p:tgtEl>
                                         <p:attrNameLst>
                                           <p:attrName>ppt_x</p:attrName>
@@ -18666,322 +18053,9 @@
                                     </p:anim>
                                     <p:anim calcmode="lin" valueType="num">
                                       <p:cBhvr additive="base">
-                                        <p:cTn id="14" dur="500" fill="hold"/>
-                                        <p:tgtEl>
-                                          <p:spTgt spid="6">
-                                            <p:txEl>
-                                              <p:pRg st="0" end="0"/>
-                                            </p:txEl>
-                                          </p:spTgt>
-                                        </p:tgtEl>
-                                        <p:attrNameLst>
-                                          <p:attrName>ppt_y</p:attrName>
-                                        </p:attrNameLst>
-                                      </p:cBhvr>
-                                      <p:tavLst>
-                                        <p:tav tm="0">
-                                          <p:val>
-                                            <p:strVal val="1+#ppt_h/2"/>
-                                          </p:val>
-                                        </p:tav>
-                                        <p:tav tm="100000">
-                                          <p:val>
-                                            <p:strVal val="#ppt_y"/>
-                                          </p:val>
-                                        </p:tav>
-                                      </p:tavLst>
-                                    </p:anim>
-                                  </p:childTnLst>
-                                </p:cTn>
-                              </p:par>
-                            </p:childTnLst>
-                          </p:cTn>
-                        </p:par>
-                      </p:childTnLst>
-                    </p:cTn>
-                  </p:par>
-                  <p:par>
-                    <p:cTn id="15" fill="hold">
-                      <p:stCondLst>
-                        <p:cond delay="indefinite"/>
-                      </p:stCondLst>
-                      <p:childTnLst>
-                        <p:par>
-                          <p:cTn id="16" fill="hold">
-                            <p:stCondLst>
-                              <p:cond delay="0"/>
-                            </p:stCondLst>
-                            <p:childTnLst>
-                              <p:par>
-                                <p:cTn id="17" presetID="2" presetClass="entr" presetSubtype="4" fill="hold" nodeType="clickEffect">
-                                  <p:stCondLst>
-                                    <p:cond delay="0"/>
-                                  </p:stCondLst>
-                                  <p:childTnLst>
-                                    <p:set>
-                                      <p:cBhvr>
-                                        <p:cTn id="18" dur="1" fill="hold">
-                                          <p:stCondLst>
-                                            <p:cond delay="0"/>
-                                          </p:stCondLst>
-                                        </p:cTn>
-                                        <p:tgtEl>
-                                          <p:spTgt spid="6">
-                                            <p:txEl>
-                                              <p:pRg st="2" end="2"/>
-                                            </p:txEl>
-                                          </p:spTgt>
-                                        </p:tgtEl>
-                                        <p:attrNameLst>
-                                          <p:attrName>style.visibility</p:attrName>
-                                        </p:attrNameLst>
-                                      </p:cBhvr>
-                                      <p:to>
-                                        <p:strVal val="visible"/>
-                                      </p:to>
-                                    </p:set>
-                                    <p:anim calcmode="lin" valueType="num">
-                                      <p:cBhvr additive="base">
-                                        <p:cTn id="19" dur="500" fill="hold"/>
-                                        <p:tgtEl>
-                                          <p:spTgt spid="6">
-                                            <p:txEl>
-                                              <p:pRg st="2" end="2"/>
-                                            </p:txEl>
-                                          </p:spTgt>
-                                        </p:tgtEl>
-                                        <p:attrNameLst>
-                                          <p:attrName>ppt_x</p:attrName>
-                                        </p:attrNameLst>
-                                      </p:cBhvr>
-                                      <p:tavLst>
-                                        <p:tav tm="0">
-                                          <p:val>
-                                            <p:strVal val="#ppt_x"/>
-                                          </p:val>
-                                        </p:tav>
-                                        <p:tav tm="100000">
-                                          <p:val>
-                                            <p:strVal val="#ppt_x"/>
-                                          </p:val>
-                                        </p:tav>
-                                      </p:tavLst>
-                                    </p:anim>
-                                    <p:anim calcmode="lin" valueType="num">
-                                      <p:cBhvr additive="base">
-                                        <p:cTn id="20" dur="500" fill="hold"/>
-                                        <p:tgtEl>
-                                          <p:spTgt spid="6">
-                                            <p:txEl>
-                                              <p:pRg st="2" end="2"/>
-                                            </p:txEl>
-                                          </p:spTgt>
-                                        </p:tgtEl>
-                                        <p:attrNameLst>
-                                          <p:attrName>ppt_y</p:attrName>
-                                        </p:attrNameLst>
-                                      </p:cBhvr>
-                                      <p:tavLst>
-                                        <p:tav tm="0">
-                                          <p:val>
-                                            <p:strVal val="1+#ppt_h/2"/>
-                                          </p:val>
-                                        </p:tav>
-                                        <p:tav tm="100000">
-                                          <p:val>
-                                            <p:strVal val="#ppt_y"/>
-                                          </p:val>
-                                        </p:tav>
-                                      </p:tavLst>
-                                    </p:anim>
-                                  </p:childTnLst>
-                                </p:cTn>
-                              </p:par>
-                            </p:childTnLst>
-                          </p:cTn>
-                        </p:par>
-                      </p:childTnLst>
-                    </p:cTn>
-                  </p:par>
-                  <p:par>
-                    <p:cTn id="21" fill="hold">
-                      <p:stCondLst>
-                        <p:cond delay="indefinite"/>
-                      </p:stCondLst>
-                      <p:childTnLst>
-                        <p:par>
-                          <p:cTn id="22" fill="hold">
-                            <p:stCondLst>
-                              <p:cond delay="0"/>
-                            </p:stCondLst>
-                            <p:childTnLst>
-                              <p:par>
-                                <p:cTn id="23" presetID="2" presetClass="entr" presetSubtype="4" fill="hold" nodeType="clickEffect">
-                                  <p:stCondLst>
-                                    <p:cond delay="0"/>
-                                  </p:stCondLst>
-                                  <p:childTnLst>
-                                    <p:set>
-                                      <p:cBhvr>
-                                        <p:cTn id="24" dur="1" fill="hold">
-                                          <p:stCondLst>
-                                            <p:cond delay="0"/>
-                                          </p:stCondLst>
-                                        </p:cTn>
-                                        <p:tgtEl>
-                                          <p:spTgt spid="6">
-                                            <p:txEl>
-                                              <p:pRg st="4" end="4"/>
-                                            </p:txEl>
-                                          </p:spTgt>
-                                        </p:tgtEl>
-                                        <p:attrNameLst>
-                                          <p:attrName>style.visibility</p:attrName>
-                                        </p:attrNameLst>
-                                      </p:cBhvr>
-                                      <p:to>
-                                        <p:strVal val="visible"/>
-                                      </p:to>
-                                    </p:set>
-                                    <p:anim calcmode="lin" valueType="num">
-                                      <p:cBhvr additive="base">
-                                        <p:cTn id="25" dur="500" fill="hold"/>
-                                        <p:tgtEl>
-                                          <p:spTgt spid="6">
-                                            <p:txEl>
-                                              <p:pRg st="4" end="4"/>
-                                            </p:txEl>
-                                          </p:spTgt>
-                                        </p:tgtEl>
-                                        <p:attrNameLst>
-                                          <p:attrName>ppt_x</p:attrName>
-                                        </p:attrNameLst>
-                                      </p:cBhvr>
-                                      <p:tavLst>
-                                        <p:tav tm="0">
-                                          <p:val>
-                                            <p:strVal val="#ppt_x"/>
-                                          </p:val>
-                                        </p:tav>
-                                        <p:tav tm="100000">
-                                          <p:val>
-                                            <p:strVal val="#ppt_x"/>
-                                          </p:val>
-                                        </p:tav>
-                                      </p:tavLst>
-                                    </p:anim>
-                                    <p:anim calcmode="lin" valueType="num">
-                                      <p:cBhvr additive="base">
-                                        <p:cTn id="26" dur="500" fill="hold"/>
-                                        <p:tgtEl>
-                                          <p:spTgt spid="6">
-                                            <p:txEl>
-                                              <p:pRg st="4" end="4"/>
-                                            </p:txEl>
-                                          </p:spTgt>
-                                        </p:tgtEl>
-                                        <p:attrNameLst>
-                                          <p:attrName>ppt_y</p:attrName>
-                                        </p:attrNameLst>
-                                      </p:cBhvr>
-                                      <p:tavLst>
-                                        <p:tav tm="0">
-                                          <p:val>
-                                            <p:strVal val="1+#ppt_h/2"/>
-                                          </p:val>
-                                        </p:tav>
-                                        <p:tav tm="100000">
-                                          <p:val>
-                                            <p:strVal val="#ppt_y"/>
-                                          </p:val>
-                                        </p:tav>
-                                      </p:tavLst>
-                                    </p:anim>
-                                  </p:childTnLst>
-                                </p:cTn>
-                              </p:par>
-                            </p:childTnLst>
-                          </p:cTn>
-                        </p:par>
-                      </p:childTnLst>
-                    </p:cTn>
-                  </p:par>
-                  <p:par>
-                    <p:cTn id="27" fill="hold">
-                      <p:stCondLst>
-                        <p:cond delay="indefinite"/>
-                      </p:stCondLst>
-                      <p:childTnLst>
-                        <p:par>
-                          <p:cTn id="28" fill="hold">
-                            <p:stCondLst>
-                              <p:cond delay="0"/>
-                            </p:stCondLst>
-                            <p:childTnLst>
-                              <p:par>
-                                <p:cTn id="29" presetID="2" presetClass="entr" presetSubtype="4" fill="hold" nodeType="clickEffect">
-                                  <p:stCondLst>
-                                    <p:cond delay="0"/>
-                                  </p:stCondLst>
-                                  <p:childTnLst>
-                                    <p:set>
-                                      <p:cBhvr>
-                                        <p:cTn id="30" dur="1" fill="hold">
-                                          <p:stCondLst>
-                                            <p:cond delay="0"/>
-                                          </p:stCondLst>
-                                        </p:cTn>
-                                        <p:tgtEl>
-                                          <p:spTgt spid="6">
-                                            <p:txEl>
-                                              <p:pRg st="6" end="6"/>
-                                            </p:txEl>
-                                          </p:spTgt>
-                                        </p:tgtEl>
-                                        <p:attrNameLst>
-                                          <p:attrName>style.visibility</p:attrName>
-                                        </p:attrNameLst>
-                                      </p:cBhvr>
-                                      <p:to>
-                                        <p:strVal val="visible"/>
-                                      </p:to>
-                                    </p:set>
-                                    <p:anim calcmode="lin" valueType="num">
-                                      <p:cBhvr additive="base">
-                                        <p:cTn id="31" dur="500" fill="hold"/>
-                                        <p:tgtEl>
-                                          <p:spTgt spid="6">
-                                            <p:txEl>
-                                              <p:pRg st="6" end="6"/>
-                                            </p:txEl>
-                                          </p:spTgt>
-                                        </p:tgtEl>
-                                        <p:attrNameLst>
-                                          <p:attrName>ppt_x</p:attrName>
-                                        </p:attrNameLst>
-                                      </p:cBhvr>
-                                      <p:tavLst>
-                                        <p:tav tm="0">
-                                          <p:val>
-                                            <p:strVal val="#ppt_x"/>
-                                          </p:val>
-                                        </p:tav>
-                                        <p:tav tm="100000">
-                                          <p:val>
-                                            <p:strVal val="#ppt_x"/>
-                                          </p:val>
-                                        </p:tav>
-                                      </p:tavLst>
-                                    </p:anim>
-                                    <p:anim calcmode="lin" valueType="num">
-                                      <p:cBhvr additive="base">
-                                        <p:cTn id="32" dur="500" fill="hold"/>
-                                        <p:tgtEl>
-                                          <p:spTgt spid="6">
-                                            <p:txEl>
-                                              <p:pRg st="6" end="6"/>
-                                            </p:txEl>
-                                          </p:spTgt>
+                                        <p:cTn id="12" dur="500" fill="hold"/>
+                                        <p:tgtEl>
+                                          <p:spTgt spid="2"/>
                                         </p:tgtEl>
                                         <p:attrNameLst>
                                           <p:attrName>ppt_y</p:attrName>
@@ -19053,7 +18127,7 @@
       </p:grpSpPr>
       <p:sp>
         <p:nvSpPr>
-          <p:cNvPr id="4" name="Rectangle 2"/>
+          <p:cNvPr id="2" name="Titolo 1"/>
           <p:cNvSpPr>
             <a:spLocks noGrp="1"/>
           </p:cNvSpPr>
@@ -19063,473 +18137,889 @@
         </p:nvSpPr>
         <p:spPr/>
         <p:txBody>
-          <a:bodyPr>
-            <a:normAutofit/>
-          </a:bodyPr>
+          <a:bodyPr/>
           <a:lstStyle/>
           <a:p>
             <a:r>
-              <a:rPr lang="it-IT" kern="1200" cap="all" baseline="0" dirty="0">
-                <a:solidFill>
-                  <a:schemeClr val="tx2"/>
-                </a:solidFill>
-                <a:effectLst>
-                  <a:reflection blurRad="12700" stA="48000" endA="300" endPos="55000" dir="5400000" sy="-90000" algn="bl" rotWithShape="0"/>
-                </a:effectLst>
-                <a:latin typeface="Calibri" panose="020F0502020204030204" pitchFamily="34" charset="0"/>
-                <a:cs typeface="Calibri" panose="020F0502020204030204" pitchFamily="34" charset="0"/>
-              </a:rPr>
-              <a:t>Descrizione dei task</a:t>
-            </a:r>
-            <a:endParaRPr lang="it-IT" dirty="0">
-              <a:latin typeface="Calibri" panose="020F0502020204030204" pitchFamily="34" charset="0"/>
-              <a:cs typeface="Calibri" panose="020F0502020204030204" pitchFamily="34" charset="0"/>
-            </a:endParaRPr>
+              <a:rPr lang="it-IT" dirty="0" smtClean="0"/>
+              <a:t>MEDIE QUESTIONARIO</a:t>
+            </a:r>
+            <a:endParaRPr lang="it-IT" dirty="0"/>
+          </a:p>
+        </p:txBody>
+      </p:sp>
+      <p:sp>
+        <p:nvSpPr>
+          <p:cNvPr id="3" name="Segnaposto contenuto 2"/>
+          <p:cNvSpPr>
+            <a:spLocks noGrp="1"/>
+          </p:cNvSpPr>
+          <p:nvPr>
+            <p:ph idx="1"/>
+          </p:nvPr>
+        </p:nvSpPr>
+        <p:spPr/>
+        <p:txBody>
+          <a:bodyPr/>
+          <a:lstStyle/>
+          <a:p>
+            <a:r>
+              <a:rPr lang="it-IT" dirty="0" smtClean="0"/>
+              <a:t>Medie questionario prima delle modifiche</a:t>
+            </a:r>
+            <a:endParaRPr lang="it-IT" dirty="0"/>
           </a:p>
         </p:txBody>
       </p:sp>
       <p:graphicFrame>
         <p:nvGraphicFramePr>
-          <p:cNvPr id="6" name="Tabella 5"/>
+          <p:cNvPr id="5" name="Segnaposto contenuto 3"/>
           <p:cNvGraphicFramePr>
-            <a:graphicFrameLocks noGrp="1"/>
+            <a:graphicFrameLocks/>
           </p:cNvGraphicFramePr>
           <p:nvPr>
             <p:extLst>
               <p:ext uri="{D42A27DB-BD31-4B8C-83A1-F6EECF244321}">
-                <p14:modId xmlns:p14="http://schemas.microsoft.com/office/powerpoint/2010/main" val="2947185386"/>
+                <p14:modId xmlns:p14="http://schemas.microsoft.com/office/powerpoint/2010/main" val="1296755747"/>
               </p:ext>
             </p:extLst>
           </p:nvPr>
         </p:nvGraphicFramePr>
         <p:xfrm>
-          <a:off x="1367796" y="1271262"/>
-          <a:ext cx="6408408" cy="5057896"/>
+          <a:off x="2627784" y="2420888"/>
+          <a:ext cx="3331095" cy="3891055"/>
         </p:xfrm>
         <a:graphic>
           <a:graphicData uri="http://schemas.openxmlformats.org/drawingml/2006/table">
             <a:tbl>
               <a:tblPr firstRow="1" bandRow="1">
-                <a:tableStyleId>{93296810-A885-4BE3-A3E7-6D5BEEA58F35}</a:tableStyleId>
+                <a:tableStyleId>{073A0DAA-6AF3-43AB-8588-CEC1D06C72B9}</a:tableStyleId>
               </a:tblPr>
               <a:tblGrid>
-                <a:gridCol w="2136136">
-                  <a:extLst>
-                    <a:ext uri="{9D8B030D-6E8A-4147-A177-3AD203B41FA5}">
-                      <a16:colId xmlns="" xmlns:a16="http://schemas.microsoft.com/office/drawing/2014/main" val="20000"/>
-                    </a:ext>
-                  </a:extLst>
-                </a:gridCol>
-                <a:gridCol w="2534398">
-                  <a:extLst>
-                    <a:ext uri="{9D8B030D-6E8A-4147-A177-3AD203B41FA5}">
-                      <a16:colId xmlns="" xmlns:a16="http://schemas.microsoft.com/office/drawing/2014/main" val="20001"/>
-                    </a:ext>
-                  </a:extLst>
-                </a:gridCol>
-                <a:gridCol w="1737874">
-                  <a:extLst>
-                    <a:ext uri="{9D8B030D-6E8A-4147-A177-3AD203B41FA5}">
-                      <a16:colId xmlns="" xmlns:a16="http://schemas.microsoft.com/office/drawing/2014/main" val="20002"/>
-                    </a:ext>
-                  </a:extLst>
-                </a:gridCol>
+                <a:gridCol w="666219"/>
+                <a:gridCol w="666219"/>
+                <a:gridCol w="666219"/>
+                <a:gridCol w="666219"/>
+                <a:gridCol w="666219"/>
               </a:tblGrid>
-              <a:tr h="341091">
-                <a:tc gridSpan="3">
-                  <a:txBody>
-                    <a:bodyPr/>
-                    <a:lstStyle/>
-                    <a:p>
-                      <a:r>
-                        <a:rPr lang="it-IT" dirty="0"/>
-                        <a:t>Gianpiero</a:t>
-                      </a:r>
-                    </a:p>
-                  </a:txBody>
-                  <a:tcPr/>
-                </a:tc>
-                <a:tc hMerge="1">
-                  <a:txBody>
-                    <a:bodyPr/>
-                    <a:lstStyle/>
-                    <a:p>
-                      <a:endParaRPr lang="it-IT"/>
-                    </a:p>
-                  </a:txBody>
-                  <a:tcPr/>
-                </a:tc>
-                <a:tc hMerge="1">
-                  <a:txBody>
-                    <a:bodyPr/>
-                    <a:lstStyle/>
-                    <a:p>
-                      <a:endParaRPr lang="it-IT" dirty="0"/>
-                    </a:p>
-                  </a:txBody>
-                  <a:tcPr/>
-                </a:tc>
-                <a:extLst>
-                  <a:ext uri="{0D108BD9-81ED-4DB2-BD59-A6C34878D82A}">
-                    <a16:rowId xmlns="" xmlns:a16="http://schemas.microsoft.com/office/drawing/2014/main" val="10000"/>
-                  </a:ext>
-                </a:extLst>
-              </a:tr>
-              <a:tr h="596909">
+              <a:tr h="555865">
                 <a:tc>
                   <a:txBody>
                     <a:bodyPr/>
                     <a:lstStyle/>
                     <a:p>
-                      <a:pPr algn="ctr"/>
+                      <a:pPr algn="ctr" rtl="0" fontAlgn="ctr"/>
                       <a:r>
-                        <a:rPr lang="it-IT" dirty="0">
-                          <a:solidFill>
-                            <a:schemeClr val="accent6">
-                              <a:lumMod val="75000"/>
-                            </a:schemeClr>
-                          </a:solidFill>
+                        <a:rPr lang="it-IT" sz="1600" u="none" strike="noStrike" dirty="0">
+                          <a:effectLst/>
                         </a:rPr>
                         <a:t>Task</a:t>
                       </a:r>
+                      <a:endParaRPr lang="it-IT" sz="1600" b="1" i="1" u="none" strike="noStrike" dirty="0">
+                        <a:solidFill>
+                          <a:srgbClr val="000000"/>
+                        </a:solidFill>
+                        <a:effectLst/>
+                        <a:latin typeface="Times New Roman" panose="02020603050405020304" pitchFamily="18" charset="0"/>
+                      </a:endParaRPr>
                     </a:p>
                   </a:txBody>
-                  <a:tcPr/>
+                  <a:tcPr marL="9525" marR="9525" marT="9525" marB="0" anchor="ctr"/>
                 </a:tc>
                 <a:tc>
                   <a:txBody>
                     <a:bodyPr/>
                     <a:lstStyle/>
                     <a:p>
-                      <a:pPr algn="ctr"/>
+                      <a:pPr algn="ctr" rtl="0" fontAlgn="ctr"/>
                       <a:r>
-                        <a:rPr lang="it-IT" dirty="0">
-                          <a:solidFill>
-                            <a:schemeClr val="accent6">
-                              <a:lumMod val="75000"/>
-                            </a:schemeClr>
-                          </a:solidFill>
+                        <a:rPr lang="it-IT" sz="1600" u="none" strike="noStrike" dirty="0">
+                          <a:effectLst/>
                         </a:rPr>
-                        <a:t>Frequenza </a:t>
+                        <a:t>SE</a:t>
                       </a:r>
+                      <a:endParaRPr lang="it-IT" sz="1600" b="1" i="1" u="none" strike="noStrike" dirty="0">
+                        <a:solidFill>
+                          <a:srgbClr val="000000"/>
+                        </a:solidFill>
+                        <a:effectLst/>
+                        <a:latin typeface="Times New Roman" panose="02020603050405020304" pitchFamily="18" charset="0"/>
+                      </a:endParaRPr>
                     </a:p>
                   </a:txBody>
-                  <a:tcPr/>
+                  <a:tcPr marL="9525" marR="9525" marT="9525" marB="0" anchor="ctr"/>
                 </a:tc>
                 <a:tc>
                   <a:txBody>
                     <a:bodyPr/>
                     <a:lstStyle/>
                     <a:p>
-                      <a:pPr algn="ctr"/>
+                      <a:pPr algn="ctr" rtl="0" fontAlgn="ctr"/>
                       <a:r>
-                        <a:rPr lang="it-IT" dirty="0">
-                          <a:solidFill>
-                            <a:schemeClr val="accent6">
-                              <a:lumMod val="75000"/>
-                            </a:schemeClr>
-                          </a:solidFill>
+                        <a:rPr lang="it-IT" sz="1600" u="none" strike="noStrike" dirty="0">
+                          <a:effectLst/>
                         </a:rPr>
-                        <a:t>Importanza</a:t>
+                        <a:t>KS</a:t>
                       </a:r>
+                      <a:endParaRPr lang="it-IT" sz="1600" b="1" i="1" u="none" strike="noStrike" dirty="0">
+                        <a:solidFill>
+                          <a:srgbClr val="000000"/>
+                        </a:solidFill>
+                        <a:effectLst/>
+                        <a:latin typeface="Times New Roman" panose="02020603050405020304" pitchFamily="18" charset="0"/>
+                      </a:endParaRPr>
                     </a:p>
                   </a:txBody>
-                  <a:tcPr/>
-                </a:tc>
-                <a:extLst>
-                  <a:ext uri="{0D108BD9-81ED-4DB2-BD59-A6C34878D82A}">
-                    <a16:rowId xmlns="" xmlns:a16="http://schemas.microsoft.com/office/drawing/2014/main" val="10001"/>
-                  </a:ext>
-                </a:extLst>
-              </a:tr>
-              <a:tr h="767454">
-                <a:tc>
-                  <a:txBody>
-                    <a:bodyPr/>
-                    <a:lstStyle/>
-                    <a:p>
-                      <a:r>
-                        <a:rPr lang="it-IT" sz="1600" dirty="0"/>
-                        <a:t>Consultare informazioni sul bullismo</a:t>
-                      </a:r>
-                    </a:p>
-                  </a:txBody>
-                  <a:tcPr/>
+                  <a:tcPr marL="9525" marR="9525" marT="9525" marB="0" anchor="ctr"/>
                 </a:tc>
                 <a:tc>
                   <a:txBody>
                     <a:bodyPr/>
                     <a:lstStyle/>
                     <a:p>
+                      <a:pPr algn="ctr" rtl="0" fontAlgn="ctr"/>
                       <a:r>
-                        <a:rPr lang="it-IT" sz="1600" dirty="0"/>
-                        <a:t>1 volta ogni 6 mesi</a:t>
+                        <a:rPr lang="it-IT" sz="1600" u="none" strike="noStrike" dirty="0">
+                          <a:effectLst/>
+                        </a:rPr>
+                        <a:t>PC</a:t>
                       </a:r>
+                      <a:endParaRPr lang="it-IT" sz="1600" b="1" i="1" u="none" strike="noStrike" dirty="0">
+                        <a:solidFill>
+                          <a:srgbClr val="000000"/>
+                        </a:solidFill>
+                        <a:effectLst/>
+                        <a:latin typeface="Times New Roman" panose="02020603050405020304" pitchFamily="18" charset="0"/>
+                      </a:endParaRPr>
                     </a:p>
                   </a:txBody>
-                  <a:tcPr/>
+                  <a:tcPr marL="9525" marR="9525" marT="9525" marB="0" anchor="ctr"/>
                 </a:tc>
                 <a:tc>
                   <a:txBody>
                     <a:bodyPr/>
                     <a:lstStyle/>
                     <a:p>
+                      <a:pPr algn="ctr" rtl="0" fontAlgn="ctr"/>
                       <a:r>
-                        <a:rPr lang="it-IT" sz="1600" dirty="0"/>
-                        <a:t>media</a:t>
+                        <a:rPr lang="it-IT" sz="1600" u="none" strike="noStrike">
+                          <a:effectLst/>
+                        </a:rPr>
+                        <a:t>MOT</a:t>
                       </a:r>
+                      <a:endParaRPr lang="it-IT" sz="1600" b="1" i="1" u="none" strike="noStrike">
+                        <a:solidFill>
+                          <a:srgbClr val="000000"/>
+                        </a:solidFill>
+                        <a:effectLst/>
+                        <a:latin typeface="Times New Roman" panose="02020603050405020304" pitchFamily="18" charset="0"/>
+                      </a:endParaRPr>
                     </a:p>
                   </a:txBody>
-                  <a:tcPr/>
+                  <a:tcPr marL="9525" marR="9525" marT="9525" marB="0" anchor="ctr"/>
                 </a:tc>
-                <a:extLst>
-                  <a:ext uri="{0D108BD9-81ED-4DB2-BD59-A6C34878D82A}">
-                    <a16:rowId xmlns="" xmlns:a16="http://schemas.microsoft.com/office/drawing/2014/main" val="10002"/>
-                  </a:ext>
-                </a:extLst>
               </a:tr>
-              <a:tr h="994847">
+              <a:tr h="555865">
                 <a:tc>
                   <a:txBody>
                     <a:bodyPr/>
                     <a:lstStyle/>
                     <a:p>
+                      <a:pPr algn="l" rtl="0" fontAlgn="ctr"/>
                       <a:r>
-                        <a:rPr lang="it-IT" sz="1600" dirty="0"/>
-                        <a:t>Consultare informazioni sul cyberbullismo</a:t>
+                        <a:rPr lang="it-IT" sz="1600" u="none" strike="noStrike">
+                          <a:effectLst/>
+                        </a:rPr>
+                        <a:t>T1</a:t>
                       </a:r>
+                      <a:endParaRPr lang="it-IT" sz="1600" b="0" i="0" u="none" strike="noStrike">
+                        <a:solidFill>
+                          <a:srgbClr val="000000"/>
+                        </a:solidFill>
+                        <a:effectLst/>
+                        <a:latin typeface="Times New Roman" panose="02020603050405020304" pitchFamily="18" charset="0"/>
+                      </a:endParaRPr>
                     </a:p>
                   </a:txBody>
-                  <a:tcPr/>
+                  <a:tcPr marL="9525" marR="9525" marT="9525" marB="0" anchor="ctr"/>
                 </a:tc>
                 <a:tc>
                   <a:txBody>
                     <a:bodyPr/>
                     <a:lstStyle/>
                     <a:p>
+                      <a:pPr algn="ctr" rtl="0" fontAlgn="ctr"/>
                       <a:r>
-                        <a:rPr lang="it-IT" sz="1600" dirty="0"/>
-                        <a:t>1 volta ogni 6 mesi</a:t>
+                        <a:rPr lang="it-IT" sz="1600" u="none" strike="noStrike">
+                          <a:effectLst/>
+                        </a:rPr>
+                        <a:t>3,0</a:t>
                       </a:r>
+                      <a:endParaRPr lang="it-IT" sz="1600" b="0" i="0" u="none" strike="noStrike">
+                        <a:solidFill>
+                          <a:srgbClr val="000000"/>
+                        </a:solidFill>
+                        <a:effectLst/>
+                        <a:latin typeface="Georgia" panose="02040502050405020303" pitchFamily="18" charset="0"/>
+                      </a:endParaRPr>
                     </a:p>
                   </a:txBody>
-                  <a:tcPr/>
+                  <a:tcPr marL="9525" marR="9525" marT="9525" marB="0" anchor="ctr"/>
                 </a:tc>
                 <a:tc>
                   <a:txBody>
                     <a:bodyPr/>
                     <a:lstStyle/>
                     <a:p>
+                      <a:pPr algn="ctr" fontAlgn="ctr"/>
                       <a:r>
-                        <a:rPr lang="it-IT" sz="1600" dirty="0"/>
-                        <a:t>bassa</a:t>
+                        <a:rPr lang="it-IT" sz="1600" u="none" strike="noStrike">
+                          <a:effectLst/>
+                        </a:rPr>
+                        <a:t> </a:t>
                       </a:r>
+                      <a:endParaRPr lang="it-IT" sz="1600" b="0" i="0" u="none" strike="noStrike">
+                        <a:solidFill>
+                          <a:srgbClr val="000000"/>
+                        </a:solidFill>
+                        <a:effectLst/>
+                        <a:latin typeface="Georgia" panose="02040502050405020303" pitchFamily="18" charset="0"/>
+                      </a:endParaRPr>
                     </a:p>
                   </a:txBody>
-                  <a:tcPr/>
-                </a:tc>
-                <a:extLst>
-                  <a:ext uri="{0D108BD9-81ED-4DB2-BD59-A6C34878D82A}">
-                    <a16:rowId xmlns="" xmlns:a16="http://schemas.microsoft.com/office/drawing/2014/main" val="10003"/>
-                  </a:ext>
-                </a:extLst>
-              </a:tr>
-              <a:tr h="540060">
-                <a:tc>
-                  <a:txBody>
-                    <a:bodyPr/>
-                    <a:lstStyle/>
-                    <a:p>
-                      <a:r>
-                        <a:rPr kumimoji="0" lang="it-IT" sz="1600" b="0" i="0" kern="1200" dirty="0">
-                          <a:solidFill>
-                            <a:schemeClr val="dk1"/>
-                          </a:solidFill>
-                          <a:effectLst/>
-                          <a:latin typeface="+mn-lt"/>
-                          <a:ea typeface="+mn-ea"/>
-                          <a:cs typeface="+mn-cs"/>
-                        </a:rPr>
-                        <a:t>Richiedere aiuto</a:t>
-                      </a:r>
-                      <a:endParaRPr lang="it-IT" sz="1600" b="0" i="0" dirty="0"/>
-                    </a:p>
-                  </a:txBody>
-                  <a:tcPr/>
+                  <a:tcPr marL="9525" marR="9525" marT="9525" marB="0" anchor="ctr"/>
                 </a:tc>
                 <a:tc>
                   <a:txBody>
                     <a:bodyPr/>
                     <a:lstStyle/>
                     <a:p>
+                      <a:pPr algn="ctr" rtl="0" fontAlgn="ctr"/>
                       <a:r>
-                        <a:rPr lang="it-IT" sz="1600" dirty="0"/>
-                        <a:t>1 volta al giorno</a:t>
+                        <a:rPr lang="it-IT" sz="1600" u="none" strike="noStrike">
+                          <a:effectLst/>
+                        </a:rPr>
+                        <a:t> </a:t>
                       </a:r>
+                      <a:endParaRPr lang="it-IT" sz="1600" b="0" i="0" u="none" strike="noStrike">
+                        <a:solidFill>
+                          <a:srgbClr val="000000"/>
+                        </a:solidFill>
+                        <a:effectLst/>
+                        <a:latin typeface="Georgia" panose="02040502050405020303" pitchFamily="18" charset="0"/>
+                      </a:endParaRPr>
                     </a:p>
                   </a:txBody>
-                  <a:tcPr/>
+                  <a:tcPr marL="9525" marR="9525" marT="9525" marB="0" anchor="ctr"/>
                 </a:tc>
                 <a:tc>
                   <a:txBody>
                     <a:bodyPr/>
                     <a:lstStyle/>
                     <a:p>
-                      <a:pPr algn="l"/>
+                      <a:pPr algn="ctr" rtl="0" fontAlgn="ctr"/>
                       <a:r>
-                        <a:rPr lang="it-IT" sz="1600" dirty="0"/>
-                        <a:t>alta</a:t>
+                        <a:rPr lang="it-IT" sz="1600" u="none" strike="noStrike">
+                          <a:effectLst/>
+                        </a:rPr>
+                        <a:t>2,3</a:t>
                       </a:r>
+                      <a:endParaRPr lang="it-IT" sz="1600" b="0" i="0" u="none" strike="noStrike">
+                        <a:solidFill>
+                          <a:srgbClr val="000000"/>
+                        </a:solidFill>
+                        <a:effectLst/>
+                        <a:latin typeface="Georgia" panose="02040502050405020303" pitchFamily="18" charset="0"/>
+                      </a:endParaRPr>
                     </a:p>
                   </a:txBody>
-                  <a:tcPr/>
+                  <a:tcPr marL="9525" marR="9525" marT="9525" marB="0" anchor="ctr"/>
                 </a:tc>
-                <a:extLst>
-                  <a:ext uri="{0D108BD9-81ED-4DB2-BD59-A6C34878D82A}">
-                    <a16:rowId xmlns="" xmlns:a16="http://schemas.microsoft.com/office/drawing/2014/main" val="10004"/>
-                  </a:ext>
-                </a:extLst>
               </a:tr>
-              <a:tr h="540060">
+              <a:tr h="555865">
                 <a:tc>
                   <a:txBody>
                     <a:bodyPr/>
                     <a:lstStyle/>
                     <a:p>
+                      <a:pPr algn="l" rtl="0" fontAlgn="ctr"/>
                       <a:r>
-                        <a:rPr lang="it-IT" sz="1600" b="0" i="0" dirty="0"/>
-                        <a:t>Condividere la propria esperienza</a:t>
+                        <a:rPr lang="it-IT" sz="1600" u="none" strike="noStrike">
+                          <a:effectLst/>
+                        </a:rPr>
+                        <a:t>T2</a:t>
                       </a:r>
+                      <a:endParaRPr lang="it-IT" sz="1600" b="0" i="0" u="none" strike="noStrike">
+                        <a:solidFill>
+                          <a:srgbClr val="000000"/>
+                        </a:solidFill>
+                        <a:effectLst/>
+                        <a:latin typeface="Times New Roman" panose="02020603050405020304" pitchFamily="18" charset="0"/>
+                      </a:endParaRPr>
                     </a:p>
                   </a:txBody>
-                  <a:tcPr/>
+                  <a:tcPr marL="9525" marR="9525" marT="9525" marB="0" anchor="ctr"/>
                 </a:tc>
                 <a:tc>
                   <a:txBody>
                     <a:bodyPr/>
                     <a:lstStyle/>
                     <a:p>
+                      <a:pPr algn="ctr" rtl="0" fontAlgn="ctr"/>
                       <a:r>
-                        <a:rPr lang="it-IT" sz="1600" dirty="0"/>
-                        <a:t>1 volta al giorno</a:t>
+                        <a:rPr lang="it-IT" sz="1600" u="none" strike="noStrike">
+                          <a:effectLst/>
+                        </a:rPr>
+                        <a:t>3</a:t>
                       </a:r>
+                      <a:endParaRPr lang="it-IT" sz="1600" b="0" i="0" u="none" strike="noStrike">
+                        <a:solidFill>
+                          <a:srgbClr val="000000"/>
+                        </a:solidFill>
+                        <a:effectLst/>
+                        <a:latin typeface="Georgia" panose="02040502050405020303" pitchFamily="18" charset="0"/>
+                      </a:endParaRPr>
                     </a:p>
                   </a:txBody>
-                  <a:tcPr/>
+                  <a:tcPr marL="9525" marR="9525" marT="9525" marB="0" anchor="ctr"/>
                 </a:tc>
                 <a:tc>
                   <a:txBody>
                     <a:bodyPr/>
                     <a:lstStyle/>
                     <a:p>
-                      <a:pPr algn="l"/>
+                      <a:pPr algn="ctr" rtl="0" fontAlgn="ctr"/>
                       <a:r>
-                        <a:rPr lang="it-IT" sz="1600" dirty="0"/>
-                        <a:t>alta</a:t>
+                        <a:rPr lang="it-IT" sz="1600" u="none" strike="noStrike" dirty="0">
+                          <a:effectLst/>
+                        </a:rPr>
+                        <a:t> </a:t>
                       </a:r>
+                      <a:endParaRPr lang="it-IT" sz="1600" b="0" i="0" u="none" strike="noStrike" dirty="0">
+                        <a:solidFill>
+                          <a:srgbClr val="000000"/>
+                        </a:solidFill>
+                        <a:effectLst/>
+                        <a:latin typeface="Georgia" panose="02040502050405020303" pitchFamily="18" charset="0"/>
+                      </a:endParaRPr>
                     </a:p>
                   </a:txBody>
-                  <a:tcPr/>
-                </a:tc>
-                <a:extLst>
-                  <a:ext uri="{0D108BD9-81ED-4DB2-BD59-A6C34878D82A}">
-                    <a16:rowId xmlns="" xmlns:a16="http://schemas.microsoft.com/office/drawing/2014/main" val="1014700042"/>
-                  </a:ext>
-                </a:extLst>
-              </a:tr>
-              <a:tr h="540060">
-                <a:tc>
-                  <a:txBody>
-                    <a:bodyPr/>
-                    <a:lstStyle/>
-                    <a:p>
-                      <a:r>
-                        <a:rPr lang="it-IT" sz="1600" b="0" i="0" dirty="0"/>
-                        <a:t>Imparare metodi di prevenzione</a:t>
-                      </a:r>
-                    </a:p>
-                  </a:txBody>
-                  <a:tcPr/>
+                  <a:tcPr marL="9525" marR="9525" marT="9525" marB="0" anchor="ctr"/>
                 </a:tc>
                 <a:tc>
                   <a:txBody>
                     <a:bodyPr/>
                     <a:lstStyle/>
                     <a:p>
+                      <a:pPr algn="ctr" rtl="0" fontAlgn="ctr"/>
                       <a:r>
-                        <a:rPr lang="it-IT" sz="1600" dirty="0"/>
-                        <a:t>1 volta al giorno</a:t>
+                        <a:rPr lang="it-IT" sz="1600" u="none" strike="noStrike">
+                          <a:effectLst/>
+                        </a:rPr>
+                        <a:t> </a:t>
                       </a:r>
+                      <a:endParaRPr lang="it-IT" sz="1600" b="0" i="0" u="none" strike="noStrike">
+                        <a:solidFill>
+                          <a:srgbClr val="000000"/>
+                        </a:solidFill>
+                        <a:effectLst/>
+                        <a:latin typeface="Georgia" panose="02040502050405020303" pitchFamily="18" charset="0"/>
+                      </a:endParaRPr>
                     </a:p>
                   </a:txBody>
-                  <a:tcPr/>
+                  <a:tcPr marL="9525" marR="9525" marT="9525" marB="0" anchor="ctr"/>
                 </a:tc>
                 <a:tc>
                   <a:txBody>
                     <a:bodyPr/>
                     <a:lstStyle/>
                     <a:p>
-                      <a:pPr algn="l"/>
+                      <a:pPr algn="ctr" rtl="0" fontAlgn="ctr"/>
                       <a:r>
-                        <a:rPr lang="it-IT" sz="1600" dirty="0"/>
-                        <a:t>alta</a:t>
+                        <a:rPr lang="it-IT" sz="1600" u="none" strike="noStrike">
+                          <a:effectLst/>
+                        </a:rPr>
+                        <a:t>2,333</a:t>
                       </a:r>
+                      <a:endParaRPr lang="it-IT" sz="1600" b="0" i="0" u="none" strike="noStrike">
+                        <a:solidFill>
+                          <a:srgbClr val="000000"/>
+                        </a:solidFill>
+                        <a:effectLst/>
+                        <a:latin typeface="Georgia" panose="02040502050405020303" pitchFamily="18" charset="0"/>
+                      </a:endParaRPr>
                     </a:p>
                   </a:txBody>
-                  <a:tcPr/>
+                  <a:tcPr marL="9525" marR="9525" marT="9525" marB="0" anchor="ctr"/>
                 </a:tc>
-                <a:extLst>
-                  <a:ext uri="{0D108BD9-81ED-4DB2-BD59-A6C34878D82A}">
-                    <a16:rowId xmlns="" xmlns:a16="http://schemas.microsoft.com/office/drawing/2014/main" val="2008388912"/>
-                  </a:ext>
-                </a:extLst>
               </a:tr>
-              <a:tr h="540060">
+              <a:tr h="555865">
                 <a:tc>
                   <a:txBody>
                     <a:bodyPr/>
                     <a:lstStyle/>
                     <a:p>
+                      <a:pPr algn="l" rtl="0" fontAlgn="ctr"/>
                       <a:r>
-                        <a:rPr lang="it-IT" sz="1600" b="0" i="0" dirty="0"/>
-                        <a:t>Valutare situazione dei propri figli</a:t>
+                        <a:rPr lang="it-IT" sz="1600" u="none" strike="noStrike">
+                          <a:effectLst/>
+                        </a:rPr>
+                        <a:t>T3</a:t>
                       </a:r>
+                      <a:endParaRPr lang="it-IT" sz="1600" b="0" i="0" u="none" strike="noStrike">
+                        <a:solidFill>
+                          <a:srgbClr val="000000"/>
+                        </a:solidFill>
+                        <a:effectLst/>
+                        <a:latin typeface="Times New Roman" panose="02020603050405020304" pitchFamily="18" charset="0"/>
+                      </a:endParaRPr>
                     </a:p>
                   </a:txBody>
-                  <a:tcPr/>
+                  <a:tcPr marL="9525" marR="9525" marT="9525" marB="0" anchor="ctr"/>
                 </a:tc>
                 <a:tc>
                   <a:txBody>
                     <a:bodyPr/>
                     <a:lstStyle/>
                     <a:p>
+                      <a:pPr algn="ctr" rtl="0" fontAlgn="ctr"/>
                       <a:r>
-                        <a:rPr lang="it-IT" sz="1600" dirty="0"/>
-                        <a:t>0 volte</a:t>
+                        <a:rPr lang="it-IT" sz="1600" u="none" strike="noStrike" dirty="0">
+                          <a:effectLst/>
+                        </a:rPr>
+                        <a:t>1,5</a:t>
                       </a:r>
+                      <a:endParaRPr lang="it-IT" sz="1600" b="0" i="0" u="none" strike="noStrike" dirty="0">
+                        <a:solidFill>
+                          <a:srgbClr val="000000"/>
+                        </a:solidFill>
+                        <a:effectLst/>
+                        <a:latin typeface="Georgia" panose="02040502050405020303" pitchFamily="18" charset="0"/>
+                      </a:endParaRPr>
                     </a:p>
                   </a:txBody>
-                  <a:tcPr/>
+                  <a:tcPr marL="9525" marR="9525" marT="9525" marB="0" anchor="ctr"/>
                 </a:tc>
                 <a:tc>
                   <a:txBody>
                     <a:bodyPr/>
                     <a:lstStyle/>
                     <a:p>
-                      <a:pPr algn="l"/>
+                      <a:pPr algn="ctr" rtl="0" fontAlgn="ctr"/>
                       <a:r>
-                        <a:rPr lang="it-IT" sz="1600" dirty="0"/>
-                        <a:t>bassa</a:t>
+                        <a:rPr lang="it-IT" sz="1600" u="none" strike="noStrike">
+                          <a:effectLst/>
+                        </a:rPr>
+                        <a:t>1,0</a:t>
                       </a:r>
+                      <a:endParaRPr lang="it-IT" sz="1600" b="0" i="0" u="none" strike="noStrike">
+                        <a:solidFill>
+                          <a:srgbClr val="000000"/>
+                        </a:solidFill>
+                        <a:effectLst/>
+                        <a:latin typeface="Georgia" panose="02040502050405020303" pitchFamily="18" charset="0"/>
+                      </a:endParaRPr>
                     </a:p>
                   </a:txBody>
-                  <a:tcPr/>
+                  <a:tcPr marL="9525" marR="9525" marT="9525" marB="0" anchor="ctr"/>
                 </a:tc>
-                <a:extLst>
-                  <a:ext uri="{0D108BD9-81ED-4DB2-BD59-A6C34878D82A}">
-                    <a16:rowId xmlns="" xmlns:a16="http://schemas.microsoft.com/office/drawing/2014/main" val="3286170515"/>
-                  </a:ext>
-                </a:extLst>
+                <a:tc>
+                  <a:txBody>
+                    <a:bodyPr/>
+                    <a:lstStyle/>
+                    <a:p>
+                      <a:pPr algn="ctr" rtl="0" fontAlgn="ctr"/>
+                      <a:r>
+                        <a:rPr lang="it-IT" sz="1600" u="none" strike="noStrike" dirty="0">
+                          <a:effectLst/>
+                        </a:rPr>
+                        <a:t>1,5</a:t>
+                      </a:r>
+                      <a:endParaRPr lang="it-IT" sz="1600" b="0" i="0" u="none" strike="noStrike" dirty="0">
+                        <a:solidFill>
+                          <a:srgbClr val="000000"/>
+                        </a:solidFill>
+                        <a:effectLst/>
+                        <a:latin typeface="Georgia" panose="02040502050405020303" pitchFamily="18" charset="0"/>
+                      </a:endParaRPr>
+                    </a:p>
+                  </a:txBody>
+                  <a:tcPr marL="9525" marR="9525" marT="9525" marB="0" anchor="ctr"/>
+                </a:tc>
+                <a:tc>
+                  <a:txBody>
+                    <a:bodyPr/>
+                    <a:lstStyle/>
+                    <a:p>
+                      <a:pPr algn="ctr" rtl="0" fontAlgn="ctr"/>
+                      <a:r>
+                        <a:rPr lang="it-IT" sz="1600" u="none" strike="noStrike">
+                          <a:effectLst/>
+                        </a:rPr>
+                        <a:t>1,0</a:t>
+                      </a:r>
+                      <a:endParaRPr lang="it-IT" sz="1600" b="0" i="0" u="none" strike="noStrike">
+                        <a:solidFill>
+                          <a:srgbClr val="000000"/>
+                        </a:solidFill>
+                        <a:effectLst/>
+                        <a:latin typeface="Georgia" panose="02040502050405020303" pitchFamily="18" charset="0"/>
+                      </a:endParaRPr>
+                    </a:p>
+                  </a:txBody>
+                  <a:tcPr marL="9525" marR="9525" marT="9525" marB="0" anchor="ctr"/>
+                </a:tc>
+              </a:tr>
+              <a:tr h="555865">
+                <a:tc>
+                  <a:txBody>
+                    <a:bodyPr/>
+                    <a:lstStyle/>
+                    <a:p>
+                      <a:pPr algn="l" rtl="0" fontAlgn="ctr"/>
+                      <a:r>
+                        <a:rPr lang="it-IT" sz="1600" u="none" strike="noStrike">
+                          <a:effectLst/>
+                        </a:rPr>
+                        <a:t>T4</a:t>
+                      </a:r>
+                      <a:endParaRPr lang="it-IT" sz="1600" b="0" i="0" u="none" strike="noStrike">
+                        <a:solidFill>
+                          <a:srgbClr val="000000"/>
+                        </a:solidFill>
+                        <a:effectLst/>
+                        <a:latin typeface="Times New Roman" panose="02020603050405020304" pitchFamily="18" charset="0"/>
+                      </a:endParaRPr>
+                    </a:p>
+                  </a:txBody>
+                  <a:tcPr marL="9525" marR="9525" marT="9525" marB="0" anchor="ctr"/>
+                </a:tc>
+                <a:tc>
+                  <a:txBody>
+                    <a:bodyPr/>
+                    <a:lstStyle/>
+                    <a:p>
+                      <a:pPr algn="ctr" rtl="0" fontAlgn="ctr"/>
+                      <a:r>
+                        <a:rPr lang="it-IT" sz="1600" u="none" strike="noStrike">
+                          <a:effectLst/>
+                        </a:rPr>
+                        <a:t>1,50</a:t>
+                      </a:r>
+                      <a:endParaRPr lang="it-IT" sz="1600" b="0" i="0" u="none" strike="noStrike">
+                        <a:solidFill>
+                          <a:srgbClr val="000000"/>
+                        </a:solidFill>
+                        <a:effectLst/>
+                        <a:latin typeface="Georgia" panose="02040502050405020303" pitchFamily="18" charset="0"/>
+                      </a:endParaRPr>
+                    </a:p>
+                  </a:txBody>
+                  <a:tcPr marL="9525" marR="9525" marT="9525" marB="0" anchor="ctr"/>
+                </a:tc>
+                <a:tc>
+                  <a:txBody>
+                    <a:bodyPr/>
+                    <a:lstStyle/>
+                    <a:p>
+                      <a:pPr algn="ctr" rtl="0" fontAlgn="ctr"/>
+                      <a:r>
+                        <a:rPr lang="it-IT" sz="1600" u="none" strike="noStrike">
+                          <a:effectLst/>
+                        </a:rPr>
+                        <a:t>1,0</a:t>
+                      </a:r>
+                      <a:endParaRPr lang="it-IT" sz="1600" b="0" i="0" u="none" strike="noStrike">
+                        <a:solidFill>
+                          <a:srgbClr val="000000"/>
+                        </a:solidFill>
+                        <a:effectLst/>
+                        <a:latin typeface="Georgia" panose="02040502050405020303" pitchFamily="18" charset="0"/>
+                      </a:endParaRPr>
+                    </a:p>
+                  </a:txBody>
+                  <a:tcPr marL="9525" marR="9525" marT="9525" marB="0" anchor="ctr"/>
+                </a:tc>
+                <a:tc>
+                  <a:txBody>
+                    <a:bodyPr/>
+                    <a:lstStyle/>
+                    <a:p>
+                      <a:pPr algn="ctr" rtl="0" fontAlgn="ctr"/>
+                      <a:r>
+                        <a:rPr lang="it-IT" sz="1600" u="none" strike="noStrike">
+                          <a:effectLst/>
+                        </a:rPr>
+                        <a:t> </a:t>
+                      </a:r>
+                      <a:endParaRPr lang="it-IT" sz="1600" b="0" i="0" u="none" strike="noStrike">
+                        <a:solidFill>
+                          <a:srgbClr val="000000"/>
+                        </a:solidFill>
+                        <a:effectLst/>
+                        <a:latin typeface="Georgia" panose="02040502050405020303" pitchFamily="18" charset="0"/>
+                      </a:endParaRPr>
+                    </a:p>
+                  </a:txBody>
+                  <a:tcPr marL="9525" marR="9525" marT="9525" marB="0" anchor="ctr"/>
+                </a:tc>
+                <a:tc>
+                  <a:txBody>
+                    <a:bodyPr/>
+                    <a:lstStyle/>
+                    <a:p>
+                      <a:pPr algn="ctr" rtl="0" fontAlgn="ctr"/>
+                      <a:r>
+                        <a:rPr lang="it-IT" sz="1600" u="none" strike="noStrike">
+                          <a:effectLst/>
+                        </a:rPr>
+                        <a:t>1</a:t>
+                      </a:r>
+                      <a:endParaRPr lang="it-IT" sz="1600" b="0" i="0" u="none" strike="noStrike">
+                        <a:solidFill>
+                          <a:srgbClr val="000000"/>
+                        </a:solidFill>
+                        <a:effectLst/>
+                        <a:latin typeface="Georgia" panose="02040502050405020303" pitchFamily="18" charset="0"/>
+                      </a:endParaRPr>
+                    </a:p>
+                  </a:txBody>
+                  <a:tcPr marL="9525" marR="9525" marT="9525" marB="0" anchor="ctr"/>
+                </a:tc>
+              </a:tr>
+              <a:tr h="555865">
+                <a:tc>
+                  <a:txBody>
+                    <a:bodyPr/>
+                    <a:lstStyle/>
+                    <a:p>
+                      <a:pPr algn="l" rtl="0" fontAlgn="ctr"/>
+                      <a:r>
+                        <a:rPr lang="it-IT" sz="1600" u="none" strike="noStrike">
+                          <a:effectLst/>
+                        </a:rPr>
+                        <a:t>T5</a:t>
+                      </a:r>
+                      <a:endParaRPr lang="it-IT" sz="1600" b="0" i="0" u="none" strike="noStrike">
+                        <a:solidFill>
+                          <a:srgbClr val="000000"/>
+                        </a:solidFill>
+                        <a:effectLst/>
+                        <a:latin typeface="Times New Roman" panose="02020603050405020304" pitchFamily="18" charset="0"/>
+                      </a:endParaRPr>
+                    </a:p>
+                  </a:txBody>
+                  <a:tcPr marL="9525" marR="9525" marT="9525" marB="0" anchor="ctr"/>
+                </a:tc>
+                <a:tc>
+                  <a:txBody>
+                    <a:bodyPr/>
+                    <a:lstStyle/>
+                    <a:p>
+                      <a:pPr algn="ctr" rtl="0" fontAlgn="ctr"/>
+                      <a:r>
+                        <a:rPr lang="it-IT" sz="1600" u="none" strike="noStrike">
+                          <a:effectLst/>
+                        </a:rPr>
+                        <a:t>1,0</a:t>
+                      </a:r>
+                      <a:endParaRPr lang="it-IT" sz="1600" b="0" i="0" u="none" strike="noStrike">
+                        <a:solidFill>
+                          <a:srgbClr val="000000"/>
+                        </a:solidFill>
+                        <a:effectLst/>
+                        <a:latin typeface="Georgia" panose="02040502050405020303" pitchFamily="18" charset="0"/>
+                      </a:endParaRPr>
+                    </a:p>
+                  </a:txBody>
+                  <a:tcPr marL="9525" marR="9525" marT="9525" marB="0" anchor="ctr"/>
+                </a:tc>
+                <a:tc>
+                  <a:txBody>
+                    <a:bodyPr/>
+                    <a:lstStyle/>
+                    <a:p>
+                      <a:pPr algn="ctr" rtl="0" fontAlgn="ctr"/>
+                      <a:r>
+                        <a:rPr lang="it-IT" sz="1600" u="none" strike="noStrike">
+                          <a:effectLst/>
+                        </a:rPr>
+                        <a:t>2</a:t>
+                      </a:r>
+                      <a:endParaRPr lang="it-IT" sz="1600" b="0" i="0" u="none" strike="noStrike">
+                        <a:solidFill>
+                          <a:srgbClr val="000000"/>
+                        </a:solidFill>
+                        <a:effectLst/>
+                        <a:latin typeface="Georgia" panose="02040502050405020303" pitchFamily="18" charset="0"/>
+                      </a:endParaRPr>
+                    </a:p>
+                  </a:txBody>
+                  <a:tcPr marL="9525" marR="9525" marT="9525" marB="0" anchor="ctr"/>
+                </a:tc>
+                <a:tc>
+                  <a:txBody>
+                    <a:bodyPr/>
+                    <a:lstStyle/>
+                    <a:p>
+                      <a:pPr algn="ctr" rtl="0" fontAlgn="ctr"/>
+                      <a:r>
+                        <a:rPr lang="it-IT" sz="1600" u="none" strike="noStrike">
+                          <a:effectLst/>
+                        </a:rPr>
+                        <a:t>3,0</a:t>
+                      </a:r>
+                      <a:endParaRPr lang="it-IT" sz="1600" b="0" i="0" u="none" strike="noStrike">
+                        <a:solidFill>
+                          <a:srgbClr val="000000"/>
+                        </a:solidFill>
+                        <a:effectLst/>
+                        <a:latin typeface="Georgia" panose="02040502050405020303" pitchFamily="18" charset="0"/>
+                      </a:endParaRPr>
+                    </a:p>
+                  </a:txBody>
+                  <a:tcPr marL="9525" marR="9525" marT="9525" marB="0" anchor="ctr"/>
+                </a:tc>
+                <a:tc>
+                  <a:txBody>
+                    <a:bodyPr/>
+                    <a:lstStyle/>
+                    <a:p>
+                      <a:pPr algn="ctr" rtl="0" fontAlgn="ctr"/>
+                      <a:r>
+                        <a:rPr lang="it-IT" sz="1600" u="none" strike="noStrike">
+                          <a:effectLst/>
+                        </a:rPr>
+                        <a:t>1,0</a:t>
+                      </a:r>
+                      <a:endParaRPr lang="it-IT" sz="1600" b="0" i="0" u="none" strike="noStrike">
+                        <a:solidFill>
+                          <a:srgbClr val="000000"/>
+                        </a:solidFill>
+                        <a:effectLst/>
+                        <a:latin typeface="Georgia" panose="02040502050405020303" pitchFamily="18" charset="0"/>
+                      </a:endParaRPr>
+                    </a:p>
+                  </a:txBody>
+                  <a:tcPr marL="9525" marR="9525" marT="9525" marB="0" anchor="ctr"/>
+                </a:tc>
+              </a:tr>
+              <a:tr h="555865">
+                <a:tc>
+                  <a:txBody>
+                    <a:bodyPr/>
+                    <a:lstStyle/>
+                    <a:p>
+                      <a:pPr algn="l" rtl="0" fontAlgn="ctr"/>
+                      <a:r>
+                        <a:rPr lang="it-IT" sz="1600" u="none" strike="noStrike" dirty="0">
+                          <a:effectLst/>
+                        </a:rPr>
+                        <a:t>T6</a:t>
+                      </a:r>
+                      <a:endParaRPr lang="it-IT" sz="1600" b="0" i="0" u="none" strike="noStrike" dirty="0">
+                        <a:solidFill>
+                          <a:srgbClr val="000000"/>
+                        </a:solidFill>
+                        <a:effectLst/>
+                        <a:latin typeface="Times New Roman" panose="02020603050405020304" pitchFamily="18" charset="0"/>
+                      </a:endParaRPr>
+                    </a:p>
+                  </a:txBody>
+                  <a:tcPr marL="9525" marR="9525" marT="9525" marB="0" anchor="ctr"/>
+                </a:tc>
+                <a:tc>
+                  <a:txBody>
+                    <a:bodyPr/>
+                    <a:lstStyle/>
+                    <a:p>
+                      <a:pPr algn="ctr" fontAlgn="ctr"/>
+                      <a:r>
+                        <a:rPr lang="it-IT" sz="1600" u="none" strike="noStrike">
+                          <a:effectLst/>
+                        </a:rPr>
+                        <a:t>2</a:t>
+                      </a:r>
+                      <a:endParaRPr lang="it-IT" sz="1600" b="0" i="0" u="none" strike="noStrike">
+                        <a:solidFill>
+                          <a:srgbClr val="000000"/>
+                        </a:solidFill>
+                        <a:effectLst/>
+                        <a:latin typeface="Georgia" panose="02040502050405020303" pitchFamily="18" charset="0"/>
+                      </a:endParaRPr>
+                    </a:p>
+                  </a:txBody>
+                  <a:tcPr marL="9525" marR="9525" marT="9525" marB="0" anchor="ctr"/>
+                </a:tc>
+                <a:tc>
+                  <a:txBody>
+                    <a:bodyPr/>
+                    <a:lstStyle/>
+                    <a:p>
+                      <a:pPr algn="ctr" rtl="0" fontAlgn="ctr"/>
+                      <a:r>
+                        <a:rPr lang="it-IT" sz="1600" u="none" strike="noStrike">
+                          <a:effectLst/>
+                        </a:rPr>
+                        <a:t>2,0</a:t>
+                      </a:r>
+                      <a:endParaRPr lang="it-IT" sz="1600" b="0" i="0" u="none" strike="noStrike">
+                        <a:solidFill>
+                          <a:srgbClr val="000000"/>
+                        </a:solidFill>
+                        <a:effectLst/>
+                        <a:latin typeface="Georgia" panose="02040502050405020303" pitchFamily="18" charset="0"/>
+                      </a:endParaRPr>
+                    </a:p>
+                  </a:txBody>
+                  <a:tcPr marL="9525" marR="9525" marT="9525" marB="0" anchor="ctr"/>
+                </a:tc>
+                <a:tc>
+                  <a:txBody>
+                    <a:bodyPr/>
+                    <a:lstStyle/>
+                    <a:p>
+                      <a:pPr algn="ctr" fontAlgn="ctr"/>
+                      <a:r>
+                        <a:rPr lang="it-IT" sz="1600" u="none" strike="noStrike">
+                          <a:effectLst/>
+                        </a:rPr>
+                        <a:t> </a:t>
+                      </a:r>
+                      <a:endParaRPr lang="it-IT" sz="1600" b="0" i="0" u="none" strike="noStrike">
+                        <a:solidFill>
+                          <a:srgbClr val="000000"/>
+                        </a:solidFill>
+                        <a:effectLst/>
+                        <a:latin typeface="Georgia" panose="02040502050405020303" pitchFamily="18" charset="0"/>
+                      </a:endParaRPr>
+                    </a:p>
+                  </a:txBody>
+                  <a:tcPr marL="9525" marR="9525" marT="9525" marB="0" anchor="ctr"/>
+                </a:tc>
+                <a:tc>
+                  <a:txBody>
+                    <a:bodyPr/>
+                    <a:lstStyle/>
+                    <a:p>
+                      <a:pPr algn="ctr" fontAlgn="ctr"/>
+                      <a:r>
+                        <a:rPr lang="it-IT" sz="1600" u="none" strike="noStrike" dirty="0">
+                          <a:effectLst/>
+                        </a:rPr>
+                        <a:t>1,667</a:t>
+                      </a:r>
+                      <a:endParaRPr lang="it-IT" sz="1600" b="0" i="0" u="none" strike="noStrike" dirty="0">
+                        <a:solidFill>
+                          <a:srgbClr val="000000"/>
+                        </a:solidFill>
+                        <a:effectLst/>
+                        <a:latin typeface="Georgia" panose="02040502050405020303" pitchFamily="18" charset="0"/>
+                      </a:endParaRPr>
+                    </a:p>
+                  </a:txBody>
+                  <a:tcPr marL="9525" marR="9525" marT="9525" marB="0" anchor="ctr"/>
+                </a:tc>
               </a:tr>
             </a:tbl>
           </a:graphicData>
@@ -19538,7 +19028,7 @@
     </p:spTree>
     <p:extLst>
       <p:ext uri="{BB962C8B-B14F-4D97-AF65-F5344CB8AC3E}">
-        <p14:creationId xmlns:p14="http://schemas.microsoft.com/office/powerpoint/2010/main" val="813295003"/>
+        <p14:creationId xmlns:p14="http://schemas.microsoft.com/office/powerpoint/2010/main" val="2929040189"/>
       </p:ext>
     </p:extLst>
   </p:cSld>
@@ -19579,7 +19069,7 @@
                                           </p:stCondLst>
                                         </p:cTn>
                                         <p:tgtEl>
-                                          <p:spTgt spid="6"/>
+                                          <p:spTgt spid="5"/>
                                         </p:tgtEl>
                                         <p:attrNameLst>
                                           <p:attrName>style.visibility</p:attrName>
@@ -19593,7 +19083,7 @@
                                       <p:cBhvr additive="base">
                                         <p:cTn id="7" dur="500" fill="hold"/>
                                         <p:tgtEl>
-                                          <p:spTgt spid="6"/>
+                                          <p:spTgt spid="5"/>
                                         </p:tgtEl>
                                         <p:attrNameLst>
                                           <p:attrName>ppt_x</p:attrName>
@@ -19616,7 +19106,110 @@
                                       <p:cBhvr additive="base">
                                         <p:cTn id="8" dur="500" fill="hold"/>
                                         <p:tgtEl>
-                                          <p:spTgt spid="6"/>
+                                          <p:spTgt spid="5"/>
+                                        </p:tgtEl>
+                                        <p:attrNameLst>
+                                          <p:attrName>ppt_y</p:attrName>
+                                        </p:attrNameLst>
+                                      </p:cBhvr>
+                                      <p:tavLst>
+                                        <p:tav tm="0">
+                                          <p:val>
+                                            <p:strVal val="1+#ppt_h/2"/>
+                                          </p:val>
+                                        </p:tav>
+                                        <p:tav tm="100000">
+                                          <p:val>
+                                            <p:strVal val="#ppt_y"/>
+                                          </p:val>
+                                        </p:tav>
+                                      </p:tavLst>
+                                    </p:anim>
+                                  </p:childTnLst>
+                                </p:cTn>
+                              </p:par>
+                            </p:childTnLst>
+                          </p:cTn>
+                        </p:par>
+                      </p:childTnLst>
+                    </p:cTn>
+                  </p:par>
+                  <p:par>
+                    <p:cTn id="9" fill="hold">
+                      <p:stCondLst>
+                        <p:cond delay="indefinite"/>
+                      </p:stCondLst>
+                      <p:childTnLst>
+                        <p:par>
+                          <p:cTn id="10" fill="hold">
+                            <p:stCondLst>
+                              <p:cond delay="0"/>
+                            </p:stCondLst>
+                            <p:childTnLst>
+                              <p:par>
+                                <p:cTn id="11" presetID="2" presetClass="entr" presetSubtype="4" fill="hold" grpId="0" nodeType="clickEffect">
+                                  <p:stCondLst>
+                                    <p:cond delay="0"/>
+                                  </p:stCondLst>
+                                  <p:childTnLst>
+                                    <p:set>
+                                      <p:cBhvr>
+                                        <p:cTn id="12" dur="1" fill="hold">
+                                          <p:stCondLst>
+                                            <p:cond delay="0"/>
+                                          </p:stCondLst>
+                                        </p:cTn>
+                                        <p:tgtEl>
+                                          <p:spTgt spid="3">
+                                            <p:txEl>
+                                              <p:pRg st="0" end="0"/>
+                                            </p:txEl>
+                                          </p:spTgt>
+                                        </p:tgtEl>
+                                        <p:attrNameLst>
+                                          <p:attrName>style.visibility</p:attrName>
+                                        </p:attrNameLst>
+                                      </p:cBhvr>
+                                      <p:to>
+                                        <p:strVal val="visible"/>
+                                      </p:to>
+                                    </p:set>
+                                    <p:anim calcmode="lin" valueType="num">
+                                      <p:cBhvr additive="base">
+                                        <p:cTn id="13" dur="500" fill="hold"/>
+                                        <p:tgtEl>
+                                          <p:spTgt spid="3">
+                                            <p:txEl>
+                                              <p:pRg st="0" end="0"/>
+                                            </p:txEl>
+                                          </p:spTgt>
+                                        </p:tgtEl>
+                                        <p:attrNameLst>
+                                          <p:attrName>ppt_x</p:attrName>
+                                        </p:attrNameLst>
+                                      </p:cBhvr>
+                                      <p:tavLst>
+                                        <p:tav tm="0">
+                                          <p:val>
+                                            <p:strVal val="#ppt_x"/>
+                                          </p:val>
+                                        </p:tav>
+                                        <p:tav tm="100000">
+                                          <p:val>
+                                            <p:strVal val="#ppt_x"/>
+                                          </p:val>
+                                        </p:tav>
+                                      </p:tavLst>
+                                    </p:anim>
+                                    <p:anim calcmode="lin" valueType="num">
+                                      <p:cBhvr additive="base">
+                                        <p:cTn id="14" dur="500" fill="hold"/>
+                                        <p:tgtEl>
+                                          <p:spTgt spid="3">
+                                            <p:txEl>
+                                              <p:pRg st="0" end="0"/>
+                                            </p:txEl>
+                                          </p:spTgt>
                                         </p:tgtEl>
                                         <p:attrNameLst>
                                           <p:attrName>ppt_y</p:attrName>
@@ -19665,6 +19258,9 @@
         </p:cTn>
       </p:par>
     </p:tnLst>
+    <p:bldLst>
+      <p:bldP spid="3" grpId="0" build="p"/>
+    </p:bldLst>
   </p:timing>
 </p:sld>
 </file>
@@ -19688,7 +19284,7 @@
       </p:grpSpPr>
       <p:sp>
         <p:nvSpPr>
-          <p:cNvPr id="4" name="Rectangle 2"/>
+          <p:cNvPr id="2" name="Titolo 1"/>
           <p:cNvSpPr>
             <a:spLocks noGrp="1"/>
           </p:cNvSpPr>
@@ -19698,482 +19294,163 @@
         </p:nvSpPr>
         <p:spPr/>
         <p:txBody>
+          <a:bodyPr/>
+          <a:lstStyle/>
+          <a:p>
+            <a:r>
+              <a:rPr lang="it-IT" dirty="0" smtClean="0"/>
+              <a:t>scenario</a:t>
+            </a:r>
+            <a:endParaRPr lang="it-IT" dirty="0"/>
+          </a:p>
+        </p:txBody>
+      </p:sp>
+      <p:sp>
+        <p:nvSpPr>
+          <p:cNvPr id="3" name="Segnaposto contenuto 2"/>
+          <p:cNvSpPr>
+            <a:spLocks noGrp="1"/>
+          </p:cNvSpPr>
+          <p:nvPr>
+            <p:ph idx="1"/>
+          </p:nvPr>
+        </p:nvSpPr>
+        <p:spPr>
+          <a:xfrm>
+            <a:off x="395536" y="1556792"/>
+            <a:ext cx="8596064" cy="4523333"/>
+          </a:xfrm>
+        </p:spPr>
+        <p:txBody>
           <a:bodyPr>
             <a:normAutofit/>
           </a:bodyPr>
           <a:lstStyle/>
           <a:p>
-            <a:r>
-              <a:rPr lang="it-IT" kern="1200" cap="all" baseline="0" dirty="0">
-                <a:solidFill>
-                  <a:schemeClr val="tx2"/>
-                </a:solidFill>
+            <a:pPr marL="514350" indent="-514350">
+              <a:buAutoNum type="arabicPeriod"/>
+            </a:pPr>
+            <a:r>
+              <a:rPr lang="it-IT" dirty="0" smtClean="0">
                 <a:effectLst>
-                  <a:reflection blurRad="12700" stA="48000" endA="300" endPos="55000" dir="5400000" sy="-90000" algn="bl" rotWithShape="0"/>
+                  <a:outerShdw blurRad="38100" dist="38100" dir="2700000" algn="tl">
+                    <a:srgbClr val="000000">
+                      <a:alpha val="43137"/>
+                    </a:srgbClr>
+                  </a:outerShdw>
                 </a:effectLst>
-                <a:latin typeface="Calibri" panose="020F0502020204030204" pitchFamily="34" charset="0"/>
-                <a:cs typeface="Calibri" panose="020F0502020204030204" pitchFamily="34" charset="0"/>
               </a:rPr>
-              <a:t>Descrizione dei task</a:t>
+              <a:t>Visualizza Storie</a:t>
+            </a:r>
+          </a:p>
+          <a:p>
+            <a:pPr marL="514350" indent="-514350">
+              <a:buAutoNum type="arabicPeriod"/>
+            </a:pPr>
+            <a:endParaRPr lang="it-IT" dirty="0" smtClean="0">
+              <a:effectLst>
+                <a:outerShdw blurRad="38100" dist="38100" dir="2700000" algn="tl">
+                  <a:srgbClr val="000000">
+                    <a:alpha val="43137"/>
+                  </a:srgbClr>
+                </a:outerShdw>
+              </a:effectLst>
+            </a:endParaRPr>
+          </a:p>
+          <a:p>
+            <a:pPr marL="457200" indent="-457200">
+              <a:buAutoNum type="arabicPeriod"/>
+            </a:pPr>
+            <a:r>
+              <a:rPr lang="it-IT" dirty="0" smtClean="0">
+                <a:effectLst>
+                  <a:outerShdw blurRad="38100" dist="38100" dir="2700000" algn="tl">
+                    <a:srgbClr val="000000">
+                      <a:alpha val="43137"/>
+                    </a:srgbClr>
+                  </a:outerShdw>
+                </a:effectLst>
+              </a:rPr>
+              <a:t>Ricevi aiuto</a:t>
+            </a:r>
+          </a:p>
+          <a:p>
+            <a:pPr marL="457200" indent="-457200">
+              <a:buAutoNum type="arabicPeriod"/>
+            </a:pPr>
+            <a:endParaRPr lang="it-IT" dirty="0" smtClean="0">
+              <a:effectLst>
+                <a:outerShdw blurRad="38100" dist="38100" dir="2700000" algn="tl">
+                  <a:srgbClr val="000000">
+                    <a:alpha val="43137"/>
+                  </a:srgbClr>
+                </a:outerShdw>
+              </a:effectLst>
+            </a:endParaRPr>
+          </a:p>
+          <a:p>
+            <a:pPr marL="457200" indent="-457200">
+              <a:buAutoNum type="arabicPeriod"/>
+            </a:pPr>
+            <a:r>
+              <a:rPr lang="it-IT" dirty="0" smtClean="0">
+                <a:effectLst>
+                  <a:outerShdw blurRad="38100" dist="38100" dir="2700000" algn="tl">
+                    <a:srgbClr val="000000">
+                      <a:alpha val="43137"/>
+                    </a:srgbClr>
+                  </a:outerShdw>
+                </a:effectLst>
+              </a:rPr>
+              <a:t>Come far agire i genitori</a:t>
+            </a:r>
+          </a:p>
+          <a:p>
+            <a:pPr marL="457200" indent="-457200">
+              <a:buAutoNum type="arabicPeriod"/>
+            </a:pPr>
+            <a:endParaRPr lang="it-IT" dirty="0" smtClean="0">
+              <a:effectLst>
+                <a:outerShdw blurRad="38100" dist="38100" dir="2700000" algn="tl">
+                  <a:srgbClr val="000000">
+                    <a:alpha val="43137"/>
+                  </a:srgbClr>
+                </a:outerShdw>
+              </a:effectLst>
+            </a:endParaRPr>
+          </a:p>
+          <a:p>
+            <a:pPr marL="457200" indent="-457200">
+              <a:buAutoNum type="arabicPeriod"/>
+            </a:pPr>
+            <a:r>
+              <a:rPr lang="it-IT" dirty="0" smtClean="0">
+                <a:effectLst>
+                  <a:outerShdw blurRad="38100" dist="38100" dir="2700000" algn="tl">
+                    <a:srgbClr val="000000">
+                      <a:alpha val="43137"/>
+                    </a:srgbClr>
+                  </a:outerShdw>
+                </a:effectLst>
+              </a:rPr>
+              <a:t>Scrivi storia</a:t>
             </a:r>
             <a:endParaRPr lang="it-IT" dirty="0">
-              <a:latin typeface="Calibri" panose="020F0502020204030204" pitchFamily="34" charset="0"/>
-              <a:cs typeface="Calibri" panose="020F0502020204030204" pitchFamily="34" charset="0"/>
+              <a:effectLst>
+                <a:outerShdw blurRad="38100" dist="38100" dir="2700000" algn="tl">
+                  <a:srgbClr val="000000">
+                    <a:alpha val="43137"/>
+                  </a:srgbClr>
+                </a:outerShdw>
+              </a:effectLst>
             </a:endParaRPr>
           </a:p>
         </p:txBody>
       </p:sp>
-      <p:graphicFrame>
-        <p:nvGraphicFramePr>
-          <p:cNvPr id="6" name="Tabella 5"/>
-          <p:cNvGraphicFramePr>
-            <a:graphicFrameLocks noGrp="1"/>
-          </p:cNvGraphicFramePr>
-          <p:nvPr>
-            <p:extLst>
-              <p:ext uri="{D42A27DB-BD31-4B8C-83A1-F6EECF244321}">
-                <p14:modId xmlns:p14="http://schemas.microsoft.com/office/powerpoint/2010/main" val="3705774099"/>
-              </p:ext>
-            </p:extLst>
-          </p:nvPr>
-        </p:nvGraphicFramePr>
-        <p:xfrm>
-          <a:off x="1367796" y="1271262"/>
-          <a:ext cx="6408408" cy="5057896"/>
-        </p:xfrm>
-        <a:graphic>
-          <a:graphicData uri="http://schemas.openxmlformats.org/drawingml/2006/table">
-            <a:tbl>
-              <a:tblPr firstRow="1" bandRow="1">
-                <a:tableStyleId>{93296810-A885-4BE3-A3E7-6D5BEEA58F35}</a:tableStyleId>
-              </a:tblPr>
-              <a:tblGrid>
-                <a:gridCol w="2136136">
-                  <a:extLst>
-                    <a:ext uri="{9D8B030D-6E8A-4147-A177-3AD203B41FA5}">
-                      <a16:colId xmlns="" xmlns:a16="http://schemas.microsoft.com/office/drawing/2014/main" val="20000"/>
-                    </a:ext>
-                  </a:extLst>
-                </a:gridCol>
-                <a:gridCol w="2534398">
-                  <a:extLst>
-                    <a:ext uri="{9D8B030D-6E8A-4147-A177-3AD203B41FA5}">
-                      <a16:colId xmlns="" xmlns:a16="http://schemas.microsoft.com/office/drawing/2014/main" val="20001"/>
-                    </a:ext>
-                  </a:extLst>
-                </a:gridCol>
-                <a:gridCol w="1737874">
-                  <a:extLst>
-                    <a:ext uri="{9D8B030D-6E8A-4147-A177-3AD203B41FA5}">
-                      <a16:colId xmlns="" xmlns:a16="http://schemas.microsoft.com/office/drawing/2014/main" val="20002"/>
-                    </a:ext>
-                  </a:extLst>
-                </a:gridCol>
-              </a:tblGrid>
-              <a:tr h="341091">
-                <a:tc gridSpan="3">
-                  <a:txBody>
-                    <a:bodyPr/>
-                    <a:lstStyle/>
-                    <a:p>
-                      <a:r>
-                        <a:rPr lang="it-IT" dirty="0"/>
-                        <a:t>Annamaria</a:t>
-                      </a:r>
-                    </a:p>
-                  </a:txBody>
-                  <a:tcPr/>
-                </a:tc>
-                <a:tc hMerge="1">
-                  <a:txBody>
-                    <a:bodyPr/>
-                    <a:lstStyle/>
-                    <a:p>
-                      <a:endParaRPr lang="it-IT"/>
-                    </a:p>
-                  </a:txBody>
-                  <a:tcPr/>
-                </a:tc>
-                <a:tc hMerge="1">
-                  <a:txBody>
-                    <a:bodyPr/>
-                    <a:lstStyle/>
-                    <a:p>
-                      <a:endParaRPr lang="it-IT" dirty="0"/>
-                    </a:p>
-                  </a:txBody>
-                  <a:tcPr/>
-                </a:tc>
-                <a:extLst>
-                  <a:ext uri="{0D108BD9-81ED-4DB2-BD59-A6C34878D82A}">
-                    <a16:rowId xmlns="" xmlns:a16="http://schemas.microsoft.com/office/drawing/2014/main" val="10000"/>
-                  </a:ext>
-                </a:extLst>
-              </a:tr>
-              <a:tr h="596909">
-                <a:tc>
-                  <a:txBody>
-                    <a:bodyPr/>
-                    <a:lstStyle/>
-                    <a:p>
-                      <a:pPr algn="ctr"/>
-                      <a:r>
-                        <a:rPr lang="it-IT" dirty="0">
-                          <a:solidFill>
-                            <a:schemeClr val="accent6">
-                              <a:lumMod val="75000"/>
-                            </a:schemeClr>
-                          </a:solidFill>
-                        </a:rPr>
-                        <a:t>Task</a:t>
-                      </a:r>
-                    </a:p>
-                  </a:txBody>
-                  <a:tcPr/>
-                </a:tc>
-                <a:tc>
-                  <a:txBody>
-                    <a:bodyPr/>
-                    <a:lstStyle/>
-                    <a:p>
-                      <a:pPr algn="ctr"/>
-                      <a:r>
-                        <a:rPr lang="it-IT" dirty="0">
-                          <a:solidFill>
-                            <a:schemeClr val="accent6">
-                              <a:lumMod val="75000"/>
-                            </a:schemeClr>
-                          </a:solidFill>
-                        </a:rPr>
-                        <a:t>Frequenza </a:t>
-                      </a:r>
-                    </a:p>
-                  </a:txBody>
-                  <a:tcPr/>
-                </a:tc>
-                <a:tc>
-                  <a:txBody>
-                    <a:bodyPr/>
-                    <a:lstStyle/>
-                    <a:p>
-                      <a:pPr algn="ctr"/>
-                      <a:r>
-                        <a:rPr lang="it-IT" dirty="0">
-                          <a:solidFill>
-                            <a:schemeClr val="accent6">
-                              <a:lumMod val="75000"/>
-                            </a:schemeClr>
-                          </a:solidFill>
-                        </a:rPr>
-                        <a:t>Importanza</a:t>
-                      </a:r>
-                    </a:p>
-                  </a:txBody>
-                  <a:tcPr/>
-                </a:tc>
-                <a:extLst>
-                  <a:ext uri="{0D108BD9-81ED-4DB2-BD59-A6C34878D82A}">
-                    <a16:rowId xmlns="" xmlns:a16="http://schemas.microsoft.com/office/drawing/2014/main" val="10001"/>
-                  </a:ext>
-                </a:extLst>
-              </a:tr>
-              <a:tr h="767454">
-                <a:tc>
-                  <a:txBody>
-                    <a:bodyPr/>
-                    <a:lstStyle/>
-                    <a:p>
-                      <a:r>
-                        <a:rPr lang="it-IT" sz="1600" dirty="0"/>
-                        <a:t>Consultare informazioni sul bullismo</a:t>
-                      </a:r>
-                    </a:p>
-                  </a:txBody>
-                  <a:tcPr/>
-                </a:tc>
-                <a:tc>
-                  <a:txBody>
-                    <a:bodyPr/>
-                    <a:lstStyle/>
-                    <a:p>
-                      <a:r>
-                        <a:rPr lang="it-IT" sz="1600" dirty="0"/>
-                        <a:t>1 volta ogni 6 mesi</a:t>
-                      </a:r>
-                    </a:p>
-                  </a:txBody>
-                  <a:tcPr/>
-                </a:tc>
-                <a:tc>
-                  <a:txBody>
-                    <a:bodyPr/>
-                    <a:lstStyle/>
-                    <a:p>
-                      <a:r>
-                        <a:rPr lang="it-IT" sz="1600" dirty="0"/>
-                        <a:t>media</a:t>
-                      </a:r>
-                    </a:p>
-                  </a:txBody>
-                  <a:tcPr/>
-                </a:tc>
-                <a:extLst>
-                  <a:ext uri="{0D108BD9-81ED-4DB2-BD59-A6C34878D82A}">
-                    <a16:rowId xmlns="" xmlns:a16="http://schemas.microsoft.com/office/drawing/2014/main" val="10002"/>
-                  </a:ext>
-                </a:extLst>
-              </a:tr>
-              <a:tr h="994847">
-                <a:tc>
-                  <a:txBody>
-                    <a:bodyPr/>
-                    <a:lstStyle/>
-                    <a:p>
-                      <a:r>
-                        <a:rPr lang="it-IT" sz="1600" dirty="0"/>
-                        <a:t>Consultare informazioni sul cyberbullismo</a:t>
-                      </a:r>
-                    </a:p>
-                  </a:txBody>
-                  <a:tcPr/>
-                </a:tc>
-                <a:tc>
-                  <a:txBody>
-                    <a:bodyPr/>
-                    <a:lstStyle/>
-                    <a:p>
-                      <a:r>
-                        <a:rPr lang="it-IT" sz="1600" dirty="0"/>
-                        <a:t>1 volta ogni 6 mesi</a:t>
-                      </a:r>
-                    </a:p>
-                  </a:txBody>
-                  <a:tcPr/>
-                </a:tc>
-                <a:tc>
-                  <a:txBody>
-                    <a:bodyPr/>
-                    <a:lstStyle/>
-                    <a:p>
-                      <a:r>
-                        <a:rPr lang="it-IT" sz="1600" dirty="0"/>
-                        <a:t>media</a:t>
-                      </a:r>
-                    </a:p>
-                  </a:txBody>
-                  <a:tcPr/>
-                </a:tc>
-                <a:extLst>
-                  <a:ext uri="{0D108BD9-81ED-4DB2-BD59-A6C34878D82A}">
-                    <a16:rowId xmlns="" xmlns:a16="http://schemas.microsoft.com/office/drawing/2014/main" val="10003"/>
-                  </a:ext>
-                </a:extLst>
-              </a:tr>
-              <a:tr h="540060">
-                <a:tc>
-                  <a:txBody>
-                    <a:bodyPr/>
-                    <a:lstStyle/>
-                    <a:p>
-                      <a:r>
-                        <a:rPr kumimoji="0" lang="it-IT" sz="1600" b="0" i="0" kern="1200" dirty="0">
-                          <a:solidFill>
-                            <a:schemeClr val="dk1"/>
-                          </a:solidFill>
-                          <a:effectLst/>
-                          <a:latin typeface="+mn-lt"/>
-                          <a:ea typeface="+mn-ea"/>
-                          <a:cs typeface="+mn-cs"/>
-                        </a:rPr>
-                        <a:t>Richiedere aiuto</a:t>
-                      </a:r>
-                      <a:endParaRPr lang="it-IT" sz="1600" b="0" i="0" dirty="0"/>
-                    </a:p>
-                  </a:txBody>
-                  <a:tcPr/>
-                </a:tc>
-                <a:tc>
-                  <a:txBody>
-                    <a:bodyPr/>
-                    <a:lstStyle/>
-                    <a:p>
-                      <a:r>
-                        <a:rPr lang="it-IT" sz="1600" dirty="0"/>
-                        <a:t>1 volta al giorno</a:t>
-                      </a:r>
-                    </a:p>
-                  </a:txBody>
-                  <a:tcPr/>
-                </a:tc>
-                <a:tc>
-                  <a:txBody>
-                    <a:bodyPr/>
-                    <a:lstStyle/>
-                    <a:p>
-                      <a:pPr algn="l"/>
-                      <a:r>
-                        <a:rPr lang="it-IT" sz="1600" dirty="0"/>
-                        <a:t>alta</a:t>
-                      </a:r>
-                    </a:p>
-                  </a:txBody>
-                  <a:tcPr/>
-                </a:tc>
-                <a:extLst>
-                  <a:ext uri="{0D108BD9-81ED-4DB2-BD59-A6C34878D82A}">
-                    <a16:rowId xmlns="" xmlns:a16="http://schemas.microsoft.com/office/drawing/2014/main" val="10004"/>
-                  </a:ext>
-                </a:extLst>
-              </a:tr>
-              <a:tr h="540060">
-                <a:tc>
-                  <a:txBody>
-                    <a:bodyPr/>
-                    <a:lstStyle/>
-                    <a:p>
-                      <a:r>
-                        <a:rPr lang="it-IT" sz="1600" b="0" i="0" dirty="0"/>
-                        <a:t>Condividere la propria esperienza</a:t>
-                      </a:r>
-                    </a:p>
-                  </a:txBody>
-                  <a:tcPr/>
-                </a:tc>
-                <a:tc>
-                  <a:txBody>
-                    <a:bodyPr/>
-                    <a:lstStyle/>
-                    <a:p>
-                      <a:r>
-                        <a:rPr lang="it-IT" sz="1600" dirty="0"/>
-                        <a:t>1 volta a settimana</a:t>
-                      </a:r>
-                    </a:p>
-                  </a:txBody>
-                  <a:tcPr/>
-                </a:tc>
-                <a:tc>
-                  <a:txBody>
-                    <a:bodyPr/>
-                    <a:lstStyle/>
-                    <a:p>
-                      <a:pPr algn="l"/>
-                      <a:r>
-                        <a:rPr lang="it-IT" sz="1600" dirty="0"/>
-                        <a:t>alta</a:t>
-                      </a:r>
-                    </a:p>
-                  </a:txBody>
-                  <a:tcPr/>
-                </a:tc>
-                <a:extLst>
-                  <a:ext uri="{0D108BD9-81ED-4DB2-BD59-A6C34878D82A}">
-                    <a16:rowId xmlns="" xmlns:a16="http://schemas.microsoft.com/office/drawing/2014/main" val="1014700042"/>
-                  </a:ext>
-                </a:extLst>
-              </a:tr>
-              <a:tr h="540060">
-                <a:tc>
-                  <a:txBody>
-                    <a:bodyPr/>
-                    <a:lstStyle/>
-                    <a:p>
-                      <a:r>
-                        <a:rPr lang="it-IT" sz="1600" b="0" i="0" dirty="0"/>
-                        <a:t>Imparare metodi di prevenzione</a:t>
-                      </a:r>
-                    </a:p>
-                  </a:txBody>
-                  <a:tcPr/>
-                </a:tc>
-                <a:tc>
-                  <a:txBody>
-                    <a:bodyPr/>
-                    <a:lstStyle/>
-                    <a:p>
-                      <a:r>
-                        <a:rPr lang="it-IT" sz="1600" dirty="0"/>
-                        <a:t>1 volta al giorno</a:t>
-                      </a:r>
-                    </a:p>
-                  </a:txBody>
-                  <a:tcPr/>
-                </a:tc>
-                <a:tc>
-                  <a:txBody>
-                    <a:bodyPr/>
-                    <a:lstStyle/>
-                    <a:p>
-                      <a:pPr algn="l"/>
-                      <a:r>
-                        <a:rPr lang="it-IT" sz="1600" dirty="0"/>
-                        <a:t>alta</a:t>
-                      </a:r>
-                    </a:p>
-                  </a:txBody>
-                  <a:tcPr/>
-                </a:tc>
-                <a:extLst>
-                  <a:ext uri="{0D108BD9-81ED-4DB2-BD59-A6C34878D82A}">
-                    <a16:rowId xmlns="" xmlns:a16="http://schemas.microsoft.com/office/drawing/2014/main" val="2008388912"/>
-                  </a:ext>
-                </a:extLst>
-              </a:tr>
-              <a:tr h="540060">
-                <a:tc>
-                  <a:txBody>
-                    <a:bodyPr/>
-                    <a:lstStyle/>
-                    <a:p>
-                      <a:r>
-                        <a:rPr lang="it-IT" sz="1600" b="0" i="0" dirty="0"/>
-                        <a:t>Valutare situazione dei propri figli</a:t>
-                      </a:r>
-                    </a:p>
-                  </a:txBody>
-                  <a:tcPr/>
-                </a:tc>
-                <a:tc>
-                  <a:txBody>
-                    <a:bodyPr/>
-                    <a:lstStyle/>
-                    <a:p>
-                      <a:r>
-                        <a:rPr lang="it-IT" sz="1600" dirty="0"/>
-                        <a:t>1 volta all’anno</a:t>
-                      </a:r>
-                    </a:p>
-                  </a:txBody>
-                  <a:tcPr/>
-                </a:tc>
-                <a:tc>
-                  <a:txBody>
-                    <a:bodyPr/>
-                    <a:lstStyle/>
-                    <a:p>
-                      <a:pPr algn="l"/>
-                      <a:r>
-                        <a:rPr lang="it-IT" sz="1600" dirty="0"/>
-                        <a:t>alta</a:t>
-                      </a:r>
-                    </a:p>
-                  </a:txBody>
-                  <a:tcPr/>
-                </a:tc>
-                <a:extLst>
-                  <a:ext uri="{0D108BD9-81ED-4DB2-BD59-A6C34878D82A}">
-                    <a16:rowId xmlns="" xmlns:a16="http://schemas.microsoft.com/office/drawing/2014/main" val="3286170515"/>
-                  </a:ext>
-                </a:extLst>
-              </a:tr>
-            </a:tbl>
-          </a:graphicData>
-        </a:graphic>
-      </p:graphicFrame>
     </p:spTree>
     <p:extLst>
       <p:ext uri="{BB962C8B-B14F-4D97-AF65-F5344CB8AC3E}">
-        <p14:creationId xmlns:p14="http://schemas.microsoft.com/office/powerpoint/2010/main" val="990461847"/>
+        <p14:creationId xmlns:p14="http://schemas.microsoft.com/office/powerpoint/2010/main" val="584659750"/>
       </p:ext>
     </p:extLst>
   </p:cSld>
@@ -20214,7 +19491,11 @@
                                           </p:stCondLst>
                                         </p:cTn>
                                         <p:tgtEl>
-                                          <p:spTgt spid="6"/>
+                                          <p:spTgt spid="3">
+                                            <p:txEl>
+                                              <p:pRg st="0" end="0"/>
+                                            </p:txEl>
+                                          </p:spTgt>
                                         </p:tgtEl>
                                         <p:attrNameLst>
                                           <p:attrName>style.visibility</p:attrName>
@@ -20228,7 +19509,11 @@
                                       <p:cBhvr additive="base">
                                         <p:cTn id="7" dur="500" fill="hold"/>
                                         <p:tgtEl>
-                                          <p:spTgt spid="6"/>
+                                          <p:spTgt spid="3">
+                                            <p:txEl>
+                                              <p:pRg st="0" end="0"/>
+                                            </p:txEl>
+                                          </p:spTgt>
                                         </p:tgtEl>
                                         <p:attrNameLst>
                                           <p:attrName>ppt_x</p:attrName>
@@ -20251,7 +19536,266 @@
                                       <p:cBhvr additive="base">
                                         <p:cTn id="8" dur="500" fill="hold"/>
                                         <p:tgtEl>
-                                          <p:spTgt spid="6"/>
+                                          <p:spTgt spid="3">
+                                            <p:txEl>
+                                              <p:pRg st="0" end="0"/>
+                                            </p:txEl>
+                                          </p:spTgt>
+                                        </p:tgtEl>
+                                        <p:attrNameLst>
+                                          <p:attrName>ppt_y</p:attrName>
+                                        </p:attrNameLst>
+                                      </p:cBhvr>
+                                      <p:tavLst>
+                                        <p:tav tm="0">
+                                          <p:val>
+                                            <p:strVal val="1+#ppt_h/2"/>
+                                          </p:val>
+                                        </p:tav>
+                                        <p:tav tm="100000">
+                                          <p:val>
+                                            <p:strVal val="#ppt_y"/>
+                                          </p:val>
+                                        </p:tav>
+                                      </p:tavLst>
+                                    </p:anim>
+                                  </p:childTnLst>
+                                </p:cTn>
+                              </p:par>
+                              <p:par>
+                                <p:cTn id="9" presetID="2" presetClass="entr" presetSubtype="4" fill="hold" nodeType="withEffect">
+                                  <p:stCondLst>
+                                    <p:cond delay="0"/>
+                                  </p:stCondLst>
+                                  <p:childTnLst>
+                                    <p:set>
+                                      <p:cBhvr>
+                                        <p:cTn id="10" dur="1" fill="hold">
+                                          <p:stCondLst>
+                                            <p:cond delay="0"/>
+                                          </p:stCondLst>
+                                        </p:cTn>
+                                        <p:tgtEl>
+                                          <p:spTgt spid="3">
+                                            <p:txEl>
+                                              <p:pRg st="2" end="2"/>
+                                            </p:txEl>
+                                          </p:spTgt>
+                                        </p:tgtEl>
+                                        <p:attrNameLst>
+                                          <p:attrName>style.visibility</p:attrName>
+                                        </p:attrNameLst>
+                                      </p:cBhvr>
+                                      <p:to>
+                                        <p:strVal val="visible"/>
+                                      </p:to>
+                                    </p:set>
+                                    <p:anim calcmode="lin" valueType="num">
+                                      <p:cBhvr additive="base">
+                                        <p:cTn id="11" dur="500" fill="hold"/>
+                                        <p:tgtEl>
+                                          <p:spTgt spid="3">
+                                            <p:txEl>
+                                              <p:pRg st="2" end="2"/>
+                                            </p:txEl>
+                                          </p:spTgt>
+                                        </p:tgtEl>
+                                        <p:attrNameLst>
+                                          <p:attrName>ppt_x</p:attrName>
+                                        </p:attrNameLst>
+                                      </p:cBhvr>
+                                      <p:tavLst>
+                                        <p:tav tm="0">
+                                          <p:val>
+                                            <p:strVal val="#ppt_x"/>
+                                          </p:val>
+                                        </p:tav>
+                                        <p:tav tm="100000">
+                                          <p:val>
+                                            <p:strVal val="#ppt_x"/>
+                                          </p:val>
+                                        </p:tav>
+                                      </p:tavLst>
+                                    </p:anim>
+                                    <p:anim calcmode="lin" valueType="num">
+                                      <p:cBhvr additive="base">
+                                        <p:cTn id="12" dur="500" fill="hold"/>
+                                        <p:tgtEl>
+                                          <p:spTgt spid="3">
+                                            <p:txEl>
+                                              <p:pRg st="2" end="2"/>
+                                            </p:txEl>
+                                          </p:spTgt>
+                                        </p:tgtEl>
+                                        <p:attrNameLst>
+                                          <p:attrName>ppt_y</p:attrName>
+                                        </p:attrNameLst>
+                                      </p:cBhvr>
+                                      <p:tavLst>
+                                        <p:tav tm="0">
+                                          <p:val>
+                                            <p:strVal val="1+#ppt_h/2"/>
+                                          </p:val>
+                                        </p:tav>
+                                        <p:tav tm="100000">
+                                          <p:val>
+                                            <p:strVal val="#ppt_y"/>
+                                          </p:val>
+                                        </p:tav>
+                                      </p:tavLst>
+                                    </p:anim>
+                                  </p:childTnLst>
+                                </p:cTn>
+                              </p:par>
+                              <p:par>
+                                <p:cTn id="13" presetID="2" presetClass="entr" presetSubtype="4" fill="hold" nodeType="withEffect">
+                                  <p:stCondLst>
+                                    <p:cond delay="0"/>
+                                  </p:stCondLst>
+                                  <p:childTnLst>
+                                    <p:set>
+                                      <p:cBhvr>
+                                        <p:cTn id="14" dur="1" fill="hold">
+                                          <p:stCondLst>
+                                            <p:cond delay="0"/>
+                                          </p:stCondLst>
+                                        </p:cTn>
+                                        <p:tgtEl>
+                                          <p:spTgt spid="3">
+                                            <p:txEl>
+                                              <p:pRg st="4" end="4"/>
+                                            </p:txEl>
+                                          </p:spTgt>
+                                        </p:tgtEl>
+                                        <p:attrNameLst>
+                                          <p:attrName>style.visibility</p:attrName>
+                                        </p:attrNameLst>
+                                      </p:cBhvr>
+                                      <p:to>
+                                        <p:strVal val="visible"/>
+                                      </p:to>
+                                    </p:set>
+                                    <p:anim calcmode="lin" valueType="num">
+                                      <p:cBhvr additive="base">
+                                        <p:cTn id="15" dur="500" fill="hold"/>
+                                        <p:tgtEl>
+                                          <p:spTgt spid="3">
+                                            <p:txEl>
+                                              <p:pRg st="4" end="4"/>
+                                            </p:txEl>
+                                          </p:spTgt>
+                                        </p:tgtEl>
+                                        <p:attrNameLst>
+                                          <p:attrName>ppt_x</p:attrName>
+                                        </p:attrNameLst>
+                                      </p:cBhvr>
+                                      <p:tavLst>
+                                        <p:tav tm="0">
+                                          <p:val>
+                                            <p:strVal val="#ppt_x"/>
+                                          </p:val>
+                                        </p:tav>
+                                        <p:tav tm="100000">
+                                          <p:val>
+                                            <p:strVal val="#ppt_x"/>
+                                          </p:val>
+                                        </p:tav>
+                                      </p:tavLst>
+                                    </p:anim>
+                                    <p:anim calcmode="lin" valueType="num">
+                                      <p:cBhvr additive="base">
+                                        <p:cTn id="16" dur="500" fill="hold"/>
+                                        <p:tgtEl>
+                                          <p:spTgt spid="3">
+                                            <p:txEl>
+                                              <p:pRg st="4" end="4"/>
+                                            </p:txEl>
+                                          </p:spTgt>
+                                        </p:tgtEl>
+                                        <p:attrNameLst>
+                                          <p:attrName>ppt_y</p:attrName>
+                                        </p:attrNameLst>
+                                      </p:cBhvr>
+                                      <p:tavLst>
+                                        <p:tav tm="0">
+                                          <p:val>
+                                            <p:strVal val="1+#ppt_h/2"/>
+                                          </p:val>
+                                        </p:tav>
+                                        <p:tav tm="100000">
+                                          <p:val>
+                                            <p:strVal val="#ppt_y"/>
+                                          </p:val>
+                                        </p:tav>
+                                      </p:tavLst>
+                                    </p:anim>
+                                  </p:childTnLst>
+                                </p:cTn>
+                              </p:par>
+                              <p:par>
+                                <p:cTn id="17" presetID="2" presetClass="entr" presetSubtype="4" fill="hold" nodeType="withEffect">
+                                  <p:stCondLst>
+                                    <p:cond delay="0"/>
+                                  </p:stCondLst>
+                                  <p:childTnLst>
+                                    <p:set>
+                                      <p:cBhvr>
+                                        <p:cTn id="18" dur="1" fill="hold">
+                                          <p:stCondLst>
+                                            <p:cond delay="0"/>
+                                          </p:stCondLst>
+                                        </p:cTn>
+                                        <p:tgtEl>
+                                          <p:spTgt spid="3">
+                                            <p:txEl>
+                                              <p:pRg st="6" end="6"/>
+                                            </p:txEl>
+                                          </p:spTgt>
+                                        </p:tgtEl>
+                                        <p:attrNameLst>
+                                          <p:attrName>style.visibility</p:attrName>
+                                        </p:attrNameLst>
+                                      </p:cBhvr>
+                                      <p:to>
+                                        <p:strVal val="visible"/>
+                                      </p:to>
+                                    </p:set>
+                                    <p:anim calcmode="lin" valueType="num">
+                                      <p:cBhvr additive="base">
+                                        <p:cTn id="19" dur="500" fill="hold"/>
+                                        <p:tgtEl>
+                                          <p:spTgt spid="3">
+                                            <p:txEl>
+                                              <p:pRg st="6" end="6"/>
+                                            </p:txEl>
+                                          </p:spTgt>
+                                        </p:tgtEl>
+                                        <p:attrNameLst>
+                                          <p:attrName>ppt_x</p:attrName>
+                                        </p:attrNameLst>
+                                      </p:cBhvr>
+                                      <p:tavLst>
+                                        <p:tav tm="0">
+                                          <p:val>
+                                            <p:strVal val="#ppt_x"/>
+                                          </p:val>
+                                        </p:tav>
+                                        <p:tav tm="100000">
+                                          <p:val>
+                                            <p:strVal val="#ppt_x"/>
+                                          </p:val>
+                                        </p:tav>
+                                      </p:tavLst>
+                                    </p:anim>
+                                    <p:anim calcmode="lin" valueType="num">
+                                      <p:cBhvr additive="base">
+                                        <p:cTn id="20" dur="500" fill="hold"/>
+                                        <p:tgtEl>
+                                          <p:spTgt spid="3">
+                                            <p:txEl>
+                                              <p:pRg st="6" end="6"/>
+                                            </p:txEl>
+                                          </p:spTgt>
                                         </p:tgtEl>
                                         <p:attrNameLst>
                                           <p:attrName>ppt_y</p:attrName>
